--- a/Apresentação.pptx
+++ b/Apresentação.pptx
@@ -112,6 +112,11 @@
       </a:defRPr>
     </a:lvl9pPr>
   </p:defaultTextStyle>
+  <p:extLst>
+    <p:ext uri="{EFAFB233-063F-42B5-8137-9DF3F51BA10A}">
+      <p15:sldGuideLst xmlns:p15="http://schemas.microsoft.com/office/powerpoint/2012/main"/>
+    </p:ext>
+  </p:extLst>
 </p:presentation>
 </file>
 
@@ -262,7 +267,7 @@
           <a:p>
             <a:fld id="{3ECDF3F8-65FC-454F-8B5E-A9FEA723F075}" type="datetimeFigureOut">
               <a:rPr lang="pt-PT" smtClean="0"/>
-              <a:t>13/12/2021</a:t>
+              <a:t>14/12/2021</a:t>
             </a:fld>
             <a:endParaRPr lang="pt-PT"/>
           </a:p>
@@ -460,7 +465,7 @@
           <a:p>
             <a:fld id="{3ECDF3F8-65FC-454F-8B5E-A9FEA723F075}" type="datetimeFigureOut">
               <a:rPr lang="pt-PT" smtClean="0"/>
-              <a:t>13/12/2021</a:t>
+              <a:t>14/12/2021</a:t>
             </a:fld>
             <a:endParaRPr lang="pt-PT"/>
           </a:p>
@@ -668,7 +673,7 @@
           <a:p>
             <a:fld id="{3ECDF3F8-65FC-454F-8B5E-A9FEA723F075}" type="datetimeFigureOut">
               <a:rPr lang="pt-PT" smtClean="0"/>
-              <a:t>13/12/2021</a:t>
+              <a:t>14/12/2021</a:t>
             </a:fld>
             <a:endParaRPr lang="pt-PT"/>
           </a:p>
@@ -866,7 +871,7 @@
           <a:p>
             <a:fld id="{3ECDF3F8-65FC-454F-8B5E-A9FEA723F075}" type="datetimeFigureOut">
               <a:rPr lang="pt-PT" smtClean="0"/>
-              <a:t>13/12/2021</a:t>
+              <a:t>14/12/2021</a:t>
             </a:fld>
             <a:endParaRPr lang="pt-PT"/>
           </a:p>
@@ -1141,7 +1146,7 @@
           <a:p>
             <a:fld id="{3ECDF3F8-65FC-454F-8B5E-A9FEA723F075}" type="datetimeFigureOut">
               <a:rPr lang="pt-PT" smtClean="0"/>
-              <a:t>13/12/2021</a:t>
+              <a:t>14/12/2021</a:t>
             </a:fld>
             <a:endParaRPr lang="pt-PT"/>
           </a:p>
@@ -1406,7 +1411,7 @@
           <a:p>
             <a:fld id="{3ECDF3F8-65FC-454F-8B5E-A9FEA723F075}" type="datetimeFigureOut">
               <a:rPr lang="pt-PT" smtClean="0"/>
-              <a:t>13/12/2021</a:t>
+              <a:t>14/12/2021</a:t>
             </a:fld>
             <a:endParaRPr lang="pt-PT"/>
           </a:p>
@@ -1818,7 +1823,7 @@
           <a:p>
             <a:fld id="{3ECDF3F8-65FC-454F-8B5E-A9FEA723F075}" type="datetimeFigureOut">
               <a:rPr lang="pt-PT" smtClean="0"/>
-              <a:t>13/12/2021</a:t>
+              <a:t>14/12/2021</a:t>
             </a:fld>
             <a:endParaRPr lang="pt-PT"/>
           </a:p>
@@ -1959,7 +1964,7 @@
           <a:p>
             <a:fld id="{3ECDF3F8-65FC-454F-8B5E-A9FEA723F075}" type="datetimeFigureOut">
               <a:rPr lang="pt-PT" smtClean="0"/>
-              <a:t>13/12/2021</a:t>
+              <a:t>14/12/2021</a:t>
             </a:fld>
             <a:endParaRPr lang="pt-PT"/>
           </a:p>
@@ -2072,7 +2077,7 @@
           <a:p>
             <a:fld id="{3ECDF3F8-65FC-454F-8B5E-A9FEA723F075}" type="datetimeFigureOut">
               <a:rPr lang="pt-PT" smtClean="0"/>
-              <a:t>13/12/2021</a:t>
+              <a:t>14/12/2021</a:t>
             </a:fld>
             <a:endParaRPr lang="pt-PT"/>
           </a:p>
@@ -2383,7 +2388,7 @@
           <a:p>
             <a:fld id="{3ECDF3F8-65FC-454F-8B5E-A9FEA723F075}" type="datetimeFigureOut">
               <a:rPr lang="pt-PT" smtClean="0"/>
-              <a:t>13/12/2021</a:t>
+              <a:t>14/12/2021</a:t>
             </a:fld>
             <a:endParaRPr lang="pt-PT"/>
           </a:p>
@@ -2671,7 +2676,7 @@
           <a:p>
             <a:fld id="{3ECDF3F8-65FC-454F-8B5E-A9FEA723F075}" type="datetimeFigureOut">
               <a:rPr lang="pt-PT" smtClean="0"/>
-              <a:t>13/12/2021</a:t>
+              <a:t>14/12/2021</a:t>
             </a:fld>
             <a:endParaRPr lang="pt-PT"/>
           </a:p>
@@ -2912,7 +2917,7 @@
           <a:p>
             <a:fld id="{3ECDF3F8-65FC-454F-8B5E-A9FEA723F075}" type="datetimeFigureOut">
               <a:rPr lang="pt-PT" smtClean="0"/>
-              <a:t>13/12/2021</a:t>
+              <a:t>14/12/2021</a:t>
             </a:fld>
             <a:endParaRPr lang="pt-PT"/>
           </a:p>
@@ -3492,7 +3497,7 @@
             <a:pPr algn="ctr"/>
             <a:r>
               <a:rPr lang="pt-PT" dirty="0"/>
-              <a:t>Vítor Manuel da Silva Cavaleiro – up20200****</a:t>
+              <a:t>Vítor Manuel da Silva Cavaleiro – up202004724</a:t>
             </a:r>
           </a:p>
           <a:p>

--- a/Apresentação.pptx
+++ b/Apresentação.pptx
@@ -15,6 +15,7 @@
     <p:sldId id="262" r:id="rId10"/>
     <p:sldId id="263" r:id="rId11"/>
     <p:sldId id="264" r:id="rId12"/>
+    <p:sldId id="265" r:id="rId13"/>
   </p:sldIdLst>
   <p:sldSz cx="12192000" cy="6858000"/>
   <p:notesSz cx="7559675" cy="10691812"/>
@@ -62,7 +63,7 @@
       </p:grpSpPr>
       <p:sp>
         <p:nvSpPr>
-          <p:cNvPr id="26" name="PlaceHolder 1"/>
+          <p:cNvPr id="23" name="PlaceHolder 1"/>
           <p:cNvSpPr>
             <a:spLocks noGrp="1"/>
           </p:cNvSpPr>
@@ -72,8 +73,8 @@
         </p:nvSpPr>
         <p:spPr>
           <a:xfrm>
-            <a:off x="838080" y="365040"/>
-            <a:ext cx="10515240" cy="1325160"/>
+            <a:off x="609480" y="273600"/>
+            <a:ext cx="10972440" cy="1144800"/>
           </a:xfrm>
           <a:prstGeom prst="rect">
             <a:avLst/>
@@ -84,18 +85,16 @@
             <a:noAutofit/>
           </a:bodyPr>
           <a:p>
-            <a:endParaRPr b="0" lang="pt-PT" sz="1800" spc="-1" strike="noStrike">
-              <a:solidFill>
-                <a:srgbClr val="000000"/>
-              </a:solidFill>
-              <a:latin typeface="Calibri"/>
-            </a:endParaRPr>
-          </a:p>
-        </p:txBody>
-      </p:sp>
-      <p:sp>
-        <p:nvSpPr>
-          <p:cNvPr id="27" name="PlaceHolder 2"/>
+            <a:pPr algn="ctr"/>
+            <a:endParaRPr b="0" lang="pt-PT" sz="4400" spc="-1" strike="noStrike">
+              <a:latin typeface="Arial"/>
+            </a:endParaRPr>
+          </a:p>
+        </p:txBody>
+      </p:sp>
+      <p:sp>
+        <p:nvSpPr>
+          <p:cNvPr id="24" name="PlaceHolder 2"/>
           <p:cNvSpPr>
             <a:spLocks noGrp="1"/>
           </p:cNvSpPr>
@@ -105,8 +104,8 @@
         </p:nvSpPr>
         <p:spPr>
           <a:xfrm>
-            <a:off x="838080" y="1825560"/>
-            <a:ext cx="10515240" cy="2075040"/>
+            <a:off x="609480" y="1604520"/>
+            <a:ext cx="10972440" cy="1896840"/>
           </a:xfrm>
           <a:prstGeom prst="rect">
             <a:avLst/>
@@ -117,18 +116,15 @@
             <a:normAutofit/>
           </a:bodyPr>
           <a:p>
-            <a:endParaRPr b="0" lang="pt-PT" sz="2800" spc="-1" strike="noStrike">
-              <a:solidFill>
-                <a:srgbClr val="000000"/>
-              </a:solidFill>
-              <a:latin typeface="Calibri"/>
-            </a:endParaRPr>
-          </a:p>
-        </p:txBody>
-      </p:sp>
-      <p:sp>
-        <p:nvSpPr>
-          <p:cNvPr id="28" name="PlaceHolder 3"/>
+            <a:endParaRPr b="0" lang="pt-PT" sz="3200" spc="-1" strike="noStrike">
+              <a:latin typeface="Arial"/>
+            </a:endParaRPr>
+          </a:p>
+        </p:txBody>
+      </p:sp>
+      <p:sp>
+        <p:nvSpPr>
+          <p:cNvPr id="25" name="PlaceHolder 3"/>
           <p:cNvSpPr>
             <a:spLocks noGrp="1"/>
           </p:cNvSpPr>
@@ -138,8 +134,8 @@
         </p:nvSpPr>
         <p:spPr>
           <a:xfrm>
-            <a:off x="838080" y="4098240"/>
-            <a:ext cx="10515240" cy="2075040"/>
+            <a:off x="609480" y="3682080"/>
+            <a:ext cx="10972440" cy="1896840"/>
           </a:xfrm>
           <a:prstGeom prst="rect">
             <a:avLst/>
@@ -150,11 +146,8 @@
             <a:normAutofit/>
           </a:bodyPr>
           <a:p>
-            <a:endParaRPr b="0" lang="pt-PT" sz="2800" spc="-1" strike="noStrike">
-              <a:solidFill>
-                <a:srgbClr val="000000"/>
-              </a:solidFill>
-              <a:latin typeface="Calibri"/>
+            <a:endParaRPr b="0" lang="pt-PT" sz="3200" spc="-1" strike="noStrike">
+              <a:latin typeface="Arial"/>
             </a:endParaRPr>
           </a:p>
         </p:txBody>
@@ -183,7 +176,7 @@
       </p:grpSpPr>
       <p:sp>
         <p:nvSpPr>
-          <p:cNvPr id="29" name="PlaceHolder 1"/>
+          <p:cNvPr id="26" name="PlaceHolder 1"/>
           <p:cNvSpPr>
             <a:spLocks noGrp="1"/>
           </p:cNvSpPr>
@@ -193,8 +186,8 @@
         </p:nvSpPr>
         <p:spPr>
           <a:xfrm>
-            <a:off x="838080" y="365040"/>
-            <a:ext cx="10515240" cy="1325160"/>
+            <a:off x="609480" y="273600"/>
+            <a:ext cx="10972440" cy="1144800"/>
           </a:xfrm>
           <a:prstGeom prst="rect">
             <a:avLst/>
@@ -205,18 +198,16 @@
             <a:noAutofit/>
           </a:bodyPr>
           <a:p>
-            <a:endParaRPr b="0" lang="pt-PT" sz="1800" spc="-1" strike="noStrike">
-              <a:solidFill>
-                <a:srgbClr val="000000"/>
-              </a:solidFill>
-              <a:latin typeface="Calibri"/>
-            </a:endParaRPr>
-          </a:p>
-        </p:txBody>
-      </p:sp>
-      <p:sp>
-        <p:nvSpPr>
-          <p:cNvPr id="30" name="PlaceHolder 2"/>
+            <a:pPr algn="ctr"/>
+            <a:endParaRPr b="0" lang="pt-PT" sz="4400" spc="-1" strike="noStrike">
+              <a:latin typeface="Arial"/>
+            </a:endParaRPr>
+          </a:p>
+        </p:txBody>
+      </p:sp>
+      <p:sp>
+        <p:nvSpPr>
+          <p:cNvPr id="27" name="PlaceHolder 2"/>
           <p:cNvSpPr>
             <a:spLocks noGrp="1"/>
           </p:cNvSpPr>
@@ -226,8 +217,8 @@
         </p:nvSpPr>
         <p:spPr>
           <a:xfrm>
-            <a:off x="838080" y="1825560"/>
-            <a:ext cx="5131080" cy="2075040"/>
+            <a:off x="609480" y="1604520"/>
+            <a:ext cx="5354280" cy="1896840"/>
           </a:xfrm>
           <a:prstGeom prst="rect">
             <a:avLst/>
@@ -238,18 +229,15 @@
             <a:normAutofit/>
           </a:bodyPr>
           <a:p>
-            <a:endParaRPr b="0" lang="pt-PT" sz="2800" spc="-1" strike="noStrike">
-              <a:solidFill>
-                <a:srgbClr val="000000"/>
-              </a:solidFill>
-              <a:latin typeface="Calibri"/>
-            </a:endParaRPr>
-          </a:p>
-        </p:txBody>
-      </p:sp>
-      <p:sp>
-        <p:nvSpPr>
-          <p:cNvPr id="31" name="PlaceHolder 3"/>
+            <a:endParaRPr b="0" lang="pt-PT" sz="3200" spc="-1" strike="noStrike">
+              <a:latin typeface="Arial"/>
+            </a:endParaRPr>
+          </a:p>
+        </p:txBody>
+      </p:sp>
+      <p:sp>
+        <p:nvSpPr>
+          <p:cNvPr id="28" name="PlaceHolder 3"/>
           <p:cNvSpPr>
             <a:spLocks noGrp="1"/>
           </p:cNvSpPr>
@@ -259,8 +247,8 @@
         </p:nvSpPr>
         <p:spPr>
           <a:xfrm>
-            <a:off x="6226200" y="1825560"/>
-            <a:ext cx="5131080" cy="2075040"/>
+            <a:off x="6231960" y="1604520"/>
+            <a:ext cx="5354280" cy="1896840"/>
           </a:xfrm>
           <a:prstGeom prst="rect">
             <a:avLst/>
@@ -271,18 +259,15 @@
             <a:normAutofit/>
           </a:bodyPr>
           <a:p>
-            <a:endParaRPr b="0" lang="pt-PT" sz="2800" spc="-1" strike="noStrike">
-              <a:solidFill>
-                <a:srgbClr val="000000"/>
-              </a:solidFill>
-              <a:latin typeface="Calibri"/>
-            </a:endParaRPr>
-          </a:p>
-        </p:txBody>
-      </p:sp>
-      <p:sp>
-        <p:nvSpPr>
-          <p:cNvPr id="32" name="PlaceHolder 4"/>
+            <a:endParaRPr b="0" lang="pt-PT" sz="3200" spc="-1" strike="noStrike">
+              <a:latin typeface="Arial"/>
+            </a:endParaRPr>
+          </a:p>
+        </p:txBody>
+      </p:sp>
+      <p:sp>
+        <p:nvSpPr>
+          <p:cNvPr id="29" name="PlaceHolder 4"/>
           <p:cNvSpPr>
             <a:spLocks noGrp="1"/>
           </p:cNvSpPr>
@@ -292,8 +277,8 @@
         </p:nvSpPr>
         <p:spPr>
           <a:xfrm>
-            <a:off x="838080" y="4098240"/>
-            <a:ext cx="5131080" cy="2075040"/>
+            <a:off x="609480" y="3682080"/>
+            <a:ext cx="5354280" cy="1896840"/>
           </a:xfrm>
           <a:prstGeom prst="rect">
             <a:avLst/>
@@ -304,18 +289,15 @@
             <a:normAutofit/>
           </a:bodyPr>
           <a:p>
-            <a:endParaRPr b="0" lang="pt-PT" sz="2800" spc="-1" strike="noStrike">
-              <a:solidFill>
-                <a:srgbClr val="000000"/>
-              </a:solidFill>
-              <a:latin typeface="Calibri"/>
-            </a:endParaRPr>
-          </a:p>
-        </p:txBody>
-      </p:sp>
-      <p:sp>
-        <p:nvSpPr>
-          <p:cNvPr id="33" name="PlaceHolder 5"/>
+            <a:endParaRPr b="0" lang="pt-PT" sz="3200" spc="-1" strike="noStrike">
+              <a:latin typeface="Arial"/>
+            </a:endParaRPr>
+          </a:p>
+        </p:txBody>
+      </p:sp>
+      <p:sp>
+        <p:nvSpPr>
+          <p:cNvPr id="30" name="PlaceHolder 5"/>
           <p:cNvSpPr>
             <a:spLocks noGrp="1"/>
           </p:cNvSpPr>
@@ -325,8 +307,8 @@
         </p:nvSpPr>
         <p:spPr>
           <a:xfrm>
-            <a:off x="6226200" y="4098240"/>
-            <a:ext cx="5131080" cy="2075040"/>
+            <a:off x="6231960" y="3682080"/>
+            <a:ext cx="5354280" cy="1896840"/>
           </a:xfrm>
           <a:prstGeom prst="rect">
             <a:avLst/>
@@ -337,11 +319,8 @@
             <a:normAutofit/>
           </a:bodyPr>
           <a:p>
-            <a:endParaRPr b="0" lang="pt-PT" sz="2800" spc="-1" strike="noStrike">
-              <a:solidFill>
-                <a:srgbClr val="000000"/>
-              </a:solidFill>
-              <a:latin typeface="Calibri"/>
+            <a:endParaRPr b="0" lang="pt-PT" sz="3200" spc="-1" strike="noStrike">
+              <a:latin typeface="Arial"/>
             </a:endParaRPr>
           </a:p>
         </p:txBody>
@@ -370,7 +349,7 @@
       </p:grpSpPr>
       <p:sp>
         <p:nvSpPr>
-          <p:cNvPr id="34" name="PlaceHolder 1"/>
+          <p:cNvPr id="31" name="PlaceHolder 1"/>
           <p:cNvSpPr>
             <a:spLocks noGrp="1"/>
           </p:cNvSpPr>
@@ -380,8 +359,8 @@
         </p:nvSpPr>
         <p:spPr>
           <a:xfrm>
-            <a:off x="838080" y="365040"/>
-            <a:ext cx="10515240" cy="1325160"/>
+            <a:off x="609480" y="273600"/>
+            <a:ext cx="10972440" cy="1144800"/>
           </a:xfrm>
           <a:prstGeom prst="rect">
             <a:avLst/>
@@ -392,18 +371,16 @@
             <a:noAutofit/>
           </a:bodyPr>
           <a:p>
-            <a:endParaRPr b="0" lang="pt-PT" sz="1800" spc="-1" strike="noStrike">
-              <a:solidFill>
-                <a:srgbClr val="000000"/>
-              </a:solidFill>
-              <a:latin typeface="Calibri"/>
-            </a:endParaRPr>
-          </a:p>
-        </p:txBody>
-      </p:sp>
-      <p:sp>
-        <p:nvSpPr>
-          <p:cNvPr id="35" name="PlaceHolder 2"/>
+            <a:pPr algn="ctr"/>
+            <a:endParaRPr b="0" lang="pt-PT" sz="4400" spc="-1" strike="noStrike">
+              <a:latin typeface="Arial"/>
+            </a:endParaRPr>
+          </a:p>
+        </p:txBody>
+      </p:sp>
+      <p:sp>
+        <p:nvSpPr>
+          <p:cNvPr id="32" name="PlaceHolder 2"/>
           <p:cNvSpPr>
             <a:spLocks noGrp="1"/>
           </p:cNvSpPr>
@@ -413,8 +390,8 @@
         </p:nvSpPr>
         <p:spPr>
           <a:xfrm>
-            <a:off x="838080" y="1825560"/>
-            <a:ext cx="3385800" cy="2075040"/>
+            <a:off x="609480" y="1604520"/>
+            <a:ext cx="3533040" cy="1896840"/>
           </a:xfrm>
           <a:prstGeom prst="rect">
             <a:avLst/>
@@ -425,18 +402,15 @@
             <a:normAutofit/>
           </a:bodyPr>
           <a:p>
-            <a:endParaRPr b="0" lang="pt-PT" sz="2800" spc="-1" strike="noStrike">
-              <a:solidFill>
-                <a:srgbClr val="000000"/>
-              </a:solidFill>
-              <a:latin typeface="Calibri"/>
-            </a:endParaRPr>
-          </a:p>
-        </p:txBody>
-      </p:sp>
-      <p:sp>
-        <p:nvSpPr>
-          <p:cNvPr id="36" name="PlaceHolder 3"/>
+            <a:endParaRPr b="0" lang="pt-PT" sz="3200" spc="-1" strike="noStrike">
+              <a:latin typeface="Arial"/>
+            </a:endParaRPr>
+          </a:p>
+        </p:txBody>
+      </p:sp>
+      <p:sp>
+        <p:nvSpPr>
+          <p:cNvPr id="33" name="PlaceHolder 3"/>
           <p:cNvSpPr>
             <a:spLocks noGrp="1"/>
           </p:cNvSpPr>
@@ -446,8 +420,8 @@
         </p:nvSpPr>
         <p:spPr>
           <a:xfrm>
-            <a:off x="4393440" y="1825560"/>
-            <a:ext cx="3385800" cy="2075040"/>
+            <a:off x="4319640" y="1604520"/>
+            <a:ext cx="3533040" cy="1896840"/>
           </a:xfrm>
           <a:prstGeom prst="rect">
             <a:avLst/>
@@ -458,18 +432,15 @@
             <a:normAutofit/>
           </a:bodyPr>
           <a:p>
-            <a:endParaRPr b="0" lang="pt-PT" sz="2800" spc="-1" strike="noStrike">
-              <a:solidFill>
-                <a:srgbClr val="000000"/>
-              </a:solidFill>
-              <a:latin typeface="Calibri"/>
-            </a:endParaRPr>
-          </a:p>
-        </p:txBody>
-      </p:sp>
-      <p:sp>
-        <p:nvSpPr>
-          <p:cNvPr id="37" name="PlaceHolder 4"/>
+            <a:endParaRPr b="0" lang="pt-PT" sz="3200" spc="-1" strike="noStrike">
+              <a:latin typeface="Arial"/>
+            </a:endParaRPr>
+          </a:p>
+        </p:txBody>
+      </p:sp>
+      <p:sp>
+        <p:nvSpPr>
+          <p:cNvPr id="34" name="PlaceHolder 4"/>
           <p:cNvSpPr>
             <a:spLocks noGrp="1"/>
           </p:cNvSpPr>
@@ -479,8 +450,8 @@
         </p:nvSpPr>
         <p:spPr>
           <a:xfrm>
-            <a:off x="7949160" y="1825560"/>
-            <a:ext cx="3385800" cy="2075040"/>
+            <a:off x="8029800" y="1604520"/>
+            <a:ext cx="3533040" cy="1896840"/>
           </a:xfrm>
           <a:prstGeom prst="rect">
             <a:avLst/>
@@ -491,18 +462,15 @@
             <a:normAutofit/>
           </a:bodyPr>
           <a:p>
-            <a:endParaRPr b="0" lang="pt-PT" sz="2800" spc="-1" strike="noStrike">
-              <a:solidFill>
-                <a:srgbClr val="000000"/>
-              </a:solidFill>
-              <a:latin typeface="Calibri"/>
-            </a:endParaRPr>
-          </a:p>
-        </p:txBody>
-      </p:sp>
-      <p:sp>
-        <p:nvSpPr>
-          <p:cNvPr id="38" name="PlaceHolder 5"/>
+            <a:endParaRPr b="0" lang="pt-PT" sz="3200" spc="-1" strike="noStrike">
+              <a:latin typeface="Arial"/>
+            </a:endParaRPr>
+          </a:p>
+        </p:txBody>
+      </p:sp>
+      <p:sp>
+        <p:nvSpPr>
+          <p:cNvPr id="35" name="PlaceHolder 5"/>
           <p:cNvSpPr>
             <a:spLocks noGrp="1"/>
           </p:cNvSpPr>
@@ -512,8 +480,8 @@
         </p:nvSpPr>
         <p:spPr>
           <a:xfrm>
-            <a:off x="838080" y="4098240"/>
-            <a:ext cx="3385800" cy="2075040"/>
+            <a:off x="609480" y="3682080"/>
+            <a:ext cx="3533040" cy="1896840"/>
           </a:xfrm>
           <a:prstGeom prst="rect">
             <a:avLst/>
@@ -524,18 +492,15 @@
             <a:normAutofit/>
           </a:bodyPr>
           <a:p>
-            <a:endParaRPr b="0" lang="pt-PT" sz="2800" spc="-1" strike="noStrike">
-              <a:solidFill>
-                <a:srgbClr val="000000"/>
-              </a:solidFill>
-              <a:latin typeface="Calibri"/>
-            </a:endParaRPr>
-          </a:p>
-        </p:txBody>
-      </p:sp>
-      <p:sp>
-        <p:nvSpPr>
-          <p:cNvPr id="39" name="PlaceHolder 6"/>
+            <a:endParaRPr b="0" lang="pt-PT" sz="3200" spc="-1" strike="noStrike">
+              <a:latin typeface="Arial"/>
+            </a:endParaRPr>
+          </a:p>
+        </p:txBody>
+      </p:sp>
+      <p:sp>
+        <p:nvSpPr>
+          <p:cNvPr id="36" name="PlaceHolder 6"/>
           <p:cNvSpPr>
             <a:spLocks noGrp="1"/>
           </p:cNvSpPr>
@@ -545,8 +510,8 @@
         </p:nvSpPr>
         <p:spPr>
           <a:xfrm>
-            <a:off x="4393440" y="4098240"/>
-            <a:ext cx="3385800" cy="2075040"/>
+            <a:off x="4319640" y="3682080"/>
+            <a:ext cx="3533040" cy="1896840"/>
           </a:xfrm>
           <a:prstGeom prst="rect">
             <a:avLst/>
@@ -557,18 +522,15 @@
             <a:normAutofit/>
           </a:bodyPr>
           <a:p>
-            <a:endParaRPr b="0" lang="pt-PT" sz="2800" spc="-1" strike="noStrike">
-              <a:solidFill>
-                <a:srgbClr val="000000"/>
-              </a:solidFill>
-              <a:latin typeface="Calibri"/>
-            </a:endParaRPr>
-          </a:p>
-        </p:txBody>
-      </p:sp>
-      <p:sp>
-        <p:nvSpPr>
-          <p:cNvPr id="40" name="PlaceHolder 7"/>
+            <a:endParaRPr b="0" lang="pt-PT" sz="3200" spc="-1" strike="noStrike">
+              <a:latin typeface="Arial"/>
+            </a:endParaRPr>
+          </a:p>
+        </p:txBody>
+      </p:sp>
+      <p:sp>
+        <p:nvSpPr>
+          <p:cNvPr id="37" name="PlaceHolder 7"/>
           <p:cNvSpPr>
             <a:spLocks noGrp="1"/>
           </p:cNvSpPr>
@@ -578,8 +540,8 @@
         </p:nvSpPr>
         <p:spPr>
           <a:xfrm>
-            <a:off x="7949160" y="4098240"/>
-            <a:ext cx="3385800" cy="2075040"/>
+            <a:off x="8029800" y="3682080"/>
+            <a:ext cx="3533040" cy="1896840"/>
           </a:xfrm>
           <a:prstGeom prst="rect">
             <a:avLst/>
@@ -590,11 +552,8 @@
             <a:normAutofit/>
           </a:bodyPr>
           <a:p>
-            <a:endParaRPr b="0" lang="pt-PT" sz="2800" spc="-1" strike="noStrike">
-              <a:solidFill>
-                <a:srgbClr val="000000"/>
-              </a:solidFill>
-              <a:latin typeface="Calibri"/>
+            <a:endParaRPr b="0" lang="pt-PT" sz="3200" spc="-1" strike="noStrike">
+              <a:latin typeface="Arial"/>
             </a:endParaRPr>
           </a:p>
         </p:txBody>
@@ -645,7 +604,7 @@
       </p:grpSpPr>
       <p:sp>
         <p:nvSpPr>
-          <p:cNvPr id="46" name="PlaceHolder 1"/>
+          <p:cNvPr id="40" name="PlaceHolder 1"/>
           <p:cNvSpPr>
             <a:spLocks noGrp="1"/>
           </p:cNvSpPr>
@@ -655,8 +614,8 @@
         </p:nvSpPr>
         <p:spPr>
           <a:xfrm>
-            <a:off x="838080" y="365040"/>
-            <a:ext cx="10515240" cy="1325160"/>
+            <a:off x="609480" y="273600"/>
+            <a:ext cx="10972440" cy="1144800"/>
           </a:xfrm>
           <a:prstGeom prst="rect">
             <a:avLst/>
@@ -667,18 +626,16 @@
             <a:noAutofit/>
           </a:bodyPr>
           <a:p>
-            <a:endParaRPr b="0" lang="pt-PT" sz="1800" spc="-1" strike="noStrike">
-              <a:solidFill>
-                <a:srgbClr val="000000"/>
-              </a:solidFill>
-              <a:latin typeface="Calibri"/>
-            </a:endParaRPr>
-          </a:p>
-        </p:txBody>
-      </p:sp>
-      <p:sp>
-        <p:nvSpPr>
-          <p:cNvPr id="47" name="PlaceHolder 2"/>
+            <a:pPr algn="ctr"/>
+            <a:endParaRPr b="0" lang="pt-PT" sz="4400" spc="-1" strike="noStrike">
+              <a:latin typeface="Arial"/>
+            </a:endParaRPr>
+          </a:p>
+        </p:txBody>
+      </p:sp>
+      <p:sp>
+        <p:nvSpPr>
+          <p:cNvPr id="41" name="PlaceHolder 2"/>
           <p:cNvSpPr>
             <a:spLocks noGrp="1"/>
           </p:cNvSpPr>
@@ -688,8 +645,8 @@
         </p:nvSpPr>
         <p:spPr>
           <a:xfrm>
-            <a:off x="838080" y="1825560"/>
-            <a:ext cx="10515240" cy="4350960"/>
+            <a:off x="609480" y="1604520"/>
+            <a:ext cx="10972440" cy="3977280"/>
           </a:xfrm>
           <a:prstGeom prst="rect">
             <a:avLst/>
@@ -731,7 +688,7 @@
       </p:grpSpPr>
       <p:sp>
         <p:nvSpPr>
-          <p:cNvPr id="48" name="PlaceHolder 1"/>
+          <p:cNvPr id="42" name="PlaceHolder 1"/>
           <p:cNvSpPr>
             <a:spLocks noGrp="1"/>
           </p:cNvSpPr>
@@ -741,8 +698,8 @@
         </p:nvSpPr>
         <p:spPr>
           <a:xfrm>
-            <a:off x="838080" y="365040"/>
-            <a:ext cx="10515240" cy="1325160"/>
+            <a:off x="609480" y="273600"/>
+            <a:ext cx="10972440" cy="1144800"/>
           </a:xfrm>
           <a:prstGeom prst="rect">
             <a:avLst/>
@@ -753,18 +710,16 @@
             <a:noAutofit/>
           </a:bodyPr>
           <a:p>
-            <a:endParaRPr b="0" lang="pt-PT" sz="1800" spc="-1" strike="noStrike">
-              <a:solidFill>
-                <a:srgbClr val="000000"/>
-              </a:solidFill>
-              <a:latin typeface="Calibri"/>
-            </a:endParaRPr>
-          </a:p>
-        </p:txBody>
-      </p:sp>
-      <p:sp>
-        <p:nvSpPr>
-          <p:cNvPr id="49" name="PlaceHolder 2"/>
+            <a:pPr algn="ctr"/>
+            <a:endParaRPr b="0" lang="pt-PT" sz="4400" spc="-1" strike="noStrike">
+              <a:latin typeface="Arial"/>
+            </a:endParaRPr>
+          </a:p>
+        </p:txBody>
+      </p:sp>
+      <p:sp>
+        <p:nvSpPr>
+          <p:cNvPr id="43" name="PlaceHolder 2"/>
           <p:cNvSpPr>
             <a:spLocks noGrp="1"/>
           </p:cNvSpPr>
@@ -774,8 +729,8 @@
         </p:nvSpPr>
         <p:spPr>
           <a:xfrm>
-            <a:off x="838080" y="1825560"/>
-            <a:ext cx="10515240" cy="4350960"/>
+            <a:off x="609480" y="1604520"/>
+            <a:ext cx="10972440" cy="3977280"/>
           </a:xfrm>
           <a:prstGeom prst="rect">
             <a:avLst/>
@@ -786,11 +741,8 @@
             <a:normAutofit/>
           </a:bodyPr>
           <a:p>
-            <a:endParaRPr b="0" lang="pt-PT" sz="2800" spc="-1" strike="noStrike">
-              <a:solidFill>
-                <a:srgbClr val="000000"/>
-              </a:solidFill>
-              <a:latin typeface="Calibri"/>
+            <a:endParaRPr b="0" lang="pt-PT" sz="3200" spc="-1" strike="noStrike">
+              <a:latin typeface="Arial"/>
             </a:endParaRPr>
           </a:p>
         </p:txBody>
@@ -819,7 +771,7 @@
       </p:grpSpPr>
       <p:sp>
         <p:nvSpPr>
-          <p:cNvPr id="50" name="PlaceHolder 1"/>
+          <p:cNvPr id="44" name="PlaceHolder 1"/>
           <p:cNvSpPr>
             <a:spLocks noGrp="1"/>
           </p:cNvSpPr>
@@ -829,8 +781,8 @@
         </p:nvSpPr>
         <p:spPr>
           <a:xfrm>
-            <a:off x="838080" y="365040"/>
-            <a:ext cx="10515240" cy="1325160"/>
+            <a:off x="609480" y="273600"/>
+            <a:ext cx="10972440" cy="1144800"/>
           </a:xfrm>
           <a:prstGeom prst="rect">
             <a:avLst/>
@@ -841,18 +793,16 @@
             <a:noAutofit/>
           </a:bodyPr>
           <a:p>
-            <a:endParaRPr b="0" lang="pt-PT" sz="1800" spc="-1" strike="noStrike">
-              <a:solidFill>
-                <a:srgbClr val="000000"/>
-              </a:solidFill>
-              <a:latin typeface="Calibri"/>
-            </a:endParaRPr>
-          </a:p>
-        </p:txBody>
-      </p:sp>
-      <p:sp>
-        <p:nvSpPr>
-          <p:cNvPr id="51" name="PlaceHolder 2"/>
+            <a:pPr algn="ctr"/>
+            <a:endParaRPr b="0" lang="pt-PT" sz="4400" spc="-1" strike="noStrike">
+              <a:latin typeface="Arial"/>
+            </a:endParaRPr>
+          </a:p>
+        </p:txBody>
+      </p:sp>
+      <p:sp>
+        <p:nvSpPr>
+          <p:cNvPr id="45" name="PlaceHolder 2"/>
           <p:cNvSpPr>
             <a:spLocks noGrp="1"/>
           </p:cNvSpPr>
@@ -862,8 +812,8 @@
         </p:nvSpPr>
         <p:spPr>
           <a:xfrm>
-            <a:off x="838080" y="1825560"/>
-            <a:ext cx="5131080" cy="4350960"/>
+            <a:off x="609480" y="1604520"/>
+            <a:ext cx="5354280" cy="3977280"/>
           </a:xfrm>
           <a:prstGeom prst="rect">
             <a:avLst/>
@@ -874,18 +824,15 @@
             <a:normAutofit/>
           </a:bodyPr>
           <a:p>
-            <a:endParaRPr b="0" lang="pt-PT" sz="2800" spc="-1" strike="noStrike">
-              <a:solidFill>
-                <a:srgbClr val="000000"/>
-              </a:solidFill>
-              <a:latin typeface="Calibri"/>
-            </a:endParaRPr>
-          </a:p>
-        </p:txBody>
-      </p:sp>
-      <p:sp>
-        <p:nvSpPr>
-          <p:cNvPr id="52" name="PlaceHolder 3"/>
+            <a:endParaRPr b="0" lang="pt-PT" sz="3200" spc="-1" strike="noStrike">
+              <a:latin typeface="Arial"/>
+            </a:endParaRPr>
+          </a:p>
+        </p:txBody>
+      </p:sp>
+      <p:sp>
+        <p:nvSpPr>
+          <p:cNvPr id="46" name="PlaceHolder 3"/>
           <p:cNvSpPr>
             <a:spLocks noGrp="1"/>
           </p:cNvSpPr>
@@ -895,8 +842,8 @@
         </p:nvSpPr>
         <p:spPr>
           <a:xfrm>
-            <a:off x="6226200" y="1825560"/>
-            <a:ext cx="5131080" cy="4350960"/>
+            <a:off x="6231960" y="1604520"/>
+            <a:ext cx="5354280" cy="3977280"/>
           </a:xfrm>
           <a:prstGeom prst="rect">
             <a:avLst/>
@@ -907,11 +854,8 @@
             <a:normAutofit/>
           </a:bodyPr>
           <a:p>
-            <a:endParaRPr b="0" lang="pt-PT" sz="2800" spc="-1" strike="noStrike">
-              <a:solidFill>
-                <a:srgbClr val="000000"/>
-              </a:solidFill>
-              <a:latin typeface="Calibri"/>
+            <a:endParaRPr b="0" lang="pt-PT" sz="3200" spc="-1" strike="noStrike">
+              <a:latin typeface="Arial"/>
             </a:endParaRPr>
           </a:p>
         </p:txBody>
@@ -940,7 +884,7 @@
       </p:grpSpPr>
       <p:sp>
         <p:nvSpPr>
-          <p:cNvPr id="53" name="PlaceHolder 1"/>
+          <p:cNvPr id="47" name="PlaceHolder 1"/>
           <p:cNvSpPr>
             <a:spLocks noGrp="1"/>
           </p:cNvSpPr>
@@ -950,8 +894,8 @@
         </p:nvSpPr>
         <p:spPr>
           <a:xfrm>
-            <a:off x="838080" y="365040"/>
-            <a:ext cx="10515240" cy="1325160"/>
+            <a:off x="609480" y="273600"/>
+            <a:ext cx="10972440" cy="1144800"/>
           </a:xfrm>
           <a:prstGeom prst="rect">
             <a:avLst/>
@@ -962,11 +906,9 @@
             <a:noAutofit/>
           </a:bodyPr>
           <a:p>
-            <a:endParaRPr b="0" lang="pt-PT" sz="1800" spc="-1" strike="noStrike">
-              <a:solidFill>
-                <a:srgbClr val="000000"/>
-              </a:solidFill>
-              <a:latin typeface="Calibri"/>
+            <a:pPr algn="ctr"/>
+            <a:endParaRPr b="0" lang="pt-PT" sz="4400" spc="-1" strike="noStrike">
+              <a:latin typeface="Arial"/>
             </a:endParaRPr>
           </a:p>
         </p:txBody>
@@ -995,7 +937,7 @@
       </p:grpSpPr>
       <p:sp>
         <p:nvSpPr>
-          <p:cNvPr id="54" name="PlaceHolder 1"/>
+          <p:cNvPr id="48" name="PlaceHolder 1"/>
           <p:cNvSpPr>
             <a:spLocks noGrp="1"/>
           </p:cNvSpPr>
@@ -1005,8 +947,8 @@
         </p:nvSpPr>
         <p:spPr>
           <a:xfrm>
-            <a:off x="838080" y="365040"/>
-            <a:ext cx="10515240" cy="6144120"/>
+            <a:off x="609480" y="273600"/>
+            <a:ext cx="10972440" cy="5307840"/>
           </a:xfrm>
           <a:prstGeom prst="rect">
             <a:avLst/>
@@ -1048,7 +990,7 @@
       </p:grpSpPr>
       <p:sp>
         <p:nvSpPr>
-          <p:cNvPr id="55" name="PlaceHolder 1"/>
+          <p:cNvPr id="49" name="PlaceHolder 1"/>
           <p:cNvSpPr>
             <a:spLocks noGrp="1"/>
           </p:cNvSpPr>
@@ -1058,8 +1000,8 @@
         </p:nvSpPr>
         <p:spPr>
           <a:xfrm>
-            <a:off x="838080" y="365040"/>
-            <a:ext cx="10515240" cy="1325160"/>
+            <a:off x="609480" y="273600"/>
+            <a:ext cx="10972440" cy="1144800"/>
           </a:xfrm>
           <a:prstGeom prst="rect">
             <a:avLst/>
@@ -1070,18 +1012,16 @@
             <a:noAutofit/>
           </a:bodyPr>
           <a:p>
-            <a:endParaRPr b="0" lang="pt-PT" sz="1800" spc="-1" strike="noStrike">
-              <a:solidFill>
-                <a:srgbClr val="000000"/>
-              </a:solidFill>
-              <a:latin typeface="Calibri"/>
-            </a:endParaRPr>
-          </a:p>
-        </p:txBody>
-      </p:sp>
-      <p:sp>
-        <p:nvSpPr>
-          <p:cNvPr id="56" name="PlaceHolder 2"/>
+            <a:pPr algn="ctr"/>
+            <a:endParaRPr b="0" lang="pt-PT" sz="4400" spc="-1" strike="noStrike">
+              <a:latin typeface="Arial"/>
+            </a:endParaRPr>
+          </a:p>
+        </p:txBody>
+      </p:sp>
+      <p:sp>
+        <p:nvSpPr>
+          <p:cNvPr id="50" name="PlaceHolder 2"/>
           <p:cNvSpPr>
             <a:spLocks noGrp="1"/>
           </p:cNvSpPr>
@@ -1091,8 +1031,8 @@
         </p:nvSpPr>
         <p:spPr>
           <a:xfrm>
-            <a:off x="838080" y="1825560"/>
-            <a:ext cx="5131080" cy="2075040"/>
+            <a:off x="609480" y="1604520"/>
+            <a:ext cx="5354280" cy="1896840"/>
           </a:xfrm>
           <a:prstGeom prst="rect">
             <a:avLst/>
@@ -1103,18 +1043,15 @@
             <a:normAutofit/>
           </a:bodyPr>
           <a:p>
-            <a:endParaRPr b="0" lang="pt-PT" sz="2800" spc="-1" strike="noStrike">
-              <a:solidFill>
-                <a:srgbClr val="000000"/>
-              </a:solidFill>
-              <a:latin typeface="Calibri"/>
-            </a:endParaRPr>
-          </a:p>
-        </p:txBody>
-      </p:sp>
-      <p:sp>
-        <p:nvSpPr>
-          <p:cNvPr id="57" name="PlaceHolder 3"/>
+            <a:endParaRPr b="0" lang="pt-PT" sz="3200" spc="-1" strike="noStrike">
+              <a:latin typeface="Arial"/>
+            </a:endParaRPr>
+          </a:p>
+        </p:txBody>
+      </p:sp>
+      <p:sp>
+        <p:nvSpPr>
+          <p:cNvPr id="51" name="PlaceHolder 3"/>
           <p:cNvSpPr>
             <a:spLocks noGrp="1"/>
           </p:cNvSpPr>
@@ -1124,8 +1061,8 @@
         </p:nvSpPr>
         <p:spPr>
           <a:xfrm>
-            <a:off x="6226200" y="1825560"/>
-            <a:ext cx="5131080" cy="4350960"/>
+            <a:off x="6231960" y="1604520"/>
+            <a:ext cx="5354280" cy="3977280"/>
           </a:xfrm>
           <a:prstGeom prst="rect">
             <a:avLst/>
@@ -1136,18 +1073,15 @@
             <a:normAutofit/>
           </a:bodyPr>
           <a:p>
-            <a:endParaRPr b="0" lang="pt-PT" sz="2800" spc="-1" strike="noStrike">
-              <a:solidFill>
-                <a:srgbClr val="000000"/>
-              </a:solidFill>
-              <a:latin typeface="Calibri"/>
-            </a:endParaRPr>
-          </a:p>
-        </p:txBody>
-      </p:sp>
-      <p:sp>
-        <p:nvSpPr>
-          <p:cNvPr id="58" name="PlaceHolder 4"/>
+            <a:endParaRPr b="0" lang="pt-PT" sz="3200" spc="-1" strike="noStrike">
+              <a:latin typeface="Arial"/>
+            </a:endParaRPr>
+          </a:p>
+        </p:txBody>
+      </p:sp>
+      <p:sp>
+        <p:nvSpPr>
+          <p:cNvPr id="52" name="PlaceHolder 4"/>
           <p:cNvSpPr>
             <a:spLocks noGrp="1"/>
           </p:cNvSpPr>
@@ -1157,8 +1091,8 @@
         </p:nvSpPr>
         <p:spPr>
           <a:xfrm>
-            <a:off x="838080" y="4098240"/>
-            <a:ext cx="5131080" cy="2075040"/>
+            <a:off x="609480" y="3682080"/>
+            <a:ext cx="5354280" cy="1896840"/>
           </a:xfrm>
           <a:prstGeom prst="rect">
             <a:avLst/>
@@ -1169,11 +1103,8 @@
             <a:normAutofit/>
           </a:bodyPr>
           <a:p>
-            <a:endParaRPr b="0" lang="pt-PT" sz="2800" spc="-1" strike="noStrike">
-              <a:solidFill>
-                <a:srgbClr val="000000"/>
-              </a:solidFill>
-              <a:latin typeface="Calibri"/>
+            <a:endParaRPr b="0" lang="pt-PT" sz="3200" spc="-1" strike="noStrike">
+              <a:latin typeface="Arial"/>
             </a:endParaRPr>
           </a:p>
         </p:txBody>
@@ -1202,7 +1133,7 @@
       </p:grpSpPr>
       <p:sp>
         <p:nvSpPr>
-          <p:cNvPr id="5" name="PlaceHolder 1"/>
+          <p:cNvPr id="2" name="PlaceHolder 1"/>
           <p:cNvSpPr>
             <a:spLocks noGrp="1"/>
           </p:cNvSpPr>
@@ -1212,8 +1143,8 @@
         </p:nvSpPr>
         <p:spPr>
           <a:xfrm>
-            <a:off x="838080" y="365040"/>
-            <a:ext cx="10515240" cy="1325160"/>
+            <a:off x="609480" y="273600"/>
+            <a:ext cx="10972440" cy="1144800"/>
           </a:xfrm>
           <a:prstGeom prst="rect">
             <a:avLst/>
@@ -1224,18 +1155,16 @@
             <a:noAutofit/>
           </a:bodyPr>
           <a:p>
-            <a:endParaRPr b="0" lang="pt-PT" sz="1800" spc="-1" strike="noStrike">
-              <a:solidFill>
-                <a:srgbClr val="000000"/>
-              </a:solidFill>
-              <a:latin typeface="Calibri"/>
-            </a:endParaRPr>
-          </a:p>
-        </p:txBody>
-      </p:sp>
-      <p:sp>
-        <p:nvSpPr>
-          <p:cNvPr id="6" name="PlaceHolder 2"/>
+            <a:pPr algn="ctr"/>
+            <a:endParaRPr b="0" lang="pt-PT" sz="4400" spc="-1" strike="noStrike">
+              <a:latin typeface="Arial"/>
+            </a:endParaRPr>
+          </a:p>
+        </p:txBody>
+      </p:sp>
+      <p:sp>
+        <p:nvSpPr>
+          <p:cNvPr id="3" name="PlaceHolder 2"/>
           <p:cNvSpPr>
             <a:spLocks noGrp="1"/>
           </p:cNvSpPr>
@@ -1245,8 +1174,8 @@
         </p:nvSpPr>
         <p:spPr>
           <a:xfrm>
-            <a:off x="838080" y="1825560"/>
-            <a:ext cx="10515240" cy="4350960"/>
+            <a:off x="609480" y="1604520"/>
+            <a:ext cx="10972440" cy="3977280"/>
           </a:xfrm>
           <a:prstGeom prst="rect">
             <a:avLst/>
@@ -1288,7 +1217,7 @@
       </p:grpSpPr>
       <p:sp>
         <p:nvSpPr>
-          <p:cNvPr id="59" name="PlaceHolder 1"/>
+          <p:cNvPr id="53" name="PlaceHolder 1"/>
           <p:cNvSpPr>
             <a:spLocks noGrp="1"/>
           </p:cNvSpPr>
@@ -1298,8 +1227,8 @@
         </p:nvSpPr>
         <p:spPr>
           <a:xfrm>
-            <a:off x="838080" y="365040"/>
-            <a:ext cx="10515240" cy="1325160"/>
+            <a:off x="609480" y="273600"/>
+            <a:ext cx="10972440" cy="1144800"/>
           </a:xfrm>
           <a:prstGeom prst="rect">
             <a:avLst/>
@@ -1310,18 +1239,16 @@
             <a:noAutofit/>
           </a:bodyPr>
           <a:p>
-            <a:endParaRPr b="0" lang="pt-PT" sz="1800" spc="-1" strike="noStrike">
-              <a:solidFill>
-                <a:srgbClr val="000000"/>
-              </a:solidFill>
-              <a:latin typeface="Calibri"/>
-            </a:endParaRPr>
-          </a:p>
-        </p:txBody>
-      </p:sp>
-      <p:sp>
-        <p:nvSpPr>
-          <p:cNvPr id="60" name="PlaceHolder 2"/>
+            <a:pPr algn="ctr"/>
+            <a:endParaRPr b="0" lang="pt-PT" sz="4400" spc="-1" strike="noStrike">
+              <a:latin typeface="Arial"/>
+            </a:endParaRPr>
+          </a:p>
+        </p:txBody>
+      </p:sp>
+      <p:sp>
+        <p:nvSpPr>
+          <p:cNvPr id="54" name="PlaceHolder 2"/>
           <p:cNvSpPr>
             <a:spLocks noGrp="1"/>
           </p:cNvSpPr>
@@ -1331,8 +1258,8 @@
         </p:nvSpPr>
         <p:spPr>
           <a:xfrm>
-            <a:off x="838080" y="1825560"/>
-            <a:ext cx="5131080" cy="4350960"/>
+            <a:off x="609480" y="1604520"/>
+            <a:ext cx="5354280" cy="3977280"/>
           </a:xfrm>
           <a:prstGeom prst="rect">
             <a:avLst/>
@@ -1343,18 +1270,15 @@
             <a:normAutofit/>
           </a:bodyPr>
           <a:p>
-            <a:endParaRPr b="0" lang="pt-PT" sz="2800" spc="-1" strike="noStrike">
-              <a:solidFill>
-                <a:srgbClr val="000000"/>
-              </a:solidFill>
-              <a:latin typeface="Calibri"/>
-            </a:endParaRPr>
-          </a:p>
-        </p:txBody>
-      </p:sp>
-      <p:sp>
-        <p:nvSpPr>
-          <p:cNvPr id="61" name="PlaceHolder 3"/>
+            <a:endParaRPr b="0" lang="pt-PT" sz="3200" spc="-1" strike="noStrike">
+              <a:latin typeface="Arial"/>
+            </a:endParaRPr>
+          </a:p>
+        </p:txBody>
+      </p:sp>
+      <p:sp>
+        <p:nvSpPr>
+          <p:cNvPr id="55" name="PlaceHolder 3"/>
           <p:cNvSpPr>
             <a:spLocks noGrp="1"/>
           </p:cNvSpPr>
@@ -1364,8 +1288,8 @@
         </p:nvSpPr>
         <p:spPr>
           <a:xfrm>
-            <a:off x="6226200" y="1825560"/>
-            <a:ext cx="5131080" cy="2075040"/>
+            <a:off x="6231960" y="1604520"/>
+            <a:ext cx="5354280" cy="1896840"/>
           </a:xfrm>
           <a:prstGeom prst="rect">
             <a:avLst/>
@@ -1376,18 +1300,15 @@
             <a:normAutofit/>
           </a:bodyPr>
           <a:p>
-            <a:endParaRPr b="0" lang="pt-PT" sz="2800" spc="-1" strike="noStrike">
-              <a:solidFill>
-                <a:srgbClr val="000000"/>
-              </a:solidFill>
-              <a:latin typeface="Calibri"/>
-            </a:endParaRPr>
-          </a:p>
-        </p:txBody>
-      </p:sp>
-      <p:sp>
-        <p:nvSpPr>
-          <p:cNvPr id="62" name="PlaceHolder 4"/>
+            <a:endParaRPr b="0" lang="pt-PT" sz="3200" spc="-1" strike="noStrike">
+              <a:latin typeface="Arial"/>
+            </a:endParaRPr>
+          </a:p>
+        </p:txBody>
+      </p:sp>
+      <p:sp>
+        <p:nvSpPr>
+          <p:cNvPr id="56" name="PlaceHolder 4"/>
           <p:cNvSpPr>
             <a:spLocks noGrp="1"/>
           </p:cNvSpPr>
@@ -1397,8 +1318,8 @@
         </p:nvSpPr>
         <p:spPr>
           <a:xfrm>
-            <a:off x="6226200" y="4098240"/>
-            <a:ext cx="5131080" cy="2075040"/>
+            <a:off x="6231960" y="3682080"/>
+            <a:ext cx="5354280" cy="1896840"/>
           </a:xfrm>
           <a:prstGeom prst="rect">
             <a:avLst/>
@@ -1409,11 +1330,8 @@
             <a:normAutofit/>
           </a:bodyPr>
           <a:p>
-            <a:endParaRPr b="0" lang="pt-PT" sz="2800" spc="-1" strike="noStrike">
-              <a:solidFill>
-                <a:srgbClr val="000000"/>
-              </a:solidFill>
-              <a:latin typeface="Calibri"/>
+            <a:endParaRPr b="0" lang="pt-PT" sz="3200" spc="-1" strike="noStrike">
+              <a:latin typeface="Arial"/>
             </a:endParaRPr>
           </a:p>
         </p:txBody>
@@ -1442,7 +1360,7 @@
       </p:grpSpPr>
       <p:sp>
         <p:nvSpPr>
-          <p:cNvPr id="63" name="PlaceHolder 1"/>
+          <p:cNvPr id="57" name="PlaceHolder 1"/>
           <p:cNvSpPr>
             <a:spLocks noGrp="1"/>
           </p:cNvSpPr>
@@ -1452,8 +1370,8 @@
         </p:nvSpPr>
         <p:spPr>
           <a:xfrm>
-            <a:off x="838080" y="365040"/>
-            <a:ext cx="10515240" cy="1325160"/>
+            <a:off x="609480" y="273600"/>
+            <a:ext cx="10972440" cy="1144800"/>
           </a:xfrm>
           <a:prstGeom prst="rect">
             <a:avLst/>
@@ -1464,18 +1382,16 @@
             <a:noAutofit/>
           </a:bodyPr>
           <a:p>
-            <a:endParaRPr b="0" lang="pt-PT" sz="1800" spc="-1" strike="noStrike">
-              <a:solidFill>
-                <a:srgbClr val="000000"/>
-              </a:solidFill>
-              <a:latin typeface="Calibri"/>
-            </a:endParaRPr>
-          </a:p>
-        </p:txBody>
-      </p:sp>
-      <p:sp>
-        <p:nvSpPr>
-          <p:cNvPr id="64" name="PlaceHolder 2"/>
+            <a:pPr algn="ctr"/>
+            <a:endParaRPr b="0" lang="pt-PT" sz="4400" spc="-1" strike="noStrike">
+              <a:latin typeface="Arial"/>
+            </a:endParaRPr>
+          </a:p>
+        </p:txBody>
+      </p:sp>
+      <p:sp>
+        <p:nvSpPr>
+          <p:cNvPr id="58" name="PlaceHolder 2"/>
           <p:cNvSpPr>
             <a:spLocks noGrp="1"/>
           </p:cNvSpPr>
@@ -1485,8 +1401,8 @@
         </p:nvSpPr>
         <p:spPr>
           <a:xfrm>
-            <a:off x="838080" y="1825560"/>
-            <a:ext cx="5131080" cy="2075040"/>
+            <a:off x="609480" y="1604520"/>
+            <a:ext cx="5354280" cy="1896840"/>
           </a:xfrm>
           <a:prstGeom prst="rect">
             <a:avLst/>
@@ -1497,18 +1413,15 @@
             <a:normAutofit/>
           </a:bodyPr>
           <a:p>
-            <a:endParaRPr b="0" lang="pt-PT" sz="2800" spc="-1" strike="noStrike">
-              <a:solidFill>
-                <a:srgbClr val="000000"/>
-              </a:solidFill>
-              <a:latin typeface="Calibri"/>
-            </a:endParaRPr>
-          </a:p>
-        </p:txBody>
-      </p:sp>
-      <p:sp>
-        <p:nvSpPr>
-          <p:cNvPr id="65" name="PlaceHolder 3"/>
+            <a:endParaRPr b="0" lang="pt-PT" sz="3200" spc="-1" strike="noStrike">
+              <a:latin typeface="Arial"/>
+            </a:endParaRPr>
+          </a:p>
+        </p:txBody>
+      </p:sp>
+      <p:sp>
+        <p:nvSpPr>
+          <p:cNvPr id="59" name="PlaceHolder 3"/>
           <p:cNvSpPr>
             <a:spLocks noGrp="1"/>
           </p:cNvSpPr>
@@ -1518,8 +1431,8 @@
         </p:nvSpPr>
         <p:spPr>
           <a:xfrm>
-            <a:off x="6226200" y="1825560"/>
-            <a:ext cx="5131080" cy="2075040"/>
+            <a:off x="6231960" y="1604520"/>
+            <a:ext cx="5354280" cy="1896840"/>
           </a:xfrm>
           <a:prstGeom prst="rect">
             <a:avLst/>
@@ -1530,18 +1443,15 @@
             <a:normAutofit/>
           </a:bodyPr>
           <a:p>
-            <a:endParaRPr b="0" lang="pt-PT" sz="2800" spc="-1" strike="noStrike">
-              <a:solidFill>
-                <a:srgbClr val="000000"/>
-              </a:solidFill>
-              <a:latin typeface="Calibri"/>
-            </a:endParaRPr>
-          </a:p>
-        </p:txBody>
-      </p:sp>
-      <p:sp>
-        <p:nvSpPr>
-          <p:cNvPr id="66" name="PlaceHolder 4"/>
+            <a:endParaRPr b="0" lang="pt-PT" sz="3200" spc="-1" strike="noStrike">
+              <a:latin typeface="Arial"/>
+            </a:endParaRPr>
+          </a:p>
+        </p:txBody>
+      </p:sp>
+      <p:sp>
+        <p:nvSpPr>
+          <p:cNvPr id="60" name="PlaceHolder 4"/>
           <p:cNvSpPr>
             <a:spLocks noGrp="1"/>
           </p:cNvSpPr>
@@ -1551,8 +1461,8 @@
         </p:nvSpPr>
         <p:spPr>
           <a:xfrm>
-            <a:off x="838080" y="4098240"/>
-            <a:ext cx="10515240" cy="2075040"/>
+            <a:off x="609480" y="3682080"/>
+            <a:ext cx="10972440" cy="1896840"/>
           </a:xfrm>
           <a:prstGeom prst="rect">
             <a:avLst/>
@@ -1563,11 +1473,8 @@
             <a:normAutofit/>
           </a:bodyPr>
           <a:p>
-            <a:endParaRPr b="0" lang="pt-PT" sz="2800" spc="-1" strike="noStrike">
-              <a:solidFill>
-                <a:srgbClr val="000000"/>
-              </a:solidFill>
-              <a:latin typeface="Calibri"/>
+            <a:endParaRPr b="0" lang="pt-PT" sz="3200" spc="-1" strike="noStrike">
+              <a:latin typeface="Arial"/>
             </a:endParaRPr>
           </a:p>
         </p:txBody>
@@ -1596,7 +1503,7 @@
       </p:grpSpPr>
       <p:sp>
         <p:nvSpPr>
-          <p:cNvPr id="67" name="PlaceHolder 1"/>
+          <p:cNvPr id="61" name="PlaceHolder 1"/>
           <p:cNvSpPr>
             <a:spLocks noGrp="1"/>
           </p:cNvSpPr>
@@ -1606,8 +1513,8 @@
         </p:nvSpPr>
         <p:spPr>
           <a:xfrm>
-            <a:off x="838080" y="365040"/>
-            <a:ext cx="10515240" cy="1325160"/>
+            <a:off x="609480" y="273600"/>
+            <a:ext cx="10972440" cy="1144800"/>
           </a:xfrm>
           <a:prstGeom prst="rect">
             <a:avLst/>
@@ -1618,18 +1525,16 @@
             <a:noAutofit/>
           </a:bodyPr>
           <a:p>
-            <a:endParaRPr b="0" lang="pt-PT" sz="1800" spc="-1" strike="noStrike">
-              <a:solidFill>
-                <a:srgbClr val="000000"/>
-              </a:solidFill>
-              <a:latin typeface="Calibri"/>
-            </a:endParaRPr>
-          </a:p>
-        </p:txBody>
-      </p:sp>
-      <p:sp>
-        <p:nvSpPr>
-          <p:cNvPr id="68" name="PlaceHolder 2"/>
+            <a:pPr algn="ctr"/>
+            <a:endParaRPr b="0" lang="pt-PT" sz="4400" spc="-1" strike="noStrike">
+              <a:latin typeface="Arial"/>
+            </a:endParaRPr>
+          </a:p>
+        </p:txBody>
+      </p:sp>
+      <p:sp>
+        <p:nvSpPr>
+          <p:cNvPr id="62" name="PlaceHolder 2"/>
           <p:cNvSpPr>
             <a:spLocks noGrp="1"/>
           </p:cNvSpPr>
@@ -1639,8 +1544,8 @@
         </p:nvSpPr>
         <p:spPr>
           <a:xfrm>
-            <a:off x="838080" y="1825560"/>
-            <a:ext cx="10515240" cy="2075040"/>
+            <a:off x="609480" y="1604520"/>
+            <a:ext cx="10972440" cy="1896840"/>
           </a:xfrm>
           <a:prstGeom prst="rect">
             <a:avLst/>
@@ -1651,18 +1556,15 @@
             <a:normAutofit/>
           </a:bodyPr>
           <a:p>
-            <a:endParaRPr b="0" lang="pt-PT" sz="2800" spc="-1" strike="noStrike">
-              <a:solidFill>
-                <a:srgbClr val="000000"/>
-              </a:solidFill>
-              <a:latin typeface="Calibri"/>
-            </a:endParaRPr>
-          </a:p>
-        </p:txBody>
-      </p:sp>
-      <p:sp>
-        <p:nvSpPr>
-          <p:cNvPr id="69" name="PlaceHolder 3"/>
+            <a:endParaRPr b="0" lang="pt-PT" sz="3200" spc="-1" strike="noStrike">
+              <a:latin typeface="Arial"/>
+            </a:endParaRPr>
+          </a:p>
+        </p:txBody>
+      </p:sp>
+      <p:sp>
+        <p:nvSpPr>
+          <p:cNvPr id="63" name="PlaceHolder 3"/>
           <p:cNvSpPr>
             <a:spLocks noGrp="1"/>
           </p:cNvSpPr>
@@ -1672,8 +1574,8 @@
         </p:nvSpPr>
         <p:spPr>
           <a:xfrm>
-            <a:off x="838080" y="4098240"/>
-            <a:ext cx="10515240" cy="2075040"/>
+            <a:off x="609480" y="3682080"/>
+            <a:ext cx="10972440" cy="1896840"/>
           </a:xfrm>
           <a:prstGeom prst="rect">
             <a:avLst/>
@@ -1684,11 +1586,8 @@
             <a:normAutofit/>
           </a:bodyPr>
           <a:p>
-            <a:endParaRPr b="0" lang="pt-PT" sz="2800" spc="-1" strike="noStrike">
-              <a:solidFill>
-                <a:srgbClr val="000000"/>
-              </a:solidFill>
-              <a:latin typeface="Calibri"/>
+            <a:endParaRPr b="0" lang="pt-PT" sz="3200" spc="-1" strike="noStrike">
+              <a:latin typeface="Arial"/>
             </a:endParaRPr>
           </a:p>
         </p:txBody>
@@ -1717,7 +1616,7 @@
       </p:grpSpPr>
       <p:sp>
         <p:nvSpPr>
-          <p:cNvPr id="70" name="PlaceHolder 1"/>
+          <p:cNvPr id="64" name="PlaceHolder 1"/>
           <p:cNvSpPr>
             <a:spLocks noGrp="1"/>
           </p:cNvSpPr>
@@ -1727,8 +1626,8 @@
         </p:nvSpPr>
         <p:spPr>
           <a:xfrm>
-            <a:off x="838080" y="365040"/>
-            <a:ext cx="10515240" cy="1325160"/>
+            <a:off x="609480" y="273600"/>
+            <a:ext cx="10972440" cy="1144800"/>
           </a:xfrm>
           <a:prstGeom prst="rect">
             <a:avLst/>
@@ -1739,18 +1638,16 @@
             <a:noAutofit/>
           </a:bodyPr>
           <a:p>
-            <a:endParaRPr b="0" lang="pt-PT" sz="1800" spc="-1" strike="noStrike">
-              <a:solidFill>
-                <a:srgbClr val="000000"/>
-              </a:solidFill>
-              <a:latin typeface="Calibri"/>
-            </a:endParaRPr>
-          </a:p>
-        </p:txBody>
-      </p:sp>
-      <p:sp>
-        <p:nvSpPr>
-          <p:cNvPr id="71" name="PlaceHolder 2"/>
+            <a:pPr algn="ctr"/>
+            <a:endParaRPr b="0" lang="pt-PT" sz="4400" spc="-1" strike="noStrike">
+              <a:latin typeface="Arial"/>
+            </a:endParaRPr>
+          </a:p>
+        </p:txBody>
+      </p:sp>
+      <p:sp>
+        <p:nvSpPr>
+          <p:cNvPr id="65" name="PlaceHolder 2"/>
           <p:cNvSpPr>
             <a:spLocks noGrp="1"/>
           </p:cNvSpPr>
@@ -1760,8 +1657,8 @@
         </p:nvSpPr>
         <p:spPr>
           <a:xfrm>
-            <a:off x="838080" y="1825560"/>
-            <a:ext cx="5131080" cy="2075040"/>
+            <a:off x="609480" y="1604520"/>
+            <a:ext cx="5354280" cy="1896840"/>
           </a:xfrm>
           <a:prstGeom prst="rect">
             <a:avLst/>
@@ -1772,18 +1669,15 @@
             <a:normAutofit/>
           </a:bodyPr>
           <a:p>
-            <a:endParaRPr b="0" lang="pt-PT" sz="2800" spc="-1" strike="noStrike">
-              <a:solidFill>
-                <a:srgbClr val="000000"/>
-              </a:solidFill>
-              <a:latin typeface="Calibri"/>
-            </a:endParaRPr>
-          </a:p>
-        </p:txBody>
-      </p:sp>
-      <p:sp>
-        <p:nvSpPr>
-          <p:cNvPr id="72" name="PlaceHolder 3"/>
+            <a:endParaRPr b="0" lang="pt-PT" sz="3200" spc="-1" strike="noStrike">
+              <a:latin typeface="Arial"/>
+            </a:endParaRPr>
+          </a:p>
+        </p:txBody>
+      </p:sp>
+      <p:sp>
+        <p:nvSpPr>
+          <p:cNvPr id="66" name="PlaceHolder 3"/>
           <p:cNvSpPr>
             <a:spLocks noGrp="1"/>
           </p:cNvSpPr>
@@ -1793,8 +1687,8 @@
         </p:nvSpPr>
         <p:spPr>
           <a:xfrm>
-            <a:off x="6226200" y="1825560"/>
-            <a:ext cx="5131080" cy="2075040"/>
+            <a:off x="6231960" y="1604520"/>
+            <a:ext cx="5354280" cy="1896840"/>
           </a:xfrm>
           <a:prstGeom prst="rect">
             <a:avLst/>
@@ -1805,18 +1699,15 @@
             <a:normAutofit/>
           </a:bodyPr>
           <a:p>
-            <a:endParaRPr b="0" lang="pt-PT" sz="2800" spc="-1" strike="noStrike">
-              <a:solidFill>
-                <a:srgbClr val="000000"/>
-              </a:solidFill>
-              <a:latin typeface="Calibri"/>
-            </a:endParaRPr>
-          </a:p>
-        </p:txBody>
-      </p:sp>
-      <p:sp>
-        <p:nvSpPr>
-          <p:cNvPr id="73" name="PlaceHolder 4"/>
+            <a:endParaRPr b="0" lang="pt-PT" sz="3200" spc="-1" strike="noStrike">
+              <a:latin typeface="Arial"/>
+            </a:endParaRPr>
+          </a:p>
+        </p:txBody>
+      </p:sp>
+      <p:sp>
+        <p:nvSpPr>
+          <p:cNvPr id="67" name="PlaceHolder 4"/>
           <p:cNvSpPr>
             <a:spLocks noGrp="1"/>
           </p:cNvSpPr>
@@ -1826,8 +1717,8 @@
         </p:nvSpPr>
         <p:spPr>
           <a:xfrm>
-            <a:off x="838080" y="4098240"/>
-            <a:ext cx="5131080" cy="2075040"/>
+            <a:off x="609480" y="3682080"/>
+            <a:ext cx="5354280" cy="1896840"/>
           </a:xfrm>
           <a:prstGeom prst="rect">
             <a:avLst/>
@@ -1838,18 +1729,15 @@
             <a:normAutofit/>
           </a:bodyPr>
           <a:p>
-            <a:endParaRPr b="0" lang="pt-PT" sz="2800" spc="-1" strike="noStrike">
-              <a:solidFill>
-                <a:srgbClr val="000000"/>
-              </a:solidFill>
-              <a:latin typeface="Calibri"/>
-            </a:endParaRPr>
-          </a:p>
-        </p:txBody>
-      </p:sp>
-      <p:sp>
-        <p:nvSpPr>
-          <p:cNvPr id="74" name="PlaceHolder 5"/>
+            <a:endParaRPr b="0" lang="pt-PT" sz="3200" spc="-1" strike="noStrike">
+              <a:latin typeface="Arial"/>
+            </a:endParaRPr>
+          </a:p>
+        </p:txBody>
+      </p:sp>
+      <p:sp>
+        <p:nvSpPr>
+          <p:cNvPr id="68" name="PlaceHolder 5"/>
           <p:cNvSpPr>
             <a:spLocks noGrp="1"/>
           </p:cNvSpPr>
@@ -1859,8 +1747,8 @@
         </p:nvSpPr>
         <p:spPr>
           <a:xfrm>
-            <a:off x="6226200" y="4098240"/>
-            <a:ext cx="5131080" cy="2075040"/>
+            <a:off x="6231960" y="3682080"/>
+            <a:ext cx="5354280" cy="1896840"/>
           </a:xfrm>
           <a:prstGeom prst="rect">
             <a:avLst/>
@@ -1871,11 +1759,8 @@
             <a:normAutofit/>
           </a:bodyPr>
           <a:p>
-            <a:endParaRPr b="0" lang="pt-PT" sz="2800" spc="-1" strike="noStrike">
-              <a:solidFill>
-                <a:srgbClr val="000000"/>
-              </a:solidFill>
-              <a:latin typeface="Calibri"/>
+            <a:endParaRPr b="0" lang="pt-PT" sz="3200" spc="-1" strike="noStrike">
+              <a:latin typeface="Arial"/>
             </a:endParaRPr>
           </a:p>
         </p:txBody>
@@ -1904,7 +1789,7 @@
       </p:grpSpPr>
       <p:sp>
         <p:nvSpPr>
-          <p:cNvPr id="75" name="PlaceHolder 1"/>
+          <p:cNvPr id="69" name="PlaceHolder 1"/>
           <p:cNvSpPr>
             <a:spLocks noGrp="1"/>
           </p:cNvSpPr>
@@ -1914,8 +1799,8 @@
         </p:nvSpPr>
         <p:spPr>
           <a:xfrm>
-            <a:off x="838080" y="365040"/>
-            <a:ext cx="10515240" cy="1325160"/>
+            <a:off x="609480" y="273600"/>
+            <a:ext cx="10972440" cy="1144800"/>
           </a:xfrm>
           <a:prstGeom prst="rect">
             <a:avLst/>
@@ -1926,18 +1811,16 @@
             <a:noAutofit/>
           </a:bodyPr>
           <a:p>
-            <a:endParaRPr b="0" lang="pt-PT" sz="1800" spc="-1" strike="noStrike">
-              <a:solidFill>
-                <a:srgbClr val="000000"/>
-              </a:solidFill>
-              <a:latin typeface="Calibri"/>
-            </a:endParaRPr>
-          </a:p>
-        </p:txBody>
-      </p:sp>
-      <p:sp>
-        <p:nvSpPr>
-          <p:cNvPr id="76" name="PlaceHolder 2"/>
+            <a:pPr algn="ctr"/>
+            <a:endParaRPr b="0" lang="pt-PT" sz="4400" spc="-1" strike="noStrike">
+              <a:latin typeface="Arial"/>
+            </a:endParaRPr>
+          </a:p>
+        </p:txBody>
+      </p:sp>
+      <p:sp>
+        <p:nvSpPr>
+          <p:cNvPr id="70" name="PlaceHolder 2"/>
           <p:cNvSpPr>
             <a:spLocks noGrp="1"/>
           </p:cNvSpPr>
@@ -1947,8 +1830,8 @@
         </p:nvSpPr>
         <p:spPr>
           <a:xfrm>
-            <a:off x="838080" y="1825560"/>
-            <a:ext cx="3385800" cy="2075040"/>
+            <a:off x="609480" y="1604520"/>
+            <a:ext cx="3533040" cy="1896840"/>
           </a:xfrm>
           <a:prstGeom prst="rect">
             <a:avLst/>
@@ -1959,18 +1842,15 @@
             <a:normAutofit/>
           </a:bodyPr>
           <a:p>
-            <a:endParaRPr b="0" lang="pt-PT" sz="2800" spc="-1" strike="noStrike">
-              <a:solidFill>
-                <a:srgbClr val="000000"/>
-              </a:solidFill>
-              <a:latin typeface="Calibri"/>
-            </a:endParaRPr>
-          </a:p>
-        </p:txBody>
-      </p:sp>
-      <p:sp>
-        <p:nvSpPr>
-          <p:cNvPr id="77" name="PlaceHolder 3"/>
+            <a:endParaRPr b="0" lang="pt-PT" sz="3200" spc="-1" strike="noStrike">
+              <a:latin typeface="Arial"/>
+            </a:endParaRPr>
+          </a:p>
+        </p:txBody>
+      </p:sp>
+      <p:sp>
+        <p:nvSpPr>
+          <p:cNvPr id="71" name="PlaceHolder 3"/>
           <p:cNvSpPr>
             <a:spLocks noGrp="1"/>
           </p:cNvSpPr>
@@ -1980,8 +1860,8 @@
         </p:nvSpPr>
         <p:spPr>
           <a:xfrm>
-            <a:off x="4393440" y="1825560"/>
-            <a:ext cx="3385800" cy="2075040"/>
+            <a:off x="4319640" y="1604520"/>
+            <a:ext cx="3533040" cy="1896840"/>
           </a:xfrm>
           <a:prstGeom prst="rect">
             <a:avLst/>
@@ -1992,18 +1872,15 @@
             <a:normAutofit/>
           </a:bodyPr>
           <a:p>
-            <a:endParaRPr b="0" lang="pt-PT" sz="2800" spc="-1" strike="noStrike">
-              <a:solidFill>
-                <a:srgbClr val="000000"/>
-              </a:solidFill>
-              <a:latin typeface="Calibri"/>
-            </a:endParaRPr>
-          </a:p>
-        </p:txBody>
-      </p:sp>
-      <p:sp>
-        <p:nvSpPr>
-          <p:cNvPr id="78" name="PlaceHolder 4"/>
+            <a:endParaRPr b="0" lang="pt-PT" sz="3200" spc="-1" strike="noStrike">
+              <a:latin typeface="Arial"/>
+            </a:endParaRPr>
+          </a:p>
+        </p:txBody>
+      </p:sp>
+      <p:sp>
+        <p:nvSpPr>
+          <p:cNvPr id="72" name="PlaceHolder 4"/>
           <p:cNvSpPr>
             <a:spLocks noGrp="1"/>
           </p:cNvSpPr>
@@ -2013,8 +1890,8 @@
         </p:nvSpPr>
         <p:spPr>
           <a:xfrm>
-            <a:off x="7949160" y="1825560"/>
-            <a:ext cx="3385800" cy="2075040"/>
+            <a:off x="8029800" y="1604520"/>
+            <a:ext cx="3533040" cy="1896840"/>
           </a:xfrm>
           <a:prstGeom prst="rect">
             <a:avLst/>
@@ -2025,18 +1902,15 @@
             <a:normAutofit/>
           </a:bodyPr>
           <a:p>
-            <a:endParaRPr b="0" lang="pt-PT" sz="2800" spc="-1" strike="noStrike">
-              <a:solidFill>
-                <a:srgbClr val="000000"/>
-              </a:solidFill>
-              <a:latin typeface="Calibri"/>
-            </a:endParaRPr>
-          </a:p>
-        </p:txBody>
-      </p:sp>
-      <p:sp>
-        <p:nvSpPr>
-          <p:cNvPr id="79" name="PlaceHolder 5"/>
+            <a:endParaRPr b="0" lang="pt-PT" sz="3200" spc="-1" strike="noStrike">
+              <a:latin typeface="Arial"/>
+            </a:endParaRPr>
+          </a:p>
+        </p:txBody>
+      </p:sp>
+      <p:sp>
+        <p:nvSpPr>
+          <p:cNvPr id="73" name="PlaceHolder 5"/>
           <p:cNvSpPr>
             <a:spLocks noGrp="1"/>
           </p:cNvSpPr>
@@ -2046,8 +1920,8 @@
         </p:nvSpPr>
         <p:spPr>
           <a:xfrm>
-            <a:off x="838080" y="4098240"/>
-            <a:ext cx="3385800" cy="2075040"/>
+            <a:off x="609480" y="3682080"/>
+            <a:ext cx="3533040" cy="1896840"/>
           </a:xfrm>
           <a:prstGeom prst="rect">
             <a:avLst/>
@@ -2058,18 +1932,15 @@
             <a:normAutofit/>
           </a:bodyPr>
           <a:p>
-            <a:endParaRPr b="0" lang="pt-PT" sz="2800" spc="-1" strike="noStrike">
-              <a:solidFill>
-                <a:srgbClr val="000000"/>
-              </a:solidFill>
-              <a:latin typeface="Calibri"/>
-            </a:endParaRPr>
-          </a:p>
-        </p:txBody>
-      </p:sp>
-      <p:sp>
-        <p:nvSpPr>
-          <p:cNvPr id="80" name="PlaceHolder 6"/>
+            <a:endParaRPr b="0" lang="pt-PT" sz="3200" spc="-1" strike="noStrike">
+              <a:latin typeface="Arial"/>
+            </a:endParaRPr>
+          </a:p>
+        </p:txBody>
+      </p:sp>
+      <p:sp>
+        <p:nvSpPr>
+          <p:cNvPr id="74" name="PlaceHolder 6"/>
           <p:cNvSpPr>
             <a:spLocks noGrp="1"/>
           </p:cNvSpPr>
@@ -2079,8 +1950,8 @@
         </p:nvSpPr>
         <p:spPr>
           <a:xfrm>
-            <a:off x="4393440" y="4098240"/>
-            <a:ext cx="3385800" cy="2075040"/>
+            <a:off x="4319640" y="3682080"/>
+            <a:ext cx="3533040" cy="1896840"/>
           </a:xfrm>
           <a:prstGeom prst="rect">
             <a:avLst/>
@@ -2091,18 +1962,15 @@
             <a:normAutofit/>
           </a:bodyPr>
           <a:p>
-            <a:endParaRPr b="0" lang="pt-PT" sz="2800" spc="-1" strike="noStrike">
-              <a:solidFill>
-                <a:srgbClr val="000000"/>
-              </a:solidFill>
-              <a:latin typeface="Calibri"/>
-            </a:endParaRPr>
-          </a:p>
-        </p:txBody>
-      </p:sp>
-      <p:sp>
-        <p:nvSpPr>
-          <p:cNvPr id="81" name="PlaceHolder 7"/>
+            <a:endParaRPr b="0" lang="pt-PT" sz="3200" spc="-1" strike="noStrike">
+              <a:latin typeface="Arial"/>
+            </a:endParaRPr>
+          </a:p>
+        </p:txBody>
+      </p:sp>
+      <p:sp>
+        <p:nvSpPr>
+          <p:cNvPr id="75" name="PlaceHolder 7"/>
           <p:cNvSpPr>
             <a:spLocks noGrp="1"/>
           </p:cNvSpPr>
@@ -2112,8 +1980,8 @@
         </p:nvSpPr>
         <p:spPr>
           <a:xfrm>
-            <a:off x="7949160" y="4098240"/>
-            <a:ext cx="3385800" cy="2075040"/>
+            <a:off x="8029800" y="3682080"/>
+            <a:ext cx="3533040" cy="1896840"/>
           </a:xfrm>
           <a:prstGeom prst="rect">
             <a:avLst/>
@@ -2124,11 +1992,8 @@
             <a:normAutofit/>
           </a:bodyPr>
           <a:p>
-            <a:endParaRPr b="0" lang="pt-PT" sz="2800" spc="-1" strike="noStrike">
-              <a:solidFill>
-                <a:srgbClr val="000000"/>
-              </a:solidFill>
-              <a:latin typeface="Calibri"/>
+            <a:endParaRPr b="0" lang="pt-PT" sz="3200" spc="-1" strike="noStrike">
+              <a:latin typeface="Arial"/>
             </a:endParaRPr>
           </a:p>
         </p:txBody>
@@ -2157,7 +2022,7 @@
       </p:grpSpPr>
       <p:sp>
         <p:nvSpPr>
-          <p:cNvPr id="7" name="PlaceHolder 1"/>
+          <p:cNvPr id="4" name="PlaceHolder 1"/>
           <p:cNvSpPr>
             <a:spLocks noGrp="1"/>
           </p:cNvSpPr>
@@ -2167,8 +2032,8 @@
         </p:nvSpPr>
         <p:spPr>
           <a:xfrm>
-            <a:off x="838080" y="365040"/>
-            <a:ext cx="10515240" cy="1325160"/>
+            <a:off x="609480" y="273600"/>
+            <a:ext cx="10972440" cy="1144800"/>
           </a:xfrm>
           <a:prstGeom prst="rect">
             <a:avLst/>
@@ -2179,18 +2044,16 @@
             <a:noAutofit/>
           </a:bodyPr>
           <a:p>
-            <a:endParaRPr b="0" lang="pt-PT" sz="1800" spc="-1" strike="noStrike">
-              <a:solidFill>
-                <a:srgbClr val="000000"/>
-              </a:solidFill>
-              <a:latin typeface="Calibri"/>
-            </a:endParaRPr>
-          </a:p>
-        </p:txBody>
-      </p:sp>
-      <p:sp>
-        <p:nvSpPr>
-          <p:cNvPr id="8" name="PlaceHolder 2"/>
+            <a:pPr algn="ctr"/>
+            <a:endParaRPr b="0" lang="pt-PT" sz="4400" spc="-1" strike="noStrike">
+              <a:latin typeface="Arial"/>
+            </a:endParaRPr>
+          </a:p>
+        </p:txBody>
+      </p:sp>
+      <p:sp>
+        <p:nvSpPr>
+          <p:cNvPr id="5" name="PlaceHolder 2"/>
           <p:cNvSpPr>
             <a:spLocks noGrp="1"/>
           </p:cNvSpPr>
@@ -2200,8 +2063,8 @@
         </p:nvSpPr>
         <p:spPr>
           <a:xfrm>
-            <a:off x="838080" y="1825560"/>
-            <a:ext cx="10515240" cy="4350960"/>
+            <a:off x="609480" y="1604520"/>
+            <a:ext cx="10972440" cy="3977280"/>
           </a:xfrm>
           <a:prstGeom prst="rect">
             <a:avLst/>
@@ -2212,11 +2075,8 @@
             <a:normAutofit/>
           </a:bodyPr>
           <a:p>
-            <a:endParaRPr b="0" lang="pt-PT" sz="2800" spc="-1" strike="noStrike">
-              <a:solidFill>
-                <a:srgbClr val="000000"/>
-              </a:solidFill>
-              <a:latin typeface="Calibri"/>
+            <a:endParaRPr b="0" lang="pt-PT" sz="3200" spc="-1" strike="noStrike">
+              <a:latin typeface="Arial"/>
             </a:endParaRPr>
           </a:p>
         </p:txBody>
@@ -2245,7 +2105,7 @@
       </p:grpSpPr>
       <p:sp>
         <p:nvSpPr>
-          <p:cNvPr id="9" name="PlaceHolder 1"/>
+          <p:cNvPr id="6" name="PlaceHolder 1"/>
           <p:cNvSpPr>
             <a:spLocks noGrp="1"/>
           </p:cNvSpPr>
@@ -2255,8 +2115,8 @@
         </p:nvSpPr>
         <p:spPr>
           <a:xfrm>
-            <a:off x="838080" y="365040"/>
-            <a:ext cx="10515240" cy="1325160"/>
+            <a:off x="609480" y="273600"/>
+            <a:ext cx="10972440" cy="1144800"/>
           </a:xfrm>
           <a:prstGeom prst="rect">
             <a:avLst/>
@@ -2267,18 +2127,16 @@
             <a:noAutofit/>
           </a:bodyPr>
           <a:p>
-            <a:endParaRPr b="0" lang="pt-PT" sz="1800" spc="-1" strike="noStrike">
-              <a:solidFill>
-                <a:srgbClr val="000000"/>
-              </a:solidFill>
-              <a:latin typeface="Calibri"/>
-            </a:endParaRPr>
-          </a:p>
-        </p:txBody>
-      </p:sp>
-      <p:sp>
-        <p:nvSpPr>
-          <p:cNvPr id="10" name="PlaceHolder 2"/>
+            <a:pPr algn="ctr"/>
+            <a:endParaRPr b="0" lang="pt-PT" sz="4400" spc="-1" strike="noStrike">
+              <a:latin typeface="Arial"/>
+            </a:endParaRPr>
+          </a:p>
+        </p:txBody>
+      </p:sp>
+      <p:sp>
+        <p:nvSpPr>
+          <p:cNvPr id="7" name="PlaceHolder 2"/>
           <p:cNvSpPr>
             <a:spLocks noGrp="1"/>
           </p:cNvSpPr>
@@ -2288,8 +2146,8 @@
         </p:nvSpPr>
         <p:spPr>
           <a:xfrm>
-            <a:off x="838080" y="1825560"/>
-            <a:ext cx="5131080" cy="4350960"/>
+            <a:off x="609480" y="1604520"/>
+            <a:ext cx="5354280" cy="3977280"/>
           </a:xfrm>
           <a:prstGeom prst="rect">
             <a:avLst/>
@@ -2300,18 +2158,15 @@
             <a:normAutofit/>
           </a:bodyPr>
           <a:p>
-            <a:endParaRPr b="0" lang="pt-PT" sz="2800" spc="-1" strike="noStrike">
-              <a:solidFill>
-                <a:srgbClr val="000000"/>
-              </a:solidFill>
-              <a:latin typeface="Calibri"/>
-            </a:endParaRPr>
-          </a:p>
-        </p:txBody>
-      </p:sp>
-      <p:sp>
-        <p:nvSpPr>
-          <p:cNvPr id="11" name="PlaceHolder 3"/>
+            <a:endParaRPr b="0" lang="pt-PT" sz="3200" spc="-1" strike="noStrike">
+              <a:latin typeface="Arial"/>
+            </a:endParaRPr>
+          </a:p>
+        </p:txBody>
+      </p:sp>
+      <p:sp>
+        <p:nvSpPr>
+          <p:cNvPr id="8" name="PlaceHolder 3"/>
           <p:cNvSpPr>
             <a:spLocks noGrp="1"/>
           </p:cNvSpPr>
@@ -2321,8 +2176,8 @@
         </p:nvSpPr>
         <p:spPr>
           <a:xfrm>
-            <a:off x="6226200" y="1825560"/>
-            <a:ext cx="5131080" cy="4350960"/>
+            <a:off x="6231960" y="1604520"/>
+            <a:ext cx="5354280" cy="3977280"/>
           </a:xfrm>
           <a:prstGeom prst="rect">
             <a:avLst/>
@@ -2333,11 +2188,8 @@
             <a:normAutofit/>
           </a:bodyPr>
           <a:p>
-            <a:endParaRPr b="0" lang="pt-PT" sz="2800" spc="-1" strike="noStrike">
-              <a:solidFill>
-                <a:srgbClr val="000000"/>
-              </a:solidFill>
-              <a:latin typeface="Calibri"/>
+            <a:endParaRPr b="0" lang="pt-PT" sz="3200" spc="-1" strike="noStrike">
+              <a:latin typeface="Arial"/>
             </a:endParaRPr>
           </a:p>
         </p:txBody>
@@ -2366,7 +2218,7 @@
       </p:grpSpPr>
       <p:sp>
         <p:nvSpPr>
-          <p:cNvPr id="12" name="PlaceHolder 1"/>
+          <p:cNvPr id="9" name="PlaceHolder 1"/>
           <p:cNvSpPr>
             <a:spLocks noGrp="1"/>
           </p:cNvSpPr>
@@ -2376,8 +2228,8 @@
         </p:nvSpPr>
         <p:spPr>
           <a:xfrm>
-            <a:off x="838080" y="365040"/>
-            <a:ext cx="10515240" cy="1325160"/>
+            <a:off x="609480" y="273600"/>
+            <a:ext cx="10972440" cy="1144800"/>
           </a:xfrm>
           <a:prstGeom prst="rect">
             <a:avLst/>
@@ -2388,11 +2240,9 @@
             <a:noAutofit/>
           </a:bodyPr>
           <a:p>
-            <a:endParaRPr b="0" lang="pt-PT" sz="1800" spc="-1" strike="noStrike">
-              <a:solidFill>
-                <a:srgbClr val="000000"/>
-              </a:solidFill>
-              <a:latin typeface="Calibri"/>
+            <a:pPr algn="ctr"/>
+            <a:endParaRPr b="0" lang="pt-PT" sz="4400" spc="-1" strike="noStrike">
+              <a:latin typeface="Arial"/>
             </a:endParaRPr>
           </a:p>
         </p:txBody>
@@ -2421,7 +2271,7 @@
       </p:grpSpPr>
       <p:sp>
         <p:nvSpPr>
-          <p:cNvPr id="13" name="PlaceHolder 1"/>
+          <p:cNvPr id="10" name="PlaceHolder 1"/>
           <p:cNvSpPr>
             <a:spLocks noGrp="1"/>
           </p:cNvSpPr>
@@ -2431,8 +2281,8 @@
         </p:nvSpPr>
         <p:spPr>
           <a:xfrm>
-            <a:off x="838080" y="365040"/>
-            <a:ext cx="10515240" cy="6144120"/>
+            <a:off x="609480" y="273600"/>
+            <a:ext cx="10972440" cy="5307840"/>
           </a:xfrm>
           <a:prstGeom prst="rect">
             <a:avLst/>
@@ -2474,7 +2324,7 @@
       </p:grpSpPr>
       <p:sp>
         <p:nvSpPr>
-          <p:cNvPr id="14" name="PlaceHolder 1"/>
+          <p:cNvPr id="11" name="PlaceHolder 1"/>
           <p:cNvSpPr>
             <a:spLocks noGrp="1"/>
           </p:cNvSpPr>
@@ -2484,8 +2334,8 @@
         </p:nvSpPr>
         <p:spPr>
           <a:xfrm>
-            <a:off x="838080" y="365040"/>
-            <a:ext cx="10515240" cy="1325160"/>
+            <a:off x="609480" y="273600"/>
+            <a:ext cx="10972440" cy="1144800"/>
           </a:xfrm>
           <a:prstGeom prst="rect">
             <a:avLst/>
@@ -2496,18 +2346,16 @@
             <a:noAutofit/>
           </a:bodyPr>
           <a:p>
-            <a:endParaRPr b="0" lang="pt-PT" sz="1800" spc="-1" strike="noStrike">
-              <a:solidFill>
-                <a:srgbClr val="000000"/>
-              </a:solidFill>
-              <a:latin typeface="Calibri"/>
-            </a:endParaRPr>
-          </a:p>
-        </p:txBody>
-      </p:sp>
-      <p:sp>
-        <p:nvSpPr>
-          <p:cNvPr id="15" name="PlaceHolder 2"/>
+            <a:pPr algn="ctr"/>
+            <a:endParaRPr b="0" lang="pt-PT" sz="4400" spc="-1" strike="noStrike">
+              <a:latin typeface="Arial"/>
+            </a:endParaRPr>
+          </a:p>
+        </p:txBody>
+      </p:sp>
+      <p:sp>
+        <p:nvSpPr>
+          <p:cNvPr id="12" name="PlaceHolder 2"/>
           <p:cNvSpPr>
             <a:spLocks noGrp="1"/>
           </p:cNvSpPr>
@@ -2517,8 +2365,8 @@
         </p:nvSpPr>
         <p:spPr>
           <a:xfrm>
-            <a:off x="838080" y="1825560"/>
-            <a:ext cx="5131080" cy="2075040"/>
+            <a:off x="609480" y="1604520"/>
+            <a:ext cx="5354280" cy="1896840"/>
           </a:xfrm>
           <a:prstGeom prst="rect">
             <a:avLst/>
@@ -2529,18 +2377,15 @@
             <a:normAutofit/>
           </a:bodyPr>
           <a:p>
-            <a:endParaRPr b="0" lang="pt-PT" sz="2800" spc="-1" strike="noStrike">
-              <a:solidFill>
-                <a:srgbClr val="000000"/>
-              </a:solidFill>
-              <a:latin typeface="Calibri"/>
-            </a:endParaRPr>
-          </a:p>
-        </p:txBody>
-      </p:sp>
-      <p:sp>
-        <p:nvSpPr>
-          <p:cNvPr id="16" name="PlaceHolder 3"/>
+            <a:endParaRPr b="0" lang="pt-PT" sz="3200" spc="-1" strike="noStrike">
+              <a:latin typeface="Arial"/>
+            </a:endParaRPr>
+          </a:p>
+        </p:txBody>
+      </p:sp>
+      <p:sp>
+        <p:nvSpPr>
+          <p:cNvPr id="13" name="PlaceHolder 3"/>
           <p:cNvSpPr>
             <a:spLocks noGrp="1"/>
           </p:cNvSpPr>
@@ -2550,8 +2395,8 @@
         </p:nvSpPr>
         <p:spPr>
           <a:xfrm>
-            <a:off x="6226200" y="1825560"/>
-            <a:ext cx="5131080" cy="4350960"/>
+            <a:off x="6231960" y="1604520"/>
+            <a:ext cx="5354280" cy="3977280"/>
           </a:xfrm>
           <a:prstGeom prst="rect">
             <a:avLst/>
@@ -2562,18 +2407,15 @@
             <a:normAutofit/>
           </a:bodyPr>
           <a:p>
-            <a:endParaRPr b="0" lang="pt-PT" sz="2800" spc="-1" strike="noStrike">
-              <a:solidFill>
-                <a:srgbClr val="000000"/>
-              </a:solidFill>
-              <a:latin typeface="Calibri"/>
-            </a:endParaRPr>
-          </a:p>
-        </p:txBody>
-      </p:sp>
-      <p:sp>
-        <p:nvSpPr>
-          <p:cNvPr id="17" name="PlaceHolder 4"/>
+            <a:endParaRPr b="0" lang="pt-PT" sz="3200" spc="-1" strike="noStrike">
+              <a:latin typeface="Arial"/>
+            </a:endParaRPr>
+          </a:p>
+        </p:txBody>
+      </p:sp>
+      <p:sp>
+        <p:nvSpPr>
+          <p:cNvPr id="14" name="PlaceHolder 4"/>
           <p:cNvSpPr>
             <a:spLocks noGrp="1"/>
           </p:cNvSpPr>
@@ -2583,8 +2425,8 @@
         </p:nvSpPr>
         <p:spPr>
           <a:xfrm>
-            <a:off x="838080" y="4098240"/>
-            <a:ext cx="5131080" cy="2075040"/>
+            <a:off x="609480" y="3682080"/>
+            <a:ext cx="5354280" cy="1896840"/>
           </a:xfrm>
           <a:prstGeom prst="rect">
             <a:avLst/>
@@ -2595,11 +2437,8 @@
             <a:normAutofit/>
           </a:bodyPr>
           <a:p>
-            <a:endParaRPr b="0" lang="pt-PT" sz="2800" spc="-1" strike="noStrike">
-              <a:solidFill>
-                <a:srgbClr val="000000"/>
-              </a:solidFill>
-              <a:latin typeface="Calibri"/>
+            <a:endParaRPr b="0" lang="pt-PT" sz="3200" spc="-1" strike="noStrike">
+              <a:latin typeface="Arial"/>
             </a:endParaRPr>
           </a:p>
         </p:txBody>
@@ -2628,7 +2467,7 @@
       </p:grpSpPr>
       <p:sp>
         <p:nvSpPr>
-          <p:cNvPr id="18" name="PlaceHolder 1"/>
+          <p:cNvPr id="15" name="PlaceHolder 1"/>
           <p:cNvSpPr>
             <a:spLocks noGrp="1"/>
           </p:cNvSpPr>
@@ -2638,8 +2477,8 @@
         </p:nvSpPr>
         <p:spPr>
           <a:xfrm>
-            <a:off x="838080" y="365040"/>
-            <a:ext cx="10515240" cy="1325160"/>
+            <a:off x="609480" y="273600"/>
+            <a:ext cx="10972440" cy="1144800"/>
           </a:xfrm>
           <a:prstGeom prst="rect">
             <a:avLst/>
@@ -2650,18 +2489,16 @@
             <a:noAutofit/>
           </a:bodyPr>
           <a:p>
-            <a:endParaRPr b="0" lang="pt-PT" sz="1800" spc="-1" strike="noStrike">
-              <a:solidFill>
-                <a:srgbClr val="000000"/>
-              </a:solidFill>
-              <a:latin typeface="Calibri"/>
-            </a:endParaRPr>
-          </a:p>
-        </p:txBody>
-      </p:sp>
-      <p:sp>
-        <p:nvSpPr>
-          <p:cNvPr id="19" name="PlaceHolder 2"/>
+            <a:pPr algn="ctr"/>
+            <a:endParaRPr b="0" lang="pt-PT" sz="4400" spc="-1" strike="noStrike">
+              <a:latin typeface="Arial"/>
+            </a:endParaRPr>
+          </a:p>
+        </p:txBody>
+      </p:sp>
+      <p:sp>
+        <p:nvSpPr>
+          <p:cNvPr id="16" name="PlaceHolder 2"/>
           <p:cNvSpPr>
             <a:spLocks noGrp="1"/>
           </p:cNvSpPr>
@@ -2671,8 +2508,8 @@
         </p:nvSpPr>
         <p:spPr>
           <a:xfrm>
-            <a:off x="838080" y="1825560"/>
-            <a:ext cx="5131080" cy="4350960"/>
+            <a:off x="609480" y="1604520"/>
+            <a:ext cx="5354280" cy="3977280"/>
           </a:xfrm>
           <a:prstGeom prst="rect">
             <a:avLst/>
@@ -2683,18 +2520,15 @@
             <a:normAutofit/>
           </a:bodyPr>
           <a:p>
-            <a:endParaRPr b="0" lang="pt-PT" sz="2800" spc="-1" strike="noStrike">
-              <a:solidFill>
-                <a:srgbClr val="000000"/>
-              </a:solidFill>
-              <a:latin typeface="Calibri"/>
-            </a:endParaRPr>
-          </a:p>
-        </p:txBody>
-      </p:sp>
-      <p:sp>
-        <p:nvSpPr>
-          <p:cNvPr id="20" name="PlaceHolder 3"/>
+            <a:endParaRPr b="0" lang="pt-PT" sz="3200" spc="-1" strike="noStrike">
+              <a:latin typeface="Arial"/>
+            </a:endParaRPr>
+          </a:p>
+        </p:txBody>
+      </p:sp>
+      <p:sp>
+        <p:nvSpPr>
+          <p:cNvPr id="17" name="PlaceHolder 3"/>
           <p:cNvSpPr>
             <a:spLocks noGrp="1"/>
           </p:cNvSpPr>
@@ -2704,8 +2538,8 @@
         </p:nvSpPr>
         <p:spPr>
           <a:xfrm>
-            <a:off x="6226200" y="1825560"/>
-            <a:ext cx="5131080" cy="2075040"/>
+            <a:off x="6231960" y="1604520"/>
+            <a:ext cx="5354280" cy="1896840"/>
           </a:xfrm>
           <a:prstGeom prst="rect">
             <a:avLst/>
@@ -2716,18 +2550,15 @@
             <a:normAutofit/>
           </a:bodyPr>
           <a:p>
-            <a:endParaRPr b="0" lang="pt-PT" sz="2800" spc="-1" strike="noStrike">
-              <a:solidFill>
-                <a:srgbClr val="000000"/>
-              </a:solidFill>
-              <a:latin typeface="Calibri"/>
-            </a:endParaRPr>
-          </a:p>
-        </p:txBody>
-      </p:sp>
-      <p:sp>
-        <p:nvSpPr>
-          <p:cNvPr id="21" name="PlaceHolder 4"/>
+            <a:endParaRPr b="0" lang="pt-PT" sz="3200" spc="-1" strike="noStrike">
+              <a:latin typeface="Arial"/>
+            </a:endParaRPr>
+          </a:p>
+        </p:txBody>
+      </p:sp>
+      <p:sp>
+        <p:nvSpPr>
+          <p:cNvPr id="18" name="PlaceHolder 4"/>
           <p:cNvSpPr>
             <a:spLocks noGrp="1"/>
           </p:cNvSpPr>
@@ -2737,8 +2568,8 @@
         </p:nvSpPr>
         <p:spPr>
           <a:xfrm>
-            <a:off x="6226200" y="4098240"/>
-            <a:ext cx="5131080" cy="2075040"/>
+            <a:off x="6231960" y="3682080"/>
+            <a:ext cx="5354280" cy="1896840"/>
           </a:xfrm>
           <a:prstGeom prst="rect">
             <a:avLst/>
@@ -2749,11 +2580,8 @@
             <a:normAutofit/>
           </a:bodyPr>
           <a:p>
-            <a:endParaRPr b="0" lang="pt-PT" sz="2800" spc="-1" strike="noStrike">
-              <a:solidFill>
-                <a:srgbClr val="000000"/>
-              </a:solidFill>
-              <a:latin typeface="Calibri"/>
+            <a:endParaRPr b="0" lang="pt-PT" sz="3200" spc="-1" strike="noStrike">
+              <a:latin typeface="Arial"/>
             </a:endParaRPr>
           </a:p>
         </p:txBody>
@@ -2782,7 +2610,7 @@
       </p:grpSpPr>
       <p:sp>
         <p:nvSpPr>
-          <p:cNvPr id="22" name="PlaceHolder 1"/>
+          <p:cNvPr id="19" name="PlaceHolder 1"/>
           <p:cNvSpPr>
             <a:spLocks noGrp="1"/>
           </p:cNvSpPr>
@@ -2792,8 +2620,8 @@
         </p:nvSpPr>
         <p:spPr>
           <a:xfrm>
-            <a:off x="838080" y="365040"/>
-            <a:ext cx="10515240" cy="1325160"/>
+            <a:off x="609480" y="273600"/>
+            <a:ext cx="10972440" cy="1144800"/>
           </a:xfrm>
           <a:prstGeom prst="rect">
             <a:avLst/>
@@ -2804,18 +2632,16 @@
             <a:noAutofit/>
           </a:bodyPr>
           <a:p>
-            <a:endParaRPr b="0" lang="pt-PT" sz="1800" spc="-1" strike="noStrike">
-              <a:solidFill>
-                <a:srgbClr val="000000"/>
-              </a:solidFill>
-              <a:latin typeface="Calibri"/>
-            </a:endParaRPr>
-          </a:p>
-        </p:txBody>
-      </p:sp>
-      <p:sp>
-        <p:nvSpPr>
-          <p:cNvPr id="23" name="PlaceHolder 2"/>
+            <a:pPr algn="ctr"/>
+            <a:endParaRPr b="0" lang="pt-PT" sz="4400" spc="-1" strike="noStrike">
+              <a:latin typeface="Arial"/>
+            </a:endParaRPr>
+          </a:p>
+        </p:txBody>
+      </p:sp>
+      <p:sp>
+        <p:nvSpPr>
+          <p:cNvPr id="20" name="PlaceHolder 2"/>
           <p:cNvSpPr>
             <a:spLocks noGrp="1"/>
           </p:cNvSpPr>
@@ -2825,8 +2651,8 @@
         </p:nvSpPr>
         <p:spPr>
           <a:xfrm>
-            <a:off x="838080" y="1825560"/>
-            <a:ext cx="5131080" cy="2075040"/>
+            <a:off x="609480" y="1604520"/>
+            <a:ext cx="5354280" cy="1896840"/>
           </a:xfrm>
           <a:prstGeom prst="rect">
             <a:avLst/>
@@ -2837,18 +2663,15 @@
             <a:normAutofit/>
           </a:bodyPr>
           <a:p>
-            <a:endParaRPr b="0" lang="pt-PT" sz="2800" spc="-1" strike="noStrike">
-              <a:solidFill>
-                <a:srgbClr val="000000"/>
-              </a:solidFill>
-              <a:latin typeface="Calibri"/>
-            </a:endParaRPr>
-          </a:p>
-        </p:txBody>
-      </p:sp>
-      <p:sp>
-        <p:nvSpPr>
-          <p:cNvPr id="24" name="PlaceHolder 3"/>
+            <a:endParaRPr b="0" lang="pt-PT" sz="3200" spc="-1" strike="noStrike">
+              <a:latin typeface="Arial"/>
+            </a:endParaRPr>
+          </a:p>
+        </p:txBody>
+      </p:sp>
+      <p:sp>
+        <p:nvSpPr>
+          <p:cNvPr id="21" name="PlaceHolder 3"/>
           <p:cNvSpPr>
             <a:spLocks noGrp="1"/>
           </p:cNvSpPr>
@@ -2858,8 +2681,8 @@
         </p:nvSpPr>
         <p:spPr>
           <a:xfrm>
-            <a:off x="6226200" y="1825560"/>
-            <a:ext cx="5131080" cy="2075040"/>
+            <a:off x="6231960" y="1604520"/>
+            <a:ext cx="5354280" cy="1896840"/>
           </a:xfrm>
           <a:prstGeom prst="rect">
             <a:avLst/>
@@ -2870,18 +2693,15 @@
             <a:normAutofit/>
           </a:bodyPr>
           <a:p>
-            <a:endParaRPr b="0" lang="pt-PT" sz="2800" spc="-1" strike="noStrike">
-              <a:solidFill>
-                <a:srgbClr val="000000"/>
-              </a:solidFill>
-              <a:latin typeface="Calibri"/>
-            </a:endParaRPr>
-          </a:p>
-        </p:txBody>
-      </p:sp>
-      <p:sp>
-        <p:nvSpPr>
-          <p:cNvPr id="25" name="PlaceHolder 4"/>
+            <a:endParaRPr b="0" lang="pt-PT" sz="3200" spc="-1" strike="noStrike">
+              <a:latin typeface="Arial"/>
+            </a:endParaRPr>
+          </a:p>
+        </p:txBody>
+      </p:sp>
+      <p:sp>
+        <p:nvSpPr>
+          <p:cNvPr id="22" name="PlaceHolder 4"/>
           <p:cNvSpPr>
             <a:spLocks noGrp="1"/>
           </p:cNvSpPr>
@@ -2891,8 +2711,8 @@
         </p:nvSpPr>
         <p:spPr>
           <a:xfrm>
-            <a:off x="838080" y="4098240"/>
-            <a:ext cx="10515240" cy="2075040"/>
+            <a:off x="609480" y="3682080"/>
+            <a:ext cx="10972440" cy="1896840"/>
           </a:xfrm>
           <a:prstGeom prst="rect">
             <a:avLst/>
@@ -2903,11 +2723,8 @@
             <a:normAutofit/>
           </a:bodyPr>
           <a:p>
-            <a:endParaRPr b="0" lang="pt-PT" sz="2800" spc="-1" strike="noStrike">
-              <a:solidFill>
-                <a:srgbClr val="000000"/>
-              </a:solidFill>
-              <a:latin typeface="Calibri"/>
+            <a:endParaRPr b="0" lang="pt-PT" sz="3200" spc="-1" strike="noStrike">
+              <a:latin typeface="Arial"/>
             </a:endParaRPr>
           </a:p>
         </p:txBody>
@@ -2953,37 +2770,26 @@
         </p:nvSpPr>
         <p:spPr>
           <a:xfrm>
-            <a:off x="1523880" y="1122480"/>
-            <a:ext cx="9143640" cy="2387160"/>
-          </a:xfrm>
-          <a:prstGeom prst="rect">
-            <a:avLst/>
-          </a:prstGeom>
-        </p:spPr>
-        <p:txBody>
-          <a:bodyPr anchor="b">
+            <a:off x="838080" y="365040"/>
+            <a:ext cx="10514880" cy="1324800"/>
+          </a:xfrm>
+          <a:prstGeom prst="rect">
+            <a:avLst/>
+          </a:prstGeom>
+        </p:spPr>
+        <p:txBody>
+          <a:bodyPr lIns="0" rIns="0" tIns="0" bIns="0" anchor="ctr">
             <a:noAutofit/>
           </a:bodyPr>
           <a:p>
-            <a:pPr algn="ctr">
-              <a:lnSpc>
-                <a:spcPct val="90000"/>
-              </a:lnSpc>
-            </a:pPr>
-            <a:r>
-              <a:rPr b="0" lang="pt-PT" sz="6000" spc="-1" strike="noStrike">
-                <a:solidFill>
-                  <a:srgbClr val="000000"/>
-                </a:solidFill>
-                <a:latin typeface="Calibri Light"/>
-              </a:rPr>
-              <a:t>Clique para editar o estilo de título do Modelo Global</a:t>
-            </a:r>
-            <a:endParaRPr b="0" lang="pt-PT" sz="6000" spc="-1" strike="noStrike">
-              <a:solidFill>
-                <a:srgbClr val="000000"/>
-              </a:solidFill>
-              <a:latin typeface="Calibri"/>
+            <a:r>
+              <a:rPr b="0" lang="pt-PT" sz="1800" spc="-1" strike="noStrike">
+                <a:latin typeface="Arial"/>
+              </a:rPr>
+              <a:t>Clique para editar o formato do título</a:t>
+            </a:r>
+            <a:endParaRPr b="0" lang="pt-PT" sz="1800" spc="-1" strike="noStrike">
+              <a:latin typeface="Arial"/>
             </a:endParaRPr>
           </a:p>
         </p:txBody>
@@ -2991,124 +2797,6 @@
       <p:sp>
         <p:nvSpPr>
           <p:cNvPr id="1" name="PlaceHolder 2"/>
-          <p:cNvSpPr>
-            <a:spLocks noGrp="1"/>
-          </p:cNvSpPr>
-          <p:nvPr>
-            <p:ph type="dt"/>
-          </p:nvPr>
-        </p:nvSpPr>
-        <p:spPr>
-          <a:xfrm>
-            <a:off x="838080" y="6356520"/>
-            <a:ext cx="2742840" cy="364680"/>
-          </a:xfrm>
-          <a:prstGeom prst="rect">
-            <a:avLst/>
-          </a:prstGeom>
-        </p:spPr>
-        <p:txBody>
-          <a:bodyPr anchor="ctr">
-            <a:noAutofit/>
-          </a:bodyPr>
-          <a:p>
-            <a:pPr>
-              <a:lnSpc>
-                <a:spcPct val="100000"/>
-              </a:lnSpc>
-            </a:pPr>
-            <a:fld id="{644F3EB3-AAD8-4B91-8077-2618A406B252}" type="datetime">
-              <a:rPr b="0" lang="pt-PT" sz="1200" spc="-1" strike="noStrike">
-                <a:solidFill>
-                  <a:srgbClr val="8b8b8b"/>
-                </a:solidFill>
-                <a:latin typeface="Calibri"/>
-              </a:rPr>
-              <a:t>16-12-2021</a:t>
-            </a:fld>
-            <a:endParaRPr b="0" lang="pt-PT" sz="1200" spc="-1" strike="noStrike">
-              <a:latin typeface="Times New Roman"/>
-            </a:endParaRPr>
-          </a:p>
-        </p:txBody>
-      </p:sp>
-      <p:sp>
-        <p:nvSpPr>
-          <p:cNvPr id="2" name="PlaceHolder 3"/>
-          <p:cNvSpPr>
-            <a:spLocks noGrp="1"/>
-          </p:cNvSpPr>
-          <p:nvPr>
-            <p:ph type="ftr"/>
-          </p:nvPr>
-        </p:nvSpPr>
-        <p:spPr>
-          <a:xfrm>
-            <a:off x="4038480" y="6356520"/>
-            <a:ext cx="4114440" cy="364680"/>
-          </a:xfrm>
-          <a:prstGeom prst="rect">
-            <a:avLst/>
-          </a:prstGeom>
-        </p:spPr>
-        <p:txBody>
-          <a:bodyPr anchor="ctr">
-            <a:noAutofit/>
-          </a:bodyPr>
-          <a:p>
-            <a:endParaRPr b="0" lang="pt-PT" sz="2400" spc="-1" strike="noStrike">
-              <a:latin typeface="Times New Roman"/>
-            </a:endParaRPr>
-          </a:p>
-        </p:txBody>
-      </p:sp>
-      <p:sp>
-        <p:nvSpPr>
-          <p:cNvPr id="3" name="PlaceHolder 4"/>
-          <p:cNvSpPr>
-            <a:spLocks noGrp="1"/>
-          </p:cNvSpPr>
-          <p:nvPr>
-            <p:ph type="sldNum"/>
-          </p:nvPr>
-        </p:nvSpPr>
-        <p:spPr>
-          <a:xfrm>
-            <a:off x="8610480" y="6356520"/>
-            <a:ext cx="2742840" cy="364680"/>
-          </a:xfrm>
-          <a:prstGeom prst="rect">
-            <a:avLst/>
-          </a:prstGeom>
-        </p:spPr>
-        <p:txBody>
-          <a:bodyPr anchor="ctr">
-            <a:noAutofit/>
-          </a:bodyPr>
-          <a:p>
-            <a:pPr algn="r">
-              <a:lnSpc>
-                <a:spcPct val="100000"/>
-              </a:lnSpc>
-            </a:pPr>
-            <a:fld id="{B285FA62-6089-4BA6-8BCE-67A6B88C2D9C}" type="slidenum">
-              <a:rPr b="0" lang="pt-PT" sz="1200" spc="-1" strike="noStrike">
-                <a:solidFill>
-                  <a:srgbClr val="8b8b8b"/>
-                </a:solidFill>
-                <a:latin typeface="Calibri"/>
-              </a:rPr>
-              <a:t>&lt;número&gt;</a:t>
-            </a:fld>
-            <a:endParaRPr b="0" lang="pt-PT" sz="1200" spc="-1" strike="noStrike">
-              <a:latin typeface="Times New Roman"/>
-            </a:endParaRPr>
-          </a:p>
-        </p:txBody>
-      </p:sp>
-      <p:sp>
-        <p:nvSpPr>
-          <p:cNvPr id="4" name="PlaceHolder 5"/>
           <p:cNvSpPr>
             <a:spLocks noGrp="1"/>
           </p:cNvSpPr>
@@ -3142,19 +2830,13 @@
               <a:buChar char=""/>
             </a:pPr>
             <a:r>
-              <a:rPr b="0" lang="pt-PT" sz="2800" spc="-1" strike="noStrike">
-                <a:solidFill>
-                  <a:srgbClr val="000000"/>
-                </a:solidFill>
-                <a:latin typeface="Calibri"/>
+              <a:rPr b="0" lang="pt-PT" sz="3200" spc="-1" strike="noStrike">
+                <a:latin typeface="Arial"/>
               </a:rPr>
               <a:t>Clique para editar o formato de texto dos tópicos</a:t>
             </a:r>
-            <a:endParaRPr b="0" lang="pt-PT" sz="2800" spc="-1" strike="noStrike">
-              <a:solidFill>
-                <a:srgbClr val="000000"/>
-              </a:solidFill>
-              <a:latin typeface="Calibri"/>
+            <a:endParaRPr b="0" lang="pt-PT" sz="3200" spc="-1" strike="noStrike">
+              <a:latin typeface="Arial"/>
             </a:endParaRPr>
           </a:p>
           <a:p>
@@ -3170,19 +2852,13 @@
               <a:buChar char=""/>
             </a:pPr>
             <a:r>
-              <a:rPr b="0" lang="pt-PT" sz="2000" spc="-1" strike="noStrike">
-                <a:solidFill>
-                  <a:srgbClr val="000000"/>
-                </a:solidFill>
-                <a:latin typeface="Calibri"/>
+              <a:rPr b="0" lang="pt-PT" sz="2800" spc="-1" strike="noStrike">
+                <a:latin typeface="Arial"/>
               </a:rPr>
               <a:t>Segundo nível de tópicos</a:t>
             </a:r>
-            <a:endParaRPr b="0" lang="pt-PT" sz="2000" spc="-1" strike="noStrike">
-              <a:solidFill>
-                <a:srgbClr val="000000"/>
-              </a:solidFill>
-              <a:latin typeface="Calibri"/>
+            <a:endParaRPr b="0" lang="pt-PT" sz="2800" spc="-1" strike="noStrike">
+              <a:latin typeface="Arial"/>
             </a:endParaRPr>
           </a:p>
           <a:p>
@@ -3198,19 +2874,13 @@
               <a:buChar char=""/>
             </a:pPr>
             <a:r>
-              <a:rPr b="0" lang="pt-PT" sz="1800" spc="-1" strike="noStrike">
-                <a:solidFill>
-                  <a:srgbClr val="000000"/>
-                </a:solidFill>
-                <a:latin typeface="Calibri"/>
+              <a:rPr b="0" lang="pt-PT" sz="2400" spc="-1" strike="noStrike">
+                <a:latin typeface="Arial"/>
               </a:rPr>
               <a:t>Terceiro nível de tópicos</a:t>
             </a:r>
-            <a:endParaRPr b="0" lang="pt-PT" sz="1800" spc="-1" strike="noStrike">
-              <a:solidFill>
-                <a:srgbClr val="000000"/>
-              </a:solidFill>
-              <a:latin typeface="Calibri"/>
+            <a:endParaRPr b="0" lang="pt-PT" sz="2400" spc="-1" strike="noStrike">
+              <a:latin typeface="Arial"/>
             </a:endParaRPr>
           </a:p>
           <a:p>
@@ -3226,19 +2896,13 @@
               <a:buChar char=""/>
             </a:pPr>
             <a:r>
-              <a:rPr b="0" lang="pt-PT" sz="1800" spc="-1" strike="noStrike">
-                <a:solidFill>
-                  <a:srgbClr val="000000"/>
-                </a:solidFill>
-                <a:latin typeface="Calibri"/>
+              <a:rPr b="0" lang="pt-PT" sz="2000" spc="-1" strike="noStrike">
+                <a:latin typeface="Arial"/>
               </a:rPr>
               <a:t>Quarto nível de tópicos</a:t>
             </a:r>
-            <a:endParaRPr b="0" lang="pt-PT" sz="1800" spc="-1" strike="noStrike">
-              <a:solidFill>
-                <a:srgbClr val="000000"/>
-              </a:solidFill>
-              <a:latin typeface="Calibri"/>
+            <a:endParaRPr b="0" lang="pt-PT" sz="2000" spc="-1" strike="noStrike">
+              <a:latin typeface="Arial"/>
             </a:endParaRPr>
           </a:p>
           <a:p>
@@ -3255,18 +2919,12 @@
             </a:pPr>
             <a:r>
               <a:rPr b="0" lang="pt-PT" sz="2000" spc="-1" strike="noStrike">
-                <a:solidFill>
-                  <a:srgbClr val="000000"/>
-                </a:solidFill>
-                <a:latin typeface="Calibri"/>
+                <a:latin typeface="Arial"/>
               </a:rPr>
               <a:t>Quinto nível de tópicos</a:t>
             </a:r>
             <a:endParaRPr b="0" lang="pt-PT" sz="2000" spc="-1" strike="noStrike">
-              <a:solidFill>
-                <a:srgbClr val="000000"/>
-              </a:solidFill>
-              <a:latin typeface="Calibri"/>
+              <a:latin typeface="Arial"/>
             </a:endParaRPr>
           </a:p>
           <a:p>
@@ -3283,18 +2941,12 @@
             </a:pPr>
             <a:r>
               <a:rPr b="0" lang="pt-PT" sz="2000" spc="-1" strike="noStrike">
-                <a:solidFill>
-                  <a:srgbClr val="000000"/>
-                </a:solidFill>
-                <a:latin typeface="Calibri"/>
+                <a:latin typeface="Arial"/>
               </a:rPr>
               <a:t>Sexto nível de tópicos</a:t>
             </a:r>
             <a:endParaRPr b="0" lang="pt-PT" sz="2000" spc="-1" strike="noStrike">
-              <a:solidFill>
-                <a:srgbClr val="000000"/>
-              </a:solidFill>
-              <a:latin typeface="Calibri"/>
+              <a:latin typeface="Arial"/>
             </a:endParaRPr>
           </a:p>
           <a:p>
@@ -3311,18 +2963,12 @@
             </a:pPr>
             <a:r>
               <a:rPr b="0" lang="pt-PT" sz="2000" spc="-1" strike="noStrike">
-                <a:solidFill>
-                  <a:srgbClr val="000000"/>
-                </a:solidFill>
-                <a:latin typeface="Calibri"/>
+                <a:latin typeface="Arial"/>
               </a:rPr>
               <a:t>Sétimo nível de tópicos</a:t>
             </a:r>
             <a:endParaRPr b="0" lang="pt-PT" sz="2000" spc="-1" strike="noStrike">
-              <a:solidFill>
-                <a:srgbClr val="000000"/>
-              </a:solidFill>
-              <a:latin typeface="Calibri"/>
+              <a:latin typeface="Arial"/>
             </a:endParaRPr>
           </a:p>
         </p:txBody>
@@ -3373,7 +3019,7 @@
       </p:grpSpPr>
       <p:sp>
         <p:nvSpPr>
-          <p:cNvPr id="41" name="PlaceHolder 1"/>
+          <p:cNvPr id="38" name="PlaceHolder 1"/>
           <p:cNvSpPr>
             <a:spLocks noGrp="1"/>
           </p:cNvSpPr>
@@ -3383,44 +3029,34 @@
         </p:nvSpPr>
         <p:spPr>
           <a:xfrm>
-            <a:off x="838080" y="365040"/>
-            <a:ext cx="10515240" cy="1325160"/>
-          </a:xfrm>
-          <a:prstGeom prst="rect">
-            <a:avLst/>
-          </a:prstGeom>
-        </p:spPr>
-        <p:txBody>
-          <a:bodyPr anchor="ctr">
+            <a:off x="609480" y="273600"/>
+            <a:ext cx="10972440" cy="1144800"/>
+          </a:xfrm>
+          <a:prstGeom prst="rect">
+            <a:avLst/>
+          </a:prstGeom>
+        </p:spPr>
+        <p:txBody>
+          <a:bodyPr lIns="0" rIns="0" tIns="0" bIns="0" anchor="ctr">
             <a:noAutofit/>
           </a:bodyPr>
           <a:p>
-            <a:pPr>
-              <a:lnSpc>
-                <a:spcPct val="90000"/>
-              </a:lnSpc>
-            </a:pPr>
+            <a:pPr algn="ctr"/>
             <a:r>
               <a:rPr b="0" lang="pt-PT" sz="4400" spc="-1" strike="noStrike">
-                <a:solidFill>
-                  <a:srgbClr val="000000"/>
-                </a:solidFill>
-                <a:latin typeface="Calibri Light"/>
-              </a:rPr>
-              <a:t>Clique para editar o estilo de título do Modelo Global</a:t>
+                <a:latin typeface="Arial"/>
+              </a:rPr>
+              <a:t>Clique para editar o formato do título</a:t>
             </a:r>
             <a:endParaRPr b="0" lang="pt-PT" sz="4400" spc="-1" strike="noStrike">
-              <a:solidFill>
-                <a:srgbClr val="000000"/>
-              </a:solidFill>
-              <a:latin typeface="Calibri"/>
-            </a:endParaRPr>
-          </a:p>
-        </p:txBody>
-      </p:sp>
-      <p:sp>
-        <p:nvSpPr>
-          <p:cNvPr id="42" name="PlaceHolder 2"/>
+              <a:latin typeface="Arial"/>
+            </a:endParaRPr>
+          </a:p>
+        </p:txBody>
+      </p:sp>
+      <p:sp>
+        <p:nvSpPr>
+          <p:cNvPr id="39" name="PlaceHolder 2"/>
           <p:cNvSpPr>
             <a:spLocks noGrp="1"/>
           </p:cNvSpPr>
@@ -3430,283 +3066,169 @@
         </p:nvSpPr>
         <p:spPr>
           <a:xfrm>
-            <a:off x="838080" y="1825560"/>
-            <a:ext cx="10515240" cy="4350960"/>
-          </a:xfrm>
-          <a:prstGeom prst="rect">
-            <a:avLst/>
-          </a:prstGeom>
-        </p:spPr>
-        <p:txBody>
-          <a:bodyPr>
-            <a:noAutofit/>
-          </a:bodyPr>
-          <a:p>
-            <a:pPr marL="228600" indent="-228240">
-              <a:lnSpc>
-                <a:spcPct val="90000"/>
-              </a:lnSpc>
+            <a:off x="609480" y="1604520"/>
+            <a:ext cx="10972440" cy="3977280"/>
+          </a:xfrm>
+          <a:prstGeom prst="rect">
+            <a:avLst/>
+          </a:prstGeom>
+        </p:spPr>
+        <p:txBody>
+          <a:bodyPr lIns="0" rIns="0" tIns="0" bIns="0">
+            <a:normAutofit/>
+          </a:bodyPr>
+          <a:p>
+            <a:pPr marL="432000" indent="-324000">
               <a:spcBef>
-                <a:spcPts val="1001"/>
+                <a:spcPts val="1417"/>
               </a:spcBef>
               <a:buClr>
                 <a:srgbClr val="000000"/>
               </a:buClr>
-              <a:buFont typeface="Arial"/>
-              <a:buChar char="•"/>
-            </a:pPr>
-            <a:r>
-              <a:rPr b="0" lang="pt-PT" sz="2800" spc="-1" strike="noStrike">
-                <a:solidFill>
-                  <a:srgbClr val="000000"/>
-                </a:solidFill>
-                <a:latin typeface="Calibri"/>
-              </a:rPr>
-              <a:t>Clique para editar os estilos do texto de Modelo Global</a:t>
-            </a:r>
-            <a:endParaRPr b="0" lang="pt-PT" sz="2800" spc="-1" strike="noStrike">
-              <a:solidFill>
-                <a:srgbClr val="000000"/>
-              </a:solidFill>
-              <a:latin typeface="Calibri"/>
-            </a:endParaRPr>
-          </a:p>
-          <a:p>
-            <a:pPr lvl="1" marL="685800" indent="-228240">
-              <a:lnSpc>
-                <a:spcPct val="90000"/>
-              </a:lnSpc>
+              <a:buSzPct val="45000"/>
+              <a:buFont typeface="Wingdings" charset="2"/>
+              <a:buChar char=""/>
+            </a:pPr>
+            <a:r>
+              <a:rPr b="0" lang="pt-PT" sz="3200" spc="-1" strike="noStrike">
+                <a:latin typeface="Arial"/>
+              </a:rPr>
+              <a:t>Clique para editar o formato de texto dos tópicos</a:t>
+            </a:r>
+            <a:endParaRPr b="0" lang="pt-PT" sz="3200" spc="-1" strike="noStrike">
+              <a:latin typeface="Arial"/>
+            </a:endParaRPr>
+          </a:p>
+          <a:p>
+            <a:pPr lvl="1" marL="864000" indent="-324000">
               <a:spcBef>
-                <a:spcPts val="499"/>
+                <a:spcPts val="1134"/>
               </a:spcBef>
               <a:buClr>
                 <a:srgbClr val="000000"/>
               </a:buClr>
-              <a:buFont typeface="Arial"/>
-              <a:buChar char="•"/>
-            </a:pPr>
-            <a:r>
-              <a:rPr b="0" lang="pt-PT" sz="2400" spc="-1" strike="noStrike">
-                <a:solidFill>
-                  <a:srgbClr val="000000"/>
-                </a:solidFill>
-                <a:latin typeface="Calibri"/>
-              </a:rPr>
-              <a:t>Segundo nível</a:t>
-            </a:r>
-            <a:endParaRPr b="0" lang="pt-PT" sz="2400" spc="-1" strike="noStrike">
-              <a:solidFill>
-                <a:srgbClr val="000000"/>
-              </a:solidFill>
-              <a:latin typeface="Calibri"/>
-            </a:endParaRPr>
-          </a:p>
-          <a:p>
-            <a:pPr lvl="2" marL="1143000" indent="-228240">
-              <a:lnSpc>
-                <a:spcPct val="90000"/>
-              </a:lnSpc>
+              <a:buSzPct val="75000"/>
+              <a:buFont typeface="Symbol" charset="2"/>
+              <a:buChar char=""/>
+            </a:pPr>
+            <a:r>
+              <a:rPr b="0" lang="pt-PT" sz="2800" spc="-1" strike="noStrike">
+                <a:latin typeface="Arial"/>
+              </a:rPr>
+              <a:t>Segundo nível de tópicos</a:t>
+            </a:r>
+            <a:endParaRPr b="0" lang="pt-PT" sz="2800" spc="-1" strike="noStrike">
+              <a:latin typeface="Arial"/>
+            </a:endParaRPr>
+          </a:p>
+          <a:p>
+            <a:pPr lvl="2" marL="1296000" indent="-288000">
               <a:spcBef>
-                <a:spcPts val="499"/>
+                <a:spcPts val="850"/>
               </a:spcBef>
               <a:buClr>
                 <a:srgbClr val="000000"/>
               </a:buClr>
-              <a:buFont typeface="Arial"/>
-              <a:buChar char="•"/>
-            </a:pPr>
-            <a:r>
-              <a:rPr b="0" lang="pt-PT" sz="2000" spc="-1" strike="noStrike">
-                <a:solidFill>
-                  <a:srgbClr val="000000"/>
-                </a:solidFill>
-                <a:latin typeface="Calibri"/>
-              </a:rPr>
-              <a:t>Terceiro nível</a:t>
-            </a:r>
-            <a:endParaRPr b="0" lang="pt-PT" sz="2000" spc="-1" strike="noStrike">
-              <a:solidFill>
-                <a:srgbClr val="000000"/>
-              </a:solidFill>
-              <a:latin typeface="Calibri"/>
-            </a:endParaRPr>
-          </a:p>
-          <a:p>
-            <a:pPr lvl="3" marL="1600200" indent="-228240">
-              <a:lnSpc>
-                <a:spcPct val="90000"/>
-              </a:lnSpc>
+              <a:buSzPct val="45000"/>
+              <a:buFont typeface="Wingdings" charset="2"/>
+              <a:buChar char=""/>
+            </a:pPr>
+            <a:r>
+              <a:rPr b="0" lang="pt-PT" sz="2400" spc="-1" strike="noStrike">
+                <a:latin typeface="Arial"/>
+              </a:rPr>
+              <a:t>Terceiro nível de tópicos</a:t>
+            </a:r>
+            <a:endParaRPr b="0" lang="pt-PT" sz="2400" spc="-1" strike="noStrike">
+              <a:latin typeface="Arial"/>
+            </a:endParaRPr>
+          </a:p>
+          <a:p>
+            <a:pPr lvl="3" marL="1728000" indent="-216000">
               <a:spcBef>
-                <a:spcPts val="499"/>
+                <a:spcPts val="567"/>
               </a:spcBef>
               <a:buClr>
                 <a:srgbClr val="000000"/>
               </a:buClr>
-              <a:buFont typeface="Arial"/>
-              <a:buChar char="•"/>
-            </a:pPr>
-            <a:r>
-              <a:rPr b="0" lang="pt-PT" sz="1800" spc="-1" strike="noStrike">
-                <a:solidFill>
-                  <a:srgbClr val="000000"/>
-                </a:solidFill>
-                <a:latin typeface="Calibri"/>
-              </a:rPr>
-              <a:t>Quarto nível</a:t>
-            </a:r>
-            <a:endParaRPr b="0" lang="pt-PT" sz="1800" spc="-1" strike="noStrike">
-              <a:solidFill>
-                <a:srgbClr val="000000"/>
-              </a:solidFill>
-              <a:latin typeface="Calibri"/>
-            </a:endParaRPr>
-          </a:p>
-          <a:p>
-            <a:pPr lvl="4" marL="2057400" indent="-228240">
-              <a:lnSpc>
-                <a:spcPct val="90000"/>
-              </a:lnSpc>
+              <a:buSzPct val="75000"/>
+              <a:buFont typeface="Symbol" charset="2"/>
+              <a:buChar char=""/>
+            </a:pPr>
+            <a:r>
+              <a:rPr b="0" lang="pt-PT" sz="2000" spc="-1" strike="noStrike">
+                <a:latin typeface="Arial"/>
+              </a:rPr>
+              <a:t>Quarto nível de tópicos</a:t>
+            </a:r>
+            <a:endParaRPr b="0" lang="pt-PT" sz="2000" spc="-1" strike="noStrike">
+              <a:latin typeface="Arial"/>
+            </a:endParaRPr>
+          </a:p>
+          <a:p>
+            <a:pPr lvl="4" marL="2160000" indent="-216000">
               <a:spcBef>
-                <a:spcPts val="499"/>
+                <a:spcPts val="283"/>
               </a:spcBef>
               <a:buClr>
                 <a:srgbClr val="000000"/>
               </a:buClr>
-              <a:buFont typeface="Arial"/>
-              <a:buChar char="•"/>
-            </a:pPr>
-            <a:r>
-              <a:rPr b="0" lang="pt-PT" sz="1800" spc="-1" strike="noStrike">
-                <a:solidFill>
-                  <a:srgbClr val="000000"/>
-                </a:solidFill>
-                <a:latin typeface="Calibri"/>
-              </a:rPr>
-              <a:t>Quinto nível</a:t>
-            </a:r>
-            <a:endParaRPr b="0" lang="pt-PT" sz="1800" spc="-1" strike="noStrike">
-              <a:solidFill>
+              <a:buSzPct val="45000"/>
+              <a:buFont typeface="Wingdings" charset="2"/>
+              <a:buChar char=""/>
+            </a:pPr>
+            <a:r>
+              <a:rPr b="0" lang="pt-PT" sz="2000" spc="-1" strike="noStrike">
+                <a:latin typeface="Arial"/>
+              </a:rPr>
+              <a:t>Quinto nível de tópicos</a:t>
+            </a:r>
+            <a:endParaRPr b="0" lang="pt-PT" sz="2000" spc="-1" strike="noStrike">
+              <a:latin typeface="Arial"/>
+            </a:endParaRPr>
+          </a:p>
+          <a:p>
+            <a:pPr lvl="5" marL="2592000" indent="-216000">
+              <a:spcBef>
+                <a:spcPts val="283"/>
+              </a:spcBef>
+              <a:buClr>
                 <a:srgbClr val="000000"/>
-              </a:solidFill>
-              <a:latin typeface="Calibri"/>
-            </a:endParaRPr>
-          </a:p>
-        </p:txBody>
-      </p:sp>
-      <p:sp>
-        <p:nvSpPr>
-          <p:cNvPr id="43" name="PlaceHolder 3"/>
-          <p:cNvSpPr>
-            <a:spLocks noGrp="1"/>
-          </p:cNvSpPr>
-          <p:nvPr>
-            <p:ph type="dt"/>
-          </p:nvPr>
-        </p:nvSpPr>
-        <p:spPr>
-          <a:xfrm>
-            <a:off x="838080" y="6356520"/>
-            <a:ext cx="2742840" cy="364680"/>
-          </a:xfrm>
-          <a:prstGeom prst="rect">
-            <a:avLst/>
-          </a:prstGeom>
-        </p:spPr>
-        <p:txBody>
-          <a:bodyPr anchor="ctr">
-            <a:noAutofit/>
-          </a:bodyPr>
-          <a:p>
-            <a:pPr>
-              <a:lnSpc>
-                <a:spcPct val="100000"/>
-              </a:lnSpc>
-            </a:pPr>
-            <a:fld id="{71B2FB9A-23B5-4A34-BBCF-97E02642F50F}" type="datetime">
-              <a:rPr b="0" lang="pt-PT" sz="1200" spc="-1" strike="noStrike">
-                <a:solidFill>
-                  <a:srgbClr val="8b8b8b"/>
-                </a:solidFill>
-                <a:latin typeface="Calibri"/>
-              </a:rPr>
-              <a:t>16-12-2021</a:t>
-            </a:fld>
-            <a:endParaRPr b="0" lang="pt-PT" sz="1200" spc="-1" strike="noStrike">
-              <a:latin typeface="Times New Roman"/>
-            </a:endParaRPr>
-          </a:p>
-        </p:txBody>
-      </p:sp>
-      <p:sp>
-        <p:nvSpPr>
-          <p:cNvPr id="44" name="PlaceHolder 4"/>
-          <p:cNvSpPr>
-            <a:spLocks noGrp="1"/>
-          </p:cNvSpPr>
-          <p:nvPr>
-            <p:ph type="ftr"/>
-          </p:nvPr>
-        </p:nvSpPr>
-        <p:spPr>
-          <a:xfrm>
-            <a:off x="4038480" y="6356520"/>
-            <a:ext cx="4114440" cy="364680"/>
-          </a:xfrm>
-          <a:prstGeom prst="rect">
-            <a:avLst/>
-          </a:prstGeom>
-        </p:spPr>
-        <p:txBody>
-          <a:bodyPr anchor="ctr">
-            <a:noAutofit/>
-          </a:bodyPr>
-          <a:p>
-            <a:endParaRPr b="0" lang="pt-PT" sz="2400" spc="-1" strike="noStrike">
-              <a:latin typeface="Times New Roman"/>
-            </a:endParaRPr>
-          </a:p>
-        </p:txBody>
-      </p:sp>
-      <p:sp>
-        <p:nvSpPr>
-          <p:cNvPr id="45" name="PlaceHolder 5"/>
-          <p:cNvSpPr>
-            <a:spLocks noGrp="1"/>
-          </p:cNvSpPr>
-          <p:nvPr>
-            <p:ph type="sldNum"/>
-          </p:nvPr>
-        </p:nvSpPr>
-        <p:spPr>
-          <a:xfrm>
-            <a:off x="8610480" y="6356520"/>
-            <a:ext cx="2742840" cy="364680"/>
-          </a:xfrm>
-          <a:prstGeom prst="rect">
-            <a:avLst/>
-          </a:prstGeom>
-        </p:spPr>
-        <p:txBody>
-          <a:bodyPr anchor="ctr">
-            <a:noAutofit/>
-          </a:bodyPr>
-          <a:p>
-            <a:pPr algn="r">
-              <a:lnSpc>
-                <a:spcPct val="100000"/>
-              </a:lnSpc>
-            </a:pPr>
-            <a:fld id="{D360FE9F-BE9F-4050-A71D-FA79A4E25B36}" type="slidenum">
-              <a:rPr b="0" lang="pt-PT" sz="1200" spc="-1" strike="noStrike">
-                <a:solidFill>
-                  <a:srgbClr val="8b8b8b"/>
-                </a:solidFill>
-                <a:latin typeface="Calibri"/>
-              </a:rPr>
-              <a:t>&lt;número&gt;</a:t>
-            </a:fld>
-            <a:endParaRPr b="0" lang="pt-PT" sz="1200" spc="-1" strike="noStrike">
-              <a:latin typeface="Times New Roman"/>
+              </a:buClr>
+              <a:buSzPct val="45000"/>
+              <a:buFont typeface="Wingdings" charset="2"/>
+              <a:buChar char=""/>
+            </a:pPr>
+            <a:r>
+              <a:rPr b="0" lang="pt-PT" sz="2000" spc="-1" strike="noStrike">
+                <a:latin typeface="Arial"/>
+              </a:rPr>
+              <a:t>Sexto nível de tópicos</a:t>
+            </a:r>
+            <a:endParaRPr b="0" lang="pt-PT" sz="2000" spc="-1" strike="noStrike">
+              <a:latin typeface="Arial"/>
+            </a:endParaRPr>
+          </a:p>
+          <a:p>
+            <a:pPr lvl="6" marL="3024000" indent="-216000">
+              <a:spcBef>
+                <a:spcPts val="283"/>
+              </a:spcBef>
+              <a:buClr>
+                <a:srgbClr val="000000"/>
+              </a:buClr>
+              <a:buSzPct val="45000"/>
+              <a:buFont typeface="Wingdings" charset="2"/>
+              <a:buChar char=""/>
+            </a:pPr>
+            <a:r>
+              <a:rPr b="0" lang="pt-PT" sz="2000" spc="-1" strike="noStrike">
+                <a:latin typeface="Arial"/>
+              </a:rPr>
+              <a:t>Sétimo nível de tópicos</a:t>
+            </a:r>
+            <a:endParaRPr b="0" lang="pt-PT" sz="2000" spc="-1" strike="noStrike">
+              <a:latin typeface="Arial"/>
             </a:endParaRPr>
           </a:p>
         </p:txBody>
@@ -3750,14 +3272,14 @@
       </p:grpSpPr>
       <p:sp>
         <p:nvSpPr>
-          <p:cNvPr id="82" name="Subtítulo 2"/>
-          <p:cNvSpPr txBox="1"/>
+          <p:cNvPr id="76" name="Subtítulo 2"/>
+          <p:cNvSpPr/>
           <p:nvPr/>
         </p:nvSpPr>
         <p:spPr>
           <a:xfrm>
             <a:off x="1523880" y="2601000"/>
-            <a:ext cx="9143640" cy="1655280"/>
+            <a:ext cx="9143280" cy="1654920"/>
           </a:xfrm>
           <a:prstGeom prst="rect">
             <a:avLst/>
@@ -3767,8 +3289,14 @@
             <a:noFill/>
           </a:ln>
         </p:spPr>
-        <p:txBody>
-          <a:bodyPr>
+        <p:style>
+          <a:lnRef idx="0"/>
+          <a:fillRef idx="0"/>
+          <a:effectRef idx="0"/>
+          <a:fontRef idx="minor"/>
+        </p:style>
+        <p:txBody>
+          <a:bodyPr lIns="90000" rIns="90000" tIns="45000" bIns="45000">
             <a:normAutofit/>
           </a:bodyPr>
           <a:p>
@@ -3800,7 +3328,7 @@
       </p:sp>
       <p:pic>
         <p:nvPicPr>
-          <p:cNvPr id="83" name="Imagem 8" descr=""/>
+          <p:cNvPr id="77" name="Imagem 8" descr=""/>
           <p:cNvPicPr/>
           <p:nvPr/>
         </p:nvPicPr>
@@ -3811,7 +3339,7 @@
         <p:spPr>
           <a:xfrm>
             <a:off x="2723400" y="0"/>
-            <a:ext cx="6744960" cy="2340000"/>
+            <a:ext cx="6744600" cy="2339640"/>
           </a:xfrm>
           <a:prstGeom prst="rect">
             <a:avLst/>
@@ -3823,7 +3351,7 @@
       </p:pic>
       <p:sp>
         <p:nvSpPr>
-          <p:cNvPr id="84" name="Conexão reta 12"/>
+          <p:cNvPr id="78" name="Conexão reta 12"/>
           <p:cNvSpPr/>
           <p:nvPr/>
         </p:nvSpPr>
@@ -3856,14 +3384,14 @@
       </p:sp>
       <p:sp>
         <p:nvSpPr>
-          <p:cNvPr id="85" name="CaixaDeTexto 13"/>
+          <p:cNvPr id="79" name="CaixaDeTexto 13"/>
           <p:cNvSpPr/>
           <p:nvPr/>
         </p:nvSpPr>
         <p:spPr>
           <a:xfrm>
             <a:off x="2259000" y="3753360"/>
-            <a:ext cx="7673760" cy="1736280"/>
+            <a:ext cx="7673400" cy="1735920"/>
           </a:xfrm>
           <a:prstGeom prst="rect">
             <a:avLst/>
@@ -3895,6 +3423,7 @@
                   <a:srgbClr val="000000"/>
                 </a:solidFill>
                 <a:latin typeface="Calibri"/>
+                <a:ea typeface="DejaVu Sans"/>
               </a:rPr>
               <a:t>Trabalho realizado por:</a:t>
             </a:r>
@@ -3924,6 +3453,7 @@
                   <a:srgbClr val="000000"/>
                 </a:solidFill>
                 <a:latin typeface="Calibri"/>
+                <a:ea typeface="DejaVu Sans"/>
               </a:rPr>
               <a:t>Nuno Afonso Anjos Pereira - up202007865</a:t>
             </a:r>
@@ -3943,6 +3473,7 @@
                   <a:srgbClr val="000000"/>
                 </a:solidFill>
                 <a:latin typeface="Calibri"/>
+                <a:ea typeface="DejaVu Sans"/>
               </a:rPr>
               <a:t>Pedro Miguel Magalhães Nunes – up202004714</a:t>
             </a:r>
@@ -3962,6 +3493,7 @@
                   <a:srgbClr val="000000"/>
                 </a:solidFill>
                 <a:latin typeface="Calibri"/>
+                <a:ea typeface="DejaVu Sans"/>
               </a:rPr>
               <a:t>Vítor Manuel da Silva Cavaleiro – up202004724</a:t>
             </a:r>
@@ -3981,10 +3513,172 @@
                   <a:srgbClr val="000000"/>
                 </a:solidFill>
                 <a:latin typeface="Calibri"/>
+                <a:ea typeface="DejaVu Sans"/>
               </a:rPr>
               <a:t>        </a:t>
             </a:r>
             <a:endParaRPr b="0" lang="pt-PT" sz="1800" spc="-1" strike="noStrike">
+              <a:latin typeface="Arial"/>
+            </a:endParaRPr>
+          </a:p>
+        </p:txBody>
+      </p:sp>
+    </p:spTree>
+  </p:cSld>
+  <mc:AlternateContent>
+    <mc:Choice Requires="p14">
+      <p:transition spd="slow" p14:dur="2000"/>
+    </mc:Choice>
+    <mc:Fallback>
+      <p:transition spd="slow"/>
+    </mc:Fallback>
+  </mc:AlternateContent>
+</p:sld>
+</file>
+
+<file path=ppt/slides/slide10.xml><?xml version="1.0" encoding="utf-8"?>
+<p:sld xmlns:a="http://schemas.openxmlformats.org/drawingml/2006/main" xmlns:p="http://schemas.openxmlformats.org/presentationml/2006/main" xmlns:r="http://schemas.openxmlformats.org/officeDocument/2006/relationships" xmlns:p14="http://schemas.microsoft.com/office/powerpoint/2010/main" xmlns:p15="http://schemas.microsoft.com/office/powerpoint/2012/main" xmlns:mc="http://schemas.openxmlformats.org/markup-compatibility/2006">
+  <p:cSld>
+    <p:spTree>
+      <p:nvGrpSpPr>
+        <p:cNvPr id="1" name=""/>
+        <p:cNvGrpSpPr/>
+        <p:nvPr/>
+      </p:nvGrpSpPr>
+      <p:grpSpPr>
+        <a:xfrm>
+          <a:off x="0" y="0"/>
+          <a:ext cx="0" cy="0"/>
+          <a:chOff x="0" y="0"/>
+          <a:chExt cx="0" cy="0"/>
+        </a:xfrm>
+      </p:grpSpPr>
+      <p:sp>
+        <p:nvSpPr>
+          <p:cNvPr id="98" name="Título 1"/>
+          <p:cNvSpPr/>
+          <p:nvPr/>
+        </p:nvSpPr>
+        <p:spPr>
+          <a:xfrm>
+            <a:off x="838080" y="365040"/>
+            <a:ext cx="10514880" cy="1324800"/>
+          </a:xfrm>
+          <a:prstGeom prst="rect">
+            <a:avLst/>
+          </a:prstGeom>
+          <a:noFill/>
+          <a:ln w="0">
+            <a:noFill/>
+          </a:ln>
+        </p:spPr>
+        <p:style>
+          <a:lnRef idx="0"/>
+          <a:fillRef idx="0"/>
+          <a:effectRef idx="0"/>
+          <a:fontRef idx="minor"/>
+        </p:style>
+        <p:txBody>
+          <a:bodyPr lIns="90000" rIns="90000" tIns="45000" bIns="45000" anchor="ctr">
+            <a:noAutofit/>
+          </a:bodyPr>
+          <a:p>
+            <a:pPr algn="ctr">
+              <a:lnSpc>
+                <a:spcPct val="90000"/>
+              </a:lnSpc>
+            </a:pPr>
+            <a:r>
+              <a:rPr b="1" lang="pt-PT" sz="4400" spc="-1" strike="noStrike">
+                <a:solidFill>
+                  <a:srgbClr val="000000"/>
+                </a:solidFill>
+                <a:latin typeface="Calibri Light"/>
+              </a:rPr>
+              <a:t>Outras observações/Exemplos de Execução</a:t>
+            </a:r>
+            <a:endParaRPr b="0" lang="pt-PT" sz="4400" spc="-1" strike="noStrike">
+              <a:latin typeface="Arial"/>
+            </a:endParaRPr>
+          </a:p>
+        </p:txBody>
+      </p:sp>
+      <p:sp>
+        <p:nvSpPr>
+          <p:cNvPr id="99" name="Marcador de Posição de Conteúdo 2"/>
+          <p:cNvSpPr/>
+          <p:nvPr/>
+        </p:nvSpPr>
+        <p:spPr>
+          <a:xfrm>
+            <a:off x="838080" y="1825560"/>
+            <a:ext cx="10514880" cy="4350600"/>
+          </a:xfrm>
+          <a:prstGeom prst="rect">
+            <a:avLst/>
+          </a:prstGeom>
+          <a:noFill/>
+          <a:ln w="0">
+            <a:noFill/>
+          </a:ln>
+        </p:spPr>
+        <p:style>
+          <a:lnRef idx="0"/>
+          <a:fillRef idx="0"/>
+          <a:effectRef idx="0"/>
+          <a:fontRef idx="minor"/>
+        </p:style>
+        <p:txBody>
+          <a:bodyPr lIns="90000" rIns="90000" tIns="45000" bIns="45000">
+            <a:normAutofit/>
+          </a:bodyPr>
+          <a:p>
+            <a:pPr>
+              <a:lnSpc>
+                <a:spcPct val="90000"/>
+              </a:lnSpc>
+              <a:spcBef>
+                <a:spcPts val="1001"/>
+              </a:spcBef>
+              <a:tabLst>
+                <a:tab algn="l" pos="0"/>
+              </a:tabLst>
+            </a:pPr>
+            <a:r>
+              <a:rPr b="0" lang="pt-PT" sz="2400" spc="-1" strike="noStrike">
+                <a:solidFill>
+                  <a:srgbClr val="000000"/>
+                </a:solidFill>
+                <a:latin typeface="Calibri"/>
+              </a:rPr>
+              <a:t>Não é necessário, pode ser apagado depois</a:t>
+            </a:r>
+            <a:endParaRPr b="0" lang="pt-PT" sz="2400" spc="-1" strike="noStrike">
+              <a:latin typeface="Arial"/>
+            </a:endParaRPr>
+          </a:p>
+          <a:p>
+            <a:pPr>
+              <a:lnSpc>
+                <a:spcPct val="90000"/>
+              </a:lnSpc>
+              <a:spcBef>
+                <a:spcPts val="1001"/>
+              </a:spcBef>
+              <a:tabLst>
+                <a:tab algn="l" pos="0"/>
+              </a:tabLst>
+            </a:pPr>
+            <a:r>
+              <a:rPr b="0" lang="pt-PT" sz="2400" spc="-1" strike="noStrike">
+                <a:solidFill>
+                  <a:srgbClr val="000000"/>
+                </a:solidFill>
+                <a:latin typeface="Calibri"/>
+              </a:rPr>
+              <a:t>max 5 diapositivos</a:t>
+            </a:r>
+            <a:endParaRPr b="0" lang="pt-PT" sz="2400" spc="-1" strike="noStrike">
               <a:latin typeface="Arial"/>
             </a:endParaRPr>
           </a:p>
@@ -4022,14 +3716,14 @@
       </p:grpSpPr>
       <p:sp>
         <p:nvSpPr>
-          <p:cNvPr id="86" name="Título 1"/>
-          <p:cNvSpPr txBox="1"/>
+          <p:cNvPr id="80" name="Título 1"/>
+          <p:cNvSpPr/>
           <p:nvPr/>
         </p:nvSpPr>
         <p:spPr>
           <a:xfrm>
             <a:off x="838080" y="365040"/>
-            <a:ext cx="10515240" cy="1325160"/>
+            <a:ext cx="10514880" cy="1324800"/>
           </a:xfrm>
           <a:prstGeom prst="rect">
             <a:avLst/>
@@ -4039,8 +3733,14 @@
             <a:noFill/>
           </a:ln>
         </p:spPr>
-        <p:txBody>
-          <a:bodyPr anchor="ctr">
+        <p:style>
+          <a:lnRef idx="0"/>
+          <a:fillRef idx="0"/>
+          <a:effectRef idx="0"/>
+          <a:fontRef idx="minor"/>
+        </p:style>
+        <p:txBody>
+          <a:bodyPr lIns="90000" rIns="90000" tIns="45000" bIns="45000" anchor="ctr">
             <a:noAutofit/>
           </a:bodyPr>
           <a:p>
@@ -4059,24 +3759,21 @@
               <a:t>Descrição do Problema</a:t>
             </a:r>
             <a:endParaRPr b="0" lang="pt-PT" sz="4400" spc="-1" strike="noStrike">
-              <a:solidFill>
-                <a:srgbClr val="000000"/>
-              </a:solidFill>
-              <a:latin typeface="Calibri"/>
-            </a:endParaRPr>
-          </a:p>
-        </p:txBody>
-      </p:sp>
-      <p:sp>
-        <p:nvSpPr>
-          <p:cNvPr id="87" name="Marcador de Posição de Conteúdo 2"/>
-          <p:cNvSpPr txBox="1"/>
+              <a:latin typeface="Arial"/>
+            </a:endParaRPr>
+          </a:p>
+        </p:txBody>
+      </p:sp>
+      <p:sp>
+        <p:nvSpPr>
+          <p:cNvPr id="81" name="Marcador de Posição de Conteúdo 2"/>
+          <p:cNvSpPr/>
           <p:nvPr/>
         </p:nvSpPr>
         <p:spPr>
           <a:xfrm>
             <a:off x="838080" y="1825560"/>
-            <a:ext cx="10515240" cy="4350960"/>
+            <a:ext cx="10514880" cy="4350600"/>
           </a:xfrm>
           <a:prstGeom prst="rect">
             <a:avLst/>
@@ -4086,8 +3783,14 @@
             <a:noFill/>
           </a:ln>
         </p:spPr>
-        <p:txBody>
-          <a:bodyPr>
+        <p:style>
+          <a:lnRef idx="0"/>
+          <a:fillRef idx="0"/>
+          <a:effectRef idx="0"/>
+          <a:fontRef idx="minor"/>
+        </p:style>
+        <p:txBody>
+          <a:bodyPr lIns="90000" rIns="90000" tIns="45000" bIns="45000">
             <a:normAutofit/>
           </a:bodyPr>
           <a:p>
@@ -4103,19 +3806,25 @@
               </a:tabLst>
             </a:pPr>
             <a:r>
-              <a:rPr b="0" lang="pt-PT" sz="2400" spc="-1" strike="noStrike">
+              <a:rPr b="0" lang="pt-PT" sz="2800" spc="-1" strike="noStrike">
                 <a:solidFill>
                   <a:srgbClr val="000000"/>
                 </a:solidFill>
                 <a:latin typeface="Calibri"/>
               </a:rPr>
-              <a:t>Implementar um sistema de gestão de informação para uma companhia aérea, capaz de guardar e gerir informação relativa a aviões, voos, passageiros, bagagens e aeroportos.</a:t>
-            </a:r>
-            <a:endParaRPr b="0" lang="pt-PT" sz="2400" spc="-1" strike="noStrike">
-              <a:solidFill>
-                <a:srgbClr val="000000"/>
-              </a:solidFill>
-              <a:latin typeface="Calibri"/>
+              <a:t>I</a:t>
+            </a:r>
+            <a:r>
+              <a:rPr b="0" lang="pt-PT" sz="2800" spc="-1" strike="noStrike">
+                <a:solidFill>
+                  <a:srgbClr val="000000"/>
+                </a:solidFill>
+                <a:latin typeface="Calibri"/>
+              </a:rPr>
+              <a:t>mplementar um sistema de gestão de informação para uma companhia aérea, capaz de guardar e gerir informação relativa a aviões, voos, passageiros, bagagens e aeroportos.</a:t>
+            </a:r>
+            <a:endParaRPr b="0" lang="pt-PT" sz="2800" spc="-1" strike="noStrike">
+              <a:latin typeface="Arial"/>
             </a:endParaRPr>
           </a:p>
           <a:p>
@@ -4131,7 +3840,7 @@
               </a:tabLst>
             </a:pPr>
             <a:r>
-              <a:rPr b="0" lang="pt-PT" sz="2400" spc="-1" strike="noStrike">
+              <a:rPr b="0" lang="pt-PT" sz="2800" spc="-1" strike="noStrike">
                 <a:solidFill>
                   <a:srgbClr val="000000"/>
                 </a:solidFill>
@@ -4139,11 +3848,8 @@
               </a:rPr>
               <a:t>…</a:t>
             </a:r>
-            <a:endParaRPr b="0" lang="pt-PT" sz="2400" spc="-1" strike="noStrike">
-              <a:solidFill>
-                <a:srgbClr val="000000"/>
-              </a:solidFill>
-              <a:latin typeface="Calibri"/>
+            <a:endParaRPr b="0" lang="pt-PT" sz="2800" spc="-1" strike="noStrike">
+              <a:latin typeface="Arial"/>
             </a:endParaRPr>
           </a:p>
           <a:p>
@@ -4158,11 +3864,8 @@
                 <a:tab algn="l" pos="0"/>
               </a:tabLst>
             </a:pPr>
-            <a:endParaRPr b="0" lang="pt-PT" sz="2400" spc="-1" strike="noStrike">
-              <a:solidFill>
-                <a:srgbClr val="000000"/>
-              </a:solidFill>
-              <a:latin typeface="Calibri"/>
+            <a:endParaRPr b="0" lang="pt-PT" sz="2800" spc="-1" strike="noStrike">
+              <a:latin typeface="Arial"/>
             </a:endParaRPr>
           </a:p>
         </p:txBody>
@@ -4199,14 +3902,14 @@
       </p:grpSpPr>
       <p:sp>
         <p:nvSpPr>
-          <p:cNvPr id="88" name="Título 1"/>
-          <p:cNvSpPr txBox="1"/>
+          <p:cNvPr id="82" name="Título 1"/>
+          <p:cNvSpPr/>
           <p:nvPr/>
         </p:nvSpPr>
         <p:spPr>
           <a:xfrm>
             <a:off x="838080" y="365040"/>
-            <a:ext cx="10515240" cy="1325160"/>
+            <a:ext cx="10514880" cy="1324800"/>
           </a:xfrm>
           <a:prstGeom prst="rect">
             <a:avLst/>
@@ -4216,8 +3919,14 @@
             <a:noFill/>
           </a:ln>
         </p:spPr>
-        <p:txBody>
-          <a:bodyPr anchor="ctr">
+        <p:style>
+          <a:lnRef idx="0"/>
+          <a:fillRef idx="0"/>
+          <a:effectRef idx="0"/>
+          <a:fontRef idx="minor"/>
+        </p:style>
+        <p:txBody>
+          <a:bodyPr lIns="90000" rIns="90000" tIns="45000" bIns="45000" anchor="ctr">
             <a:noAutofit/>
           </a:bodyPr>
           <a:p>
@@ -4236,24 +3945,21 @@
               <a:t>Solução</a:t>
             </a:r>
             <a:endParaRPr b="0" lang="pt-PT" sz="4400" spc="-1" strike="noStrike">
-              <a:solidFill>
-                <a:srgbClr val="000000"/>
-              </a:solidFill>
-              <a:latin typeface="Calibri"/>
-            </a:endParaRPr>
-          </a:p>
-        </p:txBody>
-      </p:sp>
-      <p:sp>
-        <p:nvSpPr>
-          <p:cNvPr id="89" name="Marcador de Posição de Conteúdo 2"/>
-          <p:cNvSpPr txBox="1"/>
+              <a:latin typeface="Arial"/>
+            </a:endParaRPr>
+          </a:p>
+        </p:txBody>
+      </p:sp>
+      <p:sp>
+        <p:nvSpPr>
+          <p:cNvPr id="83" name="Marcador de Posição de Conteúdo 2"/>
+          <p:cNvSpPr/>
           <p:nvPr/>
         </p:nvSpPr>
         <p:spPr>
           <a:xfrm>
             <a:off x="838080" y="1825560"/>
-            <a:ext cx="10515240" cy="4350960"/>
+            <a:ext cx="10514880" cy="4350600"/>
           </a:xfrm>
           <a:prstGeom prst="rect">
             <a:avLst/>
@@ -4263,8 +3969,14 @@
             <a:noFill/>
           </a:ln>
         </p:spPr>
-        <p:txBody>
-          <a:bodyPr>
+        <p:style>
+          <a:lnRef idx="0"/>
+          <a:fillRef idx="0"/>
+          <a:effectRef idx="0"/>
+          <a:fontRef idx="minor"/>
+        </p:style>
+        <p:txBody>
+          <a:bodyPr lIns="90000" rIns="90000" tIns="45000" bIns="45000">
             <a:noAutofit/>
           </a:bodyPr>
           <a:p>
@@ -4289,9 +4001,141 @@
               <a:t>max 2 diapositivos</a:t>
             </a:r>
             <a:endParaRPr b="0" lang="pt-PT" sz="2800" spc="-1" strike="noStrike">
-              <a:solidFill>
+              <a:latin typeface="Arial"/>
+            </a:endParaRPr>
+          </a:p>
+        </p:txBody>
+      </p:sp>
+      <p:sp>
+        <p:nvSpPr>
+          <p:cNvPr id="84" name=""/>
+          <p:cNvSpPr txBox="1"/>
+          <p:nvPr/>
+        </p:nvSpPr>
+        <p:spPr>
+          <a:xfrm>
+            <a:off x="720000" y="1620000"/>
+            <a:ext cx="10972440" cy="4790160"/>
+          </a:xfrm>
+          <a:prstGeom prst="rect">
+            <a:avLst/>
+          </a:prstGeom>
+          <a:noFill/>
+          <a:ln w="0">
+            <a:noFill/>
+          </a:ln>
+        </p:spPr>
+        <p:txBody>
+          <a:bodyPr lIns="0" rIns="0" tIns="0" bIns="0">
+            <a:normAutofit fontScale="76000"/>
+          </a:bodyPr>
+          <a:p>
+            <a:pPr marL="432000" indent="-324000">
+              <a:spcBef>
+                <a:spcPts val="1417"/>
+              </a:spcBef>
+              <a:buClr>
                 <a:srgbClr val="000000"/>
-              </a:solidFill>
+              </a:buClr>
+              <a:buSzPct val="45000"/>
+              <a:buFont typeface="Wingdings" charset="2"/>
+              <a:buChar char=""/>
+            </a:pPr>
+            <a:r>
+              <a:rPr b="0" lang="pt-PT" sz="2800" spc="-1" strike="noStrike">
+                <a:latin typeface="Calibri"/>
+              </a:rPr>
+              <a:t>Implementámos um menu de forma a facilitar a interação com o programa;</a:t>
+            </a:r>
+            <a:endParaRPr b="0" lang="pt-PT" sz="2800" spc="-1" strike="noStrike">
+              <a:latin typeface="Calibri"/>
+            </a:endParaRPr>
+          </a:p>
+          <a:p>
+            <a:pPr marL="432000" indent="-324000">
+              <a:spcBef>
+                <a:spcPts val="1417"/>
+              </a:spcBef>
+              <a:buClr>
+                <a:srgbClr val="000000"/>
+              </a:buClr>
+              <a:buSzPct val="45000"/>
+              <a:buFont typeface="Wingdings" charset="2"/>
+              <a:buChar char=""/>
+            </a:pPr>
+            <a:r>
+              <a:rPr b="0" lang="pt-PT" sz="2800" spc="-1" strike="noStrike">
+                <a:latin typeface="Calibri"/>
+              </a:rPr>
+              <a:t>O núcleo central do programa é a classe Airline, que gere as interações entre aviões, aeroportos e voos;</a:t>
+            </a:r>
+            <a:endParaRPr b="0" lang="pt-PT" sz="2800" spc="-1" strike="noStrike">
+              <a:latin typeface="Calibri"/>
+            </a:endParaRPr>
+          </a:p>
+          <a:p>
+            <a:pPr marL="432000" indent="-324000">
+              <a:spcBef>
+                <a:spcPts val="1417"/>
+              </a:spcBef>
+              <a:buClr>
+                <a:srgbClr val="000000"/>
+              </a:buClr>
+              <a:buSzPct val="45000"/>
+              <a:buFont typeface="Wingdings" charset="2"/>
+              <a:buChar char=""/>
+            </a:pPr>
+            <a:r>
+              <a:rPr b="0" lang="pt-PT" sz="2800" spc="-1" strike="noStrike">
+                <a:latin typeface="Calibri"/>
+              </a:rPr>
+              <a:t>Dentro das soluções, aos  problemas apresentados, que implementámos, eis dois exemplos:</a:t>
+            </a:r>
+            <a:endParaRPr b="0" lang="pt-PT" sz="2800" spc="-1" strike="noStrike">
+              <a:latin typeface="Calibri"/>
+            </a:endParaRPr>
+          </a:p>
+          <a:p>
+            <a:pPr marL="432000" indent="-324000">
+              <a:spcBef>
+                <a:spcPts val="1417"/>
+              </a:spcBef>
+              <a:buClr>
+                <a:srgbClr val="000000"/>
+              </a:buClr>
+              <a:buSzPct val="45000"/>
+              <a:buFont typeface="Wingdings" charset="2"/>
+              <a:buChar char=""/>
+            </a:pPr>
+            <a:r>
+              <a:rPr b="0" lang="pt-PT" sz="2800" spc="-1" strike="noStrike">
+                <a:latin typeface="Calibri"/>
+              </a:rPr>
+              <a:t>No tratamento dos serviços criamos duas filas(serviçosAcabados, serviçosMarcados), quando um novo serviço era criado, era colocado nos serviçosMarcados e depois de ser cumprido, era colocado nos serviçosAcabados.</a:t>
+            </a:r>
+            <a:endParaRPr b="0" lang="pt-PT" sz="2800" spc="-1" strike="noStrike">
+              <a:latin typeface="Calibri"/>
+            </a:endParaRPr>
+          </a:p>
+          <a:p>
+            <a:pPr marL="432000" indent="-324000">
+              <a:spcBef>
+                <a:spcPts val="1417"/>
+              </a:spcBef>
+              <a:buClr>
+                <a:srgbClr val="000000"/>
+              </a:buClr>
+              <a:buSzPct val="45000"/>
+              <a:buFont typeface="Wingdings" charset="2"/>
+              <a:buChar char=""/>
+            </a:pPr>
+            <a:r>
+              <a:rPr b="0" lang="pt-PT" sz="2800" spc="-1" strike="noStrike">
+                <a:latin typeface="Calibri"/>
+              </a:rPr>
+              <a:t>No tratamento das malas  criamos um sistema de transporte, composto por carruagens, que à medida que iam ficando cheias, novas carruagens eram acrescentadas. Cada carruagem possui 4 stacks e cada stack tem a capacidade maxima de 5 malas.</a:t>
+            </a:r>
+            <a:endParaRPr b="0" lang="pt-PT" sz="2800" spc="-1" strike="noStrike">
               <a:latin typeface="Calibri"/>
             </a:endParaRPr>
           </a:p>
@@ -4329,14 +4173,14 @@
       </p:grpSpPr>
       <p:sp>
         <p:nvSpPr>
-          <p:cNvPr id="90" name="Título 1"/>
-          <p:cNvSpPr txBox="1"/>
+          <p:cNvPr id="85" name="Título 1"/>
+          <p:cNvSpPr/>
           <p:nvPr/>
         </p:nvSpPr>
         <p:spPr>
           <a:xfrm>
             <a:off x="838080" y="365040"/>
-            <a:ext cx="10515240" cy="1325160"/>
+            <a:ext cx="10514880" cy="1324800"/>
           </a:xfrm>
           <a:prstGeom prst="rect">
             <a:avLst/>
@@ -4346,8 +4190,14 @@
             <a:noFill/>
           </a:ln>
         </p:spPr>
-        <p:txBody>
-          <a:bodyPr anchor="ctr">
+        <p:style>
+          <a:lnRef idx="0"/>
+          <a:fillRef idx="0"/>
+          <a:effectRef idx="0"/>
+          <a:fontRef idx="minor"/>
+        </p:style>
+        <p:txBody>
+          <a:bodyPr lIns="90000" rIns="90000" tIns="45000" bIns="45000" anchor="ctr">
             <a:noAutofit/>
           </a:bodyPr>
           <a:p>
@@ -4366,24 +4216,21 @@
               <a:t>Diagrama de Classes</a:t>
             </a:r>
             <a:endParaRPr b="0" lang="pt-PT" sz="4400" spc="-1" strike="noStrike">
-              <a:solidFill>
-                <a:srgbClr val="000000"/>
-              </a:solidFill>
-              <a:latin typeface="Calibri"/>
-            </a:endParaRPr>
-          </a:p>
-        </p:txBody>
-      </p:sp>
-      <p:sp>
-        <p:nvSpPr>
-          <p:cNvPr id="91" name="Marcador de Posição de Conteúdo 2"/>
-          <p:cNvSpPr txBox="1"/>
+              <a:latin typeface="Arial"/>
+            </a:endParaRPr>
+          </a:p>
+        </p:txBody>
+      </p:sp>
+      <p:sp>
+        <p:nvSpPr>
+          <p:cNvPr id="86" name="Marcador de Posição de Conteúdo 2"/>
+          <p:cNvSpPr/>
           <p:nvPr/>
         </p:nvSpPr>
         <p:spPr>
           <a:xfrm>
             <a:off x="838080" y="1825560"/>
-            <a:ext cx="10515240" cy="4350960"/>
+            <a:ext cx="10514880" cy="4350600"/>
           </a:xfrm>
           <a:prstGeom prst="rect">
             <a:avLst/>
@@ -4393,19 +4240,12 @@
             <a:noFill/>
           </a:ln>
         </p:spPr>
-        <p:txBody>
-          <a:bodyPr>
-            <a:noAutofit/>
-          </a:bodyPr>
-          <a:p>
-            <a:endParaRPr b="0" lang="pt-PT" sz="2800" spc="-1" strike="noStrike">
-              <a:solidFill>
-                <a:srgbClr val="000000"/>
-              </a:solidFill>
-              <a:latin typeface="Calibri"/>
-            </a:endParaRPr>
-          </a:p>
-        </p:txBody>
+        <p:style>
+          <a:lnRef idx="0"/>
+          <a:fillRef idx="0"/>
+          <a:effectRef idx="0"/>
+          <a:fontRef idx="minor"/>
+        </p:style>
       </p:sp>
     </p:spTree>
   </p:cSld>
@@ -4439,14 +4279,14 @@
       </p:grpSpPr>
       <p:sp>
         <p:nvSpPr>
-          <p:cNvPr id="92" name="Título 1"/>
-          <p:cNvSpPr txBox="1"/>
+          <p:cNvPr id="87" name="Título 1"/>
+          <p:cNvSpPr/>
           <p:nvPr/>
         </p:nvSpPr>
         <p:spPr>
           <a:xfrm>
             <a:off x="838080" y="365040"/>
-            <a:ext cx="10515240" cy="1325160"/>
+            <a:ext cx="10514880" cy="1324800"/>
           </a:xfrm>
           <a:prstGeom prst="rect">
             <a:avLst/>
@@ -4456,8 +4296,14 @@
             <a:noFill/>
           </a:ln>
         </p:spPr>
-        <p:txBody>
-          <a:bodyPr anchor="ctr">
+        <p:style>
+          <a:lnRef idx="0"/>
+          <a:fillRef idx="0"/>
+          <a:effectRef idx="0"/>
+          <a:fontRef idx="minor"/>
+        </p:style>
+        <p:txBody>
+          <a:bodyPr lIns="90000" rIns="90000" tIns="45000" bIns="45000" anchor="ctr">
             <a:noAutofit/>
           </a:bodyPr>
           <a:p>
@@ -4476,24 +4322,21 @@
               <a:t>Estrutura de Ficheiros</a:t>
             </a:r>
             <a:endParaRPr b="0" lang="pt-PT" sz="4400" spc="-1" strike="noStrike">
-              <a:solidFill>
-                <a:srgbClr val="000000"/>
-              </a:solidFill>
-              <a:latin typeface="Calibri"/>
-            </a:endParaRPr>
-          </a:p>
-        </p:txBody>
-      </p:sp>
-      <p:sp>
-        <p:nvSpPr>
-          <p:cNvPr id="93" name="Marcador de Posição de Conteúdo 2"/>
-          <p:cNvSpPr txBox="1"/>
+              <a:latin typeface="Arial"/>
+            </a:endParaRPr>
+          </a:p>
+        </p:txBody>
+      </p:sp>
+      <p:sp>
+        <p:nvSpPr>
+          <p:cNvPr id="88" name="Marcador de Posição de Conteúdo 2"/>
+          <p:cNvSpPr/>
           <p:nvPr/>
         </p:nvSpPr>
         <p:spPr>
           <a:xfrm>
             <a:off x="838080" y="1825560"/>
-            <a:ext cx="10515240" cy="4350960"/>
+            <a:ext cx="10514880" cy="4350600"/>
           </a:xfrm>
           <a:prstGeom prst="rect">
             <a:avLst/>
@@ -4503,12 +4346,18 @@
             <a:noFill/>
           </a:ln>
         </p:spPr>
-        <p:txBody>
-          <a:bodyPr>
+        <p:style>
+          <a:lnRef idx="0"/>
+          <a:fillRef idx="0"/>
+          <a:effectRef idx="0"/>
+          <a:fontRef idx="minor"/>
+        </p:style>
+        <p:txBody>
+          <a:bodyPr lIns="90000" rIns="90000" tIns="45000" bIns="45000">
             <a:noAutofit/>
           </a:bodyPr>
           <a:p>
-            <a:pPr marL="228600" indent="-228240">
+            <a:pPr marL="228600" indent="-227880">
               <a:lnSpc>
                 <a:spcPct val="90000"/>
               </a:lnSpc>
@@ -4531,14 +4380,11 @@
               <a:t>Incluímos no  nosso projeto uma estrutura de ficheiros dos seguintes elementos:</a:t>
             </a:r>
             <a:endParaRPr b="0" lang="pt-PT" sz="2800" spc="-1" strike="noStrike">
-              <a:solidFill>
-                <a:srgbClr val="000000"/>
-              </a:solidFill>
-              <a:latin typeface="Calibri"/>
-            </a:endParaRPr>
-          </a:p>
-          <a:p>
-            <a:pPr marL="228600" indent="-228240">
+              <a:latin typeface="Arial"/>
+            </a:endParaRPr>
+          </a:p>
+          <a:p>
+            <a:pPr marL="228600" indent="-227880">
               <a:lnSpc>
                 <a:spcPct val="90000"/>
               </a:lnSpc>
@@ -4558,17 +4404,14 @@
                 </a:solidFill>
                 <a:latin typeface="Calibri"/>
               </a:rPr>
-              <a:t>Companhia aérea;</a:t>
+              <a:t>Aviões(tipoAvião, matrícula, capacidade, capacidadeCargo);</a:t>
             </a:r>
             <a:endParaRPr b="0" lang="pt-PT" sz="2800" spc="-1" strike="noStrike">
-              <a:solidFill>
-                <a:srgbClr val="000000"/>
-              </a:solidFill>
-              <a:latin typeface="Calibri"/>
-            </a:endParaRPr>
-          </a:p>
-          <a:p>
-            <a:pPr marL="228600" indent="-228240">
+              <a:latin typeface="Arial"/>
+            </a:endParaRPr>
+          </a:p>
+          <a:p>
+            <a:pPr marL="228600" indent="-227880">
               <a:lnSpc>
                 <a:spcPct val="90000"/>
               </a:lnSpc>
@@ -4588,17 +4431,14 @@
                 </a:solidFill>
                 <a:latin typeface="Calibri"/>
               </a:rPr>
-              <a:t>Aviões;</a:t>
+              <a:t>Aeroportos(nomeAeroporto, aviõesAterrados);</a:t>
             </a:r>
             <a:endParaRPr b="0" lang="pt-PT" sz="2800" spc="-1" strike="noStrike">
-              <a:solidFill>
-                <a:srgbClr val="000000"/>
-              </a:solidFill>
-              <a:latin typeface="Calibri"/>
-            </a:endParaRPr>
-          </a:p>
-          <a:p>
-            <a:pPr marL="228600" indent="-228240">
+              <a:latin typeface="Arial"/>
+            </a:endParaRPr>
+          </a:p>
+          <a:p>
+            <a:pPr marL="228600" indent="-227880">
               <a:lnSpc>
                 <a:spcPct val="90000"/>
               </a:lnSpc>
@@ -4618,17 +4458,14 @@
                 </a:solidFill>
                 <a:latin typeface="Calibri"/>
               </a:rPr>
-              <a:t>Aeroportos;</a:t>
+              <a:t>Voos(número, data, duração, matrícula, origem, destino);</a:t>
             </a:r>
             <a:endParaRPr b="0" lang="pt-PT" sz="2800" spc="-1" strike="noStrike">
-              <a:solidFill>
-                <a:srgbClr val="000000"/>
-              </a:solidFill>
-              <a:latin typeface="Calibri"/>
-            </a:endParaRPr>
-          </a:p>
-          <a:p>
-            <a:pPr marL="228600" indent="-228240">
+              <a:latin typeface="Arial"/>
+            </a:endParaRPr>
+          </a:p>
+          <a:p>
+            <a:pPr marL="228600" indent="-227880">
               <a:lnSpc>
                 <a:spcPct val="90000"/>
               </a:lnSpc>
@@ -4648,17 +4485,14 @@
                 </a:solidFill>
                 <a:latin typeface="Calibri"/>
               </a:rPr>
-              <a:t>Voos;</a:t>
+              <a:t>Locais de transporte terrestre(Aeroporto, tipoTransporte, distância, horaAbertura, horaFecho);</a:t>
             </a:r>
             <a:endParaRPr b="0" lang="pt-PT" sz="2800" spc="-1" strike="noStrike">
-              <a:solidFill>
-                <a:srgbClr val="000000"/>
-              </a:solidFill>
-              <a:latin typeface="Calibri"/>
-            </a:endParaRPr>
-          </a:p>
-          <a:p>
-            <a:pPr marL="228600" indent="-228240">
+              <a:latin typeface="Arial"/>
+            </a:endParaRPr>
+          </a:p>
+          <a:p>
+            <a:pPr marL="228600" indent="-227880">
               <a:lnSpc>
                 <a:spcPct val="90000"/>
               </a:lnSpc>
@@ -4678,17 +4512,14 @@
                 </a:solidFill>
                 <a:latin typeface="Calibri"/>
               </a:rPr>
-              <a:t>Locais de transporte terrestre;</a:t>
+              <a:t>Serviços de limpezas(matrículaAvião, tipo, data, empregado).</a:t>
             </a:r>
             <a:endParaRPr b="0" lang="pt-PT" sz="2800" spc="-1" strike="noStrike">
-              <a:solidFill>
-                <a:srgbClr val="000000"/>
-              </a:solidFill>
-              <a:latin typeface="Calibri"/>
-            </a:endParaRPr>
-          </a:p>
-          <a:p>
-            <a:pPr marL="228600" indent="-228240">
+              <a:latin typeface="Arial"/>
+            </a:endParaRPr>
+          </a:p>
+          <a:p>
+            <a:pPr marL="228600" indent="-227880">
               <a:lnSpc>
                 <a:spcPct val="90000"/>
               </a:lnSpc>
@@ -4708,13 +4539,10 @@
                 </a:solidFill>
                 <a:latin typeface="Calibri"/>
               </a:rPr>
-              <a:t>...</a:t>
+              <a:t>Nota:Os serviços de limpeza estão ordenados por ordem cronológica.</a:t>
             </a:r>
             <a:endParaRPr b="0" lang="pt-PT" sz="2800" spc="-1" strike="noStrike">
-              <a:solidFill>
-                <a:srgbClr val="000000"/>
-              </a:solidFill>
-              <a:latin typeface="Calibri"/>
+              <a:latin typeface="Arial"/>
             </a:endParaRPr>
           </a:p>
         </p:txBody>
@@ -4751,14 +4579,14 @@
       </p:grpSpPr>
       <p:sp>
         <p:nvSpPr>
-          <p:cNvPr id="94" name="Título 1"/>
-          <p:cNvSpPr txBox="1"/>
+          <p:cNvPr id="89" name="Título 1"/>
+          <p:cNvSpPr/>
           <p:nvPr/>
         </p:nvSpPr>
         <p:spPr>
           <a:xfrm>
             <a:off x="838080" y="365040"/>
-            <a:ext cx="10515240" cy="1325160"/>
+            <a:ext cx="10514880" cy="1324800"/>
           </a:xfrm>
           <a:prstGeom prst="rect">
             <a:avLst/>
@@ -4768,8 +4596,14 @@
             <a:noFill/>
           </a:ln>
         </p:spPr>
-        <p:txBody>
-          <a:bodyPr anchor="ctr">
+        <p:style>
+          <a:lnRef idx="0"/>
+          <a:fillRef idx="0"/>
+          <a:effectRef idx="0"/>
+          <a:fontRef idx="minor"/>
+        </p:style>
+        <p:txBody>
+          <a:bodyPr lIns="90000" rIns="90000" tIns="45000" bIns="45000" anchor="ctr">
             <a:noAutofit/>
           </a:bodyPr>
           <a:p>
@@ -4788,24 +4622,21 @@
               <a:t>Funcionalidades Implementadas</a:t>
             </a:r>
             <a:endParaRPr b="0" lang="pt-PT" sz="4400" spc="-1" strike="noStrike">
-              <a:solidFill>
-                <a:srgbClr val="000000"/>
-              </a:solidFill>
-              <a:latin typeface="Calibri"/>
-            </a:endParaRPr>
-          </a:p>
-        </p:txBody>
-      </p:sp>
-      <p:sp>
-        <p:nvSpPr>
-          <p:cNvPr id="95" name="Marcador de Posição de Conteúdo 2"/>
-          <p:cNvSpPr txBox="1"/>
+              <a:latin typeface="Arial"/>
+            </a:endParaRPr>
+          </a:p>
+        </p:txBody>
+      </p:sp>
+      <p:sp>
+        <p:nvSpPr>
+          <p:cNvPr id="90" name="Marcador de Posição de Conteúdo 2"/>
+          <p:cNvSpPr/>
           <p:nvPr/>
         </p:nvSpPr>
         <p:spPr>
           <a:xfrm>
             <a:off x="838080" y="1825560"/>
-            <a:ext cx="10515240" cy="4350960"/>
+            <a:ext cx="10514880" cy="4350600"/>
           </a:xfrm>
           <a:prstGeom prst="rect">
             <a:avLst/>
@@ -4815,8 +4646,14 @@
             <a:noFill/>
           </a:ln>
         </p:spPr>
-        <p:txBody>
-          <a:bodyPr>
+        <p:style>
+          <a:lnRef idx="0"/>
+          <a:fillRef idx="0"/>
+          <a:effectRef idx="0"/>
+          <a:fontRef idx="minor"/>
+        </p:style>
+        <p:txBody>
+          <a:bodyPr lIns="90000" rIns="90000" tIns="45000" bIns="45000">
             <a:noAutofit/>
           </a:bodyPr>
           <a:p>
@@ -4838,13 +4675,170 @@
                 </a:solidFill>
                 <a:latin typeface="Calibri"/>
               </a:rPr>
-              <a:t>max 3 diapositivos</a:t>
+              <a:t>No que toca nas operações CRUD:</a:t>
             </a:r>
             <a:endParaRPr b="0" lang="pt-PT" sz="2800" spc="-1" strike="noStrike">
-              <a:solidFill>
+              <a:latin typeface="Arial"/>
+            </a:endParaRPr>
+          </a:p>
+          <a:p>
+            <a:pPr marL="216000" indent="-216000">
+              <a:lnSpc>
+                <a:spcPct val="90000"/>
+              </a:lnSpc>
+              <a:spcBef>
+                <a:spcPts val="1001"/>
+              </a:spcBef>
+              <a:buClr>
                 <a:srgbClr val="000000"/>
-              </a:solidFill>
-              <a:latin typeface="Calibri"/>
+              </a:buClr>
+              <a:buFont typeface="Symbol" charset="2"/>
+              <a:buChar char=""/>
+              <a:tabLst>
+                <a:tab algn="l" pos="0"/>
+              </a:tabLst>
+            </a:pPr>
+            <a:r>
+              <a:rPr b="0" lang="pt-PT" sz="2800" spc="-1" strike="noStrike">
+                <a:solidFill>
+                  <a:srgbClr val="000000"/>
+                </a:solidFill>
+                <a:latin typeface="Calibri"/>
+              </a:rPr>
+              <a:t>Na classe fligth, implementámos todas as operações CRUD e a mesma possui listagem total;</a:t>
+            </a:r>
+            <a:endParaRPr b="0" lang="pt-PT" sz="2800" spc="-1" strike="noStrike">
+              <a:latin typeface="Arial"/>
+            </a:endParaRPr>
+          </a:p>
+          <a:p>
+            <a:pPr marL="216000" indent="-216000">
+              <a:lnSpc>
+                <a:spcPct val="90000"/>
+              </a:lnSpc>
+              <a:spcBef>
+                <a:spcPts val="1001"/>
+              </a:spcBef>
+              <a:buClr>
+                <a:srgbClr val="000000"/>
+              </a:buClr>
+              <a:buFont typeface="Symbol" charset="2"/>
+              <a:buChar char=""/>
+              <a:tabLst>
+                <a:tab algn="l" pos="0"/>
+              </a:tabLst>
+            </a:pPr>
+            <a:r>
+              <a:rPr b="0" lang="pt-PT" sz="2800" spc="-1" strike="noStrike">
+                <a:solidFill>
+                  <a:srgbClr val="000000"/>
+                </a:solidFill>
+                <a:latin typeface="Calibri"/>
+              </a:rPr>
+              <a:t>Na classe landTransportPlace,  implementámos as operações create e read, a mesma tem listagem parcial;</a:t>
+            </a:r>
+            <a:endParaRPr b="0" lang="pt-PT" sz="2800" spc="-1" strike="noStrike">
+              <a:latin typeface="Arial"/>
+            </a:endParaRPr>
+          </a:p>
+          <a:p>
+            <a:pPr marL="216000" indent="-216000">
+              <a:lnSpc>
+                <a:spcPct val="90000"/>
+              </a:lnSpc>
+              <a:spcBef>
+                <a:spcPts val="1001"/>
+              </a:spcBef>
+              <a:buClr>
+                <a:srgbClr val="000000"/>
+              </a:buClr>
+              <a:buFont typeface="Symbol" charset="2"/>
+              <a:buChar char=""/>
+              <a:tabLst>
+                <a:tab algn="l" pos="0"/>
+              </a:tabLst>
+            </a:pPr>
+            <a:r>
+              <a:rPr b="0" lang="pt-PT" sz="2800" spc="-1" strike="noStrike">
+                <a:solidFill>
+                  <a:srgbClr val="000000"/>
+                </a:solidFill>
+                <a:latin typeface="Calibri"/>
+                <a:ea typeface="Microsoft YaHei"/>
+              </a:rPr>
+              <a:t>Na classe cleaningService, </a:t>
+            </a:r>
+            <a:r>
+              <a:rPr b="0" lang="pt-PT" sz="2800" spc="-1" strike="noStrike">
+                <a:solidFill>
+                  <a:srgbClr val="000000"/>
+                </a:solidFill>
+                <a:latin typeface="Calibri"/>
+              </a:rPr>
+              <a:t>implementámos as operações create e read, a mesma tem listagem parcial;</a:t>
+            </a:r>
+            <a:endParaRPr b="0" lang="pt-PT" sz="2800" spc="-1" strike="noStrike">
+              <a:latin typeface="Arial"/>
+            </a:endParaRPr>
+          </a:p>
+          <a:p>
+            <a:pPr marL="216000" indent="-216000">
+              <a:lnSpc>
+                <a:spcPct val="90000"/>
+              </a:lnSpc>
+              <a:spcBef>
+                <a:spcPts val="1001"/>
+              </a:spcBef>
+              <a:buClr>
+                <a:srgbClr val="000000"/>
+              </a:buClr>
+              <a:buFont typeface="Symbol" charset="2"/>
+              <a:buChar char=""/>
+              <a:tabLst>
+                <a:tab algn="l" pos="0"/>
+              </a:tabLst>
+            </a:pPr>
+            <a:r>
+              <a:rPr b="0" lang="pt-PT" sz="2800" spc="-1" strike="noStrike">
+                <a:solidFill>
+                  <a:srgbClr val="000000"/>
+                </a:solidFill>
+                <a:latin typeface="Calibri"/>
+              </a:rPr>
+              <a:t>Na classe plain, implementámos as operações CRUD, a mesma tem listagem total;</a:t>
+            </a:r>
+            <a:endParaRPr b="0" lang="pt-PT" sz="2800" spc="-1" strike="noStrike">
+              <a:latin typeface="Arial"/>
+            </a:endParaRPr>
+          </a:p>
+          <a:p>
+            <a:pPr marL="216000" indent="-216000">
+              <a:lnSpc>
+                <a:spcPct val="90000"/>
+              </a:lnSpc>
+              <a:spcBef>
+                <a:spcPts val="1001"/>
+              </a:spcBef>
+              <a:buClr>
+                <a:srgbClr val="000000"/>
+              </a:buClr>
+              <a:buFont typeface="Symbol" charset="2"/>
+              <a:buChar char=""/>
+              <a:tabLst>
+                <a:tab algn="l" pos="0"/>
+              </a:tabLst>
+            </a:pPr>
+            <a:r>
+              <a:rPr b="0" lang="pt-PT" sz="2800" spc="-1" strike="noStrike">
+                <a:solidFill>
+                  <a:srgbClr val="000000"/>
+                </a:solidFill>
+                <a:latin typeface="Calibri"/>
+              </a:rPr>
+              <a:t>Na classe airport, implementámos as operações create, read e update, a mesma tem listagem total;  </a:t>
+            </a:r>
+            <a:endParaRPr b="0" lang="pt-PT" sz="2800" spc="-1" strike="noStrike">
+              <a:latin typeface="Arial"/>
             </a:endParaRPr>
           </a:p>
         </p:txBody>
@@ -4881,14 +4875,14 @@
       </p:grpSpPr>
       <p:sp>
         <p:nvSpPr>
-          <p:cNvPr id="96" name="Título 1"/>
+          <p:cNvPr id="91" name=""/>
           <p:cNvSpPr txBox="1"/>
           <p:nvPr/>
         </p:nvSpPr>
         <p:spPr>
           <a:xfrm>
-            <a:off x="838080" y="365040"/>
-            <a:ext cx="10515240" cy="1325160"/>
+            <a:off x="609480" y="273600"/>
+            <a:ext cx="10972440" cy="1144800"/>
           </a:xfrm>
           <a:prstGeom prst="rect">
             <a:avLst/>
@@ -4899,7 +4893,7 @@
           </a:ln>
         </p:spPr>
         <p:txBody>
-          <a:bodyPr anchor="ctr">
+          <a:bodyPr lIns="0" rIns="0" tIns="0" bIns="0" anchor="ctr">
             <a:noAutofit/>
           </a:bodyPr>
           <a:p>
@@ -4915,27 +4909,24 @@
                 </a:solidFill>
                 <a:latin typeface="Calibri Light"/>
               </a:rPr>
-              <a:t>Destaque de Funcionalidade</a:t>
+              <a:t>Funcionalidades Implementadas(cont)</a:t>
             </a:r>
             <a:endParaRPr b="0" lang="pt-PT" sz="4400" spc="-1" strike="noStrike">
-              <a:solidFill>
-                <a:srgbClr val="000000"/>
-              </a:solidFill>
-              <a:latin typeface="Calibri"/>
-            </a:endParaRPr>
-          </a:p>
-        </p:txBody>
-      </p:sp>
-      <p:sp>
-        <p:nvSpPr>
-          <p:cNvPr id="97" name="Marcador de Posição de Conteúdo 2"/>
+              <a:latin typeface="Arial"/>
+            </a:endParaRPr>
+          </a:p>
+        </p:txBody>
+      </p:sp>
+      <p:sp>
+        <p:nvSpPr>
+          <p:cNvPr id="92" name=""/>
           <p:cNvSpPr txBox="1"/>
           <p:nvPr/>
         </p:nvSpPr>
         <p:spPr>
           <a:xfrm>
-            <a:off x="838080" y="1825560"/>
-            <a:ext cx="10515240" cy="4350960"/>
+            <a:off x="609480" y="1604520"/>
+            <a:ext cx="10972440" cy="3977280"/>
           </a:xfrm>
           <a:prstGeom prst="rect">
             <a:avLst/>
@@ -4946,15 +4937,161 @@
           </a:ln>
         </p:spPr>
         <p:txBody>
-          <a:bodyPr>
-            <a:noAutofit/>
-          </a:bodyPr>
-          <a:p>
-            <a:endParaRPr b="0" lang="pt-PT" sz="2800" spc="-1" strike="noStrike">
-              <a:solidFill>
+          <a:bodyPr lIns="0" rIns="0" tIns="0" bIns="0">
+            <a:normAutofit fontScale="76000"/>
+          </a:bodyPr>
+          <a:p>
+            <a:pPr marL="432000" indent="-324000">
+              <a:spcBef>
+                <a:spcPts val="1417"/>
+              </a:spcBef>
+              <a:buClr>
                 <a:srgbClr val="000000"/>
-              </a:solidFill>
-              <a:latin typeface="Calibri"/>
+              </a:buClr>
+              <a:buSzPct val="45000"/>
+              <a:buFont typeface="Wingdings" charset="2"/>
+              <a:buChar char=""/>
+            </a:pPr>
+            <a:r>
+              <a:rPr b="0" lang="pt-PT" sz="3200" spc="-1" strike="noStrike">
+                <a:latin typeface="Arial"/>
+              </a:rPr>
+              <a:t>Algoritmos de pesquisa usados:</a:t>
+            </a:r>
+            <a:endParaRPr b="0" lang="pt-PT" sz="3200" spc="-1" strike="noStrike">
+              <a:latin typeface="Arial"/>
+            </a:endParaRPr>
+          </a:p>
+          <a:p>
+            <a:pPr marL="432000" indent="-324000">
+              <a:spcBef>
+                <a:spcPts val="1417"/>
+              </a:spcBef>
+              <a:buClr>
+                <a:srgbClr val="000000"/>
+              </a:buClr>
+              <a:buSzPct val="45000"/>
+              <a:buFont typeface="Wingdings" charset="2"/>
+              <a:buChar char=""/>
+            </a:pPr>
+            <a:r>
+              <a:rPr b="0" lang="pt-PT" sz="3200" spc="-1" strike="noStrike">
+                <a:latin typeface="Arial"/>
+              </a:rPr>
+              <a:t>std::find_if (STL);</a:t>
+            </a:r>
+            <a:endParaRPr b="0" lang="pt-PT" sz="3200" spc="-1" strike="noStrike">
+              <a:latin typeface="Arial"/>
+            </a:endParaRPr>
+          </a:p>
+          <a:p>
+            <a:pPr marL="432000" indent="-324000">
+              <a:spcBef>
+                <a:spcPts val="1417"/>
+              </a:spcBef>
+              <a:buClr>
+                <a:srgbClr val="000000"/>
+              </a:buClr>
+              <a:buSzPct val="45000"/>
+              <a:buFont typeface="Wingdings" charset="2"/>
+              <a:buChar char=""/>
+            </a:pPr>
+            <a:r>
+              <a:rPr b="0" lang="pt-PT" sz="3200" spc="-1" strike="noStrike">
+                <a:latin typeface="Arial"/>
+              </a:rPr>
+              <a:t>Recorremos também à pesquisa linear com recurso a iteradores.</a:t>
+            </a:r>
+            <a:endParaRPr b="0" lang="pt-PT" sz="3200" spc="-1" strike="noStrike">
+              <a:latin typeface="Arial"/>
+            </a:endParaRPr>
+          </a:p>
+          <a:p>
+            <a:pPr marL="432000" indent="-324000">
+              <a:spcBef>
+                <a:spcPts val="1417"/>
+              </a:spcBef>
+              <a:buClr>
+                <a:srgbClr val="000000"/>
+              </a:buClr>
+              <a:buSzPct val="45000"/>
+              <a:buFont typeface="Wingdings" charset="2"/>
+              <a:buChar char=""/>
+            </a:pPr>
+            <a:r>
+              <a:rPr b="0" lang="pt-PT" sz="3200" spc="-1" strike="noStrike">
+                <a:latin typeface="Arial"/>
+              </a:rPr>
+              <a:t>Algoritmos de ordenação usados:</a:t>
+            </a:r>
+            <a:endParaRPr b="0" lang="pt-PT" sz="3200" spc="-1" strike="noStrike">
+              <a:latin typeface="Arial"/>
+            </a:endParaRPr>
+          </a:p>
+          <a:p>
+            <a:pPr marL="432000" indent="-324000">
+              <a:spcBef>
+                <a:spcPts val="1417"/>
+              </a:spcBef>
+              <a:buClr>
+                <a:srgbClr val="000000"/>
+              </a:buClr>
+              <a:buSzPct val="45000"/>
+              <a:buFont typeface="Wingdings" charset="2"/>
+              <a:buChar char=""/>
+            </a:pPr>
+            <a:r>
+              <a:rPr b="0" lang="pt-PT" sz="3200" spc="-1" strike="noStrike">
+                <a:latin typeface="Arial"/>
+              </a:rPr>
+              <a:t>std::sort (STL);</a:t>
+            </a:r>
+            <a:endParaRPr b="0" lang="pt-PT" sz="3200" spc="-1" strike="noStrike">
+              <a:latin typeface="Arial"/>
+            </a:endParaRPr>
+          </a:p>
+          <a:p>
+            <a:pPr marL="432000" indent="-324000">
+              <a:spcBef>
+                <a:spcPts val="1417"/>
+              </a:spcBef>
+              <a:buClr>
+                <a:srgbClr val="000000"/>
+              </a:buClr>
+              <a:buSzPct val="45000"/>
+              <a:buFont typeface="Wingdings" charset="2"/>
+              <a:buChar char=""/>
+            </a:pPr>
+            <a:r>
+              <a:rPr b="0" lang="pt-PT" sz="3200" spc="-1" strike="noStrike">
+                <a:latin typeface="Arial"/>
+              </a:rPr>
+              <a:t>std::remove_if (STL;</a:t>
+            </a:r>
+            <a:endParaRPr b="0" lang="pt-PT" sz="3200" spc="-1" strike="noStrike">
+              <a:latin typeface="Arial"/>
+            </a:endParaRPr>
+          </a:p>
+          <a:p>
+            <a:pPr marL="432000" indent="-324000">
+              <a:spcBef>
+                <a:spcPts val="1417"/>
+              </a:spcBef>
+              <a:buClr>
+                <a:srgbClr val="000000"/>
+              </a:buClr>
+              <a:buSzPct val="45000"/>
+              <a:buFont typeface="Wingdings" charset="2"/>
+              <a:buChar char=""/>
+            </a:pPr>
+            <a:r>
+              <a:rPr b="0" lang="pt-PT" sz="3200" spc="-1" strike="noStrike">
+                <a:latin typeface="Arial"/>
+              </a:rPr>
+              <a:t>Std::list.sort (STL).</a:t>
+            </a:r>
+            <a:endParaRPr b="0" lang="pt-PT" sz="3200" spc="-1" strike="noStrike">
+              <a:latin typeface="Arial"/>
             </a:endParaRPr>
           </a:p>
         </p:txBody>
@@ -4991,14 +5128,14 @@
       </p:grpSpPr>
       <p:sp>
         <p:nvSpPr>
-          <p:cNvPr id="98" name="Título 1"/>
-          <p:cNvSpPr txBox="1"/>
+          <p:cNvPr id="93" name="Título 1"/>
+          <p:cNvSpPr/>
           <p:nvPr/>
         </p:nvSpPr>
         <p:spPr>
           <a:xfrm>
             <a:off x="838080" y="365040"/>
-            <a:ext cx="10515240" cy="1325160"/>
+            <a:ext cx="10514880" cy="1324800"/>
           </a:xfrm>
           <a:prstGeom prst="rect">
             <a:avLst/>
@@ -5008,8 +5145,14 @@
             <a:noFill/>
           </a:ln>
         </p:spPr>
-        <p:txBody>
-          <a:bodyPr anchor="ctr">
+        <p:style>
+          <a:lnRef idx="0"/>
+          <a:fillRef idx="0"/>
+          <a:effectRef idx="0"/>
+          <a:fontRef idx="minor"/>
+        </p:style>
+        <p:txBody>
+          <a:bodyPr lIns="90000" rIns="90000" tIns="45000" bIns="45000" anchor="ctr">
             <a:noAutofit/>
           </a:bodyPr>
           <a:p>
@@ -5025,27 +5168,24 @@
                 </a:solidFill>
                 <a:latin typeface="Calibri Light"/>
               </a:rPr>
-              <a:t>Principais dificuldades</a:t>
+              <a:t>Destaque de Funcionalidade</a:t>
             </a:r>
             <a:endParaRPr b="0" lang="pt-PT" sz="4400" spc="-1" strike="noStrike">
-              <a:solidFill>
-                <a:srgbClr val="000000"/>
-              </a:solidFill>
-              <a:latin typeface="Calibri"/>
-            </a:endParaRPr>
-          </a:p>
-        </p:txBody>
-      </p:sp>
-      <p:sp>
-        <p:nvSpPr>
-          <p:cNvPr id="99" name="Marcador de Posição de Conteúdo 2"/>
-          <p:cNvSpPr txBox="1"/>
+              <a:latin typeface="Arial"/>
+            </a:endParaRPr>
+          </a:p>
+        </p:txBody>
+      </p:sp>
+      <p:sp>
+        <p:nvSpPr>
+          <p:cNvPr id="94" name="Marcador de Posição de Conteúdo 2"/>
+          <p:cNvSpPr/>
           <p:nvPr/>
         </p:nvSpPr>
         <p:spPr>
           <a:xfrm>
             <a:off x="838080" y="1825560"/>
-            <a:ext cx="10515240" cy="4350960"/>
+            <a:ext cx="10514880" cy="4350600"/>
           </a:xfrm>
           <a:prstGeom prst="rect">
             <a:avLst/>
@@ -5055,16 +5195,56 @@
             <a:noFill/>
           </a:ln>
         </p:spPr>
-        <p:txBody>
-          <a:bodyPr>
-            <a:noAutofit/>
-          </a:bodyPr>
-          <a:p>
+        <p:style>
+          <a:lnRef idx="0"/>
+          <a:fillRef idx="0"/>
+          <a:effectRef idx="0"/>
+          <a:fontRef idx="minor"/>
+        </p:style>
+      </p:sp>
+      <p:sp>
+        <p:nvSpPr>
+          <p:cNvPr id="95" name=""/>
+          <p:cNvSpPr txBox="1"/>
+          <p:nvPr/>
+        </p:nvSpPr>
+        <p:spPr>
+          <a:xfrm>
+            <a:off x="609480" y="1604520"/>
+            <a:ext cx="10972440" cy="3977280"/>
+          </a:xfrm>
+          <a:prstGeom prst="rect">
+            <a:avLst/>
+          </a:prstGeom>
+          <a:noFill/>
+          <a:ln w="0">
+            <a:noFill/>
+          </a:ln>
+        </p:spPr>
+        <p:txBody>
+          <a:bodyPr lIns="0" rIns="0" tIns="0" bIns="0">
+            <a:normAutofit/>
+          </a:bodyPr>
+          <a:p>
+            <a:pPr marL="432000" indent="-324000">
+              <a:spcBef>
+                <a:spcPts val="1417"/>
+              </a:spcBef>
+              <a:buClr>
+                <a:srgbClr val="000000"/>
+              </a:buClr>
+              <a:buSzPct val="45000"/>
+              <a:buFont typeface="Wingdings" charset="2"/>
+              <a:buChar char=""/>
+            </a:pPr>
+            <a:r>
+              <a:rPr b="0" lang="pt-PT" sz="2800" spc="-1" strike="noStrike">
+                <a:latin typeface="Arial"/>
+              </a:rPr>
+              <a:t>A funcionalidade que gostaríamos de realçar seria a que nos permite a execução de voos com base na data atual, o que dá uma sensação de "realismo" à aplicação em si.</a:t>
+            </a:r>
             <a:endParaRPr b="0" lang="pt-PT" sz="2800" spc="-1" strike="noStrike">
-              <a:solidFill>
-                <a:srgbClr val="000000"/>
-              </a:solidFill>
-              <a:latin typeface="Calibri"/>
+              <a:latin typeface="Arial"/>
             </a:endParaRPr>
           </a:p>
         </p:txBody>
@@ -5101,14 +5281,14 @@
       </p:grpSpPr>
       <p:sp>
         <p:nvSpPr>
-          <p:cNvPr id="100" name="Título 1"/>
-          <p:cNvSpPr txBox="1"/>
+          <p:cNvPr id="96" name="Título 1"/>
+          <p:cNvSpPr/>
           <p:nvPr/>
         </p:nvSpPr>
         <p:spPr>
           <a:xfrm>
             <a:off x="838080" y="365040"/>
-            <a:ext cx="10515240" cy="1325160"/>
+            <a:ext cx="10514880" cy="1324800"/>
           </a:xfrm>
           <a:prstGeom prst="rect">
             <a:avLst/>
@@ -5118,8 +5298,14 @@
             <a:noFill/>
           </a:ln>
         </p:spPr>
-        <p:txBody>
-          <a:bodyPr anchor="ctr">
+        <p:style>
+          <a:lnRef idx="0"/>
+          <a:fillRef idx="0"/>
+          <a:effectRef idx="0"/>
+          <a:fontRef idx="minor"/>
+        </p:style>
+        <p:txBody>
+          <a:bodyPr lIns="90000" rIns="90000" tIns="45000" bIns="45000" anchor="ctr">
             <a:noAutofit/>
           </a:bodyPr>
           <a:p>
@@ -5135,27 +5321,24 @@
                 </a:solidFill>
                 <a:latin typeface="Calibri Light"/>
               </a:rPr>
-              <a:t>Outras observações/Exemplos de Execução</a:t>
+              <a:t>Principais dificuldades</a:t>
             </a:r>
             <a:endParaRPr b="0" lang="pt-PT" sz="4400" spc="-1" strike="noStrike">
-              <a:solidFill>
-                <a:srgbClr val="000000"/>
-              </a:solidFill>
-              <a:latin typeface="Calibri"/>
-            </a:endParaRPr>
-          </a:p>
-        </p:txBody>
-      </p:sp>
-      <p:sp>
-        <p:nvSpPr>
-          <p:cNvPr id="101" name="Marcador de Posição de Conteúdo 2"/>
-          <p:cNvSpPr txBox="1"/>
+              <a:latin typeface="Arial"/>
+            </a:endParaRPr>
+          </a:p>
+        </p:txBody>
+      </p:sp>
+      <p:sp>
+        <p:nvSpPr>
+          <p:cNvPr id="97" name="Marcador de Posição de Conteúdo 2"/>
+          <p:cNvSpPr/>
           <p:nvPr/>
         </p:nvSpPr>
         <p:spPr>
           <a:xfrm>
             <a:off x="838080" y="1825560"/>
-            <a:ext cx="10515240" cy="4350960"/>
+            <a:ext cx="10514880" cy="4350600"/>
           </a:xfrm>
           <a:prstGeom prst="rect">
             <a:avLst/>
@@ -5165,67 +5348,12 @@
             <a:noFill/>
           </a:ln>
         </p:spPr>
-        <p:txBody>
-          <a:bodyPr>
-            <a:normAutofit/>
-          </a:bodyPr>
-          <a:p>
-            <a:pPr>
-              <a:lnSpc>
-                <a:spcPct val="90000"/>
-              </a:lnSpc>
-              <a:spcBef>
-                <a:spcPts val="1001"/>
-              </a:spcBef>
-              <a:tabLst>
-                <a:tab algn="l" pos="0"/>
-              </a:tabLst>
-            </a:pPr>
-            <a:r>
-              <a:rPr b="0" lang="pt-PT" sz="2400" spc="-1" strike="noStrike">
-                <a:solidFill>
-                  <a:srgbClr val="000000"/>
-                </a:solidFill>
-                <a:latin typeface="Calibri"/>
-              </a:rPr>
-              <a:t>Não é necessário, pode ser apagado depois</a:t>
-            </a:r>
-            <a:endParaRPr b="0" lang="pt-PT" sz="2400" spc="-1" strike="noStrike">
-              <a:solidFill>
-                <a:srgbClr val="000000"/>
-              </a:solidFill>
-              <a:latin typeface="Calibri"/>
-            </a:endParaRPr>
-          </a:p>
-          <a:p>
-            <a:pPr>
-              <a:lnSpc>
-                <a:spcPct val="90000"/>
-              </a:lnSpc>
-              <a:spcBef>
-                <a:spcPts val="1001"/>
-              </a:spcBef>
-              <a:tabLst>
-                <a:tab algn="l" pos="0"/>
-              </a:tabLst>
-            </a:pPr>
-            <a:r>
-              <a:rPr b="0" lang="pt-PT" sz="2400" spc="-1" strike="noStrike">
-                <a:solidFill>
-                  <a:srgbClr val="000000"/>
-                </a:solidFill>
-                <a:latin typeface="Calibri"/>
-              </a:rPr>
-              <a:t>max 5 diapositivos</a:t>
-            </a:r>
-            <a:endParaRPr b="0" lang="pt-PT" sz="2400" spc="-1" strike="noStrike">
-              <a:solidFill>
-                <a:srgbClr val="000000"/>
-              </a:solidFill>
-              <a:latin typeface="Calibri"/>
-            </a:endParaRPr>
-          </a:p>
-        </p:txBody>
+        <p:style>
+          <a:lnRef idx="0"/>
+          <a:fillRef idx="0"/>
+          <a:effectRef idx="0"/>
+          <a:fontRef idx="minor"/>
+        </p:style>
       </p:sp>
     </p:spTree>
   </p:cSld>

--- a/Apresentação.pptx
+++ b/Apresentação.pptx
@@ -4,18 +4,19 @@
   <p:sldMasterIdLst>
     <p:sldMasterId id="2147483648" r:id="rId2"/>
     <p:sldMasterId id="2147483661" r:id="rId3"/>
+    <p:sldMasterId id="2147483674" r:id="rId4"/>
   </p:sldMasterIdLst>
   <p:sldIdLst>
-    <p:sldId id="256" r:id="rId4"/>
-    <p:sldId id="257" r:id="rId5"/>
-    <p:sldId id="258" r:id="rId6"/>
-    <p:sldId id="259" r:id="rId7"/>
-    <p:sldId id="260" r:id="rId8"/>
-    <p:sldId id="261" r:id="rId9"/>
-    <p:sldId id="262" r:id="rId10"/>
-    <p:sldId id="263" r:id="rId11"/>
-    <p:sldId id="264" r:id="rId12"/>
-    <p:sldId id="265" r:id="rId13"/>
+    <p:sldId id="256" r:id="rId5"/>
+    <p:sldId id="257" r:id="rId6"/>
+    <p:sldId id="258" r:id="rId7"/>
+    <p:sldId id="259" r:id="rId8"/>
+    <p:sldId id="260" r:id="rId9"/>
+    <p:sldId id="261" r:id="rId10"/>
+    <p:sldId id="262" r:id="rId11"/>
+    <p:sldId id="263" r:id="rId12"/>
+    <p:sldId id="264" r:id="rId13"/>
+    <p:sldId id="265" r:id="rId14"/>
   </p:sldIdLst>
   <p:sldSz cx="12192000" cy="6858000"/>
   <p:notesSz cx="7559675" cy="10691812"/>
@@ -2003,6 +2004,361 @@
 </p:sldLayout>
 </file>
 
+<file path=ppt/slideLayouts/slideLayout25.xml><?xml version="1.0" encoding="utf-8"?>
+<p:sldLayout xmlns:a="http://schemas.openxmlformats.org/drawingml/2006/main" xmlns:p="http://schemas.openxmlformats.org/presentationml/2006/main" xmlns:r="http://schemas.openxmlformats.org/officeDocument/2006/relationships" xmlns:p14="http://schemas.microsoft.com/office/powerpoint/2010/main" xmlns:p15="http://schemas.microsoft.com/office/powerpoint/2012/main" xmlns:mc="http://schemas.openxmlformats.org/markup-compatibility/2006" type="blank" preserve="1">
+  <p:cSld name="Blank Slide">
+    <p:spTree>
+      <p:nvGrpSpPr>
+        <p:cNvPr id="1" name=""/>
+        <p:cNvGrpSpPr/>
+        <p:nvPr/>
+      </p:nvGrpSpPr>
+      <p:grpSpPr>
+        <a:xfrm>
+          <a:off x="0" y="0"/>
+          <a:ext cx="0" cy="0"/>
+          <a:chOff x="0" y="0"/>
+          <a:chExt cx="0" cy="0"/>
+        </a:xfrm>
+      </p:grpSpPr>
+    </p:spTree>
+  </p:cSld>
+</p:sldLayout>
+</file>
+
+<file path=ppt/slideLayouts/slideLayout26.xml><?xml version="1.0" encoding="utf-8"?>
+<p:sldLayout xmlns:a="http://schemas.openxmlformats.org/drawingml/2006/main" xmlns:p="http://schemas.openxmlformats.org/presentationml/2006/main" xmlns:r="http://schemas.openxmlformats.org/officeDocument/2006/relationships" xmlns:p14="http://schemas.microsoft.com/office/powerpoint/2010/main" xmlns:p15="http://schemas.microsoft.com/office/powerpoint/2012/main" xmlns:mc="http://schemas.openxmlformats.org/markup-compatibility/2006" type="tx" preserve="1">
+  <p:cSld name="Title Slide">
+    <p:spTree>
+      <p:nvGrpSpPr>
+        <p:cNvPr id="1" name=""/>
+        <p:cNvGrpSpPr/>
+        <p:nvPr/>
+      </p:nvGrpSpPr>
+      <p:grpSpPr>
+        <a:xfrm>
+          <a:off x="0" y="0"/>
+          <a:ext cx="0" cy="0"/>
+          <a:chOff x="0" y="0"/>
+          <a:chExt cx="0" cy="0"/>
+        </a:xfrm>
+      </p:grpSpPr>
+      <p:sp>
+        <p:nvSpPr>
+          <p:cNvPr id="78" name="PlaceHolder 1"/>
+          <p:cNvSpPr>
+            <a:spLocks noGrp="1"/>
+          </p:cNvSpPr>
+          <p:nvPr>
+            <p:ph type="title"/>
+          </p:nvPr>
+        </p:nvSpPr>
+        <p:spPr>
+          <a:xfrm>
+            <a:off x="609480" y="273600"/>
+            <a:ext cx="10972440" cy="1144800"/>
+          </a:xfrm>
+          <a:prstGeom prst="rect">
+            <a:avLst/>
+          </a:prstGeom>
+        </p:spPr>
+        <p:txBody>
+          <a:bodyPr lIns="0" rIns="0" tIns="0" bIns="0" anchor="ctr">
+            <a:noAutofit/>
+          </a:bodyPr>
+          <a:p>
+            <a:pPr algn="ctr"/>
+            <a:endParaRPr b="0" lang="pt-PT" sz="4400" spc="-1" strike="noStrike">
+              <a:latin typeface="Arial"/>
+            </a:endParaRPr>
+          </a:p>
+        </p:txBody>
+      </p:sp>
+      <p:sp>
+        <p:nvSpPr>
+          <p:cNvPr id="79" name="PlaceHolder 2"/>
+          <p:cNvSpPr>
+            <a:spLocks noGrp="1"/>
+          </p:cNvSpPr>
+          <p:nvPr>
+            <p:ph type="subTitle"/>
+          </p:nvPr>
+        </p:nvSpPr>
+        <p:spPr>
+          <a:xfrm>
+            <a:off x="609480" y="1604520"/>
+            <a:ext cx="10972440" cy="3977280"/>
+          </a:xfrm>
+          <a:prstGeom prst="rect">
+            <a:avLst/>
+          </a:prstGeom>
+        </p:spPr>
+        <p:txBody>
+          <a:bodyPr lIns="0" rIns="0" tIns="0" bIns="0" anchor="ctr">
+            <a:noAutofit/>
+          </a:bodyPr>
+          <a:p>
+            <a:pPr algn="ctr"/>
+            <a:endParaRPr b="0" lang="pt-PT" sz="3200" spc="-1" strike="noStrike">
+              <a:latin typeface="Arial"/>
+            </a:endParaRPr>
+          </a:p>
+        </p:txBody>
+      </p:sp>
+    </p:spTree>
+  </p:cSld>
+</p:sldLayout>
+</file>
+
+<file path=ppt/slideLayouts/slideLayout27.xml><?xml version="1.0" encoding="utf-8"?>
+<p:sldLayout xmlns:a="http://schemas.openxmlformats.org/drawingml/2006/main" xmlns:p="http://schemas.openxmlformats.org/presentationml/2006/main" xmlns:r="http://schemas.openxmlformats.org/officeDocument/2006/relationships" xmlns:p14="http://schemas.microsoft.com/office/powerpoint/2010/main" xmlns:p15="http://schemas.microsoft.com/office/powerpoint/2012/main" xmlns:mc="http://schemas.openxmlformats.org/markup-compatibility/2006" type="obj" preserve="1">
+  <p:cSld name="Title, Content">
+    <p:spTree>
+      <p:nvGrpSpPr>
+        <p:cNvPr id="1" name=""/>
+        <p:cNvGrpSpPr/>
+        <p:nvPr/>
+      </p:nvGrpSpPr>
+      <p:grpSpPr>
+        <a:xfrm>
+          <a:off x="0" y="0"/>
+          <a:ext cx="0" cy="0"/>
+          <a:chOff x="0" y="0"/>
+          <a:chExt cx="0" cy="0"/>
+        </a:xfrm>
+      </p:grpSpPr>
+      <p:sp>
+        <p:nvSpPr>
+          <p:cNvPr id="80" name="PlaceHolder 1"/>
+          <p:cNvSpPr>
+            <a:spLocks noGrp="1"/>
+          </p:cNvSpPr>
+          <p:nvPr>
+            <p:ph type="title"/>
+          </p:nvPr>
+        </p:nvSpPr>
+        <p:spPr>
+          <a:xfrm>
+            <a:off x="609480" y="273600"/>
+            <a:ext cx="10972440" cy="1144800"/>
+          </a:xfrm>
+          <a:prstGeom prst="rect">
+            <a:avLst/>
+          </a:prstGeom>
+        </p:spPr>
+        <p:txBody>
+          <a:bodyPr lIns="0" rIns="0" tIns="0" bIns="0" anchor="ctr">
+            <a:noAutofit/>
+          </a:bodyPr>
+          <a:p>
+            <a:pPr algn="ctr"/>
+            <a:endParaRPr b="0" lang="pt-PT" sz="4400" spc="-1" strike="noStrike">
+              <a:latin typeface="Arial"/>
+            </a:endParaRPr>
+          </a:p>
+        </p:txBody>
+      </p:sp>
+      <p:sp>
+        <p:nvSpPr>
+          <p:cNvPr id="81" name="PlaceHolder 2"/>
+          <p:cNvSpPr>
+            <a:spLocks noGrp="1"/>
+          </p:cNvSpPr>
+          <p:nvPr>
+            <p:ph type="body"/>
+          </p:nvPr>
+        </p:nvSpPr>
+        <p:spPr>
+          <a:xfrm>
+            <a:off x="609480" y="1604520"/>
+            <a:ext cx="10972440" cy="3977280"/>
+          </a:xfrm>
+          <a:prstGeom prst="rect">
+            <a:avLst/>
+          </a:prstGeom>
+        </p:spPr>
+        <p:txBody>
+          <a:bodyPr lIns="0" rIns="0" tIns="0" bIns="0">
+            <a:normAutofit/>
+          </a:bodyPr>
+          <a:p>
+            <a:endParaRPr b="0" lang="pt-PT" sz="3200" spc="-1" strike="noStrike">
+              <a:latin typeface="Arial"/>
+            </a:endParaRPr>
+          </a:p>
+        </p:txBody>
+      </p:sp>
+    </p:spTree>
+  </p:cSld>
+</p:sldLayout>
+</file>
+
+<file path=ppt/slideLayouts/slideLayout28.xml><?xml version="1.0" encoding="utf-8"?>
+<p:sldLayout xmlns:a="http://schemas.openxmlformats.org/drawingml/2006/main" xmlns:p="http://schemas.openxmlformats.org/presentationml/2006/main" xmlns:r="http://schemas.openxmlformats.org/officeDocument/2006/relationships" xmlns:p14="http://schemas.microsoft.com/office/powerpoint/2010/main" xmlns:p15="http://schemas.microsoft.com/office/powerpoint/2012/main" xmlns:mc="http://schemas.openxmlformats.org/markup-compatibility/2006" type="twoObj" preserve="1">
+  <p:cSld name="Title, 2 Content">
+    <p:spTree>
+      <p:nvGrpSpPr>
+        <p:cNvPr id="1" name=""/>
+        <p:cNvGrpSpPr/>
+        <p:nvPr/>
+      </p:nvGrpSpPr>
+      <p:grpSpPr>
+        <a:xfrm>
+          <a:off x="0" y="0"/>
+          <a:ext cx="0" cy="0"/>
+          <a:chOff x="0" y="0"/>
+          <a:chExt cx="0" cy="0"/>
+        </a:xfrm>
+      </p:grpSpPr>
+      <p:sp>
+        <p:nvSpPr>
+          <p:cNvPr id="82" name="PlaceHolder 1"/>
+          <p:cNvSpPr>
+            <a:spLocks noGrp="1"/>
+          </p:cNvSpPr>
+          <p:nvPr>
+            <p:ph type="title"/>
+          </p:nvPr>
+        </p:nvSpPr>
+        <p:spPr>
+          <a:xfrm>
+            <a:off x="609480" y="273600"/>
+            <a:ext cx="10972440" cy="1144800"/>
+          </a:xfrm>
+          <a:prstGeom prst="rect">
+            <a:avLst/>
+          </a:prstGeom>
+        </p:spPr>
+        <p:txBody>
+          <a:bodyPr lIns="0" rIns="0" tIns="0" bIns="0" anchor="ctr">
+            <a:noAutofit/>
+          </a:bodyPr>
+          <a:p>
+            <a:pPr algn="ctr"/>
+            <a:endParaRPr b="0" lang="pt-PT" sz="4400" spc="-1" strike="noStrike">
+              <a:latin typeface="Arial"/>
+            </a:endParaRPr>
+          </a:p>
+        </p:txBody>
+      </p:sp>
+      <p:sp>
+        <p:nvSpPr>
+          <p:cNvPr id="83" name="PlaceHolder 2"/>
+          <p:cNvSpPr>
+            <a:spLocks noGrp="1"/>
+          </p:cNvSpPr>
+          <p:nvPr>
+            <p:ph type="body"/>
+          </p:nvPr>
+        </p:nvSpPr>
+        <p:spPr>
+          <a:xfrm>
+            <a:off x="609480" y="1604520"/>
+            <a:ext cx="5354280" cy="3977280"/>
+          </a:xfrm>
+          <a:prstGeom prst="rect">
+            <a:avLst/>
+          </a:prstGeom>
+        </p:spPr>
+        <p:txBody>
+          <a:bodyPr lIns="0" rIns="0" tIns="0" bIns="0">
+            <a:normAutofit/>
+          </a:bodyPr>
+          <a:p>
+            <a:endParaRPr b="0" lang="pt-PT" sz="3200" spc="-1" strike="noStrike">
+              <a:latin typeface="Arial"/>
+            </a:endParaRPr>
+          </a:p>
+        </p:txBody>
+      </p:sp>
+      <p:sp>
+        <p:nvSpPr>
+          <p:cNvPr id="84" name="PlaceHolder 3"/>
+          <p:cNvSpPr>
+            <a:spLocks noGrp="1"/>
+          </p:cNvSpPr>
+          <p:nvPr>
+            <p:ph type="body"/>
+          </p:nvPr>
+        </p:nvSpPr>
+        <p:spPr>
+          <a:xfrm>
+            <a:off x="6231960" y="1604520"/>
+            <a:ext cx="5354280" cy="3977280"/>
+          </a:xfrm>
+          <a:prstGeom prst="rect">
+            <a:avLst/>
+          </a:prstGeom>
+        </p:spPr>
+        <p:txBody>
+          <a:bodyPr lIns="0" rIns="0" tIns="0" bIns="0">
+            <a:normAutofit/>
+          </a:bodyPr>
+          <a:p>
+            <a:endParaRPr b="0" lang="pt-PT" sz="3200" spc="-1" strike="noStrike">
+              <a:latin typeface="Arial"/>
+            </a:endParaRPr>
+          </a:p>
+        </p:txBody>
+      </p:sp>
+    </p:spTree>
+  </p:cSld>
+</p:sldLayout>
+</file>
+
+<file path=ppt/slideLayouts/slideLayout29.xml><?xml version="1.0" encoding="utf-8"?>
+<p:sldLayout xmlns:a="http://schemas.openxmlformats.org/drawingml/2006/main" xmlns:p="http://schemas.openxmlformats.org/presentationml/2006/main" xmlns:r="http://schemas.openxmlformats.org/officeDocument/2006/relationships" xmlns:p14="http://schemas.microsoft.com/office/powerpoint/2010/main" xmlns:p15="http://schemas.microsoft.com/office/powerpoint/2012/main" xmlns:mc="http://schemas.openxmlformats.org/markup-compatibility/2006" type="titleOnly" preserve="1">
+  <p:cSld name="Title Only">
+    <p:spTree>
+      <p:nvGrpSpPr>
+        <p:cNvPr id="1" name=""/>
+        <p:cNvGrpSpPr/>
+        <p:nvPr/>
+      </p:nvGrpSpPr>
+      <p:grpSpPr>
+        <a:xfrm>
+          <a:off x="0" y="0"/>
+          <a:ext cx="0" cy="0"/>
+          <a:chOff x="0" y="0"/>
+          <a:chExt cx="0" cy="0"/>
+        </a:xfrm>
+      </p:grpSpPr>
+      <p:sp>
+        <p:nvSpPr>
+          <p:cNvPr id="85" name="PlaceHolder 1"/>
+          <p:cNvSpPr>
+            <a:spLocks noGrp="1"/>
+          </p:cNvSpPr>
+          <p:nvPr>
+            <p:ph type="title"/>
+          </p:nvPr>
+        </p:nvSpPr>
+        <p:spPr>
+          <a:xfrm>
+            <a:off x="609480" y="273600"/>
+            <a:ext cx="10972440" cy="1144800"/>
+          </a:xfrm>
+          <a:prstGeom prst="rect">
+            <a:avLst/>
+          </a:prstGeom>
+        </p:spPr>
+        <p:txBody>
+          <a:bodyPr lIns="0" rIns="0" tIns="0" bIns="0" anchor="ctr">
+            <a:noAutofit/>
+          </a:bodyPr>
+          <a:p>
+            <a:pPr algn="ctr"/>
+            <a:endParaRPr b="0" lang="pt-PT" sz="4400" spc="-1" strike="noStrike">
+              <a:latin typeface="Arial"/>
+            </a:endParaRPr>
+          </a:p>
+        </p:txBody>
+      </p:sp>
+    </p:spTree>
+  </p:cSld>
+</p:sldLayout>
+</file>
+
 <file path=ppt/slideLayouts/slideLayout3.xml><?xml version="1.0" encoding="utf-8"?>
 <p:sldLayout xmlns:a="http://schemas.openxmlformats.org/drawingml/2006/main" xmlns:p="http://schemas.openxmlformats.org/presentationml/2006/main" xmlns:r="http://schemas.openxmlformats.org/officeDocument/2006/relationships" xmlns:p14="http://schemas.microsoft.com/office/powerpoint/2010/main" xmlns:p15="http://schemas.microsoft.com/office/powerpoint/2012/main" xmlns:mc="http://schemas.openxmlformats.org/markup-compatibility/2006" type="obj" preserve="1">
   <p:cSld name="Title, Content">
@@ -2065,6 +2421,1007 @@
           <a:xfrm>
             <a:off x="609480" y="1604520"/>
             <a:ext cx="10972440" cy="3977280"/>
+          </a:xfrm>
+          <a:prstGeom prst="rect">
+            <a:avLst/>
+          </a:prstGeom>
+        </p:spPr>
+        <p:txBody>
+          <a:bodyPr lIns="0" rIns="0" tIns="0" bIns="0">
+            <a:normAutofit/>
+          </a:bodyPr>
+          <a:p>
+            <a:endParaRPr b="0" lang="pt-PT" sz="3200" spc="-1" strike="noStrike">
+              <a:latin typeface="Arial"/>
+            </a:endParaRPr>
+          </a:p>
+        </p:txBody>
+      </p:sp>
+    </p:spTree>
+  </p:cSld>
+</p:sldLayout>
+</file>
+
+<file path=ppt/slideLayouts/slideLayout30.xml><?xml version="1.0" encoding="utf-8"?>
+<p:sldLayout xmlns:a="http://schemas.openxmlformats.org/drawingml/2006/main" xmlns:p="http://schemas.openxmlformats.org/presentationml/2006/main" xmlns:r="http://schemas.openxmlformats.org/officeDocument/2006/relationships" xmlns:p14="http://schemas.microsoft.com/office/powerpoint/2010/main" xmlns:p15="http://schemas.microsoft.com/office/powerpoint/2012/main" xmlns:mc="http://schemas.openxmlformats.org/markup-compatibility/2006" type="objOnly" preserve="1">
+  <p:cSld name="Centered Text">
+    <p:spTree>
+      <p:nvGrpSpPr>
+        <p:cNvPr id="1" name=""/>
+        <p:cNvGrpSpPr/>
+        <p:nvPr/>
+      </p:nvGrpSpPr>
+      <p:grpSpPr>
+        <a:xfrm>
+          <a:off x="0" y="0"/>
+          <a:ext cx="0" cy="0"/>
+          <a:chOff x="0" y="0"/>
+          <a:chExt cx="0" cy="0"/>
+        </a:xfrm>
+      </p:grpSpPr>
+      <p:sp>
+        <p:nvSpPr>
+          <p:cNvPr id="86" name="PlaceHolder 1"/>
+          <p:cNvSpPr>
+            <a:spLocks noGrp="1"/>
+          </p:cNvSpPr>
+          <p:nvPr>
+            <p:ph type="subTitle"/>
+          </p:nvPr>
+        </p:nvSpPr>
+        <p:spPr>
+          <a:xfrm>
+            <a:off x="609480" y="273600"/>
+            <a:ext cx="10972440" cy="5307840"/>
+          </a:xfrm>
+          <a:prstGeom prst="rect">
+            <a:avLst/>
+          </a:prstGeom>
+        </p:spPr>
+        <p:txBody>
+          <a:bodyPr lIns="0" rIns="0" tIns="0" bIns="0" anchor="ctr">
+            <a:noAutofit/>
+          </a:bodyPr>
+          <a:p>
+            <a:pPr algn="ctr"/>
+            <a:endParaRPr b="0" lang="pt-PT" sz="3200" spc="-1" strike="noStrike">
+              <a:latin typeface="Arial"/>
+            </a:endParaRPr>
+          </a:p>
+        </p:txBody>
+      </p:sp>
+    </p:spTree>
+  </p:cSld>
+</p:sldLayout>
+</file>
+
+<file path=ppt/slideLayouts/slideLayout31.xml><?xml version="1.0" encoding="utf-8"?>
+<p:sldLayout xmlns:a="http://schemas.openxmlformats.org/drawingml/2006/main" xmlns:p="http://schemas.openxmlformats.org/presentationml/2006/main" xmlns:r="http://schemas.openxmlformats.org/officeDocument/2006/relationships" xmlns:p14="http://schemas.microsoft.com/office/powerpoint/2010/main" xmlns:p15="http://schemas.microsoft.com/office/powerpoint/2012/main" xmlns:mc="http://schemas.openxmlformats.org/markup-compatibility/2006" type="twoObjAndObj" preserve="1">
+  <p:cSld name="Title, 2 Content and Content">
+    <p:spTree>
+      <p:nvGrpSpPr>
+        <p:cNvPr id="1" name=""/>
+        <p:cNvGrpSpPr/>
+        <p:nvPr/>
+      </p:nvGrpSpPr>
+      <p:grpSpPr>
+        <a:xfrm>
+          <a:off x="0" y="0"/>
+          <a:ext cx="0" cy="0"/>
+          <a:chOff x="0" y="0"/>
+          <a:chExt cx="0" cy="0"/>
+        </a:xfrm>
+      </p:grpSpPr>
+      <p:sp>
+        <p:nvSpPr>
+          <p:cNvPr id="87" name="PlaceHolder 1"/>
+          <p:cNvSpPr>
+            <a:spLocks noGrp="1"/>
+          </p:cNvSpPr>
+          <p:nvPr>
+            <p:ph type="title"/>
+          </p:nvPr>
+        </p:nvSpPr>
+        <p:spPr>
+          <a:xfrm>
+            <a:off x="609480" y="273600"/>
+            <a:ext cx="10972440" cy="1144800"/>
+          </a:xfrm>
+          <a:prstGeom prst="rect">
+            <a:avLst/>
+          </a:prstGeom>
+        </p:spPr>
+        <p:txBody>
+          <a:bodyPr lIns="0" rIns="0" tIns="0" bIns="0" anchor="ctr">
+            <a:noAutofit/>
+          </a:bodyPr>
+          <a:p>
+            <a:pPr algn="ctr"/>
+            <a:endParaRPr b="0" lang="pt-PT" sz="4400" spc="-1" strike="noStrike">
+              <a:latin typeface="Arial"/>
+            </a:endParaRPr>
+          </a:p>
+        </p:txBody>
+      </p:sp>
+      <p:sp>
+        <p:nvSpPr>
+          <p:cNvPr id="88" name="PlaceHolder 2"/>
+          <p:cNvSpPr>
+            <a:spLocks noGrp="1"/>
+          </p:cNvSpPr>
+          <p:nvPr>
+            <p:ph type="body"/>
+          </p:nvPr>
+        </p:nvSpPr>
+        <p:spPr>
+          <a:xfrm>
+            <a:off x="609480" y="1604520"/>
+            <a:ext cx="5354280" cy="1896840"/>
+          </a:xfrm>
+          <a:prstGeom prst="rect">
+            <a:avLst/>
+          </a:prstGeom>
+        </p:spPr>
+        <p:txBody>
+          <a:bodyPr lIns="0" rIns="0" tIns="0" bIns="0">
+            <a:normAutofit/>
+          </a:bodyPr>
+          <a:p>
+            <a:endParaRPr b="0" lang="pt-PT" sz="3200" spc="-1" strike="noStrike">
+              <a:latin typeface="Arial"/>
+            </a:endParaRPr>
+          </a:p>
+        </p:txBody>
+      </p:sp>
+      <p:sp>
+        <p:nvSpPr>
+          <p:cNvPr id="89" name="PlaceHolder 3"/>
+          <p:cNvSpPr>
+            <a:spLocks noGrp="1"/>
+          </p:cNvSpPr>
+          <p:nvPr>
+            <p:ph type="body"/>
+          </p:nvPr>
+        </p:nvSpPr>
+        <p:spPr>
+          <a:xfrm>
+            <a:off x="6231960" y="1604520"/>
+            <a:ext cx="5354280" cy="3977280"/>
+          </a:xfrm>
+          <a:prstGeom prst="rect">
+            <a:avLst/>
+          </a:prstGeom>
+        </p:spPr>
+        <p:txBody>
+          <a:bodyPr lIns="0" rIns="0" tIns="0" bIns="0">
+            <a:normAutofit/>
+          </a:bodyPr>
+          <a:p>
+            <a:endParaRPr b="0" lang="pt-PT" sz="3200" spc="-1" strike="noStrike">
+              <a:latin typeface="Arial"/>
+            </a:endParaRPr>
+          </a:p>
+        </p:txBody>
+      </p:sp>
+      <p:sp>
+        <p:nvSpPr>
+          <p:cNvPr id="90" name="PlaceHolder 4"/>
+          <p:cNvSpPr>
+            <a:spLocks noGrp="1"/>
+          </p:cNvSpPr>
+          <p:nvPr>
+            <p:ph type="body"/>
+          </p:nvPr>
+        </p:nvSpPr>
+        <p:spPr>
+          <a:xfrm>
+            <a:off x="609480" y="3682080"/>
+            <a:ext cx="5354280" cy="1896840"/>
+          </a:xfrm>
+          <a:prstGeom prst="rect">
+            <a:avLst/>
+          </a:prstGeom>
+        </p:spPr>
+        <p:txBody>
+          <a:bodyPr lIns="0" rIns="0" tIns="0" bIns="0">
+            <a:normAutofit/>
+          </a:bodyPr>
+          <a:p>
+            <a:endParaRPr b="0" lang="pt-PT" sz="3200" spc="-1" strike="noStrike">
+              <a:latin typeface="Arial"/>
+            </a:endParaRPr>
+          </a:p>
+        </p:txBody>
+      </p:sp>
+    </p:spTree>
+  </p:cSld>
+</p:sldLayout>
+</file>
+
+<file path=ppt/slideLayouts/slideLayout32.xml><?xml version="1.0" encoding="utf-8"?>
+<p:sldLayout xmlns:a="http://schemas.openxmlformats.org/drawingml/2006/main" xmlns:p="http://schemas.openxmlformats.org/presentationml/2006/main" xmlns:r="http://schemas.openxmlformats.org/officeDocument/2006/relationships" xmlns:p14="http://schemas.microsoft.com/office/powerpoint/2010/main" xmlns:p15="http://schemas.microsoft.com/office/powerpoint/2012/main" xmlns:mc="http://schemas.openxmlformats.org/markup-compatibility/2006" type="objAndTwoObj" preserve="1">
+  <p:cSld name="Title Content and 2 Content">
+    <p:spTree>
+      <p:nvGrpSpPr>
+        <p:cNvPr id="1" name=""/>
+        <p:cNvGrpSpPr/>
+        <p:nvPr/>
+      </p:nvGrpSpPr>
+      <p:grpSpPr>
+        <a:xfrm>
+          <a:off x="0" y="0"/>
+          <a:ext cx="0" cy="0"/>
+          <a:chOff x="0" y="0"/>
+          <a:chExt cx="0" cy="0"/>
+        </a:xfrm>
+      </p:grpSpPr>
+      <p:sp>
+        <p:nvSpPr>
+          <p:cNvPr id="91" name="PlaceHolder 1"/>
+          <p:cNvSpPr>
+            <a:spLocks noGrp="1"/>
+          </p:cNvSpPr>
+          <p:nvPr>
+            <p:ph type="title"/>
+          </p:nvPr>
+        </p:nvSpPr>
+        <p:spPr>
+          <a:xfrm>
+            <a:off x="609480" y="273600"/>
+            <a:ext cx="10972440" cy="1144800"/>
+          </a:xfrm>
+          <a:prstGeom prst="rect">
+            <a:avLst/>
+          </a:prstGeom>
+        </p:spPr>
+        <p:txBody>
+          <a:bodyPr lIns="0" rIns="0" tIns="0" bIns="0" anchor="ctr">
+            <a:noAutofit/>
+          </a:bodyPr>
+          <a:p>
+            <a:pPr algn="ctr"/>
+            <a:endParaRPr b="0" lang="pt-PT" sz="4400" spc="-1" strike="noStrike">
+              <a:latin typeface="Arial"/>
+            </a:endParaRPr>
+          </a:p>
+        </p:txBody>
+      </p:sp>
+      <p:sp>
+        <p:nvSpPr>
+          <p:cNvPr id="92" name="PlaceHolder 2"/>
+          <p:cNvSpPr>
+            <a:spLocks noGrp="1"/>
+          </p:cNvSpPr>
+          <p:nvPr>
+            <p:ph type="body"/>
+          </p:nvPr>
+        </p:nvSpPr>
+        <p:spPr>
+          <a:xfrm>
+            <a:off x="609480" y="1604520"/>
+            <a:ext cx="5354280" cy="3977280"/>
+          </a:xfrm>
+          <a:prstGeom prst="rect">
+            <a:avLst/>
+          </a:prstGeom>
+        </p:spPr>
+        <p:txBody>
+          <a:bodyPr lIns="0" rIns="0" tIns="0" bIns="0">
+            <a:normAutofit/>
+          </a:bodyPr>
+          <a:p>
+            <a:endParaRPr b="0" lang="pt-PT" sz="3200" spc="-1" strike="noStrike">
+              <a:latin typeface="Arial"/>
+            </a:endParaRPr>
+          </a:p>
+        </p:txBody>
+      </p:sp>
+      <p:sp>
+        <p:nvSpPr>
+          <p:cNvPr id="93" name="PlaceHolder 3"/>
+          <p:cNvSpPr>
+            <a:spLocks noGrp="1"/>
+          </p:cNvSpPr>
+          <p:nvPr>
+            <p:ph type="body"/>
+          </p:nvPr>
+        </p:nvSpPr>
+        <p:spPr>
+          <a:xfrm>
+            <a:off x="6231960" y="1604520"/>
+            <a:ext cx="5354280" cy="1896840"/>
+          </a:xfrm>
+          <a:prstGeom prst="rect">
+            <a:avLst/>
+          </a:prstGeom>
+        </p:spPr>
+        <p:txBody>
+          <a:bodyPr lIns="0" rIns="0" tIns="0" bIns="0">
+            <a:normAutofit/>
+          </a:bodyPr>
+          <a:p>
+            <a:endParaRPr b="0" lang="pt-PT" sz="3200" spc="-1" strike="noStrike">
+              <a:latin typeface="Arial"/>
+            </a:endParaRPr>
+          </a:p>
+        </p:txBody>
+      </p:sp>
+      <p:sp>
+        <p:nvSpPr>
+          <p:cNvPr id="94" name="PlaceHolder 4"/>
+          <p:cNvSpPr>
+            <a:spLocks noGrp="1"/>
+          </p:cNvSpPr>
+          <p:nvPr>
+            <p:ph type="body"/>
+          </p:nvPr>
+        </p:nvSpPr>
+        <p:spPr>
+          <a:xfrm>
+            <a:off x="6231960" y="3682080"/>
+            <a:ext cx="5354280" cy="1896840"/>
+          </a:xfrm>
+          <a:prstGeom prst="rect">
+            <a:avLst/>
+          </a:prstGeom>
+        </p:spPr>
+        <p:txBody>
+          <a:bodyPr lIns="0" rIns="0" tIns="0" bIns="0">
+            <a:normAutofit/>
+          </a:bodyPr>
+          <a:p>
+            <a:endParaRPr b="0" lang="pt-PT" sz="3200" spc="-1" strike="noStrike">
+              <a:latin typeface="Arial"/>
+            </a:endParaRPr>
+          </a:p>
+        </p:txBody>
+      </p:sp>
+    </p:spTree>
+  </p:cSld>
+</p:sldLayout>
+</file>
+
+<file path=ppt/slideLayouts/slideLayout33.xml><?xml version="1.0" encoding="utf-8"?>
+<p:sldLayout xmlns:a="http://schemas.openxmlformats.org/drawingml/2006/main" xmlns:p="http://schemas.openxmlformats.org/presentationml/2006/main" xmlns:r="http://schemas.openxmlformats.org/officeDocument/2006/relationships" xmlns:p14="http://schemas.microsoft.com/office/powerpoint/2010/main" xmlns:p15="http://schemas.microsoft.com/office/powerpoint/2012/main" xmlns:mc="http://schemas.openxmlformats.org/markup-compatibility/2006" type="twoObjOverTx" preserve="1">
+  <p:cSld name="Title, 2 Content over Content">
+    <p:spTree>
+      <p:nvGrpSpPr>
+        <p:cNvPr id="1" name=""/>
+        <p:cNvGrpSpPr/>
+        <p:nvPr/>
+      </p:nvGrpSpPr>
+      <p:grpSpPr>
+        <a:xfrm>
+          <a:off x="0" y="0"/>
+          <a:ext cx="0" cy="0"/>
+          <a:chOff x="0" y="0"/>
+          <a:chExt cx="0" cy="0"/>
+        </a:xfrm>
+      </p:grpSpPr>
+      <p:sp>
+        <p:nvSpPr>
+          <p:cNvPr id="95" name="PlaceHolder 1"/>
+          <p:cNvSpPr>
+            <a:spLocks noGrp="1"/>
+          </p:cNvSpPr>
+          <p:nvPr>
+            <p:ph type="title"/>
+          </p:nvPr>
+        </p:nvSpPr>
+        <p:spPr>
+          <a:xfrm>
+            <a:off x="609480" y="273600"/>
+            <a:ext cx="10972440" cy="1144800"/>
+          </a:xfrm>
+          <a:prstGeom prst="rect">
+            <a:avLst/>
+          </a:prstGeom>
+        </p:spPr>
+        <p:txBody>
+          <a:bodyPr lIns="0" rIns="0" tIns="0" bIns="0" anchor="ctr">
+            <a:noAutofit/>
+          </a:bodyPr>
+          <a:p>
+            <a:pPr algn="ctr"/>
+            <a:endParaRPr b="0" lang="pt-PT" sz="4400" spc="-1" strike="noStrike">
+              <a:latin typeface="Arial"/>
+            </a:endParaRPr>
+          </a:p>
+        </p:txBody>
+      </p:sp>
+      <p:sp>
+        <p:nvSpPr>
+          <p:cNvPr id="96" name="PlaceHolder 2"/>
+          <p:cNvSpPr>
+            <a:spLocks noGrp="1"/>
+          </p:cNvSpPr>
+          <p:nvPr>
+            <p:ph type="body"/>
+          </p:nvPr>
+        </p:nvSpPr>
+        <p:spPr>
+          <a:xfrm>
+            <a:off x="609480" y="1604520"/>
+            <a:ext cx="5354280" cy="1896840"/>
+          </a:xfrm>
+          <a:prstGeom prst="rect">
+            <a:avLst/>
+          </a:prstGeom>
+        </p:spPr>
+        <p:txBody>
+          <a:bodyPr lIns="0" rIns="0" tIns="0" bIns="0">
+            <a:normAutofit/>
+          </a:bodyPr>
+          <a:p>
+            <a:endParaRPr b="0" lang="pt-PT" sz="3200" spc="-1" strike="noStrike">
+              <a:latin typeface="Arial"/>
+            </a:endParaRPr>
+          </a:p>
+        </p:txBody>
+      </p:sp>
+      <p:sp>
+        <p:nvSpPr>
+          <p:cNvPr id="97" name="PlaceHolder 3"/>
+          <p:cNvSpPr>
+            <a:spLocks noGrp="1"/>
+          </p:cNvSpPr>
+          <p:nvPr>
+            <p:ph type="body"/>
+          </p:nvPr>
+        </p:nvSpPr>
+        <p:spPr>
+          <a:xfrm>
+            <a:off x="6231960" y="1604520"/>
+            <a:ext cx="5354280" cy="1896840"/>
+          </a:xfrm>
+          <a:prstGeom prst="rect">
+            <a:avLst/>
+          </a:prstGeom>
+        </p:spPr>
+        <p:txBody>
+          <a:bodyPr lIns="0" rIns="0" tIns="0" bIns="0">
+            <a:normAutofit/>
+          </a:bodyPr>
+          <a:p>
+            <a:endParaRPr b="0" lang="pt-PT" sz="3200" spc="-1" strike="noStrike">
+              <a:latin typeface="Arial"/>
+            </a:endParaRPr>
+          </a:p>
+        </p:txBody>
+      </p:sp>
+      <p:sp>
+        <p:nvSpPr>
+          <p:cNvPr id="98" name="PlaceHolder 4"/>
+          <p:cNvSpPr>
+            <a:spLocks noGrp="1"/>
+          </p:cNvSpPr>
+          <p:nvPr>
+            <p:ph type="body"/>
+          </p:nvPr>
+        </p:nvSpPr>
+        <p:spPr>
+          <a:xfrm>
+            <a:off x="609480" y="3682080"/>
+            <a:ext cx="10972440" cy="1896840"/>
+          </a:xfrm>
+          <a:prstGeom prst="rect">
+            <a:avLst/>
+          </a:prstGeom>
+        </p:spPr>
+        <p:txBody>
+          <a:bodyPr lIns="0" rIns="0" tIns="0" bIns="0">
+            <a:normAutofit/>
+          </a:bodyPr>
+          <a:p>
+            <a:endParaRPr b="0" lang="pt-PT" sz="3200" spc="-1" strike="noStrike">
+              <a:latin typeface="Arial"/>
+            </a:endParaRPr>
+          </a:p>
+        </p:txBody>
+      </p:sp>
+    </p:spTree>
+  </p:cSld>
+</p:sldLayout>
+</file>
+
+<file path=ppt/slideLayouts/slideLayout34.xml><?xml version="1.0" encoding="utf-8"?>
+<p:sldLayout xmlns:a="http://schemas.openxmlformats.org/drawingml/2006/main" xmlns:p="http://schemas.openxmlformats.org/presentationml/2006/main" xmlns:r="http://schemas.openxmlformats.org/officeDocument/2006/relationships" xmlns:p14="http://schemas.microsoft.com/office/powerpoint/2010/main" xmlns:p15="http://schemas.microsoft.com/office/powerpoint/2012/main" xmlns:mc="http://schemas.openxmlformats.org/markup-compatibility/2006" type="objOverTx" preserve="1">
+  <p:cSld name="Title, Content over Content">
+    <p:spTree>
+      <p:nvGrpSpPr>
+        <p:cNvPr id="1" name=""/>
+        <p:cNvGrpSpPr/>
+        <p:nvPr/>
+      </p:nvGrpSpPr>
+      <p:grpSpPr>
+        <a:xfrm>
+          <a:off x="0" y="0"/>
+          <a:ext cx="0" cy="0"/>
+          <a:chOff x="0" y="0"/>
+          <a:chExt cx="0" cy="0"/>
+        </a:xfrm>
+      </p:grpSpPr>
+      <p:sp>
+        <p:nvSpPr>
+          <p:cNvPr id="99" name="PlaceHolder 1"/>
+          <p:cNvSpPr>
+            <a:spLocks noGrp="1"/>
+          </p:cNvSpPr>
+          <p:nvPr>
+            <p:ph type="title"/>
+          </p:nvPr>
+        </p:nvSpPr>
+        <p:spPr>
+          <a:xfrm>
+            <a:off x="609480" y="273600"/>
+            <a:ext cx="10972440" cy="1144800"/>
+          </a:xfrm>
+          <a:prstGeom prst="rect">
+            <a:avLst/>
+          </a:prstGeom>
+        </p:spPr>
+        <p:txBody>
+          <a:bodyPr lIns="0" rIns="0" tIns="0" bIns="0" anchor="ctr">
+            <a:noAutofit/>
+          </a:bodyPr>
+          <a:p>
+            <a:pPr algn="ctr"/>
+            <a:endParaRPr b="0" lang="pt-PT" sz="4400" spc="-1" strike="noStrike">
+              <a:latin typeface="Arial"/>
+            </a:endParaRPr>
+          </a:p>
+        </p:txBody>
+      </p:sp>
+      <p:sp>
+        <p:nvSpPr>
+          <p:cNvPr id="100" name="PlaceHolder 2"/>
+          <p:cNvSpPr>
+            <a:spLocks noGrp="1"/>
+          </p:cNvSpPr>
+          <p:nvPr>
+            <p:ph type="body"/>
+          </p:nvPr>
+        </p:nvSpPr>
+        <p:spPr>
+          <a:xfrm>
+            <a:off x="609480" y="1604520"/>
+            <a:ext cx="10972440" cy="1896840"/>
+          </a:xfrm>
+          <a:prstGeom prst="rect">
+            <a:avLst/>
+          </a:prstGeom>
+        </p:spPr>
+        <p:txBody>
+          <a:bodyPr lIns="0" rIns="0" tIns="0" bIns="0">
+            <a:normAutofit/>
+          </a:bodyPr>
+          <a:p>
+            <a:endParaRPr b="0" lang="pt-PT" sz="3200" spc="-1" strike="noStrike">
+              <a:latin typeface="Arial"/>
+            </a:endParaRPr>
+          </a:p>
+        </p:txBody>
+      </p:sp>
+      <p:sp>
+        <p:nvSpPr>
+          <p:cNvPr id="101" name="PlaceHolder 3"/>
+          <p:cNvSpPr>
+            <a:spLocks noGrp="1"/>
+          </p:cNvSpPr>
+          <p:nvPr>
+            <p:ph type="body"/>
+          </p:nvPr>
+        </p:nvSpPr>
+        <p:spPr>
+          <a:xfrm>
+            <a:off x="609480" y="3682080"/>
+            <a:ext cx="10972440" cy="1896840"/>
+          </a:xfrm>
+          <a:prstGeom prst="rect">
+            <a:avLst/>
+          </a:prstGeom>
+        </p:spPr>
+        <p:txBody>
+          <a:bodyPr lIns="0" rIns="0" tIns="0" bIns="0">
+            <a:normAutofit/>
+          </a:bodyPr>
+          <a:p>
+            <a:endParaRPr b="0" lang="pt-PT" sz="3200" spc="-1" strike="noStrike">
+              <a:latin typeface="Arial"/>
+            </a:endParaRPr>
+          </a:p>
+        </p:txBody>
+      </p:sp>
+    </p:spTree>
+  </p:cSld>
+</p:sldLayout>
+</file>
+
+<file path=ppt/slideLayouts/slideLayout35.xml><?xml version="1.0" encoding="utf-8"?>
+<p:sldLayout xmlns:a="http://schemas.openxmlformats.org/drawingml/2006/main" xmlns:p="http://schemas.openxmlformats.org/presentationml/2006/main" xmlns:r="http://schemas.openxmlformats.org/officeDocument/2006/relationships" xmlns:p14="http://schemas.microsoft.com/office/powerpoint/2010/main" xmlns:p15="http://schemas.microsoft.com/office/powerpoint/2012/main" xmlns:mc="http://schemas.openxmlformats.org/markup-compatibility/2006" type="fourObj" preserve="1">
+  <p:cSld name="Title, 4 Content">
+    <p:spTree>
+      <p:nvGrpSpPr>
+        <p:cNvPr id="1" name=""/>
+        <p:cNvGrpSpPr/>
+        <p:nvPr/>
+      </p:nvGrpSpPr>
+      <p:grpSpPr>
+        <a:xfrm>
+          <a:off x="0" y="0"/>
+          <a:ext cx="0" cy="0"/>
+          <a:chOff x="0" y="0"/>
+          <a:chExt cx="0" cy="0"/>
+        </a:xfrm>
+      </p:grpSpPr>
+      <p:sp>
+        <p:nvSpPr>
+          <p:cNvPr id="102" name="PlaceHolder 1"/>
+          <p:cNvSpPr>
+            <a:spLocks noGrp="1"/>
+          </p:cNvSpPr>
+          <p:nvPr>
+            <p:ph type="title"/>
+          </p:nvPr>
+        </p:nvSpPr>
+        <p:spPr>
+          <a:xfrm>
+            <a:off x="609480" y="273600"/>
+            <a:ext cx="10972440" cy="1144800"/>
+          </a:xfrm>
+          <a:prstGeom prst="rect">
+            <a:avLst/>
+          </a:prstGeom>
+        </p:spPr>
+        <p:txBody>
+          <a:bodyPr lIns="0" rIns="0" tIns="0" bIns="0" anchor="ctr">
+            <a:noAutofit/>
+          </a:bodyPr>
+          <a:p>
+            <a:pPr algn="ctr"/>
+            <a:endParaRPr b="0" lang="pt-PT" sz="4400" spc="-1" strike="noStrike">
+              <a:latin typeface="Arial"/>
+            </a:endParaRPr>
+          </a:p>
+        </p:txBody>
+      </p:sp>
+      <p:sp>
+        <p:nvSpPr>
+          <p:cNvPr id="103" name="PlaceHolder 2"/>
+          <p:cNvSpPr>
+            <a:spLocks noGrp="1"/>
+          </p:cNvSpPr>
+          <p:nvPr>
+            <p:ph type="body"/>
+          </p:nvPr>
+        </p:nvSpPr>
+        <p:spPr>
+          <a:xfrm>
+            <a:off x="609480" y="1604520"/>
+            <a:ext cx="5354280" cy="1896840"/>
+          </a:xfrm>
+          <a:prstGeom prst="rect">
+            <a:avLst/>
+          </a:prstGeom>
+        </p:spPr>
+        <p:txBody>
+          <a:bodyPr lIns="0" rIns="0" tIns="0" bIns="0">
+            <a:normAutofit/>
+          </a:bodyPr>
+          <a:p>
+            <a:endParaRPr b="0" lang="pt-PT" sz="3200" spc="-1" strike="noStrike">
+              <a:latin typeface="Arial"/>
+            </a:endParaRPr>
+          </a:p>
+        </p:txBody>
+      </p:sp>
+      <p:sp>
+        <p:nvSpPr>
+          <p:cNvPr id="104" name="PlaceHolder 3"/>
+          <p:cNvSpPr>
+            <a:spLocks noGrp="1"/>
+          </p:cNvSpPr>
+          <p:nvPr>
+            <p:ph type="body"/>
+          </p:nvPr>
+        </p:nvSpPr>
+        <p:spPr>
+          <a:xfrm>
+            <a:off x="6231960" y="1604520"/>
+            <a:ext cx="5354280" cy="1896840"/>
+          </a:xfrm>
+          <a:prstGeom prst="rect">
+            <a:avLst/>
+          </a:prstGeom>
+        </p:spPr>
+        <p:txBody>
+          <a:bodyPr lIns="0" rIns="0" tIns="0" bIns="0">
+            <a:normAutofit/>
+          </a:bodyPr>
+          <a:p>
+            <a:endParaRPr b="0" lang="pt-PT" sz="3200" spc="-1" strike="noStrike">
+              <a:latin typeface="Arial"/>
+            </a:endParaRPr>
+          </a:p>
+        </p:txBody>
+      </p:sp>
+      <p:sp>
+        <p:nvSpPr>
+          <p:cNvPr id="105" name="PlaceHolder 4"/>
+          <p:cNvSpPr>
+            <a:spLocks noGrp="1"/>
+          </p:cNvSpPr>
+          <p:nvPr>
+            <p:ph type="body"/>
+          </p:nvPr>
+        </p:nvSpPr>
+        <p:spPr>
+          <a:xfrm>
+            <a:off x="609480" y="3682080"/>
+            <a:ext cx="5354280" cy="1896840"/>
+          </a:xfrm>
+          <a:prstGeom prst="rect">
+            <a:avLst/>
+          </a:prstGeom>
+        </p:spPr>
+        <p:txBody>
+          <a:bodyPr lIns="0" rIns="0" tIns="0" bIns="0">
+            <a:normAutofit/>
+          </a:bodyPr>
+          <a:p>
+            <a:endParaRPr b="0" lang="pt-PT" sz="3200" spc="-1" strike="noStrike">
+              <a:latin typeface="Arial"/>
+            </a:endParaRPr>
+          </a:p>
+        </p:txBody>
+      </p:sp>
+      <p:sp>
+        <p:nvSpPr>
+          <p:cNvPr id="106" name="PlaceHolder 5"/>
+          <p:cNvSpPr>
+            <a:spLocks noGrp="1"/>
+          </p:cNvSpPr>
+          <p:nvPr>
+            <p:ph type="body"/>
+          </p:nvPr>
+        </p:nvSpPr>
+        <p:spPr>
+          <a:xfrm>
+            <a:off x="6231960" y="3682080"/>
+            <a:ext cx="5354280" cy="1896840"/>
+          </a:xfrm>
+          <a:prstGeom prst="rect">
+            <a:avLst/>
+          </a:prstGeom>
+        </p:spPr>
+        <p:txBody>
+          <a:bodyPr lIns="0" rIns="0" tIns="0" bIns="0">
+            <a:normAutofit/>
+          </a:bodyPr>
+          <a:p>
+            <a:endParaRPr b="0" lang="pt-PT" sz="3200" spc="-1" strike="noStrike">
+              <a:latin typeface="Arial"/>
+            </a:endParaRPr>
+          </a:p>
+        </p:txBody>
+      </p:sp>
+    </p:spTree>
+  </p:cSld>
+</p:sldLayout>
+</file>
+
+<file path=ppt/slideLayouts/slideLayout36.xml><?xml version="1.0" encoding="utf-8"?>
+<p:sldLayout xmlns:a="http://schemas.openxmlformats.org/drawingml/2006/main" xmlns:p="http://schemas.openxmlformats.org/presentationml/2006/main" xmlns:r="http://schemas.openxmlformats.org/officeDocument/2006/relationships" xmlns:p14="http://schemas.microsoft.com/office/powerpoint/2010/main" xmlns:p15="http://schemas.microsoft.com/office/powerpoint/2012/main" xmlns:mc="http://schemas.openxmlformats.org/markup-compatibility/2006" type="blank" preserve="1">
+  <p:cSld name="Title, 6 Content">
+    <p:spTree>
+      <p:nvGrpSpPr>
+        <p:cNvPr id="1" name=""/>
+        <p:cNvGrpSpPr/>
+        <p:nvPr/>
+      </p:nvGrpSpPr>
+      <p:grpSpPr>
+        <a:xfrm>
+          <a:off x="0" y="0"/>
+          <a:ext cx="0" cy="0"/>
+          <a:chOff x="0" y="0"/>
+          <a:chExt cx="0" cy="0"/>
+        </a:xfrm>
+      </p:grpSpPr>
+      <p:sp>
+        <p:nvSpPr>
+          <p:cNvPr id="107" name="PlaceHolder 1"/>
+          <p:cNvSpPr>
+            <a:spLocks noGrp="1"/>
+          </p:cNvSpPr>
+          <p:nvPr>
+            <p:ph type="title"/>
+          </p:nvPr>
+        </p:nvSpPr>
+        <p:spPr>
+          <a:xfrm>
+            <a:off x="609480" y="273600"/>
+            <a:ext cx="10972440" cy="1144800"/>
+          </a:xfrm>
+          <a:prstGeom prst="rect">
+            <a:avLst/>
+          </a:prstGeom>
+        </p:spPr>
+        <p:txBody>
+          <a:bodyPr lIns="0" rIns="0" tIns="0" bIns="0" anchor="ctr">
+            <a:noAutofit/>
+          </a:bodyPr>
+          <a:p>
+            <a:pPr algn="ctr"/>
+            <a:endParaRPr b="0" lang="pt-PT" sz="4400" spc="-1" strike="noStrike">
+              <a:latin typeface="Arial"/>
+            </a:endParaRPr>
+          </a:p>
+        </p:txBody>
+      </p:sp>
+      <p:sp>
+        <p:nvSpPr>
+          <p:cNvPr id="108" name="PlaceHolder 2"/>
+          <p:cNvSpPr>
+            <a:spLocks noGrp="1"/>
+          </p:cNvSpPr>
+          <p:nvPr>
+            <p:ph type="body"/>
+          </p:nvPr>
+        </p:nvSpPr>
+        <p:spPr>
+          <a:xfrm>
+            <a:off x="609480" y="1604520"/>
+            <a:ext cx="3533040" cy="1896840"/>
+          </a:xfrm>
+          <a:prstGeom prst="rect">
+            <a:avLst/>
+          </a:prstGeom>
+        </p:spPr>
+        <p:txBody>
+          <a:bodyPr lIns="0" rIns="0" tIns="0" bIns="0">
+            <a:normAutofit/>
+          </a:bodyPr>
+          <a:p>
+            <a:endParaRPr b="0" lang="pt-PT" sz="3200" spc="-1" strike="noStrike">
+              <a:latin typeface="Arial"/>
+            </a:endParaRPr>
+          </a:p>
+        </p:txBody>
+      </p:sp>
+      <p:sp>
+        <p:nvSpPr>
+          <p:cNvPr id="109" name="PlaceHolder 3"/>
+          <p:cNvSpPr>
+            <a:spLocks noGrp="1"/>
+          </p:cNvSpPr>
+          <p:nvPr>
+            <p:ph type="body"/>
+          </p:nvPr>
+        </p:nvSpPr>
+        <p:spPr>
+          <a:xfrm>
+            <a:off x="4319640" y="1604520"/>
+            <a:ext cx="3533040" cy="1896840"/>
+          </a:xfrm>
+          <a:prstGeom prst="rect">
+            <a:avLst/>
+          </a:prstGeom>
+        </p:spPr>
+        <p:txBody>
+          <a:bodyPr lIns="0" rIns="0" tIns="0" bIns="0">
+            <a:normAutofit/>
+          </a:bodyPr>
+          <a:p>
+            <a:endParaRPr b="0" lang="pt-PT" sz="3200" spc="-1" strike="noStrike">
+              <a:latin typeface="Arial"/>
+            </a:endParaRPr>
+          </a:p>
+        </p:txBody>
+      </p:sp>
+      <p:sp>
+        <p:nvSpPr>
+          <p:cNvPr id="110" name="PlaceHolder 4"/>
+          <p:cNvSpPr>
+            <a:spLocks noGrp="1"/>
+          </p:cNvSpPr>
+          <p:nvPr>
+            <p:ph type="body"/>
+          </p:nvPr>
+        </p:nvSpPr>
+        <p:spPr>
+          <a:xfrm>
+            <a:off x="8029800" y="1604520"/>
+            <a:ext cx="3533040" cy="1896840"/>
+          </a:xfrm>
+          <a:prstGeom prst="rect">
+            <a:avLst/>
+          </a:prstGeom>
+        </p:spPr>
+        <p:txBody>
+          <a:bodyPr lIns="0" rIns="0" tIns="0" bIns="0">
+            <a:normAutofit/>
+          </a:bodyPr>
+          <a:p>
+            <a:endParaRPr b="0" lang="pt-PT" sz="3200" spc="-1" strike="noStrike">
+              <a:latin typeface="Arial"/>
+            </a:endParaRPr>
+          </a:p>
+        </p:txBody>
+      </p:sp>
+      <p:sp>
+        <p:nvSpPr>
+          <p:cNvPr id="111" name="PlaceHolder 5"/>
+          <p:cNvSpPr>
+            <a:spLocks noGrp="1"/>
+          </p:cNvSpPr>
+          <p:nvPr>
+            <p:ph type="body"/>
+          </p:nvPr>
+        </p:nvSpPr>
+        <p:spPr>
+          <a:xfrm>
+            <a:off x="609480" y="3682080"/>
+            <a:ext cx="3533040" cy="1896840"/>
+          </a:xfrm>
+          <a:prstGeom prst="rect">
+            <a:avLst/>
+          </a:prstGeom>
+        </p:spPr>
+        <p:txBody>
+          <a:bodyPr lIns="0" rIns="0" tIns="0" bIns="0">
+            <a:normAutofit/>
+          </a:bodyPr>
+          <a:p>
+            <a:endParaRPr b="0" lang="pt-PT" sz="3200" spc="-1" strike="noStrike">
+              <a:latin typeface="Arial"/>
+            </a:endParaRPr>
+          </a:p>
+        </p:txBody>
+      </p:sp>
+      <p:sp>
+        <p:nvSpPr>
+          <p:cNvPr id="112" name="PlaceHolder 6"/>
+          <p:cNvSpPr>
+            <a:spLocks noGrp="1"/>
+          </p:cNvSpPr>
+          <p:nvPr>
+            <p:ph type="body"/>
+          </p:nvPr>
+        </p:nvSpPr>
+        <p:spPr>
+          <a:xfrm>
+            <a:off x="4319640" y="3682080"/>
+            <a:ext cx="3533040" cy="1896840"/>
+          </a:xfrm>
+          <a:prstGeom prst="rect">
+            <a:avLst/>
+          </a:prstGeom>
+        </p:spPr>
+        <p:txBody>
+          <a:bodyPr lIns="0" rIns="0" tIns="0" bIns="0">
+            <a:normAutofit/>
+          </a:bodyPr>
+          <a:p>
+            <a:endParaRPr b="0" lang="pt-PT" sz="3200" spc="-1" strike="noStrike">
+              <a:latin typeface="Arial"/>
+            </a:endParaRPr>
+          </a:p>
+        </p:txBody>
+      </p:sp>
+      <p:sp>
+        <p:nvSpPr>
+          <p:cNvPr id="113" name="PlaceHolder 7"/>
+          <p:cNvSpPr>
+            <a:spLocks noGrp="1"/>
+          </p:cNvSpPr>
+          <p:nvPr>
+            <p:ph type="body"/>
+          </p:nvPr>
+        </p:nvSpPr>
+        <p:spPr>
+          <a:xfrm>
+            <a:off x="8029800" y="3682080"/>
+            <a:ext cx="3533040" cy="1896840"/>
           </a:xfrm>
           <a:prstGeom prst="rect">
             <a:avLst/>
@@ -2770,8 +4127,8 @@
         </p:nvSpPr>
         <p:spPr>
           <a:xfrm>
-            <a:off x="838080" y="365040"/>
-            <a:ext cx="10514880" cy="1324800"/>
+            <a:off x="609480" y="273600"/>
+            <a:ext cx="10972080" cy="1144440"/>
           </a:xfrm>
           <a:prstGeom prst="rect">
             <a:avLst/>
@@ -2807,7 +4164,7 @@
         <p:spPr>
           <a:xfrm>
             <a:off x="609480" y="1604520"/>
-            <a:ext cx="10972440" cy="3977280"/>
+            <a:ext cx="10972080" cy="3976920"/>
           </a:xfrm>
           <a:prstGeom prst="rect">
             <a:avLst/>
@@ -2830,12 +4187,12 @@
               <a:buChar char=""/>
             </a:pPr>
             <a:r>
-              <a:rPr b="0" lang="pt-PT" sz="3200" spc="-1" strike="noStrike">
+              <a:rPr b="0" lang="pt-PT" sz="1800" spc="-1" strike="noStrike">
                 <a:latin typeface="Arial"/>
               </a:rPr>
               <a:t>Clique para editar o formato de texto dos tópicos</a:t>
             </a:r>
-            <a:endParaRPr b="0" lang="pt-PT" sz="3200" spc="-1" strike="noStrike">
+            <a:endParaRPr b="0" lang="pt-PT" sz="1800" spc="-1" strike="noStrike">
               <a:latin typeface="Arial"/>
             </a:endParaRPr>
           </a:p>
@@ -2852,12 +4209,12 @@
               <a:buChar char=""/>
             </a:pPr>
             <a:r>
-              <a:rPr b="0" lang="pt-PT" sz="2800" spc="-1" strike="noStrike">
+              <a:rPr b="0" lang="pt-PT" sz="1800" spc="-1" strike="noStrike">
                 <a:latin typeface="Arial"/>
               </a:rPr>
               <a:t>Segundo nível de tópicos</a:t>
             </a:r>
-            <a:endParaRPr b="0" lang="pt-PT" sz="2800" spc="-1" strike="noStrike">
+            <a:endParaRPr b="0" lang="pt-PT" sz="1800" spc="-1" strike="noStrike">
               <a:latin typeface="Arial"/>
             </a:endParaRPr>
           </a:p>
@@ -2874,12 +4231,12 @@
               <a:buChar char=""/>
             </a:pPr>
             <a:r>
-              <a:rPr b="0" lang="pt-PT" sz="2400" spc="-1" strike="noStrike">
+              <a:rPr b="0" lang="pt-PT" sz="1800" spc="-1" strike="noStrike">
                 <a:latin typeface="Arial"/>
               </a:rPr>
               <a:t>Terceiro nível de tópicos</a:t>
             </a:r>
-            <a:endParaRPr b="0" lang="pt-PT" sz="2400" spc="-1" strike="noStrike">
+            <a:endParaRPr b="0" lang="pt-PT" sz="1800" spc="-1" strike="noStrike">
               <a:latin typeface="Arial"/>
             </a:endParaRPr>
           </a:p>
@@ -2896,12 +4253,12 @@
               <a:buChar char=""/>
             </a:pPr>
             <a:r>
-              <a:rPr b="0" lang="pt-PT" sz="2000" spc="-1" strike="noStrike">
+              <a:rPr b="0" lang="pt-PT" sz="1800" spc="-1" strike="noStrike">
                 <a:latin typeface="Arial"/>
               </a:rPr>
               <a:t>Quarto nível de tópicos</a:t>
             </a:r>
-            <a:endParaRPr b="0" lang="pt-PT" sz="2000" spc="-1" strike="noStrike">
+            <a:endParaRPr b="0" lang="pt-PT" sz="1800" spc="-1" strike="noStrike">
               <a:latin typeface="Arial"/>
             </a:endParaRPr>
           </a:p>
@@ -2918,12 +4275,12 @@
               <a:buChar char=""/>
             </a:pPr>
             <a:r>
-              <a:rPr b="0" lang="pt-PT" sz="2000" spc="-1" strike="noStrike">
+              <a:rPr b="0" lang="pt-PT" sz="1800" spc="-1" strike="noStrike">
                 <a:latin typeface="Arial"/>
               </a:rPr>
               <a:t>Quinto nível de tópicos</a:t>
             </a:r>
-            <a:endParaRPr b="0" lang="pt-PT" sz="2000" spc="-1" strike="noStrike">
+            <a:endParaRPr b="0" lang="pt-PT" sz="1800" spc="-1" strike="noStrike">
               <a:latin typeface="Arial"/>
             </a:endParaRPr>
           </a:p>
@@ -2940,12 +4297,12 @@
               <a:buChar char=""/>
             </a:pPr>
             <a:r>
-              <a:rPr b="0" lang="pt-PT" sz="2000" spc="-1" strike="noStrike">
+              <a:rPr b="0" lang="pt-PT" sz="1800" spc="-1" strike="noStrike">
                 <a:latin typeface="Arial"/>
               </a:rPr>
               <a:t>Sexto nível de tópicos</a:t>
             </a:r>
-            <a:endParaRPr b="0" lang="pt-PT" sz="2000" spc="-1" strike="noStrike">
+            <a:endParaRPr b="0" lang="pt-PT" sz="1800" spc="-1" strike="noStrike">
               <a:latin typeface="Arial"/>
             </a:endParaRPr>
           </a:p>
@@ -2962,12 +4319,12 @@
               <a:buChar char=""/>
             </a:pPr>
             <a:r>
-              <a:rPr b="0" lang="pt-PT" sz="2000" spc="-1" strike="noStrike">
+              <a:rPr b="0" lang="pt-PT" sz="1800" spc="-1" strike="noStrike">
                 <a:latin typeface="Arial"/>
               </a:rPr>
               <a:t>Sétimo nível de tópicos</a:t>
             </a:r>
-            <a:endParaRPr b="0" lang="pt-PT" sz="2000" spc="-1" strike="noStrike">
+            <a:endParaRPr b="0" lang="pt-PT" sz="1800" spc="-1" strike="noStrike">
               <a:latin typeface="Arial"/>
             </a:endParaRPr>
           </a:p>
@@ -3253,6 +4610,265 @@
 </p:sldMaster>
 </file>
 
+<file path=ppt/slideMasters/slideMaster3.xml><?xml version="1.0" encoding="utf-8"?>
+<p:sldMaster xmlns:a="http://schemas.openxmlformats.org/drawingml/2006/main" xmlns:p="http://schemas.openxmlformats.org/presentationml/2006/main" xmlns:r="http://schemas.openxmlformats.org/officeDocument/2006/relationships" xmlns:p14="http://schemas.microsoft.com/office/powerpoint/2010/main" xmlns:p15="http://schemas.microsoft.com/office/powerpoint/2012/main" xmlns:mc="http://schemas.openxmlformats.org/markup-compatibility/2006">
+  <p:cSld>
+    <p:bg>
+      <p:bgPr>
+        <a:solidFill>
+          <a:srgbClr val="ffffff"/>
+        </a:solidFill>
+      </p:bgPr>
+    </p:bg>
+    <p:spTree>
+      <p:nvGrpSpPr>
+        <p:cNvPr id="1" name=""/>
+        <p:cNvGrpSpPr/>
+        <p:nvPr/>
+      </p:nvGrpSpPr>
+      <p:grpSpPr>
+        <a:xfrm>
+          <a:off x="0" y="0"/>
+          <a:ext cx="0" cy="0"/>
+          <a:chOff x="0" y="0"/>
+          <a:chExt cx="0" cy="0"/>
+        </a:xfrm>
+      </p:grpSpPr>
+      <p:sp>
+        <p:nvSpPr>
+          <p:cNvPr id="76" name="PlaceHolder 1"/>
+          <p:cNvSpPr>
+            <a:spLocks noGrp="1"/>
+          </p:cNvSpPr>
+          <p:nvPr>
+            <p:ph type="title"/>
+          </p:nvPr>
+        </p:nvSpPr>
+        <p:spPr>
+          <a:xfrm>
+            <a:off x="609480" y="273600"/>
+            <a:ext cx="10972080" cy="1144440"/>
+          </a:xfrm>
+          <a:prstGeom prst="rect">
+            <a:avLst/>
+          </a:prstGeom>
+        </p:spPr>
+        <p:txBody>
+          <a:bodyPr lIns="0" rIns="0" tIns="0" bIns="0" anchor="ctr">
+            <a:noAutofit/>
+          </a:bodyPr>
+          <a:p>
+            <a:r>
+              <a:rPr b="0" lang="pt-PT" sz="1800" spc="-1" strike="noStrike">
+                <a:latin typeface="Arial"/>
+              </a:rPr>
+              <a:t>Clique para editar o formato do título</a:t>
+            </a:r>
+            <a:endParaRPr b="0" lang="pt-PT" sz="1800" spc="-1" strike="noStrike">
+              <a:latin typeface="Arial"/>
+            </a:endParaRPr>
+          </a:p>
+        </p:txBody>
+      </p:sp>
+      <p:sp>
+        <p:nvSpPr>
+          <p:cNvPr id="77" name="PlaceHolder 2"/>
+          <p:cNvSpPr>
+            <a:spLocks noGrp="1"/>
+          </p:cNvSpPr>
+          <p:nvPr>
+            <p:ph type="body"/>
+          </p:nvPr>
+        </p:nvSpPr>
+        <p:spPr>
+          <a:xfrm>
+            <a:off x="609480" y="1604520"/>
+            <a:ext cx="10972080" cy="3976920"/>
+          </a:xfrm>
+          <a:prstGeom prst="rect">
+            <a:avLst/>
+          </a:prstGeom>
+        </p:spPr>
+        <p:txBody>
+          <a:bodyPr lIns="0" rIns="0" tIns="0" bIns="0">
+            <a:normAutofit/>
+          </a:bodyPr>
+          <a:p>
+            <a:pPr marL="432000" indent="-324000">
+              <a:spcBef>
+                <a:spcPts val="1417"/>
+              </a:spcBef>
+              <a:buClr>
+                <a:srgbClr val="000000"/>
+              </a:buClr>
+              <a:buSzPct val="45000"/>
+              <a:buFont typeface="Wingdings" charset="2"/>
+              <a:buChar char=""/>
+            </a:pPr>
+            <a:r>
+              <a:rPr b="0" lang="pt-PT" sz="1800" spc="-1" strike="noStrike">
+                <a:latin typeface="Arial"/>
+              </a:rPr>
+              <a:t>Clique para editar o formato de texto dos tópicos</a:t>
+            </a:r>
+            <a:endParaRPr b="0" lang="pt-PT" sz="1800" spc="-1" strike="noStrike">
+              <a:latin typeface="Arial"/>
+            </a:endParaRPr>
+          </a:p>
+          <a:p>
+            <a:pPr lvl="1" marL="864000" indent="-324000">
+              <a:spcBef>
+                <a:spcPts val="1134"/>
+              </a:spcBef>
+              <a:buClr>
+                <a:srgbClr val="000000"/>
+              </a:buClr>
+              <a:buSzPct val="75000"/>
+              <a:buFont typeface="Symbol" charset="2"/>
+              <a:buChar char=""/>
+            </a:pPr>
+            <a:r>
+              <a:rPr b="0" lang="pt-PT" sz="1800" spc="-1" strike="noStrike">
+                <a:latin typeface="Arial"/>
+              </a:rPr>
+              <a:t>Segundo nível de tópicos</a:t>
+            </a:r>
+            <a:endParaRPr b="0" lang="pt-PT" sz="1800" spc="-1" strike="noStrike">
+              <a:latin typeface="Arial"/>
+            </a:endParaRPr>
+          </a:p>
+          <a:p>
+            <a:pPr lvl="2" marL="1296000" indent="-288000">
+              <a:spcBef>
+                <a:spcPts val="850"/>
+              </a:spcBef>
+              <a:buClr>
+                <a:srgbClr val="000000"/>
+              </a:buClr>
+              <a:buSzPct val="45000"/>
+              <a:buFont typeface="Wingdings" charset="2"/>
+              <a:buChar char=""/>
+            </a:pPr>
+            <a:r>
+              <a:rPr b="0" lang="pt-PT" sz="1800" spc="-1" strike="noStrike">
+                <a:latin typeface="Arial"/>
+              </a:rPr>
+              <a:t>Terceiro nível de tópicos</a:t>
+            </a:r>
+            <a:endParaRPr b="0" lang="pt-PT" sz="1800" spc="-1" strike="noStrike">
+              <a:latin typeface="Arial"/>
+            </a:endParaRPr>
+          </a:p>
+          <a:p>
+            <a:pPr lvl="3" marL="1728000" indent="-216000">
+              <a:spcBef>
+                <a:spcPts val="567"/>
+              </a:spcBef>
+              <a:buClr>
+                <a:srgbClr val="000000"/>
+              </a:buClr>
+              <a:buSzPct val="75000"/>
+              <a:buFont typeface="Symbol" charset="2"/>
+              <a:buChar char=""/>
+            </a:pPr>
+            <a:r>
+              <a:rPr b="0" lang="pt-PT" sz="1800" spc="-1" strike="noStrike">
+                <a:latin typeface="Arial"/>
+              </a:rPr>
+              <a:t>Quarto nível de tópicos</a:t>
+            </a:r>
+            <a:endParaRPr b="0" lang="pt-PT" sz="1800" spc="-1" strike="noStrike">
+              <a:latin typeface="Arial"/>
+            </a:endParaRPr>
+          </a:p>
+          <a:p>
+            <a:pPr lvl="4" marL="2160000" indent="-216000">
+              <a:spcBef>
+                <a:spcPts val="283"/>
+              </a:spcBef>
+              <a:buClr>
+                <a:srgbClr val="000000"/>
+              </a:buClr>
+              <a:buSzPct val="45000"/>
+              <a:buFont typeface="Wingdings" charset="2"/>
+              <a:buChar char=""/>
+            </a:pPr>
+            <a:r>
+              <a:rPr b="0" lang="pt-PT" sz="1800" spc="-1" strike="noStrike">
+                <a:latin typeface="Arial"/>
+              </a:rPr>
+              <a:t>Quinto nível de tópicos</a:t>
+            </a:r>
+            <a:endParaRPr b="0" lang="pt-PT" sz="1800" spc="-1" strike="noStrike">
+              <a:latin typeface="Arial"/>
+            </a:endParaRPr>
+          </a:p>
+          <a:p>
+            <a:pPr lvl="5" marL="2592000" indent="-216000">
+              <a:spcBef>
+                <a:spcPts val="283"/>
+              </a:spcBef>
+              <a:buClr>
+                <a:srgbClr val="000000"/>
+              </a:buClr>
+              <a:buSzPct val="45000"/>
+              <a:buFont typeface="Wingdings" charset="2"/>
+              <a:buChar char=""/>
+            </a:pPr>
+            <a:r>
+              <a:rPr b="0" lang="pt-PT" sz="1800" spc="-1" strike="noStrike">
+                <a:latin typeface="Arial"/>
+              </a:rPr>
+              <a:t>Sexto nível de tópicos</a:t>
+            </a:r>
+            <a:endParaRPr b="0" lang="pt-PT" sz="1800" spc="-1" strike="noStrike">
+              <a:latin typeface="Arial"/>
+            </a:endParaRPr>
+          </a:p>
+          <a:p>
+            <a:pPr lvl="6" marL="3024000" indent="-216000">
+              <a:spcBef>
+                <a:spcPts val="283"/>
+              </a:spcBef>
+              <a:buClr>
+                <a:srgbClr val="000000"/>
+              </a:buClr>
+              <a:buSzPct val="45000"/>
+              <a:buFont typeface="Wingdings" charset="2"/>
+              <a:buChar char=""/>
+            </a:pPr>
+            <a:r>
+              <a:rPr b="0" lang="pt-PT" sz="1800" spc="-1" strike="noStrike">
+                <a:latin typeface="Arial"/>
+              </a:rPr>
+              <a:t>Sétimo nível de tópicos</a:t>
+            </a:r>
+            <a:endParaRPr b="0" lang="pt-PT" sz="1800" spc="-1" strike="noStrike">
+              <a:latin typeface="Arial"/>
+            </a:endParaRPr>
+          </a:p>
+        </p:txBody>
+      </p:sp>
+    </p:spTree>
+  </p:cSld>
+  <p:clrMap bg1="lt1" bg2="lt2" tx1="dk1" tx2="dk2" accent1="accent1" accent2="accent2" accent3="accent3" accent4="accent4" accent5="accent5" accent6="accent6" hlink="hlink" folHlink="folHlink"/>
+  <p:sldLayoutIdLst>
+    <p:sldLayoutId id="2147483675" r:id="rId2"/>
+    <p:sldLayoutId id="2147483676" r:id="rId3"/>
+    <p:sldLayoutId id="2147483677" r:id="rId4"/>
+    <p:sldLayoutId id="2147483678" r:id="rId5"/>
+    <p:sldLayoutId id="2147483679" r:id="rId6"/>
+    <p:sldLayoutId id="2147483680" r:id="rId7"/>
+    <p:sldLayoutId id="2147483681" r:id="rId8"/>
+    <p:sldLayoutId id="2147483682" r:id="rId9"/>
+    <p:sldLayoutId id="2147483683" r:id="rId10"/>
+    <p:sldLayoutId id="2147483684" r:id="rId11"/>
+    <p:sldLayoutId id="2147483685" r:id="rId12"/>
+    <p:sldLayoutId id="2147483686" r:id="rId13"/>
+  </p:sldLayoutIdLst>
+</p:sldMaster>
+</file>
+
 <file path=ppt/slides/slide1.xml><?xml version="1.0" encoding="utf-8"?>
 <p:sld xmlns:a="http://schemas.openxmlformats.org/drawingml/2006/main" xmlns:p="http://schemas.openxmlformats.org/presentationml/2006/main" xmlns:r="http://schemas.openxmlformats.org/officeDocument/2006/relationships" xmlns:p14="http://schemas.microsoft.com/office/powerpoint/2010/main" xmlns:p15="http://schemas.microsoft.com/office/powerpoint/2012/main" xmlns:mc="http://schemas.openxmlformats.org/markup-compatibility/2006">
   <p:cSld>
@@ -3272,14 +4888,14 @@
       </p:grpSpPr>
       <p:sp>
         <p:nvSpPr>
-          <p:cNvPr id="76" name="Subtítulo 2"/>
+          <p:cNvPr id="114" name="Subtítulo 2"/>
           <p:cNvSpPr/>
           <p:nvPr/>
         </p:nvSpPr>
         <p:spPr>
           <a:xfrm>
             <a:off x="1523880" y="2601000"/>
-            <a:ext cx="9143280" cy="1654920"/>
+            <a:ext cx="9142920" cy="1654560"/>
           </a:xfrm>
           <a:prstGeom prst="rect">
             <a:avLst/>
@@ -3317,6 +4933,7 @@
                   <a:srgbClr val="000000"/>
                 </a:solidFill>
                 <a:latin typeface="Calibri"/>
+                <a:ea typeface="DejaVu Sans"/>
               </a:rPr>
               <a:t>Algoritmos e Estruturas de Dados</a:t>
             </a:r>
@@ -3328,7 +4945,7 @@
       </p:sp>
       <p:pic>
         <p:nvPicPr>
-          <p:cNvPr id="77" name="Imagem 8" descr=""/>
+          <p:cNvPr id="115" name="Imagem 8" descr=""/>
           <p:cNvPicPr/>
           <p:nvPr/>
         </p:nvPicPr>
@@ -3339,7 +4956,7 @@
         <p:spPr>
           <a:xfrm>
             <a:off x="2723400" y="0"/>
-            <a:ext cx="6744600" cy="2339640"/>
+            <a:ext cx="6744240" cy="2339280"/>
           </a:xfrm>
           <a:prstGeom prst="rect">
             <a:avLst/>
@@ -3351,7 +4968,7 @@
       </p:pic>
       <p:sp>
         <p:nvSpPr>
-          <p:cNvPr id="78" name="Conexão reta 12"/>
+          <p:cNvPr id="116" name="Conexão reta 12"/>
           <p:cNvSpPr/>
           <p:nvPr/>
         </p:nvSpPr>
@@ -3384,14 +5001,14 @@
       </p:sp>
       <p:sp>
         <p:nvSpPr>
-          <p:cNvPr id="79" name="CaixaDeTexto 13"/>
+          <p:cNvPr id="117" name="CaixaDeTexto 13"/>
           <p:cNvSpPr/>
           <p:nvPr/>
         </p:nvSpPr>
         <p:spPr>
           <a:xfrm>
             <a:off x="2259000" y="3753360"/>
-            <a:ext cx="7673400" cy="1735920"/>
+            <a:ext cx="7673040" cy="1735560"/>
           </a:xfrm>
           <a:prstGeom prst="rect">
             <a:avLst/>
@@ -3555,14 +5172,14 @@
       </p:grpSpPr>
       <p:sp>
         <p:nvSpPr>
-          <p:cNvPr id="98" name="Título 1"/>
+          <p:cNvPr id="136" name="Título 1"/>
           <p:cNvSpPr/>
           <p:nvPr/>
         </p:nvSpPr>
         <p:spPr>
           <a:xfrm>
             <a:off x="838080" y="365040"/>
-            <a:ext cx="10514880" cy="1324800"/>
+            <a:ext cx="10514520" cy="1324440"/>
           </a:xfrm>
           <a:prstGeom prst="rect">
             <a:avLst/>
@@ -3594,6 +5211,7 @@
                   <a:srgbClr val="000000"/>
                 </a:solidFill>
                 <a:latin typeface="Calibri Light"/>
+                <a:ea typeface="DejaVu Sans"/>
               </a:rPr>
               <a:t>Outras observações/Exemplos de Execução</a:t>
             </a:r>
@@ -3605,14 +5223,14 @@
       </p:sp>
       <p:sp>
         <p:nvSpPr>
-          <p:cNvPr id="99" name="Marcador de Posição de Conteúdo 2"/>
+          <p:cNvPr id="137" name="Marcador de Posição de Conteúdo 2"/>
           <p:cNvSpPr/>
           <p:nvPr/>
         </p:nvSpPr>
         <p:spPr>
           <a:xfrm>
             <a:off x="838080" y="1825560"/>
-            <a:ext cx="10514880" cy="4350600"/>
+            <a:ext cx="10514520" cy="4350240"/>
           </a:xfrm>
           <a:prstGeom prst="rect">
             <a:avLst/>
@@ -3650,6 +5268,7 @@
                   <a:srgbClr val="000000"/>
                 </a:solidFill>
                 <a:latin typeface="Calibri"/>
+                <a:ea typeface="DejaVu Sans"/>
               </a:rPr>
               <a:t>Não é necessário, pode ser apagado depois</a:t>
             </a:r>
@@ -3675,6 +5294,7 @@
                   <a:srgbClr val="000000"/>
                 </a:solidFill>
                 <a:latin typeface="Calibri"/>
+                <a:ea typeface="DejaVu Sans"/>
               </a:rPr>
               <a:t>max 5 diapositivos</a:t>
             </a:r>
@@ -3716,14 +5336,14 @@
       </p:grpSpPr>
       <p:sp>
         <p:nvSpPr>
-          <p:cNvPr id="80" name="Título 1"/>
+          <p:cNvPr id="118" name="Título 1"/>
           <p:cNvSpPr/>
           <p:nvPr/>
         </p:nvSpPr>
         <p:spPr>
           <a:xfrm>
             <a:off x="838080" y="365040"/>
-            <a:ext cx="10514880" cy="1324800"/>
+            <a:ext cx="10514520" cy="1324440"/>
           </a:xfrm>
           <a:prstGeom prst="rect">
             <a:avLst/>
@@ -3755,6 +5375,7 @@
                   <a:srgbClr val="000000"/>
                 </a:solidFill>
                 <a:latin typeface="Calibri Light"/>
+                <a:ea typeface="DejaVu Sans"/>
               </a:rPr>
               <a:t>Descrição do Problema</a:t>
             </a:r>
@@ -3766,14 +5387,14 @@
       </p:sp>
       <p:sp>
         <p:nvSpPr>
-          <p:cNvPr id="81" name="Marcador de Posição de Conteúdo 2"/>
+          <p:cNvPr id="119" name="Marcador de Posição de Conteúdo 2"/>
           <p:cNvSpPr/>
           <p:nvPr/>
         </p:nvSpPr>
         <p:spPr>
           <a:xfrm>
             <a:off x="838080" y="1825560"/>
-            <a:ext cx="10514880" cy="4350600"/>
+            <a:ext cx="10514520" cy="4350240"/>
           </a:xfrm>
           <a:prstGeom prst="rect">
             <a:avLst/>
@@ -3811,17 +5432,9 @@
                   <a:srgbClr val="000000"/>
                 </a:solidFill>
                 <a:latin typeface="Calibri"/>
+                <a:ea typeface="DejaVu Sans"/>
               </a:rPr>
-              <a:t>I</a:t>
-            </a:r>
-            <a:r>
-              <a:rPr b="0" lang="pt-PT" sz="2800" spc="-1" strike="noStrike">
-                <a:solidFill>
-                  <a:srgbClr val="000000"/>
-                </a:solidFill>
-                <a:latin typeface="Calibri"/>
-              </a:rPr>
-              <a:t>mplementar um sistema de gestão de informação para uma companhia aérea, capaz de guardar e gerir informação relativa a aviões, voos, passageiros, bagagens e aeroportos.</a:t>
+              <a:t>Implementar um sistema de gestão de informação para uma companhia aérea, capaz de guardar e gerir informação relativa a aviões, voos, passageiros, bagagens e aeroportos.</a:t>
             </a:r>
             <a:endParaRPr b="0" lang="pt-PT" sz="2800" spc="-1" strike="noStrike">
               <a:latin typeface="Arial"/>
@@ -3845,6 +5458,7 @@
                   <a:srgbClr val="000000"/>
                 </a:solidFill>
                 <a:latin typeface="Calibri"/>
+                <a:ea typeface="DejaVu Sans"/>
               </a:rPr>
               <a:t>…</a:t>
             </a:r>
@@ -3902,14 +5516,14 @@
       </p:grpSpPr>
       <p:sp>
         <p:nvSpPr>
-          <p:cNvPr id="82" name="Título 1"/>
+          <p:cNvPr id="120" name="Título 1"/>
           <p:cNvSpPr/>
           <p:nvPr/>
         </p:nvSpPr>
         <p:spPr>
           <a:xfrm>
             <a:off x="838080" y="365040"/>
-            <a:ext cx="10514880" cy="1324800"/>
+            <a:ext cx="10514520" cy="1324440"/>
           </a:xfrm>
           <a:prstGeom prst="rect">
             <a:avLst/>
@@ -3941,6 +5555,7 @@
                   <a:srgbClr val="000000"/>
                 </a:solidFill>
                 <a:latin typeface="Calibri Light"/>
+                <a:ea typeface="DejaVu Sans"/>
               </a:rPr>
               <a:t>Solução</a:t>
             </a:r>
@@ -3952,14 +5567,14 @@
       </p:sp>
       <p:sp>
         <p:nvSpPr>
-          <p:cNvPr id="83" name="Marcador de Posição de Conteúdo 2"/>
+          <p:cNvPr id="121" name="Marcador de Posição de Conteúdo 2"/>
           <p:cNvSpPr/>
           <p:nvPr/>
         </p:nvSpPr>
         <p:spPr>
           <a:xfrm>
             <a:off x="838080" y="1825560"/>
-            <a:ext cx="10514880" cy="4350600"/>
+            <a:ext cx="10514520" cy="4350240"/>
           </a:xfrm>
           <a:prstGeom prst="rect">
             <a:avLst/>
@@ -3997,6 +5612,7 @@
                   <a:srgbClr val="000000"/>
                 </a:solidFill>
                 <a:latin typeface="Calibri"/>
+                <a:ea typeface="DejaVu Sans"/>
               </a:rPr>
               <a:t>max 2 diapositivos</a:t>
             </a:r>
@@ -4008,14 +5624,14 @@
       </p:sp>
       <p:sp>
         <p:nvSpPr>
-          <p:cNvPr id="84" name=""/>
-          <p:cNvSpPr txBox="1"/>
+          <p:cNvPr id="122" name=""/>
+          <p:cNvSpPr/>
           <p:nvPr/>
         </p:nvSpPr>
         <p:spPr>
           <a:xfrm>
             <a:off x="720000" y="1620000"/>
-            <a:ext cx="10972440" cy="4790160"/>
+            <a:ext cx="10972080" cy="4789800"/>
           </a:xfrm>
           <a:prstGeom prst="rect">
             <a:avLst/>
@@ -4025,12 +5641,21 @@
             <a:noFill/>
           </a:ln>
         </p:spPr>
+        <p:style>
+          <a:lnRef idx="0"/>
+          <a:fillRef idx="0"/>
+          <a:effectRef idx="0"/>
+          <a:fontRef idx="minor"/>
+        </p:style>
         <p:txBody>
           <a:bodyPr lIns="0" rIns="0" tIns="0" bIns="0">
             <a:normAutofit fontScale="76000"/>
           </a:bodyPr>
           <a:p>
-            <a:pPr marL="432000" indent="-324000">
+            <a:pPr marL="432000" indent="-323640">
+              <a:lnSpc>
+                <a:spcPct val="100000"/>
+              </a:lnSpc>
               <a:spcBef>
                 <a:spcPts val="1417"/>
               </a:spcBef>
@@ -4048,11 +5673,14 @@
               <a:t>Implementámos um menu de forma a facilitar a interação com o programa;</a:t>
             </a:r>
             <a:endParaRPr b="0" lang="pt-PT" sz="2800" spc="-1" strike="noStrike">
-              <a:latin typeface="Calibri"/>
-            </a:endParaRPr>
-          </a:p>
-          <a:p>
-            <a:pPr marL="432000" indent="-324000">
+              <a:latin typeface="Arial"/>
+            </a:endParaRPr>
+          </a:p>
+          <a:p>
+            <a:pPr marL="432000" indent="-323640">
+              <a:lnSpc>
+                <a:spcPct val="100000"/>
+              </a:lnSpc>
               <a:spcBef>
                 <a:spcPts val="1417"/>
               </a:spcBef>
@@ -4070,11 +5698,14 @@
               <a:t>O núcleo central do programa é a classe Airline, que gere as interações entre aviões, aeroportos e voos;</a:t>
             </a:r>
             <a:endParaRPr b="0" lang="pt-PT" sz="2800" spc="-1" strike="noStrike">
-              <a:latin typeface="Calibri"/>
-            </a:endParaRPr>
-          </a:p>
-          <a:p>
-            <a:pPr marL="432000" indent="-324000">
+              <a:latin typeface="Arial"/>
+            </a:endParaRPr>
+          </a:p>
+          <a:p>
+            <a:pPr marL="432000" indent="-323640">
+              <a:lnSpc>
+                <a:spcPct val="100000"/>
+              </a:lnSpc>
               <a:spcBef>
                 <a:spcPts val="1417"/>
               </a:spcBef>
@@ -4092,11 +5723,14 @@
               <a:t>Dentro das soluções, aos  problemas apresentados, que implementámos, eis dois exemplos:</a:t>
             </a:r>
             <a:endParaRPr b="0" lang="pt-PT" sz="2800" spc="-1" strike="noStrike">
-              <a:latin typeface="Calibri"/>
-            </a:endParaRPr>
-          </a:p>
-          <a:p>
-            <a:pPr marL="432000" indent="-324000">
+              <a:latin typeface="Arial"/>
+            </a:endParaRPr>
+          </a:p>
+          <a:p>
+            <a:pPr marL="432000" indent="-323640">
+              <a:lnSpc>
+                <a:spcPct val="100000"/>
+              </a:lnSpc>
               <a:spcBef>
                 <a:spcPts val="1417"/>
               </a:spcBef>
@@ -4114,11 +5748,14 @@
               <a:t>No tratamento dos serviços criamos duas filas(serviçosAcabados, serviçosMarcados), quando um novo serviço era criado, era colocado nos serviçosMarcados e depois de ser cumprido, era colocado nos serviçosAcabados.</a:t>
             </a:r>
             <a:endParaRPr b="0" lang="pt-PT" sz="2800" spc="-1" strike="noStrike">
-              <a:latin typeface="Calibri"/>
-            </a:endParaRPr>
-          </a:p>
-          <a:p>
-            <a:pPr marL="432000" indent="-324000">
+              <a:latin typeface="Arial"/>
+            </a:endParaRPr>
+          </a:p>
+          <a:p>
+            <a:pPr marL="432000" indent="-323640">
+              <a:lnSpc>
+                <a:spcPct val="100000"/>
+              </a:lnSpc>
               <a:spcBef>
                 <a:spcPts val="1417"/>
               </a:spcBef>
@@ -4136,7 +5773,7 @@
               <a:t>No tratamento das malas  criamos um sistema de transporte, composto por carruagens, que à medida que iam ficando cheias, novas carruagens eram acrescentadas. Cada carruagem possui 4 stacks e cada stack tem a capacidade maxima de 5 malas.</a:t>
             </a:r>
             <a:endParaRPr b="0" lang="pt-PT" sz="2800" spc="-1" strike="noStrike">
-              <a:latin typeface="Calibri"/>
+              <a:latin typeface="Arial"/>
             </a:endParaRPr>
           </a:p>
         </p:txBody>
@@ -4173,14 +5810,14 @@
       </p:grpSpPr>
       <p:sp>
         <p:nvSpPr>
-          <p:cNvPr id="85" name="Título 1"/>
+          <p:cNvPr id="123" name="Título 1"/>
           <p:cNvSpPr/>
           <p:nvPr/>
         </p:nvSpPr>
         <p:spPr>
           <a:xfrm>
             <a:off x="838080" y="365040"/>
-            <a:ext cx="10514880" cy="1324800"/>
+            <a:ext cx="10514520" cy="1324440"/>
           </a:xfrm>
           <a:prstGeom prst="rect">
             <a:avLst/>
@@ -4212,6 +5849,7 @@
                   <a:srgbClr val="000000"/>
                 </a:solidFill>
                 <a:latin typeface="Calibri Light"/>
+                <a:ea typeface="DejaVu Sans"/>
               </a:rPr>
               <a:t>Diagrama de Classes</a:t>
             </a:r>
@@ -4223,14 +5861,14 @@
       </p:sp>
       <p:sp>
         <p:nvSpPr>
-          <p:cNvPr id="86" name="Marcador de Posição de Conteúdo 2"/>
+          <p:cNvPr id="124" name="Marcador de Posição de Conteúdo 2"/>
           <p:cNvSpPr/>
           <p:nvPr/>
         </p:nvSpPr>
         <p:spPr>
           <a:xfrm>
             <a:off x="838080" y="1825560"/>
-            <a:ext cx="10514880" cy="4350600"/>
+            <a:ext cx="10514520" cy="4350240"/>
           </a:xfrm>
           <a:prstGeom prst="rect">
             <a:avLst/>
@@ -4279,14 +5917,14 @@
       </p:grpSpPr>
       <p:sp>
         <p:nvSpPr>
-          <p:cNvPr id="87" name="Título 1"/>
+          <p:cNvPr id="125" name="Título 1"/>
           <p:cNvSpPr/>
           <p:nvPr/>
         </p:nvSpPr>
         <p:spPr>
           <a:xfrm>
             <a:off x="838080" y="365040"/>
-            <a:ext cx="10514880" cy="1324800"/>
+            <a:ext cx="10514520" cy="1324440"/>
           </a:xfrm>
           <a:prstGeom prst="rect">
             <a:avLst/>
@@ -4318,6 +5956,7 @@
                   <a:srgbClr val="000000"/>
                 </a:solidFill>
                 <a:latin typeface="Calibri Light"/>
+                <a:ea typeface="DejaVu Sans"/>
               </a:rPr>
               <a:t>Estrutura de Ficheiros</a:t>
             </a:r>
@@ -4329,14 +5968,14 @@
       </p:sp>
       <p:sp>
         <p:nvSpPr>
-          <p:cNvPr id="88" name="Marcador de Posição de Conteúdo 2"/>
+          <p:cNvPr id="126" name="Marcador de Posição de Conteúdo 2"/>
           <p:cNvSpPr/>
           <p:nvPr/>
         </p:nvSpPr>
         <p:spPr>
           <a:xfrm>
             <a:off x="838080" y="1825560"/>
-            <a:ext cx="10514880" cy="4350600"/>
+            <a:ext cx="10514520" cy="4350240"/>
           </a:xfrm>
           <a:prstGeom prst="rect">
             <a:avLst/>
@@ -4357,7 +5996,7 @@
             <a:noAutofit/>
           </a:bodyPr>
           <a:p>
-            <a:pPr marL="228600" indent="-227880">
+            <a:pPr marL="228600" indent="-227520">
               <a:lnSpc>
                 <a:spcPct val="90000"/>
               </a:lnSpc>
@@ -4376,6 +6015,7 @@
                   <a:srgbClr val="000000"/>
                 </a:solidFill>
                 <a:latin typeface="Calibri"/>
+                <a:ea typeface="DejaVu Sans"/>
               </a:rPr>
               <a:t>Incluímos no  nosso projeto uma estrutura de ficheiros dos seguintes elementos:</a:t>
             </a:r>
@@ -4384,7 +6024,7 @@
             </a:endParaRPr>
           </a:p>
           <a:p>
-            <a:pPr marL="228600" indent="-227880">
+            <a:pPr marL="228600" indent="-227520">
               <a:lnSpc>
                 <a:spcPct val="90000"/>
               </a:lnSpc>
@@ -4403,6 +6043,7 @@
                   <a:srgbClr val="000000"/>
                 </a:solidFill>
                 <a:latin typeface="Calibri"/>
+                <a:ea typeface="DejaVu Sans"/>
               </a:rPr>
               <a:t>Aviões(tipoAvião, matrícula, capacidade, capacidadeCargo);</a:t>
             </a:r>
@@ -4411,7 +6052,7 @@
             </a:endParaRPr>
           </a:p>
           <a:p>
-            <a:pPr marL="228600" indent="-227880">
+            <a:pPr marL="228600" indent="-227520">
               <a:lnSpc>
                 <a:spcPct val="90000"/>
               </a:lnSpc>
@@ -4430,6 +6071,7 @@
                   <a:srgbClr val="000000"/>
                 </a:solidFill>
                 <a:latin typeface="Calibri"/>
+                <a:ea typeface="DejaVu Sans"/>
               </a:rPr>
               <a:t>Aeroportos(nomeAeroporto, aviõesAterrados);</a:t>
             </a:r>
@@ -4438,7 +6080,7 @@
             </a:endParaRPr>
           </a:p>
           <a:p>
-            <a:pPr marL="228600" indent="-227880">
+            <a:pPr marL="228600" indent="-227520">
               <a:lnSpc>
                 <a:spcPct val="90000"/>
               </a:lnSpc>
@@ -4457,6 +6099,7 @@
                   <a:srgbClr val="000000"/>
                 </a:solidFill>
                 <a:latin typeface="Calibri"/>
+                <a:ea typeface="DejaVu Sans"/>
               </a:rPr>
               <a:t>Voos(número, data, duração, matrícula, origem, destino);</a:t>
             </a:r>
@@ -4465,7 +6108,7 @@
             </a:endParaRPr>
           </a:p>
           <a:p>
-            <a:pPr marL="228600" indent="-227880">
+            <a:pPr marL="228600" indent="-227520">
               <a:lnSpc>
                 <a:spcPct val="90000"/>
               </a:lnSpc>
@@ -4484,6 +6127,7 @@
                   <a:srgbClr val="000000"/>
                 </a:solidFill>
                 <a:latin typeface="Calibri"/>
+                <a:ea typeface="DejaVu Sans"/>
               </a:rPr>
               <a:t>Locais de transporte terrestre(Aeroporto, tipoTransporte, distância, horaAbertura, horaFecho);</a:t>
             </a:r>
@@ -4492,7 +6136,7 @@
             </a:endParaRPr>
           </a:p>
           <a:p>
-            <a:pPr marL="228600" indent="-227880">
+            <a:pPr marL="228600" indent="-227520">
               <a:lnSpc>
                 <a:spcPct val="90000"/>
               </a:lnSpc>
@@ -4511,6 +6155,7 @@
                   <a:srgbClr val="000000"/>
                 </a:solidFill>
                 <a:latin typeface="Calibri"/>
+                <a:ea typeface="DejaVu Sans"/>
               </a:rPr>
               <a:t>Serviços de limpezas(matrículaAvião, tipo, data, empregado).</a:t>
             </a:r>
@@ -4519,7 +6164,7 @@
             </a:endParaRPr>
           </a:p>
           <a:p>
-            <a:pPr marL="228600" indent="-227880">
+            <a:pPr marL="228600" indent="-227520">
               <a:lnSpc>
                 <a:spcPct val="90000"/>
               </a:lnSpc>
@@ -4538,6 +6183,7 @@
                   <a:srgbClr val="000000"/>
                 </a:solidFill>
                 <a:latin typeface="Calibri"/>
+                <a:ea typeface="DejaVu Sans"/>
               </a:rPr>
               <a:t>Nota:Os serviços de limpeza estão ordenados por ordem cronológica.</a:t>
             </a:r>
@@ -4579,14 +6225,14 @@
       </p:grpSpPr>
       <p:sp>
         <p:nvSpPr>
-          <p:cNvPr id="89" name="Título 1"/>
+          <p:cNvPr id="127" name="Título 1"/>
           <p:cNvSpPr/>
           <p:nvPr/>
         </p:nvSpPr>
         <p:spPr>
           <a:xfrm>
             <a:off x="838080" y="365040"/>
-            <a:ext cx="10514880" cy="1324800"/>
+            <a:ext cx="10514520" cy="1324440"/>
           </a:xfrm>
           <a:prstGeom prst="rect">
             <a:avLst/>
@@ -4618,6 +6264,7 @@
                   <a:srgbClr val="000000"/>
                 </a:solidFill>
                 <a:latin typeface="Calibri Light"/>
+                <a:ea typeface="DejaVu Sans"/>
               </a:rPr>
               <a:t>Funcionalidades Implementadas</a:t>
             </a:r>
@@ -4629,14 +6276,14 @@
       </p:sp>
       <p:sp>
         <p:nvSpPr>
-          <p:cNvPr id="90" name="Marcador de Posição de Conteúdo 2"/>
+          <p:cNvPr id="128" name="Marcador de Posição de Conteúdo 2"/>
           <p:cNvSpPr/>
           <p:nvPr/>
         </p:nvSpPr>
         <p:spPr>
           <a:xfrm>
             <a:off x="838080" y="1825560"/>
-            <a:ext cx="10514880" cy="4350600"/>
+            <a:ext cx="10514520" cy="4350240"/>
           </a:xfrm>
           <a:prstGeom prst="rect">
             <a:avLst/>
@@ -4674,6 +6321,7 @@
                   <a:srgbClr val="000000"/>
                 </a:solidFill>
                 <a:latin typeface="Calibri"/>
+                <a:ea typeface="DejaVu Sans"/>
               </a:rPr>
               <a:t>No que toca nas operações CRUD:</a:t>
             </a:r>
@@ -4682,7 +6330,7 @@
             </a:endParaRPr>
           </a:p>
           <a:p>
-            <a:pPr marL="216000" indent="-216000">
+            <a:pPr marL="216000" indent="-215640">
               <a:lnSpc>
                 <a:spcPct val="90000"/>
               </a:lnSpc>
@@ -4692,7 +6340,7 @@
               <a:buClr>
                 <a:srgbClr val="000000"/>
               </a:buClr>
-              <a:buFont typeface="Symbol" charset="2"/>
+              <a:buFont typeface="Symbol"/>
               <a:buChar char=""/>
               <a:tabLst>
                 <a:tab algn="l" pos="0"/>
@@ -4704,15 +6352,16 @@
                   <a:srgbClr val="000000"/>
                 </a:solidFill>
                 <a:latin typeface="Calibri"/>
+                <a:ea typeface="DejaVu Sans"/>
               </a:rPr>
-              <a:t>Na classe fligth, implementámos todas as operações CRUD e a mesma possui listagem total;</a:t>
+              <a:t>Na classe fligth, implementámos todas as operações CRUD e a mesma possui listagem parcial;</a:t>
             </a:r>
             <a:endParaRPr b="0" lang="pt-PT" sz="2800" spc="-1" strike="noStrike">
               <a:latin typeface="Arial"/>
             </a:endParaRPr>
           </a:p>
           <a:p>
-            <a:pPr marL="216000" indent="-216000">
+            <a:pPr marL="216000" indent="-215640">
               <a:lnSpc>
                 <a:spcPct val="90000"/>
               </a:lnSpc>
@@ -4722,7 +6371,7 @@
               <a:buClr>
                 <a:srgbClr val="000000"/>
               </a:buClr>
-              <a:buFont typeface="Symbol" charset="2"/>
+              <a:buFont typeface="Symbol"/>
               <a:buChar char=""/>
               <a:tabLst>
                 <a:tab algn="l" pos="0"/>
@@ -4734,6 +6383,7 @@
                   <a:srgbClr val="000000"/>
                 </a:solidFill>
                 <a:latin typeface="Calibri"/>
+                <a:ea typeface="DejaVu Sans"/>
               </a:rPr>
               <a:t>Na classe landTransportPlace,  implementámos as operações create e read, a mesma tem listagem parcial;</a:t>
             </a:r>
@@ -4742,7 +6392,7 @@
             </a:endParaRPr>
           </a:p>
           <a:p>
-            <a:pPr marL="216000" indent="-216000">
+            <a:pPr marL="216000" indent="-215640">
               <a:lnSpc>
                 <a:spcPct val="90000"/>
               </a:lnSpc>
@@ -4752,7 +6402,7 @@
               <a:buClr>
                 <a:srgbClr val="000000"/>
               </a:buClr>
-              <a:buFont typeface="Symbol" charset="2"/>
+              <a:buFont typeface="Symbol"/>
               <a:buChar char=""/>
               <a:tabLst>
                 <a:tab algn="l" pos="0"/>
@@ -4774,6 +6424,7 @@
                   <a:srgbClr val="000000"/>
                 </a:solidFill>
                 <a:latin typeface="Calibri"/>
+                <a:ea typeface="DejaVu Sans"/>
               </a:rPr>
               <a:t>implementámos as operações create e read, a mesma tem listagem parcial;</a:t>
             </a:r>
@@ -4782,7 +6433,7 @@
             </a:endParaRPr>
           </a:p>
           <a:p>
-            <a:pPr marL="216000" indent="-216000">
+            <a:pPr marL="216000" indent="-215640">
               <a:lnSpc>
                 <a:spcPct val="90000"/>
               </a:lnSpc>
@@ -4792,7 +6443,7 @@
               <a:buClr>
                 <a:srgbClr val="000000"/>
               </a:buClr>
-              <a:buFont typeface="Symbol" charset="2"/>
+              <a:buFont typeface="Symbol"/>
               <a:buChar char=""/>
               <a:tabLst>
                 <a:tab algn="l" pos="0"/>
@@ -4804,6 +6455,7 @@
                   <a:srgbClr val="000000"/>
                 </a:solidFill>
                 <a:latin typeface="Calibri"/>
+                <a:ea typeface="DejaVu Sans"/>
               </a:rPr>
               <a:t>Na classe plain, implementámos as operações CRUD, a mesma tem listagem total;</a:t>
             </a:r>
@@ -4812,7 +6464,7 @@
             </a:endParaRPr>
           </a:p>
           <a:p>
-            <a:pPr marL="216000" indent="-216000">
+            <a:pPr marL="216000" indent="-215640">
               <a:lnSpc>
                 <a:spcPct val="90000"/>
               </a:lnSpc>
@@ -4822,7 +6474,7 @@
               <a:buClr>
                 <a:srgbClr val="000000"/>
               </a:buClr>
-              <a:buFont typeface="Symbol" charset="2"/>
+              <a:buFont typeface="Symbol"/>
               <a:buChar char=""/>
               <a:tabLst>
                 <a:tab algn="l" pos="0"/>
@@ -4834,6 +6486,7 @@
                   <a:srgbClr val="000000"/>
                 </a:solidFill>
                 <a:latin typeface="Calibri"/>
+                <a:ea typeface="DejaVu Sans"/>
               </a:rPr>
               <a:t>Na classe airport, implementámos as operações create, read e update, a mesma tem listagem total;  </a:t>
             </a:r>
@@ -4875,14 +6528,14 @@
       </p:grpSpPr>
       <p:sp>
         <p:nvSpPr>
-          <p:cNvPr id="91" name=""/>
-          <p:cNvSpPr txBox="1"/>
+          <p:cNvPr id="129" name=""/>
+          <p:cNvSpPr/>
           <p:nvPr/>
         </p:nvSpPr>
         <p:spPr>
           <a:xfrm>
             <a:off x="609480" y="273600"/>
-            <a:ext cx="10972440" cy="1144800"/>
+            <a:ext cx="10972080" cy="1144440"/>
           </a:xfrm>
           <a:prstGeom prst="rect">
             <a:avLst/>
@@ -4892,6 +6545,12 @@
             <a:noFill/>
           </a:ln>
         </p:spPr>
+        <p:style>
+          <a:lnRef idx="0"/>
+          <a:fillRef idx="0"/>
+          <a:effectRef idx="0"/>
+          <a:fontRef idx="minor"/>
+        </p:style>
         <p:txBody>
           <a:bodyPr lIns="0" rIns="0" tIns="0" bIns="0" anchor="ctr">
             <a:noAutofit/>
@@ -4919,14 +6578,14 @@
       </p:sp>
       <p:sp>
         <p:nvSpPr>
-          <p:cNvPr id="92" name=""/>
-          <p:cNvSpPr txBox="1"/>
+          <p:cNvPr id="130" name=""/>
+          <p:cNvSpPr/>
           <p:nvPr/>
         </p:nvSpPr>
         <p:spPr>
           <a:xfrm>
             <a:off x="609480" y="1604520"/>
-            <a:ext cx="10972440" cy="3977280"/>
+            <a:ext cx="10972080" cy="3976920"/>
           </a:xfrm>
           <a:prstGeom prst="rect">
             <a:avLst/>
@@ -4936,12 +6595,21 @@
             <a:noFill/>
           </a:ln>
         </p:spPr>
+        <p:style>
+          <a:lnRef idx="0"/>
+          <a:fillRef idx="0"/>
+          <a:effectRef idx="0"/>
+          <a:fontRef idx="minor"/>
+        </p:style>
         <p:txBody>
           <a:bodyPr lIns="0" rIns="0" tIns="0" bIns="0">
             <a:normAutofit fontScale="76000"/>
           </a:bodyPr>
           <a:p>
-            <a:pPr marL="432000" indent="-324000">
+            <a:pPr marL="432000" indent="-323640">
+              <a:lnSpc>
+                <a:spcPct val="100000"/>
+              </a:lnSpc>
               <a:spcBef>
                 <a:spcPts val="1417"/>
               </a:spcBef>
@@ -4963,7 +6631,10 @@
             </a:endParaRPr>
           </a:p>
           <a:p>
-            <a:pPr marL="432000" indent="-324000">
+            <a:pPr marL="432000" indent="-323640">
+              <a:lnSpc>
+                <a:spcPct val="100000"/>
+              </a:lnSpc>
               <a:spcBef>
                 <a:spcPts val="1417"/>
               </a:spcBef>
@@ -4985,7 +6656,10 @@
             </a:endParaRPr>
           </a:p>
           <a:p>
-            <a:pPr marL="432000" indent="-324000">
+            <a:pPr marL="432000" indent="-323640">
+              <a:lnSpc>
+                <a:spcPct val="100000"/>
+              </a:lnSpc>
               <a:spcBef>
                 <a:spcPts val="1417"/>
               </a:spcBef>
@@ -5007,7 +6681,10 @@
             </a:endParaRPr>
           </a:p>
           <a:p>
-            <a:pPr marL="432000" indent="-324000">
+            <a:pPr marL="432000" indent="-323640">
+              <a:lnSpc>
+                <a:spcPct val="100000"/>
+              </a:lnSpc>
               <a:spcBef>
                 <a:spcPts val="1417"/>
               </a:spcBef>
@@ -5029,7 +6706,10 @@
             </a:endParaRPr>
           </a:p>
           <a:p>
-            <a:pPr marL="432000" indent="-324000">
+            <a:pPr marL="432000" indent="-323640">
+              <a:lnSpc>
+                <a:spcPct val="100000"/>
+              </a:lnSpc>
               <a:spcBef>
                 <a:spcPts val="1417"/>
               </a:spcBef>
@@ -5051,7 +6731,10 @@
             </a:endParaRPr>
           </a:p>
           <a:p>
-            <a:pPr marL="432000" indent="-324000">
+            <a:pPr marL="432000" indent="-323640">
+              <a:lnSpc>
+                <a:spcPct val="100000"/>
+              </a:lnSpc>
               <a:spcBef>
                 <a:spcPts val="1417"/>
               </a:spcBef>
@@ -5073,7 +6756,10 @@
             </a:endParaRPr>
           </a:p>
           <a:p>
-            <a:pPr marL="432000" indent="-324000">
+            <a:pPr marL="432000" indent="-323640">
+              <a:lnSpc>
+                <a:spcPct val="100000"/>
+              </a:lnSpc>
               <a:spcBef>
                 <a:spcPts val="1417"/>
               </a:spcBef>
@@ -5128,14 +6814,14 @@
       </p:grpSpPr>
       <p:sp>
         <p:nvSpPr>
-          <p:cNvPr id="93" name="Título 1"/>
+          <p:cNvPr id="131" name="Título 1"/>
           <p:cNvSpPr/>
           <p:nvPr/>
         </p:nvSpPr>
         <p:spPr>
           <a:xfrm>
             <a:off x="838080" y="365040"/>
-            <a:ext cx="10514880" cy="1324800"/>
+            <a:ext cx="10514520" cy="1324440"/>
           </a:xfrm>
           <a:prstGeom prst="rect">
             <a:avLst/>
@@ -5167,6 +6853,7 @@
                   <a:srgbClr val="000000"/>
                 </a:solidFill>
                 <a:latin typeface="Calibri Light"/>
+                <a:ea typeface="DejaVu Sans"/>
               </a:rPr>
               <a:t>Destaque de Funcionalidade</a:t>
             </a:r>
@@ -5178,14 +6865,14 @@
       </p:sp>
       <p:sp>
         <p:nvSpPr>
-          <p:cNvPr id="94" name="Marcador de Posição de Conteúdo 2"/>
+          <p:cNvPr id="132" name="Marcador de Posição de Conteúdo 2"/>
           <p:cNvSpPr/>
           <p:nvPr/>
         </p:nvSpPr>
         <p:spPr>
           <a:xfrm>
             <a:off x="838080" y="1825560"/>
-            <a:ext cx="10514880" cy="4350600"/>
+            <a:ext cx="10514520" cy="4350240"/>
           </a:xfrm>
           <a:prstGeom prst="rect">
             <a:avLst/>
@@ -5204,14 +6891,14 @@
       </p:sp>
       <p:sp>
         <p:nvSpPr>
-          <p:cNvPr id="95" name=""/>
-          <p:cNvSpPr txBox="1"/>
+          <p:cNvPr id="133" name=""/>
+          <p:cNvSpPr/>
           <p:nvPr/>
         </p:nvSpPr>
         <p:spPr>
           <a:xfrm>
             <a:off x="609480" y="1604520"/>
-            <a:ext cx="10972440" cy="3977280"/>
+            <a:ext cx="10972080" cy="3976920"/>
           </a:xfrm>
           <a:prstGeom prst="rect">
             <a:avLst/>
@@ -5221,12 +6908,21 @@
             <a:noFill/>
           </a:ln>
         </p:spPr>
+        <p:style>
+          <a:lnRef idx="0"/>
+          <a:fillRef idx="0"/>
+          <a:effectRef idx="0"/>
+          <a:fontRef idx="minor"/>
+        </p:style>
         <p:txBody>
           <a:bodyPr lIns="0" rIns="0" tIns="0" bIns="0">
             <a:normAutofit/>
           </a:bodyPr>
           <a:p>
-            <a:pPr marL="432000" indent="-324000">
+            <a:pPr marL="432000" indent="-323640">
+              <a:lnSpc>
+                <a:spcPct val="100000"/>
+              </a:lnSpc>
               <a:spcBef>
                 <a:spcPts val="1417"/>
               </a:spcBef>
@@ -5281,14 +6977,14 @@
       </p:grpSpPr>
       <p:sp>
         <p:nvSpPr>
-          <p:cNvPr id="96" name="Título 1"/>
+          <p:cNvPr id="134" name="Título 1"/>
           <p:cNvSpPr/>
           <p:nvPr/>
         </p:nvSpPr>
         <p:spPr>
           <a:xfrm>
             <a:off x="838080" y="365040"/>
-            <a:ext cx="10514880" cy="1324800"/>
+            <a:ext cx="10514520" cy="1324440"/>
           </a:xfrm>
           <a:prstGeom prst="rect">
             <a:avLst/>
@@ -5320,6 +7016,7 @@
                   <a:srgbClr val="000000"/>
                 </a:solidFill>
                 <a:latin typeface="Calibri Light"/>
+                <a:ea typeface="DejaVu Sans"/>
               </a:rPr>
               <a:t>Principais dificuldades</a:t>
             </a:r>
@@ -5331,14 +7028,14 @@
       </p:sp>
       <p:sp>
         <p:nvSpPr>
-          <p:cNvPr id="97" name="Marcador de Posição de Conteúdo 2"/>
+          <p:cNvPr id="135" name="Marcador de Posição de Conteúdo 2"/>
           <p:cNvSpPr/>
           <p:nvPr/>
         </p:nvSpPr>
         <p:spPr>
           <a:xfrm>
             <a:off x="838080" y="1825560"/>
-            <a:ext cx="10514880" cy="4350600"/>
+            <a:ext cx="10514520" cy="4350240"/>
           </a:xfrm>
           <a:prstGeom prst="rect">
             <a:avLst/>
@@ -5818,4 +7515,230 @@
     </a:fmtScheme>
   </a:themeElements>
 </a:theme>
+</file>
+
+<file path=ppt/theme/theme3.xml><?xml version="1.0" encoding="utf-8"?>
+<a:theme xmlns:a="http://schemas.openxmlformats.org/drawingml/2006/main" name="Office Theme">
+  <a:themeElements>
+    <a:clrScheme name="Office">
+      <a:dk1>
+        <a:sysClr val="windowText" lastClr="000000"/>
+      </a:dk1>
+      <a:lt1>
+        <a:sysClr val="window" lastClr="FFFFFF"/>
+      </a:lt1>
+      <a:dk2>
+        <a:srgbClr val="44546a"/>
+      </a:dk2>
+      <a:lt2>
+        <a:srgbClr val="e7e6e6"/>
+      </a:lt2>
+      <a:accent1>
+        <a:srgbClr val="4472c4"/>
+      </a:accent1>
+      <a:accent2>
+        <a:srgbClr val="ed7d31"/>
+      </a:accent2>
+      <a:accent3>
+        <a:srgbClr val="a5a5a5"/>
+      </a:accent3>
+      <a:accent4>
+        <a:srgbClr val="ffc000"/>
+      </a:accent4>
+      <a:accent5>
+        <a:srgbClr val="5b9bd5"/>
+      </a:accent5>
+      <a:accent6>
+        <a:srgbClr val="70ad47"/>
+      </a:accent6>
+      <a:hlink>
+        <a:srgbClr val="0563c1"/>
+      </a:hlink>
+      <a:folHlink>
+        <a:srgbClr val="954f72"/>
+      </a:folHlink>
+    </a:clrScheme>
+    <a:fontScheme name="Office">
+      <a:majorFont>
+        <a:latin typeface="Arial"/>
+        <a:ea typeface="DejaVu Sans"/>
+        <a:cs typeface="DejaVu Sans"/>
+      </a:majorFont>
+      <a:minorFont>
+        <a:latin typeface="Arial"/>
+        <a:ea typeface="DejaVu Sans"/>
+        <a:cs typeface="DejaVu Sans"/>
+      </a:minorFont>
+    </a:fontScheme>
+    <a:fmtScheme name="Office">
+      <a:fillStyleLst>
+        <a:solidFill>
+          <a:schemeClr val="phClr"/>
+        </a:solidFill>
+        <a:gradFill rotWithShape="1">
+          <a:gsLst>
+            <a:gs pos="0">
+              <a:schemeClr val="phClr">
+                <a:tint val="50000"/>
+                <a:satMod val="300000"/>
+              </a:schemeClr>
+            </a:gs>
+            <a:gs pos="35000">
+              <a:schemeClr val="phClr">
+                <a:tint val="37000"/>
+                <a:satMod val="300000"/>
+              </a:schemeClr>
+            </a:gs>
+            <a:gs pos="100000">
+              <a:schemeClr val="phClr">
+                <a:tint val="15000"/>
+                <a:satMod val="350000"/>
+              </a:schemeClr>
+            </a:gs>
+          </a:gsLst>
+          <a:lin ang="16200000" scaled="1"/>
+        </a:gradFill>
+        <a:gradFill rotWithShape="1">
+          <a:gsLst>
+            <a:gs pos="0">
+              <a:schemeClr val="phClr">
+                <a:shade val="51000"/>
+                <a:satMod val="130000"/>
+              </a:schemeClr>
+            </a:gs>
+            <a:gs pos="80000">
+              <a:schemeClr val="phClr">
+                <a:shade val="93000"/>
+                <a:satMod val="130000"/>
+              </a:schemeClr>
+            </a:gs>
+            <a:gs pos="100000">
+              <a:schemeClr val="phClr">
+                <a:shade val="94000"/>
+                <a:satMod val="135000"/>
+              </a:schemeClr>
+            </a:gs>
+          </a:gsLst>
+          <a:lin ang="16200000" scaled="0"/>
+        </a:gradFill>
+      </a:fillStyleLst>
+      <a:lnStyleLst>
+        <a:ln w="9525" cap="flat" cmpd="sng" algn="ctr">
+          <a:solidFill>
+            <a:schemeClr val="phClr">
+              <a:shade val="95000"/>
+              <a:satMod val="105000"/>
+            </a:schemeClr>
+          </a:solidFill>
+          <a:prstDash val="solid"/>
+          <a:miter/>
+        </a:ln>
+        <a:ln w="25400" cap="flat" cmpd="sng" algn="ctr">
+          <a:solidFill>
+            <a:schemeClr val="phClr"/>
+          </a:solidFill>
+          <a:prstDash val="solid"/>
+          <a:miter/>
+        </a:ln>
+        <a:ln w="38100" cap="flat" cmpd="sng" algn="ctr">
+          <a:solidFill>
+            <a:schemeClr val="phClr"/>
+          </a:solidFill>
+          <a:prstDash val="solid"/>
+          <a:miter/>
+        </a:ln>
+      </a:lnStyleLst>
+      <a:effectStyleLst>
+        <a:effectStyle>
+          <a:effectLst>
+            <a:outerShdw blurRad="40000" dist="20000" dir="5400000" rotWithShape="0">
+              <a:srgbClr val="000000">
+                <a:alpha val="38000"/>
+              </a:srgbClr>
+            </a:outerShdw>
+          </a:effectLst>
+        </a:effectStyle>
+        <a:effectStyle>
+          <a:effectLst>
+            <a:outerShdw blurRad="40000" dist="23000" dir="5400000" rotWithShape="0">
+              <a:srgbClr val="000000">
+                <a:alpha val="35000"/>
+              </a:srgbClr>
+            </a:outerShdw>
+          </a:effectLst>
+        </a:effectStyle>
+        <a:effectStyle>
+          <a:effectLst>
+            <a:outerShdw blurRad="40000" dist="23000" dir="5400000" rotWithShape="0">
+              <a:srgbClr val="000000">
+                <a:alpha val="35000"/>
+              </a:srgbClr>
+            </a:outerShdw>
+          </a:effectLst>
+          <a:scene3d>
+            <a:camera prst="orthographicFront">
+              <a:rot lat="0" lon="0" rev="0"/>
+            </a:camera>
+            <a:lightRig rig="threePt" dir="t">
+              <a:rot lat="0" lon="0" rev="1200000"/>
+            </a:lightRig>
+          </a:scene3d>
+          <a:sp3d>
+            <a:bevelT w="63500" h="25400"/>
+          </a:sp3d>
+        </a:effectStyle>
+      </a:effectStyleLst>
+      <a:bgFillStyleLst>
+        <a:solidFill>
+          <a:schemeClr val="phClr"/>
+        </a:solidFill>
+        <a:gradFill rotWithShape="1">
+          <a:gsLst>
+            <a:gs pos="0">
+              <a:schemeClr val="phClr">
+                <a:tint val="40000"/>
+                <a:satMod val="350000"/>
+              </a:schemeClr>
+            </a:gs>
+            <a:gs pos="40000">
+              <a:schemeClr val="phClr">
+                <a:tint val="45000"/>
+                <a:shade val="99000"/>
+                <a:satMod val="350000"/>
+              </a:schemeClr>
+            </a:gs>
+            <a:gs pos="100000">
+              <a:schemeClr val="phClr">
+                <a:shade val="20000"/>
+                <a:satMod val="255000"/>
+              </a:schemeClr>
+            </a:gs>
+          </a:gsLst>
+          <a:path path="circle">
+            <a:fillToRect l="50000" t="-80000" r="50000" b="180000"/>
+          </a:path>
+        </a:gradFill>
+        <a:gradFill rotWithShape="1">
+          <a:gsLst>
+            <a:gs pos="0">
+              <a:schemeClr val="phClr">
+                <a:tint val="80000"/>
+                <a:satMod val="300000"/>
+              </a:schemeClr>
+            </a:gs>
+            <a:gs pos="100000">
+              <a:schemeClr val="phClr">
+                <a:shade val="30000"/>
+                <a:satMod val="200000"/>
+              </a:schemeClr>
+            </a:gs>
+          </a:gsLst>
+          <a:path path="circle">
+            <a:fillToRect l="50000" t="50000" r="50000" b="50000"/>
+          </a:path>
+        </a:gradFill>
+      </a:bgFillStyleLst>
+    </a:fmtScheme>
+  </a:themeElements>
+</a:theme>
 </file>
--- a/Apresentação.pptx
+++ b/Apresentação.pptx
@@ -1,30 +1,125 @@
 
 <file path=ppt/presentation.xml><?xml version="1.0" encoding="utf-8"?>
-<p:presentation xmlns:a="http://schemas.openxmlformats.org/drawingml/2006/main" xmlns:p="http://schemas.openxmlformats.org/presentationml/2006/main" xmlns:r="http://schemas.openxmlformats.org/officeDocument/2006/relationships" xmlns:p14="http://schemas.microsoft.com/office/powerpoint/2010/main" xmlns:p15="http://schemas.microsoft.com/office/powerpoint/2012/main" xmlns:mc="http://schemas.openxmlformats.org/markup-compatibility/2006">
+<p:presentation xmlns:a="http://schemas.openxmlformats.org/drawingml/2006/main" xmlns:r="http://schemas.openxmlformats.org/officeDocument/2006/relationships" xmlns:p="http://schemas.openxmlformats.org/presentationml/2006/main">
   <p:sldMasterIdLst>
-    <p:sldMasterId id="2147483648" r:id="rId2"/>
-    <p:sldMasterId id="2147483661" r:id="rId3"/>
-    <p:sldMasterId id="2147483674" r:id="rId4"/>
+    <p:sldMasterId id="2147483648" r:id="rId1"/>
+    <p:sldMasterId id="2147483661" r:id="rId2"/>
+    <p:sldMasterId id="2147483674" r:id="rId3"/>
   </p:sldMasterIdLst>
   <p:sldIdLst>
-    <p:sldId id="256" r:id="rId5"/>
-    <p:sldId id="257" r:id="rId6"/>
-    <p:sldId id="258" r:id="rId7"/>
-    <p:sldId id="259" r:id="rId8"/>
-    <p:sldId id="260" r:id="rId9"/>
-    <p:sldId id="261" r:id="rId10"/>
-    <p:sldId id="262" r:id="rId11"/>
-    <p:sldId id="263" r:id="rId12"/>
-    <p:sldId id="264" r:id="rId13"/>
-    <p:sldId id="265" r:id="rId14"/>
+    <p:sldId id="256" r:id="rId4"/>
+    <p:sldId id="257" r:id="rId5"/>
+    <p:sldId id="258" r:id="rId6"/>
+    <p:sldId id="259" r:id="rId7"/>
+    <p:sldId id="260" r:id="rId8"/>
+    <p:sldId id="261" r:id="rId9"/>
+    <p:sldId id="262" r:id="rId10"/>
+    <p:sldId id="263" r:id="rId11"/>
+    <p:sldId id="264" r:id="rId12"/>
+    <p:sldId id="265" r:id="rId13"/>
   </p:sldIdLst>
   <p:sldSz cx="12192000" cy="6858000"/>
-  <p:notesSz cx="7559675" cy="10691812"/>
+  <p:notesSz cx="7559675" cy="10691813"/>
+  <p:defaultTextStyle>
+    <a:defPPr>
+      <a:defRPr lang="pt-PT"/>
+    </a:defPPr>
+    <a:lvl1pPr marL="0" algn="l" defTabSz="914400" rtl="0" eaLnBrk="1" latinLnBrk="0" hangingPunct="1">
+      <a:defRPr sz="1800" kern="1200">
+        <a:solidFill>
+          <a:schemeClr val="tx1"/>
+        </a:solidFill>
+        <a:latin typeface="+mn-lt"/>
+        <a:ea typeface="+mn-ea"/>
+        <a:cs typeface="+mn-cs"/>
+      </a:defRPr>
+    </a:lvl1pPr>
+    <a:lvl2pPr marL="457200" algn="l" defTabSz="914400" rtl="0" eaLnBrk="1" latinLnBrk="0" hangingPunct="1">
+      <a:defRPr sz="1800" kern="1200">
+        <a:solidFill>
+          <a:schemeClr val="tx1"/>
+        </a:solidFill>
+        <a:latin typeface="+mn-lt"/>
+        <a:ea typeface="+mn-ea"/>
+        <a:cs typeface="+mn-cs"/>
+      </a:defRPr>
+    </a:lvl2pPr>
+    <a:lvl3pPr marL="914400" algn="l" defTabSz="914400" rtl="0" eaLnBrk="1" latinLnBrk="0" hangingPunct="1">
+      <a:defRPr sz="1800" kern="1200">
+        <a:solidFill>
+          <a:schemeClr val="tx1"/>
+        </a:solidFill>
+        <a:latin typeface="+mn-lt"/>
+        <a:ea typeface="+mn-ea"/>
+        <a:cs typeface="+mn-cs"/>
+      </a:defRPr>
+    </a:lvl3pPr>
+    <a:lvl4pPr marL="1371600" algn="l" defTabSz="914400" rtl="0" eaLnBrk="1" latinLnBrk="0" hangingPunct="1">
+      <a:defRPr sz="1800" kern="1200">
+        <a:solidFill>
+          <a:schemeClr val="tx1"/>
+        </a:solidFill>
+        <a:latin typeface="+mn-lt"/>
+        <a:ea typeface="+mn-ea"/>
+        <a:cs typeface="+mn-cs"/>
+      </a:defRPr>
+    </a:lvl4pPr>
+    <a:lvl5pPr marL="1828800" algn="l" defTabSz="914400" rtl="0" eaLnBrk="1" latinLnBrk="0" hangingPunct="1">
+      <a:defRPr sz="1800" kern="1200">
+        <a:solidFill>
+          <a:schemeClr val="tx1"/>
+        </a:solidFill>
+        <a:latin typeface="+mn-lt"/>
+        <a:ea typeface="+mn-ea"/>
+        <a:cs typeface="+mn-cs"/>
+      </a:defRPr>
+    </a:lvl5pPr>
+    <a:lvl6pPr marL="2286000" algn="l" defTabSz="914400" rtl="0" eaLnBrk="1" latinLnBrk="0" hangingPunct="1">
+      <a:defRPr sz="1800" kern="1200">
+        <a:solidFill>
+          <a:schemeClr val="tx1"/>
+        </a:solidFill>
+        <a:latin typeface="+mn-lt"/>
+        <a:ea typeface="+mn-ea"/>
+        <a:cs typeface="+mn-cs"/>
+      </a:defRPr>
+    </a:lvl6pPr>
+    <a:lvl7pPr marL="2743200" algn="l" defTabSz="914400" rtl="0" eaLnBrk="1" latinLnBrk="0" hangingPunct="1">
+      <a:defRPr sz="1800" kern="1200">
+        <a:solidFill>
+          <a:schemeClr val="tx1"/>
+        </a:solidFill>
+        <a:latin typeface="+mn-lt"/>
+        <a:ea typeface="+mn-ea"/>
+        <a:cs typeface="+mn-cs"/>
+      </a:defRPr>
+    </a:lvl7pPr>
+    <a:lvl8pPr marL="3200400" algn="l" defTabSz="914400" rtl="0" eaLnBrk="1" latinLnBrk="0" hangingPunct="1">
+      <a:defRPr sz="1800" kern="1200">
+        <a:solidFill>
+          <a:schemeClr val="tx1"/>
+        </a:solidFill>
+        <a:latin typeface="+mn-lt"/>
+        <a:ea typeface="+mn-ea"/>
+        <a:cs typeface="+mn-cs"/>
+      </a:defRPr>
+    </a:lvl8pPr>
+    <a:lvl9pPr marL="3657600" algn="l" defTabSz="914400" rtl="0" eaLnBrk="1" latinLnBrk="0" hangingPunct="1">
+      <a:defRPr sz="1800" kern="1200">
+        <a:solidFill>
+          <a:schemeClr val="tx1"/>
+        </a:solidFill>
+        <a:latin typeface="+mn-lt"/>
+        <a:ea typeface="+mn-ea"/>
+        <a:cs typeface="+mn-cs"/>
+      </a:defRPr>
+    </a:lvl9pPr>
+  </p:defaultTextStyle>
 </p:presentation>
 </file>
 
 <file path=ppt/slideLayouts/slideLayout1.xml><?xml version="1.0" encoding="utf-8"?>
-<p:sldLayout xmlns:a="http://schemas.openxmlformats.org/drawingml/2006/main" xmlns:p="http://schemas.openxmlformats.org/presentationml/2006/main" xmlns:r="http://schemas.openxmlformats.org/officeDocument/2006/relationships" xmlns:p14="http://schemas.microsoft.com/office/powerpoint/2010/main" xmlns:p15="http://schemas.microsoft.com/office/powerpoint/2012/main" xmlns:mc="http://schemas.openxmlformats.org/markup-compatibility/2006" type="blank" preserve="1">
+<p:sldLayout xmlns:a="http://schemas.openxmlformats.org/drawingml/2006/main" xmlns:r="http://schemas.openxmlformats.org/officeDocument/2006/relationships" xmlns:p="http://schemas.openxmlformats.org/presentationml/2006/main" type="blank" preserve="1">
   <p:cSld name="Blank Slide">
     <p:spTree>
       <p:nvGrpSpPr>
@@ -42,11 +137,14 @@
       </p:grpSpPr>
     </p:spTree>
   </p:cSld>
+  <p:clrMapOvr>
+    <a:masterClrMapping/>
+  </p:clrMapOvr>
 </p:sldLayout>
 </file>
 
 <file path=ppt/slideLayouts/slideLayout10.xml><?xml version="1.0" encoding="utf-8"?>
-<p:sldLayout xmlns:a="http://schemas.openxmlformats.org/drawingml/2006/main" xmlns:p="http://schemas.openxmlformats.org/presentationml/2006/main" xmlns:r="http://schemas.openxmlformats.org/officeDocument/2006/relationships" xmlns:p14="http://schemas.microsoft.com/office/powerpoint/2010/main" xmlns:p15="http://schemas.microsoft.com/office/powerpoint/2012/main" xmlns:mc="http://schemas.openxmlformats.org/markup-compatibility/2006" type="objOverTx" preserve="1">
+<p:sldLayout xmlns:a="http://schemas.openxmlformats.org/drawingml/2006/main" xmlns:r="http://schemas.openxmlformats.org/officeDocument/2006/relationships" xmlns:p="http://schemas.openxmlformats.org/presentationml/2006/main" type="objOverTx" preserve="1">
   <p:cSld name="Title, Content over Content">
     <p:spTree>
       <p:nvGrpSpPr>
@@ -82,12 +180,13 @@
           </a:prstGeom>
         </p:spPr>
         <p:txBody>
-          <a:bodyPr lIns="0" rIns="0" tIns="0" bIns="0" anchor="ctr">
+          <a:bodyPr lIns="0" tIns="0" rIns="0" bIns="0" anchor="ctr">
             <a:noAutofit/>
           </a:bodyPr>
+          <a:lstStyle/>
           <a:p>
             <a:pPr algn="ctr"/>
-            <a:endParaRPr b="0" lang="pt-PT" sz="4400" spc="-1" strike="noStrike">
+            <a:endParaRPr lang="pt-PT" sz="4400" b="0" strike="noStrike" spc="-1">
               <a:latin typeface="Arial"/>
             </a:endParaRPr>
           </a:p>
@@ -113,11 +212,12 @@
           </a:prstGeom>
         </p:spPr>
         <p:txBody>
-          <a:bodyPr lIns="0" rIns="0" tIns="0" bIns="0">
+          <a:bodyPr lIns="0" tIns="0" rIns="0" bIns="0">
             <a:normAutofit/>
           </a:bodyPr>
-          <a:p>
-            <a:endParaRPr b="0" lang="pt-PT" sz="3200" spc="-1" strike="noStrike">
+          <a:lstStyle/>
+          <a:p>
+            <a:endParaRPr lang="pt-PT" sz="3200" b="0" strike="noStrike" spc="-1">
               <a:latin typeface="Arial"/>
             </a:endParaRPr>
           </a:p>
@@ -143,11 +243,12 @@
           </a:prstGeom>
         </p:spPr>
         <p:txBody>
-          <a:bodyPr lIns="0" rIns="0" tIns="0" bIns="0">
+          <a:bodyPr lIns="0" tIns="0" rIns="0" bIns="0">
             <a:normAutofit/>
           </a:bodyPr>
-          <a:p>
-            <a:endParaRPr b="0" lang="pt-PT" sz="3200" spc="-1" strike="noStrike">
+          <a:lstStyle/>
+          <a:p>
+            <a:endParaRPr lang="pt-PT" sz="3200" b="0" strike="noStrike" spc="-1">
               <a:latin typeface="Arial"/>
             </a:endParaRPr>
           </a:p>
@@ -155,11 +256,14 @@
       </p:sp>
     </p:spTree>
   </p:cSld>
+  <p:clrMapOvr>
+    <a:masterClrMapping/>
+  </p:clrMapOvr>
 </p:sldLayout>
 </file>
 
 <file path=ppt/slideLayouts/slideLayout11.xml><?xml version="1.0" encoding="utf-8"?>
-<p:sldLayout xmlns:a="http://schemas.openxmlformats.org/drawingml/2006/main" xmlns:p="http://schemas.openxmlformats.org/presentationml/2006/main" xmlns:r="http://schemas.openxmlformats.org/officeDocument/2006/relationships" xmlns:p14="http://schemas.microsoft.com/office/powerpoint/2010/main" xmlns:p15="http://schemas.microsoft.com/office/powerpoint/2012/main" xmlns:mc="http://schemas.openxmlformats.org/markup-compatibility/2006" type="fourObj" preserve="1">
+<p:sldLayout xmlns:a="http://schemas.openxmlformats.org/drawingml/2006/main" xmlns:r="http://schemas.openxmlformats.org/officeDocument/2006/relationships" xmlns:p="http://schemas.openxmlformats.org/presentationml/2006/main" type="fourObj" preserve="1">
   <p:cSld name="Title, 4 Content">
     <p:spTree>
       <p:nvGrpSpPr>
@@ -195,12 +299,13 @@
           </a:prstGeom>
         </p:spPr>
         <p:txBody>
-          <a:bodyPr lIns="0" rIns="0" tIns="0" bIns="0" anchor="ctr">
+          <a:bodyPr lIns="0" tIns="0" rIns="0" bIns="0" anchor="ctr">
             <a:noAutofit/>
           </a:bodyPr>
+          <a:lstStyle/>
           <a:p>
             <a:pPr algn="ctr"/>
-            <a:endParaRPr b="0" lang="pt-PT" sz="4400" spc="-1" strike="noStrike">
+            <a:endParaRPr lang="pt-PT" sz="4400" b="0" strike="noStrike" spc="-1">
               <a:latin typeface="Arial"/>
             </a:endParaRPr>
           </a:p>
@@ -226,11 +331,12 @@
           </a:prstGeom>
         </p:spPr>
         <p:txBody>
-          <a:bodyPr lIns="0" rIns="0" tIns="0" bIns="0">
+          <a:bodyPr lIns="0" tIns="0" rIns="0" bIns="0">
             <a:normAutofit/>
           </a:bodyPr>
-          <a:p>
-            <a:endParaRPr b="0" lang="pt-PT" sz="3200" spc="-1" strike="noStrike">
+          <a:lstStyle/>
+          <a:p>
+            <a:endParaRPr lang="pt-PT" sz="3200" b="0" strike="noStrike" spc="-1">
               <a:latin typeface="Arial"/>
             </a:endParaRPr>
           </a:p>
@@ -256,11 +362,12 @@
           </a:prstGeom>
         </p:spPr>
         <p:txBody>
-          <a:bodyPr lIns="0" rIns="0" tIns="0" bIns="0">
+          <a:bodyPr lIns="0" tIns="0" rIns="0" bIns="0">
             <a:normAutofit/>
           </a:bodyPr>
-          <a:p>
-            <a:endParaRPr b="0" lang="pt-PT" sz="3200" spc="-1" strike="noStrike">
+          <a:lstStyle/>
+          <a:p>
+            <a:endParaRPr lang="pt-PT" sz="3200" b="0" strike="noStrike" spc="-1">
               <a:latin typeface="Arial"/>
             </a:endParaRPr>
           </a:p>
@@ -286,11 +393,12 @@
           </a:prstGeom>
         </p:spPr>
         <p:txBody>
-          <a:bodyPr lIns="0" rIns="0" tIns="0" bIns="0">
+          <a:bodyPr lIns="0" tIns="0" rIns="0" bIns="0">
             <a:normAutofit/>
           </a:bodyPr>
-          <a:p>
-            <a:endParaRPr b="0" lang="pt-PT" sz="3200" spc="-1" strike="noStrike">
+          <a:lstStyle/>
+          <a:p>
+            <a:endParaRPr lang="pt-PT" sz="3200" b="0" strike="noStrike" spc="-1">
               <a:latin typeface="Arial"/>
             </a:endParaRPr>
           </a:p>
@@ -316,11 +424,12 @@
           </a:prstGeom>
         </p:spPr>
         <p:txBody>
-          <a:bodyPr lIns="0" rIns="0" tIns="0" bIns="0">
+          <a:bodyPr lIns="0" tIns="0" rIns="0" bIns="0">
             <a:normAutofit/>
           </a:bodyPr>
-          <a:p>
-            <a:endParaRPr b="0" lang="pt-PT" sz="3200" spc="-1" strike="noStrike">
+          <a:lstStyle/>
+          <a:p>
+            <a:endParaRPr lang="pt-PT" sz="3200" b="0" strike="noStrike" spc="-1">
               <a:latin typeface="Arial"/>
             </a:endParaRPr>
           </a:p>
@@ -328,11 +437,14 @@
       </p:sp>
     </p:spTree>
   </p:cSld>
+  <p:clrMapOvr>
+    <a:masterClrMapping/>
+  </p:clrMapOvr>
 </p:sldLayout>
 </file>
 
 <file path=ppt/slideLayouts/slideLayout12.xml><?xml version="1.0" encoding="utf-8"?>
-<p:sldLayout xmlns:a="http://schemas.openxmlformats.org/drawingml/2006/main" xmlns:p="http://schemas.openxmlformats.org/presentationml/2006/main" xmlns:r="http://schemas.openxmlformats.org/officeDocument/2006/relationships" xmlns:p14="http://schemas.microsoft.com/office/powerpoint/2010/main" xmlns:p15="http://schemas.microsoft.com/office/powerpoint/2012/main" xmlns:mc="http://schemas.openxmlformats.org/markup-compatibility/2006" type="blank" preserve="1">
+<p:sldLayout xmlns:a="http://schemas.openxmlformats.org/drawingml/2006/main" xmlns:r="http://schemas.openxmlformats.org/officeDocument/2006/relationships" xmlns:p="http://schemas.openxmlformats.org/presentationml/2006/main" type="blank" preserve="1">
   <p:cSld name="Title, 6 Content">
     <p:spTree>
       <p:nvGrpSpPr>
@@ -368,12 +480,13 @@
           </a:prstGeom>
         </p:spPr>
         <p:txBody>
-          <a:bodyPr lIns="0" rIns="0" tIns="0" bIns="0" anchor="ctr">
+          <a:bodyPr lIns="0" tIns="0" rIns="0" bIns="0" anchor="ctr">
             <a:noAutofit/>
           </a:bodyPr>
+          <a:lstStyle/>
           <a:p>
             <a:pPr algn="ctr"/>
-            <a:endParaRPr b="0" lang="pt-PT" sz="4400" spc="-1" strike="noStrike">
+            <a:endParaRPr lang="pt-PT" sz="4400" b="0" strike="noStrike" spc="-1">
               <a:latin typeface="Arial"/>
             </a:endParaRPr>
           </a:p>
@@ -399,11 +512,12 @@
           </a:prstGeom>
         </p:spPr>
         <p:txBody>
-          <a:bodyPr lIns="0" rIns="0" tIns="0" bIns="0">
+          <a:bodyPr lIns="0" tIns="0" rIns="0" bIns="0">
             <a:normAutofit/>
           </a:bodyPr>
-          <a:p>
-            <a:endParaRPr b="0" lang="pt-PT" sz="3200" spc="-1" strike="noStrike">
+          <a:lstStyle/>
+          <a:p>
+            <a:endParaRPr lang="pt-PT" sz="3200" b="0" strike="noStrike" spc="-1">
               <a:latin typeface="Arial"/>
             </a:endParaRPr>
           </a:p>
@@ -429,11 +543,12 @@
           </a:prstGeom>
         </p:spPr>
         <p:txBody>
-          <a:bodyPr lIns="0" rIns="0" tIns="0" bIns="0">
+          <a:bodyPr lIns="0" tIns="0" rIns="0" bIns="0">
             <a:normAutofit/>
           </a:bodyPr>
-          <a:p>
-            <a:endParaRPr b="0" lang="pt-PT" sz="3200" spc="-1" strike="noStrike">
+          <a:lstStyle/>
+          <a:p>
+            <a:endParaRPr lang="pt-PT" sz="3200" b="0" strike="noStrike" spc="-1">
               <a:latin typeface="Arial"/>
             </a:endParaRPr>
           </a:p>
@@ -459,11 +574,12 @@
           </a:prstGeom>
         </p:spPr>
         <p:txBody>
-          <a:bodyPr lIns="0" rIns="0" tIns="0" bIns="0">
+          <a:bodyPr lIns="0" tIns="0" rIns="0" bIns="0">
             <a:normAutofit/>
           </a:bodyPr>
-          <a:p>
-            <a:endParaRPr b="0" lang="pt-PT" sz="3200" spc="-1" strike="noStrike">
+          <a:lstStyle/>
+          <a:p>
+            <a:endParaRPr lang="pt-PT" sz="3200" b="0" strike="noStrike" spc="-1">
               <a:latin typeface="Arial"/>
             </a:endParaRPr>
           </a:p>
@@ -489,11 +605,12 @@
           </a:prstGeom>
         </p:spPr>
         <p:txBody>
-          <a:bodyPr lIns="0" rIns="0" tIns="0" bIns="0">
+          <a:bodyPr lIns="0" tIns="0" rIns="0" bIns="0">
             <a:normAutofit/>
           </a:bodyPr>
-          <a:p>
-            <a:endParaRPr b="0" lang="pt-PT" sz="3200" spc="-1" strike="noStrike">
+          <a:lstStyle/>
+          <a:p>
+            <a:endParaRPr lang="pt-PT" sz="3200" b="0" strike="noStrike" spc="-1">
               <a:latin typeface="Arial"/>
             </a:endParaRPr>
           </a:p>
@@ -519,11 +636,12 @@
           </a:prstGeom>
         </p:spPr>
         <p:txBody>
-          <a:bodyPr lIns="0" rIns="0" tIns="0" bIns="0">
+          <a:bodyPr lIns="0" tIns="0" rIns="0" bIns="0">
             <a:normAutofit/>
           </a:bodyPr>
-          <a:p>
-            <a:endParaRPr b="0" lang="pt-PT" sz="3200" spc="-1" strike="noStrike">
+          <a:lstStyle/>
+          <a:p>
+            <a:endParaRPr lang="pt-PT" sz="3200" b="0" strike="noStrike" spc="-1">
               <a:latin typeface="Arial"/>
             </a:endParaRPr>
           </a:p>
@@ -549,11 +667,12 @@
           </a:prstGeom>
         </p:spPr>
         <p:txBody>
-          <a:bodyPr lIns="0" rIns="0" tIns="0" bIns="0">
+          <a:bodyPr lIns="0" tIns="0" rIns="0" bIns="0">
             <a:normAutofit/>
           </a:bodyPr>
-          <a:p>
-            <a:endParaRPr b="0" lang="pt-PT" sz="3200" spc="-1" strike="noStrike">
+          <a:lstStyle/>
+          <a:p>
+            <a:endParaRPr lang="pt-PT" sz="3200" b="0" strike="noStrike" spc="-1">
               <a:latin typeface="Arial"/>
             </a:endParaRPr>
           </a:p>
@@ -561,11 +680,14 @@
       </p:sp>
     </p:spTree>
   </p:cSld>
+  <p:clrMapOvr>
+    <a:masterClrMapping/>
+  </p:clrMapOvr>
 </p:sldLayout>
 </file>
 
 <file path=ppt/slideLayouts/slideLayout13.xml><?xml version="1.0" encoding="utf-8"?>
-<p:sldLayout xmlns:a="http://schemas.openxmlformats.org/drawingml/2006/main" xmlns:p="http://schemas.openxmlformats.org/presentationml/2006/main" xmlns:r="http://schemas.openxmlformats.org/officeDocument/2006/relationships" xmlns:p14="http://schemas.microsoft.com/office/powerpoint/2010/main" xmlns:p15="http://schemas.microsoft.com/office/powerpoint/2012/main" xmlns:mc="http://schemas.openxmlformats.org/markup-compatibility/2006" type="blank" preserve="1">
+<p:sldLayout xmlns:a="http://schemas.openxmlformats.org/drawingml/2006/main" xmlns:r="http://schemas.openxmlformats.org/officeDocument/2006/relationships" xmlns:p="http://schemas.openxmlformats.org/presentationml/2006/main" type="blank" preserve="1">
   <p:cSld name="Blank Slide">
     <p:spTree>
       <p:nvGrpSpPr>
@@ -583,11 +705,14 @@
       </p:grpSpPr>
     </p:spTree>
   </p:cSld>
+  <p:clrMapOvr>
+    <a:masterClrMapping/>
+  </p:clrMapOvr>
 </p:sldLayout>
 </file>
 
 <file path=ppt/slideLayouts/slideLayout14.xml><?xml version="1.0" encoding="utf-8"?>
-<p:sldLayout xmlns:a="http://schemas.openxmlformats.org/drawingml/2006/main" xmlns:p="http://schemas.openxmlformats.org/presentationml/2006/main" xmlns:r="http://schemas.openxmlformats.org/officeDocument/2006/relationships" xmlns:p14="http://schemas.microsoft.com/office/powerpoint/2010/main" xmlns:p15="http://schemas.microsoft.com/office/powerpoint/2012/main" xmlns:mc="http://schemas.openxmlformats.org/markup-compatibility/2006" type="tx" preserve="1">
+<p:sldLayout xmlns:a="http://schemas.openxmlformats.org/drawingml/2006/main" xmlns:r="http://schemas.openxmlformats.org/officeDocument/2006/relationships" xmlns:p="http://schemas.openxmlformats.org/presentationml/2006/main" type="tx" preserve="1">
   <p:cSld name="Title Slide">
     <p:spTree>
       <p:nvGrpSpPr>
@@ -623,12 +748,13 @@
           </a:prstGeom>
         </p:spPr>
         <p:txBody>
-          <a:bodyPr lIns="0" rIns="0" tIns="0" bIns="0" anchor="ctr">
+          <a:bodyPr lIns="0" tIns="0" rIns="0" bIns="0" anchor="ctr">
             <a:noAutofit/>
           </a:bodyPr>
+          <a:lstStyle/>
           <a:p>
             <a:pPr algn="ctr"/>
-            <a:endParaRPr b="0" lang="pt-PT" sz="4400" spc="-1" strike="noStrike">
+            <a:endParaRPr lang="pt-PT" sz="4400" b="0" strike="noStrike" spc="-1">
               <a:latin typeface="Arial"/>
             </a:endParaRPr>
           </a:p>
@@ -654,12 +780,13 @@
           </a:prstGeom>
         </p:spPr>
         <p:txBody>
-          <a:bodyPr lIns="0" rIns="0" tIns="0" bIns="0" anchor="ctr">
+          <a:bodyPr lIns="0" tIns="0" rIns="0" bIns="0" anchor="ctr">
             <a:noAutofit/>
           </a:bodyPr>
+          <a:lstStyle/>
           <a:p>
             <a:pPr algn="ctr"/>
-            <a:endParaRPr b="0" lang="pt-PT" sz="3200" spc="-1" strike="noStrike">
+            <a:endParaRPr lang="pt-PT" sz="3200" b="0" strike="noStrike" spc="-1">
               <a:latin typeface="Arial"/>
             </a:endParaRPr>
           </a:p>
@@ -667,11 +794,14 @@
       </p:sp>
     </p:spTree>
   </p:cSld>
+  <p:clrMapOvr>
+    <a:masterClrMapping/>
+  </p:clrMapOvr>
 </p:sldLayout>
 </file>
 
 <file path=ppt/slideLayouts/slideLayout15.xml><?xml version="1.0" encoding="utf-8"?>
-<p:sldLayout xmlns:a="http://schemas.openxmlformats.org/drawingml/2006/main" xmlns:p="http://schemas.openxmlformats.org/presentationml/2006/main" xmlns:r="http://schemas.openxmlformats.org/officeDocument/2006/relationships" xmlns:p14="http://schemas.microsoft.com/office/powerpoint/2010/main" xmlns:p15="http://schemas.microsoft.com/office/powerpoint/2012/main" xmlns:mc="http://schemas.openxmlformats.org/markup-compatibility/2006" type="obj" preserve="1">
+<p:sldLayout xmlns:a="http://schemas.openxmlformats.org/drawingml/2006/main" xmlns:r="http://schemas.openxmlformats.org/officeDocument/2006/relationships" xmlns:p="http://schemas.openxmlformats.org/presentationml/2006/main" type="obj" preserve="1">
   <p:cSld name="Title, Content">
     <p:spTree>
       <p:nvGrpSpPr>
@@ -707,12 +837,13 @@
           </a:prstGeom>
         </p:spPr>
         <p:txBody>
-          <a:bodyPr lIns="0" rIns="0" tIns="0" bIns="0" anchor="ctr">
+          <a:bodyPr lIns="0" tIns="0" rIns="0" bIns="0" anchor="ctr">
             <a:noAutofit/>
           </a:bodyPr>
+          <a:lstStyle/>
           <a:p>
             <a:pPr algn="ctr"/>
-            <a:endParaRPr b="0" lang="pt-PT" sz="4400" spc="-1" strike="noStrike">
+            <a:endParaRPr lang="pt-PT" sz="4400" b="0" strike="noStrike" spc="-1">
               <a:latin typeface="Arial"/>
             </a:endParaRPr>
           </a:p>
@@ -738,11 +869,12 @@
           </a:prstGeom>
         </p:spPr>
         <p:txBody>
-          <a:bodyPr lIns="0" rIns="0" tIns="0" bIns="0">
+          <a:bodyPr lIns="0" tIns="0" rIns="0" bIns="0">
             <a:normAutofit/>
           </a:bodyPr>
-          <a:p>
-            <a:endParaRPr b="0" lang="pt-PT" sz="3200" spc="-1" strike="noStrike">
+          <a:lstStyle/>
+          <a:p>
+            <a:endParaRPr lang="pt-PT" sz="3200" b="0" strike="noStrike" spc="-1">
               <a:latin typeface="Arial"/>
             </a:endParaRPr>
           </a:p>
@@ -750,11 +882,14 @@
       </p:sp>
     </p:spTree>
   </p:cSld>
+  <p:clrMapOvr>
+    <a:masterClrMapping/>
+  </p:clrMapOvr>
 </p:sldLayout>
 </file>
 
 <file path=ppt/slideLayouts/slideLayout16.xml><?xml version="1.0" encoding="utf-8"?>
-<p:sldLayout xmlns:a="http://schemas.openxmlformats.org/drawingml/2006/main" xmlns:p="http://schemas.openxmlformats.org/presentationml/2006/main" xmlns:r="http://schemas.openxmlformats.org/officeDocument/2006/relationships" xmlns:p14="http://schemas.microsoft.com/office/powerpoint/2010/main" xmlns:p15="http://schemas.microsoft.com/office/powerpoint/2012/main" xmlns:mc="http://schemas.openxmlformats.org/markup-compatibility/2006" type="twoObj" preserve="1">
+<p:sldLayout xmlns:a="http://schemas.openxmlformats.org/drawingml/2006/main" xmlns:r="http://schemas.openxmlformats.org/officeDocument/2006/relationships" xmlns:p="http://schemas.openxmlformats.org/presentationml/2006/main" type="twoObj" preserve="1">
   <p:cSld name="Title, 2 Content">
     <p:spTree>
       <p:nvGrpSpPr>
@@ -790,12 +925,13 @@
           </a:prstGeom>
         </p:spPr>
         <p:txBody>
-          <a:bodyPr lIns="0" rIns="0" tIns="0" bIns="0" anchor="ctr">
+          <a:bodyPr lIns="0" tIns="0" rIns="0" bIns="0" anchor="ctr">
             <a:noAutofit/>
           </a:bodyPr>
+          <a:lstStyle/>
           <a:p>
             <a:pPr algn="ctr"/>
-            <a:endParaRPr b="0" lang="pt-PT" sz="4400" spc="-1" strike="noStrike">
+            <a:endParaRPr lang="pt-PT" sz="4400" b="0" strike="noStrike" spc="-1">
               <a:latin typeface="Arial"/>
             </a:endParaRPr>
           </a:p>
@@ -821,11 +957,12 @@
           </a:prstGeom>
         </p:spPr>
         <p:txBody>
-          <a:bodyPr lIns="0" rIns="0" tIns="0" bIns="0">
+          <a:bodyPr lIns="0" tIns="0" rIns="0" bIns="0">
             <a:normAutofit/>
           </a:bodyPr>
-          <a:p>
-            <a:endParaRPr b="0" lang="pt-PT" sz="3200" spc="-1" strike="noStrike">
+          <a:lstStyle/>
+          <a:p>
+            <a:endParaRPr lang="pt-PT" sz="3200" b="0" strike="noStrike" spc="-1">
               <a:latin typeface="Arial"/>
             </a:endParaRPr>
           </a:p>
@@ -851,11 +988,12 @@
           </a:prstGeom>
         </p:spPr>
         <p:txBody>
-          <a:bodyPr lIns="0" rIns="0" tIns="0" bIns="0">
+          <a:bodyPr lIns="0" tIns="0" rIns="0" bIns="0">
             <a:normAutofit/>
           </a:bodyPr>
-          <a:p>
-            <a:endParaRPr b="0" lang="pt-PT" sz="3200" spc="-1" strike="noStrike">
+          <a:lstStyle/>
+          <a:p>
+            <a:endParaRPr lang="pt-PT" sz="3200" b="0" strike="noStrike" spc="-1">
               <a:latin typeface="Arial"/>
             </a:endParaRPr>
           </a:p>
@@ -863,11 +1001,14 @@
       </p:sp>
     </p:spTree>
   </p:cSld>
+  <p:clrMapOvr>
+    <a:masterClrMapping/>
+  </p:clrMapOvr>
 </p:sldLayout>
 </file>
 
 <file path=ppt/slideLayouts/slideLayout17.xml><?xml version="1.0" encoding="utf-8"?>
-<p:sldLayout xmlns:a="http://schemas.openxmlformats.org/drawingml/2006/main" xmlns:p="http://schemas.openxmlformats.org/presentationml/2006/main" xmlns:r="http://schemas.openxmlformats.org/officeDocument/2006/relationships" xmlns:p14="http://schemas.microsoft.com/office/powerpoint/2010/main" xmlns:p15="http://schemas.microsoft.com/office/powerpoint/2012/main" xmlns:mc="http://schemas.openxmlformats.org/markup-compatibility/2006" type="titleOnly" preserve="1">
+<p:sldLayout xmlns:a="http://schemas.openxmlformats.org/drawingml/2006/main" xmlns:r="http://schemas.openxmlformats.org/officeDocument/2006/relationships" xmlns:p="http://schemas.openxmlformats.org/presentationml/2006/main" type="titleOnly" preserve="1">
   <p:cSld name="Title Only">
     <p:spTree>
       <p:nvGrpSpPr>
@@ -903,12 +1044,13 @@
           </a:prstGeom>
         </p:spPr>
         <p:txBody>
-          <a:bodyPr lIns="0" rIns="0" tIns="0" bIns="0" anchor="ctr">
+          <a:bodyPr lIns="0" tIns="0" rIns="0" bIns="0" anchor="ctr">
             <a:noAutofit/>
           </a:bodyPr>
+          <a:lstStyle/>
           <a:p>
             <a:pPr algn="ctr"/>
-            <a:endParaRPr b="0" lang="pt-PT" sz="4400" spc="-1" strike="noStrike">
+            <a:endParaRPr lang="pt-PT" sz="4400" b="0" strike="noStrike" spc="-1">
               <a:latin typeface="Arial"/>
             </a:endParaRPr>
           </a:p>
@@ -916,11 +1058,14 @@
       </p:sp>
     </p:spTree>
   </p:cSld>
+  <p:clrMapOvr>
+    <a:masterClrMapping/>
+  </p:clrMapOvr>
 </p:sldLayout>
 </file>
 
 <file path=ppt/slideLayouts/slideLayout18.xml><?xml version="1.0" encoding="utf-8"?>
-<p:sldLayout xmlns:a="http://schemas.openxmlformats.org/drawingml/2006/main" xmlns:p="http://schemas.openxmlformats.org/presentationml/2006/main" xmlns:r="http://schemas.openxmlformats.org/officeDocument/2006/relationships" xmlns:p14="http://schemas.microsoft.com/office/powerpoint/2010/main" xmlns:p15="http://schemas.microsoft.com/office/powerpoint/2012/main" xmlns:mc="http://schemas.openxmlformats.org/markup-compatibility/2006" type="objOnly" preserve="1">
+<p:sldLayout xmlns:a="http://schemas.openxmlformats.org/drawingml/2006/main" xmlns:r="http://schemas.openxmlformats.org/officeDocument/2006/relationships" xmlns:p="http://schemas.openxmlformats.org/presentationml/2006/main" type="objOnly" preserve="1">
   <p:cSld name="Centered Text">
     <p:spTree>
       <p:nvGrpSpPr>
@@ -956,12 +1101,13 @@
           </a:prstGeom>
         </p:spPr>
         <p:txBody>
-          <a:bodyPr lIns="0" rIns="0" tIns="0" bIns="0" anchor="ctr">
+          <a:bodyPr lIns="0" tIns="0" rIns="0" bIns="0" anchor="ctr">
             <a:noAutofit/>
           </a:bodyPr>
+          <a:lstStyle/>
           <a:p>
             <a:pPr algn="ctr"/>
-            <a:endParaRPr b="0" lang="pt-PT" sz="3200" spc="-1" strike="noStrike">
+            <a:endParaRPr lang="pt-PT" sz="3200" b="0" strike="noStrike" spc="-1">
               <a:latin typeface="Arial"/>
             </a:endParaRPr>
           </a:p>
@@ -969,11 +1115,14 @@
       </p:sp>
     </p:spTree>
   </p:cSld>
+  <p:clrMapOvr>
+    <a:masterClrMapping/>
+  </p:clrMapOvr>
 </p:sldLayout>
 </file>
 
 <file path=ppt/slideLayouts/slideLayout19.xml><?xml version="1.0" encoding="utf-8"?>
-<p:sldLayout xmlns:a="http://schemas.openxmlformats.org/drawingml/2006/main" xmlns:p="http://schemas.openxmlformats.org/presentationml/2006/main" xmlns:r="http://schemas.openxmlformats.org/officeDocument/2006/relationships" xmlns:p14="http://schemas.microsoft.com/office/powerpoint/2010/main" xmlns:p15="http://schemas.microsoft.com/office/powerpoint/2012/main" xmlns:mc="http://schemas.openxmlformats.org/markup-compatibility/2006" type="twoObjAndObj" preserve="1">
+<p:sldLayout xmlns:a="http://schemas.openxmlformats.org/drawingml/2006/main" xmlns:r="http://schemas.openxmlformats.org/officeDocument/2006/relationships" xmlns:p="http://schemas.openxmlformats.org/presentationml/2006/main" type="twoObjAndObj" preserve="1">
   <p:cSld name="Title, 2 Content and Content">
     <p:spTree>
       <p:nvGrpSpPr>
@@ -1009,12 +1158,13 @@
           </a:prstGeom>
         </p:spPr>
         <p:txBody>
-          <a:bodyPr lIns="0" rIns="0" tIns="0" bIns="0" anchor="ctr">
+          <a:bodyPr lIns="0" tIns="0" rIns="0" bIns="0" anchor="ctr">
             <a:noAutofit/>
           </a:bodyPr>
+          <a:lstStyle/>
           <a:p>
             <a:pPr algn="ctr"/>
-            <a:endParaRPr b="0" lang="pt-PT" sz="4400" spc="-1" strike="noStrike">
+            <a:endParaRPr lang="pt-PT" sz="4400" b="0" strike="noStrike" spc="-1">
               <a:latin typeface="Arial"/>
             </a:endParaRPr>
           </a:p>
@@ -1040,11 +1190,12 @@
           </a:prstGeom>
         </p:spPr>
         <p:txBody>
-          <a:bodyPr lIns="0" rIns="0" tIns="0" bIns="0">
+          <a:bodyPr lIns="0" tIns="0" rIns="0" bIns="0">
             <a:normAutofit/>
           </a:bodyPr>
-          <a:p>
-            <a:endParaRPr b="0" lang="pt-PT" sz="3200" spc="-1" strike="noStrike">
+          <a:lstStyle/>
+          <a:p>
+            <a:endParaRPr lang="pt-PT" sz="3200" b="0" strike="noStrike" spc="-1">
               <a:latin typeface="Arial"/>
             </a:endParaRPr>
           </a:p>
@@ -1070,11 +1221,12 @@
           </a:prstGeom>
         </p:spPr>
         <p:txBody>
-          <a:bodyPr lIns="0" rIns="0" tIns="0" bIns="0">
+          <a:bodyPr lIns="0" tIns="0" rIns="0" bIns="0">
             <a:normAutofit/>
           </a:bodyPr>
-          <a:p>
-            <a:endParaRPr b="0" lang="pt-PT" sz="3200" spc="-1" strike="noStrike">
+          <a:lstStyle/>
+          <a:p>
+            <a:endParaRPr lang="pt-PT" sz="3200" b="0" strike="noStrike" spc="-1">
               <a:latin typeface="Arial"/>
             </a:endParaRPr>
           </a:p>
@@ -1100,11 +1252,12 @@
           </a:prstGeom>
         </p:spPr>
         <p:txBody>
-          <a:bodyPr lIns="0" rIns="0" tIns="0" bIns="0">
+          <a:bodyPr lIns="0" tIns="0" rIns="0" bIns="0">
             <a:normAutofit/>
           </a:bodyPr>
-          <a:p>
-            <a:endParaRPr b="0" lang="pt-PT" sz="3200" spc="-1" strike="noStrike">
+          <a:lstStyle/>
+          <a:p>
+            <a:endParaRPr lang="pt-PT" sz="3200" b="0" strike="noStrike" spc="-1">
               <a:latin typeface="Arial"/>
             </a:endParaRPr>
           </a:p>
@@ -1112,11 +1265,14 @@
       </p:sp>
     </p:spTree>
   </p:cSld>
+  <p:clrMapOvr>
+    <a:masterClrMapping/>
+  </p:clrMapOvr>
 </p:sldLayout>
 </file>
 
 <file path=ppt/slideLayouts/slideLayout2.xml><?xml version="1.0" encoding="utf-8"?>
-<p:sldLayout xmlns:a="http://schemas.openxmlformats.org/drawingml/2006/main" xmlns:p="http://schemas.openxmlformats.org/presentationml/2006/main" xmlns:r="http://schemas.openxmlformats.org/officeDocument/2006/relationships" xmlns:p14="http://schemas.microsoft.com/office/powerpoint/2010/main" xmlns:p15="http://schemas.microsoft.com/office/powerpoint/2012/main" xmlns:mc="http://schemas.openxmlformats.org/markup-compatibility/2006" type="tx" preserve="1">
+<p:sldLayout xmlns:a="http://schemas.openxmlformats.org/drawingml/2006/main" xmlns:r="http://schemas.openxmlformats.org/officeDocument/2006/relationships" xmlns:p="http://schemas.openxmlformats.org/presentationml/2006/main" type="tx" preserve="1">
   <p:cSld name="Title Slide">
     <p:spTree>
       <p:nvGrpSpPr>
@@ -1152,12 +1308,13 @@
           </a:prstGeom>
         </p:spPr>
         <p:txBody>
-          <a:bodyPr lIns="0" rIns="0" tIns="0" bIns="0" anchor="ctr">
+          <a:bodyPr lIns="0" tIns="0" rIns="0" bIns="0" anchor="ctr">
             <a:noAutofit/>
           </a:bodyPr>
+          <a:lstStyle/>
           <a:p>
             <a:pPr algn="ctr"/>
-            <a:endParaRPr b="0" lang="pt-PT" sz="4400" spc="-1" strike="noStrike">
+            <a:endParaRPr lang="pt-PT" sz="4400" b="0" strike="noStrike" spc="-1">
               <a:latin typeface="Arial"/>
             </a:endParaRPr>
           </a:p>
@@ -1183,12 +1340,13 @@
           </a:prstGeom>
         </p:spPr>
         <p:txBody>
-          <a:bodyPr lIns="0" rIns="0" tIns="0" bIns="0" anchor="ctr">
+          <a:bodyPr lIns="0" tIns="0" rIns="0" bIns="0" anchor="ctr">
             <a:noAutofit/>
           </a:bodyPr>
+          <a:lstStyle/>
           <a:p>
             <a:pPr algn="ctr"/>
-            <a:endParaRPr b="0" lang="pt-PT" sz="3200" spc="-1" strike="noStrike">
+            <a:endParaRPr lang="pt-PT" sz="3200" b="0" strike="noStrike" spc="-1">
               <a:latin typeface="Arial"/>
             </a:endParaRPr>
           </a:p>
@@ -1196,11 +1354,14 @@
       </p:sp>
     </p:spTree>
   </p:cSld>
+  <p:clrMapOvr>
+    <a:masterClrMapping/>
+  </p:clrMapOvr>
 </p:sldLayout>
 </file>
 
 <file path=ppt/slideLayouts/slideLayout20.xml><?xml version="1.0" encoding="utf-8"?>
-<p:sldLayout xmlns:a="http://schemas.openxmlformats.org/drawingml/2006/main" xmlns:p="http://schemas.openxmlformats.org/presentationml/2006/main" xmlns:r="http://schemas.openxmlformats.org/officeDocument/2006/relationships" xmlns:p14="http://schemas.microsoft.com/office/powerpoint/2010/main" xmlns:p15="http://schemas.microsoft.com/office/powerpoint/2012/main" xmlns:mc="http://schemas.openxmlformats.org/markup-compatibility/2006" type="objAndTwoObj" preserve="1">
+<p:sldLayout xmlns:a="http://schemas.openxmlformats.org/drawingml/2006/main" xmlns:r="http://schemas.openxmlformats.org/officeDocument/2006/relationships" xmlns:p="http://schemas.openxmlformats.org/presentationml/2006/main" type="objAndTwoObj" preserve="1">
   <p:cSld name="Title Content and 2 Content">
     <p:spTree>
       <p:nvGrpSpPr>
@@ -1236,12 +1397,13 @@
           </a:prstGeom>
         </p:spPr>
         <p:txBody>
-          <a:bodyPr lIns="0" rIns="0" tIns="0" bIns="0" anchor="ctr">
+          <a:bodyPr lIns="0" tIns="0" rIns="0" bIns="0" anchor="ctr">
             <a:noAutofit/>
           </a:bodyPr>
+          <a:lstStyle/>
           <a:p>
             <a:pPr algn="ctr"/>
-            <a:endParaRPr b="0" lang="pt-PT" sz="4400" spc="-1" strike="noStrike">
+            <a:endParaRPr lang="pt-PT" sz="4400" b="0" strike="noStrike" spc="-1">
               <a:latin typeface="Arial"/>
             </a:endParaRPr>
           </a:p>
@@ -1267,11 +1429,12 @@
           </a:prstGeom>
         </p:spPr>
         <p:txBody>
-          <a:bodyPr lIns="0" rIns="0" tIns="0" bIns="0">
+          <a:bodyPr lIns="0" tIns="0" rIns="0" bIns="0">
             <a:normAutofit/>
           </a:bodyPr>
-          <a:p>
-            <a:endParaRPr b="0" lang="pt-PT" sz="3200" spc="-1" strike="noStrike">
+          <a:lstStyle/>
+          <a:p>
+            <a:endParaRPr lang="pt-PT" sz="3200" b="0" strike="noStrike" spc="-1">
               <a:latin typeface="Arial"/>
             </a:endParaRPr>
           </a:p>
@@ -1297,11 +1460,12 @@
           </a:prstGeom>
         </p:spPr>
         <p:txBody>
-          <a:bodyPr lIns="0" rIns="0" tIns="0" bIns="0">
+          <a:bodyPr lIns="0" tIns="0" rIns="0" bIns="0">
             <a:normAutofit/>
           </a:bodyPr>
-          <a:p>
-            <a:endParaRPr b="0" lang="pt-PT" sz="3200" spc="-1" strike="noStrike">
+          <a:lstStyle/>
+          <a:p>
+            <a:endParaRPr lang="pt-PT" sz="3200" b="0" strike="noStrike" spc="-1">
               <a:latin typeface="Arial"/>
             </a:endParaRPr>
           </a:p>
@@ -1327,11 +1491,12 @@
           </a:prstGeom>
         </p:spPr>
         <p:txBody>
-          <a:bodyPr lIns="0" rIns="0" tIns="0" bIns="0">
+          <a:bodyPr lIns="0" tIns="0" rIns="0" bIns="0">
             <a:normAutofit/>
           </a:bodyPr>
-          <a:p>
-            <a:endParaRPr b="0" lang="pt-PT" sz="3200" spc="-1" strike="noStrike">
+          <a:lstStyle/>
+          <a:p>
+            <a:endParaRPr lang="pt-PT" sz="3200" b="0" strike="noStrike" spc="-1">
               <a:latin typeface="Arial"/>
             </a:endParaRPr>
           </a:p>
@@ -1339,11 +1504,14 @@
       </p:sp>
     </p:spTree>
   </p:cSld>
+  <p:clrMapOvr>
+    <a:masterClrMapping/>
+  </p:clrMapOvr>
 </p:sldLayout>
 </file>
 
 <file path=ppt/slideLayouts/slideLayout21.xml><?xml version="1.0" encoding="utf-8"?>
-<p:sldLayout xmlns:a="http://schemas.openxmlformats.org/drawingml/2006/main" xmlns:p="http://schemas.openxmlformats.org/presentationml/2006/main" xmlns:r="http://schemas.openxmlformats.org/officeDocument/2006/relationships" xmlns:p14="http://schemas.microsoft.com/office/powerpoint/2010/main" xmlns:p15="http://schemas.microsoft.com/office/powerpoint/2012/main" xmlns:mc="http://schemas.openxmlformats.org/markup-compatibility/2006" type="twoObjOverTx" preserve="1">
+<p:sldLayout xmlns:a="http://schemas.openxmlformats.org/drawingml/2006/main" xmlns:r="http://schemas.openxmlformats.org/officeDocument/2006/relationships" xmlns:p="http://schemas.openxmlformats.org/presentationml/2006/main" type="twoObjOverTx" preserve="1">
   <p:cSld name="Title, 2 Content over Content">
     <p:spTree>
       <p:nvGrpSpPr>
@@ -1379,12 +1547,13 @@
           </a:prstGeom>
         </p:spPr>
         <p:txBody>
-          <a:bodyPr lIns="0" rIns="0" tIns="0" bIns="0" anchor="ctr">
+          <a:bodyPr lIns="0" tIns="0" rIns="0" bIns="0" anchor="ctr">
             <a:noAutofit/>
           </a:bodyPr>
+          <a:lstStyle/>
           <a:p>
             <a:pPr algn="ctr"/>
-            <a:endParaRPr b="0" lang="pt-PT" sz="4400" spc="-1" strike="noStrike">
+            <a:endParaRPr lang="pt-PT" sz="4400" b="0" strike="noStrike" spc="-1">
               <a:latin typeface="Arial"/>
             </a:endParaRPr>
           </a:p>
@@ -1410,11 +1579,12 @@
           </a:prstGeom>
         </p:spPr>
         <p:txBody>
-          <a:bodyPr lIns="0" rIns="0" tIns="0" bIns="0">
+          <a:bodyPr lIns="0" tIns="0" rIns="0" bIns="0">
             <a:normAutofit/>
           </a:bodyPr>
-          <a:p>
-            <a:endParaRPr b="0" lang="pt-PT" sz="3200" spc="-1" strike="noStrike">
+          <a:lstStyle/>
+          <a:p>
+            <a:endParaRPr lang="pt-PT" sz="3200" b="0" strike="noStrike" spc="-1">
               <a:latin typeface="Arial"/>
             </a:endParaRPr>
           </a:p>
@@ -1440,11 +1610,12 @@
           </a:prstGeom>
         </p:spPr>
         <p:txBody>
-          <a:bodyPr lIns="0" rIns="0" tIns="0" bIns="0">
+          <a:bodyPr lIns="0" tIns="0" rIns="0" bIns="0">
             <a:normAutofit/>
           </a:bodyPr>
-          <a:p>
-            <a:endParaRPr b="0" lang="pt-PT" sz="3200" spc="-1" strike="noStrike">
+          <a:lstStyle/>
+          <a:p>
+            <a:endParaRPr lang="pt-PT" sz="3200" b="0" strike="noStrike" spc="-1">
               <a:latin typeface="Arial"/>
             </a:endParaRPr>
           </a:p>
@@ -1470,11 +1641,12 @@
           </a:prstGeom>
         </p:spPr>
         <p:txBody>
-          <a:bodyPr lIns="0" rIns="0" tIns="0" bIns="0">
+          <a:bodyPr lIns="0" tIns="0" rIns="0" bIns="0">
             <a:normAutofit/>
           </a:bodyPr>
-          <a:p>
-            <a:endParaRPr b="0" lang="pt-PT" sz="3200" spc="-1" strike="noStrike">
+          <a:lstStyle/>
+          <a:p>
+            <a:endParaRPr lang="pt-PT" sz="3200" b="0" strike="noStrike" spc="-1">
               <a:latin typeface="Arial"/>
             </a:endParaRPr>
           </a:p>
@@ -1482,11 +1654,14 @@
       </p:sp>
     </p:spTree>
   </p:cSld>
+  <p:clrMapOvr>
+    <a:masterClrMapping/>
+  </p:clrMapOvr>
 </p:sldLayout>
 </file>
 
 <file path=ppt/slideLayouts/slideLayout22.xml><?xml version="1.0" encoding="utf-8"?>
-<p:sldLayout xmlns:a="http://schemas.openxmlformats.org/drawingml/2006/main" xmlns:p="http://schemas.openxmlformats.org/presentationml/2006/main" xmlns:r="http://schemas.openxmlformats.org/officeDocument/2006/relationships" xmlns:p14="http://schemas.microsoft.com/office/powerpoint/2010/main" xmlns:p15="http://schemas.microsoft.com/office/powerpoint/2012/main" xmlns:mc="http://schemas.openxmlformats.org/markup-compatibility/2006" type="objOverTx" preserve="1">
+<p:sldLayout xmlns:a="http://schemas.openxmlformats.org/drawingml/2006/main" xmlns:r="http://schemas.openxmlformats.org/officeDocument/2006/relationships" xmlns:p="http://schemas.openxmlformats.org/presentationml/2006/main" type="objOverTx" preserve="1">
   <p:cSld name="Title, Content over Content">
     <p:spTree>
       <p:nvGrpSpPr>
@@ -1522,12 +1697,13 @@
           </a:prstGeom>
         </p:spPr>
         <p:txBody>
-          <a:bodyPr lIns="0" rIns="0" tIns="0" bIns="0" anchor="ctr">
+          <a:bodyPr lIns="0" tIns="0" rIns="0" bIns="0" anchor="ctr">
             <a:noAutofit/>
           </a:bodyPr>
+          <a:lstStyle/>
           <a:p>
             <a:pPr algn="ctr"/>
-            <a:endParaRPr b="0" lang="pt-PT" sz="4400" spc="-1" strike="noStrike">
+            <a:endParaRPr lang="pt-PT" sz="4400" b="0" strike="noStrike" spc="-1">
               <a:latin typeface="Arial"/>
             </a:endParaRPr>
           </a:p>
@@ -1553,11 +1729,12 @@
           </a:prstGeom>
         </p:spPr>
         <p:txBody>
-          <a:bodyPr lIns="0" rIns="0" tIns="0" bIns="0">
+          <a:bodyPr lIns="0" tIns="0" rIns="0" bIns="0">
             <a:normAutofit/>
           </a:bodyPr>
-          <a:p>
-            <a:endParaRPr b="0" lang="pt-PT" sz="3200" spc="-1" strike="noStrike">
+          <a:lstStyle/>
+          <a:p>
+            <a:endParaRPr lang="pt-PT" sz="3200" b="0" strike="noStrike" spc="-1">
               <a:latin typeface="Arial"/>
             </a:endParaRPr>
           </a:p>
@@ -1583,11 +1760,12 @@
           </a:prstGeom>
         </p:spPr>
         <p:txBody>
-          <a:bodyPr lIns="0" rIns="0" tIns="0" bIns="0">
+          <a:bodyPr lIns="0" tIns="0" rIns="0" bIns="0">
             <a:normAutofit/>
           </a:bodyPr>
-          <a:p>
-            <a:endParaRPr b="0" lang="pt-PT" sz="3200" spc="-1" strike="noStrike">
+          <a:lstStyle/>
+          <a:p>
+            <a:endParaRPr lang="pt-PT" sz="3200" b="0" strike="noStrike" spc="-1">
               <a:latin typeface="Arial"/>
             </a:endParaRPr>
           </a:p>
@@ -1595,11 +1773,14 @@
       </p:sp>
     </p:spTree>
   </p:cSld>
+  <p:clrMapOvr>
+    <a:masterClrMapping/>
+  </p:clrMapOvr>
 </p:sldLayout>
 </file>
 
 <file path=ppt/slideLayouts/slideLayout23.xml><?xml version="1.0" encoding="utf-8"?>
-<p:sldLayout xmlns:a="http://schemas.openxmlformats.org/drawingml/2006/main" xmlns:p="http://schemas.openxmlformats.org/presentationml/2006/main" xmlns:r="http://schemas.openxmlformats.org/officeDocument/2006/relationships" xmlns:p14="http://schemas.microsoft.com/office/powerpoint/2010/main" xmlns:p15="http://schemas.microsoft.com/office/powerpoint/2012/main" xmlns:mc="http://schemas.openxmlformats.org/markup-compatibility/2006" type="fourObj" preserve="1">
+<p:sldLayout xmlns:a="http://schemas.openxmlformats.org/drawingml/2006/main" xmlns:r="http://schemas.openxmlformats.org/officeDocument/2006/relationships" xmlns:p="http://schemas.openxmlformats.org/presentationml/2006/main" type="fourObj" preserve="1">
   <p:cSld name="Title, 4 Content">
     <p:spTree>
       <p:nvGrpSpPr>
@@ -1635,12 +1816,13 @@
           </a:prstGeom>
         </p:spPr>
         <p:txBody>
-          <a:bodyPr lIns="0" rIns="0" tIns="0" bIns="0" anchor="ctr">
+          <a:bodyPr lIns="0" tIns="0" rIns="0" bIns="0" anchor="ctr">
             <a:noAutofit/>
           </a:bodyPr>
+          <a:lstStyle/>
           <a:p>
             <a:pPr algn="ctr"/>
-            <a:endParaRPr b="0" lang="pt-PT" sz="4400" spc="-1" strike="noStrike">
+            <a:endParaRPr lang="pt-PT" sz="4400" b="0" strike="noStrike" spc="-1">
               <a:latin typeface="Arial"/>
             </a:endParaRPr>
           </a:p>
@@ -1666,11 +1848,12 @@
           </a:prstGeom>
         </p:spPr>
         <p:txBody>
-          <a:bodyPr lIns="0" rIns="0" tIns="0" bIns="0">
+          <a:bodyPr lIns="0" tIns="0" rIns="0" bIns="0">
             <a:normAutofit/>
           </a:bodyPr>
-          <a:p>
-            <a:endParaRPr b="0" lang="pt-PT" sz="3200" spc="-1" strike="noStrike">
+          <a:lstStyle/>
+          <a:p>
+            <a:endParaRPr lang="pt-PT" sz="3200" b="0" strike="noStrike" spc="-1">
               <a:latin typeface="Arial"/>
             </a:endParaRPr>
           </a:p>
@@ -1696,11 +1879,12 @@
           </a:prstGeom>
         </p:spPr>
         <p:txBody>
-          <a:bodyPr lIns="0" rIns="0" tIns="0" bIns="0">
+          <a:bodyPr lIns="0" tIns="0" rIns="0" bIns="0">
             <a:normAutofit/>
           </a:bodyPr>
-          <a:p>
-            <a:endParaRPr b="0" lang="pt-PT" sz="3200" spc="-1" strike="noStrike">
+          <a:lstStyle/>
+          <a:p>
+            <a:endParaRPr lang="pt-PT" sz="3200" b="0" strike="noStrike" spc="-1">
               <a:latin typeface="Arial"/>
             </a:endParaRPr>
           </a:p>
@@ -1726,11 +1910,12 @@
           </a:prstGeom>
         </p:spPr>
         <p:txBody>
-          <a:bodyPr lIns="0" rIns="0" tIns="0" bIns="0">
+          <a:bodyPr lIns="0" tIns="0" rIns="0" bIns="0">
             <a:normAutofit/>
           </a:bodyPr>
-          <a:p>
-            <a:endParaRPr b="0" lang="pt-PT" sz="3200" spc="-1" strike="noStrike">
+          <a:lstStyle/>
+          <a:p>
+            <a:endParaRPr lang="pt-PT" sz="3200" b="0" strike="noStrike" spc="-1">
               <a:latin typeface="Arial"/>
             </a:endParaRPr>
           </a:p>
@@ -1756,11 +1941,12 @@
           </a:prstGeom>
         </p:spPr>
         <p:txBody>
-          <a:bodyPr lIns="0" rIns="0" tIns="0" bIns="0">
+          <a:bodyPr lIns="0" tIns="0" rIns="0" bIns="0">
             <a:normAutofit/>
           </a:bodyPr>
-          <a:p>
-            <a:endParaRPr b="0" lang="pt-PT" sz="3200" spc="-1" strike="noStrike">
+          <a:lstStyle/>
+          <a:p>
+            <a:endParaRPr lang="pt-PT" sz="3200" b="0" strike="noStrike" spc="-1">
               <a:latin typeface="Arial"/>
             </a:endParaRPr>
           </a:p>
@@ -1768,11 +1954,14 @@
       </p:sp>
     </p:spTree>
   </p:cSld>
+  <p:clrMapOvr>
+    <a:masterClrMapping/>
+  </p:clrMapOvr>
 </p:sldLayout>
 </file>
 
 <file path=ppt/slideLayouts/slideLayout24.xml><?xml version="1.0" encoding="utf-8"?>
-<p:sldLayout xmlns:a="http://schemas.openxmlformats.org/drawingml/2006/main" xmlns:p="http://schemas.openxmlformats.org/presentationml/2006/main" xmlns:r="http://schemas.openxmlformats.org/officeDocument/2006/relationships" xmlns:p14="http://schemas.microsoft.com/office/powerpoint/2010/main" xmlns:p15="http://schemas.microsoft.com/office/powerpoint/2012/main" xmlns:mc="http://schemas.openxmlformats.org/markup-compatibility/2006" type="blank" preserve="1">
+<p:sldLayout xmlns:a="http://schemas.openxmlformats.org/drawingml/2006/main" xmlns:r="http://schemas.openxmlformats.org/officeDocument/2006/relationships" xmlns:p="http://schemas.openxmlformats.org/presentationml/2006/main" type="blank" preserve="1">
   <p:cSld name="Title, 6 Content">
     <p:spTree>
       <p:nvGrpSpPr>
@@ -1808,12 +1997,13 @@
           </a:prstGeom>
         </p:spPr>
         <p:txBody>
-          <a:bodyPr lIns="0" rIns="0" tIns="0" bIns="0" anchor="ctr">
+          <a:bodyPr lIns="0" tIns="0" rIns="0" bIns="0" anchor="ctr">
             <a:noAutofit/>
           </a:bodyPr>
+          <a:lstStyle/>
           <a:p>
             <a:pPr algn="ctr"/>
-            <a:endParaRPr b="0" lang="pt-PT" sz="4400" spc="-1" strike="noStrike">
+            <a:endParaRPr lang="pt-PT" sz="4400" b="0" strike="noStrike" spc="-1">
               <a:latin typeface="Arial"/>
             </a:endParaRPr>
           </a:p>
@@ -1839,11 +2029,12 @@
           </a:prstGeom>
         </p:spPr>
         <p:txBody>
-          <a:bodyPr lIns="0" rIns="0" tIns="0" bIns="0">
+          <a:bodyPr lIns="0" tIns="0" rIns="0" bIns="0">
             <a:normAutofit/>
           </a:bodyPr>
-          <a:p>
-            <a:endParaRPr b="0" lang="pt-PT" sz="3200" spc="-1" strike="noStrike">
+          <a:lstStyle/>
+          <a:p>
+            <a:endParaRPr lang="pt-PT" sz="3200" b="0" strike="noStrike" spc="-1">
               <a:latin typeface="Arial"/>
             </a:endParaRPr>
           </a:p>
@@ -1869,11 +2060,12 @@
           </a:prstGeom>
         </p:spPr>
         <p:txBody>
-          <a:bodyPr lIns="0" rIns="0" tIns="0" bIns="0">
+          <a:bodyPr lIns="0" tIns="0" rIns="0" bIns="0">
             <a:normAutofit/>
           </a:bodyPr>
-          <a:p>
-            <a:endParaRPr b="0" lang="pt-PT" sz="3200" spc="-1" strike="noStrike">
+          <a:lstStyle/>
+          <a:p>
+            <a:endParaRPr lang="pt-PT" sz="3200" b="0" strike="noStrike" spc="-1">
               <a:latin typeface="Arial"/>
             </a:endParaRPr>
           </a:p>
@@ -1899,11 +2091,12 @@
           </a:prstGeom>
         </p:spPr>
         <p:txBody>
-          <a:bodyPr lIns="0" rIns="0" tIns="0" bIns="0">
+          <a:bodyPr lIns="0" tIns="0" rIns="0" bIns="0">
             <a:normAutofit/>
           </a:bodyPr>
-          <a:p>
-            <a:endParaRPr b="0" lang="pt-PT" sz="3200" spc="-1" strike="noStrike">
+          <a:lstStyle/>
+          <a:p>
+            <a:endParaRPr lang="pt-PT" sz="3200" b="0" strike="noStrike" spc="-1">
               <a:latin typeface="Arial"/>
             </a:endParaRPr>
           </a:p>
@@ -1929,11 +2122,12 @@
           </a:prstGeom>
         </p:spPr>
         <p:txBody>
-          <a:bodyPr lIns="0" rIns="0" tIns="0" bIns="0">
+          <a:bodyPr lIns="0" tIns="0" rIns="0" bIns="0">
             <a:normAutofit/>
           </a:bodyPr>
-          <a:p>
-            <a:endParaRPr b="0" lang="pt-PT" sz="3200" spc="-1" strike="noStrike">
+          <a:lstStyle/>
+          <a:p>
+            <a:endParaRPr lang="pt-PT" sz="3200" b="0" strike="noStrike" spc="-1">
               <a:latin typeface="Arial"/>
             </a:endParaRPr>
           </a:p>
@@ -1959,11 +2153,12 @@
           </a:prstGeom>
         </p:spPr>
         <p:txBody>
-          <a:bodyPr lIns="0" rIns="0" tIns="0" bIns="0">
+          <a:bodyPr lIns="0" tIns="0" rIns="0" bIns="0">
             <a:normAutofit/>
           </a:bodyPr>
-          <a:p>
-            <a:endParaRPr b="0" lang="pt-PT" sz="3200" spc="-1" strike="noStrike">
+          <a:lstStyle/>
+          <a:p>
+            <a:endParaRPr lang="pt-PT" sz="3200" b="0" strike="noStrike" spc="-1">
               <a:latin typeface="Arial"/>
             </a:endParaRPr>
           </a:p>
@@ -1989,11 +2184,12 @@
           </a:prstGeom>
         </p:spPr>
         <p:txBody>
-          <a:bodyPr lIns="0" rIns="0" tIns="0" bIns="0">
+          <a:bodyPr lIns="0" tIns="0" rIns="0" bIns="0">
             <a:normAutofit/>
           </a:bodyPr>
-          <a:p>
-            <a:endParaRPr b="0" lang="pt-PT" sz="3200" spc="-1" strike="noStrike">
+          <a:lstStyle/>
+          <a:p>
+            <a:endParaRPr lang="pt-PT" sz="3200" b="0" strike="noStrike" spc="-1">
               <a:latin typeface="Arial"/>
             </a:endParaRPr>
           </a:p>
@@ -2001,11 +2197,14 @@
       </p:sp>
     </p:spTree>
   </p:cSld>
+  <p:clrMapOvr>
+    <a:masterClrMapping/>
+  </p:clrMapOvr>
 </p:sldLayout>
 </file>
 
 <file path=ppt/slideLayouts/slideLayout25.xml><?xml version="1.0" encoding="utf-8"?>
-<p:sldLayout xmlns:a="http://schemas.openxmlformats.org/drawingml/2006/main" xmlns:p="http://schemas.openxmlformats.org/presentationml/2006/main" xmlns:r="http://schemas.openxmlformats.org/officeDocument/2006/relationships" xmlns:p14="http://schemas.microsoft.com/office/powerpoint/2010/main" xmlns:p15="http://schemas.microsoft.com/office/powerpoint/2012/main" xmlns:mc="http://schemas.openxmlformats.org/markup-compatibility/2006" type="blank" preserve="1">
+<p:sldLayout xmlns:a="http://schemas.openxmlformats.org/drawingml/2006/main" xmlns:r="http://schemas.openxmlformats.org/officeDocument/2006/relationships" xmlns:p="http://schemas.openxmlformats.org/presentationml/2006/main" type="blank" preserve="1">
   <p:cSld name="Blank Slide">
     <p:spTree>
       <p:nvGrpSpPr>
@@ -2023,11 +2222,14 @@
       </p:grpSpPr>
     </p:spTree>
   </p:cSld>
+  <p:clrMapOvr>
+    <a:masterClrMapping/>
+  </p:clrMapOvr>
 </p:sldLayout>
 </file>
 
 <file path=ppt/slideLayouts/slideLayout26.xml><?xml version="1.0" encoding="utf-8"?>
-<p:sldLayout xmlns:a="http://schemas.openxmlformats.org/drawingml/2006/main" xmlns:p="http://schemas.openxmlformats.org/presentationml/2006/main" xmlns:r="http://schemas.openxmlformats.org/officeDocument/2006/relationships" xmlns:p14="http://schemas.microsoft.com/office/powerpoint/2010/main" xmlns:p15="http://schemas.microsoft.com/office/powerpoint/2012/main" xmlns:mc="http://schemas.openxmlformats.org/markup-compatibility/2006" type="tx" preserve="1">
+<p:sldLayout xmlns:a="http://schemas.openxmlformats.org/drawingml/2006/main" xmlns:r="http://schemas.openxmlformats.org/officeDocument/2006/relationships" xmlns:p="http://schemas.openxmlformats.org/presentationml/2006/main" type="tx" preserve="1">
   <p:cSld name="Title Slide">
     <p:spTree>
       <p:nvGrpSpPr>
@@ -2063,12 +2265,13 @@
           </a:prstGeom>
         </p:spPr>
         <p:txBody>
-          <a:bodyPr lIns="0" rIns="0" tIns="0" bIns="0" anchor="ctr">
+          <a:bodyPr lIns="0" tIns="0" rIns="0" bIns="0" anchor="ctr">
             <a:noAutofit/>
           </a:bodyPr>
+          <a:lstStyle/>
           <a:p>
             <a:pPr algn="ctr"/>
-            <a:endParaRPr b="0" lang="pt-PT" sz="4400" spc="-1" strike="noStrike">
+            <a:endParaRPr lang="pt-PT" sz="4400" b="0" strike="noStrike" spc="-1">
               <a:latin typeface="Arial"/>
             </a:endParaRPr>
           </a:p>
@@ -2094,12 +2297,13 @@
           </a:prstGeom>
         </p:spPr>
         <p:txBody>
-          <a:bodyPr lIns="0" rIns="0" tIns="0" bIns="0" anchor="ctr">
+          <a:bodyPr lIns="0" tIns="0" rIns="0" bIns="0" anchor="ctr">
             <a:noAutofit/>
           </a:bodyPr>
+          <a:lstStyle/>
           <a:p>
             <a:pPr algn="ctr"/>
-            <a:endParaRPr b="0" lang="pt-PT" sz="3200" spc="-1" strike="noStrike">
+            <a:endParaRPr lang="pt-PT" sz="3200" b="0" strike="noStrike" spc="-1">
               <a:latin typeface="Arial"/>
             </a:endParaRPr>
           </a:p>
@@ -2107,11 +2311,14 @@
       </p:sp>
     </p:spTree>
   </p:cSld>
+  <p:clrMapOvr>
+    <a:masterClrMapping/>
+  </p:clrMapOvr>
 </p:sldLayout>
 </file>
 
 <file path=ppt/slideLayouts/slideLayout27.xml><?xml version="1.0" encoding="utf-8"?>
-<p:sldLayout xmlns:a="http://schemas.openxmlformats.org/drawingml/2006/main" xmlns:p="http://schemas.openxmlformats.org/presentationml/2006/main" xmlns:r="http://schemas.openxmlformats.org/officeDocument/2006/relationships" xmlns:p14="http://schemas.microsoft.com/office/powerpoint/2010/main" xmlns:p15="http://schemas.microsoft.com/office/powerpoint/2012/main" xmlns:mc="http://schemas.openxmlformats.org/markup-compatibility/2006" type="obj" preserve="1">
+<p:sldLayout xmlns:a="http://schemas.openxmlformats.org/drawingml/2006/main" xmlns:r="http://schemas.openxmlformats.org/officeDocument/2006/relationships" xmlns:p="http://schemas.openxmlformats.org/presentationml/2006/main" type="obj" preserve="1">
   <p:cSld name="Title, Content">
     <p:spTree>
       <p:nvGrpSpPr>
@@ -2147,12 +2354,13 @@
           </a:prstGeom>
         </p:spPr>
         <p:txBody>
-          <a:bodyPr lIns="0" rIns="0" tIns="0" bIns="0" anchor="ctr">
+          <a:bodyPr lIns="0" tIns="0" rIns="0" bIns="0" anchor="ctr">
             <a:noAutofit/>
           </a:bodyPr>
+          <a:lstStyle/>
           <a:p>
             <a:pPr algn="ctr"/>
-            <a:endParaRPr b="0" lang="pt-PT" sz="4400" spc="-1" strike="noStrike">
+            <a:endParaRPr lang="pt-PT" sz="4400" b="0" strike="noStrike" spc="-1">
               <a:latin typeface="Arial"/>
             </a:endParaRPr>
           </a:p>
@@ -2178,11 +2386,12 @@
           </a:prstGeom>
         </p:spPr>
         <p:txBody>
-          <a:bodyPr lIns="0" rIns="0" tIns="0" bIns="0">
+          <a:bodyPr lIns="0" tIns="0" rIns="0" bIns="0">
             <a:normAutofit/>
           </a:bodyPr>
-          <a:p>
-            <a:endParaRPr b="0" lang="pt-PT" sz="3200" spc="-1" strike="noStrike">
+          <a:lstStyle/>
+          <a:p>
+            <a:endParaRPr lang="pt-PT" sz="3200" b="0" strike="noStrike" spc="-1">
               <a:latin typeface="Arial"/>
             </a:endParaRPr>
           </a:p>
@@ -2190,11 +2399,14 @@
       </p:sp>
     </p:spTree>
   </p:cSld>
+  <p:clrMapOvr>
+    <a:masterClrMapping/>
+  </p:clrMapOvr>
 </p:sldLayout>
 </file>
 
 <file path=ppt/slideLayouts/slideLayout28.xml><?xml version="1.0" encoding="utf-8"?>
-<p:sldLayout xmlns:a="http://schemas.openxmlformats.org/drawingml/2006/main" xmlns:p="http://schemas.openxmlformats.org/presentationml/2006/main" xmlns:r="http://schemas.openxmlformats.org/officeDocument/2006/relationships" xmlns:p14="http://schemas.microsoft.com/office/powerpoint/2010/main" xmlns:p15="http://schemas.microsoft.com/office/powerpoint/2012/main" xmlns:mc="http://schemas.openxmlformats.org/markup-compatibility/2006" type="twoObj" preserve="1">
+<p:sldLayout xmlns:a="http://schemas.openxmlformats.org/drawingml/2006/main" xmlns:r="http://schemas.openxmlformats.org/officeDocument/2006/relationships" xmlns:p="http://schemas.openxmlformats.org/presentationml/2006/main" type="twoObj" preserve="1">
   <p:cSld name="Title, 2 Content">
     <p:spTree>
       <p:nvGrpSpPr>
@@ -2230,12 +2442,13 @@
           </a:prstGeom>
         </p:spPr>
         <p:txBody>
-          <a:bodyPr lIns="0" rIns="0" tIns="0" bIns="0" anchor="ctr">
+          <a:bodyPr lIns="0" tIns="0" rIns="0" bIns="0" anchor="ctr">
             <a:noAutofit/>
           </a:bodyPr>
+          <a:lstStyle/>
           <a:p>
             <a:pPr algn="ctr"/>
-            <a:endParaRPr b="0" lang="pt-PT" sz="4400" spc="-1" strike="noStrike">
+            <a:endParaRPr lang="pt-PT" sz="4400" b="0" strike="noStrike" spc="-1">
               <a:latin typeface="Arial"/>
             </a:endParaRPr>
           </a:p>
@@ -2261,11 +2474,12 @@
           </a:prstGeom>
         </p:spPr>
         <p:txBody>
-          <a:bodyPr lIns="0" rIns="0" tIns="0" bIns="0">
+          <a:bodyPr lIns="0" tIns="0" rIns="0" bIns="0">
             <a:normAutofit/>
           </a:bodyPr>
-          <a:p>
-            <a:endParaRPr b="0" lang="pt-PT" sz="3200" spc="-1" strike="noStrike">
+          <a:lstStyle/>
+          <a:p>
+            <a:endParaRPr lang="pt-PT" sz="3200" b="0" strike="noStrike" spc="-1">
               <a:latin typeface="Arial"/>
             </a:endParaRPr>
           </a:p>
@@ -2291,11 +2505,12 @@
           </a:prstGeom>
         </p:spPr>
         <p:txBody>
-          <a:bodyPr lIns="0" rIns="0" tIns="0" bIns="0">
+          <a:bodyPr lIns="0" tIns="0" rIns="0" bIns="0">
             <a:normAutofit/>
           </a:bodyPr>
-          <a:p>
-            <a:endParaRPr b="0" lang="pt-PT" sz="3200" spc="-1" strike="noStrike">
+          <a:lstStyle/>
+          <a:p>
+            <a:endParaRPr lang="pt-PT" sz="3200" b="0" strike="noStrike" spc="-1">
               <a:latin typeface="Arial"/>
             </a:endParaRPr>
           </a:p>
@@ -2303,11 +2518,14 @@
       </p:sp>
     </p:spTree>
   </p:cSld>
+  <p:clrMapOvr>
+    <a:masterClrMapping/>
+  </p:clrMapOvr>
 </p:sldLayout>
 </file>
 
 <file path=ppt/slideLayouts/slideLayout29.xml><?xml version="1.0" encoding="utf-8"?>
-<p:sldLayout xmlns:a="http://schemas.openxmlformats.org/drawingml/2006/main" xmlns:p="http://schemas.openxmlformats.org/presentationml/2006/main" xmlns:r="http://schemas.openxmlformats.org/officeDocument/2006/relationships" xmlns:p14="http://schemas.microsoft.com/office/powerpoint/2010/main" xmlns:p15="http://schemas.microsoft.com/office/powerpoint/2012/main" xmlns:mc="http://schemas.openxmlformats.org/markup-compatibility/2006" type="titleOnly" preserve="1">
+<p:sldLayout xmlns:a="http://schemas.openxmlformats.org/drawingml/2006/main" xmlns:r="http://schemas.openxmlformats.org/officeDocument/2006/relationships" xmlns:p="http://schemas.openxmlformats.org/presentationml/2006/main" type="titleOnly" preserve="1">
   <p:cSld name="Title Only">
     <p:spTree>
       <p:nvGrpSpPr>
@@ -2343,12 +2561,13 @@
           </a:prstGeom>
         </p:spPr>
         <p:txBody>
-          <a:bodyPr lIns="0" rIns="0" tIns="0" bIns="0" anchor="ctr">
+          <a:bodyPr lIns="0" tIns="0" rIns="0" bIns="0" anchor="ctr">
             <a:noAutofit/>
           </a:bodyPr>
+          <a:lstStyle/>
           <a:p>
             <a:pPr algn="ctr"/>
-            <a:endParaRPr b="0" lang="pt-PT" sz="4400" spc="-1" strike="noStrike">
+            <a:endParaRPr lang="pt-PT" sz="4400" b="0" strike="noStrike" spc="-1">
               <a:latin typeface="Arial"/>
             </a:endParaRPr>
           </a:p>
@@ -2356,11 +2575,14 @@
       </p:sp>
     </p:spTree>
   </p:cSld>
+  <p:clrMapOvr>
+    <a:masterClrMapping/>
+  </p:clrMapOvr>
 </p:sldLayout>
 </file>
 
 <file path=ppt/slideLayouts/slideLayout3.xml><?xml version="1.0" encoding="utf-8"?>
-<p:sldLayout xmlns:a="http://schemas.openxmlformats.org/drawingml/2006/main" xmlns:p="http://schemas.openxmlformats.org/presentationml/2006/main" xmlns:r="http://schemas.openxmlformats.org/officeDocument/2006/relationships" xmlns:p14="http://schemas.microsoft.com/office/powerpoint/2010/main" xmlns:p15="http://schemas.microsoft.com/office/powerpoint/2012/main" xmlns:mc="http://schemas.openxmlformats.org/markup-compatibility/2006" type="obj" preserve="1">
+<p:sldLayout xmlns:a="http://schemas.openxmlformats.org/drawingml/2006/main" xmlns:r="http://schemas.openxmlformats.org/officeDocument/2006/relationships" xmlns:p="http://schemas.openxmlformats.org/presentationml/2006/main" type="obj" preserve="1">
   <p:cSld name="Title, Content">
     <p:spTree>
       <p:nvGrpSpPr>
@@ -2396,12 +2618,13 @@
           </a:prstGeom>
         </p:spPr>
         <p:txBody>
-          <a:bodyPr lIns="0" rIns="0" tIns="0" bIns="0" anchor="ctr">
+          <a:bodyPr lIns="0" tIns="0" rIns="0" bIns="0" anchor="ctr">
             <a:noAutofit/>
           </a:bodyPr>
+          <a:lstStyle/>
           <a:p>
             <a:pPr algn="ctr"/>
-            <a:endParaRPr b="0" lang="pt-PT" sz="4400" spc="-1" strike="noStrike">
+            <a:endParaRPr lang="pt-PT" sz="4400" b="0" strike="noStrike" spc="-1">
               <a:latin typeface="Arial"/>
             </a:endParaRPr>
           </a:p>
@@ -2427,11 +2650,12 @@
           </a:prstGeom>
         </p:spPr>
         <p:txBody>
-          <a:bodyPr lIns="0" rIns="0" tIns="0" bIns="0">
+          <a:bodyPr lIns="0" tIns="0" rIns="0" bIns="0">
             <a:normAutofit/>
           </a:bodyPr>
-          <a:p>
-            <a:endParaRPr b="0" lang="pt-PT" sz="3200" spc="-1" strike="noStrike">
+          <a:lstStyle/>
+          <a:p>
+            <a:endParaRPr lang="pt-PT" sz="3200" b="0" strike="noStrike" spc="-1">
               <a:latin typeface="Arial"/>
             </a:endParaRPr>
           </a:p>
@@ -2439,11 +2663,14 @@
       </p:sp>
     </p:spTree>
   </p:cSld>
+  <p:clrMapOvr>
+    <a:masterClrMapping/>
+  </p:clrMapOvr>
 </p:sldLayout>
 </file>
 
 <file path=ppt/slideLayouts/slideLayout30.xml><?xml version="1.0" encoding="utf-8"?>
-<p:sldLayout xmlns:a="http://schemas.openxmlformats.org/drawingml/2006/main" xmlns:p="http://schemas.openxmlformats.org/presentationml/2006/main" xmlns:r="http://schemas.openxmlformats.org/officeDocument/2006/relationships" xmlns:p14="http://schemas.microsoft.com/office/powerpoint/2010/main" xmlns:p15="http://schemas.microsoft.com/office/powerpoint/2012/main" xmlns:mc="http://schemas.openxmlformats.org/markup-compatibility/2006" type="objOnly" preserve="1">
+<p:sldLayout xmlns:a="http://schemas.openxmlformats.org/drawingml/2006/main" xmlns:r="http://schemas.openxmlformats.org/officeDocument/2006/relationships" xmlns:p="http://schemas.openxmlformats.org/presentationml/2006/main" type="objOnly" preserve="1">
   <p:cSld name="Centered Text">
     <p:spTree>
       <p:nvGrpSpPr>
@@ -2479,12 +2706,13 @@
           </a:prstGeom>
         </p:spPr>
         <p:txBody>
-          <a:bodyPr lIns="0" rIns="0" tIns="0" bIns="0" anchor="ctr">
+          <a:bodyPr lIns="0" tIns="0" rIns="0" bIns="0" anchor="ctr">
             <a:noAutofit/>
           </a:bodyPr>
+          <a:lstStyle/>
           <a:p>
             <a:pPr algn="ctr"/>
-            <a:endParaRPr b="0" lang="pt-PT" sz="3200" spc="-1" strike="noStrike">
+            <a:endParaRPr lang="pt-PT" sz="3200" b="0" strike="noStrike" spc="-1">
               <a:latin typeface="Arial"/>
             </a:endParaRPr>
           </a:p>
@@ -2492,11 +2720,14 @@
       </p:sp>
     </p:spTree>
   </p:cSld>
+  <p:clrMapOvr>
+    <a:masterClrMapping/>
+  </p:clrMapOvr>
 </p:sldLayout>
 </file>
 
 <file path=ppt/slideLayouts/slideLayout31.xml><?xml version="1.0" encoding="utf-8"?>
-<p:sldLayout xmlns:a="http://schemas.openxmlformats.org/drawingml/2006/main" xmlns:p="http://schemas.openxmlformats.org/presentationml/2006/main" xmlns:r="http://schemas.openxmlformats.org/officeDocument/2006/relationships" xmlns:p14="http://schemas.microsoft.com/office/powerpoint/2010/main" xmlns:p15="http://schemas.microsoft.com/office/powerpoint/2012/main" xmlns:mc="http://schemas.openxmlformats.org/markup-compatibility/2006" type="twoObjAndObj" preserve="1">
+<p:sldLayout xmlns:a="http://schemas.openxmlformats.org/drawingml/2006/main" xmlns:r="http://schemas.openxmlformats.org/officeDocument/2006/relationships" xmlns:p="http://schemas.openxmlformats.org/presentationml/2006/main" type="twoObjAndObj" preserve="1">
   <p:cSld name="Title, 2 Content and Content">
     <p:spTree>
       <p:nvGrpSpPr>
@@ -2532,12 +2763,13 @@
           </a:prstGeom>
         </p:spPr>
         <p:txBody>
-          <a:bodyPr lIns="0" rIns="0" tIns="0" bIns="0" anchor="ctr">
+          <a:bodyPr lIns="0" tIns="0" rIns="0" bIns="0" anchor="ctr">
             <a:noAutofit/>
           </a:bodyPr>
+          <a:lstStyle/>
           <a:p>
             <a:pPr algn="ctr"/>
-            <a:endParaRPr b="0" lang="pt-PT" sz="4400" spc="-1" strike="noStrike">
+            <a:endParaRPr lang="pt-PT" sz="4400" b="0" strike="noStrike" spc="-1">
               <a:latin typeface="Arial"/>
             </a:endParaRPr>
           </a:p>
@@ -2563,11 +2795,12 @@
           </a:prstGeom>
         </p:spPr>
         <p:txBody>
-          <a:bodyPr lIns="0" rIns="0" tIns="0" bIns="0">
+          <a:bodyPr lIns="0" tIns="0" rIns="0" bIns="0">
             <a:normAutofit/>
           </a:bodyPr>
-          <a:p>
-            <a:endParaRPr b="0" lang="pt-PT" sz="3200" spc="-1" strike="noStrike">
+          <a:lstStyle/>
+          <a:p>
+            <a:endParaRPr lang="pt-PT" sz="3200" b="0" strike="noStrike" spc="-1">
               <a:latin typeface="Arial"/>
             </a:endParaRPr>
           </a:p>
@@ -2593,11 +2826,12 @@
           </a:prstGeom>
         </p:spPr>
         <p:txBody>
-          <a:bodyPr lIns="0" rIns="0" tIns="0" bIns="0">
+          <a:bodyPr lIns="0" tIns="0" rIns="0" bIns="0">
             <a:normAutofit/>
           </a:bodyPr>
-          <a:p>
-            <a:endParaRPr b="0" lang="pt-PT" sz="3200" spc="-1" strike="noStrike">
+          <a:lstStyle/>
+          <a:p>
+            <a:endParaRPr lang="pt-PT" sz="3200" b="0" strike="noStrike" spc="-1">
               <a:latin typeface="Arial"/>
             </a:endParaRPr>
           </a:p>
@@ -2623,11 +2857,12 @@
           </a:prstGeom>
         </p:spPr>
         <p:txBody>
-          <a:bodyPr lIns="0" rIns="0" tIns="0" bIns="0">
+          <a:bodyPr lIns="0" tIns="0" rIns="0" bIns="0">
             <a:normAutofit/>
           </a:bodyPr>
-          <a:p>
-            <a:endParaRPr b="0" lang="pt-PT" sz="3200" spc="-1" strike="noStrike">
+          <a:lstStyle/>
+          <a:p>
+            <a:endParaRPr lang="pt-PT" sz="3200" b="0" strike="noStrike" spc="-1">
               <a:latin typeface="Arial"/>
             </a:endParaRPr>
           </a:p>
@@ -2635,11 +2870,14 @@
       </p:sp>
     </p:spTree>
   </p:cSld>
+  <p:clrMapOvr>
+    <a:masterClrMapping/>
+  </p:clrMapOvr>
 </p:sldLayout>
 </file>
 
 <file path=ppt/slideLayouts/slideLayout32.xml><?xml version="1.0" encoding="utf-8"?>
-<p:sldLayout xmlns:a="http://schemas.openxmlformats.org/drawingml/2006/main" xmlns:p="http://schemas.openxmlformats.org/presentationml/2006/main" xmlns:r="http://schemas.openxmlformats.org/officeDocument/2006/relationships" xmlns:p14="http://schemas.microsoft.com/office/powerpoint/2010/main" xmlns:p15="http://schemas.microsoft.com/office/powerpoint/2012/main" xmlns:mc="http://schemas.openxmlformats.org/markup-compatibility/2006" type="objAndTwoObj" preserve="1">
+<p:sldLayout xmlns:a="http://schemas.openxmlformats.org/drawingml/2006/main" xmlns:r="http://schemas.openxmlformats.org/officeDocument/2006/relationships" xmlns:p="http://schemas.openxmlformats.org/presentationml/2006/main" type="objAndTwoObj" preserve="1">
   <p:cSld name="Title Content and 2 Content">
     <p:spTree>
       <p:nvGrpSpPr>
@@ -2675,12 +2913,13 @@
           </a:prstGeom>
         </p:spPr>
         <p:txBody>
-          <a:bodyPr lIns="0" rIns="0" tIns="0" bIns="0" anchor="ctr">
+          <a:bodyPr lIns="0" tIns="0" rIns="0" bIns="0" anchor="ctr">
             <a:noAutofit/>
           </a:bodyPr>
+          <a:lstStyle/>
           <a:p>
             <a:pPr algn="ctr"/>
-            <a:endParaRPr b="0" lang="pt-PT" sz="4400" spc="-1" strike="noStrike">
+            <a:endParaRPr lang="pt-PT" sz="4400" b="0" strike="noStrike" spc="-1">
               <a:latin typeface="Arial"/>
             </a:endParaRPr>
           </a:p>
@@ -2706,11 +2945,12 @@
           </a:prstGeom>
         </p:spPr>
         <p:txBody>
-          <a:bodyPr lIns="0" rIns="0" tIns="0" bIns="0">
+          <a:bodyPr lIns="0" tIns="0" rIns="0" bIns="0">
             <a:normAutofit/>
           </a:bodyPr>
-          <a:p>
-            <a:endParaRPr b="0" lang="pt-PT" sz="3200" spc="-1" strike="noStrike">
+          <a:lstStyle/>
+          <a:p>
+            <a:endParaRPr lang="pt-PT" sz="3200" b="0" strike="noStrike" spc="-1">
               <a:latin typeface="Arial"/>
             </a:endParaRPr>
           </a:p>
@@ -2736,11 +2976,12 @@
           </a:prstGeom>
         </p:spPr>
         <p:txBody>
-          <a:bodyPr lIns="0" rIns="0" tIns="0" bIns="0">
+          <a:bodyPr lIns="0" tIns="0" rIns="0" bIns="0">
             <a:normAutofit/>
           </a:bodyPr>
-          <a:p>
-            <a:endParaRPr b="0" lang="pt-PT" sz="3200" spc="-1" strike="noStrike">
+          <a:lstStyle/>
+          <a:p>
+            <a:endParaRPr lang="pt-PT" sz="3200" b="0" strike="noStrike" spc="-1">
               <a:latin typeface="Arial"/>
             </a:endParaRPr>
           </a:p>
@@ -2766,11 +3007,12 @@
           </a:prstGeom>
         </p:spPr>
         <p:txBody>
-          <a:bodyPr lIns="0" rIns="0" tIns="0" bIns="0">
+          <a:bodyPr lIns="0" tIns="0" rIns="0" bIns="0">
             <a:normAutofit/>
           </a:bodyPr>
-          <a:p>
-            <a:endParaRPr b="0" lang="pt-PT" sz="3200" spc="-1" strike="noStrike">
+          <a:lstStyle/>
+          <a:p>
+            <a:endParaRPr lang="pt-PT" sz="3200" b="0" strike="noStrike" spc="-1">
               <a:latin typeface="Arial"/>
             </a:endParaRPr>
           </a:p>
@@ -2778,11 +3020,14 @@
       </p:sp>
     </p:spTree>
   </p:cSld>
+  <p:clrMapOvr>
+    <a:masterClrMapping/>
+  </p:clrMapOvr>
 </p:sldLayout>
 </file>
 
 <file path=ppt/slideLayouts/slideLayout33.xml><?xml version="1.0" encoding="utf-8"?>
-<p:sldLayout xmlns:a="http://schemas.openxmlformats.org/drawingml/2006/main" xmlns:p="http://schemas.openxmlformats.org/presentationml/2006/main" xmlns:r="http://schemas.openxmlformats.org/officeDocument/2006/relationships" xmlns:p14="http://schemas.microsoft.com/office/powerpoint/2010/main" xmlns:p15="http://schemas.microsoft.com/office/powerpoint/2012/main" xmlns:mc="http://schemas.openxmlformats.org/markup-compatibility/2006" type="twoObjOverTx" preserve="1">
+<p:sldLayout xmlns:a="http://schemas.openxmlformats.org/drawingml/2006/main" xmlns:r="http://schemas.openxmlformats.org/officeDocument/2006/relationships" xmlns:p="http://schemas.openxmlformats.org/presentationml/2006/main" type="twoObjOverTx" preserve="1">
   <p:cSld name="Title, 2 Content over Content">
     <p:spTree>
       <p:nvGrpSpPr>
@@ -2818,12 +3063,13 @@
           </a:prstGeom>
         </p:spPr>
         <p:txBody>
-          <a:bodyPr lIns="0" rIns="0" tIns="0" bIns="0" anchor="ctr">
+          <a:bodyPr lIns="0" tIns="0" rIns="0" bIns="0" anchor="ctr">
             <a:noAutofit/>
           </a:bodyPr>
+          <a:lstStyle/>
           <a:p>
             <a:pPr algn="ctr"/>
-            <a:endParaRPr b="0" lang="pt-PT" sz="4400" spc="-1" strike="noStrike">
+            <a:endParaRPr lang="pt-PT" sz="4400" b="0" strike="noStrike" spc="-1">
               <a:latin typeface="Arial"/>
             </a:endParaRPr>
           </a:p>
@@ -2849,11 +3095,12 @@
           </a:prstGeom>
         </p:spPr>
         <p:txBody>
-          <a:bodyPr lIns="0" rIns="0" tIns="0" bIns="0">
+          <a:bodyPr lIns="0" tIns="0" rIns="0" bIns="0">
             <a:normAutofit/>
           </a:bodyPr>
-          <a:p>
-            <a:endParaRPr b="0" lang="pt-PT" sz="3200" spc="-1" strike="noStrike">
+          <a:lstStyle/>
+          <a:p>
+            <a:endParaRPr lang="pt-PT" sz="3200" b="0" strike="noStrike" spc="-1">
               <a:latin typeface="Arial"/>
             </a:endParaRPr>
           </a:p>
@@ -2879,11 +3126,12 @@
           </a:prstGeom>
         </p:spPr>
         <p:txBody>
-          <a:bodyPr lIns="0" rIns="0" tIns="0" bIns="0">
+          <a:bodyPr lIns="0" tIns="0" rIns="0" bIns="0">
             <a:normAutofit/>
           </a:bodyPr>
-          <a:p>
-            <a:endParaRPr b="0" lang="pt-PT" sz="3200" spc="-1" strike="noStrike">
+          <a:lstStyle/>
+          <a:p>
+            <a:endParaRPr lang="pt-PT" sz="3200" b="0" strike="noStrike" spc="-1">
               <a:latin typeface="Arial"/>
             </a:endParaRPr>
           </a:p>
@@ -2909,11 +3157,12 @@
           </a:prstGeom>
         </p:spPr>
         <p:txBody>
-          <a:bodyPr lIns="0" rIns="0" tIns="0" bIns="0">
+          <a:bodyPr lIns="0" tIns="0" rIns="0" bIns="0">
             <a:normAutofit/>
           </a:bodyPr>
-          <a:p>
-            <a:endParaRPr b="0" lang="pt-PT" sz="3200" spc="-1" strike="noStrike">
+          <a:lstStyle/>
+          <a:p>
+            <a:endParaRPr lang="pt-PT" sz="3200" b="0" strike="noStrike" spc="-1">
               <a:latin typeface="Arial"/>
             </a:endParaRPr>
           </a:p>
@@ -2921,11 +3170,14 @@
       </p:sp>
     </p:spTree>
   </p:cSld>
+  <p:clrMapOvr>
+    <a:masterClrMapping/>
+  </p:clrMapOvr>
 </p:sldLayout>
 </file>
 
 <file path=ppt/slideLayouts/slideLayout34.xml><?xml version="1.0" encoding="utf-8"?>
-<p:sldLayout xmlns:a="http://schemas.openxmlformats.org/drawingml/2006/main" xmlns:p="http://schemas.openxmlformats.org/presentationml/2006/main" xmlns:r="http://schemas.openxmlformats.org/officeDocument/2006/relationships" xmlns:p14="http://schemas.microsoft.com/office/powerpoint/2010/main" xmlns:p15="http://schemas.microsoft.com/office/powerpoint/2012/main" xmlns:mc="http://schemas.openxmlformats.org/markup-compatibility/2006" type="objOverTx" preserve="1">
+<p:sldLayout xmlns:a="http://schemas.openxmlformats.org/drawingml/2006/main" xmlns:r="http://schemas.openxmlformats.org/officeDocument/2006/relationships" xmlns:p="http://schemas.openxmlformats.org/presentationml/2006/main" type="objOverTx" preserve="1">
   <p:cSld name="Title, Content over Content">
     <p:spTree>
       <p:nvGrpSpPr>
@@ -2961,12 +3213,13 @@
           </a:prstGeom>
         </p:spPr>
         <p:txBody>
-          <a:bodyPr lIns="0" rIns="0" tIns="0" bIns="0" anchor="ctr">
+          <a:bodyPr lIns="0" tIns="0" rIns="0" bIns="0" anchor="ctr">
             <a:noAutofit/>
           </a:bodyPr>
+          <a:lstStyle/>
           <a:p>
             <a:pPr algn="ctr"/>
-            <a:endParaRPr b="0" lang="pt-PT" sz="4400" spc="-1" strike="noStrike">
+            <a:endParaRPr lang="pt-PT" sz="4400" b="0" strike="noStrike" spc="-1">
               <a:latin typeface="Arial"/>
             </a:endParaRPr>
           </a:p>
@@ -2992,11 +3245,12 @@
           </a:prstGeom>
         </p:spPr>
         <p:txBody>
-          <a:bodyPr lIns="0" rIns="0" tIns="0" bIns="0">
+          <a:bodyPr lIns="0" tIns="0" rIns="0" bIns="0">
             <a:normAutofit/>
           </a:bodyPr>
-          <a:p>
-            <a:endParaRPr b="0" lang="pt-PT" sz="3200" spc="-1" strike="noStrike">
+          <a:lstStyle/>
+          <a:p>
+            <a:endParaRPr lang="pt-PT" sz="3200" b="0" strike="noStrike" spc="-1">
               <a:latin typeface="Arial"/>
             </a:endParaRPr>
           </a:p>
@@ -3022,11 +3276,12 @@
           </a:prstGeom>
         </p:spPr>
         <p:txBody>
-          <a:bodyPr lIns="0" rIns="0" tIns="0" bIns="0">
+          <a:bodyPr lIns="0" tIns="0" rIns="0" bIns="0">
             <a:normAutofit/>
           </a:bodyPr>
-          <a:p>
-            <a:endParaRPr b="0" lang="pt-PT" sz="3200" spc="-1" strike="noStrike">
+          <a:lstStyle/>
+          <a:p>
+            <a:endParaRPr lang="pt-PT" sz="3200" b="0" strike="noStrike" spc="-1">
               <a:latin typeface="Arial"/>
             </a:endParaRPr>
           </a:p>
@@ -3034,11 +3289,14 @@
       </p:sp>
     </p:spTree>
   </p:cSld>
+  <p:clrMapOvr>
+    <a:masterClrMapping/>
+  </p:clrMapOvr>
 </p:sldLayout>
 </file>
 
 <file path=ppt/slideLayouts/slideLayout35.xml><?xml version="1.0" encoding="utf-8"?>
-<p:sldLayout xmlns:a="http://schemas.openxmlformats.org/drawingml/2006/main" xmlns:p="http://schemas.openxmlformats.org/presentationml/2006/main" xmlns:r="http://schemas.openxmlformats.org/officeDocument/2006/relationships" xmlns:p14="http://schemas.microsoft.com/office/powerpoint/2010/main" xmlns:p15="http://schemas.microsoft.com/office/powerpoint/2012/main" xmlns:mc="http://schemas.openxmlformats.org/markup-compatibility/2006" type="fourObj" preserve="1">
+<p:sldLayout xmlns:a="http://schemas.openxmlformats.org/drawingml/2006/main" xmlns:r="http://schemas.openxmlformats.org/officeDocument/2006/relationships" xmlns:p="http://schemas.openxmlformats.org/presentationml/2006/main" type="fourObj" preserve="1">
   <p:cSld name="Title, 4 Content">
     <p:spTree>
       <p:nvGrpSpPr>
@@ -3074,12 +3332,13 @@
           </a:prstGeom>
         </p:spPr>
         <p:txBody>
-          <a:bodyPr lIns="0" rIns="0" tIns="0" bIns="0" anchor="ctr">
+          <a:bodyPr lIns="0" tIns="0" rIns="0" bIns="0" anchor="ctr">
             <a:noAutofit/>
           </a:bodyPr>
+          <a:lstStyle/>
           <a:p>
             <a:pPr algn="ctr"/>
-            <a:endParaRPr b="0" lang="pt-PT" sz="4400" spc="-1" strike="noStrike">
+            <a:endParaRPr lang="pt-PT" sz="4400" b="0" strike="noStrike" spc="-1">
               <a:latin typeface="Arial"/>
             </a:endParaRPr>
           </a:p>
@@ -3105,11 +3364,12 @@
           </a:prstGeom>
         </p:spPr>
         <p:txBody>
-          <a:bodyPr lIns="0" rIns="0" tIns="0" bIns="0">
+          <a:bodyPr lIns="0" tIns="0" rIns="0" bIns="0">
             <a:normAutofit/>
           </a:bodyPr>
-          <a:p>
-            <a:endParaRPr b="0" lang="pt-PT" sz="3200" spc="-1" strike="noStrike">
+          <a:lstStyle/>
+          <a:p>
+            <a:endParaRPr lang="pt-PT" sz="3200" b="0" strike="noStrike" spc="-1">
               <a:latin typeface="Arial"/>
             </a:endParaRPr>
           </a:p>
@@ -3135,11 +3395,12 @@
           </a:prstGeom>
         </p:spPr>
         <p:txBody>
-          <a:bodyPr lIns="0" rIns="0" tIns="0" bIns="0">
+          <a:bodyPr lIns="0" tIns="0" rIns="0" bIns="0">
             <a:normAutofit/>
           </a:bodyPr>
-          <a:p>
-            <a:endParaRPr b="0" lang="pt-PT" sz="3200" spc="-1" strike="noStrike">
+          <a:lstStyle/>
+          <a:p>
+            <a:endParaRPr lang="pt-PT" sz="3200" b="0" strike="noStrike" spc="-1">
               <a:latin typeface="Arial"/>
             </a:endParaRPr>
           </a:p>
@@ -3165,11 +3426,12 @@
           </a:prstGeom>
         </p:spPr>
         <p:txBody>
-          <a:bodyPr lIns="0" rIns="0" tIns="0" bIns="0">
+          <a:bodyPr lIns="0" tIns="0" rIns="0" bIns="0">
             <a:normAutofit/>
           </a:bodyPr>
-          <a:p>
-            <a:endParaRPr b="0" lang="pt-PT" sz="3200" spc="-1" strike="noStrike">
+          <a:lstStyle/>
+          <a:p>
+            <a:endParaRPr lang="pt-PT" sz="3200" b="0" strike="noStrike" spc="-1">
               <a:latin typeface="Arial"/>
             </a:endParaRPr>
           </a:p>
@@ -3195,11 +3457,12 @@
           </a:prstGeom>
         </p:spPr>
         <p:txBody>
-          <a:bodyPr lIns="0" rIns="0" tIns="0" bIns="0">
+          <a:bodyPr lIns="0" tIns="0" rIns="0" bIns="0">
             <a:normAutofit/>
           </a:bodyPr>
-          <a:p>
-            <a:endParaRPr b="0" lang="pt-PT" sz="3200" spc="-1" strike="noStrike">
+          <a:lstStyle/>
+          <a:p>
+            <a:endParaRPr lang="pt-PT" sz="3200" b="0" strike="noStrike" spc="-1">
               <a:latin typeface="Arial"/>
             </a:endParaRPr>
           </a:p>
@@ -3207,11 +3470,14 @@
       </p:sp>
     </p:spTree>
   </p:cSld>
+  <p:clrMapOvr>
+    <a:masterClrMapping/>
+  </p:clrMapOvr>
 </p:sldLayout>
 </file>
 
 <file path=ppt/slideLayouts/slideLayout36.xml><?xml version="1.0" encoding="utf-8"?>
-<p:sldLayout xmlns:a="http://schemas.openxmlformats.org/drawingml/2006/main" xmlns:p="http://schemas.openxmlformats.org/presentationml/2006/main" xmlns:r="http://schemas.openxmlformats.org/officeDocument/2006/relationships" xmlns:p14="http://schemas.microsoft.com/office/powerpoint/2010/main" xmlns:p15="http://schemas.microsoft.com/office/powerpoint/2012/main" xmlns:mc="http://schemas.openxmlformats.org/markup-compatibility/2006" type="blank" preserve="1">
+<p:sldLayout xmlns:a="http://schemas.openxmlformats.org/drawingml/2006/main" xmlns:r="http://schemas.openxmlformats.org/officeDocument/2006/relationships" xmlns:p="http://schemas.openxmlformats.org/presentationml/2006/main" type="blank" preserve="1">
   <p:cSld name="Title, 6 Content">
     <p:spTree>
       <p:nvGrpSpPr>
@@ -3247,12 +3513,13 @@
           </a:prstGeom>
         </p:spPr>
         <p:txBody>
-          <a:bodyPr lIns="0" rIns="0" tIns="0" bIns="0" anchor="ctr">
+          <a:bodyPr lIns="0" tIns="0" rIns="0" bIns="0" anchor="ctr">
             <a:noAutofit/>
           </a:bodyPr>
+          <a:lstStyle/>
           <a:p>
             <a:pPr algn="ctr"/>
-            <a:endParaRPr b="0" lang="pt-PT" sz="4400" spc="-1" strike="noStrike">
+            <a:endParaRPr lang="pt-PT" sz="4400" b="0" strike="noStrike" spc="-1">
               <a:latin typeface="Arial"/>
             </a:endParaRPr>
           </a:p>
@@ -3278,11 +3545,12 @@
           </a:prstGeom>
         </p:spPr>
         <p:txBody>
-          <a:bodyPr lIns="0" rIns="0" tIns="0" bIns="0">
+          <a:bodyPr lIns="0" tIns="0" rIns="0" bIns="0">
             <a:normAutofit/>
           </a:bodyPr>
-          <a:p>
-            <a:endParaRPr b="0" lang="pt-PT" sz="3200" spc="-1" strike="noStrike">
+          <a:lstStyle/>
+          <a:p>
+            <a:endParaRPr lang="pt-PT" sz="3200" b="0" strike="noStrike" spc="-1">
               <a:latin typeface="Arial"/>
             </a:endParaRPr>
           </a:p>
@@ -3308,11 +3576,12 @@
           </a:prstGeom>
         </p:spPr>
         <p:txBody>
-          <a:bodyPr lIns="0" rIns="0" tIns="0" bIns="0">
+          <a:bodyPr lIns="0" tIns="0" rIns="0" bIns="0">
             <a:normAutofit/>
           </a:bodyPr>
-          <a:p>
-            <a:endParaRPr b="0" lang="pt-PT" sz="3200" spc="-1" strike="noStrike">
+          <a:lstStyle/>
+          <a:p>
+            <a:endParaRPr lang="pt-PT" sz="3200" b="0" strike="noStrike" spc="-1">
               <a:latin typeface="Arial"/>
             </a:endParaRPr>
           </a:p>
@@ -3338,11 +3607,12 @@
           </a:prstGeom>
         </p:spPr>
         <p:txBody>
-          <a:bodyPr lIns="0" rIns="0" tIns="0" bIns="0">
+          <a:bodyPr lIns="0" tIns="0" rIns="0" bIns="0">
             <a:normAutofit/>
           </a:bodyPr>
-          <a:p>
-            <a:endParaRPr b="0" lang="pt-PT" sz="3200" spc="-1" strike="noStrike">
+          <a:lstStyle/>
+          <a:p>
+            <a:endParaRPr lang="pt-PT" sz="3200" b="0" strike="noStrike" spc="-1">
               <a:latin typeface="Arial"/>
             </a:endParaRPr>
           </a:p>
@@ -3368,11 +3638,12 @@
           </a:prstGeom>
         </p:spPr>
         <p:txBody>
-          <a:bodyPr lIns="0" rIns="0" tIns="0" bIns="0">
+          <a:bodyPr lIns="0" tIns="0" rIns="0" bIns="0">
             <a:normAutofit/>
           </a:bodyPr>
-          <a:p>
-            <a:endParaRPr b="0" lang="pt-PT" sz="3200" spc="-1" strike="noStrike">
+          <a:lstStyle/>
+          <a:p>
+            <a:endParaRPr lang="pt-PT" sz="3200" b="0" strike="noStrike" spc="-1">
               <a:latin typeface="Arial"/>
             </a:endParaRPr>
           </a:p>
@@ -3398,11 +3669,12 @@
           </a:prstGeom>
         </p:spPr>
         <p:txBody>
-          <a:bodyPr lIns="0" rIns="0" tIns="0" bIns="0">
+          <a:bodyPr lIns="0" tIns="0" rIns="0" bIns="0">
             <a:normAutofit/>
           </a:bodyPr>
-          <a:p>
-            <a:endParaRPr b="0" lang="pt-PT" sz="3200" spc="-1" strike="noStrike">
+          <a:lstStyle/>
+          <a:p>
+            <a:endParaRPr lang="pt-PT" sz="3200" b="0" strike="noStrike" spc="-1">
               <a:latin typeface="Arial"/>
             </a:endParaRPr>
           </a:p>
@@ -3428,11 +3700,12 @@
           </a:prstGeom>
         </p:spPr>
         <p:txBody>
-          <a:bodyPr lIns="0" rIns="0" tIns="0" bIns="0">
+          <a:bodyPr lIns="0" tIns="0" rIns="0" bIns="0">
             <a:normAutofit/>
           </a:bodyPr>
-          <a:p>
-            <a:endParaRPr b="0" lang="pt-PT" sz="3200" spc="-1" strike="noStrike">
+          <a:lstStyle/>
+          <a:p>
+            <a:endParaRPr lang="pt-PT" sz="3200" b="0" strike="noStrike" spc="-1">
               <a:latin typeface="Arial"/>
             </a:endParaRPr>
           </a:p>
@@ -3440,11 +3713,14 @@
       </p:sp>
     </p:spTree>
   </p:cSld>
+  <p:clrMapOvr>
+    <a:masterClrMapping/>
+  </p:clrMapOvr>
 </p:sldLayout>
 </file>
 
 <file path=ppt/slideLayouts/slideLayout4.xml><?xml version="1.0" encoding="utf-8"?>
-<p:sldLayout xmlns:a="http://schemas.openxmlformats.org/drawingml/2006/main" xmlns:p="http://schemas.openxmlformats.org/presentationml/2006/main" xmlns:r="http://schemas.openxmlformats.org/officeDocument/2006/relationships" xmlns:p14="http://schemas.microsoft.com/office/powerpoint/2010/main" xmlns:p15="http://schemas.microsoft.com/office/powerpoint/2012/main" xmlns:mc="http://schemas.openxmlformats.org/markup-compatibility/2006" type="twoObj" preserve="1">
+<p:sldLayout xmlns:a="http://schemas.openxmlformats.org/drawingml/2006/main" xmlns:r="http://schemas.openxmlformats.org/officeDocument/2006/relationships" xmlns:p="http://schemas.openxmlformats.org/presentationml/2006/main" type="twoObj" preserve="1">
   <p:cSld name="Title, 2 Content">
     <p:spTree>
       <p:nvGrpSpPr>
@@ -3480,12 +3756,13 @@
           </a:prstGeom>
         </p:spPr>
         <p:txBody>
-          <a:bodyPr lIns="0" rIns="0" tIns="0" bIns="0" anchor="ctr">
+          <a:bodyPr lIns="0" tIns="0" rIns="0" bIns="0" anchor="ctr">
             <a:noAutofit/>
           </a:bodyPr>
+          <a:lstStyle/>
           <a:p>
             <a:pPr algn="ctr"/>
-            <a:endParaRPr b="0" lang="pt-PT" sz="4400" spc="-1" strike="noStrike">
+            <a:endParaRPr lang="pt-PT" sz="4400" b="0" strike="noStrike" spc="-1">
               <a:latin typeface="Arial"/>
             </a:endParaRPr>
           </a:p>
@@ -3511,11 +3788,12 @@
           </a:prstGeom>
         </p:spPr>
         <p:txBody>
-          <a:bodyPr lIns="0" rIns="0" tIns="0" bIns="0">
+          <a:bodyPr lIns="0" tIns="0" rIns="0" bIns="0">
             <a:normAutofit/>
           </a:bodyPr>
-          <a:p>
-            <a:endParaRPr b="0" lang="pt-PT" sz="3200" spc="-1" strike="noStrike">
+          <a:lstStyle/>
+          <a:p>
+            <a:endParaRPr lang="pt-PT" sz="3200" b="0" strike="noStrike" spc="-1">
               <a:latin typeface="Arial"/>
             </a:endParaRPr>
           </a:p>
@@ -3541,11 +3819,12 @@
           </a:prstGeom>
         </p:spPr>
         <p:txBody>
-          <a:bodyPr lIns="0" rIns="0" tIns="0" bIns="0">
+          <a:bodyPr lIns="0" tIns="0" rIns="0" bIns="0">
             <a:normAutofit/>
           </a:bodyPr>
-          <a:p>
-            <a:endParaRPr b="0" lang="pt-PT" sz="3200" spc="-1" strike="noStrike">
+          <a:lstStyle/>
+          <a:p>
+            <a:endParaRPr lang="pt-PT" sz="3200" b="0" strike="noStrike" spc="-1">
               <a:latin typeface="Arial"/>
             </a:endParaRPr>
           </a:p>
@@ -3553,11 +3832,14 @@
       </p:sp>
     </p:spTree>
   </p:cSld>
+  <p:clrMapOvr>
+    <a:masterClrMapping/>
+  </p:clrMapOvr>
 </p:sldLayout>
 </file>
 
 <file path=ppt/slideLayouts/slideLayout5.xml><?xml version="1.0" encoding="utf-8"?>
-<p:sldLayout xmlns:a="http://schemas.openxmlformats.org/drawingml/2006/main" xmlns:p="http://schemas.openxmlformats.org/presentationml/2006/main" xmlns:r="http://schemas.openxmlformats.org/officeDocument/2006/relationships" xmlns:p14="http://schemas.microsoft.com/office/powerpoint/2010/main" xmlns:p15="http://schemas.microsoft.com/office/powerpoint/2012/main" xmlns:mc="http://schemas.openxmlformats.org/markup-compatibility/2006" type="titleOnly" preserve="1">
+<p:sldLayout xmlns:a="http://schemas.openxmlformats.org/drawingml/2006/main" xmlns:r="http://schemas.openxmlformats.org/officeDocument/2006/relationships" xmlns:p="http://schemas.openxmlformats.org/presentationml/2006/main" type="titleOnly" preserve="1">
   <p:cSld name="Title Only">
     <p:spTree>
       <p:nvGrpSpPr>
@@ -3593,12 +3875,13 @@
           </a:prstGeom>
         </p:spPr>
         <p:txBody>
-          <a:bodyPr lIns="0" rIns="0" tIns="0" bIns="0" anchor="ctr">
+          <a:bodyPr lIns="0" tIns="0" rIns="0" bIns="0" anchor="ctr">
             <a:noAutofit/>
           </a:bodyPr>
+          <a:lstStyle/>
           <a:p>
             <a:pPr algn="ctr"/>
-            <a:endParaRPr b="0" lang="pt-PT" sz="4400" spc="-1" strike="noStrike">
+            <a:endParaRPr lang="pt-PT" sz="4400" b="0" strike="noStrike" spc="-1">
               <a:latin typeface="Arial"/>
             </a:endParaRPr>
           </a:p>
@@ -3606,11 +3889,14 @@
       </p:sp>
     </p:spTree>
   </p:cSld>
+  <p:clrMapOvr>
+    <a:masterClrMapping/>
+  </p:clrMapOvr>
 </p:sldLayout>
 </file>
 
 <file path=ppt/slideLayouts/slideLayout6.xml><?xml version="1.0" encoding="utf-8"?>
-<p:sldLayout xmlns:a="http://schemas.openxmlformats.org/drawingml/2006/main" xmlns:p="http://schemas.openxmlformats.org/presentationml/2006/main" xmlns:r="http://schemas.openxmlformats.org/officeDocument/2006/relationships" xmlns:p14="http://schemas.microsoft.com/office/powerpoint/2010/main" xmlns:p15="http://schemas.microsoft.com/office/powerpoint/2012/main" xmlns:mc="http://schemas.openxmlformats.org/markup-compatibility/2006" type="objOnly" preserve="1">
+<p:sldLayout xmlns:a="http://schemas.openxmlformats.org/drawingml/2006/main" xmlns:r="http://schemas.openxmlformats.org/officeDocument/2006/relationships" xmlns:p="http://schemas.openxmlformats.org/presentationml/2006/main" type="objOnly" preserve="1">
   <p:cSld name="Centered Text">
     <p:spTree>
       <p:nvGrpSpPr>
@@ -3646,12 +3932,13 @@
           </a:prstGeom>
         </p:spPr>
         <p:txBody>
-          <a:bodyPr lIns="0" rIns="0" tIns="0" bIns="0" anchor="ctr">
+          <a:bodyPr lIns="0" tIns="0" rIns="0" bIns="0" anchor="ctr">
             <a:noAutofit/>
           </a:bodyPr>
+          <a:lstStyle/>
           <a:p>
             <a:pPr algn="ctr"/>
-            <a:endParaRPr b="0" lang="pt-PT" sz="3200" spc="-1" strike="noStrike">
+            <a:endParaRPr lang="pt-PT" sz="3200" b="0" strike="noStrike" spc="-1">
               <a:latin typeface="Arial"/>
             </a:endParaRPr>
           </a:p>
@@ -3659,11 +3946,14 @@
       </p:sp>
     </p:spTree>
   </p:cSld>
+  <p:clrMapOvr>
+    <a:masterClrMapping/>
+  </p:clrMapOvr>
 </p:sldLayout>
 </file>
 
 <file path=ppt/slideLayouts/slideLayout7.xml><?xml version="1.0" encoding="utf-8"?>
-<p:sldLayout xmlns:a="http://schemas.openxmlformats.org/drawingml/2006/main" xmlns:p="http://schemas.openxmlformats.org/presentationml/2006/main" xmlns:r="http://schemas.openxmlformats.org/officeDocument/2006/relationships" xmlns:p14="http://schemas.microsoft.com/office/powerpoint/2010/main" xmlns:p15="http://schemas.microsoft.com/office/powerpoint/2012/main" xmlns:mc="http://schemas.openxmlformats.org/markup-compatibility/2006" type="twoObjAndObj" preserve="1">
+<p:sldLayout xmlns:a="http://schemas.openxmlformats.org/drawingml/2006/main" xmlns:r="http://schemas.openxmlformats.org/officeDocument/2006/relationships" xmlns:p="http://schemas.openxmlformats.org/presentationml/2006/main" type="twoObjAndObj" preserve="1">
   <p:cSld name="Title, 2 Content and Content">
     <p:spTree>
       <p:nvGrpSpPr>
@@ -3699,12 +3989,13 @@
           </a:prstGeom>
         </p:spPr>
         <p:txBody>
-          <a:bodyPr lIns="0" rIns="0" tIns="0" bIns="0" anchor="ctr">
+          <a:bodyPr lIns="0" tIns="0" rIns="0" bIns="0" anchor="ctr">
             <a:noAutofit/>
           </a:bodyPr>
+          <a:lstStyle/>
           <a:p>
             <a:pPr algn="ctr"/>
-            <a:endParaRPr b="0" lang="pt-PT" sz="4400" spc="-1" strike="noStrike">
+            <a:endParaRPr lang="pt-PT" sz="4400" b="0" strike="noStrike" spc="-1">
               <a:latin typeface="Arial"/>
             </a:endParaRPr>
           </a:p>
@@ -3730,11 +4021,12 @@
           </a:prstGeom>
         </p:spPr>
         <p:txBody>
-          <a:bodyPr lIns="0" rIns="0" tIns="0" bIns="0">
+          <a:bodyPr lIns="0" tIns="0" rIns="0" bIns="0">
             <a:normAutofit/>
           </a:bodyPr>
-          <a:p>
-            <a:endParaRPr b="0" lang="pt-PT" sz="3200" spc="-1" strike="noStrike">
+          <a:lstStyle/>
+          <a:p>
+            <a:endParaRPr lang="pt-PT" sz="3200" b="0" strike="noStrike" spc="-1">
               <a:latin typeface="Arial"/>
             </a:endParaRPr>
           </a:p>
@@ -3760,11 +4052,12 @@
           </a:prstGeom>
         </p:spPr>
         <p:txBody>
-          <a:bodyPr lIns="0" rIns="0" tIns="0" bIns="0">
+          <a:bodyPr lIns="0" tIns="0" rIns="0" bIns="0">
             <a:normAutofit/>
           </a:bodyPr>
-          <a:p>
-            <a:endParaRPr b="0" lang="pt-PT" sz="3200" spc="-1" strike="noStrike">
+          <a:lstStyle/>
+          <a:p>
+            <a:endParaRPr lang="pt-PT" sz="3200" b="0" strike="noStrike" spc="-1">
               <a:latin typeface="Arial"/>
             </a:endParaRPr>
           </a:p>
@@ -3790,11 +4083,12 @@
           </a:prstGeom>
         </p:spPr>
         <p:txBody>
-          <a:bodyPr lIns="0" rIns="0" tIns="0" bIns="0">
+          <a:bodyPr lIns="0" tIns="0" rIns="0" bIns="0">
             <a:normAutofit/>
           </a:bodyPr>
-          <a:p>
-            <a:endParaRPr b="0" lang="pt-PT" sz="3200" spc="-1" strike="noStrike">
+          <a:lstStyle/>
+          <a:p>
+            <a:endParaRPr lang="pt-PT" sz="3200" b="0" strike="noStrike" spc="-1">
               <a:latin typeface="Arial"/>
             </a:endParaRPr>
           </a:p>
@@ -3802,11 +4096,14 @@
       </p:sp>
     </p:spTree>
   </p:cSld>
+  <p:clrMapOvr>
+    <a:masterClrMapping/>
+  </p:clrMapOvr>
 </p:sldLayout>
 </file>
 
 <file path=ppt/slideLayouts/slideLayout8.xml><?xml version="1.0" encoding="utf-8"?>
-<p:sldLayout xmlns:a="http://schemas.openxmlformats.org/drawingml/2006/main" xmlns:p="http://schemas.openxmlformats.org/presentationml/2006/main" xmlns:r="http://schemas.openxmlformats.org/officeDocument/2006/relationships" xmlns:p14="http://schemas.microsoft.com/office/powerpoint/2010/main" xmlns:p15="http://schemas.microsoft.com/office/powerpoint/2012/main" xmlns:mc="http://schemas.openxmlformats.org/markup-compatibility/2006" type="objAndTwoObj" preserve="1">
+<p:sldLayout xmlns:a="http://schemas.openxmlformats.org/drawingml/2006/main" xmlns:r="http://schemas.openxmlformats.org/officeDocument/2006/relationships" xmlns:p="http://schemas.openxmlformats.org/presentationml/2006/main" type="objAndTwoObj" preserve="1">
   <p:cSld name="Title Content and 2 Content">
     <p:spTree>
       <p:nvGrpSpPr>
@@ -3842,12 +4139,13 @@
           </a:prstGeom>
         </p:spPr>
         <p:txBody>
-          <a:bodyPr lIns="0" rIns="0" tIns="0" bIns="0" anchor="ctr">
+          <a:bodyPr lIns="0" tIns="0" rIns="0" bIns="0" anchor="ctr">
             <a:noAutofit/>
           </a:bodyPr>
+          <a:lstStyle/>
           <a:p>
             <a:pPr algn="ctr"/>
-            <a:endParaRPr b="0" lang="pt-PT" sz="4400" spc="-1" strike="noStrike">
+            <a:endParaRPr lang="pt-PT" sz="4400" b="0" strike="noStrike" spc="-1">
               <a:latin typeface="Arial"/>
             </a:endParaRPr>
           </a:p>
@@ -3873,11 +4171,12 @@
           </a:prstGeom>
         </p:spPr>
         <p:txBody>
-          <a:bodyPr lIns="0" rIns="0" tIns="0" bIns="0">
+          <a:bodyPr lIns="0" tIns="0" rIns="0" bIns="0">
             <a:normAutofit/>
           </a:bodyPr>
-          <a:p>
-            <a:endParaRPr b="0" lang="pt-PT" sz="3200" spc="-1" strike="noStrike">
+          <a:lstStyle/>
+          <a:p>
+            <a:endParaRPr lang="pt-PT" sz="3200" b="0" strike="noStrike" spc="-1">
               <a:latin typeface="Arial"/>
             </a:endParaRPr>
           </a:p>
@@ -3903,11 +4202,12 @@
           </a:prstGeom>
         </p:spPr>
         <p:txBody>
-          <a:bodyPr lIns="0" rIns="0" tIns="0" bIns="0">
+          <a:bodyPr lIns="0" tIns="0" rIns="0" bIns="0">
             <a:normAutofit/>
           </a:bodyPr>
-          <a:p>
-            <a:endParaRPr b="0" lang="pt-PT" sz="3200" spc="-1" strike="noStrike">
+          <a:lstStyle/>
+          <a:p>
+            <a:endParaRPr lang="pt-PT" sz="3200" b="0" strike="noStrike" spc="-1">
               <a:latin typeface="Arial"/>
             </a:endParaRPr>
           </a:p>
@@ -3933,11 +4233,12 @@
           </a:prstGeom>
         </p:spPr>
         <p:txBody>
-          <a:bodyPr lIns="0" rIns="0" tIns="0" bIns="0">
+          <a:bodyPr lIns="0" tIns="0" rIns="0" bIns="0">
             <a:normAutofit/>
           </a:bodyPr>
-          <a:p>
-            <a:endParaRPr b="0" lang="pt-PT" sz="3200" spc="-1" strike="noStrike">
+          <a:lstStyle/>
+          <a:p>
+            <a:endParaRPr lang="pt-PT" sz="3200" b="0" strike="noStrike" spc="-1">
               <a:latin typeface="Arial"/>
             </a:endParaRPr>
           </a:p>
@@ -3945,11 +4246,14 @@
       </p:sp>
     </p:spTree>
   </p:cSld>
+  <p:clrMapOvr>
+    <a:masterClrMapping/>
+  </p:clrMapOvr>
 </p:sldLayout>
 </file>
 
 <file path=ppt/slideLayouts/slideLayout9.xml><?xml version="1.0" encoding="utf-8"?>
-<p:sldLayout xmlns:a="http://schemas.openxmlformats.org/drawingml/2006/main" xmlns:p="http://schemas.openxmlformats.org/presentationml/2006/main" xmlns:r="http://schemas.openxmlformats.org/officeDocument/2006/relationships" xmlns:p14="http://schemas.microsoft.com/office/powerpoint/2010/main" xmlns:p15="http://schemas.microsoft.com/office/powerpoint/2012/main" xmlns:mc="http://schemas.openxmlformats.org/markup-compatibility/2006" type="twoObjOverTx" preserve="1">
+<p:sldLayout xmlns:a="http://schemas.openxmlformats.org/drawingml/2006/main" xmlns:r="http://schemas.openxmlformats.org/officeDocument/2006/relationships" xmlns:p="http://schemas.openxmlformats.org/presentationml/2006/main" type="twoObjOverTx" preserve="1">
   <p:cSld name="Title, 2 Content over Content">
     <p:spTree>
       <p:nvGrpSpPr>
@@ -3985,12 +4289,13 @@
           </a:prstGeom>
         </p:spPr>
         <p:txBody>
-          <a:bodyPr lIns="0" rIns="0" tIns="0" bIns="0" anchor="ctr">
+          <a:bodyPr lIns="0" tIns="0" rIns="0" bIns="0" anchor="ctr">
             <a:noAutofit/>
           </a:bodyPr>
+          <a:lstStyle/>
           <a:p>
             <a:pPr algn="ctr"/>
-            <a:endParaRPr b="0" lang="pt-PT" sz="4400" spc="-1" strike="noStrike">
+            <a:endParaRPr lang="pt-PT" sz="4400" b="0" strike="noStrike" spc="-1">
               <a:latin typeface="Arial"/>
             </a:endParaRPr>
           </a:p>
@@ -4016,11 +4321,12 @@
           </a:prstGeom>
         </p:spPr>
         <p:txBody>
-          <a:bodyPr lIns="0" rIns="0" tIns="0" bIns="0">
+          <a:bodyPr lIns="0" tIns="0" rIns="0" bIns="0">
             <a:normAutofit/>
           </a:bodyPr>
-          <a:p>
-            <a:endParaRPr b="0" lang="pt-PT" sz="3200" spc="-1" strike="noStrike">
+          <a:lstStyle/>
+          <a:p>
+            <a:endParaRPr lang="pt-PT" sz="3200" b="0" strike="noStrike" spc="-1">
               <a:latin typeface="Arial"/>
             </a:endParaRPr>
           </a:p>
@@ -4046,11 +4352,12 @@
           </a:prstGeom>
         </p:spPr>
         <p:txBody>
-          <a:bodyPr lIns="0" rIns="0" tIns="0" bIns="0">
+          <a:bodyPr lIns="0" tIns="0" rIns="0" bIns="0">
             <a:normAutofit/>
           </a:bodyPr>
-          <a:p>
-            <a:endParaRPr b="0" lang="pt-PT" sz="3200" spc="-1" strike="noStrike">
+          <a:lstStyle/>
+          <a:p>
+            <a:endParaRPr lang="pt-PT" sz="3200" b="0" strike="noStrike" spc="-1">
               <a:latin typeface="Arial"/>
             </a:endParaRPr>
           </a:p>
@@ -4076,11 +4383,12 @@
           </a:prstGeom>
         </p:spPr>
         <p:txBody>
-          <a:bodyPr lIns="0" rIns="0" tIns="0" bIns="0">
+          <a:bodyPr lIns="0" tIns="0" rIns="0" bIns="0">
             <a:normAutofit/>
           </a:bodyPr>
-          <a:p>
-            <a:endParaRPr b="0" lang="pt-PT" sz="3200" spc="-1" strike="noStrike">
+          <a:lstStyle/>
+          <a:p>
+            <a:endParaRPr lang="pt-PT" sz="3200" b="0" strike="noStrike" spc="-1">
               <a:latin typeface="Arial"/>
             </a:endParaRPr>
           </a:p>
@@ -4088,17 +4396,21 @@
       </p:sp>
     </p:spTree>
   </p:cSld>
+  <p:clrMapOvr>
+    <a:masterClrMapping/>
+  </p:clrMapOvr>
 </p:sldLayout>
 </file>
 
 <file path=ppt/slideMasters/slideMaster1.xml><?xml version="1.0" encoding="utf-8"?>
-<p:sldMaster xmlns:a="http://schemas.openxmlformats.org/drawingml/2006/main" xmlns:p="http://schemas.openxmlformats.org/presentationml/2006/main" xmlns:r="http://schemas.openxmlformats.org/officeDocument/2006/relationships" xmlns:p14="http://schemas.microsoft.com/office/powerpoint/2010/main" xmlns:p15="http://schemas.microsoft.com/office/powerpoint/2012/main" xmlns:mc="http://schemas.openxmlformats.org/markup-compatibility/2006">
+<p:sldMaster xmlns:a="http://schemas.openxmlformats.org/drawingml/2006/main" xmlns:r="http://schemas.openxmlformats.org/officeDocument/2006/relationships" xmlns:p="http://schemas.openxmlformats.org/presentationml/2006/main">
   <p:cSld>
     <p:bg>
       <p:bgPr>
         <a:solidFill>
-          <a:srgbClr val="ffffff"/>
+          <a:srgbClr val="FFFFFF"/>
         </a:solidFill>
+        <a:effectLst/>
       </p:bgPr>
     </p:bg>
     <p:spTree>
@@ -4117,7 +4429,7 @@
       </p:grpSpPr>
       <p:sp>
         <p:nvSpPr>
-          <p:cNvPr id="0" name="PlaceHolder 1"/>
+          <p:cNvPr id="2" name="PlaceHolder 1"/>
           <p:cNvSpPr>
             <a:spLocks noGrp="1"/>
           </p:cNvSpPr>
@@ -4135,25 +4447,23 @@
           </a:prstGeom>
         </p:spPr>
         <p:txBody>
-          <a:bodyPr lIns="0" rIns="0" tIns="0" bIns="0" anchor="ctr">
+          <a:bodyPr lIns="0" tIns="0" rIns="0" bIns="0" anchor="ctr">
             <a:noAutofit/>
           </a:bodyPr>
-          <a:p>
-            <a:r>
-              <a:rPr b="0" lang="pt-PT" sz="1800" spc="-1" strike="noStrike">
+          <a:lstStyle/>
+          <a:p>
+            <a:r>
+              <a:rPr lang="pt-PT" sz="1800" b="0" strike="noStrike" spc="-1">
                 <a:latin typeface="Arial"/>
               </a:rPr>
               <a:t>Clique para editar o formato do título</a:t>
             </a:r>
-            <a:endParaRPr b="0" lang="pt-PT" sz="1800" spc="-1" strike="noStrike">
-              <a:latin typeface="Arial"/>
-            </a:endParaRPr>
-          </a:p>
-        </p:txBody>
-      </p:sp>
-      <p:sp>
-        <p:nvSpPr>
-          <p:cNvPr id="1" name="PlaceHolder 2"/>
+          </a:p>
+        </p:txBody>
+      </p:sp>
+      <p:sp>
+        <p:nvSpPr>
+          <p:cNvPr id="3" name="PlaceHolder 2"/>
           <p:cNvSpPr>
             <a:spLocks noGrp="1"/>
           </p:cNvSpPr>
@@ -4171,9 +4481,10 @@
           </a:prstGeom>
         </p:spPr>
         <p:txBody>
-          <a:bodyPr lIns="0" rIns="0" tIns="0" bIns="0">
+          <a:bodyPr lIns="0" tIns="0" rIns="0" bIns="0">
             <a:normAutofit/>
           </a:bodyPr>
+          <a:lstStyle/>
           <a:p>
             <a:pPr marL="432000" indent="-324000">
               <a:spcBef>
@@ -4187,17 +4498,14 @@
               <a:buChar char=""/>
             </a:pPr>
             <a:r>
-              <a:rPr b="0" lang="pt-PT" sz="1800" spc="-1" strike="noStrike">
+              <a:rPr lang="pt-PT" sz="1800" b="0" strike="noStrike" spc="-1">
                 <a:latin typeface="Arial"/>
               </a:rPr>
               <a:t>Clique para editar o formato de texto dos tópicos</a:t>
             </a:r>
-            <a:endParaRPr b="0" lang="pt-PT" sz="1800" spc="-1" strike="noStrike">
-              <a:latin typeface="Arial"/>
-            </a:endParaRPr>
-          </a:p>
-          <a:p>
-            <a:pPr lvl="1" marL="864000" indent="-324000">
+          </a:p>
+          <a:p>
+            <a:pPr marL="864000" lvl="1" indent="-324000">
               <a:spcBef>
                 <a:spcPts val="1134"/>
               </a:spcBef>
@@ -4209,17 +4517,14 @@
               <a:buChar char=""/>
             </a:pPr>
             <a:r>
-              <a:rPr b="0" lang="pt-PT" sz="1800" spc="-1" strike="noStrike">
+              <a:rPr lang="pt-PT" sz="1800" b="0" strike="noStrike" spc="-1">
                 <a:latin typeface="Arial"/>
               </a:rPr>
               <a:t>Segundo nível de tópicos</a:t>
             </a:r>
-            <a:endParaRPr b="0" lang="pt-PT" sz="1800" spc="-1" strike="noStrike">
-              <a:latin typeface="Arial"/>
-            </a:endParaRPr>
-          </a:p>
-          <a:p>
-            <a:pPr lvl="2" marL="1296000" indent="-288000">
+          </a:p>
+          <a:p>
+            <a:pPr marL="1296000" lvl="2" indent="-288000">
               <a:spcBef>
                 <a:spcPts val="850"/>
               </a:spcBef>
@@ -4231,17 +4536,14 @@
               <a:buChar char=""/>
             </a:pPr>
             <a:r>
-              <a:rPr b="0" lang="pt-PT" sz="1800" spc="-1" strike="noStrike">
+              <a:rPr lang="pt-PT" sz="1800" b="0" strike="noStrike" spc="-1">
                 <a:latin typeface="Arial"/>
               </a:rPr>
               <a:t>Terceiro nível de tópicos</a:t>
             </a:r>
-            <a:endParaRPr b="0" lang="pt-PT" sz="1800" spc="-1" strike="noStrike">
-              <a:latin typeface="Arial"/>
-            </a:endParaRPr>
-          </a:p>
-          <a:p>
-            <a:pPr lvl="3" marL="1728000" indent="-216000">
+          </a:p>
+          <a:p>
+            <a:pPr marL="1728000" lvl="3" indent="-216000">
               <a:spcBef>
                 <a:spcPts val="567"/>
               </a:spcBef>
@@ -4253,17 +4555,14 @@
               <a:buChar char=""/>
             </a:pPr>
             <a:r>
-              <a:rPr b="0" lang="pt-PT" sz="1800" spc="-1" strike="noStrike">
+              <a:rPr lang="pt-PT" sz="1800" b="0" strike="noStrike" spc="-1">
                 <a:latin typeface="Arial"/>
               </a:rPr>
               <a:t>Quarto nível de tópicos</a:t>
             </a:r>
-            <a:endParaRPr b="0" lang="pt-PT" sz="1800" spc="-1" strike="noStrike">
-              <a:latin typeface="Arial"/>
-            </a:endParaRPr>
-          </a:p>
-          <a:p>
-            <a:pPr lvl="4" marL="2160000" indent="-216000">
+          </a:p>
+          <a:p>
+            <a:pPr marL="2160000" lvl="4" indent="-216000">
               <a:spcBef>
                 <a:spcPts val="283"/>
               </a:spcBef>
@@ -4275,17 +4574,14 @@
               <a:buChar char=""/>
             </a:pPr>
             <a:r>
-              <a:rPr b="0" lang="pt-PT" sz="1800" spc="-1" strike="noStrike">
+              <a:rPr lang="pt-PT" sz="1800" b="0" strike="noStrike" spc="-1">
                 <a:latin typeface="Arial"/>
               </a:rPr>
               <a:t>Quinto nível de tópicos</a:t>
             </a:r>
-            <a:endParaRPr b="0" lang="pt-PT" sz="1800" spc="-1" strike="noStrike">
-              <a:latin typeface="Arial"/>
-            </a:endParaRPr>
-          </a:p>
-          <a:p>
-            <a:pPr lvl="5" marL="2592000" indent="-216000">
+          </a:p>
+          <a:p>
+            <a:pPr marL="2592000" lvl="5" indent="-216000">
               <a:spcBef>
                 <a:spcPts val="283"/>
               </a:spcBef>
@@ -4297,17 +4593,14 @@
               <a:buChar char=""/>
             </a:pPr>
             <a:r>
-              <a:rPr b="0" lang="pt-PT" sz="1800" spc="-1" strike="noStrike">
+              <a:rPr lang="pt-PT" sz="1800" b="0" strike="noStrike" spc="-1">
                 <a:latin typeface="Arial"/>
               </a:rPr>
               <a:t>Sexto nível de tópicos</a:t>
             </a:r>
-            <a:endParaRPr b="0" lang="pt-PT" sz="1800" spc="-1" strike="noStrike">
-              <a:latin typeface="Arial"/>
-            </a:endParaRPr>
-          </a:p>
-          <a:p>
-            <a:pPr lvl="6" marL="3024000" indent="-216000">
+          </a:p>
+          <a:p>
+            <a:pPr marL="3024000" lvl="6" indent="-216000">
               <a:spcBef>
                 <a:spcPts val="283"/>
               </a:spcBef>
@@ -4319,45 +4612,323 @@
               <a:buChar char=""/>
             </a:pPr>
             <a:r>
-              <a:rPr b="0" lang="pt-PT" sz="1800" spc="-1" strike="noStrike">
+              <a:rPr lang="pt-PT" sz="1800" b="0" strike="noStrike" spc="-1">
                 <a:latin typeface="Arial"/>
               </a:rPr>
               <a:t>Sétimo nível de tópicos</a:t>
             </a:r>
-            <a:endParaRPr b="0" lang="pt-PT" sz="1800" spc="-1" strike="noStrike">
-              <a:latin typeface="Arial"/>
-            </a:endParaRPr>
           </a:p>
         </p:txBody>
       </p:sp>
     </p:spTree>
   </p:cSld>
-  <p:clrMap bg1="lt1" bg2="lt2" tx1="dk1" tx2="dk2" accent1="accent1" accent2="accent2" accent3="accent3" accent4="accent4" accent5="accent5" accent6="accent6" hlink="hlink" folHlink="folHlink"/>
+  <p:clrMap bg1="lt1" tx1="dk1" bg2="lt2" tx2="dk2" accent1="accent1" accent2="accent2" accent3="accent3" accent4="accent4" accent5="accent5" accent6="accent6" hlink="hlink" folHlink="folHlink"/>
   <p:sldLayoutIdLst>
-    <p:sldLayoutId id="2147483649" r:id="rId2"/>
-    <p:sldLayoutId id="2147483650" r:id="rId3"/>
-    <p:sldLayoutId id="2147483651" r:id="rId4"/>
-    <p:sldLayoutId id="2147483652" r:id="rId5"/>
-    <p:sldLayoutId id="2147483653" r:id="rId6"/>
-    <p:sldLayoutId id="2147483654" r:id="rId7"/>
-    <p:sldLayoutId id="2147483655" r:id="rId8"/>
-    <p:sldLayoutId id="2147483656" r:id="rId9"/>
-    <p:sldLayoutId id="2147483657" r:id="rId10"/>
-    <p:sldLayoutId id="2147483658" r:id="rId11"/>
-    <p:sldLayoutId id="2147483659" r:id="rId12"/>
-    <p:sldLayoutId id="2147483660" r:id="rId13"/>
+    <p:sldLayoutId id="2147483649" r:id="rId1"/>
+    <p:sldLayoutId id="2147483650" r:id="rId2"/>
+    <p:sldLayoutId id="2147483651" r:id="rId3"/>
+    <p:sldLayoutId id="2147483652" r:id="rId4"/>
+    <p:sldLayoutId id="2147483653" r:id="rId5"/>
+    <p:sldLayoutId id="2147483654" r:id="rId6"/>
+    <p:sldLayoutId id="2147483655" r:id="rId7"/>
+    <p:sldLayoutId id="2147483656" r:id="rId8"/>
+    <p:sldLayoutId id="2147483657" r:id="rId9"/>
+    <p:sldLayoutId id="2147483658" r:id="rId10"/>
+    <p:sldLayoutId id="2147483659" r:id="rId11"/>
+    <p:sldLayoutId id="2147483660" r:id="rId12"/>
   </p:sldLayoutIdLst>
+  <p:txStyles>
+    <p:titleStyle>
+      <a:lvl1pPr algn="l" defTabSz="914400" rtl="0" eaLnBrk="1" latinLnBrk="0" hangingPunct="1">
+        <a:lnSpc>
+          <a:spcPct val="90000"/>
+        </a:lnSpc>
+        <a:spcBef>
+          <a:spcPct val="0"/>
+        </a:spcBef>
+        <a:buNone/>
+        <a:defRPr sz="4400" kern="1200">
+          <a:solidFill>
+            <a:schemeClr val="tx1"/>
+          </a:solidFill>
+          <a:latin typeface="+mj-lt"/>
+          <a:ea typeface="+mj-ea"/>
+          <a:cs typeface="+mj-cs"/>
+        </a:defRPr>
+      </a:lvl1pPr>
+    </p:titleStyle>
+    <p:bodyStyle>
+      <a:lvl1pPr marL="228600" indent="-228600" algn="l" defTabSz="914400" rtl="0" eaLnBrk="1" latinLnBrk="0" hangingPunct="1">
+        <a:lnSpc>
+          <a:spcPct val="90000"/>
+        </a:lnSpc>
+        <a:spcBef>
+          <a:spcPts val="1000"/>
+        </a:spcBef>
+        <a:buFont typeface="Arial" panose="020B0604020202020204" pitchFamily="34" charset="0"/>
+        <a:buChar char="•"/>
+        <a:defRPr sz="2800" kern="1200">
+          <a:solidFill>
+            <a:schemeClr val="tx1"/>
+          </a:solidFill>
+          <a:latin typeface="+mn-lt"/>
+          <a:ea typeface="+mn-ea"/>
+          <a:cs typeface="+mn-cs"/>
+        </a:defRPr>
+      </a:lvl1pPr>
+      <a:lvl2pPr marL="685800" indent="-228600" algn="l" defTabSz="914400" rtl="0" eaLnBrk="1" latinLnBrk="0" hangingPunct="1">
+        <a:lnSpc>
+          <a:spcPct val="90000"/>
+        </a:lnSpc>
+        <a:spcBef>
+          <a:spcPts val="500"/>
+        </a:spcBef>
+        <a:buFont typeface="Arial" panose="020B0604020202020204" pitchFamily="34" charset="0"/>
+        <a:buChar char="•"/>
+        <a:defRPr sz="2400" kern="1200">
+          <a:solidFill>
+            <a:schemeClr val="tx1"/>
+          </a:solidFill>
+          <a:latin typeface="+mn-lt"/>
+          <a:ea typeface="+mn-ea"/>
+          <a:cs typeface="+mn-cs"/>
+        </a:defRPr>
+      </a:lvl2pPr>
+      <a:lvl3pPr marL="1143000" indent="-228600" algn="l" defTabSz="914400" rtl="0" eaLnBrk="1" latinLnBrk="0" hangingPunct="1">
+        <a:lnSpc>
+          <a:spcPct val="90000"/>
+        </a:lnSpc>
+        <a:spcBef>
+          <a:spcPts val="500"/>
+        </a:spcBef>
+        <a:buFont typeface="Arial" panose="020B0604020202020204" pitchFamily="34" charset="0"/>
+        <a:buChar char="•"/>
+        <a:defRPr sz="2000" kern="1200">
+          <a:solidFill>
+            <a:schemeClr val="tx1"/>
+          </a:solidFill>
+          <a:latin typeface="+mn-lt"/>
+          <a:ea typeface="+mn-ea"/>
+          <a:cs typeface="+mn-cs"/>
+        </a:defRPr>
+      </a:lvl3pPr>
+      <a:lvl4pPr marL="1600200" indent="-228600" algn="l" defTabSz="914400" rtl="0" eaLnBrk="1" latinLnBrk="0" hangingPunct="1">
+        <a:lnSpc>
+          <a:spcPct val="90000"/>
+        </a:lnSpc>
+        <a:spcBef>
+          <a:spcPts val="500"/>
+        </a:spcBef>
+        <a:buFont typeface="Arial" panose="020B0604020202020204" pitchFamily="34" charset="0"/>
+        <a:buChar char="•"/>
+        <a:defRPr sz="1800" kern="1200">
+          <a:solidFill>
+            <a:schemeClr val="tx1"/>
+          </a:solidFill>
+          <a:latin typeface="+mn-lt"/>
+          <a:ea typeface="+mn-ea"/>
+          <a:cs typeface="+mn-cs"/>
+        </a:defRPr>
+      </a:lvl4pPr>
+      <a:lvl5pPr marL="2057400" indent="-228600" algn="l" defTabSz="914400" rtl="0" eaLnBrk="1" latinLnBrk="0" hangingPunct="1">
+        <a:lnSpc>
+          <a:spcPct val="90000"/>
+        </a:lnSpc>
+        <a:spcBef>
+          <a:spcPts val="500"/>
+        </a:spcBef>
+        <a:buFont typeface="Arial" panose="020B0604020202020204" pitchFamily="34" charset="0"/>
+        <a:buChar char="•"/>
+        <a:defRPr sz="1800" kern="1200">
+          <a:solidFill>
+            <a:schemeClr val="tx1"/>
+          </a:solidFill>
+          <a:latin typeface="+mn-lt"/>
+          <a:ea typeface="+mn-ea"/>
+          <a:cs typeface="+mn-cs"/>
+        </a:defRPr>
+      </a:lvl5pPr>
+      <a:lvl6pPr marL="2514600" indent="-228600" algn="l" defTabSz="914400" rtl="0" eaLnBrk="1" latinLnBrk="0" hangingPunct="1">
+        <a:lnSpc>
+          <a:spcPct val="90000"/>
+        </a:lnSpc>
+        <a:spcBef>
+          <a:spcPts val="500"/>
+        </a:spcBef>
+        <a:buFont typeface="Arial" panose="020B0604020202020204" pitchFamily="34" charset="0"/>
+        <a:buChar char="•"/>
+        <a:defRPr sz="1800" kern="1200">
+          <a:solidFill>
+            <a:schemeClr val="tx1"/>
+          </a:solidFill>
+          <a:latin typeface="+mn-lt"/>
+          <a:ea typeface="+mn-ea"/>
+          <a:cs typeface="+mn-cs"/>
+        </a:defRPr>
+      </a:lvl6pPr>
+      <a:lvl7pPr marL="2971800" indent="-228600" algn="l" defTabSz="914400" rtl="0" eaLnBrk="1" latinLnBrk="0" hangingPunct="1">
+        <a:lnSpc>
+          <a:spcPct val="90000"/>
+        </a:lnSpc>
+        <a:spcBef>
+          <a:spcPts val="500"/>
+        </a:spcBef>
+        <a:buFont typeface="Arial" panose="020B0604020202020204" pitchFamily="34" charset="0"/>
+        <a:buChar char="•"/>
+        <a:defRPr sz="1800" kern="1200">
+          <a:solidFill>
+            <a:schemeClr val="tx1"/>
+          </a:solidFill>
+          <a:latin typeface="+mn-lt"/>
+          <a:ea typeface="+mn-ea"/>
+          <a:cs typeface="+mn-cs"/>
+        </a:defRPr>
+      </a:lvl7pPr>
+      <a:lvl8pPr marL="3429000" indent="-228600" algn="l" defTabSz="914400" rtl="0" eaLnBrk="1" latinLnBrk="0" hangingPunct="1">
+        <a:lnSpc>
+          <a:spcPct val="90000"/>
+        </a:lnSpc>
+        <a:spcBef>
+          <a:spcPts val="500"/>
+        </a:spcBef>
+        <a:buFont typeface="Arial" panose="020B0604020202020204" pitchFamily="34" charset="0"/>
+        <a:buChar char="•"/>
+        <a:defRPr sz="1800" kern="1200">
+          <a:solidFill>
+            <a:schemeClr val="tx1"/>
+          </a:solidFill>
+          <a:latin typeface="+mn-lt"/>
+          <a:ea typeface="+mn-ea"/>
+          <a:cs typeface="+mn-cs"/>
+        </a:defRPr>
+      </a:lvl8pPr>
+      <a:lvl9pPr marL="3886200" indent="-228600" algn="l" defTabSz="914400" rtl="0" eaLnBrk="1" latinLnBrk="0" hangingPunct="1">
+        <a:lnSpc>
+          <a:spcPct val="90000"/>
+        </a:lnSpc>
+        <a:spcBef>
+          <a:spcPts val="500"/>
+        </a:spcBef>
+        <a:buFont typeface="Arial" panose="020B0604020202020204" pitchFamily="34" charset="0"/>
+        <a:buChar char="•"/>
+        <a:defRPr sz="1800" kern="1200">
+          <a:solidFill>
+            <a:schemeClr val="tx1"/>
+          </a:solidFill>
+          <a:latin typeface="+mn-lt"/>
+          <a:ea typeface="+mn-ea"/>
+          <a:cs typeface="+mn-cs"/>
+        </a:defRPr>
+      </a:lvl9pPr>
+    </p:bodyStyle>
+    <p:otherStyle>
+      <a:defPPr>
+        <a:defRPr lang="pt-PT"/>
+      </a:defPPr>
+      <a:lvl1pPr marL="0" algn="l" defTabSz="914400" rtl="0" eaLnBrk="1" latinLnBrk="0" hangingPunct="1">
+        <a:defRPr sz="1800" kern="1200">
+          <a:solidFill>
+            <a:schemeClr val="tx1"/>
+          </a:solidFill>
+          <a:latin typeface="+mn-lt"/>
+          <a:ea typeface="+mn-ea"/>
+          <a:cs typeface="+mn-cs"/>
+        </a:defRPr>
+      </a:lvl1pPr>
+      <a:lvl2pPr marL="457200" algn="l" defTabSz="914400" rtl="0" eaLnBrk="1" latinLnBrk="0" hangingPunct="1">
+        <a:defRPr sz="1800" kern="1200">
+          <a:solidFill>
+            <a:schemeClr val="tx1"/>
+          </a:solidFill>
+          <a:latin typeface="+mn-lt"/>
+          <a:ea typeface="+mn-ea"/>
+          <a:cs typeface="+mn-cs"/>
+        </a:defRPr>
+      </a:lvl2pPr>
+      <a:lvl3pPr marL="914400" algn="l" defTabSz="914400" rtl="0" eaLnBrk="1" latinLnBrk="0" hangingPunct="1">
+        <a:defRPr sz="1800" kern="1200">
+          <a:solidFill>
+            <a:schemeClr val="tx1"/>
+          </a:solidFill>
+          <a:latin typeface="+mn-lt"/>
+          <a:ea typeface="+mn-ea"/>
+          <a:cs typeface="+mn-cs"/>
+        </a:defRPr>
+      </a:lvl3pPr>
+      <a:lvl4pPr marL="1371600" algn="l" defTabSz="914400" rtl="0" eaLnBrk="1" latinLnBrk="0" hangingPunct="1">
+        <a:defRPr sz="1800" kern="1200">
+          <a:solidFill>
+            <a:schemeClr val="tx1"/>
+          </a:solidFill>
+          <a:latin typeface="+mn-lt"/>
+          <a:ea typeface="+mn-ea"/>
+          <a:cs typeface="+mn-cs"/>
+        </a:defRPr>
+      </a:lvl4pPr>
+      <a:lvl5pPr marL="1828800" algn="l" defTabSz="914400" rtl="0" eaLnBrk="1" latinLnBrk="0" hangingPunct="1">
+        <a:defRPr sz="1800" kern="1200">
+          <a:solidFill>
+            <a:schemeClr val="tx1"/>
+          </a:solidFill>
+          <a:latin typeface="+mn-lt"/>
+          <a:ea typeface="+mn-ea"/>
+          <a:cs typeface="+mn-cs"/>
+        </a:defRPr>
+      </a:lvl5pPr>
+      <a:lvl6pPr marL="2286000" algn="l" defTabSz="914400" rtl="0" eaLnBrk="1" latinLnBrk="0" hangingPunct="1">
+        <a:defRPr sz="1800" kern="1200">
+          <a:solidFill>
+            <a:schemeClr val="tx1"/>
+          </a:solidFill>
+          <a:latin typeface="+mn-lt"/>
+          <a:ea typeface="+mn-ea"/>
+          <a:cs typeface="+mn-cs"/>
+        </a:defRPr>
+      </a:lvl6pPr>
+      <a:lvl7pPr marL="2743200" algn="l" defTabSz="914400" rtl="0" eaLnBrk="1" latinLnBrk="0" hangingPunct="1">
+        <a:defRPr sz="1800" kern="1200">
+          <a:solidFill>
+            <a:schemeClr val="tx1"/>
+          </a:solidFill>
+          <a:latin typeface="+mn-lt"/>
+          <a:ea typeface="+mn-ea"/>
+          <a:cs typeface="+mn-cs"/>
+        </a:defRPr>
+      </a:lvl7pPr>
+      <a:lvl8pPr marL="3200400" algn="l" defTabSz="914400" rtl="0" eaLnBrk="1" latinLnBrk="0" hangingPunct="1">
+        <a:defRPr sz="1800" kern="1200">
+          <a:solidFill>
+            <a:schemeClr val="tx1"/>
+          </a:solidFill>
+          <a:latin typeface="+mn-lt"/>
+          <a:ea typeface="+mn-ea"/>
+          <a:cs typeface="+mn-cs"/>
+        </a:defRPr>
+      </a:lvl8pPr>
+      <a:lvl9pPr marL="3657600" algn="l" defTabSz="914400" rtl="0" eaLnBrk="1" latinLnBrk="0" hangingPunct="1">
+        <a:defRPr sz="1800" kern="1200">
+          <a:solidFill>
+            <a:schemeClr val="tx1"/>
+          </a:solidFill>
+          <a:latin typeface="+mn-lt"/>
+          <a:ea typeface="+mn-ea"/>
+          <a:cs typeface="+mn-cs"/>
+        </a:defRPr>
+      </a:lvl9pPr>
+    </p:otherStyle>
+  </p:txStyles>
 </p:sldMaster>
 </file>
 
 <file path=ppt/slideMasters/slideMaster2.xml><?xml version="1.0" encoding="utf-8"?>
-<p:sldMaster xmlns:a="http://schemas.openxmlformats.org/drawingml/2006/main" xmlns:p="http://schemas.openxmlformats.org/presentationml/2006/main" xmlns:r="http://schemas.openxmlformats.org/officeDocument/2006/relationships" xmlns:p14="http://schemas.microsoft.com/office/powerpoint/2010/main" xmlns:p15="http://schemas.microsoft.com/office/powerpoint/2012/main" xmlns:mc="http://schemas.openxmlformats.org/markup-compatibility/2006">
+<p:sldMaster xmlns:a="http://schemas.openxmlformats.org/drawingml/2006/main" xmlns:r="http://schemas.openxmlformats.org/officeDocument/2006/relationships" xmlns:p="http://schemas.openxmlformats.org/presentationml/2006/main">
   <p:cSld>
     <p:bg>
       <p:bgPr>
         <a:solidFill>
-          <a:srgbClr val="ffffff"/>
+          <a:srgbClr val="FFFFFF"/>
         </a:solidFill>
+        <a:effectLst/>
       </p:bgPr>
     </p:bg>
     <p:spTree>
@@ -4394,20 +4965,18 @@
           </a:prstGeom>
         </p:spPr>
         <p:txBody>
-          <a:bodyPr lIns="0" rIns="0" tIns="0" bIns="0" anchor="ctr">
+          <a:bodyPr lIns="0" tIns="0" rIns="0" bIns="0" anchor="ctr">
             <a:noAutofit/>
           </a:bodyPr>
+          <a:lstStyle/>
           <a:p>
             <a:pPr algn="ctr"/>
             <a:r>
-              <a:rPr b="0" lang="pt-PT" sz="4400" spc="-1" strike="noStrike">
+              <a:rPr lang="pt-PT" sz="4400" b="0" strike="noStrike" spc="-1">
                 <a:latin typeface="Arial"/>
               </a:rPr>
               <a:t>Clique para editar o formato do título</a:t>
             </a:r>
-            <a:endParaRPr b="0" lang="pt-PT" sz="4400" spc="-1" strike="noStrike">
-              <a:latin typeface="Arial"/>
-            </a:endParaRPr>
           </a:p>
         </p:txBody>
       </p:sp>
@@ -4431,9 +5000,10 @@
           </a:prstGeom>
         </p:spPr>
         <p:txBody>
-          <a:bodyPr lIns="0" rIns="0" tIns="0" bIns="0">
+          <a:bodyPr lIns="0" tIns="0" rIns="0" bIns="0">
             <a:normAutofit/>
           </a:bodyPr>
+          <a:lstStyle/>
           <a:p>
             <a:pPr marL="432000" indent="-324000">
               <a:spcBef>
@@ -4447,17 +5017,14 @@
               <a:buChar char=""/>
             </a:pPr>
             <a:r>
-              <a:rPr b="0" lang="pt-PT" sz="3200" spc="-1" strike="noStrike">
+              <a:rPr lang="pt-PT" sz="3200" b="0" strike="noStrike" spc="-1">
                 <a:latin typeface="Arial"/>
               </a:rPr>
               <a:t>Clique para editar o formato de texto dos tópicos</a:t>
             </a:r>
-            <a:endParaRPr b="0" lang="pt-PT" sz="3200" spc="-1" strike="noStrike">
-              <a:latin typeface="Arial"/>
-            </a:endParaRPr>
-          </a:p>
-          <a:p>
-            <a:pPr lvl="1" marL="864000" indent="-324000">
+          </a:p>
+          <a:p>
+            <a:pPr marL="864000" lvl="1" indent="-324000">
               <a:spcBef>
                 <a:spcPts val="1134"/>
               </a:spcBef>
@@ -4469,17 +5036,14 @@
               <a:buChar char=""/>
             </a:pPr>
             <a:r>
-              <a:rPr b="0" lang="pt-PT" sz="2800" spc="-1" strike="noStrike">
+              <a:rPr lang="pt-PT" sz="2800" b="0" strike="noStrike" spc="-1">
                 <a:latin typeface="Arial"/>
               </a:rPr>
               <a:t>Segundo nível de tópicos</a:t>
             </a:r>
-            <a:endParaRPr b="0" lang="pt-PT" sz="2800" spc="-1" strike="noStrike">
-              <a:latin typeface="Arial"/>
-            </a:endParaRPr>
-          </a:p>
-          <a:p>
-            <a:pPr lvl="2" marL="1296000" indent="-288000">
+          </a:p>
+          <a:p>
+            <a:pPr marL="1296000" lvl="2" indent="-288000">
               <a:spcBef>
                 <a:spcPts val="850"/>
               </a:spcBef>
@@ -4491,17 +5055,14 @@
               <a:buChar char=""/>
             </a:pPr>
             <a:r>
-              <a:rPr b="0" lang="pt-PT" sz="2400" spc="-1" strike="noStrike">
+              <a:rPr lang="pt-PT" sz="2400" b="0" strike="noStrike" spc="-1">
                 <a:latin typeface="Arial"/>
               </a:rPr>
               <a:t>Terceiro nível de tópicos</a:t>
             </a:r>
-            <a:endParaRPr b="0" lang="pt-PT" sz="2400" spc="-1" strike="noStrike">
-              <a:latin typeface="Arial"/>
-            </a:endParaRPr>
-          </a:p>
-          <a:p>
-            <a:pPr lvl="3" marL="1728000" indent="-216000">
+          </a:p>
+          <a:p>
+            <a:pPr marL="1728000" lvl="3" indent="-216000">
               <a:spcBef>
                 <a:spcPts val="567"/>
               </a:spcBef>
@@ -4513,17 +5074,14 @@
               <a:buChar char=""/>
             </a:pPr>
             <a:r>
-              <a:rPr b="0" lang="pt-PT" sz="2000" spc="-1" strike="noStrike">
+              <a:rPr lang="pt-PT" sz="2000" b="0" strike="noStrike" spc="-1">
                 <a:latin typeface="Arial"/>
               </a:rPr>
               <a:t>Quarto nível de tópicos</a:t>
             </a:r>
-            <a:endParaRPr b="0" lang="pt-PT" sz="2000" spc="-1" strike="noStrike">
-              <a:latin typeface="Arial"/>
-            </a:endParaRPr>
-          </a:p>
-          <a:p>
-            <a:pPr lvl="4" marL="2160000" indent="-216000">
+          </a:p>
+          <a:p>
+            <a:pPr marL="2160000" lvl="4" indent="-216000">
               <a:spcBef>
                 <a:spcPts val="283"/>
               </a:spcBef>
@@ -4535,17 +5093,14 @@
               <a:buChar char=""/>
             </a:pPr>
             <a:r>
-              <a:rPr b="0" lang="pt-PT" sz="2000" spc="-1" strike="noStrike">
+              <a:rPr lang="pt-PT" sz="2000" b="0" strike="noStrike" spc="-1">
                 <a:latin typeface="Arial"/>
               </a:rPr>
               <a:t>Quinto nível de tópicos</a:t>
             </a:r>
-            <a:endParaRPr b="0" lang="pt-PT" sz="2000" spc="-1" strike="noStrike">
-              <a:latin typeface="Arial"/>
-            </a:endParaRPr>
-          </a:p>
-          <a:p>
-            <a:pPr lvl="5" marL="2592000" indent="-216000">
+          </a:p>
+          <a:p>
+            <a:pPr marL="2592000" lvl="5" indent="-216000">
               <a:spcBef>
                 <a:spcPts val="283"/>
               </a:spcBef>
@@ -4557,17 +5112,14 @@
               <a:buChar char=""/>
             </a:pPr>
             <a:r>
-              <a:rPr b="0" lang="pt-PT" sz="2000" spc="-1" strike="noStrike">
+              <a:rPr lang="pt-PT" sz="2000" b="0" strike="noStrike" spc="-1">
                 <a:latin typeface="Arial"/>
               </a:rPr>
               <a:t>Sexto nível de tópicos</a:t>
             </a:r>
-            <a:endParaRPr b="0" lang="pt-PT" sz="2000" spc="-1" strike="noStrike">
-              <a:latin typeface="Arial"/>
-            </a:endParaRPr>
-          </a:p>
-          <a:p>
-            <a:pPr lvl="6" marL="3024000" indent="-216000">
+          </a:p>
+          <a:p>
+            <a:pPr marL="3024000" lvl="6" indent="-216000">
               <a:spcBef>
                 <a:spcPts val="283"/>
               </a:spcBef>
@@ -4579,45 +5131,323 @@
               <a:buChar char=""/>
             </a:pPr>
             <a:r>
-              <a:rPr b="0" lang="pt-PT" sz="2000" spc="-1" strike="noStrike">
+              <a:rPr lang="pt-PT" sz="2000" b="0" strike="noStrike" spc="-1">
                 <a:latin typeface="Arial"/>
               </a:rPr>
               <a:t>Sétimo nível de tópicos</a:t>
             </a:r>
-            <a:endParaRPr b="0" lang="pt-PT" sz="2000" spc="-1" strike="noStrike">
-              <a:latin typeface="Arial"/>
-            </a:endParaRPr>
           </a:p>
         </p:txBody>
       </p:sp>
     </p:spTree>
   </p:cSld>
-  <p:clrMap bg1="lt1" bg2="lt2" tx1="dk1" tx2="dk2" accent1="accent1" accent2="accent2" accent3="accent3" accent4="accent4" accent5="accent5" accent6="accent6" hlink="hlink" folHlink="folHlink"/>
+  <p:clrMap bg1="lt1" tx1="dk1" bg2="lt2" tx2="dk2" accent1="accent1" accent2="accent2" accent3="accent3" accent4="accent4" accent5="accent5" accent6="accent6" hlink="hlink" folHlink="folHlink"/>
   <p:sldLayoutIdLst>
-    <p:sldLayoutId id="2147483662" r:id="rId2"/>
-    <p:sldLayoutId id="2147483663" r:id="rId3"/>
-    <p:sldLayoutId id="2147483664" r:id="rId4"/>
-    <p:sldLayoutId id="2147483665" r:id="rId5"/>
-    <p:sldLayoutId id="2147483666" r:id="rId6"/>
-    <p:sldLayoutId id="2147483667" r:id="rId7"/>
-    <p:sldLayoutId id="2147483668" r:id="rId8"/>
-    <p:sldLayoutId id="2147483669" r:id="rId9"/>
-    <p:sldLayoutId id="2147483670" r:id="rId10"/>
-    <p:sldLayoutId id="2147483671" r:id="rId11"/>
-    <p:sldLayoutId id="2147483672" r:id="rId12"/>
-    <p:sldLayoutId id="2147483673" r:id="rId13"/>
+    <p:sldLayoutId id="2147483662" r:id="rId1"/>
+    <p:sldLayoutId id="2147483663" r:id="rId2"/>
+    <p:sldLayoutId id="2147483664" r:id="rId3"/>
+    <p:sldLayoutId id="2147483665" r:id="rId4"/>
+    <p:sldLayoutId id="2147483666" r:id="rId5"/>
+    <p:sldLayoutId id="2147483667" r:id="rId6"/>
+    <p:sldLayoutId id="2147483668" r:id="rId7"/>
+    <p:sldLayoutId id="2147483669" r:id="rId8"/>
+    <p:sldLayoutId id="2147483670" r:id="rId9"/>
+    <p:sldLayoutId id="2147483671" r:id="rId10"/>
+    <p:sldLayoutId id="2147483672" r:id="rId11"/>
+    <p:sldLayoutId id="2147483673" r:id="rId12"/>
   </p:sldLayoutIdLst>
+  <p:txStyles>
+    <p:titleStyle>
+      <a:lvl1pPr algn="l" defTabSz="914400" rtl="0" eaLnBrk="1" latinLnBrk="0" hangingPunct="1">
+        <a:lnSpc>
+          <a:spcPct val="90000"/>
+        </a:lnSpc>
+        <a:spcBef>
+          <a:spcPct val="0"/>
+        </a:spcBef>
+        <a:buNone/>
+        <a:defRPr sz="4400" kern="1200">
+          <a:solidFill>
+            <a:schemeClr val="tx1"/>
+          </a:solidFill>
+          <a:latin typeface="+mj-lt"/>
+          <a:ea typeface="+mj-ea"/>
+          <a:cs typeface="+mj-cs"/>
+        </a:defRPr>
+      </a:lvl1pPr>
+    </p:titleStyle>
+    <p:bodyStyle>
+      <a:lvl1pPr marL="228600" indent="-228600" algn="l" defTabSz="914400" rtl="0" eaLnBrk="1" latinLnBrk="0" hangingPunct="1">
+        <a:lnSpc>
+          <a:spcPct val="90000"/>
+        </a:lnSpc>
+        <a:spcBef>
+          <a:spcPts val="1000"/>
+        </a:spcBef>
+        <a:buFont typeface="Arial" panose="020B0604020202020204" pitchFamily="34" charset="0"/>
+        <a:buChar char="•"/>
+        <a:defRPr sz="2800" kern="1200">
+          <a:solidFill>
+            <a:schemeClr val="tx1"/>
+          </a:solidFill>
+          <a:latin typeface="+mn-lt"/>
+          <a:ea typeface="+mn-ea"/>
+          <a:cs typeface="+mn-cs"/>
+        </a:defRPr>
+      </a:lvl1pPr>
+      <a:lvl2pPr marL="685800" indent="-228600" algn="l" defTabSz="914400" rtl="0" eaLnBrk="1" latinLnBrk="0" hangingPunct="1">
+        <a:lnSpc>
+          <a:spcPct val="90000"/>
+        </a:lnSpc>
+        <a:spcBef>
+          <a:spcPts val="500"/>
+        </a:spcBef>
+        <a:buFont typeface="Arial" panose="020B0604020202020204" pitchFamily="34" charset="0"/>
+        <a:buChar char="•"/>
+        <a:defRPr sz="2400" kern="1200">
+          <a:solidFill>
+            <a:schemeClr val="tx1"/>
+          </a:solidFill>
+          <a:latin typeface="+mn-lt"/>
+          <a:ea typeface="+mn-ea"/>
+          <a:cs typeface="+mn-cs"/>
+        </a:defRPr>
+      </a:lvl2pPr>
+      <a:lvl3pPr marL="1143000" indent="-228600" algn="l" defTabSz="914400" rtl="0" eaLnBrk="1" latinLnBrk="0" hangingPunct="1">
+        <a:lnSpc>
+          <a:spcPct val="90000"/>
+        </a:lnSpc>
+        <a:spcBef>
+          <a:spcPts val="500"/>
+        </a:spcBef>
+        <a:buFont typeface="Arial" panose="020B0604020202020204" pitchFamily="34" charset="0"/>
+        <a:buChar char="•"/>
+        <a:defRPr sz="2000" kern="1200">
+          <a:solidFill>
+            <a:schemeClr val="tx1"/>
+          </a:solidFill>
+          <a:latin typeface="+mn-lt"/>
+          <a:ea typeface="+mn-ea"/>
+          <a:cs typeface="+mn-cs"/>
+        </a:defRPr>
+      </a:lvl3pPr>
+      <a:lvl4pPr marL="1600200" indent="-228600" algn="l" defTabSz="914400" rtl="0" eaLnBrk="1" latinLnBrk="0" hangingPunct="1">
+        <a:lnSpc>
+          <a:spcPct val="90000"/>
+        </a:lnSpc>
+        <a:spcBef>
+          <a:spcPts val="500"/>
+        </a:spcBef>
+        <a:buFont typeface="Arial" panose="020B0604020202020204" pitchFamily="34" charset="0"/>
+        <a:buChar char="•"/>
+        <a:defRPr sz="1800" kern="1200">
+          <a:solidFill>
+            <a:schemeClr val="tx1"/>
+          </a:solidFill>
+          <a:latin typeface="+mn-lt"/>
+          <a:ea typeface="+mn-ea"/>
+          <a:cs typeface="+mn-cs"/>
+        </a:defRPr>
+      </a:lvl4pPr>
+      <a:lvl5pPr marL="2057400" indent="-228600" algn="l" defTabSz="914400" rtl="0" eaLnBrk="1" latinLnBrk="0" hangingPunct="1">
+        <a:lnSpc>
+          <a:spcPct val="90000"/>
+        </a:lnSpc>
+        <a:spcBef>
+          <a:spcPts val="500"/>
+        </a:spcBef>
+        <a:buFont typeface="Arial" panose="020B0604020202020204" pitchFamily="34" charset="0"/>
+        <a:buChar char="•"/>
+        <a:defRPr sz="1800" kern="1200">
+          <a:solidFill>
+            <a:schemeClr val="tx1"/>
+          </a:solidFill>
+          <a:latin typeface="+mn-lt"/>
+          <a:ea typeface="+mn-ea"/>
+          <a:cs typeface="+mn-cs"/>
+        </a:defRPr>
+      </a:lvl5pPr>
+      <a:lvl6pPr marL="2514600" indent="-228600" algn="l" defTabSz="914400" rtl="0" eaLnBrk="1" latinLnBrk="0" hangingPunct="1">
+        <a:lnSpc>
+          <a:spcPct val="90000"/>
+        </a:lnSpc>
+        <a:spcBef>
+          <a:spcPts val="500"/>
+        </a:spcBef>
+        <a:buFont typeface="Arial" panose="020B0604020202020204" pitchFamily="34" charset="0"/>
+        <a:buChar char="•"/>
+        <a:defRPr sz="1800" kern="1200">
+          <a:solidFill>
+            <a:schemeClr val="tx1"/>
+          </a:solidFill>
+          <a:latin typeface="+mn-lt"/>
+          <a:ea typeface="+mn-ea"/>
+          <a:cs typeface="+mn-cs"/>
+        </a:defRPr>
+      </a:lvl6pPr>
+      <a:lvl7pPr marL="2971800" indent="-228600" algn="l" defTabSz="914400" rtl="0" eaLnBrk="1" latinLnBrk="0" hangingPunct="1">
+        <a:lnSpc>
+          <a:spcPct val="90000"/>
+        </a:lnSpc>
+        <a:spcBef>
+          <a:spcPts val="500"/>
+        </a:spcBef>
+        <a:buFont typeface="Arial" panose="020B0604020202020204" pitchFamily="34" charset="0"/>
+        <a:buChar char="•"/>
+        <a:defRPr sz="1800" kern="1200">
+          <a:solidFill>
+            <a:schemeClr val="tx1"/>
+          </a:solidFill>
+          <a:latin typeface="+mn-lt"/>
+          <a:ea typeface="+mn-ea"/>
+          <a:cs typeface="+mn-cs"/>
+        </a:defRPr>
+      </a:lvl7pPr>
+      <a:lvl8pPr marL="3429000" indent="-228600" algn="l" defTabSz="914400" rtl="0" eaLnBrk="1" latinLnBrk="0" hangingPunct="1">
+        <a:lnSpc>
+          <a:spcPct val="90000"/>
+        </a:lnSpc>
+        <a:spcBef>
+          <a:spcPts val="500"/>
+        </a:spcBef>
+        <a:buFont typeface="Arial" panose="020B0604020202020204" pitchFamily="34" charset="0"/>
+        <a:buChar char="•"/>
+        <a:defRPr sz="1800" kern="1200">
+          <a:solidFill>
+            <a:schemeClr val="tx1"/>
+          </a:solidFill>
+          <a:latin typeface="+mn-lt"/>
+          <a:ea typeface="+mn-ea"/>
+          <a:cs typeface="+mn-cs"/>
+        </a:defRPr>
+      </a:lvl8pPr>
+      <a:lvl9pPr marL="3886200" indent="-228600" algn="l" defTabSz="914400" rtl="0" eaLnBrk="1" latinLnBrk="0" hangingPunct="1">
+        <a:lnSpc>
+          <a:spcPct val="90000"/>
+        </a:lnSpc>
+        <a:spcBef>
+          <a:spcPts val="500"/>
+        </a:spcBef>
+        <a:buFont typeface="Arial" panose="020B0604020202020204" pitchFamily="34" charset="0"/>
+        <a:buChar char="•"/>
+        <a:defRPr sz="1800" kern="1200">
+          <a:solidFill>
+            <a:schemeClr val="tx1"/>
+          </a:solidFill>
+          <a:latin typeface="+mn-lt"/>
+          <a:ea typeface="+mn-ea"/>
+          <a:cs typeface="+mn-cs"/>
+        </a:defRPr>
+      </a:lvl9pPr>
+    </p:bodyStyle>
+    <p:otherStyle>
+      <a:defPPr>
+        <a:defRPr lang="pt-PT"/>
+      </a:defPPr>
+      <a:lvl1pPr marL="0" algn="l" defTabSz="914400" rtl="0" eaLnBrk="1" latinLnBrk="0" hangingPunct="1">
+        <a:defRPr sz="1800" kern="1200">
+          <a:solidFill>
+            <a:schemeClr val="tx1"/>
+          </a:solidFill>
+          <a:latin typeface="+mn-lt"/>
+          <a:ea typeface="+mn-ea"/>
+          <a:cs typeface="+mn-cs"/>
+        </a:defRPr>
+      </a:lvl1pPr>
+      <a:lvl2pPr marL="457200" algn="l" defTabSz="914400" rtl="0" eaLnBrk="1" latinLnBrk="0" hangingPunct="1">
+        <a:defRPr sz="1800" kern="1200">
+          <a:solidFill>
+            <a:schemeClr val="tx1"/>
+          </a:solidFill>
+          <a:latin typeface="+mn-lt"/>
+          <a:ea typeface="+mn-ea"/>
+          <a:cs typeface="+mn-cs"/>
+        </a:defRPr>
+      </a:lvl2pPr>
+      <a:lvl3pPr marL="914400" algn="l" defTabSz="914400" rtl="0" eaLnBrk="1" latinLnBrk="0" hangingPunct="1">
+        <a:defRPr sz="1800" kern="1200">
+          <a:solidFill>
+            <a:schemeClr val="tx1"/>
+          </a:solidFill>
+          <a:latin typeface="+mn-lt"/>
+          <a:ea typeface="+mn-ea"/>
+          <a:cs typeface="+mn-cs"/>
+        </a:defRPr>
+      </a:lvl3pPr>
+      <a:lvl4pPr marL="1371600" algn="l" defTabSz="914400" rtl="0" eaLnBrk="1" latinLnBrk="0" hangingPunct="1">
+        <a:defRPr sz="1800" kern="1200">
+          <a:solidFill>
+            <a:schemeClr val="tx1"/>
+          </a:solidFill>
+          <a:latin typeface="+mn-lt"/>
+          <a:ea typeface="+mn-ea"/>
+          <a:cs typeface="+mn-cs"/>
+        </a:defRPr>
+      </a:lvl4pPr>
+      <a:lvl5pPr marL="1828800" algn="l" defTabSz="914400" rtl="0" eaLnBrk="1" latinLnBrk="0" hangingPunct="1">
+        <a:defRPr sz="1800" kern="1200">
+          <a:solidFill>
+            <a:schemeClr val="tx1"/>
+          </a:solidFill>
+          <a:latin typeface="+mn-lt"/>
+          <a:ea typeface="+mn-ea"/>
+          <a:cs typeface="+mn-cs"/>
+        </a:defRPr>
+      </a:lvl5pPr>
+      <a:lvl6pPr marL="2286000" algn="l" defTabSz="914400" rtl="0" eaLnBrk="1" latinLnBrk="0" hangingPunct="1">
+        <a:defRPr sz="1800" kern="1200">
+          <a:solidFill>
+            <a:schemeClr val="tx1"/>
+          </a:solidFill>
+          <a:latin typeface="+mn-lt"/>
+          <a:ea typeface="+mn-ea"/>
+          <a:cs typeface="+mn-cs"/>
+        </a:defRPr>
+      </a:lvl6pPr>
+      <a:lvl7pPr marL="2743200" algn="l" defTabSz="914400" rtl="0" eaLnBrk="1" latinLnBrk="0" hangingPunct="1">
+        <a:defRPr sz="1800" kern="1200">
+          <a:solidFill>
+            <a:schemeClr val="tx1"/>
+          </a:solidFill>
+          <a:latin typeface="+mn-lt"/>
+          <a:ea typeface="+mn-ea"/>
+          <a:cs typeface="+mn-cs"/>
+        </a:defRPr>
+      </a:lvl7pPr>
+      <a:lvl8pPr marL="3200400" algn="l" defTabSz="914400" rtl="0" eaLnBrk="1" latinLnBrk="0" hangingPunct="1">
+        <a:defRPr sz="1800" kern="1200">
+          <a:solidFill>
+            <a:schemeClr val="tx1"/>
+          </a:solidFill>
+          <a:latin typeface="+mn-lt"/>
+          <a:ea typeface="+mn-ea"/>
+          <a:cs typeface="+mn-cs"/>
+        </a:defRPr>
+      </a:lvl8pPr>
+      <a:lvl9pPr marL="3657600" algn="l" defTabSz="914400" rtl="0" eaLnBrk="1" latinLnBrk="0" hangingPunct="1">
+        <a:defRPr sz="1800" kern="1200">
+          <a:solidFill>
+            <a:schemeClr val="tx1"/>
+          </a:solidFill>
+          <a:latin typeface="+mn-lt"/>
+          <a:ea typeface="+mn-ea"/>
+          <a:cs typeface="+mn-cs"/>
+        </a:defRPr>
+      </a:lvl9pPr>
+    </p:otherStyle>
+  </p:txStyles>
 </p:sldMaster>
 </file>
 
 <file path=ppt/slideMasters/slideMaster3.xml><?xml version="1.0" encoding="utf-8"?>
-<p:sldMaster xmlns:a="http://schemas.openxmlformats.org/drawingml/2006/main" xmlns:p="http://schemas.openxmlformats.org/presentationml/2006/main" xmlns:r="http://schemas.openxmlformats.org/officeDocument/2006/relationships" xmlns:p14="http://schemas.microsoft.com/office/powerpoint/2010/main" xmlns:p15="http://schemas.microsoft.com/office/powerpoint/2012/main" xmlns:mc="http://schemas.openxmlformats.org/markup-compatibility/2006">
+<p:sldMaster xmlns:a="http://schemas.openxmlformats.org/drawingml/2006/main" xmlns:r="http://schemas.openxmlformats.org/officeDocument/2006/relationships" xmlns:p="http://schemas.openxmlformats.org/presentationml/2006/main">
   <p:cSld>
     <p:bg>
       <p:bgPr>
         <a:solidFill>
-          <a:srgbClr val="ffffff"/>
+          <a:srgbClr val="FFFFFF"/>
         </a:solidFill>
+        <a:effectLst/>
       </p:bgPr>
     </p:bg>
     <p:spTree>
@@ -4654,19 +5484,17 @@
           </a:prstGeom>
         </p:spPr>
         <p:txBody>
-          <a:bodyPr lIns="0" rIns="0" tIns="0" bIns="0" anchor="ctr">
+          <a:bodyPr lIns="0" tIns="0" rIns="0" bIns="0" anchor="ctr">
             <a:noAutofit/>
           </a:bodyPr>
-          <a:p>
-            <a:r>
-              <a:rPr b="0" lang="pt-PT" sz="1800" spc="-1" strike="noStrike">
+          <a:lstStyle/>
+          <a:p>
+            <a:r>
+              <a:rPr lang="pt-PT" sz="1800" b="0" strike="noStrike" spc="-1">
                 <a:latin typeface="Arial"/>
               </a:rPr>
               <a:t>Clique para editar o formato do título</a:t>
             </a:r>
-            <a:endParaRPr b="0" lang="pt-PT" sz="1800" spc="-1" strike="noStrike">
-              <a:latin typeface="Arial"/>
-            </a:endParaRPr>
           </a:p>
         </p:txBody>
       </p:sp>
@@ -4690,9 +5518,10 @@
           </a:prstGeom>
         </p:spPr>
         <p:txBody>
-          <a:bodyPr lIns="0" rIns="0" tIns="0" bIns="0">
+          <a:bodyPr lIns="0" tIns="0" rIns="0" bIns="0">
             <a:normAutofit/>
           </a:bodyPr>
+          <a:lstStyle/>
           <a:p>
             <a:pPr marL="432000" indent="-324000">
               <a:spcBef>
@@ -4706,17 +5535,14 @@
               <a:buChar char=""/>
             </a:pPr>
             <a:r>
-              <a:rPr b="0" lang="pt-PT" sz="1800" spc="-1" strike="noStrike">
+              <a:rPr lang="pt-PT" sz="1800" b="0" strike="noStrike" spc="-1">
                 <a:latin typeface="Arial"/>
               </a:rPr>
               <a:t>Clique para editar o formato de texto dos tópicos</a:t>
             </a:r>
-            <a:endParaRPr b="0" lang="pt-PT" sz="1800" spc="-1" strike="noStrike">
-              <a:latin typeface="Arial"/>
-            </a:endParaRPr>
-          </a:p>
-          <a:p>
-            <a:pPr lvl="1" marL="864000" indent="-324000">
+          </a:p>
+          <a:p>
+            <a:pPr marL="864000" lvl="1" indent="-324000">
               <a:spcBef>
                 <a:spcPts val="1134"/>
               </a:spcBef>
@@ -4728,17 +5554,14 @@
               <a:buChar char=""/>
             </a:pPr>
             <a:r>
-              <a:rPr b="0" lang="pt-PT" sz="1800" spc="-1" strike="noStrike">
+              <a:rPr lang="pt-PT" sz="1800" b="0" strike="noStrike" spc="-1">
                 <a:latin typeface="Arial"/>
               </a:rPr>
               <a:t>Segundo nível de tópicos</a:t>
             </a:r>
-            <a:endParaRPr b="0" lang="pt-PT" sz="1800" spc="-1" strike="noStrike">
-              <a:latin typeface="Arial"/>
-            </a:endParaRPr>
-          </a:p>
-          <a:p>
-            <a:pPr lvl="2" marL="1296000" indent="-288000">
+          </a:p>
+          <a:p>
+            <a:pPr marL="1296000" lvl="2" indent="-288000">
               <a:spcBef>
                 <a:spcPts val="850"/>
               </a:spcBef>
@@ -4750,17 +5573,14 @@
               <a:buChar char=""/>
             </a:pPr>
             <a:r>
-              <a:rPr b="0" lang="pt-PT" sz="1800" spc="-1" strike="noStrike">
+              <a:rPr lang="pt-PT" sz="1800" b="0" strike="noStrike" spc="-1">
                 <a:latin typeface="Arial"/>
               </a:rPr>
               <a:t>Terceiro nível de tópicos</a:t>
             </a:r>
-            <a:endParaRPr b="0" lang="pt-PT" sz="1800" spc="-1" strike="noStrike">
-              <a:latin typeface="Arial"/>
-            </a:endParaRPr>
-          </a:p>
-          <a:p>
-            <a:pPr lvl="3" marL="1728000" indent="-216000">
+          </a:p>
+          <a:p>
+            <a:pPr marL="1728000" lvl="3" indent="-216000">
               <a:spcBef>
                 <a:spcPts val="567"/>
               </a:spcBef>
@@ -4772,17 +5592,14 @@
               <a:buChar char=""/>
             </a:pPr>
             <a:r>
-              <a:rPr b="0" lang="pt-PT" sz="1800" spc="-1" strike="noStrike">
+              <a:rPr lang="pt-PT" sz="1800" b="0" strike="noStrike" spc="-1">
                 <a:latin typeface="Arial"/>
               </a:rPr>
               <a:t>Quarto nível de tópicos</a:t>
             </a:r>
-            <a:endParaRPr b="0" lang="pt-PT" sz="1800" spc="-1" strike="noStrike">
-              <a:latin typeface="Arial"/>
-            </a:endParaRPr>
-          </a:p>
-          <a:p>
-            <a:pPr lvl="4" marL="2160000" indent="-216000">
+          </a:p>
+          <a:p>
+            <a:pPr marL="2160000" lvl="4" indent="-216000">
               <a:spcBef>
                 <a:spcPts val="283"/>
               </a:spcBef>
@@ -4794,17 +5611,14 @@
               <a:buChar char=""/>
             </a:pPr>
             <a:r>
-              <a:rPr b="0" lang="pt-PT" sz="1800" spc="-1" strike="noStrike">
+              <a:rPr lang="pt-PT" sz="1800" b="0" strike="noStrike" spc="-1">
                 <a:latin typeface="Arial"/>
               </a:rPr>
               <a:t>Quinto nível de tópicos</a:t>
             </a:r>
-            <a:endParaRPr b="0" lang="pt-PT" sz="1800" spc="-1" strike="noStrike">
-              <a:latin typeface="Arial"/>
-            </a:endParaRPr>
-          </a:p>
-          <a:p>
-            <a:pPr lvl="5" marL="2592000" indent="-216000">
+          </a:p>
+          <a:p>
+            <a:pPr marL="2592000" lvl="5" indent="-216000">
               <a:spcBef>
                 <a:spcPts val="283"/>
               </a:spcBef>
@@ -4816,17 +5630,14 @@
               <a:buChar char=""/>
             </a:pPr>
             <a:r>
-              <a:rPr b="0" lang="pt-PT" sz="1800" spc="-1" strike="noStrike">
+              <a:rPr lang="pt-PT" sz="1800" b="0" strike="noStrike" spc="-1">
                 <a:latin typeface="Arial"/>
               </a:rPr>
               <a:t>Sexto nível de tópicos</a:t>
             </a:r>
-            <a:endParaRPr b="0" lang="pt-PT" sz="1800" spc="-1" strike="noStrike">
-              <a:latin typeface="Arial"/>
-            </a:endParaRPr>
-          </a:p>
-          <a:p>
-            <a:pPr lvl="6" marL="3024000" indent="-216000">
+          </a:p>
+          <a:p>
+            <a:pPr marL="3024000" lvl="6" indent="-216000">
               <a:spcBef>
                 <a:spcPts val="283"/>
               </a:spcBef>
@@ -4838,39 +5649,316 @@
               <a:buChar char=""/>
             </a:pPr>
             <a:r>
-              <a:rPr b="0" lang="pt-PT" sz="1800" spc="-1" strike="noStrike">
+              <a:rPr lang="pt-PT" sz="1800" b="0" strike="noStrike" spc="-1">
                 <a:latin typeface="Arial"/>
               </a:rPr>
               <a:t>Sétimo nível de tópicos</a:t>
             </a:r>
-            <a:endParaRPr b="0" lang="pt-PT" sz="1800" spc="-1" strike="noStrike">
-              <a:latin typeface="Arial"/>
-            </a:endParaRPr>
           </a:p>
         </p:txBody>
       </p:sp>
     </p:spTree>
   </p:cSld>
-  <p:clrMap bg1="lt1" bg2="lt2" tx1="dk1" tx2="dk2" accent1="accent1" accent2="accent2" accent3="accent3" accent4="accent4" accent5="accent5" accent6="accent6" hlink="hlink" folHlink="folHlink"/>
+  <p:clrMap bg1="lt1" tx1="dk1" bg2="lt2" tx2="dk2" accent1="accent1" accent2="accent2" accent3="accent3" accent4="accent4" accent5="accent5" accent6="accent6" hlink="hlink" folHlink="folHlink"/>
   <p:sldLayoutIdLst>
-    <p:sldLayoutId id="2147483675" r:id="rId2"/>
-    <p:sldLayoutId id="2147483676" r:id="rId3"/>
-    <p:sldLayoutId id="2147483677" r:id="rId4"/>
-    <p:sldLayoutId id="2147483678" r:id="rId5"/>
-    <p:sldLayoutId id="2147483679" r:id="rId6"/>
-    <p:sldLayoutId id="2147483680" r:id="rId7"/>
-    <p:sldLayoutId id="2147483681" r:id="rId8"/>
-    <p:sldLayoutId id="2147483682" r:id="rId9"/>
-    <p:sldLayoutId id="2147483683" r:id="rId10"/>
-    <p:sldLayoutId id="2147483684" r:id="rId11"/>
-    <p:sldLayoutId id="2147483685" r:id="rId12"/>
-    <p:sldLayoutId id="2147483686" r:id="rId13"/>
+    <p:sldLayoutId id="2147483675" r:id="rId1"/>
+    <p:sldLayoutId id="2147483676" r:id="rId2"/>
+    <p:sldLayoutId id="2147483677" r:id="rId3"/>
+    <p:sldLayoutId id="2147483678" r:id="rId4"/>
+    <p:sldLayoutId id="2147483679" r:id="rId5"/>
+    <p:sldLayoutId id="2147483680" r:id="rId6"/>
+    <p:sldLayoutId id="2147483681" r:id="rId7"/>
+    <p:sldLayoutId id="2147483682" r:id="rId8"/>
+    <p:sldLayoutId id="2147483683" r:id="rId9"/>
+    <p:sldLayoutId id="2147483684" r:id="rId10"/>
+    <p:sldLayoutId id="2147483685" r:id="rId11"/>
+    <p:sldLayoutId id="2147483686" r:id="rId12"/>
   </p:sldLayoutIdLst>
+  <p:txStyles>
+    <p:titleStyle>
+      <a:lvl1pPr algn="l" defTabSz="914400" rtl="0" eaLnBrk="1" latinLnBrk="0" hangingPunct="1">
+        <a:lnSpc>
+          <a:spcPct val="90000"/>
+        </a:lnSpc>
+        <a:spcBef>
+          <a:spcPct val="0"/>
+        </a:spcBef>
+        <a:buNone/>
+        <a:defRPr sz="4400" kern="1200">
+          <a:solidFill>
+            <a:schemeClr val="tx1"/>
+          </a:solidFill>
+          <a:latin typeface="+mj-lt"/>
+          <a:ea typeface="+mj-ea"/>
+          <a:cs typeface="+mj-cs"/>
+        </a:defRPr>
+      </a:lvl1pPr>
+    </p:titleStyle>
+    <p:bodyStyle>
+      <a:lvl1pPr marL="228600" indent="-228600" algn="l" defTabSz="914400" rtl="0" eaLnBrk="1" latinLnBrk="0" hangingPunct="1">
+        <a:lnSpc>
+          <a:spcPct val="90000"/>
+        </a:lnSpc>
+        <a:spcBef>
+          <a:spcPts val="1000"/>
+        </a:spcBef>
+        <a:buFont typeface="Arial" panose="020B0604020202020204" pitchFamily="34" charset="0"/>
+        <a:buChar char="•"/>
+        <a:defRPr sz="2800" kern="1200">
+          <a:solidFill>
+            <a:schemeClr val="tx1"/>
+          </a:solidFill>
+          <a:latin typeface="+mn-lt"/>
+          <a:ea typeface="+mn-ea"/>
+          <a:cs typeface="+mn-cs"/>
+        </a:defRPr>
+      </a:lvl1pPr>
+      <a:lvl2pPr marL="685800" indent="-228600" algn="l" defTabSz="914400" rtl="0" eaLnBrk="1" latinLnBrk="0" hangingPunct="1">
+        <a:lnSpc>
+          <a:spcPct val="90000"/>
+        </a:lnSpc>
+        <a:spcBef>
+          <a:spcPts val="500"/>
+        </a:spcBef>
+        <a:buFont typeface="Arial" panose="020B0604020202020204" pitchFamily="34" charset="0"/>
+        <a:buChar char="•"/>
+        <a:defRPr sz="2400" kern="1200">
+          <a:solidFill>
+            <a:schemeClr val="tx1"/>
+          </a:solidFill>
+          <a:latin typeface="+mn-lt"/>
+          <a:ea typeface="+mn-ea"/>
+          <a:cs typeface="+mn-cs"/>
+        </a:defRPr>
+      </a:lvl2pPr>
+      <a:lvl3pPr marL="1143000" indent="-228600" algn="l" defTabSz="914400" rtl="0" eaLnBrk="1" latinLnBrk="0" hangingPunct="1">
+        <a:lnSpc>
+          <a:spcPct val="90000"/>
+        </a:lnSpc>
+        <a:spcBef>
+          <a:spcPts val="500"/>
+        </a:spcBef>
+        <a:buFont typeface="Arial" panose="020B0604020202020204" pitchFamily="34" charset="0"/>
+        <a:buChar char="•"/>
+        <a:defRPr sz="2000" kern="1200">
+          <a:solidFill>
+            <a:schemeClr val="tx1"/>
+          </a:solidFill>
+          <a:latin typeface="+mn-lt"/>
+          <a:ea typeface="+mn-ea"/>
+          <a:cs typeface="+mn-cs"/>
+        </a:defRPr>
+      </a:lvl3pPr>
+      <a:lvl4pPr marL="1600200" indent="-228600" algn="l" defTabSz="914400" rtl="0" eaLnBrk="1" latinLnBrk="0" hangingPunct="1">
+        <a:lnSpc>
+          <a:spcPct val="90000"/>
+        </a:lnSpc>
+        <a:spcBef>
+          <a:spcPts val="500"/>
+        </a:spcBef>
+        <a:buFont typeface="Arial" panose="020B0604020202020204" pitchFamily="34" charset="0"/>
+        <a:buChar char="•"/>
+        <a:defRPr sz="1800" kern="1200">
+          <a:solidFill>
+            <a:schemeClr val="tx1"/>
+          </a:solidFill>
+          <a:latin typeface="+mn-lt"/>
+          <a:ea typeface="+mn-ea"/>
+          <a:cs typeface="+mn-cs"/>
+        </a:defRPr>
+      </a:lvl4pPr>
+      <a:lvl5pPr marL="2057400" indent="-228600" algn="l" defTabSz="914400" rtl="0" eaLnBrk="1" latinLnBrk="0" hangingPunct="1">
+        <a:lnSpc>
+          <a:spcPct val="90000"/>
+        </a:lnSpc>
+        <a:spcBef>
+          <a:spcPts val="500"/>
+        </a:spcBef>
+        <a:buFont typeface="Arial" panose="020B0604020202020204" pitchFamily="34" charset="0"/>
+        <a:buChar char="•"/>
+        <a:defRPr sz="1800" kern="1200">
+          <a:solidFill>
+            <a:schemeClr val="tx1"/>
+          </a:solidFill>
+          <a:latin typeface="+mn-lt"/>
+          <a:ea typeface="+mn-ea"/>
+          <a:cs typeface="+mn-cs"/>
+        </a:defRPr>
+      </a:lvl5pPr>
+      <a:lvl6pPr marL="2514600" indent="-228600" algn="l" defTabSz="914400" rtl="0" eaLnBrk="1" latinLnBrk="0" hangingPunct="1">
+        <a:lnSpc>
+          <a:spcPct val="90000"/>
+        </a:lnSpc>
+        <a:spcBef>
+          <a:spcPts val="500"/>
+        </a:spcBef>
+        <a:buFont typeface="Arial" panose="020B0604020202020204" pitchFamily="34" charset="0"/>
+        <a:buChar char="•"/>
+        <a:defRPr sz="1800" kern="1200">
+          <a:solidFill>
+            <a:schemeClr val="tx1"/>
+          </a:solidFill>
+          <a:latin typeface="+mn-lt"/>
+          <a:ea typeface="+mn-ea"/>
+          <a:cs typeface="+mn-cs"/>
+        </a:defRPr>
+      </a:lvl6pPr>
+      <a:lvl7pPr marL="2971800" indent="-228600" algn="l" defTabSz="914400" rtl="0" eaLnBrk="1" latinLnBrk="0" hangingPunct="1">
+        <a:lnSpc>
+          <a:spcPct val="90000"/>
+        </a:lnSpc>
+        <a:spcBef>
+          <a:spcPts val="500"/>
+        </a:spcBef>
+        <a:buFont typeface="Arial" panose="020B0604020202020204" pitchFamily="34" charset="0"/>
+        <a:buChar char="•"/>
+        <a:defRPr sz="1800" kern="1200">
+          <a:solidFill>
+            <a:schemeClr val="tx1"/>
+          </a:solidFill>
+          <a:latin typeface="+mn-lt"/>
+          <a:ea typeface="+mn-ea"/>
+          <a:cs typeface="+mn-cs"/>
+        </a:defRPr>
+      </a:lvl7pPr>
+      <a:lvl8pPr marL="3429000" indent="-228600" algn="l" defTabSz="914400" rtl="0" eaLnBrk="1" latinLnBrk="0" hangingPunct="1">
+        <a:lnSpc>
+          <a:spcPct val="90000"/>
+        </a:lnSpc>
+        <a:spcBef>
+          <a:spcPts val="500"/>
+        </a:spcBef>
+        <a:buFont typeface="Arial" panose="020B0604020202020204" pitchFamily="34" charset="0"/>
+        <a:buChar char="•"/>
+        <a:defRPr sz="1800" kern="1200">
+          <a:solidFill>
+            <a:schemeClr val="tx1"/>
+          </a:solidFill>
+          <a:latin typeface="+mn-lt"/>
+          <a:ea typeface="+mn-ea"/>
+          <a:cs typeface="+mn-cs"/>
+        </a:defRPr>
+      </a:lvl8pPr>
+      <a:lvl9pPr marL="3886200" indent="-228600" algn="l" defTabSz="914400" rtl="0" eaLnBrk="1" latinLnBrk="0" hangingPunct="1">
+        <a:lnSpc>
+          <a:spcPct val="90000"/>
+        </a:lnSpc>
+        <a:spcBef>
+          <a:spcPts val="500"/>
+        </a:spcBef>
+        <a:buFont typeface="Arial" panose="020B0604020202020204" pitchFamily="34" charset="0"/>
+        <a:buChar char="•"/>
+        <a:defRPr sz="1800" kern="1200">
+          <a:solidFill>
+            <a:schemeClr val="tx1"/>
+          </a:solidFill>
+          <a:latin typeface="+mn-lt"/>
+          <a:ea typeface="+mn-ea"/>
+          <a:cs typeface="+mn-cs"/>
+        </a:defRPr>
+      </a:lvl9pPr>
+    </p:bodyStyle>
+    <p:otherStyle>
+      <a:defPPr>
+        <a:defRPr lang="pt-PT"/>
+      </a:defPPr>
+      <a:lvl1pPr marL="0" algn="l" defTabSz="914400" rtl="0" eaLnBrk="1" latinLnBrk="0" hangingPunct="1">
+        <a:defRPr sz="1800" kern="1200">
+          <a:solidFill>
+            <a:schemeClr val="tx1"/>
+          </a:solidFill>
+          <a:latin typeface="+mn-lt"/>
+          <a:ea typeface="+mn-ea"/>
+          <a:cs typeface="+mn-cs"/>
+        </a:defRPr>
+      </a:lvl1pPr>
+      <a:lvl2pPr marL="457200" algn="l" defTabSz="914400" rtl="0" eaLnBrk="1" latinLnBrk="0" hangingPunct="1">
+        <a:defRPr sz="1800" kern="1200">
+          <a:solidFill>
+            <a:schemeClr val="tx1"/>
+          </a:solidFill>
+          <a:latin typeface="+mn-lt"/>
+          <a:ea typeface="+mn-ea"/>
+          <a:cs typeface="+mn-cs"/>
+        </a:defRPr>
+      </a:lvl2pPr>
+      <a:lvl3pPr marL="914400" algn="l" defTabSz="914400" rtl="0" eaLnBrk="1" latinLnBrk="0" hangingPunct="1">
+        <a:defRPr sz="1800" kern="1200">
+          <a:solidFill>
+            <a:schemeClr val="tx1"/>
+          </a:solidFill>
+          <a:latin typeface="+mn-lt"/>
+          <a:ea typeface="+mn-ea"/>
+          <a:cs typeface="+mn-cs"/>
+        </a:defRPr>
+      </a:lvl3pPr>
+      <a:lvl4pPr marL="1371600" algn="l" defTabSz="914400" rtl="0" eaLnBrk="1" latinLnBrk="0" hangingPunct="1">
+        <a:defRPr sz="1800" kern="1200">
+          <a:solidFill>
+            <a:schemeClr val="tx1"/>
+          </a:solidFill>
+          <a:latin typeface="+mn-lt"/>
+          <a:ea typeface="+mn-ea"/>
+          <a:cs typeface="+mn-cs"/>
+        </a:defRPr>
+      </a:lvl4pPr>
+      <a:lvl5pPr marL="1828800" algn="l" defTabSz="914400" rtl="0" eaLnBrk="1" latinLnBrk="0" hangingPunct="1">
+        <a:defRPr sz="1800" kern="1200">
+          <a:solidFill>
+            <a:schemeClr val="tx1"/>
+          </a:solidFill>
+          <a:latin typeface="+mn-lt"/>
+          <a:ea typeface="+mn-ea"/>
+          <a:cs typeface="+mn-cs"/>
+        </a:defRPr>
+      </a:lvl5pPr>
+      <a:lvl6pPr marL="2286000" algn="l" defTabSz="914400" rtl="0" eaLnBrk="1" latinLnBrk="0" hangingPunct="1">
+        <a:defRPr sz="1800" kern="1200">
+          <a:solidFill>
+            <a:schemeClr val="tx1"/>
+          </a:solidFill>
+          <a:latin typeface="+mn-lt"/>
+          <a:ea typeface="+mn-ea"/>
+          <a:cs typeface="+mn-cs"/>
+        </a:defRPr>
+      </a:lvl6pPr>
+      <a:lvl7pPr marL="2743200" algn="l" defTabSz="914400" rtl="0" eaLnBrk="1" latinLnBrk="0" hangingPunct="1">
+        <a:defRPr sz="1800" kern="1200">
+          <a:solidFill>
+            <a:schemeClr val="tx1"/>
+          </a:solidFill>
+          <a:latin typeface="+mn-lt"/>
+          <a:ea typeface="+mn-ea"/>
+          <a:cs typeface="+mn-cs"/>
+        </a:defRPr>
+      </a:lvl7pPr>
+      <a:lvl8pPr marL="3200400" algn="l" defTabSz="914400" rtl="0" eaLnBrk="1" latinLnBrk="0" hangingPunct="1">
+        <a:defRPr sz="1800" kern="1200">
+          <a:solidFill>
+            <a:schemeClr val="tx1"/>
+          </a:solidFill>
+          <a:latin typeface="+mn-lt"/>
+          <a:ea typeface="+mn-ea"/>
+          <a:cs typeface="+mn-cs"/>
+        </a:defRPr>
+      </a:lvl8pPr>
+      <a:lvl9pPr marL="3657600" algn="l" defTabSz="914400" rtl="0" eaLnBrk="1" latinLnBrk="0" hangingPunct="1">
+        <a:defRPr sz="1800" kern="1200">
+          <a:solidFill>
+            <a:schemeClr val="tx1"/>
+          </a:solidFill>
+          <a:latin typeface="+mn-lt"/>
+          <a:ea typeface="+mn-ea"/>
+          <a:cs typeface="+mn-cs"/>
+        </a:defRPr>
+      </a:lvl9pPr>
+    </p:otherStyle>
+  </p:txStyles>
 </p:sldMaster>
 </file>
 
 <file path=ppt/slides/slide1.xml><?xml version="1.0" encoding="utf-8"?>
-<p:sld xmlns:a="http://schemas.openxmlformats.org/drawingml/2006/main" xmlns:p="http://schemas.openxmlformats.org/presentationml/2006/main" xmlns:r="http://schemas.openxmlformats.org/officeDocument/2006/relationships" xmlns:p14="http://schemas.microsoft.com/office/powerpoint/2010/main" xmlns:p15="http://schemas.microsoft.com/office/powerpoint/2012/main" xmlns:mc="http://schemas.openxmlformats.org/markup-compatibility/2006">
+<p:sld xmlns:a="http://schemas.openxmlformats.org/drawingml/2006/main" xmlns:r="http://schemas.openxmlformats.org/officeDocument/2006/relationships" xmlns:p="http://schemas.openxmlformats.org/presentationml/2006/main">
   <p:cSld>
     <p:spTree>
       <p:nvGrpSpPr>
@@ -4906,15 +5994,22 @@
           </a:ln>
         </p:spPr>
         <p:style>
-          <a:lnRef idx="0"/>
-          <a:fillRef idx="0"/>
-          <a:effectRef idx="0"/>
+          <a:lnRef idx="0">
+            <a:scrgbClr r="0" g="0" b="0"/>
+          </a:lnRef>
+          <a:fillRef idx="0">
+            <a:scrgbClr r="0" g="0" b="0"/>
+          </a:fillRef>
+          <a:effectRef idx="0">
+            <a:scrgbClr r="0" g="0" b="0"/>
+          </a:effectRef>
           <a:fontRef idx="minor"/>
         </p:style>
         <p:txBody>
-          <a:bodyPr lIns="90000" rIns="90000" tIns="45000" bIns="45000">
+          <a:bodyPr lIns="90000" tIns="45000" rIns="90000" bIns="45000">
             <a:normAutofit/>
           </a:bodyPr>
+          <a:lstStyle/>
           <a:p>
             <a:pPr algn="ctr">
               <a:lnSpc>
@@ -4924,11 +6019,11 @@
                 <a:spcPts val="1001"/>
               </a:spcBef>
               <a:tabLst>
-                <a:tab algn="l" pos="0"/>
+                <a:tab pos="0" algn="l"/>
               </a:tabLst>
             </a:pPr>
             <a:r>
-              <a:rPr b="1" lang="pt-PT" sz="2800" spc="-1" strike="noStrike">
+              <a:rPr lang="pt-PT" sz="2800" b="1" strike="noStrike" spc="-1">
                 <a:solidFill>
                   <a:srgbClr val="000000"/>
                 </a:solidFill>
@@ -4937,7 +6032,7 @@
               </a:rPr>
               <a:t>Algoritmos e Estruturas de Dados</a:t>
             </a:r>
-            <a:endParaRPr b="0" lang="pt-PT" sz="2800" spc="-1" strike="noStrike">
+            <a:endParaRPr lang="pt-PT" sz="2800" b="0" strike="noStrike" spc="-1">
               <a:latin typeface="Arial"/>
             </a:endParaRPr>
           </a:p>
@@ -4945,12 +6040,12 @@
       </p:sp>
       <p:pic>
         <p:nvPicPr>
-          <p:cNvPr id="115" name="Imagem 8" descr=""/>
+          <p:cNvPr id="115" name="Imagem 8"/>
           <p:cNvPicPr/>
           <p:nvPr/>
         </p:nvPicPr>
         <p:blipFill>
-          <a:blip r:embed="rId1"/>
+          <a:blip r:embed="rId2"/>
           <a:stretch/>
         </p:blipFill>
         <p:spPr>
@@ -5019,15 +6114,22 @@
           </a:ln>
         </p:spPr>
         <p:style>
-          <a:lnRef idx="0"/>
-          <a:fillRef idx="0"/>
-          <a:effectRef idx="0"/>
+          <a:lnRef idx="0">
+            <a:scrgbClr r="0" g="0" b="0"/>
+          </a:lnRef>
+          <a:fillRef idx="0">
+            <a:scrgbClr r="0" g="0" b="0"/>
+          </a:fillRef>
+          <a:effectRef idx="0">
+            <a:scrgbClr r="0" g="0" b="0"/>
+          </a:effectRef>
           <a:fontRef idx="minor"/>
         </p:style>
         <p:txBody>
-          <a:bodyPr lIns="90000" rIns="90000" tIns="45000" bIns="45000">
+          <a:bodyPr lIns="90000" tIns="45000" rIns="90000" bIns="45000">
             <a:spAutoFit/>
           </a:bodyPr>
+          <a:lstStyle/>
           <a:p>
             <a:pPr algn="ctr">
               <a:lnSpc>
@@ -5035,7 +6137,7 @@
               </a:lnSpc>
             </a:pPr>
             <a:r>
-              <a:rPr b="0" lang="pt-PT" sz="1800" spc="-1" strike="noStrike">
+              <a:rPr lang="pt-PT" sz="1800" b="0" strike="noStrike" spc="-1">
                 <a:solidFill>
                   <a:srgbClr val="000000"/>
                 </a:solidFill>
@@ -5044,7 +6146,7 @@
               </a:rPr>
               <a:t>Trabalho realizado por:</a:t>
             </a:r>
-            <a:endParaRPr b="0" lang="pt-PT" sz="1800" spc="-1" strike="noStrike">
+            <a:endParaRPr lang="pt-PT" sz="1800" b="0" strike="noStrike" spc="-1">
               <a:latin typeface="Arial"/>
             </a:endParaRPr>
           </a:p>
@@ -5054,7 +6156,7 @@
                 <a:spcPct val="100000"/>
               </a:lnSpc>
             </a:pPr>
-            <a:endParaRPr b="0" lang="pt-PT" sz="1800" spc="-1" strike="noStrike">
+            <a:endParaRPr lang="pt-PT" sz="1800" b="0" strike="noStrike" spc="-1">
               <a:latin typeface="Arial"/>
             </a:endParaRPr>
           </a:p>
@@ -5065,7 +6167,7 @@
               </a:lnSpc>
             </a:pPr>
             <a:r>
-              <a:rPr b="0" lang="pt-PT" sz="1800" spc="-1" strike="noStrike">
+              <a:rPr lang="pt-PT" sz="1800" b="0" strike="noStrike" spc="-1">
                 <a:solidFill>
                   <a:srgbClr val="000000"/>
                 </a:solidFill>
@@ -5074,7 +6176,7 @@
               </a:rPr>
               <a:t>Nuno Afonso Anjos Pereira - up202007865</a:t>
             </a:r>
-            <a:endParaRPr b="0" lang="pt-PT" sz="1800" spc="-1" strike="noStrike">
+            <a:endParaRPr lang="pt-PT" sz="1800" b="0" strike="noStrike" spc="-1">
               <a:latin typeface="Arial"/>
             </a:endParaRPr>
           </a:p>
@@ -5085,7 +6187,7 @@
               </a:lnSpc>
             </a:pPr>
             <a:r>
-              <a:rPr b="0" lang="pt-PT" sz="1800" spc="-1" strike="noStrike">
+              <a:rPr lang="pt-PT" sz="1800" b="0" strike="noStrike" spc="-1">
                 <a:solidFill>
                   <a:srgbClr val="000000"/>
                 </a:solidFill>
@@ -5094,7 +6196,7 @@
               </a:rPr>
               <a:t>Pedro Miguel Magalhães Nunes – up202004714</a:t>
             </a:r>
-            <a:endParaRPr b="0" lang="pt-PT" sz="1800" spc="-1" strike="noStrike">
+            <a:endParaRPr lang="pt-PT" sz="1800" b="0" strike="noStrike" spc="-1">
               <a:latin typeface="Arial"/>
             </a:endParaRPr>
           </a:p>
@@ -5105,7 +6207,7 @@
               </a:lnSpc>
             </a:pPr>
             <a:r>
-              <a:rPr b="0" lang="pt-PT" sz="1800" spc="-1" strike="noStrike">
+              <a:rPr lang="pt-PT" sz="1800" b="0" strike="noStrike" spc="-1">
                 <a:solidFill>
                   <a:srgbClr val="000000"/>
                 </a:solidFill>
@@ -5114,7 +6216,7 @@
               </a:rPr>
               <a:t>Vítor Manuel da Silva Cavaleiro – up202004724</a:t>
             </a:r>
-            <a:endParaRPr b="0" lang="pt-PT" sz="1800" spc="-1" strike="noStrike">
+            <a:endParaRPr lang="pt-PT" sz="1800" b="0" strike="noStrike" spc="-1">
               <a:latin typeface="Arial"/>
             </a:endParaRPr>
           </a:p>
@@ -5125,7 +6227,7 @@
               </a:lnSpc>
             </a:pPr>
             <a:r>
-              <a:rPr b="0" lang="pt-PT" sz="1800" spc="-1" strike="noStrike">
+              <a:rPr lang="pt-PT" sz="1800" b="0" strike="noStrike" spc="-1">
                 <a:solidFill>
                   <a:srgbClr val="000000"/>
                 </a:solidFill>
@@ -5134,7 +6236,7 @@
               </a:rPr>
               <a:t>        </a:t>
             </a:r>
-            <a:endParaRPr b="0" lang="pt-PT" sz="1800" spc="-1" strike="noStrike">
+            <a:endParaRPr lang="pt-PT" sz="1800" b="0" strike="noStrike" spc="-1">
               <a:latin typeface="Arial"/>
             </a:endParaRPr>
           </a:p>
@@ -5142,19 +6244,14 @@
       </p:sp>
     </p:spTree>
   </p:cSld>
-  <mc:AlternateContent>
-    <mc:Choice Requires="p14">
-      <p:transition spd="slow" p14:dur="2000"/>
-    </mc:Choice>
-    <mc:Fallback>
-      <p:transition spd="slow"/>
-    </mc:Fallback>
-  </mc:AlternateContent>
+  <p:clrMapOvr>
+    <a:masterClrMapping/>
+  </p:clrMapOvr>
 </p:sld>
 </file>
 
 <file path=ppt/slides/slide10.xml><?xml version="1.0" encoding="utf-8"?>
-<p:sld xmlns:a="http://schemas.openxmlformats.org/drawingml/2006/main" xmlns:p="http://schemas.openxmlformats.org/presentationml/2006/main" xmlns:r="http://schemas.openxmlformats.org/officeDocument/2006/relationships" xmlns:p14="http://schemas.microsoft.com/office/powerpoint/2010/main" xmlns:p15="http://schemas.microsoft.com/office/powerpoint/2012/main" xmlns:mc="http://schemas.openxmlformats.org/markup-compatibility/2006">
+<p:sld xmlns:a="http://schemas.openxmlformats.org/drawingml/2006/main" xmlns:r="http://schemas.openxmlformats.org/officeDocument/2006/relationships" xmlns:p="http://schemas.openxmlformats.org/presentationml/2006/main">
   <p:cSld>
     <p:spTree>
       <p:nvGrpSpPr>
@@ -5190,15 +6287,22 @@
           </a:ln>
         </p:spPr>
         <p:style>
-          <a:lnRef idx="0"/>
-          <a:fillRef idx="0"/>
-          <a:effectRef idx="0"/>
+          <a:lnRef idx="0">
+            <a:scrgbClr r="0" g="0" b="0"/>
+          </a:lnRef>
+          <a:fillRef idx="0">
+            <a:scrgbClr r="0" g="0" b="0"/>
+          </a:fillRef>
+          <a:effectRef idx="0">
+            <a:scrgbClr r="0" g="0" b="0"/>
+          </a:effectRef>
           <a:fontRef idx="minor"/>
         </p:style>
         <p:txBody>
-          <a:bodyPr lIns="90000" rIns="90000" tIns="45000" bIns="45000" anchor="ctr">
+          <a:bodyPr lIns="90000" tIns="45000" rIns="90000" bIns="45000" anchor="ctr">
             <a:noAutofit/>
           </a:bodyPr>
+          <a:lstStyle/>
           <a:p>
             <a:pPr algn="ctr">
               <a:lnSpc>
@@ -5206,7 +6310,7 @@
               </a:lnSpc>
             </a:pPr>
             <a:r>
-              <a:rPr b="1" lang="pt-PT" sz="4400" spc="-1" strike="noStrike">
+              <a:rPr lang="pt-PT" sz="4400" b="1" strike="noStrike" spc="-1">
                 <a:solidFill>
                   <a:srgbClr val="000000"/>
                 </a:solidFill>
@@ -5215,7 +6319,7 @@
               </a:rPr>
               <a:t>Outras observações/Exemplos de Execução</a:t>
             </a:r>
-            <a:endParaRPr b="0" lang="pt-PT" sz="4400" spc="-1" strike="noStrike">
+            <a:endParaRPr lang="pt-PT" sz="4400" b="0" strike="noStrike" spc="-1">
               <a:latin typeface="Arial"/>
             </a:endParaRPr>
           </a:p>
@@ -5241,15 +6345,22 @@
           </a:ln>
         </p:spPr>
         <p:style>
-          <a:lnRef idx="0"/>
-          <a:fillRef idx="0"/>
-          <a:effectRef idx="0"/>
+          <a:lnRef idx="0">
+            <a:scrgbClr r="0" g="0" b="0"/>
+          </a:lnRef>
+          <a:fillRef idx="0">
+            <a:scrgbClr r="0" g="0" b="0"/>
+          </a:fillRef>
+          <a:effectRef idx="0">
+            <a:scrgbClr r="0" g="0" b="0"/>
+          </a:effectRef>
           <a:fontRef idx="minor"/>
         </p:style>
         <p:txBody>
-          <a:bodyPr lIns="90000" rIns="90000" tIns="45000" bIns="45000">
+          <a:bodyPr lIns="90000" tIns="45000" rIns="90000" bIns="45000">
             <a:normAutofit/>
           </a:bodyPr>
+          <a:lstStyle/>
           <a:p>
             <a:pPr>
               <a:lnSpc>
@@ -5259,11 +6370,11 @@
                 <a:spcPts val="1001"/>
               </a:spcBef>
               <a:tabLst>
-                <a:tab algn="l" pos="0"/>
+                <a:tab pos="0" algn="l"/>
               </a:tabLst>
             </a:pPr>
             <a:r>
-              <a:rPr b="0" lang="pt-PT" sz="2400" spc="-1" strike="noStrike">
+              <a:rPr lang="pt-PT" sz="2400" b="0" strike="noStrike" spc="-1">
                 <a:solidFill>
                   <a:srgbClr val="000000"/>
                 </a:solidFill>
@@ -5272,7 +6383,7 @@
               </a:rPr>
               <a:t>Não é necessário, pode ser apagado depois</a:t>
             </a:r>
-            <a:endParaRPr b="0" lang="pt-PT" sz="2400" spc="-1" strike="noStrike">
+            <a:endParaRPr lang="pt-PT" sz="2400" b="0" strike="noStrike" spc="-1">
               <a:latin typeface="Arial"/>
             </a:endParaRPr>
           </a:p>
@@ -5285,11 +6396,11 @@
                 <a:spcPts val="1001"/>
               </a:spcBef>
               <a:tabLst>
-                <a:tab algn="l" pos="0"/>
+                <a:tab pos="0" algn="l"/>
               </a:tabLst>
             </a:pPr>
             <a:r>
-              <a:rPr b="0" lang="pt-PT" sz="2400" spc="-1" strike="noStrike">
+              <a:rPr lang="pt-PT" sz="2400" b="0" strike="noStrike" spc="-1">
                 <a:solidFill>
                   <a:srgbClr val="000000"/>
                 </a:solidFill>
@@ -5298,7 +6409,7 @@
               </a:rPr>
               <a:t>max 5 diapositivos</a:t>
             </a:r>
-            <a:endParaRPr b="0" lang="pt-PT" sz="2400" spc="-1" strike="noStrike">
+            <a:endParaRPr lang="pt-PT" sz="2400" b="0" strike="noStrike" spc="-1">
               <a:latin typeface="Arial"/>
             </a:endParaRPr>
           </a:p>
@@ -5306,19 +6417,14 @@
       </p:sp>
     </p:spTree>
   </p:cSld>
-  <mc:AlternateContent>
-    <mc:Choice Requires="p14">
-      <p:transition spd="slow" p14:dur="2000"/>
-    </mc:Choice>
-    <mc:Fallback>
-      <p:transition spd="slow"/>
-    </mc:Fallback>
-  </mc:AlternateContent>
+  <p:clrMapOvr>
+    <a:masterClrMapping/>
+  </p:clrMapOvr>
 </p:sld>
 </file>
 
 <file path=ppt/slides/slide2.xml><?xml version="1.0" encoding="utf-8"?>
-<p:sld xmlns:a="http://schemas.openxmlformats.org/drawingml/2006/main" xmlns:p="http://schemas.openxmlformats.org/presentationml/2006/main" xmlns:r="http://schemas.openxmlformats.org/officeDocument/2006/relationships" xmlns:p14="http://schemas.microsoft.com/office/powerpoint/2010/main" xmlns:p15="http://schemas.microsoft.com/office/powerpoint/2012/main" xmlns:mc="http://schemas.openxmlformats.org/markup-compatibility/2006">
+<p:sld xmlns:a="http://schemas.openxmlformats.org/drawingml/2006/main" xmlns:r="http://schemas.openxmlformats.org/officeDocument/2006/relationships" xmlns:p="http://schemas.openxmlformats.org/presentationml/2006/main">
   <p:cSld>
     <p:spTree>
       <p:nvGrpSpPr>
@@ -5354,15 +6460,22 @@
           </a:ln>
         </p:spPr>
         <p:style>
-          <a:lnRef idx="0"/>
-          <a:fillRef idx="0"/>
-          <a:effectRef idx="0"/>
+          <a:lnRef idx="0">
+            <a:scrgbClr r="0" g="0" b="0"/>
+          </a:lnRef>
+          <a:fillRef idx="0">
+            <a:scrgbClr r="0" g="0" b="0"/>
+          </a:fillRef>
+          <a:effectRef idx="0">
+            <a:scrgbClr r="0" g="0" b="0"/>
+          </a:effectRef>
           <a:fontRef idx="minor"/>
         </p:style>
         <p:txBody>
-          <a:bodyPr lIns="90000" rIns="90000" tIns="45000" bIns="45000" anchor="ctr">
+          <a:bodyPr lIns="90000" tIns="45000" rIns="90000" bIns="45000" anchor="ctr">
             <a:noAutofit/>
           </a:bodyPr>
+          <a:lstStyle/>
           <a:p>
             <a:pPr algn="ctr">
               <a:lnSpc>
@@ -5370,7 +6483,7 @@
               </a:lnSpc>
             </a:pPr>
             <a:r>
-              <a:rPr b="1" lang="pt-PT" sz="4400" spc="-1" strike="noStrike">
+              <a:rPr lang="pt-PT" sz="4400" b="1" strike="noStrike" spc="-1">
                 <a:solidFill>
                   <a:srgbClr val="000000"/>
                 </a:solidFill>
@@ -5379,7 +6492,7 @@
               </a:rPr>
               <a:t>Descrição do Problema</a:t>
             </a:r>
-            <a:endParaRPr b="0" lang="pt-PT" sz="4400" spc="-1" strike="noStrike">
+            <a:endParaRPr lang="pt-PT" sz="4400" b="0" strike="noStrike" spc="-1">
               <a:latin typeface="Arial"/>
             </a:endParaRPr>
           </a:p>
@@ -5405,15 +6518,22 @@
           </a:ln>
         </p:spPr>
         <p:style>
-          <a:lnRef idx="0"/>
-          <a:fillRef idx="0"/>
-          <a:effectRef idx="0"/>
+          <a:lnRef idx="0">
+            <a:scrgbClr r="0" g="0" b="0"/>
+          </a:lnRef>
+          <a:fillRef idx="0">
+            <a:scrgbClr r="0" g="0" b="0"/>
+          </a:fillRef>
+          <a:effectRef idx="0">
+            <a:scrgbClr r="0" g="0" b="0"/>
+          </a:effectRef>
           <a:fontRef idx="minor"/>
         </p:style>
         <p:txBody>
-          <a:bodyPr lIns="90000" rIns="90000" tIns="45000" bIns="45000">
+          <a:bodyPr lIns="90000" tIns="45000" rIns="90000" bIns="45000">
             <a:normAutofit/>
           </a:bodyPr>
+          <a:lstStyle/>
           <a:p>
             <a:pPr>
               <a:lnSpc>
@@ -5423,11 +6543,11 @@
                 <a:spcPts val="1001"/>
               </a:spcBef>
               <a:tabLst>
-                <a:tab algn="l" pos="0"/>
+                <a:tab pos="0" algn="l"/>
               </a:tabLst>
             </a:pPr>
             <a:r>
-              <a:rPr b="0" lang="pt-PT" sz="2800" spc="-1" strike="noStrike">
+              <a:rPr lang="pt-PT" sz="2800" b="0" strike="noStrike" spc="-1">
                 <a:solidFill>
                   <a:srgbClr val="000000"/>
                 </a:solidFill>
@@ -5436,7 +6556,7 @@
               </a:rPr>
               <a:t>Implementar um sistema de gestão de informação para uma companhia aérea, capaz de guardar e gerir informação relativa a aviões, voos, passageiros, bagagens e aeroportos.</a:t>
             </a:r>
-            <a:endParaRPr b="0" lang="pt-PT" sz="2800" spc="-1" strike="noStrike">
+            <a:endParaRPr lang="pt-PT" sz="2800" b="0" strike="noStrike" spc="-1">
               <a:latin typeface="Arial"/>
             </a:endParaRPr>
           </a:p>
@@ -5449,11 +6569,11 @@
                 <a:spcPts val="1001"/>
               </a:spcBef>
               <a:tabLst>
-                <a:tab algn="l" pos="0"/>
+                <a:tab pos="0" algn="l"/>
               </a:tabLst>
             </a:pPr>
             <a:r>
-              <a:rPr b="0" lang="pt-PT" sz="2800" spc="-1" strike="noStrike">
+              <a:rPr lang="pt-PT" sz="2800" b="0" strike="noStrike" spc="-1">
                 <a:solidFill>
                   <a:srgbClr val="000000"/>
                 </a:solidFill>
@@ -5462,7 +6582,7 @@
               </a:rPr>
               <a:t>…</a:t>
             </a:r>
-            <a:endParaRPr b="0" lang="pt-PT" sz="2800" spc="-1" strike="noStrike">
+            <a:endParaRPr lang="pt-PT" sz="2800" b="0" strike="noStrike" spc="-1">
               <a:latin typeface="Arial"/>
             </a:endParaRPr>
           </a:p>
@@ -5475,10 +6595,10 @@
                 <a:spcPts val="1001"/>
               </a:spcBef>
               <a:tabLst>
-                <a:tab algn="l" pos="0"/>
+                <a:tab pos="0" algn="l"/>
               </a:tabLst>
             </a:pPr>
-            <a:endParaRPr b="0" lang="pt-PT" sz="2800" spc="-1" strike="noStrike">
+            <a:endParaRPr lang="pt-PT" sz="2800" b="0" strike="noStrike" spc="-1">
               <a:latin typeface="Arial"/>
             </a:endParaRPr>
           </a:p>
@@ -5486,19 +6606,14 @@
       </p:sp>
     </p:spTree>
   </p:cSld>
-  <mc:AlternateContent>
-    <mc:Choice Requires="p14">
-      <p:transition spd="slow" p14:dur="2000"/>
-    </mc:Choice>
-    <mc:Fallback>
-      <p:transition spd="slow"/>
-    </mc:Fallback>
-  </mc:AlternateContent>
+  <p:clrMapOvr>
+    <a:masterClrMapping/>
+  </p:clrMapOvr>
 </p:sld>
 </file>
 
 <file path=ppt/slides/slide3.xml><?xml version="1.0" encoding="utf-8"?>
-<p:sld xmlns:a="http://schemas.openxmlformats.org/drawingml/2006/main" xmlns:p="http://schemas.openxmlformats.org/presentationml/2006/main" xmlns:r="http://schemas.openxmlformats.org/officeDocument/2006/relationships" xmlns:p14="http://schemas.microsoft.com/office/powerpoint/2010/main" xmlns:p15="http://schemas.microsoft.com/office/powerpoint/2012/main" xmlns:mc="http://schemas.openxmlformats.org/markup-compatibility/2006">
+<p:sld xmlns:a="http://schemas.openxmlformats.org/drawingml/2006/main" xmlns:r="http://schemas.openxmlformats.org/officeDocument/2006/relationships" xmlns:p="http://schemas.openxmlformats.org/presentationml/2006/main">
   <p:cSld>
     <p:spTree>
       <p:nvGrpSpPr>
@@ -5534,15 +6649,22 @@
           </a:ln>
         </p:spPr>
         <p:style>
-          <a:lnRef idx="0"/>
-          <a:fillRef idx="0"/>
-          <a:effectRef idx="0"/>
+          <a:lnRef idx="0">
+            <a:scrgbClr r="0" g="0" b="0"/>
+          </a:lnRef>
+          <a:fillRef idx="0">
+            <a:scrgbClr r="0" g="0" b="0"/>
+          </a:fillRef>
+          <a:effectRef idx="0">
+            <a:scrgbClr r="0" g="0" b="0"/>
+          </a:effectRef>
           <a:fontRef idx="minor"/>
         </p:style>
         <p:txBody>
-          <a:bodyPr lIns="90000" rIns="90000" tIns="45000" bIns="45000" anchor="ctr">
+          <a:bodyPr lIns="90000" tIns="45000" rIns="90000" bIns="45000" anchor="ctr">
             <a:noAutofit/>
           </a:bodyPr>
+          <a:lstStyle/>
           <a:p>
             <a:pPr algn="ctr">
               <a:lnSpc>
@@ -5550,7 +6672,7 @@
               </a:lnSpc>
             </a:pPr>
             <a:r>
-              <a:rPr b="1" lang="pt-PT" sz="4400" spc="-1" strike="noStrike">
+              <a:rPr lang="pt-PT" sz="4400" b="1" strike="noStrike" spc="-1">
                 <a:solidFill>
                   <a:srgbClr val="000000"/>
                 </a:solidFill>
@@ -5559,22 +6681,22 @@
               </a:rPr>
               <a:t>Solução</a:t>
             </a:r>
-            <a:endParaRPr b="0" lang="pt-PT" sz="4400" spc="-1" strike="noStrike">
-              <a:latin typeface="Arial"/>
-            </a:endParaRPr>
-          </a:p>
-        </p:txBody>
-      </p:sp>
-      <p:sp>
-        <p:nvSpPr>
-          <p:cNvPr id="121" name="Marcador de Posição de Conteúdo 2"/>
+            <a:endParaRPr lang="pt-PT" sz="4400" b="0" strike="noStrike" spc="-1">
+              <a:latin typeface="Arial"/>
+            </a:endParaRPr>
+          </a:p>
+        </p:txBody>
+      </p:sp>
+      <p:sp>
+        <p:nvSpPr>
+          <p:cNvPr id="122" name="Retângulo 121"/>
           <p:cNvSpPr/>
           <p:nvPr/>
         </p:nvSpPr>
         <p:spPr>
           <a:xfrm>
-            <a:off x="838080" y="1825560"/>
-            <a:ext cx="10514520" cy="4350240"/>
+            <a:off x="609300" y="1689480"/>
+            <a:ext cx="10972080" cy="4789800"/>
           </a:xfrm>
           <a:prstGeom prst="rect">
             <a:avLst/>
@@ -5585,72 +6707,22 @@
           </a:ln>
         </p:spPr>
         <p:style>
-          <a:lnRef idx="0"/>
-          <a:fillRef idx="0"/>
-          <a:effectRef idx="0"/>
+          <a:lnRef idx="0">
+            <a:scrgbClr r="0" g="0" b="0"/>
+          </a:lnRef>
+          <a:fillRef idx="0">
+            <a:scrgbClr r="0" g="0" b="0"/>
+          </a:fillRef>
+          <a:effectRef idx="0">
+            <a:scrgbClr r="0" g="0" b="0"/>
+          </a:effectRef>
           <a:fontRef idx="minor"/>
         </p:style>
         <p:txBody>
-          <a:bodyPr lIns="90000" rIns="90000" tIns="45000" bIns="45000">
-            <a:noAutofit/>
-          </a:bodyPr>
-          <a:p>
-            <a:pPr>
-              <a:lnSpc>
-                <a:spcPct val="90000"/>
-              </a:lnSpc>
-              <a:spcBef>
-                <a:spcPts val="1001"/>
-              </a:spcBef>
-              <a:tabLst>
-                <a:tab algn="l" pos="0"/>
-              </a:tabLst>
-            </a:pPr>
-            <a:r>
-              <a:rPr b="0" lang="pt-PT" sz="2800" spc="-1" strike="noStrike">
-                <a:solidFill>
-                  <a:srgbClr val="000000"/>
-                </a:solidFill>
-                <a:latin typeface="Calibri"/>
-                <a:ea typeface="DejaVu Sans"/>
-              </a:rPr>
-              <a:t>max 2 diapositivos</a:t>
-            </a:r>
-            <a:endParaRPr b="0" lang="pt-PT" sz="2800" spc="-1" strike="noStrike">
-              <a:latin typeface="Arial"/>
-            </a:endParaRPr>
-          </a:p>
-        </p:txBody>
-      </p:sp>
-      <p:sp>
-        <p:nvSpPr>
-          <p:cNvPr id="122" name=""/>
-          <p:cNvSpPr/>
-          <p:nvPr/>
-        </p:nvSpPr>
-        <p:spPr>
-          <a:xfrm>
-            <a:off x="720000" y="1620000"/>
-            <a:ext cx="10972080" cy="4789800"/>
-          </a:xfrm>
-          <a:prstGeom prst="rect">
-            <a:avLst/>
-          </a:prstGeom>
-          <a:noFill/>
-          <a:ln w="0">
-            <a:noFill/>
-          </a:ln>
-        </p:spPr>
-        <p:style>
-          <a:lnRef idx="0"/>
-          <a:fillRef idx="0"/>
-          <a:effectRef idx="0"/>
-          <a:fontRef idx="minor"/>
-        </p:style>
-        <p:txBody>
-          <a:bodyPr lIns="0" rIns="0" tIns="0" bIns="0">
-            <a:normAutofit fontScale="76000"/>
-          </a:bodyPr>
+          <a:bodyPr lIns="0" tIns="0" rIns="0" bIns="0">
+            <a:normAutofit fontScale="91000" lnSpcReduction="20000"/>
+          </a:bodyPr>
+          <a:lstStyle/>
           <a:p>
             <a:pPr marL="432000" indent="-323640">
               <a:lnSpc>
@@ -5667,12 +6739,12 @@
               <a:buChar char=""/>
             </a:pPr>
             <a:r>
-              <a:rPr b="0" lang="pt-PT" sz="2800" spc="-1" strike="noStrike">
+              <a:rPr lang="pt-PT" sz="2800" b="0" strike="noStrike" spc="-1" dirty="0">
                 <a:latin typeface="Calibri"/>
               </a:rPr>
               <a:t>Implementámos um menu de forma a facilitar a interação com o programa;</a:t>
             </a:r>
-            <a:endParaRPr b="0" lang="pt-PT" sz="2800" spc="-1" strike="noStrike">
+            <a:endParaRPr lang="pt-PT" sz="2800" b="0" strike="noStrike" spc="-1" dirty="0">
               <a:latin typeface="Arial"/>
             </a:endParaRPr>
           </a:p>
@@ -5692,12 +6764,24 @@
               <a:buChar char=""/>
             </a:pPr>
             <a:r>
-              <a:rPr b="0" lang="pt-PT" sz="2800" spc="-1" strike="noStrike">
+              <a:rPr lang="pt-PT" sz="2800" b="0" strike="noStrike" spc="-1" dirty="0">
                 <a:latin typeface="Calibri"/>
               </a:rPr>
-              <a:t>O núcleo central do programa é a classe Airline, que gere as interações entre aviões, aeroportos e voos;</a:t>
-            </a:r>
-            <a:endParaRPr b="0" lang="pt-PT" sz="2800" spc="-1" strike="noStrike">
+              <a:t>O núcleo central do programa é a classe </a:t>
+            </a:r>
+            <a:r>
+              <a:rPr lang="pt-PT" sz="2800" b="0" strike="noStrike" spc="-1" dirty="0" err="1">
+                <a:latin typeface="Calibri"/>
+              </a:rPr>
+              <a:t>Airline</a:t>
+            </a:r>
+            <a:r>
+              <a:rPr lang="pt-PT" sz="2800" b="0" strike="noStrike" spc="-1" dirty="0">
+                <a:latin typeface="Calibri"/>
+              </a:rPr>
+              <a:t>, que gere as interações entre aviões, aeroportos, voos e passageiros;</a:t>
+            </a:r>
+            <a:endParaRPr lang="pt-PT" sz="2800" b="0" strike="noStrike" spc="-1" dirty="0">
               <a:latin typeface="Arial"/>
             </a:endParaRPr>
           </a:p>
@@ -5717,12 +6801,24 @@
               <a:buChar char=""/>
             </a:pPr>
             <a:r>
-              <a:rPr b="0" lang="pt-PT" sz="2800" spc="-1" strike="noStrike">
+              <a:rPr lang="pt-PT" sz="2800" b="0" strike="noStrike" spc="-1" dirty="0">
                 <a:latin typeface="Calibri"/>
               </a:rPr>
-              <a:t>Dentro das soluções, aos  problemas apresentados, que implementámos, eis dois exemplos:</a:t>
-            </a:r>
-            <a:endParaRPr b="0" lang="pt-PT" sz="2800" spc="-1" strike="noStrike">
+              <a:t>Dentro das soluções</a:t>
+            </a:r>
+            <a:r>
+              <a:rPr lang="pt-PT" sz="2800" spc="-1" dirty="0">
+                <a:latin typeface="Calibri"/>
+              </a:rPr>
+              <a:t> </a:t>
+            </a:r>
+            <a:r>
+              <a:rPr lang="pt-PT" sz="2800" b="0" strike="noStrike" spc="-1" dirty="0">
+                <a:latin typeface="Calibri"/>
+              </a:rPr>
+              <a:t>aos problemas apresentados, que implementámos, eis dois exemplos:</a:t>
+            </a:r>
+            <a:endParaRPr lang="pt-PT" sz="2800" b="0" strike="noStrike" spc="-1" dirty="0">
               <a:latin typeface="Arial"/>
             </a:endParaRPr>
           </a:p>
@@ -5742,12 +6838,60 @@
               <a:buChar char=""/>
             </a:pPr>
             <a:r>
-              <a:rPr b="0" lang="pt-PT" sz="2800" spc="-1" strike="noStrike">
+              <a:rPr lang="pt-PT" sz="2800" b="0" strike="noStrike" spc="-1" dirty="0">
                 <a:latin typeface="Calibri"/>
               </a:rPr>
-              <a:t>No tratamento dos serviços criamos duas filas(serviçosAcabados, serviçosMarcados), quando um novo serviço era criado, era colocado nos serviçosMarcados e depois de ser cumprido, era colocado nos serviçosAcabados.</a:t>
-            </a:r>
-            <a:endParaRPr b="0" lang="pt-PT" sz="2800" spc="-1" strike="noStrike">
+              <a:t>No tratamento dos serviços criamos duas filas(</a:t>
+            </a:r>
+            <a:r>
+              <a:rPr lang="pt-PT" sz="2800" b="0" strike="noStrike" spc="-1" dirty="0" err="1">
+                <a:latin typeface="Calibri"/>
+              </a:rPr>
+              <a:t>serviçosAcabados</a:t>
+            </a:r>
+            <a:r>
+              <a:rPr lang="pt-PT" sz="2800" b="0" strike="noStrike" spc="-1" dirty="0">
+                <a:latin typeface="Calibri"/>
+              </a:rPr>
+              <a:t>, </a:t>
+            </a:r>
+            <a:r>
+              <a:rPr lang="pt-PT" sz="2800" b="0" strike="noStrike" spc="-1" dirty="0" err="1">
+                <a:latin typeface="Calibri"/>
+              </a:rPr>
+              <a:t>serviçosMarcados</a:t>
+            </a:r>
+            <a:r>
+              <a:rPr lang="pt-PT" sz="2800" b="0" strike="noStrike" spc="-1" dirty="0">
+                <a:latin typeface="Calibri"/>
+              </a:rPr>
+              <a:t>), quando um novo serviço era criado, era colocado nos </a:t>
+            </a:r>
+            <a:r>
+              <a:rPr lang="pt-PT" sz="2800" b="0" strike="noStrike" spc="-1" dirty="0" err="1">
+                <a:latin typeface="Calibri"/>
+              </a:rPr>
+              <a:t>serviçosMarcados</a:t>
+            </a:r>
+            <a:r>
+              <a:rPr lang="pt-PT" sz="2800" b="0" strike="noStrike" spc="-1" dirty="0">
+                <a:latin typeface="Calibri"/>
+              </a:rPr>
+              <a:t> e depois de ser cumprido, era colocado nos </a:t>
+            </a:r>
+            <a:r>
+              <a:rPr lang="pt-PT" sz="2800" b="0" strike="noStrike" spc="-1" dirty="0" err="1">
+                <a:latin typeface="Calibri"/>
+              </a:rPr>
+              <a:t>serviçosAcabados</a:t>
+            </a:r>
+            <a:r>
+              <a:rPr lang="pt-PT" sz="2800" b="0" strike="noStrike" spc="-1" dirty="0">
+                <a:latin typeface="Calibri"/>
+              </a:rPr>
+              <a:t>.</a:t>
+            </a:r>
+            <a:endParaRPr lang="pt-PT" sz="2800" b="0" strike="noStrike" spc="-1" dirty="0">
               <a:latin typeface="Arial"/>
             </a:endParaRPr>
           </a:p>
@@ -5767,12 +6911,36 @@
               <a:buChar char=""/>
             </a:pPr>
             <a:r>
-              <a:rPr b="0" lang="pt-PT" sz="2800" spc="-1" strike="noStrike">
+              <a:rPr lang="pt-PT" sz="2800" b="0" strike="noStrike" spc="-1" dirty="0">
                 <a:latin typeface="Calibri"/>
               </a:rPr>
-              <a:t>No tratamento das malas  criamos um sistema de transporte, composto por carruagens, que à medida que iam ficando cheias, novas carruagens eram acrescentadas. Cada carruagem possui 4 stacks e cada stack tem a capacidade maxima de 5 malas.</a:t>
-            </a:r>
-            <a:endParaRPr b="0" lang="pt-PT" sz="2800" spc="-1" strike="noStrike">
+              <a:t>No tratamento das malas  criamos um sistema de transporte, composto por carruagens que, à medida que estas ficam cheias, adicionam novas carruagens. Cada carruagem possui 4 </a:t>
+            </a:r>
+            <a:r>
+              <a:rPr lang="pt-PT" sz="2800" b="0" strike="noStrike" spc="-1" dirty="0" err="1">
+                <a:latin typeface="Calibri"/>
+              </a:rPr>
+              <a:t>stacks</a:t>
+            </a:r>
+            <a:r>
+              <a:rPr lang="pt-PT" sz="2800" b="0" strike="noStrike" spc="-1" dirty="0">
+                <a:latin typeface="Calibri"/>
+              </a:rPr>
+              <a:t> e cada </a:t>
+            </a:r>
+            <a:r>
+              <a:rPr lang="pt-PT" sz="2800" b="0" strike="noStrike" spc="-1" dirty="0" err="1">
+                <a:latin typeface="Calibri"/>
+              </a:rPr>
+              <a:t>stack</a:t>
+            </a:r>
+            <a:r>
+              <a:rPr lang="pt-PT" sz="2800" b="0" strike="noStrike" spc="-1" dirty="0">
+                <a:latin typeface="Calibri"/>
+              </a:rPr>
+              <a:t> tem a capacidade máxima de 5 malas.</a:t>
+            </a:r>
+            <a:endParaRPr lang="pt-PT" sz="2800" b="0" strike="noStrike" spc="-1" dirty="0">
               <a:latin typeface="Arial"/>
             </a:endParaRPr>
           </a:p>
@@ -5780,19 +6948,14 @@
       </p:sp>
     </p:spTree>
   </p:cSld>
-  <mc:AlternateContent>
-    <mc:Choice Requires="p14">
-      <p:transition spd="slow" p14:dur="2000"/>
-    </mc:Choice>
-    <mc:Fallback>
-      <p:transition spd="slow"/>
-    </mc:Fallback>
-  </mc:AlternateContent>
+  <p:clrMapOvr>
+    <a:masterClrMapping/>
+  </p:clrMapOvr>
 </p:sld>
 </file>
 
 <file path=ppt/slides/slide4.xml><?xml version="1.0" encoding="utf-8"?>
-<p:sld xmlns:a="http://schemas.openxmlformats.org/drawingml/2006/main" xmlns:p="http://schemas.openxmlformats.org/presentationml/2006/main" xmlns:r="http://schemas.openxmlformats.org/officeDocument/2006/relationships" xmlns:p14="http://schemas.microsoft.com/office/powerpoint/2010/main" xmlns:p15="http://schemas.microsoft.com/office/powerpoint/2012/main" xmlns:mc="http://schemas.openxmlformats.org/markup-compatibility/2006">
+<p:sld xmlns:a="http://schemas.openxmlformats.org/drawingml/2006/main" xmlns:r="http://schemas.openxmlformats.org/officeDocument/2006/relationships" xmlns:p="http://schemas.openxmlformats.org/presentationml/2006/main">
   <p:cSld>
     <p:spTree>
       <p:nvGrpSpPr>
@@ -5828,15 +6991,22 @@
           </a:ln>
         </p:spPr>
         <p:style>
-          <a:lnRef idx="0"/>
-          <a:fillRef idx="0"/>
-          <a:effectRef idx="0"/>
+          <a:lnRef idx="0">
+            <a:scrgbClr r="0" g="0" b="0"/>
+          </a:lnRef>
+          <a:fillRef idx="0">
+            <a:scrgbClr r="0" g="0" b="0"/>
+          </a:fillRef>
+          <a:effectRef idx="0">
+            <a:scrgbClr r="0" g="0" b="0"/>
+          </a:effectRef>
           <a:fontRef idx="minor"/>
         </p:style>
         <p:txBody>
-          <a:bodyPr lIns="90000" rIns="90000" tIns="45000" bIns="45000" anchor="ctr">
+          <a:bodyPr lIns="90000" tIns="45000" rIns="90000" bIns="45000" anchor="ctr">
             <a:noAutofit/>
           </a:bodyPr>
+          <a:lstStyle/>
           <a:p>
             <a:pPr algn="ctr">
               <a:lnSpc>
@@ -5844,7 +7014,7 @@
               </a:lnSpc>
             </a:pPr>
             <a:r>
-              <a:rPr b="1" lang="pt-PT" sz="4400" spc="-1" strike="noStrike">
+              <a:rPr lang="pt-PT" sz="4400" b="1" strike="noStrike" spc="-1">
                 <a:solidFill>
                   <a:srgbClr val="000000"/>
                 </a:solidFill>
@@ -5853,7 +7023,7 @@
               </a:rPr>
               <a:t>Diagrama de Classes</a:t>
             </a:r>
-            <a:endParaRPr b="0" lang="pt-PT" sz="4400" spc="-1" strike="noStrike">
+            <a:endParaRPr lang="pt-PT" sz="4400" b="0" strike="noStrike" spc="-1">
               <a:latin typeface="Arial"/>
             </a:endParaRPr>
           </a:p>
@@ -5879,27 +7049,28 @@
           </a:ln>
         </p:spPr>
         <p:style>
-          <a:lnRef idx="0"/>
-          <a:fillRef idx="0"/>
-          <a:effectRef idx="0"/>
+          <a:lnRef idx="0">
+            <a:scrgbClr r="0" g="0" b="0"/>
+          </a:lnRef>
+          <a:fillRef idx="0">
+            <a:scrgbClr r="0" g="0" b="0"/>
+          </a:fillRef>
+          <a:effectRef idx="0">
+            <a:scrgbClr r="0" g="0" b="0"/>
+          </a:effectRef>
           <a:fontRef idx="minor"/>
         </p:style>
       </p:sp>
     </p:spTree>
   </p:cSld>
-  <mc:AlternateContent>
-    <mc:Choice Requires="p14">
-      <p:transition spd="slow" p14:dur="2000"/>
-    </mc:Choice>
-    <mc:Fallback>
-      <p:transition spd="slow"/>
-    </mc:Fallback>
-  </mc:AlternateContent>
+  <p:clrMapOvr>
+    <a:masterClrMapping/>
+  </p:clrMapOvr>
 </p:sld>
 </file>
 
 <file path=ppt/slides/slide5.xml><?xml version="1.0" encoding="utf-8"?>
-<p:sld xmlns:a="http://schemas.openxmlformats.org/drawingml/2006/main" xmlns:p="http://schemas.openxmlformats.org/presentationml/2006/main" xmlns:r="http://schemas.openxmlformats.org/officeDocument/2006/relationships" xmlns:p14="http://schemas.microsoft.com/office/powerpoint/2010/main" xmlns:p15="http://schemas.microsoft.com/office/powerpoint/2012/main" xmlns:mc="http://schemas.openxmlformats.org/markup-compatibility/2006">
+<p:sld xmlns:a="http://schemas.openxmlformats.org/drawingml/2006/main" xmlns:r="http://schemas.openxmlformats.org/officeDocument/2006/relationships" xmlns:p="http://schemas.openxmlformats.org/presentationml/2006/main">
   <p:cSld>
     <p:spTree>
       <p:nvGrpSpPr>
@@ -5935,15 +7106,22 @@
           </a:ln>
         </p:spPr>
         <p:style>
-          <a:lnRef idx="0"/>
-          <a:fillRef idx="0"/>
-          <a:effectRef idx="0"/>
+          <a:lnRef idx="0">
+            <a:scrgbClr r="0" g="0" b="0"/>
+          </a:lnRef>
+          <a:fillRef idx="0">
+            <a:scrgbClr r="0" g="0" b="0"/>
+          </a:fillRef>
+          <a:effectRef idx="0">
+            <a:scrgbClr r="0" g="0" b="0"/>
+          </a:effectRef>
           <a:fontRef idx="minor"/>
         </p:style>
         <p:txBody>
-          <a:bodyPr lIns="90000" rIns="90000" tIns="45000" bIns="45000" anchor="ctr">
+          <a:bodyPr lIns="90000" tIns="45000" rIns="90000" bIns="45000" anchor="ctr">
             <a:noAutofit/>
           </a:bodyPr>
+          <a:lstStyle/>
           <a:p>
             <a:pPr algn="ctr">
               <a:lnSpc>
@@ -5951,7 +7129,7 @@
               </a:lnSpc>
             </a:pPr>
             <a:r>
-              <a:rPr b="1" lang="pt-PT" sz="4400" spc="-1" strike="noStrike">
+              <a:rPr lang="pt-PT" sz="4400" b="1" strike="noStrike" spc="-1">
                 <a:solidFill>
                   <a:srgbClr val="000000"/>
                 </a:solidFill>
@@ -5960,7 +7138,7 @@
               </a:rPr>
               <a:t>Estrutura de Ficheiros</a:t>
             </a:r>
-            <a:endParaRPr b="0" lang="pt-PT" sz="4400" spc="-1" strike="noStrike">
+            <a:endParaRPr lang="pt-PT" sz="4400" b="0" strike="noStrike" spc="-1">
               <a:latin typeface="Arial"/>
             </a:endParaRPr>
           </a:p>
@@ -5986,15 +7164,22 @@
           </a:ln>
         </p:spPr>
         <p:style>
-          <a:lnRef idx="0"/>
-          <a:fillRef idx="0"/>
-          <a:effectRef idx="0"/>
+          <a:lnRef idx="0">
+            <a:scrgbClr r="0" g="0" b="0"/>
+          </a:lnRef>
+          <a:fillRef idx="0">
+            <a:scrgbClr r="0" g="0" b="0"/>
+          </a:fillRef>
+          <a:effectRef idx="0">
+            <a:scrgbClr r="0" g="0" b="0"/>
+          </a:effectRef>
           <a:fontRef idx="minor"/>
         </p:style>
         <p:txBody>
-          <a:bodyPr lIns="90000" rIns="90000" tIns="45000" bIns="45000">
+          <a:bodyPr lIns="90000" tIns="45000" rIns="90000" bIns="45000">
             <a:noAutofit/>
           </a:bodyPr>
+          <a:lstStyle/>
           <a:p>
             <a:pPr marL="228600" indent="-227520">
               <a:lnSpc>
@@ -6010,7 +7195,7 @@
               <a:buChar char="•"/>
             </a:pPr>
             <a:r>
-              <a:rPr b="0" lang="pt-PT" sz="2800" spc="-1" strike="noStrike">
+              <a:rPr lang="pt-PT" sz="2800" b="0" strike="noStrike" spc="-1" dirty="0">
                 <a:solidFill>
                   <a:srgbClr val="000000"/>
                 </a:solidFill>
@@ -6019,7 +7204,7 @@
               </a:rPr>
               <a:t>Incluímos no  nosso projeto uma estrutura de ficheiros dos seguintes elementos:</a:t>
             </a:r>
-            <a:endParaRPr b="0" lang="pt-PT" sz="2800" spc="-1" strike="noStrike">
+            <a:endParaRPr lang="pt-PT" sz="2800" b="0" strike="noStrike" spc="-1" dirty="0">
               <a:latin typeface="Arial"/>
             </a:endParaRPr>
           </a:p>
@@ -6038,16 +7223,56 @@
               <a:buChar char="•"/>
             </a:pPr>
             <a:r>
-              <a:rPr b="0" lang="pt-PT" sz="2800" spc="-1" strike="noStrike">
+              <a:rPr lang="pt-PT" sz="2800" b="0" strike="noStrike" spc="-1" dirty="0">
                 <a:solidFill>
                   <a:srgbClr val="000000"/>
                 </a:solidFill>
                 <a:latin typeface="Calibri"/>
                 <a:ea typeface="DejaVu Sans"/>
               </a:rPr>
-              <a:t>Aviões(tipoAvião, matrícula, capacidade, capacidadeCargo);</a:t>
-            </a:r>
-            <a:endParaRPr b="0" lang="pt-PT" sz="2800" spc="-1" strike="noStrike">
+              <a:t>Aviões(</a:t>
+            </a:r>
+            <a:r>
+              <a:rPr lang="pt-PT" sz="2800" b="0" strike="noStrike" spc="-1" dirty="0" err="1">
+                <a:solidFill>
+                  <a:srgbClr val="000000"/>
+                </a:solidFill>
+                <a:latin typeface="Calibri"/>
+                <a:ea typeface="DejaVu Sans"/>
+              </a:rPr>
+              <a:t>tipoAvião</a:t>
+            </a:r>
+            <a:r>
+              <a:rPr lang="pt-PT" sz="2800" b="0" strike="noStrike" spc="-1" dirty="0">
+                <a:solidFill>
+                  <a:srgbClr val="000000"/>
+                </a:solidFill>
+                <a:latin typeface="Calibri"/>
+                <a:ea typeface="DejaVu Sans"/>
+              </a:rPr>
+              <a:t>, matrícula, capacidade, </a:t>
+            </a:r>
+            <a:r>
+              <a:rPr lang="pt-PT" sz="2800" b="0" strike="noStrike" spc="-1" dirty="0" err="1">
+                <a:solidFill>
+                  <a:srgbClr val="000000"/>
+                </a:solidFill>
+                <a:latin typeface="Calibri"/>
+                <a:ea typeface="DejaVu Sans"/>
+              </a:rPr>
+              <a:t>capacidadeCargo</a:t>
+            </a:r>
+            <a:r>
+              <a:rPr lang="pt-PT" sz="2800" b="0" strike="noStrike" spc="-1" dirty="0">
+                <a:solidFill>
+                  <a:srgbClr val="000000"/>
+                </a:solidFill>
+                <a:latin typeface="Calibri"/>
+                <a:ea typeface="DejaVu Sans"/>
+              </a:rPr>
+              <a:t>);</a:t>
+            </a:r>
+            <a:endParaRPr lang="pt-PT" sz="2800" b="0" strike="noStrike" spc="-1" dirty="0">
               <a:latin typeface="Arial"/>
             </a:endParaRPr>
           </a:p>
@@ -6066,16 +7291,56 @@
               <a:buChar char="•"/>
             </a:pPr>
             <a:r>
-              <a:rPr b="0" lang="pt-PT" sz="2800" spc="-1" strike="noStrike">
+              <a:rPr lang="pt-PT" sz="2800" b="0" strike="noStrike" spc="-1" dirty="0">
                 <a:solidFill>
                   <a:srgbClr val="000000"/>
                 </a:solidFill>
                 <a:latin typeface="Calibri"/>
                 <a:ea typeface="DejaVu Sans"/>
               </a:rPr>
-              <a:t>Aeroportos(nomeAeroporto, aviõesAterrados);</a:t>
-            </a:r>
-            <a:endParaRPr b="0" lang="pt-PT" sz="2800" spc="-1" strike="noStrike">
+              <a:t>Aeroportos(</a:t>
+            </a:r>
+            <a:r>
+              <a:rPr lang="pt-PT" sz="2800" b="0" strike="noStrike" spc="-1" dirty="0" err="1">
+                <a:solidFill>
+                  <a:srgbClr val="000000"/>
+                </a:solidFill>
+                <a:latin typeface="Calibri"/>
+                <a:ea typeface="DejaVu Sans"/>
+              </a:rPr>
+              <a:t>nomeAeroporto</a:t>
+            </a:r>
+            <a:r>
+              <a:rPr lang="pt-PT" sz="2800" b="0" strike="noStrike" spc="-1" dirty="0">
+                <a:solidFill>
+                  <a:srgbClr val="000000"/>
+                </a:solidFill>
+                <a:latin typeface="Calibri"/>
+                <a:ea typeface="DejaVu Sans"/>
+              </a:rPr>
+              <a:t>, </a:t>
+            </a:r>
+            <a:r>
+              <a:rPr lang="pt-PT" sz="2800" b="0" strike="noStrike" spc="-1" dirty="0" err="1">
+                <a:solidFill>
+                  <a:srgbClr val="000000"/>
+                </a:solidFill>
+                <a:latin typeface="Calibri"/>
+                <a:ea typeface="DejaVu Sans"/>
+              </a:rPr>
+              <a:t>aviõesAterrados</a:t>
+            </a:r>
+            <a:r>
+              <a:rPr lang="pt-PT" sz="2800" b="0" strike="noStrike" spc="-1" dirty="0">
+                <a:solidFill>
+                  <a:srgbClr val="000000"/>
+                </a:solidFill>
+                <a:latin typeface="Calibri"/>
+                <a:ea typeface="DejaVu Sans"/>
+              </a:rPr>
+              <a:t>);</a:t>
+            </a:r>
+            <a:endParaRPr lang="pt-PT" sz="2800" b="0" strike="noStrike" spc="-1" dirty="0">
               <a:latin typeface="Arial"/>
             </a:endParaRPr>
           </a:p>
@@ -6094,7 +7359,7 @@
               <a:buChar char="•"/>
             </a:pPr>
             <a:r>
-              <a:rPr b="0" lang="pt-PT" sz="2800" spc="-1" strike="noStrike">
+              <a:rPr lang="pt-PT" sz="2800" b="0" strike="noStrike" spc="-1" dirty="0">
                 <a:solidFill>
                   <a:srgbClr val="000000"/>
                 </a:solidFill>
@@ -6103,7 +7368,7 @@
               </a:rPr>
               <a:t>Voos(número, data, duração, matrícula, origem, destino);</a:t>
             </a:r>
-            <a:endParaRPr b="0" lang="pt-PT" sz="2800" spc="-1" strike="noStrike">
+            <a:endParaRPr lang="pt-PT" sz="2800" b="0" strike="noStrike" spc="-1" dirty="0">
               <a:latin typeface="Arial"/>
             </a:endParaRPr>
           </a:p>
@@ -6122,16 +7387,76 @@
               <a:buChar char="•"/>
             </a:pPr>
             <a:r>
-              <a:rPr b="0" lang="pt-PT" sz="2800" spc="-1" strike="noStrike">
+              <a:rPr lang="pt-PT" sz="2800" b="0" strike="noStrike" spc="-1" dirty="0">
                 <a:solidFill>
                   <a:srgbClr val="000000"/>
                 </a:solidFill>
                 <a:latin typeface="Calibri"/>
                 <a:ea typeface="DejaVu Sans"/>
               </a:rPr>
-              <a:t>Locais de transporte terrestre(Aeroporto, tipoTransporte, distância, horaAbertura, horaFecho);</a:t>
-            </a:r>
-            <a:endParaRPr b="0" lang="pt-PT" sz="2800" spc="-1" strike="noStrike">
+              <a:t>Locais de transporte terrestre(Aeroporto, </a:t>
+            </a:r>
+            <a:r>
+              <a:rPr lang="pt-PT" sz="2800" b="0" strike="noStrike" spc="-1" dirty="0" err="1">
+                <a:solidFill>
+                  <a:srgbClr val="000000"/>
+                </a:solidFill>
+                <a:latin typeface="Calibri"/>
+                <a:ea typeface="DejaVu Sans"/>
+              </a:rPr>
+              <a:t>tipoTransporte</a:t>
+            </a:r>
+            <a:r>
+              <a:rPr lang="pt-PT" sz="2800" b="0" strike="noStrike" spc="-1" dirty="0">
+                <a:solidFill>
+                  <a:srgbClr val="000000"/>
+                </a:solidFill>
+                <a:latin typeface="Calibri"/>
+                <a:ea typeface="DejaVu Sans"/>
+              </a:rPr>
+              <a:t>, distância, </a:t>
+            </a:r>
+            <a:r>
+              <a:rPr lang="pt-PT" sz="2800" b="0" strike="noStrike" spc="-1" dirty="0" err="1">
+                <a:solidFill>
+                  <a:srgbClr val="000000"/>
+                </a:solidFill>
+                <a:latin typeface="Calibri"/>
+                <a:ea typeface="DejaVu Sans"/>
+              </a:rPr>
+              <a:t>horaAbertura</a:t>
+            </a:r>
+            <a:r>
+              <a:rPr lang="pt-PT" sz="2800" b="0" strike="noStrike" spc="-1" dirty="0">
+                <a:solidFill>
+                  <a:srgbClr val="000000"/>
+                </a:solidFill>
+                <a:latin typeface="Calibri"/>
+                <a:ea typeface="DejaVu Sans"/>
+              </a:rPr>
+              <a:t>, </a:t>
+            </a:r>
+            <a:r>
+              <a:rPr lang="pt-PT" sz="2800" b="0" strike="noStrike" spc="-1" dirty="0" err="1">
+                <a:solidFill>
+                  <a:srgbClr val="000000"/>
+                </a:solidFill>
+                <a:latin typeface="Calibri"/>
+                <a:ea typeface="DejaVu Sans"/>
+              </a:rPr>
+              <a:t>horaFecho</a:t>
+            </a:r>
+            <a:r>
+              <a:rPr lang="pt-PT" sz="2800" b="0" strike="noStrike" spc="-1" dirty="0">
+                <a:solidFill>
+                  <a:srgbClr val="000000"/>
+                </a:solidFill>
+                <a:latin typeface="Calibri"/>
+                <a:ea typeface="DejaVu Sans"/>
+              </a:rPr>
+              <a:t>);</a:t>
+            </a:r>
+            <a:endParaRPr lang="pt-PT" sz="2800" b="0" strike="noStrike" spc="-1" dirty="0">
               <a:latin typeface="Arial"/>
             </a:endParaRPr>
           </a:p>
@@ -6150,16 +7475,36 @@
               <a:buChar char="•"/>
             </a:pPr>
             <a:r>
-              <a:rPr b="0" lang="pt-PT" sz="2800" spc="-1" strike="noStrike">
+              <a:rPr lang="pt-PT" sz="2800" b="0" strike="noStrike" spc="-1" dirty="0">
                 <a:solidFill>
                   <a:srgbClr val="000000"/>
                 </a:solidFill>
                 <a:latin typeface="Calibri"/>
                 <a:ea typeface="DejaVu Sans"/>
               </a:rPr>
-              <a:t>Serviços de limpezas(matrículaAvião, tipo, data, empregado).</a:t>
-            </a:r>
-            <a:endParaRPr b="0" lang="pt-PT" sz="2800" spc="-1" strike="noStrike">
+              <a:t>Serviços de limpezas(</a:t>
+            </a:r>
+            <a:r>
+              <a:rPr lang="pt-PT" sz="2800" b="0" strike="noStrike" spc="-1" dirty="0" err="1">
+                <a:solidFill>
+                  <a:srgbClr val="000000"/>
+                </a:solidFill>
+                <a:latin typeface="Calibri"/>
+                <a:ea typeface="DejaVu Sans"/>
+              </a:rPr>
+              <a:t>matrículaAvião</a:t>
+            </a:r>
+            <a:r>
+              <a:rPr lang="pt-PT" sz="2800" b="0" strike="noStrike" spc="-1" dirty="0">
+                <a:solidFill>
+                  <a:srgbClr val="000000"/>
+                </a:solidFill>
+                <a:latin typeface="Calibri"/>
+                <a:ea typeface="DejaVu Sans"/>
+              </a:rPr>
+              <a:t>, tipo, data, empregado).</a:t>
+            </a:r>
+            <a:endParaRPr lang="pt-PT" sz="2800" b="0" strike="noStrike" spc="-1" dirty="0">
               <a:latin typeface="Arial"/>
             </a:endParaRPr>
           </a:p>
@@ -6178,16 +7523,26 @@
               <a:buChar char="•"/>
             </a:pPr>
             <a:r>
-              <a:rPr b="0" lang="pt-PT" sz="2800" spc="-1" strike="noStrike">
+              <a:rPr lang="pt-PT" sz="2800" b="0" strike="noStrike" spc="-1" dirty="0" err="1">
                 <a:solidFill>
                   <a:srgbClr val="000000"/>
                 </a:solidFill>
                 <a:latin typeface="Calibri"/>
                 <a:ea typeface="DejaVu Sans"/>
               </a:rPr>
-              <a:t>Nota:Os serviços de limpeza estão ordenados por ordem cronológica.</a:t>
-            </a:r>
-            <a:endParaRPr b="0" lang="pt-PT" sz="2800" spc="-1" strike="noStrike">
+              <a:t>Nota:Os</a:t>
+            </a:r>
+            <a:r>
+              <a:rPr lang="pt-PT" sz="2800" b="0" strike="noStrike" spc="-1" dirty="0">
+                <a:solidFill>
+                  <a:srgbClr val="000000"/>
+                </a:solidFill>
+                <a:latin typeface="Calibri"/>
+                <a:ea typeface="DejaVu Sans"/>
+              </a:rPr>
+              <a:t> serviços de limpeza estão organizados por avião e por ordem cronológica.</a:t>
+            </a:r>
+            <a:endParaRPr lang="pt-PT" sz="2800" b="0" strike="noStrike" spc="-1" dirty="0">
               <a:latin typeface="Arial"/>
             </a:endParaRPr>
           </a:p>
@@ -6195,19 +7550,14 @@
       </p:sp>
     </p:spTree>
   </p:cSld>
-  <mc:AlternateContent>
-    <mc:Choice Requires="p14">
-      <p:transition spd="slow" p14:dur="2000"/>
-    </mc:Choice>
-    <mc:Fallback>
-      <p:transition spd="slow"/>
-    </mc:Fallback>
-  </mc:AlternateContent>
+  <p:clrMapOvr>
+    <a:masterClrMapping/>
+  </p:clrMapOvr>
 </p:sld>
 </file>
 
 <file path=ppt/slides/slide6.xml><?xml version="1.0" encoding="utf-8"?>
-<p:sld xmlns:a="http://schemas.openxmlformats.org/drawingml/2006/main" xmlns:p="http://schemas.openxmlformats.org/presentationml/2006/main" xmlns:r="http://schemas.openxmlformats.org/officeDocument/2006/relationships" xmlns:p14="http://schemas.microsoft.com/office/powerpoint/2010/main" xmlns:p15="http://schemas.microsoft.com/office/powerpoint/2012/main" xmlns:mc="http://schemas.openxmlformats.org/markup-compatibility/2006">
+<p:sld xmlns:a="http://schemas.openxmlformats.org/drawingml/2006/main" xmlns:r="http://schemas.openxmlformats.org/officeDocument/2006/relationships" xmlns:p="http://schemas.openxmlformats.org/presentationml/2006/main">
   <p:cSld>
     <p:spTree>
       <p:nvGrpSpPr>
@@ -6243,15 +7593,22 @@
           </a:ln>
         </p:spPr>
         <p:style>
-          <a:lnRef idx="0"/>
-          <a:fillRef idx="0"/>
-          <a:effectRef idx="0"/>
+          <a:lnRef idx="0">
+            <a:scrgbClr r="0" g="0" b="0"/>
+          </a:lnRef>
+          <a:fillRef idx="0">
+            <a:scrgbClr r="0" g="0" b="0"/>
+          </a:fillRef>
+          <a:effectRef idx="0">
+            <a:scrgbClr r="0" g="0" b="0"/>
+          </a:effectRef>
           <a:fontRef idx="minor"/>
         </p:style>
         <p:txBody>
-          <a:bodyPr lIns="90000" rIns="90000" tIns="45000" bIns="45000" anchor="ctr">
+          <a:bodyPr lIns="90000" tIns="45000" rIns="90000" bIns="45000" anchor="ctr">
             <a:noAutofit/>
           </a:bodyPr>
+          <a:lstStyle/>
           <a:p>
             <a:pPr algn="ctr">
               <a:lnSpc>
@@ -6259,7 +7616,7 @@
               </a:lnSpc>
             </a:pPr>
             <a:r>
-              <a:rPr b="1" lang="pt-PT" sz="4400" spc="-1" strike="noStrike">
+              <a:rPr lang="pt-PT" sz="4400" b="1" strike="noStrike" spc="-1">
                 <a:solidFill>
                   <a:srgbClr val="000000"/>
                 </a:solidFill>
@@ -6268,7 +7625,7 @@
               </a:rPr>
               <a:t>Funcionalidades Implementadas</a:t>
             </a:r>
-            <a:endParaRPr b="0" lang="pt-PT" sz="4400" spc="-1" strike="noStrike">
+            <a:endParaRPr lang="pt-PT" sz="4400" b="0" strike="noStrike" spc="-1">
               <a:latin typeface="Arial"/>
             </a:endParaRPr>
           </a:p>
@@ -6282,7 +7639,7 @@
         </p:nvSpPr>
         <p:spPr>
           <a:xfrm>
-            <a:off x="838080" y="1825560"/>
+            <a:off x="838080" y="1689480"/>
             <a:ext cx="10514520" cy="4350240"/>
           </a:xfrm>
           <a:prstGeom prst="rect">
@@ -6294,15 +7651,22 @@
           </a:ln>
         </p:spPr>
         <p:style>
-          <a:lnRef idx="0"/>
-          <a:fillRef idx="0"/>
-          <a:effectRef idx="0"/>
+          <a:lnRef idx="0">
+            <a:scrgbClr r="0" g="0" b="0"/>
+          </a:lnRef>
+          <a:fillRef idx="0">
+            <a:scrgbClr r="0" g="0" b="0"/>
+          </a:fillRef>
+          <a:effectRef idx="0">
+            <a:scrgbClr r="0" g="0" b="0"/>
+          </a:effectRef>
           <a:fontRef idx="minor"/>
         </p:style>
         <p:txBody>
-          <a:bodyPr lIns="90000" rIns="90000" tIns="45000" bIns="45000">
+          <a:bodyPr lIns="90000" tIns="45000" rIns="90000" bIns="45000">
             <a:noAutofit/>
           </a:bodyPr>
+          <a:lstStyle/>
           <a:p>
             <a:pPr>
               <a:lnSpc>
@@ -6312,11 +7676,11 @@
                 <a:spcPts val="1001"/>
               </a:spcBef>
               <a:tabLst>
-                <a:tab algn="l" pos="0"/>
+                <a:tab pos="0" algn="l"/>
               </a:tabLst>
             </a:pPr>
             <a:r>
-              <a:rPr b="0" lang="pt-PT" sz="2800" spc="-1" strike="noStrike">
+              <a:rPr lang="pt-PT" sz="2800" b="0" strike="noStrike" spc="-1" dirty="0">
                 <a:solidFill>
                   <a:srgbClr val="000000"/>
                 </a:solidFill>
@@ -6325,7 +7689,7 @@
               </a:rPr>
               <a:t>No que toca nas operações CRUD:</a:t>
             </a:r>
-            <a:endParaRPr b="0" lang="pt-PT" sz="2800" spc="-1" strike="noStrike">
+            <a:endParaRPr lang="pt-PT" sz="2800" b="0" strike="noStrike" spc="-1" dirty="0">
               <a:latin typeface="Arial"/>
             </a:endParaRPr>
           </a:p>
@@ -6343,20 +7707,50 @@
               <a:buFont typeface="Symbol"/>
               <a:buChar char=""/>
               <a:tabLst>
-                <a:tab algn="l" pos="0"/>
+                <a:tab pos="0" algn="l"/>
               </a:tabLst>
             </a:pPr>
             <a:r>
-              <a:rPr b="0" lang="pt-PT" sz="2800" spc="-1" strike="noStrike">
+              <a:rPr lang="pt-PT" sz="2800" b="0" strike="noStrike" spc="-1" dirty="0">
                 <a:solidFill>
                   <a:srgbClr val="000000"/>
                 </a:solidFill>
                 <a:latin typeface="Calibri"/>
                 <a:ea typeface="DejaVu Sans"/>
               </a:rPr>
-              <a:t>Na classe fligth, implementámos todas as operações CRUD e a mesma possui listagem parcial;</a:t>
-            </a:r>
-            <a:endParaRPr b="0" lang="pt-PT" sz="2800" spc="-1" strike="noStrike">
+              <a:t>Na classe </a:t>
+            </a:r>
+            <a:r>
+              <a:rPr lang="pt-PT" sz="2800" spc="-1" dirty="0" err="1">
+                <a:solidFill>
+                  <a:srgbClr val="000000"/>
+                </a:solidFill>
+                <a:latin typeface="Calibri"/>
+                <a:ea typeface="DejaVu Sans"/>
+              </a:rPr>
+              <a:t>F</a:t>
+            </a:r>
+            <a:r>
+              <a:rPr lang="pt-PT" sz="2800" b="0" strike="noStrike" spc="-1" dirty="0" err="1">
+                <a:solidFill>
+                  <a:srgbClr val="000000"/>
+                </a:solidFill>
+                <a:latin typeface="Calibri"/>
+                <a:ea typeface="DejaVu Sans"/>
+              </a:rPr>
+              <a:t>ligth</a:t>
+            </a:r>
+            <a:r>
+              <a:rPr lang="pt-PT" sz="2800" b="0" strike="noStrike" spc="-1" dirty="0">
+                <a:solidFill>
+                  <a:srgbClr val="000000"/>
+                </a:solidFill>
+                <a:latin typeface="Calibri"/>
+                <a:ea typeface="DejaVu Sans"/>
+              </a:rPr>
+              <a:t>, implementámos todas as operações CRUD e a mesma possui listagem parcial;</a:t>
+            </a:r>
+            <a:endParaRPr lang="pt-PT" sz="2800" b="0" strike="noStrike" spc="-1" dirty="0">
               <a:latin typeface="Arial"/>
             </a:endParaRPr>
           </a:p>
@@ -6374,20 +7768,90 @@
               <a:buFont typeface="Symbol"/>
               <a:buChar char=""/>
               <a:tabLst>
-                <a:tab algn="l" pos="0"/>
+                <a:tab pos="0" algn="l"/>
               </a:tabLst>
             </a:pPr>
             <a:r>
-              <a:rPr b="0" lang="pt-PT" sz="2800" spc="-1" strike="noStrike">
+              <a:rPr lang="pt-PT" sz="2800" b="0" strike="noStrike" spc="-1" dirty="0">
                 <a:solidFill>
                   <a:srgbClr val="000000"/>
                 </a:solidFill>
                 <a:latin typeface="Calibri"/>
                 <a:ea typeface="DejaVu Sans"/>
               </a:rPr>
-              <a:t>Na classe landTransportPlace,  implementámos as operações create e read, a mesma tem listagem parcial;</a:t>
-            </a:r>
-            <a:endParaRPr b="0" lang="pt-PT" sz="2800" spc="-1" strike="noStrike">
+              <a:t>Na classe </a:t>
+            </a:r>
+            <a:r>
+              <a:rPr lang="pt-PT" sz="2800" spc="-1" dirty="0" err="1">
+                <a:solidFill>
+                  <a:srgbClr val="000000"/>
+                </a:solidFill>
+                <a:latin typeface="Calibri"/>
+                <a:ea typeface="DejaVu Sans"/>
+              </a:rPr>
+              <a:t>L</a:t>
+            </a:r>
+            <a:r>
+              <a:rPr lang="pt-PT" sz="2800" b="0" strike="noStrike" spc="-1" dirty="0" err="1">
+                <a:solidFill>
+                  <a:srgbClr val="000000"/>
+                </a:solidFill>
+                <a:latin typeface="Calibri"/>
+                <a:ea typeface="DejaVu Sans"/>
+              </a:rPr>
+              <a:t>andTransportPlace</a:t>
+            </a:r>
+            <a:r>
+              <a:rPr lang="pt-PT" sz="2800" b="0" strike="noStrike" spc="-1" dirty="0">
+                <a:solidFill>
+                  <a:srgbClr val="000000"/>
+                </a:solidFill>
+                <a:latin typeface="Calibri"/>
+                <a:ea typeface="DejaVu Sans"/>
+              </a:rPr>
+              <a:t>,  implementámos as operações </a:t>
+            </a:r>
+            <a:r>
+              <a:rPr lang="pt-PT" sz="2800" b="0" strike="noStrike" spc="-1" dirty="0" err="1">
+                <a:solidFill>
+                  <a:srgbClr val="000000"/>
+                </a:solidFill>
+                <a:latin typeface="Calibri"/>
+                <a:ea typeface="DejaVu Sans"/>
+              </a:rPr>
+              <a:t>create</a:t>
+            </a:r>
+            <a:r>
+              <a:rPr lang="pt-PT" sz="2800" b="0" strike="noStrike" spc="-1" dirty="0">
+                <a:solidFill>
+                  <a:srgbClr val="000000"/>
+                </a:solidFill>
+                <a:latin typeface="Calibri"/>
+                <a:ea typeface="DejaVu Sans"/>
+              </a:rPr>
+              <a:t> e </a:t>
+            </a:r>
+            <a:r>
+              <a:rPr lang="pt-PT" sz="2800" b="0" strike="noStrike" spc="-1" dirty="0" err="1">
+                <a:solidFill>
+                  <a:srgbClr val="000000"/>
+                </a:solidFill>
+                <a:latin typeface="Calibri"/>
+                <a:ea typeface="DejaVu Sans"/>
+              </a:rPr>
+              <a:t>read</a:t>
+            </a:r>
+            <a:r>
+              <a:rPr lang="pt-PT" sz="2800" b="0" strike="noStrike" spc="-1" dirty="0">
+                <a:solidFill>
+                  <a:srgbClr val="000000"/>
+                </a:solidFill>
+                <a:latin typeface="Calibri"/>
+                <a:ea typeface="DejaVu Sans"/>
+              </a:rPr>
+              <a:t>, a mesma tem listagem parcial;</a:t>
+            </a:r>
+            <a:endParaRPr lang="pt-PT" sz="2800" b="0" strike="noStrike" spc="-1" dirty="0">
               <a:latin typeface="Arial"/>
             </a:endParaRPr>
           </a:p>
@@ -6405,30 +7869,100 @@
               <a:buFont typeface="Symbol"/>
               <a:buChar char=""/>
               <a:tabLst>
-                <a:tab algn="l" pos="0"/>
+                <a:tab pos="0" algn="l"/>
               </a:tabLst>
             </a:pPr>
             <a:r>
-              <a:rPr b="0" lang="pt-PT" sz="2800" spc="-1" strike="noStrike">
+              <a:rPr lang="pt-PT" sz="2800" b="0" strike="noStrike" spc="-1" dirty="0">
                 <a:solidFill>
                   <a:srgbClr val="000000"/>
                 </a:solidFill>
                 <a:latin typeface="Calibri"/>
                 <a:ea typeface="Microsoft YaHei"/>
               </a:rPr>
-              <a:t>Na classe cleaningService, </a:t>
-            </a:r>
-            <a:r>
-              <a:rPr b="0" lang="pt-PT" sz="2800" spc="-1" strike="noStrike">
+              <a:t>Na classe </a:t>
+            </a:r>
+            <a:r>
+              <a:rPr lang="pt-PT" sz="2800" spc="-1" dirty="0" err="1">
+                <a:solidFill>
+                  <a:srgbClr val="000000"/>
+                </a:solidFill>
+                <a:latin typeface="Calibri"/>
+                <a:ea typeface="Microsoft YaHei"/>
+              </a:rPr>
+              <a:t>C</a:t>
+            </a:r>
+            <a:r>
+              <a:rPr lang="pt-PT" sz="2800" b="0" strike="noStrike" spc="-1" dirty="0" err="1">
+                <a:solidFill>
+                  <a:srgbClr val="000000"/>
+                </a:solidFill>
+                <a:latin typeface="Calibri"/>
+                <a:ea typeface="Microsoft YaHei"/>
+              </a:rPr>
+              <a:t>leaningService</a:t>
+            </a:r>
+            <a:r>
+              <a:rPr lang="pt-PT" sz="2800" b="0" strike="noStrike" spc="-1" dirty="0">
+                <a:solidFill>
+                  <a:srgbClr val="000000"/>
+                </a:solidFill>
+                <a:latin typeface="Calibri"/>
+                <a:ea typeface="Microsoft YaHei"/>
+              </a:rPr>
+              <a:t>, </a:t>
+            </a:r>
+            <a:r>
+              <a:rPr lang="pt-PT" sz="2800" b="0" strike="noStrike" spc="-1" dirty="0">
                 <a:solidFill>
                   <a:srgbClr val="000000"/>
                 </a:solidFill>
                 <a:latin typeface="Calibri"/>
                 <a:ea typeface="DejaVu Sans"/>
               </a:rPr>
-              <a:t>implementámos as operações create e read, a mesma tem listagem parcial;</a:t>
-            </a:r>
-            <a:endParaRPr b="0" lang="pt-PT" sz="2800" spc="-1" strike="noStrike">
+              <a:t>implementámos as operações </a:t>
+            </a:r>
+            <a:r>
+              <a:rPr lang="pt-PT" sz="2800" b="0" strike="noStrike" spc="-1" dirty="0" err="1">
+                <a:solidFill>
+                  <a:srgbClr val="000000"/>
+                </a:solidFill>
+                <a:latin typeface="Calibri"/>
+                <a:ea typeface="DejaVu Sans"/>
+              </a:rPr>
+              <a:t>create</a:t>
+            </a:r>
+            <a:r>
+              <a:rPr lang="pt-PT" sz="2800" b="0" strike="noStrike" spc="-1" dirty="0">
+                <a:solidFill>
+                  <a:srgbClr val="000000"/>
+                </a:solidFill>
+                <a:latin typeface="Calibri"/>
+                <a:ea typeface="DejaVu Sans"/>
+              </a:rPr>
+              <a:t> e </a:t>
+            </a:r>
+            <a:r>
+              <a:rPr lang="pt-PT" sz="2800" b="0" strike="noStrike" spc="-1" dirty="0" err="1">
+                <a:solidFill>
+                  <a:srgbClr val="000000"/>
+                </a:solidFill>
+                <a:latin typeface="Calibri"/>
+                <a:ea typeface="DejaVu Sans"/>
+              </a:rPr>
+              <a:t>read</a:t>
+            </a:r>
+            <a:r>
+              <a:rPr lang="pt-PT" sz="2800" b="0" strike="noStrike" spc="-1" dirty="0">
+                <a:solidFill>
+                  <a:srgbClr val="000000"/>
+                </a:solidFill>
+                <a:latin typeface="Calibri"/>
+                <a:ea typeface="DejaVu Sans"/>
+              </a:rPr>
+              <a:t>, a mesma tem listagem parcial;</a:t>
+            </a:r>
+            <a:endParaRPr lang="pt-PT" sz="2800" b="0" strike="noStrike" spc="-1" dirty="0">
               <a:latin typeface="Arial"/>
             </a:endParaRPr>
           </a:p>
@@ -6446,20 +7980,40 @@
               <a:buFont typeface="Symbol"/>
               <a:buChar char=""/>
               <a:tabLst>
-                <a:tab algn="l" pos="0"/>
+                <a:tab pos="0" algn="l"/>
               </a:tabLst>
             </a:pPr>
             <a:r>
-              <a:rPr b="0" lang="pt-PT" sz="2800" spc="-1" strike="noStrike">
+              <a:rPr lang="pt-PT" sz="2800" b="0" strike="noStrike" spc="-1" dirty="0">
                 <a:solidFill>
                   <a:srgbClr val="000000"/>
                 </a:solidFill>
                 <a:latin typeface="Calibri"/>
                 <a:ea typeface="DejaVu Sans"/>
               </a:rPr>
-              <a:t>Na classe plain, implementámos as operações CRUD, a mesma tem listagem total;</a:t>
-            </a:r>
-            <a:endParaRPr b="0" lang="pt-PT" sz="2800" spc="-1" strike="noStrike">
+              <a:t>Na classe </a:t>
+            </a:r>
+            <a:r>
+              <a:rPr lang="pt-PT" sz="2800" spc="-1" dirty="0">
+                <a:solidFill>
+                  <a:srgbClr val="000000"/>
+                </a:solidFill>
+                <a:latin typeface="Calibri"/>
+                <a:ea typeface="DejaVu Sans"/>
+              </a:rPr>
+              <a:t>Plane</a:t>
+            </a:r>
+            <a:r>
+              <a:rPr lang="pt-PT" sz="2800" b="0" strike="noStrike" spc="-1" dirty="0">
+                <a:solidFill>
+                  <a:srgbClr val="000000"/>
+                </a:solidFill>
+                <a:latin typeface="Calibri"/>
+                <a:ea typeface="DejaVu Sans"/>
+              </a:rPr>
+              <a:t>, implementámos as operações CRUD, a mesma tem listagem total;</a:t>
+            </a:r>
+            <a:endParaRPr lang="pt-PT" sz="2800" b="0" strike="noStrike" spc="-1" dirty="0">
               <a:latin typeface="Arial"/>
             </a:endParaRPr>
           </a:p>
@@ -6477,20 +8031,110 @@
               <a:buFont typeface="Symbol"/>
               <a:buChar char=""/>
               <a:tabLst>
-                <a:tab algn="l" pos="0"/>
+                <a:tab pos="0" algn="l"/>
               </a:tabLst>
             </a:pPr>
             <a:r>
-              <a:rPr b="0" lang="pt-PT" sz="2800" spc="-1" strike="noStrike">
+              <a:rPr lang="pt-PT" sz="2800" b="0" strike="noStrike" spc="-1" dirty="0">
                 <a:solidFill>
                   <a:srgbClr val="000000"/>
                 </a:solidFill>
                 <a:latin typeface="Calibri"/>
                 <a:ea typeface="DejaVu Sans"/>
               </a:rPr>
-              <a:t>Na classe airport, implementámos as operações create, read e update, a mesma tem listagem total;  </a:t>
-            </a:r>
-            <a:endParaRPr b="0" lang="pt-PT" sz="2800" spc="-1" strike="noStrike">
+              <a:t>Na classe </a:t>
+            </a:r>
+            <a:r>
+              <a:rPr lang="pt-PT" sz="2800" spc="-1" dirty="0" err="1">
+                <a:solidFill>
+                  <a:srgbClr val="000000"/>
+                </a:solidFill>
+                <a:latin typeface="Calibri"/>
+                <a:ea typeface="DejaVu Sans"/>
+              </a:rPr>
+              <a:t>A</a:t>
+            </a:r>
+            <a:r>
+              <a:rPr lang="pt-PT" sz="2800" b="0" strike="noStrike" spc="-1" dirty="0" err="1">
+                <a:solidFill>
+                  <a:srgbClr val="000000"/>
+                </a:solidFill>
+                <a:latin typeface="Calibri"/>
+                <a:ea typeface="DejaVu Sans"/>
+              </a:rPr>
+              <a:t>irport</a:t>
+            </a:r>
+            <a:r>
+              <a:rPr lang="pt-PT" sz="2800" b="0" strike="noStrike" spc="-1" dirty="0">
+                <a:solidFill>
+                  <a:srgbClr val="000000"/>
+                </a:solidFill>
+                <a:latin typeface="Calibri"/>
+                <a:ea typeface="DejaVu Sans"/>
+              </a:rPr>
+              <a:t>, implementámos as operações </a:t>
+            </a:r>
+            <a:r>
+              <a:rPr lang="pt-PT" sz="2800" b="0" strike="noStrike" spc="-1" dirty="0" err="1">
+                <a:solidFill>
+                  <a:srgbClr val="000000"/>
+                </a:solidFill>
+                <a:latin typeface="Calibri"/>
+                <a:ea typeface="DejaVu Sans"/>
+              </a:rPr>
+              <a:t>create</a:t>
+            </a:r>
+            <a:r>
+              <a:rPr lang="pt-PT" sz="2800" b="0" strike="noStrike" spc="-1" dirty="0">
+                <a:solidFill>
+                  <a:srgbClr val="000000"/>
+                </a:solidFill>
+                <a:latin typeface="Calibri"/>
+                <a:ea typeface="DejaVu Sans"/>
+              </a:rPr>
+              <a:t>, </a:t>
+            </a:r>
+            <a:r>
+              <a:rPr lang="pt-PT" sz="2800" b="0" strike="noStrike" spc="-1" dirty="0" err="1">
+                <a:solidFill>
+                  <a:srgbClr val="000000"/>
+                </a:solidFill>
+                <a:latin typeface="Calibri"/>
+                <a:ea typeface="DejaVu Sans"/>
+              </a:rPr>
+              <a:t>read</a:t>
+            </a:r>
+            <a:r>
+              <a:rPr lang="pt-PT" sz="2800" b="0" strike="noStrike" spc="-1" dirty="0">
+                <a:solidFill>
+                  <a:srgbClr val="000000"/>
+                </a:solidFill>
+                <a:latin typeface="Calibri"/>
+                <a:ea typeface="DejaVu Sans"/>
+              </a:rPr>
+              <a:t> e </a:t>
+            </a:r>
+            <a:r>
+              <a:rPr lang="pt-PT" sz="2800" b="0" strike="noStrike" spc="-1" dirty="0" err="1">
+                <a:solidFill>
+                  <a:srgbClr val="000000"/>
+                </a:solidFill>
+                <a:latin typeface="Calibri"/>
+                <a:ea typeface="DejaVu Sans"/>
+              </a:rPr>
+              <a:t>update</a:t>
+            </a:r>
+            <a:r>
+              <a:rPr lang="pt-PT" sz="2800" b="0" strike="noStrike" spc="-1" dirty="0">
+                <a:solidFill>
+                  <a:srgbClr val="000000"/>
+                </a:solidFill>
+                <a:latin typeface="Calibri"/>
+                <a:ea typeface="DejaVu Sans"/>
+              </a:rPr>
+              <a:t>, a mesma tem listagem total;  </a:t>
+            </a:r>
+            <a:endParaRPr lang="pt-PT" sz="2800" b="0" strike="noStrike" spc="-1" dirty="0">
               <a:latin typeface="Arial"/>
             </a:endParaRPr>
           </a:p>
@@ -6498,19 +8142,14 @@
       </p:sp>
     </p:spTree>
   </p:cSld>
-  <mc:AlternateContent>
-    <mc:Choice Requires="p14">
-      <p:transition spd="slow" p14:dur="2000"/>
-    </mc:Choice>
-    <mc:Fallback>
-      <p:transition spd="slow"/>
-    </mc:Fallback>
-  </mc:AlternateContent>
+  <p:clrMapOvr>
+    <a:masterClrMapping/>
+  </p:clrMapOvr>
 </p:sld>
 </file>
 
 <file path=ppt/slides/slide7.xml><?xml version="1.0" encoding="utf-8"?>
-<p:sld xmlns:a="http://schemas.openxmlformats.org/drawingml/2006/main" xmlns:p="http://schemas.openxmlformats.org/presentationml/2006/main" xmlns:r="http://schemas.openxmlformats.org/officeDocument/2006/relationships" xmlns:p14="http://schemas.microsoft.com/office/powerpoint/2010/main" xmlns:p15="http://schemas.microsoft.com/office/powerpoint/2012/main" xmlns:mc="http://schemas.openxmlformats.org/markup-compatibility/2006">
+<p:sld xmlns:a="http://schemas.openxmlformats.org/drawingml/2006/main" xmlns:r="http://schemas.openxmlformats.org/officeDocument/2006/relationships" xmlns:p="http://schemas.openxmlformats.org/presentationml/2006/main">
   <p:cSld>
     <p:spTree>
       <p:nvGrpSpPr>
@@ -6528,7 +8167,7 @@
       </p:grpSpPr>
       <p:sp>
         <p:nvSpPr>
-          <p:cNvPr id="129" name=""/>
+          <p:cNvPr id="129" name="Retângulo 128"/>
           <p:cNvSpPr/>
           <p:nvPr/>
         </p:nvSpPr>
@@ -6546,15 +8185,22 @@
           </a:ln>
         </p:spPr>
         <p:style>
-          <a:lnRef idx="0"/>
-          <a:fillRef idx="0"/>
-          <a:effectRef idx="0"/>
+          <a:lnRef idx="0">
+            <a:scrgbClr r="0" g="0" b="0"/>
+          </a:lnRef>
+          <a:fillRef idx="0">
+            <a:scrgbClr r="0" g="0" b="0"/>
+          </a:fillRef>
+          <a:effectRef idx="0">
+            <a:scrgbClr r="0" g="0" b="0"/>
+          </a:effectRef>
           <a:fontRef idx="minor"/>
         </p:style>
         <p:txBody>
-          <a:bodyPr lIns="0" rIns="0" tIns="0" bIns="0" anchor="ctr">
+          <a:bodyPr lIns="0" tIns="0" rIns="0" bIns="0" anchor="ctr">
             <a:noAutofit/>
           </a:bodyPr>
+          <a:lstStyle/>
           <a:p>
             <a:pPr algn="ctr">
               <a:lnSpc>
@@ -6562,7 +8208,7 @@
               </a:lnSpc>
             </a:pPr>
             <a:r>
-              <a:rPr b="1" lang="pt-PT" sz="4400" spc="-1" strike="noStrike">
+              <a:rPr lang="pt-PT" sz="4400" b="1" strike="noStrike" spc="-1">
                 <a:solidFill>
                   <a:srgbClr val="000000"/>
                 </a:solidFill>
@@ -6570,15 +8216,15 @@
               </a:rPr>
               <a:t>Funcionalidades Implementadas(cont)</a:t>
             </a:r>
-            <a:endParaRPr b="0" lang="pt-PT" sz="4400" spc="-1" strike="noStrike">
-              <a:latin typeface="Arial"/>
-            </a:endParaRPr>
-          </a:p>
-        </p:txBody>
-      </p:sp>
-      <p:sp>
-        <p:nvSpPr>
-          <p:cNvPr id="130" name=""/>
+            <a:endParaRPr lang="pt-PT" sz="4400" b="0" strike="noStrike" spc="-1">
+              <a:latin typeface="Arial"/>
+            </a:endParaRPr>
+          </a:p>
+        </p:txBody>
+      </p:sp>
+      <p:sp>
+        <p:nvSpPr>
+          <p:cNvPr id="130" name="Retângulo 129"/>
           <p:cNvSpPr/>
           <p:nvPr/>
         </p:nvSpPr>
@@ -6596,15 +8242,22 @@
           </a:ln>
         </p:spPr>
         <p:style>
-          <a:lnRef idx="0"/>
-          <a:fillRef idx="0"/>
-          <a:effectRef idx="0"/>
+          <a:lnRef idx="0">
+            <a:scrgbClr r="0" g="0" b="0"/>
+          </a:lnRef>
+          <a:fillRef idx="0">
+            <a:scrgbClr r="0" g="0" b="0"/>
+          </a:fillRef>
+          <a:effectRef idx="0">
+            <a:scrgbClr r="0" g="0" b="0"/>
+          </a:effectRef>
           <a:fontRef idx="minor"/>
         </p:style>
         <p:txBody>
-          <a:bodyPr lIns="0" rIns="0" tIns="0" bIns="0">
+          <a:bodyPr lIns="0" tIns="0" rIns="0" bIns="0">
             <a:normAutofit fontScale="76000"/>
           </a:bodyPr>
+          <a:lstStyle/>
           <a:p>
             <a:pPr marL="432000" indent="-323640">
               <a:lnSpc>
@@ -6621,14 +8274,11 @@
               <a:buChar char=""/>
             </a:pPr>
             <a:r>
-              <a:rPr b="0" lang="pt-PT" sz="3200" spc="-1" strike="noStrike">
+              <a:rPr lang="pt-PT" sz="3200" b="0" strike="noStrike" spc="-1">
                 <a:latin typeface="Arial"/>
               </a:rPr>
               <a:t>Algoritmos de pesquisa usados:</a:t>
             </a:r>
-            <a:endParaRPr b="0" lang="pt-PT" sz="3200" spc="-1" strike="noStrike">
-              <a:latin typeface="Arial"/>
-            </a:endParaRPr>
           </a:p>
           <a:p>
             <a:pPr marL="432000" indent="-323640">
@@ -6646,14 +8296,11 @@
               <a:buChar char=""/>
             </a:pPr>
             <a:r>
-              <a:rPr b="0" lang="pt-PT" sz="3200" spc="-1" strike="noStrike">
+              <a:rPr lang="pt-PT" sz="3200" b="0" strike="noStrike" spc="-1">
                 <a:latin typeface="Arial"/>
               </a:rPr>
               <a:t>std::find_if (STL);</a:t>
             </a:r>
-            <a:endParaRPr b="0" lang="pt-PT" sz="3200" spc="-1" strike="noStrike">
-              <a:latin typeface="Arial"/>
-            </a:endParaRPr>
           </a:p>
           <a:p>
             <a:pPr marL="432000" indent="-323640">
@@ -6671,14 +8318,11 @@
               <a:buChar char=""/>
             </a:pPr>
             <a:r>
-              <a:rPr b="0" lang="pt-PT" sz="3200" spc="-1" strike="noStrike">
+              <a:rPr lang="pt-PT" sz="3200" b="0" strike="noStrike" spc="-1">
                 <a:latin typeface="Arial"/>
               </a:rPr>
               <a:t>Recorremos também à pesquisa linear com recurso a iteradores.</a:t>
             </a:r>
-            <a:endParaRPr b="0" lang="pt-PT" sz="3200" spc="-1" strike="noStrike">
-              <a:latin typeface="Arial"/>
-            </a:endParaRPr>
           </a:p>
           <a:p>
             <a:pPr marL="432000" indent="-323640">
@@ -6696,14 +8340,11 @@
               <a:buChar char=""/>
             </a:pPr>
             <a:r>
-              <a:rPr b="0" lang="pt-PT" sz="3200" spc="-1" strike="noStrike">
+              <a:rPr lang="pt-PT" sz="3200" b="0" strike="noStrike" spc="-1">
                 <a:latin typeface="Arial"/>
               </a:rPr>
               <a:t>Algoritmos de ordenação usados:</a:t>
             </a:r>
-            <a:endParaRPr b="0" lang="pt-PT" sz="3200" spc="-1" strike="noStrike">
-              <a:latin typeface="Arial"/>
-            </a:endParaRPr>
           </a:p>
           <a:p>
             <a:pPr marL="432000" indent="-323640">
@@ -6721,14 +8362,11 @@
               <a:buChar char=""/>
             </a:pPr>
             <a:r>
-              <a:rPr b="0" lang="pt-PT" sz="3200" spc="-1" strike="noStrike">
+              <a:rPr lang="pt-PT" sz="3200" b="0" strike="noStrike" spc="-1">
                 <a:latin typeface="Arial"/>
               </a:rPr>
               <a:t>std::sort (STL);</a:t>
             </a:r>
-            <a:endParaRPr b="0" lang="pt-PT" sz="3200" spc="-1" strike="noStrike">
-              <a:latin typeface="Arial"/>
-            </a:endParaRPr>
           </a:p>
           <a:p>
             <a:pPr marL="432000" indent="-323640">
@@ -6746,14 +8384,11 @@
               <a:buChar char=""/>
             </a:pPr>
             <a:r>
-              <a:rPr b="0" lang="pt-PT" sz="3200" spc="-1" strike="noStrike">
+              <a:rPr lang="pt-PT" sz="3200" b="0" strike="noStrike" spc="-1">
                 <a:latin typeface="Arial"/>
               </a:rPr>
               <a:t>std::remove_if (STL;</a:t>
             </a:r>
-            <a:endParaRPr b="0" lang="pt-PT" sz="3200" spc="-1" strike="noStrike">
-              <a:latin typeface="Arial"/>
-            </a:endParaRPr>
           </a:p>
           <a:p>
             <a:pPr marL="432000" indent="-323640">
@@ -6771,32 +8406,24 @@
               <a:buChar char=""/>
             </a:pPr>
             <a:r>
-              <a:rPr b="0" lang="pt-PT" sz="3200" spc="-1" strike="noStrike">
+              <a:rPr lang="pt-PT" sz="3200" b="0" strike="noStrike" spc="-1">
                 <a:latin typeface="Arial"/>
               </a:rPr>
               <a:t>Std::list.sort (STL).</a:t>
             </a:r>
-            <a:endParaRPr b="0" lang="pt-PT" sz="3200" spc="-1" strike="noStrike">
-              <a:latin typeface="Arial"/>
-            </a:endParaRPr>
           </a:p>
         </p:txBody>
       </p:sp>
     </p:spTree>
   </p:cSld>
-  <mc:AlternateContent>
-    <mc:Choice Requires="p14">
-      <p:transition spd="slow" p14:dur="2000"/>
-    </mc:Choice>
-    <mc:Fallback>
-      <p:transition spd="slow"/>
-    </mc:Fallback>
-  </mc:AlternateContent>
+  <p:clrMapOvr>
+    <a:masterClrMapping/>
+  </p:clrMapOvr>
 </p:sld>
 </file>
 
 <file path=ppt/slides/slide8.xml><?xml version="1.0" encoding="utf-8"?>
-<p:sld xmlns:a="http://schemas.openxmlformats.org/drawingml/2006/main" xmlns:p="http://schemas.openxmlformats.org/presentationml/2006/main" xmlns:r="http://schemas.openxmlformats.org/officeDocument/2006/relationships" xmlns:p14="http://schemas.microsoft.com/office/powerpoint/2010/main" xmlns:p15="http://schemas.microsoft.com/office/powerpoint/2012/main" xmlns:mc="http://schemas.openxmlformats.org/markup-compatibility/2006">
+<p:sld xmlns:a="http://schemas.openxmlformats.org/drawingml/2006/main" xmlns:r="http://schemas.openxmlformats.org/officeDocument/2006/relationships" xmlns:p="http://schemas.openxmlformats.org/presentationml/2006/main">
   <p:cSld>
     <p:spTree>
       <p:nvGrpSpPr>
@@ -6832,15 +8459,22 @@
           </a:ln>
         </p:spPr>
         <p:style>
-          <a:lnRef idx="0"/>
-          <a:fillRef idx="0"/>
-          <a:effectRef idx="0"/>
+          <a:lnRef idx="0">
+            <a:scrgbClr r="0" g="0" b="0"/>
+          </a:lnRef>
+          <a:fillRef idx="0">
+            <a:scrgbClr r="0" g="0" b="0"/>
+          </a:fillRef>
+          <a:effectRef idx="0">
+            <a:scrgbClr r="0" g="0" b="0"/>
+          </a:effectRef>
           <a:fontRef idx="minor"/>
         </p:style>
         <p:txBody>
-          <a:bodyPr lIns="90000" rIns="90000" tIns="45000" bIns="45000" anchor="ctr">
+          <a:bodyPr lIns="90000" tIns="45000" rIns="90000" bIns="45000" anchor="ctr">
             <a:noAutofit/>
           </a:bodyPr>
+          <a:lstStyle/>
           <a:p>
             <a:pPr algn="ctr">
               <a:lnSpc>
@@ -6848,7 +8482,7 @@
               </a:lnSpc>
             </a:pPr>
             <a:r>
-              <a:rPr b="1" lang="pt-PT" sz="4400" spc="-1" strike="noStrike">
+              <a:rPr lang="pt-PT" sz="4400" b="1" strike="noStrike" spc="-1">
                 <a:solidFill>
                   <a:srgbClr val="000000"/>
                 </a:solidFill>
@@ -6857,7 +8491,7 @@
               </a:rPr>
               <a:t>Destaque de Funcionalidade</a:t>
             </a:r>
-            <a:endParaRPr b="0" lang="pt-PT" sz="4400" spc="-1" strike="noStrike">
+            <a:endParaRPr lang="pt-PT" sz="4400" b="0" strike="noStrike" spc="-1">
               <a:latin typeface="Arial"/>
             </a:endParaRPr>
           </a:p>
@@ -6883,15 +8517,21 @@
           </a:ln>
         </p:spPr>
         <p:style>
-          <a:lnRef idx="0"/>
-          <a:fillRef idx="0"/>
-          <a:effectRef idx="0"/>
+          <a:lnRef idx="0">
+            <a:scrgbClr r="0" g="0" b="0"/>
+          </a:lnRef>
+          <a:fillRef idx="0">
+            <a:scrgbClr r="0" g="0" b="0"/>
+          </a:fillRef>
+          <a:effectRef idx="0">
+            <a:scrgbClr r="0" g="0" b="0"/>
+          </a:effectRef>
           <a:fontRef idx="minor"/>
         </p:style>
       </p:sp>
       <p:sp>
         <p:nvSpPr>
-          <p:cNvPr id="133" name=""/>
+          <p:cNvPr id="133" name="Retângulo 132"/>
           <p:cNvSpPr/>
           <p:nvPr/>
         </p:nvSpPr>
@@ -6909,15 +8549,22 @@
           </a:ln>
         </p:spPr>
         <p:style>
-          <a:lnRef idx="0"/>
-          <a:fillRef idx="0"/>
-          <a:effectRef idx="0"/>
+          <a:lnRef idx="0">
+            <a:scrgbClr r="0" g="0" b="0"/>
+          </a:lnRef>
+          <a:fillRef idx="0">
+            <a:scrgbClr r="0" g="0" b="0"/>
+          </a:fillRef>
+          <a:effectRef idx="0">
+            <a:scrgbClr r="0" g="0" b="0"/>
+          </a:effectRef>
           <a:fontRef idx="minor"/>
         </p:style>
         <p:txBody>
-          <a:bodyPr lIns="0" rIns="0" tIns="0" bIns="0">
+          <a:bodyPr lIns="0" tIns="0" rIns="0" bIns="0">
             <a:normAutofit/>
           </a:bodyPr>
+          <a:lstStyle/>
           <a:p>
             <a:pPr marL="432000" indent="-323640">
               <a:lnSpc>
@@ -6934,32 +8581,36 @@
               <a:buChar char=""/>
             </a:pPr>
             <a:r>
-              <a:rPr b="0" lang="pt-PT" sz="2800" spc="-1" strike="noStrike">
+              <a:rPr lang="pt-PT" sz="2800" b="0" strike="noStrike" spc="-1" dirty="0">
                 <a:latin typeface="Arial"/>
               </a:rPr>
-              <a:t>A funcionalidade que gostaríamos de realçar seria a que nos permite a execução de voos com base na data atual, o que dá uma sensação de "realismo" à aplicação em si.</a:t>
-            </a:r>
-            <a:endParaRPr b="0" lang="pt-PT" sz="2800" spc="-1" strike="noStrike">
-              <a:latin typeface="Arial"/>
-            </a:endParaRPr>
+              <a:t>A funcionalidade que gostaríamos de realçar seria a que nos permite a </a:t>
+            </a:r>
+            <a:r>
+              <a:rPr lang="pt-PT" sz="2800" spc="-1" dirty="0">
+                <a:latin typeface="Arial"/>
+              </a:rPr>
+              <a:t>realização</a:t>
+            </a:r>
+            <a:r>
+              <a:rPr lang="pt-PT" sz="2800" b="0" strike="noStrike" spc="-1" dirty="0">
+                <a:latin typeface="Arial"/>
+              </a:rPr>
+              <a:t> de voos e também de serviços de limpeza/manutenção com base na data atual, o que dá uma sensação de "realismo" à aplicação em si.</a:t>
+            </a:r>
           </a:p>
         </p:txBody>
       </p:sp>
     </p:spTree>
   </p:cSld>
-  <mc:AlternateContent>
-    <mc:Choice Requires="p14">
-      <p:transition spd="slow" p14:dur="2000"/>
-    </mc:Choice>
-    <mc:Fallback>
-      <p:transition spd="slow"/>
-    </mc:Fallback>
-  </mc:AlternateContent>
+  <p:clrMapOvr>
+    <a:masterClrMapping/>
+  </p:clrMapOvr>
 </p:sld>
 </file>
 
 <file path=ppt/slides/slide9.xml><?xml version="1.0" encoding="utf-8"?>
-<p:sld xmlns:a="http://schemas.openxmlformats.org/drawingml/2006/main" xmlns:p="http://schemas.openxmlformats.org/presentationml/2006/main" xmlns:r="http://schemas.openxmlformats.org/officeDocument/2006/relationships" xmlns:p14="http://schemas.microsoft.com/office/powerpoint/2010/main" xmlns:p15="http://schemas.microsoft.com/office/powerpoint/2012/main" xmlns:mc="http://schemas.openxmlformats.org/markup-compatibility/2006">
+<p:sld xmlns:a="http://schemas.openxmlformats.org/drawingml/2006/main" xmlns:r="http://schemas.openxmlformats.org/officeDocument/2006/relationships" xmlns:p="http://schemas.openxmlformats.org/presentationml/2006/main">
   <p:cSld>
     <p:spTree>
       <p:nvGrpSpPr>
@@ -6995,15 +8646,22 @@
           </a:ln>
         </p:spPr>
         <p:style>
-          <a:lnRef idx="0"/>
-          <a:fillRef idx="0"/>
-          <a:effectRef idx="0"/>
+          <a:lnRef idx="0">
+            <a:scrgbClr r="0" g="0" b="0"/>
+          </a:lnRef>
+          <a:fillRef idx="0">
+            <a:scrgbClr r="0" g="0" b="0"/>
+          </a:fillRef>
+          <a:effectRef idx="0">
+            <a:scrgbClr r="0" g="0" b="0"/>
+          </a:effectRef>
           <a:fontRef idx="minor"/>
         </p:style>
         <p:txBody>
-          <a:bodyPr lIns="90000" rIns="90000" tIns="45000" bIns="45000" anchor="ctr">
+          <a:bodyPr lIns="90000" tIns="45000" rIns="90000" bIns="45000" anchor="ctr">
             <a:noAutofit/>
           </a:bodyPr>
+          <a:lstStyle/>
           <a:p>
             <a:pPr algn="ctr">
               <a:lnSpc>
@@ -7011,7 +8669,7 @@
               </a:lnSpc>
             </a:pPr>
             <a:r>
-              <a:rPr b="1" lang="pt-PT" sz="4400" spc="-1" strike="noStrike">
+              <a:rPr lang="pt-PT" sz="4400" b="1" strike="noStrike" spc="-1">
                 <a:solidFill>
                   <a:srgbClr val="000000"/>
                 </a:solidFill>
@@ -7020,7 +8678,7 @@
               </a:rPr>
               <a:t>Principais dificuldades</a:t>
             </a:r>
-            <a:endParaRPr b="0" lang="pt-PT" sz="4400" spc="-1" strike="noStrike">
+            <a:endParaRPr lang="pt-PT" sz="4400" b="0" strike="noStrike" spc="-1">
               <a:latin typeface="Arial"/>
             </a:endParaRPr>
           </a:p>
@@ -7046,22 +8704,23 @@
           </a:ln>
         </p:spPr>
         <p:style>
-          <a:lnRef idx="0"/>
-          <a:fillRef idx="0"/>
-          <a:effectRef idx="0"/>
+          <a:lnRef idx="0">
+            <a:scrgbClr r="0" g="0" b="0"/>
+          </a:lnRef>
+          <a:fillRef idx="0">
+            <a:scrgbClr r="0" g="0" b="0"/>
+          </a:fillRef>
+          <a:effectRef idx="0">
+            <a:scrgbClr r="0" g="0" b="0"/>
+          </a:effectRef>
           <a:fontRef idx="minor"/>
         </p:style>
       </p:sp>
     </p:spTree>
   </p:cSld>
-  <mc:AlternateContent>
-    <mc:Choice Requires="p14">
-      <p:transition spd="slow" p14:dur="2000"/>
-    </mc:Choice>
-    <mc:Fallback>
-      <p:transition spd="slow"/>
-    </mc:Fallback>
-  </mc:AlternateContent>
+  <p:clrMapOvr>
+    <a:masterClrMapping/>
+  </p:clrMapOvr>
 </p:sld>
 </file>
 
@@ -7076,34 +8735,34 @@
         <a:sysClr val="window" lastClr="FFFFFF"/>
       </a:lt1>
       <a:dk2>
-        <a:srgbClr val="44546a"/>
+        <a:srgbClr val="44546A"/>
       </a:dk2>
       <a:lt2>
-        <a:srgbClr val="e7e6e6"/>
+        <a:srgbClr val="E7E6E6"/>
       </a:lt2>
       <a:accent1>
-        <a:srgbClr val="4472c4"/>
+        <a:srgbClr val="4472C4"/>
       </a:accent1>
       <a:accent2>
-        <a:srgbClr val="ed7d31"/>
+        <a:srgbClr val="ED7D31"/>
       </a:accent2>
       <a:accent3>
-        <a:srgbClr val="a5a5a5"/>
+        <a:srgbClr val="A5A5A5"/>
       </a:accent3>
       <a:accent4>
-        <a:srgbClr val="ffc000"/>
+        <a:srgbClr val="FFC000"/>
       </a:accent4>
       <a:accent5>
-        <a:srgbClr val="5b9bd5"/>
+        <a:srgbClr val="5B9BD5"/>
       </a:accent5>
       <a:accent6>
-        <a:srgbClr val="70ad47"/>
+        <a:srgbClr val="70AD47"/>
       </a:accent6>
       <a:hlink>
-        <a:srgbClr val="0563c1"/>
+        <a:srgbClr val="0563C1"/>
       </a:hlink>
       <a:folHlink>
-        <a:srgbClr val="954f72"/>
+        <a:srgbClr val="954F72"/>
       </a:folHlink>
     </a:clrScheme>
     <a:fontScheme name="Office">
@@ -7288,6 +8947,8 @@
       </a:bgFillStyleLst>
     </a:fmtScheme>
   </a:themeElements>
+  <a:objectDefaults/>
+  <a:extraClrSchemeLst/>
 </a:theme>
 </file>
 
@@ -7302,34 +8963,34 @@
         <a:sysClr val="window" lastClr="FFFFFF"/>
       </a:lt1>
       <a:dk2>
-        <a:srgbClr val="44546a"/>
+        <a:srgbClr val="44546A"/>
       </a:dk2>
       <a:lt2>
-        <a:srgbClr val="e7e6e6"/>
+        <a:srgbClr val="E7E6E6"/>
       </a:lt2>
       <a:accent1>
-        <a:srgbClr val="4472c4"/>
+        <a:srgbClr val="4472C4"/>
       </a:accent1>
       <a:accent2>
-        <a:srgbClr val="ed7d31"/>
+        <a:srgbClr val="ED7D31"/>
       </a:accent2>
       <a:accent3>
-        <a:srgbClr val="a5a5a5"/>
+        <a:srgbClr val="A5A5A5"/>
       </a:accent3>
       <a:accent4>
-        <a:srgbClr val="ffc000"/>
+        <a:srgbClr val="FFC000"/>
       </a:accent4>
       <a:accent5>
-        <a:srgbClr val="5b9bd5"/>
+        <a:srgbClr val="5B9BD5"/>
       </a:accent5>
       <a:accent6>
-        <a:srgbClr val="70ad47"/>
+        <a:srgbClr val="70AD47"/>
       </a:accent6>
       <a:hlink>
-        <a:srgbClr val="0563c1"/>
+        <a:srgbClr val="0563C1"/>
       </a:hlink>
       <a:folHlink>
-        <a:srgbClr val="954f72"/>
+        <a:srgbClr val="954F72"/>
       </a:folHlink>
     </a:clrScheme>
     <a:fontScheme name="Office">
@@ -7514,6 +9175,8 @@
       </a:bgFillStyleLst>
     </a:fmtScheme>
   </a:themeElements>
+  <a:objectDefaults/>
+  <a:extraClrSchemeLst/>
 </a:theme>
 </file>
 
@@ -7528,34 +9191,34 @@
         <a:sysClr val="window" lastClr="FFFFFF"/>
       </a:lt1>
       <a:dk2>
-        <a:srgbClr val="44546a"/>
+        <a:srgbClr val="44546A"/>
       </a:dk2>
       <a:lt2>
-        <a:srgbClr val="e7e6e6"/>
+        <a:srgbClr val="E7E6E6"/>
       </a:lt2>
       <a:accent1>
-        <a:srgbClr val="4472c4"/>
+        <a:srgbClr val="4472C4"/>
       </a:accent1>
       <a:accent2>
-        <a:srgbClr val="ed7d31"/>
+        <a:srgbClr val="ED7D31"/>
       </a:accent2>
       <a:accent3>
-        <a:srgbClr val="a5a5a5"/>
+        <a:srgbClr val="A5A5A5"/>
       </a:accent3>
       <a:accent4>
-        <a:srgbClr val="ffc000"/>
+        <a:srgbClr val="FFC000"/>
       </a:accent4>
       <a:accent5>
-        <a:srgbClr val="5b9bd5"/>
+        <a:srgbClr val="5B9BD5"/>
       </a:accent5>
       <a:accent6>
-        <a:srgbClr val="70ad47"/>
+        <a:srgbClr val="70AD47"/>
       </a:accent6>
       <a:hlink>
-        <a:srgbClr val="0563c1"/>
+        <a:srgbClr val="0563C1"/>
       </a:hlink>
       <a:folHlink>
-        <a:srgbClr val="954f72"/>
+        <a:srgbClr val="954F72"/>
       </a:folHlink>
     </a:clrScheme>
     <a:fontScheme name="Office">
@@ -7740,5 +9403,7 @@
       </a:bgFillStyleLst>
     </a:fmtScheme>
   </a:themeElements>
+  <a:objectDefaults/>
+  <a:extraClrSchemeLst/>
 </a:theme>
 </file>
--- a/Apresentação.pptx
+++ b/Apresentação.pptx
@@ -1,125 +1,30 @@
 
 <file path=ppt/presentation.xml><?xml version="1.0" encoding="utf-8"?>
-<p:presentation xmlns:a="http://schemas.openxmlformats.org/drawingml/2006/main" xmlns:r="http://schemas.openxmlformats.org/officeDocument/2006/relationships" xmlns:p="http://schemas.openxmlformats.org/presentationml/2006/main">
+<p:presentation xmlns:a="http://schemas.openxmlformats.org/drawingml/2006/main" xmlns:p="http://schemas.openxmlformats.org/presentationml/2006/main" xmlns:r="http://schemas.openxmlformats.org/officeDocument/2006/relationships" xmlns:p14="http://schemas.microsoft.com/office/powerpoint/2010/main" xmlns:p15="http://schemas.microsoft.com/office/powerpoint/2012/main" xmlns:mc="http://schemas.openxmlformats.org/markup-compatibility/2006">
   <p:sldMasterIdLst>
-    <p:sldMasterId id="2147483648" r:id="rId1"/>
-    <p:sldMasterId id="2147483661" r:id="rId2"/>
-    <p:sldMasterId id="2147483674" r:id="rId3"/>
+    <p:sldMasterId id="2147483648" r:id="rId2"/>
+    <p:sldMasterId id="2147483661" r:id="rId3"/>
+    <p:sldMasterId id="2147483674" r:id="rId4"/>
   </p:sldMasterIdLst>
   <p:sldIdLst>
-    <p:sldId id="256" r:id="rId4"/>
-    <p:sldId id="257" r:id="rId5"/>
-    <p:sldId id="258" r:id="rId6"/>
-    <p:sldId id="259" r:id="rId7"/>
-    <p:sldId id="260" r:id="rId8"/>
-    <p:sldId id="261" r:id="rId9"/>
-    <p:sldId id="262" r:id="rId10"/>
-    <p:sldId id="263" r:id="rId11"/>
-    <p:sldId id="264" r:id="rId12"/>
-    <p:sldId id="265" r:id="rId13"/>
+    <p:sldId id="256" r:id="rId5"/>
+    <p:sldId id="257" r:id="rId6"/>
+    <p:sldId id="258" r:id="rId7"/>
+    <p:sldId id="259" r:id="rId8"/>
+    <p:sldId id="260" r:id="rId9"/>
+    <p:sldId id="261" r:id="rId10"/>
+    <p:sldId id="262" r:id="rId11"/>
+    <p:sldId id="263" r:id="rId12"/>
+    <p:sldId id="264" r:id="rId13"/>
+    <p:sldId id="265" r:id="rId14"/>
   </p:sldIdLst>
   <p:sldSz cx="12192000" cy="6858000"/>
-  <p:notesSz cx="7559675" cy="10691813"/>
-  <p:defaultTextStyle>
-    <a:defPPr>
-      <a:defRPr lang="pt-PT"/>
-    </a:defPPr>
-    <a:lvl1pPr marL="0" algn="l" defTabSz="914400" rtl="0" eaLnBrk="1" latinLnBrk="0" hangingPunct="1">
-      <a:defRPr sz="1800" kern="1200">
-        <a:solidFill>
-          <a:schemeClr val="tx1"/>
-        </a:solidFill>
-        <a:latin typeface="+mn-lt"/>
-        <a:ea typeface="+mn-ea"/>
-        <a:cs typeface="+mn-cs"/>
-      </a:defRPr>
-    </a:lvl1pPr>
-    <a:lvl2pPr marL="457200" algn="l" defTabSz="914400" rtl="0" eaLnBrk="1" latinLnBrk="0" hangingPunct="1">
-      <a:defRPr sz="1800" kern="1200">
-        <a:solidFill>
-          <a:schemeClr val="tx1"/>
-        </a:solidFill>
-        <a:latin typeface="+mn-lt"/>
-        <a:ea typeface="+mn-ea"/>
-        <a:cs typeface="+mn-cs"/>
-      </a:defRPr>
-    </a:lvl2pPr>
-    <a:lvl3pPr marL="914400" algn="l" defTabSz="914400" rtl="0" eaLnBrk="1" latinLnBrk="0" hangingPunct="1">
-      <a:defRPr sz="1800" kern="1200">
-        <a:solidFill>
-          <a:schemeClr val="tx1"/>
-        </a:solidFill>
-        <a:latin typeface="+mn-lt"/>
-        <a:ea typeface="+mn-ea"/>
-        <a:cs typeface="+mn-cs"/>
-      </a:defRPr>
-    </a:lvl3pPr>
-    <a:lvl4pPr marL="1371600" algn="l" defTabSz="914400" rtl="0" eaLnBrk="1" latinLnBrk="0" hangingPunct="1">
-      <a:defRPr sz="1800" kern="1200">
-        <a:solidFill>
-          <a:schemeClr val="tx1"/>
-        </a:solidFill>
-        <a:latin typeface="+mn-lt"/>
-        <a:ea typeface="+mn-ea"/>
-        <a:cs typeface="+mn-cs"/>
-      </a:defRPr>
-    </a:lvl4pPr>
-    <a:lvl5pPr marL="1828800" algn="l" defTabSz="914400" rtl="0" eaLnBrk="1" latinLnBrk="0" hangingPunct="1">
-      <a:defRPr sz="1800" kern="1200">
-        <a:solidFill>
-          <a:schemeClr val="tx1"/>
-        </a:solidFill>
-        <a:latin typeface="+mn-lt"/>
-        <a:ea typeface="+mn-ea"/>
-        <a:cs typeface="+mn-cs"/>
-      </a:defRPr>
-    </a:lvl5pPr>
-    <a:lvl6pPr marL="2286000" algn="l" defTabSz="914400" rtl="0" eaLnBrk="1" latinLnBrk="0" hangingPunct="1">
-      <a:defRPr sz="1800" kern="1200">
-        <a:solidFill>
-          <a:schemeClr val="tx1"/>
-        </a:solidFill>
-        <a:latin typeface="+mn-lt"/>
-        <a:ea typeface="+mn-ea"/>
-        <a:cs typeface="+mn-cs"/>
-      </a:defRPr>
-    </a:lvl6pPr>
-    <a:lvl7pPr marL="2743200" algn="l" defTabSz="914400" rtl="0" eaLnBrk="1" latinLnBrk="0" hangingPunct="1">
-      <a:defRPr sz="1800" kern="1200">
-        <a:solidFill>
-          <a:schemeClr val="tx1"/>
-        </a:solidFill>
-        <a:latin typeface="+mn-lt"/>
-        <a:ea typeface="+mn-ea"/>
-        <a:cs typeface="+mn-cs"/>
-      </a:defRPr>
-    </a:lvl7pPr>
-    <a:lvl8pPr marL="3200400" algn="l" defTabSz="914400" rtl="0" eaLnBrk="1" latinLnBrk="0" hangingPunct="1">
-      <a:defRPr sz="1800" kern="1200">
-        <a:solidFill>
-          <a:schemeClr val="tx1"/>
-        </a:solidFill>
-        <a:latin typeface="+mn-lt"/>
-        <a:ea typeface="+mn-ea"/>
-        <a:cs typeface="+mn-cs"/>
-      </a:defRPr>
-    </a:lvl8pPr>
-    <a:lvl9pPr marL="3657600" algn="l" defTabSz="914400" rtl="0" eaLnBrk="1" latinLnBrk="0" hangingPunct="1">
-      <a:defRPr sz="1800" kern="1200">
-        <a:solidFill>
-          <a:schemeClr val="tx1"/>
-        </a:solidFill>
-        <a:latin typeface="+mn-lt"/>
-        <a:ea typeface="+mn-ea"/>
-        <a:cs typeface="+mn-cs"/>
-      </a:defRPr>
-    </a:lvl9pPr>
-  </p:defaultTextStyle>
+  <p:notesSz cx="7559675" cy="10691812"/>
 </p:presentation>
 </file>
 
 <file path=ppt/slideLayouts/slideLayout1.xml><?xml version="1.0" encoding="utf-8"?>
-<p:sldLayout xmlns:a="http://schemas.openxmlformats.org/drawingml/2006/main" xmlns:r="http://schemas.openxmlformats.org/officeDocument/2006/relationships" xmlns:p="http://schemas.openxmlformats.org/presentationml/2006/main" type="blank" preserve="1">
+<p:sldLayout xmlns:a="http://schemas.openxmlformats.org/drawingml/2006/main" xmlns:p="http://schemas.openxmlformats.org/presentationml/2006/main" xmlns:r="http://schemas.openxmlformats.org/officeDocument/2006/relationships" xmlns:p14="http://schemas.microsoft.com/office/powerpoint/2010/main" xmlns:p15="http://schemas.microsoft.com/office/powerpoint/2012/main" xmlns:mc="http://schemas.openxmlformats.org/markup-compatibility/2006" type="blank" preserve="1">
   <p:cSld name="Blank Slide">
     <p:spTree>
       <p:nvGrpSpPr>
@@ -137,14 +42,11 @@
       </p:grpSpPr>
     </p:spTree>
   </p:cSld>
-  <p:clrMapOvr>
-    <a:masterClrMapping/>
-  </p:clrMapOvr>
 </p:sldLayout>
 </file>
 
 <file path=ppt/slideLayouts/slideLayout10.xml><?xml version="1.0" encoding="utf-8"?>
-<p:sldLayout xmlns:a="http://schemas.openxmlformats.org/drawingml/2006/main" xmlns:r="http://schemas.openxmlformats.org/officeDocument/2006/relationships" xmlns:p="http://schemas.openxmlformats.org/presentationml/2006/main" type="objOverTx" preserve="1">
+<p:sldLayout xmlns:a="http://schemas.openxmlformats.org/drawingml/2006/main" xmlns:p="http://schemas.openxmlformats.org/presentationml/2006/main" xmlns:r="http://schemas.openxmlformats.org/officeDocument/2006/relationships" xmlns:p14="http://schemas.microsoft.com/office/powerpoint/2010/main" xmlns:p15="http://schemas.microsoft.com/office/powerpoint/2012/main" xmlns:mc="http://schemas.openxmlformats.org/markup-compatibility/2006" type="objOverTx" preserve="1">
   <p:cSld name="Title, Content over Content">
     <p:spTree>
       <p:nvGrpSpPr>
@@ -180,13 +82,14 @@
           </a:prstGeom>
         </p:spPr>
         <p:txBody>
-          <a:bodyPr lIns="0" tIns="0" rIns="0" bIns="0" anchor="ctr">
+          <a:bodyPr lIns="0" rIns="0" tIns="0" bIns="0" anchor="ctr">
             <a:noAutofit/>
           </a:bodyPr>
-          <a:lstStyle/>
-          <a:p>
-            <a:pPr algn="ctr"/>
-            <a:endParaRPr lang="pt-PT" sz="4400" b="0" strike="noStrike" spc="-1">
+          <a:p>
+            <a:endParaRPr b="0" lang="pt-PT" sz="1800" spc="-1" strike="noStrike">
+              <a:solidFill>
+                <a:srgbClr val="000000"/>
+              </a:solidFill>
               <a:latin typeface="Arial"/>
             </a:endParaRPr>
           </a:p>
@@ -212,12 +115,14 @@
           </a:prstGeom>
         </p:spPr>
         <p:txBody>
-          <a:bodyPr lIns="0" tIns="0" rIns="0" bIns="0">
+          <a:bodyPr lIns="0" rIns="0" tIns="0" bIns="0">
             <a:normAutofit/>
           </a:bodyPr>
-          <a:lstStyle/>
-          <a:p>
-            <a:endParaRPr lang="pt-PT" sz="3200" b="0" strike="noStrike" spc="-1">
+          <a:p>
+            <a:endParaRPr b="0" lang="pt-PT" sz="2800" spc="-1" strike="noStrike">
+              <a:solidFill>
+                <a:srgbClr val="000000"/>
+              </a:solidFill>
               <a:latin typeface="Arial"/>
             </a:endParaRPr>
           </a:p>
@@ -243,12 +148,14 @@
           </a:prstGeom>
         </p:spPr>
         <p:txBody>
-          <a:bodyPr lIns="0" tIns="0" rIns="0" bIns="0">
+          <a:bodyPr lIns="0" rIns="0" tIns="0" bIns="0">
             <a:normAutofit/>
           </a:bodyPr>
-          <a:lstStyle/>
-          <a:p>
-            <a:endParaRPr lang="pt-PT" sz="3200" b="0" strike="noStrike" spc="-1">
+          <a:p>
+            <a:endParaRPr b="0" lang="pt-PT" sz="2800" spc="-1" strike="noStrike">
+              <a:solidFill>
+                <a:srgbClr val="000000"/>
+              </a:solidFill>
               <a:latin typeface="Arial"/>
             </a:endParaRPr>
           </a:p>
@@ -256,14 +163,11 @@
       </p:sp>
     </p:spTree>
   </p:cSld>
-  <p:clrMapOvr>
-    <a:masterClrMapping/>
-  </p:clrMapOvr>
 </p:sldLayout>
 </file>
 
 <file path=ppt/slideLayouts/slideLayout11.xml><?xml version="1.0" encoding="utf-8"?>
-<p:sldLayout xmlns:a="http://schemas.openxmlformats.org/drawingml/2006/main" xmlns:r="http://schemas.openxmlformats.org/officeDocument/2006/relationships" xmlns:p="http://schemas.openxmlformats.org/presentationml/2006/main" type="fourObj" preserve="1">
+<p:sldLayout xmlns:a="http://schemas.openxmlformats.org/drawingml/2006/main" xmlns:p="http://schemas.openxmlformats.org/presentationml/2006/main" xmlns:r="http://schemas.openxmlformats.org/officeDocument/2006/relationships" xmlns:p14="http://schemas.microsoft.com/office/powerpoint/2010/main" xmlns:p15="http://schemas.microsoft.com/office/powerpoint/2012/main" xmlns:mc="http://schemas.openxmlformats.org/markup-compatibility/2006" type="fourObj" preserve="1">
   <p:cSld name="Title, 4 Content">
     <p:spTree>
       <p:nvGrpSpPr>
@@ -299,13 +203,14 @@
           </a:prstGeom>
         </p:spPr>
         <p:txBody>
-          <a:bodyPr lIns="0" tIns="0" rIns="0" bIns="0" anchor="ctr">
+          <a:bodyPr lIns="0" rIns="0" tIns="0" bIns="0" anchor="ctr">
             <a:noAutofit/>
           </a:bodyPr>
-          <a:lstStyle/>
-          <a:p>
-            <a:pPr algn="ctr"/>
-            <a:endParaRPr lang="pt-PT" sz="4400" b="0" strike="noStrike" spc="-1">
+          <a:p>
+            <a:endParaRPr b="0" lang="pt-PT" sz="1800" spc="-1" strike="noStrike">
+              <a:solidFill>
+                <a:srgbClr val="000000"/>
+              </a:solidFill>
               <a:latin typeface="Arial"/>
             </a:endParaRPr>
           </a:p>
@@ -331,12 +236,14 @@
           </a:prstGeom>
         </p:spPr>
         <p:txBody>
-          <a:bodyPr lIns="0" tIns="0" rIns="0" bIns="0">
+          <a:bodyPr lIns="0" rIns="0" tIns="0" bIns="0">
             <a:normAutofit/>
           </a:bodyPr>
-          <a:lstStyle/>
-          <a:p>
-            <a:endParaRPr lang="pt-PT" sz="3200" b="0" strike="noStrike" spc="-1">
+          <a:p>
+            <a:endParaRPr b="0" lang="pt-PT" sz="2800" spc="-1" strike="noStrike">
+              <a:solidFill>
+                <a:srgbClr val="000000"/>
+              </a:solidFill>
               <a:latin typeface="Arial"/>
             </a:endParaRPr>
           </a:p>
@@ -362,12 +269,14 @@
           </a:prstGeom>
         </p:spPr>
         <p:txBody>
-          <a:bodyPr lIns="0" tIns="0" rIns="0" bIns="0">
+          <a:bodyPr lIns="0" rIns="0" tIns="0" bIns="0">
             <a:normAutofit/>
           </a:bodyPr>
-          <a:lstStyle/>
-          <a:p>
-            <a:endParaRPr lang="pt-PT" sz="3200" b="0" strike="noStrike" spc="-1">
+          <a:p>
+            <a:endParaRPr b="0" lang="pt-PT" sz="2800" spc="-1" strike="noStrike">
+              <a:solidFill>
+                <a:srgbClr val="000000"/>
+              </a:solidFill>
               <a:latin typeface="Arial"/>
             </a:endParaRPr>
           </a:p>
@@ -393,12 +302,14 @@
           </a:prstGeom>
         </p:spPr>
         <p:txBody>
-          <a:bodyPr lIns="0" tIns="0" rIns="0" bIns="0">
+          <a:bodyPr lIns="0" rIns="0" tIns="0" bIns="0">
             <a:normAutofit/>
           </a:bodyPr>
-          <a:lstStyle/>
-          <a:p>
-            <a:endParaRPr lang="pt-PT" sz="3200" b="0" strike="noStrike" spc="-1">
+          <a:p>
+            <a:endParaRPr b="0" lang="pt-PT" sz="2800" spc="-1" strike="noStrike">
+              <a:solidFill>
+                <a:srgbClr val="000000"/>
+              </a:solidFill>
               <a:latin typeface="Arial"/>
             </a:endParaRPr>
           </a:p>
@@ -424,12 +335,14 @@
           </a:prstGeom>
         </p:spPr>
         <p:txBody>
-          <a:bodyPr lIns="0" tIns="0" rIns="0" bIns="0">
+          <a:bodyPr lIns="0" rIns="0" tIns="0" bIns="0">
             <a:normAutofit/>
           </a:bodyPr>
-          <a:lstStyle/>
-          <a:p>
-            <a:endParaRPr lang="pt-PT" sz="3200" b="0" strike="noStrike" spc="-1">
+          <a:p>
+            <a:endParaRPr b="0" lang="pt-PT" sz="2800" spc="-1" strike="noStrike">
+              <a:solidFill>
+                <a:srgbClr val="000000"/>
+              </a:solidFill>
               <a:latin typeface="Arial"/>
             </a:endParaRPr>
           </a:p>
@@ -437,14 +350,11 @@
       </p:sp>
     </p:spTree>
   </p:cSld>
-  <p:clrMapOvr>
-    <a:masterClrMapping/>
-  </p:clrMapOvr>
 </p:sldLayout>
 </file>
 
 <file path=ppt/slideLayouts/slideLayout12.xml><?xml version="1.0" encoding="utf-8"?>
-<p:sldLayout xmlns:a="http://schemas.openxmlformats.org/drawingml/2006/main" xmlns:r="http://schemas.openxmlformats.org/officeDocument/2006/relationships" xmlns:p="http://schemas.openxmlformats.org/presentationml/2006/main" type="blank" preserve="1">
+<p:sldLayout xmlns:a="http://schemas.openxmlformats.org/drawingml/2006/main" xmlns:p="http://schemas.openxmlformats.org/presentationml/2006/main" xmlns:r="http://schemas.openxmlformats.org/officeDocument/2006/relationships" xmlns:p14="http://schemas.microsoft.com/office/powerpoint/2010/main" xmlns:p15="http://schemas.microsoft.com/office/powerpoint/2012/main" xmlns:mc="http://schemas.openxmlformats.org/markup-compatibility/2006" type="blank" preserve="1">
   <p:cSld name="Title, 6 Content">
     <p:spTree>
       <p:nvGrpSpPr>
@@ -480,13 +390,14 @@
           </a:prstGeom>
         </p:spPr>
         <p:txBody>
-          <a:bodyPr lIns="0" tIns="0" rIns="0" bIns="0" anchor="ctr">
+          <a:bodyPr lIns="0" rIns="0" tIns="0" bIns="0" anchor="ctr">
             <a:noAutofit/>
           </a:bodyPr>
-          <a:lstStyle/>
-          <a:p>
-            <a:pPr algn="ctr"/>
-            <a:endParaRPr lang="pt-PT" sz="4400" b="0" strike="noStrike" spc="-1">
+          <a:p>
+            <a:endParaRPr b="0" lang="pt-PT" sz="1800" spc="-1" strike="noStrike">
+              <a:solidFill>
+                <a:srgbClr val="000000"/>
+              </a:solidFill>
               <a:latin typeface="Arial"/>
             </a:endParaRPr>
           </a:p>
@@ -512,12 +423,14 @@
           </a:prstGeom>
         </p:spPr>
         <p:txBody>
-          <a:bodyPr lIns="0" tIns="0" rIns="0" bIns="0">
+          <a:bodyPr lIns="0" rIns="0" tIns="0" bIns="0">
             <a:normAutofit/>
           </a:bodyPr>
-          <a:lstStyle/>
-          <a:p>
-            <a:endParaRPr lang="pt-PT" sz="3200" b="0" strike="noStrike" spc="-1">
+          <a:p>
+            <a:endParaRPr b="0" lang="pt-PT" sz="2800" spc="-1" strike="noStrike">
+              <a:solidFill>
+                <a:srgbClr val="000000"/>
+              </a:solidFill>
               <a:latin typeface="Arial"/>
             </a:endParaRPr>
           </a:p>
@@ -543,12 +456,14 @@
           </a:prstGeom>
         </p:spPr>
         <p:txBody>
-          <a:bodyPr lIns="0" tIns="0" rIns="0" bIns="0">
+          <a:bodyPr lIns="0" rIns="0" tIns="0" bIns="0">
             <a:normAutofit/>
           </a:bodyPr>
-          <a:lstStyle/>
-          <a:p>
-            <a:endParaRPr lang="pt-PT" sz="3200" b="0" strike="noStrike" spc="-1">
+          <a:p>
+            <a:endParaRPr b="0" lang="pt-PT" sz="2800" spc="-1" strike="noStrike">
+              <a:solidFill>
+                <a:srgbClr val="000000"/>
+              </a:solidFill>
               <a:latin typeface="Arial"/>
             </a:endParaRPr>
           </a:p>
@@ -574,12 +489,14 @@
           </a:prstGeom>
         </p:spPr>
         <p:txBody>
-          <a:bodyPr lIns="0" tIns="0" rIns="0" bIns="0">
+          <a:bodyPr lIns="0" rIns="0" tIns="0" bIns="0">
             <a:normAutofit/>
           </a:bodyPr>
-          <a:lstStyle/>
-          <a:p>
-            <a:endParaRPr lang="pt-PT" sz="3200" b="0" strike="noStrike" spc="-1">
+          <a:p>
+            <a:endParaRPr b="0" lang="pt-PT" sz="2800" spc="-1" strike="noStrike">
+              <a:solidFill>
+                <a:srgbClr val="000000"/>
+              </a:solidFill>
               <a:latin typeface="Arial"/>
             </a:endParaRPr>
           </a:p>
@@ -605,12 +522,14 @@
           </a:prstGeom>
         </p:spPr>
         <p:txBody>
-          <a:bodyPr lIns="0" tIns="0" rIns="0" bIns="0">
+          <a:bodyPr lIns="0" rIns="0" tIns="0" bIns="0">
             <a:normAutofit/>
           </a:bodyPr>
-          <a:lstStyle/>
-          <a:p>
-            <a:endParaRPr lang="pt-PT" sz="3200" b="0" strike="noStrike" spc="-1">
+          <a:p>
+            <a:endParaRPr b="0" lang="pt-PT" sz="2800" spc="-1" strike="noStrike">
+              <a:solidFill>
+                <a:srgbClr val="000000"/>
+              </a:solidFill>
               <a:latin typeface="Arial"/>
             </a:endParaRPr>
           </a:p>
@@ -636,12 +555,14 @@
           </a:prstGeom>
         </p:spPr>
         <p:txBody>
-          <a:bodyPr lIns="0" tIns="0" rIns="0" bIns="0">
+          <a:bodyPr lIns="0" rIns="0" tIns="0" bIns="0">
             <a:normAutofit/>
           </a:bodyPr>
-          <a:lstStyle/>
-          <a:p>
-            <a:endParaRPr lang="pt-PT" sz="3200" b="0" strike="noStrike" spc="-1">
+          <a:p>
+            <a:endParaRPr b="0" lang="pt-PT" sz="2800" spc="-1" strike="noStrike">
+              <a:solidFill>
+                <a:srgbClr val="000000"/>
+              </a:solidFill>
               <a:latin typeface="Arial"/>
             </a:endParaRPr>
           </a:p>
@@ -667,12 +588,14 @@
           </a:prstGeom>
         </p:spPr>
         <p:txBody>
-          <a:bodyPr lIns="0" tIns="0" rIns="0" bIns="0">
+          <a:bodyPr lIns="0" rIns="0" tIns="0" bIns="0">
             <a:normAutofit/>
           </a:bodyPr>
-          <a:lstStyle/>
-          <a:p>
-            <a:endParaRPr lang="pt-PT" sz="3200" b="0" strike="noStrike" spc="-1">
+          <a:p>
+            <a:endParaRPr b="0" lang="pt-PT" sz="2800" spc="-1" strike="noStrike">
+              <a:solidFill>
+                <a:srgbClr val="000000"/>
+              </a:solidFill>
               <a:latin typeface="Arial"/>
             </a:endParaRPr>
           </a:p>
@@ -680,14 +603,11 @@
       </p:sp>
     </p:spTree>
   </p:cSld>
-  <p:clrMapOvr>
-    <a:masterClrMapping/>
-  </p:clrMapOvr>
 </p:sldLayout>
 </file>
 
 <file path=ppt/slideLayouts/slideLayout13.xml><?xml version="1.0" encoding="utf-8"?>
-<p:sldLayout xmlns:a="http://schemas.openxmlformats.org/drawingml/2006/main" xmlns:r="http://schemas.openxmlformats.org/officeDocument/2006/relationships" xmlns:p="http://schemas.openxmlformats.org/presentationml/2006/main" type="blank" preserve="1">
+<p:sldLayout xmlns:a="http://schemas.openxmlformats.org/drawingml/2006/main" xmlns:p="http://schemas.openxmlformats.org/presentationml/2006/main" xmlns:r="http://schemas.openxmlformats.org/officeDocument/2006/relationships" xmlns:p14="http://schemas.microsoft.com/office/powerpoint/2010/main" xmlns:p15="http://schemas.microsoft.com/office/powerpoint/2012/main" xmlns:mc="http://schemas.openxmlformats.org/markup-compatibility/2006" type="blank" preserve="1">
   <p:cSld name="Blank Slide">
     <p:spTree>
       <p:nvGrpSpPr>
@@ -705,14 +625,11 @@
       </p:grpSpPr>
     </p:spTree>
   </p:cSld>
-  <p:clrMapOvr>
-    <a:masterClrMapping/>
-  </p:clrMapOvr>
 </p:sldLayout>
 </file>
 
 <file path=ppt/slideLayouts/slideLayout14.xml><?xml version="1.0" encoding="utf-8"?>
-<p:sldLayout xmlns:a="http://schemas.openxmlformats.org/drawingml/2006/main" xmlns:r="http://schemas.openxmlformats.org/officeDocument/2006/relationships" xmlns:p="http://schemas.openxmlformats.org/presentationml/2006/main" type="tx" preserve="1">
+<p:sldLayout xmlns:a="http://schemas.openxmlformats.org/drawingml/2006/main" xmlns:p="http://schemas.openxmlformats.org/presentationml/2006/main" xmlns:r="http://schemas.openxmlformats.org/officeDocument/2006/relationships" xmlns:p14="http://schemas.microsoft.com/office/powerpoint/2010/main" xmlns:p15="http://schemas.microsoft.com/office/powerpoint/2012/main" xmlns:mc="http://schemas.openxmlformats.org/markup-compatibility/2006" type="tx" preserve="1">
   <p:cSld name="Title Slide">
     <p:spTree>
       <p:nvGrpSpPr>
@@ -748,13 +665,14 @@
           </a:prstGeom>
         </p:spPr>
         <p:txBody>
-          <a:bodyPr lIns="0" tIns="0" rIns="0" bIns="0" anchor="ctr">
+          <a:bodyPr lIns="0" rIns="0" tIns="0" bIns="0" anchor="ctr">
             <a:noAutofit/>
           </a:bodyPr>
-          <a:lstStyle/>
-          <a:p>
-            <a:pPr algn="ctr"/>
-            <a:endParaRPr lang="pt-PT" sz="4400" b="0" strike="noStrike" spc="-1">
+          <a:p>
+            <a:endParaRPr b="0" lang="pt-PT" sz="1800" spc="-1" strike="noStrike">
+              <a:solidFill>
+                <a:srgbClr val="000000"/>
+              </a:solidFill>
               <a:latin typeface="Arial"/>
             </a:endParaRPr>
           </a:p>
@@ -780,13 +698,12 @@
           </a:prstGeom>
         </p:spPr>
         <p:txBody>
-          <a:bodyPr lIns="0" tIns="0" rIns="0" bIns="0" anchor="ctr">
+          <a:bodyPr lIns="0" rIns="0" tIns="0" bIns="0" anchor="ctr">
             <a:noAutofit/>
           </a:bodyPr>
-          <a:lstStyle/>
           <a:p>
             <a:pPr algn="ctr"/>
-            <a:endParaRPr lang="pt-PT" sz="3200" b="0" strike="noStrike" spc="-1">
+            <a:endParaRPr b="0" lang="pt-PT" sz="3200" spc="-1" strike="noStrike">
               <a:latin typeface="Arial"/>
             </a:endParaRPr>
           </a:p>
@@ -794,14 +711,11 @@
       </p:sp>
     </p:spTree>
   </p:cSld>
-  <p:clrMapOvr>
-    <a:masterClrMapping/>
-  </p:clrMapOvr>
 </p:sldLayout>
 </file>
 
 <file path=ppt/slideLayouts/slideLayout15.xml><?xml version="1.0" encoding="utf-8"?>
-<p:sldLayout xmlns:a="http://schemas.openxmlformats.org/drawingml/2006/main" xmlns:r="http://schemas.openxmlformats.org/officeDocument/2006/relationships" xmlns:p="http://schemas.openxmlformats.org/presentationml/2006/main" type="obj" preserve="1">
+<p:sldLayout xmlns:a="http://schemas.openxmlformats.org/drawingml/2006/main" xmlns:p="http://schemas.openxmlformats.org/presentationml/2006/main" xmlns:r="http://schemas.openxmlformats.org/officeDocument/2006/relationships" xmlns:p14="http://schemas.microsoft.com/office/powerpoint/2010/main" xmlns:p15="http://schemas.microsoft.com/office/powerpoint/2012/main" xmlns:mc="http://schemas.openxmlformats.org/markup-compatibility/2006" type="obj" preserve="1">
   <p:cSld name="Title, Content">
     <p:spTree>
       <p:nvGrpSpPr>
@@ -837,13 +751,14 @@
           </a:prstGeom>
         </p:spPr>
         <p:txBody>
-          <a:bodyPr lIns="0" tIns="0" rIns="0" bIns="0" anchor="ctr">
+          <a:bodyPr lIns="0" rIns="0" tIns="0" bIns="0" anchor="ctr">
             <a:noAutofit/>
           </a:bodyPr>
-          <a:lstStyle/>
-          <a:p>
-            <a:pPr algn="ctr"/>
-            <a:endParaRPr lang="pt-PT" sz="4400" b="0" strike="noStrike" spc="-1">
+          <a:p>
+            <a:endParaRPr b="0" lang="pt-PT" sz="1800" spc="-1" strike="noStrike">
+              <a:solidFill>
+                <a:srgbClr val="000000"/>
+              </a:solidFill>
               <a:latin typeface="Arial"/>
             </a:endParaRPr>
           </a:p>
@@ -869,12 +784,14 @@
           </a:prstGeom>
         </p:spPr>
         <p:txBody>
-          <a:bodyPr lIns="0" tIns="0" rIns="0" bIns="0">
+          <a:bodyPr lIns="0" rIns="0" tIns="0" bIns="0">
             <a:normAutofit/>
           </a:bodyPr>
-          <a:lstStyle/>
-          <a:p>
-            <a:endParaRPr lang="pt-PT" sz="3200" b="0" strike="noStrike" spc="-1">
+          <a:p>
+            <a:endParaRPr b="0" lang="pt-PT" sz="2800" spc="-1" strike="noStrike">
+              <a:solidFill>
+                <a:srgbClr val="000000"/>
+              </a:solidFill>
               <a:latin typeface="Arial"/>
             </a:endParaRPr>
           </a:p>
@@ -882,14 +799,11 @@
       </p:sp>
     </p:spTree>
   </p:cSld>
-  <p:clrMapOvr>
-    <a:masterClrMapping/>
-  </p:clrMapOvr>
 </p:sldLayout>
 </file>
 
 <file path=ppt/slideLayouts/slideLayout16.xml><?xml version="1.0" encoding="utf-8"?>
-<p:sldLayout xmlns:a="http://schemas.openxmlformats.org/drawingml/2006/main" xmlns:r="http://schemas.openxmlformats.org/officeDocument/2006/relationships" xmlns:p="http://schemas.openxmlformats.org/presentationml/2006/main" type="twoObj" preserve="1">
+<p:sldLayout xmlns:a="http://schemas.openxmlformats.org/drawingml/2006/main" xmlns:p="http://schemas.openxmlformats.org/presentationml/2006/main" xmlns:r="http://schemas.openxmlformats.org/officeDocument/2006/relationships" xmlns:p14="http://schemas.microsoft.com/office/powerpoint/2010/main" xmlns:p15="http://schemas.microsoft.com/office/powerpoint/2012/main" xmlns:mc="http://schemas.openxmlformats.org/markup-compatibility/2006" type="twoObj" preserve="1">
   <p:cSld name="Title, 2 Content">
     <p:spTree>
       <p:nvGrpSpPr>
@@ -925,13 +839,14 @@
           </a:prstGeom>
         </p:spPr>
         <p:txBody>
-          <a:bodyPr lIns="0" tIns="0" rIns="0" bIns="0" anchor="ctr">
+          <a:bodyPr lIns="0" rIns="0" tIns="0" bIns="0" anchor="ctr">
             <a:noAutofit/>
           </a:bodyPr>
-          <a:lstStyle/>
-          <a:p>
-            <a:pPr algn="ctr"/>
-            <a:endParaRPr lang="pt-PT" sz="4400" b="0" strike="noStrike" spc="-1">
+          <a:p>
+            <a:endParaRPr b="0" lang="pt-PT" sz="1800" spc="-1" strike="noStrike">
+              <a:solidFill>
+                <a:srgbClr val="000000"/>
+              </a:solidFill>
               <a:latin typeface="Arial"/>
             </a:endParaRPr>
           </a:p>
@@ -957,12 +872,14 @@
           </a:prstGeom>
         </p:spPr>
         <p:txBody>
-          <a:bodyPr lIns="0" tIns="0" rIns="0" bIns="0">
+          <a:bodyPr lIns="0" rIns="0" tIns="0" bIns="0">
             <a:normAutofit/>
           </a:bodyPr>
-          <a:lstStyle/>
-          <a:p>
-            <a:endParaRPr lang="pt-PT" sz="3200" b="0" strike="noStrike" spc="-1">
+          <a:p>
+            <a:endParaRPr b="0" lang="pt-PT" sz="2800" spc="-1" strike="noStrike">
+              <a:solidFill>
+                <a:srgbClr val="000000"/>
+              </a:solidFill>
               <a:latin typeface="Arial"/>
             </a:endParaRPr>
           </a:p>
@@ -988,12 +905,14 @@
           </a:prstGeom>
         </p:spPr>
         <p:txBody>
-          <a:bodyPr lIns="0" tIns="0" rIns="0" bIns="0">
+          <a:bodyPr lIns="0" rIns="0" tIns="0" bIns="0">
             <a:normAutofit/>
           </a:bodyPr>
-          <a:lstStyle/>
-          <a:p>
-            <a:endParaRPr lang="pt-PT" sz="3200" b="0" strike="noStrike" spc="-1">
+          <a:p>
+            <a:endParaRPr b="0" lang="pt-PT" sz="2800" spc="-1" strike="noStrike">
+              <a:solidFill>
+                <a:srgbClr val="000000"/>
+              </a:solidFill>
               <a:latin typeface="Arial"/>
             </a:endParaRPr>
           </a:p>
@@ -1001,14 +920,11 @@
       </p:sp>
     </p:spTree>
   </p:cSld>
-  <p:clrMapOvr>
-    <a:masterClrMapping/>
-  </p:clrMapOvr>
 </p:sldLayout>
 </file>
 
 <file path=ppt/slideLayouts/slideLayout17.xml><?xml version="1.0" encoding="utf-8"?>
-<p:sldLayout xmlns:a="http://schemas.openxmlformats.org/drawingml/2006/main" xmlns:r="http://schemas.openxmlformats.org/officeDocument/2006/relationships" xmlns:p="http://schemas.openxmlformats.org/presentationml/2006/main" type="titleOnly" preserve="1">
+<p:sldLayout xmlns:a="http://schemas.openxmlformats.org/drawingml/2006/main" xmlns:p="http://schemas.openxmlformats.org/presentationml/2006/main" xmlns:r="http://schemas.openxmlformats.org/officeDocument/2006/relationships" xmlns:p14="http://schemas.microsoft.com/office/powerpoint/2010/main" xmlns:p15="http://schemas.microsoft.com/office/powerpoint/2012/main" xmlns:mc="http://schemas.openxmlformats.org/markup-compatibility/2006" type="titleOnly" preserve="1">
   <p:cSld name="Title Only">
     <p:spTree>
       <p:nvGrpSpPr>
@@ -1044,13 +960,14 @@
           </a:prstGeom>
         </p:spPr>
         <p:txBody>
-          <a:bodyPr lIns="0" tIns="0" rIns="0" bIns="0" anchor="ctr">
+          <a:bodyPr lIns="0" rIns="0" tIns="0" bIns="0" anchor="ctr">
             <a:noAutofit/>
           </a:bodyPr>
-          <a:lstStyle/>
-          <a:p>
-            <a:pPr algn="ctr"/>
-            <a:endParaRPr lang="pt-PT" sz="4400" b="0" strike="noStrike" spc="-1">
+          <a:p>
+            <a:endParaRPr b="0" lang="pt-PT" sz="1800" spc="-1" strike="noStrike">
+              <a:solidFill>
+                <a:srgbClr val="000000"/>
+              </a:solidFill>
               <a:latin typeface="Arial"/>
             </a:endParaRPr>
           </a:p>
@@ -1058,14 +975,11 @@
       </p:sp>
     </p:spTree>
   </p:cSld>
-  <p:clrMapOvr>
-    <a:masterClrMapping/>
-  </p:clrMapOvr>
 </p:sldLayout>
 </file>
 
 <file path=ppt/slideLayouts/slideLayout18.xml><?xml version="1.0" encoding="utf-8"?>
-<p:sldLayout xmlns:a="http://schemas.openxmlformats.org/drawingml/2006/main" xmlns:r="http://schemas.openxmlformats.org/officeDocument/2006/relationships" xmlns:p="http://schemas.openxmlformats.org/presentationml/2006/main" type="objOnly" preserve="1">
+<p:sldLayout xmlns:a="http://schemas.openxmlformats.org/drawingml/2006/main" xmlns:p="http://schemas.openxmlformats.org/presentationml/2006/main" xmlns:r="http://schemas.openxmlformats.org/officeDocument/2006/relationships" xmlns:p14="http://schemas.microsoft.com/office/powerpoint/2010/main" xmlns:p15="http://schemas.microsoft.com/office/powerpoint/2012/main" xmlns:mc="http://schemas.openxmlformats.org/markup-compatibility/2006" type="objOnly" preserve="1">
   <p:cSld name="Centered Text">
     <p:spTree>
       <p:nvGrpSpPr>
@@ -1101,13 +1015,12 @@
           </a:prstGeom>
         </p:spPr>
         <p:txBody>
-          <a:bodyPr lIns="0" tIns="0" rIns="0" bIns="0" anchor="ctr">
+          <a:bodyPr lIns="0" rIns="0" tIns="0" bIns="0" anchor="ctr">
             <a:noAutofit/>
           </a:bodyPr>
-          <a:lstStyle/>
           <a:p>
             <a:pPr algn="ctr"/>
-            <a:endParaRPr lang="pt-PT" sz="3200" b="0" strike="noStrike" spc="-1">
+            <a:endParaRPr b="0" lang="pt-PT" sz="3200" spc="-1" strike="noStrike">
               <a:latin typeface="Arial"/>
             </a:endParaRPr>
           </a:p>
@@ -1115,14 +1028,11 @@
       </p:sp>
     </p:spTree>
   </p:cSld>
-  <p:clrMapOvr>
-    <a:masterClrMapping/>
-  </p:clrMapOvr>
 </p:sldLayout>
 </file>
 
 <file path=ppt/slideLayouts/slideLayout19.xml><?xml version="1.0" encoding="utf-8"?>
-<p:sldLayout xmlns:a="http://schemas.openxmlformats.org/drawingml/2006/main" xmlns:r="http://schemas.openxmlformats.org/officeDocument/2006/relationships" xmlns:p="http://schemas.openxmlformats.org/presentationml/2006/main" type="twoObjAndObj" preserve="1">
+<p:sldLayout xmlns:a="http://schemas.openxmlformats.org/drawingml/2006/main" xmlns:p="http://schemas.openxmlformats.org/presentationml/2006/main" xmlns:r="http://schemas.openxmlformats.org/officeDocument/2006/relationships" xmlns:p14="http://schemas.microsoft.com/office/powerpoint/2010/main" xmlns:p15="http://schemas.microsoft.com/office/powerpoint/2012/main" xmlns:mc="http://schemas.openxmlformats.org/markup-compatibility/2006" type="twoObjAndObj" preserve="1">
   <p:cSld name="Title, 2 Content and Content">
     <p:spTree>
       <p:nvGrpSpPr>
@@ -1158,13 +1068,14 @@
           </a:prstGeom>
         </p:spPr>
         <p:txBody>
-          <a:bodyPr lIns="0" tIns="0" rIns="0" bIns="0" anchor="ctr">
+          <a:bodyPr lIns="0" rIns="0" tIns="0" bIns="0" anchor="ctr">
             <a:noAutofit/>
           </a:bodyPr>
-          <a:lstStyle/>
-          <a:p>
-            <a:pPr algn="ctr"/>
-            <a:endParaRPr lang="pt-PT" sz="4400" b="0" strike="noStrike" spc="-1">
+          <a:p>
+            <a:endParaRPr b="0" lang="pt-PT" sz="1800" spc="-1" strike="noStrike">
+              <a:solidFill>
+                <a:srgbClr val="000000"/>
+              </a:solidFill>
               <a:latin typeface="Arial"/>
             </a:endParaRPr>
           </a:p>
@@ -1190,12 +1101,14 @@
           </a:prstGeom>
         </p:spPr>
         <p:txBody>
-          <a:bodyPr lIns="0" tIns="0" rIns="0" bIns="0">
+          <a:bodyPr lIns="0" rIns="0" tIns="0" bIns="0">
             <a:normAutofit/>
           </a:bodyPr>
-          <a:lstStyle/>
-          <a:p>
-            <a:endParaRPr lang="pt-PT" sz="3200" b="0" strike="noStrike" spc="-1">
+          <a:p>
+            <a:endParaRPr b="0" lang="pt-PT" sz="2800" spc="-1" strike="noStrike">
+              <a:solidFill>
+                <a:srgbClr val="000000"/>
+              </a:solidFill>
               <a:latin typeface="Arial"/>
             </a:endParaRPr>
           </a:p>
@@ -1221,12 +1134,14 @@
           </a:prstGeom>
         </p:spPr>
         <p:txBody>
-          <a:bodyPr lIns="0" tIns="0" rIns="0" bIns="0">
+          <a:bodyPr lIns="0" rIns="0" tIns="0" bIns="0">
             <a:normAutofit/>
           </a:bodyPr>
-          <a:lstStyle/>
-          <a:p>
-            <a:endParaRPr lang="pt-PT" sz="3200" b="0" strike="noStrike" spc="-1">
+          <a:p>
+            <a:endParaRPr b="0" lang="pt-PT" sz="2800" spc="-1" strike="noStrike">
+              <a:solidFill>
+                <a:srgbClr val="000000"/>
+              </a:solidFill>
               <a:latin typeface="Arial"/>
             </a:endParaRPr>
           </a:p>
@@ -1252,12 +1167,14 @@
           </a:prstGeom>
         </p:spPr>
         <p:txBody>
-          <a:bodyPr lIns="0" tIns="0" rIns="0" bIns="0">
+          <a:bodyPr lIns="0" rIns="0" tIns="0" bIns="0">
             <a:normAutofit/>
           </a:bodyPr>
-          <a:lstStyle/>
-          <a:p>
-            <a:endParaRPr lang="pt-PT" sz="3200" b="0" strike="noStrike" spc="-1">
+          <a:p>
+            <a:endParaRPr b="0" lang="pt-PT" sz="2800" spc="-1" strike="noStrike">
+              <a:solidFill>
+                <a:srgbClr val="000000"/>
+              </a:solidFill>
               <a:latin typeface="Arial"/>
             </a:endParaRPr>
           </a:p>
@@ -1265,14 +1182,11 @@
       </p:sp>
     </p:spTree>
   </p:cSld>
-  <p:clrMapOvr>
-    <a:masterClrMapping/>
-  </p:clrMapOvr>
 </p:sldLayout>
 </file>
 
 <file path=ppt/slideLayouts/slideLayout2.xml><?xml version="1.0" encoding="utf-8"?>
-<p:sldLayout xmlns:a="http://schemas.openxmlformats.org/drawingml/2006/main" xmlns:r="http://schemas.openxmlformats.org/officeDocument/2006/relationships" xmlns:p="http://schemas.openxmlformats.org/presentationml/2006/main" type="tx" preserve="1">
+<p:sldLayout xmlns:a="http://schemas.openxmlformats.org/drawingml/2006/main" xmlns:p="http://schemas.openxmlformats.org/presentationml/2006/main" xmlns:r="http://schemas.openxmlformats.org/officeDocument/2006/relationships" xmlns:p14="http://schemas.microsoft.com/office/powerpoint/2010/main" xmlns:p15="http://schemas.microsoft.com/office/powerpoint/2012/main" xmlns:mc="http://schemas.openxmlformats.org/markup-compatibility/2006" type="tx" preserve="1">
   <p:cSld name="Title Slide">
     <p:spTree>
       <p:nvGrpSpPr>
@@ -1308,13 +1222,14 @@
           </a:prstGeom>
         </p:spPr>
         <p:txBody>
-          <a:bodyPr lIns="0" tIns="0" rIns="0" bIns="0" anchor="ctr">
+          <a:bodyPr lIns="0" rIns="0" tIns="0" bIns="0" anchor="ctr">
             <a:noAutofit/>
           </a:bodyPr>
-          <a:lstStyle/>
-          <a:p>
-            <a:pPr algn="ctr"/>
-            <a:endParaRPr lang="pt-PT" sz="4400" b="0" strike="noStrike" spc="-1">
+          <a:p>
+            <a:endParaRPr b="0" lang="pt-PT" sz="1800" spc="-1" strike="noStrike">
+              <a:solidFill>
+                <a:srgbClr val="000000"/>
+              </a:solidFill>
               <a:latin typeface="Arial"/>
             </a:endParaRPr>
           </a:p>
@@ -1340,13 +1255,12 @@
           </a:prstGeom>
         </p:spPr>
         <p:txBody>
-          <a:bodyPr lIns="0" tIns="0" rIns="0" bIns="0" anchor="ctr">
+          <a:bodyPr lIns="0" rIns="0" tIns="0" bIns="0" anchor="ctr">
             <a:noAutofit/>
           </a:bodyPr>
-          <a:lstStyle/>
           <a:p>
             <a:pPr algn="ctr"/>
-            <a:endParaRPr lang="pt-PT" sz="3200" b="0" strike="noStrike" spc="-1">
+            <a:endParaRPr b="0" lang="pt-PT" sz="3200" spc="-1" strike="noStrike">
               <a:latin typeface="Arial"/>
             </a:endParaRPr>
           </a:p>
@@ -1354,14 +1268,11 @@
       </p:sp>
     </p:spTree>
   </p:cSld>
-  <p:clrMapOvr>
-    <a:masterClrMapping/>
-  </p:clrMapOvr>
 </p:sldLayout>
 </file>
 
 <file path=ppt/slideLayouts/slideLayout20.xml><?xml version="1.0" encoding="utf-8"?>
-<p:sldLayout xmlns:a="http://schemas.openxmlformats.org/drawingml/2006/main" xmlns:r="http://schemas.openxmlformats.org/officeDocument/2006/relationships" xmlns:p="http://schemas.openxmlformats.org/presentationml/2006/main" type="objAndTwoObj" preserve="1">
+<p:sldLayout xmlns:a="http://schemas.openxmlformats.org/drawingml/2006/main" xmlns:p="http://schemas.openxmlformats.org/presentationml/2006/main" xmlns:r="http://schemas.openxmlformats.org/officeDocument/2006/relationships" xmlns:p14="http://schemas.microsoft.com/office/powerpoint/2010/main" xmlns:p15="http://schemas.microsoft.com/office/powerpoint/2012/main" xmlns:mc="http://schemas.openxmlformats.org/markup-compatibility/2006" type="objAndTwoObj" preserve="1">
   <p:cSld name="Title Content and 2 Content">
     <p:spTree>
       <p:nvGrpSpPr>
@@ -1397,13 +1308,14 @@
           </a:prstGeom>
         </p:spPr>
         <p:txBody>
-          <a:bodyPr lIns="0" tIns="0" rIns="0" bIns="0" anchor="ctr">
+          <a:bodyPr lIns="0" rIns="0" tIns="0" bIns="0" anchor="ctr">
             <a:noAutofit/>
           </a:bodyPr>
-          <a:lstStyle/>
-          <a:p>
-            <a:pPr algn="ctr"/>
-            <a:endParaRPr lang="pt-PT" sz="4400" b="0" strike="noStrike" spc="-1">
+          <a:p>
+            <a:endParaRPr b="0" lang="pt-PT" sz="1800" spc="-1" strike="noStrike">
+              <a:solidFill>
+                <a:srgbClr val="000000"/>
+              </a:solidFill>
               <a:latin typeface="Arial"/>
             </a:endParaRPr>
           </a:p>
@@ -1429,12 +1341,14 @@
           </a:prstGeom>
         </p:spPr>
         <p:txBody>
-          <a:bodyPr lIns="0" tIns="0" rIns="0" bIns="0">
+          <a:bodyPr lIns="0" rIns="0" tIns="0" bIns="0">
             <a:normAutofit/>
           </a:bodyPr>
-          <a:lstStyle/>
-          <a:p>
-            <a:endParaRPr lang="pt-PT" sz="3200" b="0" strike="noStrike" spc="-1">
+          <a:p>
+            <a:endParaRPr b="0" lang="pt-PT" sz="2800" spc="-1" strike="noStrike">
+              <a:solidFill>
+                <a:srgbClr val="000000"/>
+              </a:solidFill>
               <a:latin typeface="Arial"/>
             </a:endParaRPr>
           </a:p>
@@ -1460,12 +1374,14 @@
           </a:prstGeom>
         </p:spPr>
         <p:txBody>
-          <a:bodyPr lIns="0" tIns="0" rIns="0" bIns="0">
+          <a:bodyPr lIns="0" rIns="0" tIns="0" bIns="0">
             <a:normAutofit/>
           </a:bodyPr>
-          <a:lstStyle/>
-          <a:p>
-            <a:endParaRPr lang="pt-PT" sz="3200" b="0" strike="noStrike" spc="-1">
+          <a:p>
+            <a:endParaRPr b="0" lang="pt-PT" sz="2800" spc="-1" strike="noStrike">
+              <a:solidFill>
+                <a:srgbClr val="000000"/>
+              </a:solidFill>
               <a:latin typeface="Arial"/>
             </a:endParaRPr>
           </a:p>
@@ -1491,12 +1407,14 @@
           </a:prstGeom>
         </p:spPr>
         <p:txBody>
-          <a:bodyPr lIns="0" tIns="0" rIns="0" bIns="0">
+          <a:bodyPr lIns="0" rIns="0" tIns="0" bIns="0">
             <a:normAutofit/>
           </a:bodyPr>
-          <a:lstStyle/>
-          <a:p>
-            <a:endParaRPr lang="pt-PT" sz="3200" b="0" strike="noStrike" spc="-1">
+          <a:p>
+            <a:endParaRPr b="0" lang="pt-PT" sz="2800" spc="-1" strike="noStrike">
+              <a:solidFill>
+                <a:srgbClr val="000000"/>
+              </a:solidFill>
               <a:latin typeface="Arial"/>
             </a:endParaRPr>
           </a:p>
@@ -1504,14 +1422,11 @@
       </p:sp>
     </p:spTree>
   </p:cSld>
-  <p:clrMapOvr>
-    <a:masterClrMapping/>
-  </p:clrMapOvr>
 </p:sldLayout>
 </file>
 
 <file path=ppt/slideLayouts/slideLayout21.xml><?xml version="1.0" encoding="utf-8"?>
-<p:sldLayout xmlns:a="http://schemas.openxmlformats.org/drawingml/2006/main" xmlns:r="http://schemas.openxmlformats.org/officeDocument/2006/relationships" xmlns:p="http://schemas.openxmlformats.org/presentationml/2006/main" type="twoObjOverTx" preserve="1">
+<p:sldLayout xmlns:a="http://schemas.openxmlformats.org/drawingml/2006/main" xmlns:p="http://schemas.openxmlformats.org/presentationml/2006/main" xmlns:r="http://schemas.openxmlformats.org/officeDocument/2006/relationships" xmlns:p14="http://schemas.microsoft.com/office/powerpoint/2010/main" xmlns:p15="http://schemas.microsoft.com/office/powerpoint/2012/main" xmlns:mc="http://schemas.openxmlformats.org/markup-compatibility/2006" type="twoObjOverTx" preserve="1">
   <p:cSld name="Title, 2 Content over Content">
     <p:spTree>
       <p:nvGrpSpPr>
@@ -1547,13 +1462,14 @@
           </a:prstGeom>
         </p:spPr>
         <p:txBody>
-          <a:bodyPr lIns="0" tIns="0" rIns="0" bIns="0" anchor="ctr">
+          <a:bodyPr lIns="0" rIns="0" tIns="0" bIns="0" anchor="ctr">
             <a:noAutofit/>
           </a:bodyPr>
-          <a:lstStyle/>
-          <a:p>
-            <a:pPr algn="ctr"/>
-            <a:endParaRPr lang="pt-PT" sz="4400" b="0" strike="noStrike" spc="-1">
+          <a:p>
+            <a:endParaRPr b="0" lang="pt-PT" sz="1800" spc="-1" strike="noStrike">
+              <a:solidFill>
+                <a:srgbClr val="000000"/>
+              </a:solidFill>
               <a:latin typeface="Arial"/>
             </a:endParaRPr>
           </a:p>
@@ -1579,12 +1495,14 @@
           </a:prstGeom>
         </p:spPr>
         <p:txBody>
-          <a:bodyPr lIns="0" tIns="0" rIns="0" bIns="0">
+          <a:bodyPr lIns="0" rIns="0" tIns="0" bIns="0">
             <a:normAutofit/>
           </a:bodyPr>
-          <a:lstStyle/>
-          <a:p>
-            <a:endParaRPr lang="pt-PT" sz="3200" b="0" strike="noStrike" spc="-1">
+          <a:p>
+            <a:endParaRPr b="0" lang="pt-PT" sz="2800" spc="-1" strike="noStrike">
+              <a:solidFill>
+                <a:srgbClr val="000000"/>
+              </a:solidFill>
               <a:latin typeface="Arial"/>
             </a:endParaRPr>
           </a:p>
@@ -1610,12 +1528,14 @@
           </a:prstGeom>
         </p:spPr>
         <p:txBody>
-          <a:bodyPr lIns="0" tIns="0" rIns="0" bIns="0">
+          <a:bodyPr lIns="0" rIns="0" tIns="0" bIns="0">
             <a:normAutofit/>
           </a:bodyPr>
-          <a:lstStyle/>
-          <a:p>
-            <a:endParaRPr lang="pt-PT" sz="3200" b="0" strike="noStrike" spc="-1">
+          <a:p>
+            <a:endParaRPr b="0" lang="pt-PT" sz="2800" spc="-1" strike="noStrike">
+              <a:solidFill>
+                <a:srgbClr val="000000"/>
+              </a:solidFill>
               <a:latin typeface="Arial"/>
             </a:endParaRPr>
           </a:p>
@@ -1641,12 +1561,14 @@
           </a:prstGeom>
         </p:spPr>
         <p:txBody>
-          <a:bodyPr lIns="0" tIns="0" rIns="0" bIns="0">
+          <a:bodyPr lIns="0" rIns="0" tIns="0" bIns="0">
             <a:normAutofit/>
           </a:bodyPr>
-          <a:lstStyle/>
-          <a:p>
-            <a:endParaRPr lang="pt-PT" sz="3200" b="0" strike="noStrike" spc="-1">
+          <a:p>
+            <a:endParaRPr b="0" lang="pt-PT" sz="2800" spc="-1" strike="noStrike">
+              <a:solidFill>
+                <a:srgbClr val="000000"/>
+              </a:solidFill>
               <a:latin typeface="Arial"/>
             </a:endParaRPr>
           </a:p>
@@ -1654,14 +1576,11 @@
       </p:sp>
     </p:spTree>
   </p:cSld>
-  <p:clrMapOvr>
-    <a:masterClrMapping/>
-  </p:clrMapOvr>
 </p:sldLayout>
 </file>
 
 <file path=ppt/slideLayouts/slideLayout22.xml><?xml version="1.0" encoding="utf-8"?>
-<p:sldLayout xmlns:a="http://schemas.openxmlformats.org/drawingml/2006/main" xmlns:r="http://schemas.openxmlformats.org/officeDocument/2006/relationships" xmlns:p="http://schemas.openxmlformats.org/presentationml/2006/main" type="objOverTx" preserve="1">
+<p:sldLayout xmlns:a="http://schemas.openxmlformats.org/drawingml/2006/main" xmlns:p="http://schemas.openxmlformats.org/presentationml/2006/main" xmlns:r="http://schemas.openxmlformats.org/officeDocument/2006/relationships" xmlns:p14="http://schemas.microsoft.com/office/powerpoint/2010/main" xmlns:p15="http://schemas.microsoft.com/office/powerpoint/2012/main" xmlns:mc="http://schemas.openxmlformats.org/markup-compatibility/2006" type="objOverTx" preserve="1">
   <p:cSld name="Title, Content over Content">
     <p:spTree>
       <p:nvGrpSpPr>
@@ -1697,13 +1616,14 @@
           </a:prstGeom>
         </p:spPr>
         <p:txBody>
-          <a:bodyPr lIns="0" tIns="0" rIns="0" bIns="0" anchor="ctr">
+          <a:bodyPr lIns="0" rIns="0" tIns="0" bIns="0" anchor="ctr">
             <a:noAutofit/>
           </a:bodyPr>
-          <a:lstStyle/>
-          <a:p>
-            <a:pPr algn="ctr"/>
-            <a:endParaRPr lang="pt-PT" sz="4400" b="0" strike="noStrike" spc="-1">
+          <a:p>
+            <a:endParaRPr b="0" lang="pt-PT" sz="1800" spc="-1" strike="noStrike">
+              <a:solidFill>
+                <a:srgbClr val="000000"/>
+              </a:solidFill>
               <a:latin typeface="Arial"/>
             </a:endParaRPr>
           </a:p>
@@ -1729,12 +1649,14 @@
           </a:prstGeom>
         </p:spPr>
         <p:txBody>
-          <a:bodyPr lIns="0" tIns="0" rIns="0" bIns="0">
+          <a:bodyPr lIns="0" rIns="0" tIns="0" bIns="0">
             <a:normAutofit/>
           </a:bodyPr>
-          <a:lstStyle/>
-          <a:p>
-            <a:endParaRPr lang="pt-PT" sz="3200" b="0" strike="noStrike" spc="-1">
+          <a:p>
+            <a:endParaRPr b="0" lang="pt-PT" sz="2800" spc="-1" strike="noStrike">
+              <a:solidFill>
+                <a:srgbClr val="000000"/>
+              </a:solidFill>
               <a:latin typeface="Arial"/>
             </a:endParaRPr>
           </a:p>
@@ -1760,12 +1682,14 @@
           </a:prstGeom>
         </p:spPr>
         <p:txBody>
-          <a:bodyPr lIns="0" tIns="0" rIns="0" bIns="0">
+          <a:bodyPr lIns="0" rIns="0" tIns="0" bIns="0">
             <a:normAutofit/>
           </a:bodyPr>
-          <a:lstStyle/>
-          <a:p>
-            <a:endParaRPr lang="pt-PT" sz="3200" b="0" strike="noStrike" spc="-1">
+          <a:p>
+            <a:endParaRPr b="0" lang="pt-PT" sz="2800" spc="-1" strike="noStrike">
+              <a:solidFill>
+                <a:srgbClr val="000000"/>
+              </a:solidFill>
               <a:latin typeface="Arial"/>
             </a:endParaRPr>
           </a:p>
@@ -1773,14 +1697,11 @@
       </p:sp>
     </p:spTree>
   </p:cSld>
-  <p:clrMapOvr>
-    <a:masterClrMapping/>
-  </p:clrMapOvr>
 </p:sldLayout>
 </file>
 
 <file path=ppt/slideLayouts/slideLayout23.xml><?xml version="1.0" encoding="utf-8"?>
-<p:sldLayout xmlns:a="http://schemas.openxmlformats.org/drawingml/2006/main" xmlns:r="http://schemas.openxmlformats.org/officeDocument/2006/relationships" xmlns:p="http://schemas.openxmlformats.org/presentationml/2006/main" type="fourObj" preserve="1">
+<p:sldLayout xmlns:a="http://schemas.openxmlformats.org/drawingml/2006/main" xmlns:p="http://schemas.openxmlformats.org/presentationml/2006/main" xmlns:r="http://schemas.openxmlformats.org/officeDocument/2006/relationships" xmlns:p14="http://schemas.microsoft.com/office/powerpoint/2010/main" xmlns:p15="http://schemas.microsoft.com/office/powerpoint/2012/main" xmlns:mc="http://schemas.openxmlformats.org/markup-compatibility/2006" type="fourObj" preserve="1">
   <p:cSld name="Title, 4 Content">
     <p:spTree>
       <p:nvGrpSpPr>
@@ -1816,13 +1737,14 @@
           </a:prstGeom>
         </p:spPr>
         <p:txBody>
-          <a:bodyPr lIns="0" tIns="0" rIns="0" bIns="0" anchor="ctr">
+          <a:bodyPr lIns="0" rIns="0" tIns="0" bIns="0" anchor="ctr">
             <a:noAutofit/>
           </a:bodyPr>
-          <a:lstStyle/>
-          <a:p>
-            <a:pPr algn="ctr"/>
-            <a:endParaRPr lang="pt-PT" sz="4400" b="0" strike="noStrike" spc="-1">
+          <a:p>
+            <a:endParaRPr b="0" lang="pt-PT" sz="1800" spc="-1" strike="noStrike">
+              <a:solidFill>
+                <a:srgbClr val="000000"/>
+              </a:solidFill>
               <a:latin typeface="Arial"/>
             </a:endParaRPr>
           </a:p>
@@ -1848,12 +1770,14 @@
           </a:prstGeom>
         </p:spPr>
         <p:txBody>
-          <a:bodyPr lIns="0" tIns="0" rIns="0" bIns="0">
+          <a:bodyPr lIns="0" rIns="0" tIns="0" bIns="0">
             <a:normAutofit/>
           </a:bodyPr>
-          <a:lstStyle/>
-          <a:p>
-            <a:endParaRPr lang="pt-PT" sz="3200" b="0" strike="noStrike" spc="-1">
+          <a:p>
+            <a:endParaRPr b="0" lang="pt-PT" sz="2800" spc="-1" strike="noStrike">
+              <a:solidFill>
+                <a:srgbClr val="000000"/>
+              </a:solidFill>
               <a:latin typeface="Arial"/>
             </a:endParaRPr>
           </a:p>
@@ -1879,12 +1803,14 @@
           </a:prstGeom>
         </p:spPr>
         <p:txBody>
-          <a:bodyPr lIns="0" tIns="0" rIns="0" bIns="0">
+          <a:bodyPr lIns="0" rIns="0" tIns="0" bIns="0">
             <a:normAutofit/>
           </a:bodyPr>
-          <a:lstStyle/>
-          <a:p>
-            <a:endParaRPr lang="pt-PT" sz="3200" b="0" strike="noStrike" spc="-1">
+          <a:p>
+            <a:endParaRPr b="0" lang="pt-PT" sz="2800" spc="-1" strike="noStrike">
+              <a:solidFill>
+                <a:srgbClr val="000000"/>
+              </a:solidFill>
               <a:latin typeface="Arial"/>
             </a:endParaRPr>
           </a:p>
@@ -1910,12 +1836,14 @@
           </a:prstGeom>
         </p:spPr>
         <p:txBody>
-          <a:bodyPr lIns="0" tIns="0" rIns="0" bIns="0">
+          <a:bodyPr lIns="0" rIns="0" tIns="0" bIns="0">
             <a:normAutofit/>
           </a:bodyPr>
-          <a:lstStyle/>
-          <a:p>
-            <a:endParaRPr lang="pt-PT" sz="3200" b="0" strike="noStrike" spc="-1">
+          <a:p>
+            <a:endParaRPr b="0" lang="pt-PT" sz="2800" spc="-1" strike="noStrike">
+              <a:solidFill>
+                <a:srgbClr val="000000"/>
+              </a:solidFill>
               <a:latin typeface="Arial"/>
             </a:endParaRPr>
           </a:p>
@@ -1941,12 +1869,14 @@
           </a:prstGeom>
         </p:spPr>
         <p:txBody>
-          <a:bodyPr lIns="0" tIns="0" rIns="0" bIns="0">
+          <a:bodyPr lIns="0" rIns="0" tIns="0" bIns="0">
             <a:normAutofit/>
           </a:bodyPr>
-          <a:lstStyle/>
-          <a:p>
-            <a:endParaRPr lang="pt-PT" sz="3200" b="0" strike="noStrike" spc="-1">
+          <a:p>
+            <a:endParaRPr b="0" lang="pt-PT" sz="2800" spc="-1" strike="noStrike">
+              <a:solidFill>
+                <a:srgbClr val="000000"/>
+              </a:solidFill>
               <a:latin typeface="Arial"/>
             </a:endParaRPr>
           </a:p>
@@ -1954,14 +1884,11 @@
       </p:sp>
     </p:spTree>
   </p:cSld>
-  <p:clrMapOvr>
-    <a:masterClrMapping/>
-  </p:clrMapOvr>
 </p:sldLayout>
 </file>
 
 <file path=ppt/slideLayouts/slideLayout24.xml><?xml version="1.0" encoding="utf-8"?>
-<p:sldLayout xmlns:a="http://schemas.openxmlformats.org/drawingml/2006/main" xmlns:r="http://schemas.openxmlformats.org/officeDocument/2006/relationships" xmlns:p="http://schemas.openxmlformats.org/presentationml/2006/main" type="blank" preserve="1">
+<p:sldLayout xmlns:a="http://schemas.openxmlformats.org/drawingml/2006/main" xmlns:p="http://schemas.openxmlformats.org/presentationml/2006/main" xmlns:r="http://schemas.openxmlformats.org/officeDocument/2006/relationships" xmlns:p14="http://schemas.microsoft.com/office/powerpoint/2010/main" xmlns:p15="http://schemas.microsoft.com/office/powerpoint/2012/main" xmlns:mc="http://schemas.openxmlformats.org/markup-compatibility/2006" type="blank" preserve="1">
   <p:cSld name="Title, 6 Content">
     <p:spTree>
       <p:nvGrpSpPr>
@@ -1997,13 +1924,14 @@
           </a:prstGeom>
         </p:spPr>
         <p:txBody>
-          <a:bodyPr lIns="0" tIns="0" rIns="0" bIns="0" anchor="ctr">
+          <a:bodyPr lIns="0" rIns="0" tIns="0" bIns="0" anchor="ctr">
             <a:noAutofit/>
           </a:bodyPr>
-          <a:lstStyle/>
-          <a:p>
-            <a:pPr algn="ctr"/>
-            <a:endParaRPr lang="pt-PT" sz="4400" b="0" strike="noStrike" spc="-1">
+          <a:p>
+            <a:endParaRPr b="0" lang="pt-PT" sz="1800" spc="-1" strike="noStrike">
+              <a:solidFill>
+                <a:srgbClr val="000000"/>
+              </a:solidFill>
               <a:latin typeface="Arial"/>
             </a:endParaRPr>
           </a:p>
@@ -2029,12 +1957,14 @@
           </a:prstGeom>
         </p:spPr>
         <p:txBody>
-          <a:bodyPr lIns="0" tIns="0" rIns="0" bIns="0">
+          <a:bodyPr lIns="0" rIns="0" tIns="0" bIns="0">
             <a:normAutofit/>
           </a:bodyPr>
-          <a:lstStyle/>
-          <a:p>
-            <a:endParaRPr lang="pt-PT" sz="3200" b="0" strike="noStrike" spc="-1">
+          <a:p>
+            <a:endParaRPr b="0" lang="pt-PT" sz="2800" spc="-1" strike="noStrike">
+              <a:solidFill>
+                <a:srgbClr val="000000"/>
+              </a:solidFill>
               <a:latin typeface="Arial"/>
             </a:endParaRPr>
           </a:p>
@@ -2060,12 +1990,14 @@
           </a:prstGeom>
         </p:spPr>
         <p:txBody>
-          <a:bodyPr lIns="0" tIns="0" rIns="0" bIns="0">
+          <a:bodyPr lIns="0" rIns="0" tIns="0" bIns="0">
             <a:normAutofit/>
           </a:bodyPr>
-          <a:lstStyle/>
-          <a:p>
-            <a:endParaRPr lang="pt-PT" sz="3200" b="0" strike="noStrike" spc="-1">
+          <a:p>
+            <a:endParaRPr b="0" lang="pt-PT" sz="2800" spc="-1" strike="noStrike">
+              <a:solidFill>
+                <a:srgbClr val="000000"/>
+              </a:solidFill>
               <a:latin typeface="Arial"/>
             </a:endParaRPr>
           </a:p>
@@ -2091,12 +2023,14 @@
           </a:prstGeom>
         </p:spPr>
         <p:txBody>
-          <a:bodyPr lIns="0" tIns="0" rIns="0" bIns="0">
+          <a:bodyPr lIns="0" rIns="0" tIns="0" bIns="0">
             <a:normAutofit/>
           </a:bodyPr>
-          <a:lstStyle/>
-          <a:p>
-            <a:endParaRPr lang="pt-PT" sz="3200" b="0" strike="noStrike" spc="-1">
+          <a:p>
+            <a:endParaRPr b="0" lang="pt-PT" sz="2800" spc="-1" strike="noStrike">
+              <a:solidFill>
+                <a:srgbClr val="000000"/>
+              </a:solidFill>
               <a:latin typeface="Arial"/>
             </a:endParaRPr>
           </a:p>
@@ -2122,12 +2056,14 @@
           </a:prstGeom>
         </p:spPr>
         <p:txBody>
-          <a:bodyPr lIns="0" tIns="0" rIns="0" bIns="0">
+          <a:bodyPr lIns="0" rIns="0" tIns="0" bIns="0">
             <a:normAutofit/>
           </a:bodyPr>
-          <a:lstStyle/>
-          <a:p>
-            <a:endParaRPr lang="pt-PT" sz="3200" b="0" strike="noStrike" spc="-1">
+          <a:p>
+            <a:endParaRPr b="0" lang="pt-PT" sz="2800" spc="-1" strike="noStrike">
+              <a:solidFill>
+                <a:srgbClr val="000000"/>
+              </a:solidFill>
               <a:latin typeface="Arial"/>
             </a:endParaRPr>
           </a:p>
@@ -2153,12 +2089,14 @@
           </a:prstGeom>
         </p:spPr>
         <p:txBody>
-          <a:bodyPr lIns="0" tIns="0" rIns="0" bIns="0">
+          <a:bodyPr lIns="0" rIns="0" tIns="0" bIns="0">
             <a:normAutofit/>
           </a:bodyPr>
-          <a:lstStyle/>
-          <a:p>
-            <a:endParaRPr lang="pt-PT" sz="3200" b="0" strike="noStrike" spc="-1">
+          <a:p>
+            <a:endParaRPr b="0" lang="pt-PT" sz="2800" spc="-1" strike="noStrike">
+              <a:solidFill>
+                <a:srgbClr val="000000"/>
+              </a:solidFill>
               <a:latin typeface="Arial"/>
             </a:endParaRPr>
           </a:p>
@@ -2184,12 +2122,14 @@
           </a:prstGeom>
         </p:spPr>
         <p:txBody>
-          <a:bodyPr lIns="0" tIns="0" rIns="0" bIns="0">
+          <a:bodyPr lIns="0" rIns="0" tIns="0" bIns="0">
             <a:normAutofit/>
           </a:bodyPr>
-          <a:lstStyle/>
-          <a:p>
-            <a:endParaRPr lang="pt-PT" sz="3200" b="0" strike="noStrike" spc="-1">
+          <a:p>
+            <a:endParaRPr b="0" lang="pt-PT" sz="2800" spc="-1" strike="noStrike">
+              <a:solidFill>
+                <a:srgbClr val="000000"/>
+              </a:solidFill>
               <a:latin typeface="Arial"/>
             </a:endParaRPr>
           </a:p>
@@ -2197,14 +2137,11 @@
       </p:sp>
     </p:spTree>
   </p:cSld>
-  <p:clrMapOvr>
-    <a:masterClrMapping/>
-  </p:clrMapOvr>
 </p:sldLayout>
 </file>
 
 <file path=ppt/slideLayouts/slideLayout25.xml><?xml version="1.0" encoding="utf-8"?>
-<p:sldLayout xmlns:a="http://schemas.openxmlformats.org/drawingml/2006/main" xmlns:r="http://schemas.openxmlformats.org/officeDocument/2006/relationships" xmlns:p="http://schemas.openxmlformats.org/presentationml/2006/main" type="blank" preserve="1">
+<p:sldLayout xmlns:a="http://schemas.openxmlformats.org/drawingml/2006/main" xmlns:p="http://schemas.openxmlformats.org/presentationml/2006/main" xmlns:r="http://schemas.openxmlformats.org/officeDocument/2006/relationships" xmlns:p14="http://schemas.microsoft.com/office/powerpoint/2010/main" xmlns:p15="http://schemas.microsoft.com/office/powerpoint/2012/main" xmlns:mc="http://schemas.openxmlformats.org/markup-compatibility/2006" type="blank" preserve="1">
   <p:cSld name="Blank Slide">
     <p:spTree>
       <p:nvGrpSpPr>
@@ -2222,14 +2159,11 @@
       </p:grpSpPr>
     </p:spTree>
   </p:cSld>
-  <p:clrMapOvr>
-    <a:masterClrMapping/>
-  </p:clrMapOvr>
 </p:sldLayout>
 </file>
 
 <file path=ppt/slideLayouts/slideLayout26.xml><?xml version="1.0" encoding="utf-8"?>
-<p:sldLayout xmlns:a="http://schemas.openxmlformats.org/drawingml/2006/main" xmlns:r="http://schemas.openxmlformats.org/officeDocument/2006/relationships" xmlns:p="http://schemas.openxmlformats.org/presentationml/2006/main" type="tx" preserve="1">
+<p:sldLayout xmlns:a="http://schemas.openxmlformats.org/drawingml/2006/main" xmlns:p="http://schemas.openxmlformats.org/presentationml/2006/main" xmlns:r="http://schemas.openxmlformats.org/officeDocument/2006/relationships" xmlns:p14="http://schemas.microsoft.com/office/powerpoint/2010/main" xmlns:p15="http://schemas.microsoft.com/office/powerpoint/2012/main" xmlns:mc="http://schemas.openxmlformats.org/markup-compatibility/2006" type="tx" preserve="1">
   <p:cSld name="Title Slide">
     <p:spTree>
       <p:nvGrpSpPr>
@@ -2265,13 +2199,14 @@
           </a:prstGeom>
         </p:spPr>
         <p:txBody>
-          <a:bodyPr lIns="0" tIns="0" rIns="0" bIns="0" anchor="ctr">
+          <a:bodyPr lIns="0" rIns="0" tIns="0" bIns="0" anchor="ctr">
             <a:noAutofit/>
           </a:bodyPr>
-          <a:lstStyle/>
-          <a:p>
-            <a:pPr algn="ctr"/>
-            <a:endParaRPr lang="pt-PT" sz="4400" b="0" strike="noStrike" spc="-1">
+          <a:p>
+            <a:endParaRPr b="0" lang="pt-PT" sz="1800" spc="-1" strike="noStrike">
+              <a:solidFill>
+                <a:srgbClr val="000000"/>
+              </a:solidFill>
               <a:latin typeface="Arial"/>
             </a:endParaRPr>
           </a:p>
@@ -2297,13 +2232,12 @@
           </a:prstGeom>
         </p:spPr>
         <p:txBody>
-          <a:bodyPr lIns="0" tIns="0" rIns="0" bIns="0" anchor="ctr">
+          <a:bodyPr lIns="0" rIns="0" tIns="0" bIns="0" anchor="ctr">
             <a:noAutofit/>
           </a:bodyPr>
-          <a:lstStyle/>
           <a:p>
             <a:pPr algn="ctr"/>
-            <a:endParaRPr lang="pt-PT" sz="3200" b="0" strike="noStrike" spc="-1">
+            <a:endParaRPr b="0" lang="pt-PT" sz="3200" spc="-1" strike="noStrike">
               <a:latin typeface="Arial"/>
             </a:endParaRPr>
           </a:p>
@@ -2311,14 +2245,11 @@
       </p:sp>
     </p:spTree>
   </p:cSld>
-  <p:clrMapOvr>
-    <a:masterClrMapping/>
-  </p:clrMapOvr>
 </p:sldLayout>
 </file>
 
 <file path=ppt/slideLayouts/slideLayout27.xml><?xml version="1.0" encoding="utf-8"?>
-<p:sldLayout xmlns:a="http://schemas.openxmlformats.org/drawingml/2006/main" xmlns:r="http://schemas.openxmlformats.org/officeDocument/2006/relationships" xmlns:p="http://schemas.openxmlformats.org/presentationml/2006/main" type="obj" preserve="1">
+<p:sldLayout xmlns:a="http://schemas.openxmlformats.org/drawingml/2006/main" xmlns:p="http://schemas.openxmlformats.org/presentationml/2006/main" xmlns:r="http://schemas.openxmlformats.org/officeDocument/2006/relationships" xmlns:p14="http://schemas.microsoft.com/office/powerpoint/2010/main" xmlns:p15="http://schemas.microsoft.com/office/powerpoint/2012/main" xmlns:mc="http://schemas.openxmlformats.org/markup-compatibility/2006" type="obj" preserve="1">
   <p:cSld name="Title, Content">
     <p:spTree>
       <p:nvGrpSpPr>
@@ -2354,13 +2285,14 @@
           </a:prstGeom>
         </p:spPr>
         <p:txBody>
-          <a:bodyPr lIns="0" tIns="0" rIns="0" bIns="0" anchor="ctr">
+          <a:bodyPr lIns="0" rIns="0" tIns="0" bIns="0" anchor="ctr">
             <a:noAutofit/>
           </a:bodyPr>
-          <a:lstStyle/>
-          <a:p>
-            <a:pPr algn="ctr"/>
-            <a:endParaRPr lang="pt-PT" sz="4400" b="0" strike="noStrike" spc="-1">
+          <a:p>
+            <a:endParaRPr b="0" lang="pt-PT" sz="1800" spc="-1" strike="noStrike">
+              <a:solidFill>
+                <a:srgbClr val="000000"/>
+              </a:solidFill>
               <a:latin typeface="Arial"/>
             </a:endParaRPr>
           </a:p>
@@ -2386,12 +2318,14 @@
           </a:prstGeom>
         </p:spPr>
         <p:txBody>
-          <a:bodyPr lIns="0" tIns="0" rIns="0" bIns="0">
+          <a:bodyPr lIns="0" rIns="0" tIns="0" bIns="0">
             <a:normAutofit/>
           </a:bodyPr>
-          <a:lstStyle/>
-          <a:p>
-            <a:endParaRPr lang="pt-PT" sz="3200" b="0" strike="noStrike" spc="-1">
+          <a:p>
+            <a:endParaRPr b="0" lang="pt-PT" sz="2800" spc="-1" strike="noStrike">
+              <a:solidFill>
+                <a:srgbClr val="000000"/>
+              </a:solidFill>
               <a:latin typeface="Arial"/>
             </a:endParaRPr>
           </a:p>
@@ -2399,14 +2333,11 @@
       </p:sp>
     </p:spTree>
   </p:cSld>
-  <p:clrMapOvr>
-    <a:masterClrMapping/>
-  </p:clrMapOvr>
 </p:sldLayout>
 </file>
 
 <file path=ppt/slideLayouts/slideLayout28.xml><?xml version="1.0" encoding="utf-8"?>
-<p:sldLayout xmlns:a="http://schemas.openxmlformats.org/drawingml/2006/main" xmlns:r="http://schemas.openxmlformats.org/officeDocument/2006/relationships" xmlns:p="http://schemas.openxmlformats.org/presentationml/2006/main" type="twoObj" preserve="1">
+<p:sldLayout xmlns:a="http://schemas.openxmlformats.org/drawingml/2006/main" xmlns:p="http://schemas.openxmlformats.org/presentationml/2006/main" xmlns:r="http://schemas.openxmlformats.org/officeDocument/2006/relationships" xmlns:p14="http://schemas.microsoft.com/office/powerpoint/2010/main" xmlns:p15="http://schemas.microsoft.com/office/powerpoint/2012/main" xmlns:mc="http://schemas.openxmlformats.org/markup-compatibility/2006" type="twoObj" preserve="1">
   <p:cSld name="Title, 2 Content">
     <p:spTree>
       <p:nvGrpSpPr>
@@ -2442,13 +2373,14 @@
           </a:prstGeom>
         </p:spPr>
         <p:txBody>
-          <a:bodyPr lIns="0" tIns="0" rIns="0" bIns="0" anchor="ctr">
+          <a:bodyPr lIns="0" rIns="0" tIns="0" bIns="0" anchor="ctr">
             <a:noAutofit/>
           </a:bodyPr>
-          <a:lstStyle/>
-          <a:p>
-            <a:pPr algn="ctr"/>
-            <a:endParaRPr lang="pt-PT" sz="4400" b="0" strike="noStrike" spc="-1">
+          <a:p>
+            <a:endParaRPr b="0" lang="pt-PT" sz="1800" spc="-1" strike="noStrike">
+              <a:solidFill>
+                <a:srgbClr val="000000"/>
+              </a:solidFill>
               <a:latin typeface="Arial"/>
             </a:endParaRPr>
           </a:p>
@@ -2474,12 +2406,14 @@
           </a:prstGeom>
         </p:spPr>
         <p:txBody>
-          <a:bodyPr lIns="0" tIns="0" rIns="0" bIns="0">
+          <a:bodyPr lIns="0" rIns="0" tIns="0" bIns="0">
             <a:normAutofit/>
           </a:bodyPr>
-          <a:lstStyle/>
-          <a:p>
-            <a:endParaRPr lang="pt-PT" sz="3200" b="0" strike="noStrike" spc="-1">
+          <a:p>
+            <a:endParaRPr b="0" lang="pt-PT" sz="2800" spc="-1" strike="noStrike">
+              <a:solidFill>
+                <a:srgbClr val="000000"/>
+              </a:solidFill>
               <a:latin typeface="Arial"/>
             </a:endParaRPr>
           </a:p>
@@ -2505,12 +2439,14 @@
           </a:prstGeom>
         </p:spPr>
         <p:txBody>
-          <a:bodyPr lIns="0" tIns="0" rIns="0" bIns="0">
+          <a:bodyPr lIns="0" rIns="0" tIns="0" bIns="0">
             <a:normAutofit/>
           </a:bodyPr>
-          <a:lstStyle/>
-          <a:p>
-            <a:endParaRPr lang="pt-PT" sz="3200" b="0" strike="noStrike" spc="-1">
+          <a:p>
+            <a:endParaRPr b="0" lang="pt-PT" sz="2800" spc="-1" strike="noStrike">
+              <a:solidFill>
+                <a:srgbClr val="000000"/>
+              </a:solidFill>
               <a:latin typeface="Arial"/>
             </a:endParaRPr>
           </a:p>
@@ -2518,14 +2454,11 @@
       </p:sp>
     </p:spTree>
   </p:cSld>
-  <p:clrMapOvr>
-    <a:masterClrMapping/>
-  </p:clrMapOvr>
 </p:sldLayout>
 </file>
 
 <file path=ppt/slideLayouts/slideLayout29.xml><?xml version="1.0" encoding="utf-8"?>
-<p:sldLayout xmlns:a="http://schemas.openxmlformats.org/drawingml/2006/main" xmlns:r="http://schemas.openxmlformats.org/officeDocument/2006/relationships" xmlns:p="http://schemas.openxmlformats.org/presentationml/2006/main" type="titleOnly" preserve="1">
+<p:sldLayout xmlns:a="http://schemas.openxmlformats.org/drawingml/2006/main" xmlns:p="http://schemas.openxmlformats.org/presentationml/2006/main" xmlns:r="http://schemas.openxmlformats.org/officeDocument/2006/relationships" xmlns:p14="http://schemas.microsoft.com/office/powerpoint/2010/main" xmlns:p15="http://schemas.microsoft.com/office/powerpoint/2012/main" xmlns:mc="http://schemas.openxmlformats.org/markup-compatibility/2006" type="titleOnly" preserve="1">
   <p:cSld name="Title Only">
     <p:spTree>
       <p:nvGrpSpPr>
@@ -2561,13 +2494,14 @@
           </a:prstGeom>
         </p:spPr>
         <p:txBody>
-          <a:bodyPr lIns="0" tIns="0" rIns="0" bIns="0" anchor="ctr">
+          <a:bodyPr lIns="0" rIns="0" tIns="0" bIns="0" anchor="ctr">
             <a:noAutofit/>
           </a:bodyPr>
-          <a:lstStyle/>
-          <a:p>
-            <a:pPr algn="ctr"/>
-            <a:endParaRPr lang="pt-PT" sz="4400" b="0" strike="noStrike" spc="-1">
+          <a:p>
+            <a:endParaRPr b="0" lang="pt-PT" sz="1800" spc="-1" strike="noStrike">
+              <a:solidFill>
+                <a:srgbClr val="000000"/>
+              </a:solidFill>
               <a:latin typeface="Arial"/>
             </a:endParaRPr>
           </a:p>
@@ -2575,14 +2509,11 @@
       </p:sp>
     </p:spTree>
   </p:cSld>
-  <p:clrMapOvr>
-    <a:masterClrMapping/>
-  </p:clrMapOvr>
 </p:sldLayout>
 </file>
 
 <file path=ppt/slideLayouts/slideLayout3.xml><?xml version="1.0" encoding="utf-8"?>
-<p:sldLayout xmlns:a="http://schemas.openxmlformats.org/drawingml/2006/main" xmlns:r="http://schemas.openxmlformats.org/officeDocument/2006/relationships" xmlns:p="http://schemas.openxmlformats.org/presentationml/2006/main" type="obj" preserve="1">
+<p:sldLayout xmlns:a="http://schemas.openxmlformats.org/drawingml/2006/main" xmlns:p="http://schemas.openxmlformats.org/presentationml/2006/main" xmlns:r="http://schemas.openxmlformats.org/officeDocument/2006/relationships" xmlns:p14="http://schemas.microsoft.com/office/powerpoint/2010/main" xmlns:p15="http://schemas.microsoft.com/office/powerpoint/2012/main" xmlns:mc="http://schemas.openxmlformats.org/markup-compatibility/2006" type="obj" preserve="1">
   <p:cSld name="Title, Content">
     <p:spTree>
       <p:nvGrpSpPr>
@@ -2618,13 +2549,14 @@
           </a:prstGeom>
         </p:spPr>
         <p:txBody>
-          <a:bodyPr lIns="0" tIns="0" rIns="0" bIns="0" anchor="ctr">
+          <a:bodyPr lIns="0" rIns="0" tIns="0" bIns="0" anchor="ctr">
             <a:noAutofit/>
           </a:bodyPr>
-          <a:lstStyle/>
-          <a:p>
-            <a:pPr algn="ctr"/>
-            <a:endParaRPr lang="pt-PT" sz="4400" b="0" strike="noStrike" spc="-1">
+          <a:p>
+            <a:endParaRPr b="0" lang="pt-PT" sz="1800" spc="-1" strike="noStrike">
+              <a:solidFill>
+                <a:srgbClr val="000000"/>
+              </a:solidFill>
               <a:latin typeface="Arial"/>
             </a:endParaRPr>
           </a:p>
@@ -2650,12 +2582,14 @@
           </a:prstGeom>
         </p:spPr>
         <p:txBody>
-          <a:bodyPr lIns="0" tIns="0" rIns="0" bIns="0">
+          <a:bodyPr lIns="0" rIns="0" tIns="0" bIns="0">
             <a:normAutofit/>
           </a:bodyPr>
-          <a:lstStyle/>
-          <a:p>
-            <a:endParaRPr lang="pt-PT" sz="3200" b="0" strike="noStrike" spc="-1">
+          <a:p>
+            <a:endParaRPr b="0" lang="pt-PT" sz="2800" spc="-1" strike="noStrike">
+              <a:solidFill>
+                <a:srgbClr val="000000"/>
+              </a:solidFill>
               <a:latin typeface="Arial"/>
             </a:endParaRPr>
           </a:p>
@@ -2663,14 +2597,11 @@
       </p:sp>
     </p:spTree>
   </p:cSld>
-  <p:clrMapOvr>
-    <a:masterClrMapping/>
-  </p:clrMapOvr>
 </p:sldLayout>
 </file>
 
 <file path=ppt/slideLayouts/slideLayout30.xml><?xml version="1.0" encoding="utf-8"?>
-<p:sldLayout xmlns:a="http://schemas.openxmlformats.org/drawingml/2006/main" xmlns:r="http://schemas.openxmlformats.org/officeDocument/2006/relationships" xmlns:p="http://schemas.openxmlformats.org/presentationml/2006/main" type="objOnly" preserve="1">
+<p:sldLayout xmlns:a="http://schemas.openxmlformats.org/drawingml/2006/main" xmlns:p="http://schemas.openxmlformats.org/presentationml/2006/main" xmlns:r="http://schemas.openxmlformats.org/officeDocument/2006/relationships" xmlns:p14="http://schemas.microsoft.com/office/powerpoint/2010/main" xmlns:p15="http://schemas.microsoft.com/office/powerpoint/2012/main" xmlns:mc="http://schemas.openxmlformats.org/markup-compatibility/2006" type="objOnly" preserve="1">
   <p:cSld name="Centered Text">
     <p:spTree>
       <p:nvGrpSpPr>
@@ -2706,13 +2637,12 @@
           </a:prstGeom>
         </p:spPr>
         <p:txBody>
-          <a:bodyPr lIns="0" tIns="0" rIns="0" bIns="0" anchor="ctr">
+          <a:bodyPr lIns="0" rIns="0" tIns="0" bIns="0" anchor="ctr">
             <a:noAutofit/>
           </a:bodyPr>
-          <a:lstStyle/>
           <a:p>
             <a:pPr algn="ctr"/>
-            <a:endParaRPr lang="pt-PT" sz="3200" b="0" strike="noStrike" spc="-1">
+            <a:endParaRPr b="0" lang="pt-PT" sz="3200" spc="-1" strike="noStrike">
               <a:latin typeface="Arial"/>
             </a:endParaRPr>
           </a:p>
@@ -2720,14 +2650,11 @@
       </p:sp>
     </p:spTree>
   </p:cSld>
-  <p:clrMapOvr>
-    <a:masterClrMapping/>
-  </p:clrMapOvr>
 </p:sldLayout>
 </file>
 
 <file path=ppt/slideLayouts/slideLayout31.xml><?xml version="1.0" encoding="utf-8"?>
-<p:sldLayout xmlns:a="http://schemas.openxmlformats.org/drawingml/2006/main" xmlns:r="http://schemas.openxmlformats.org/officeDocument/2006/relationships" xmlns:p="http://schemas.openxmlformats.org/presentationml/2006/main" type="twoObjAndObj" preserve="1">
+<p:sldLayout xmlns:a="http://schemas.openxmlformats.org/drawingml/2006/main" xmlns:p="http://schemas.openxmlformats.org/presentationml/2006/main" xmlns:r="http://schemas.openxmlformats.org/officeDocument/2006/relationships" xmlns:p14="http://schemas.microsoft.com/office/powerpoint/2010/main" xmlns:p15="http://schemas.microsoft.com/office/powerpoint/2012/main" xmlns:mc="http://schemas.openxmlformats.org/markup-compatibility/2006" type="twoObjAndObj" preserve="1">
   <p:cSld name="Title, 2 Content and Content">
     <p:spTree>
       <p:nvGrpSpPr>
@@ -2763,13 +2690,14 @@
           </a:prstGeom>
         </p:spPr>
         <p:txBody>
-          <a:bodyPr lIns="0" tIns="0" rIns="0" bIns="0" anchor="ctr">
+          <a:bodyPr lIns="0" rIns="0" tIns="0" bIns="0" anchor="ctr">
             <a:noAutofit/>
           </a:bodyPr>
-          <a:lstStyle/>
-          <a:p>
-            <a:pPr algn="ctr"/>
-            <a:endParaRPr lang="pt-PT" sz="4400" b="0" strike="noStrike" spc="-1">
+          <a:p>
+            <a:endParaRPr b="0" lang="pt-PT" sz="1800" spc="-1" strike="noStrike">
+              <a:solidFill>
+                <a:srgbClr val="000000"/>
+              </a:solidFill>
               <a:latin typeface="Arial"/>
             </a:endParaRPr>
           </a:p>
@@ -2795,12 +2723,14 @@
           </a:prstGeom>
         </p:spPr>
         <p:txBody>
-          <a:bodyPr lIns="0" tIns="0" rIns="0" bIns="0">
+          <a:bodyPr lIns="0" rIns="0" tIns="0" bIns="0">
             <a:normAutofit/>
           </a:bodyPr>
-          <a:lstStyle/>
-          <a:p>
-            <a:endParaRPr lang="pt-PT" sz="3200" b="0" strike="noStrike" spc="-1">
+          <a:p>
+            <a:endParaRPr b="0" lang="pt-PT" sz="2800" spc="-1" strike="noStrike">
+              <a:solidFill>
+                <a:srgbClr val="000000"/>
+              </a:solidFill>
               <a:latin typeface="Arial"/>
             </a:endParaRPr>
           </a:p>
@@ -2826,12 +2756,14 @@
           </a:prstGeom>
         </p:spPr>
         <p:txBody>
-          <a:bodyPr lIns="0" tIns="0" rIns="0" bIns="0">
+          <a:bodyPr lIns="0" rIns="0" tIns="0" bIns="0">
             <a:normAutofit/>
           </a:bodyPr>
-          <a:lstStyle/>
-          <a:p>
-            <a:endParaRPr lang="pt-PT" sz="3200" b="0" strike="noStrike" spc="-1">
+          <a:p>
+            <a:endParaRPr b="0" lang="pt-PT" sz="2800" spc="-1" strike="noStrike">
+              <a:solidFill>
+                <a:srgbClr val="000000"/>
+              </a:solidFill>
               <a:latin typeface="Arial"/>
             </a:endParaRPr>
           </a:p>
@@ -2857,12 +2789,14 @@
           </a:prstGeom>
         </p:spPr>
         <p:txBody>
-          <a:bodyPr lIns="0" tIns="0" rIns="0" bIns="0">
+          <a:bodyPr lIns="0" rIns="0" tIns="0" bIns="0">
             <a:normAutofit/>
           </a:bodyPr>
-          <a:lstStyle/>
-          <a:p>
-            <a:endParaRPr lang="pt-PT" sz="3200" b="0" strike="noStrike" spc="-1">
+          <a:p>
+            <a:endParaRPr b="0" lang="pt-PT" sz="2800" spc="-1" strike="noStrike">
+              <a:solidFill>
+                <a:srgbClr val="000000"/>
+              </a:solidFill>
               <a:latin typeface="Arial"/>
             </a:endParaRPr>
           </a:p>
@@ -2870,14 +2804,11 @@
       </p:sp>
     </p:spTree>
   </p:cSld>
-  <p:clrMapOvr>
-    <a:masterClrMapping/>
-  </p:clrMapOvr>
 </p:sldLayout>
 </file>
 
 <file path=ppt/slideLayouts/slideLayout32.xml><?xml version="1.0" encoding="utf-8"?>
-<p:sldLayout xmlns:a="http://schemas.openxmlformats.org/drawingml/2006/main" xmlns:r="http://schemas.openxmlformats.org/officeDocument/2006/relationships" xmlns:p="http://schemas.openxmlformats.org/presentationml/2006/main" type="objAndTwoObj" preserve="1">
+<p:sldLayout xmlns:a="http://schemas.openxmlformats.org/drawingml/2006/main" xmlns:p="http://schemas.openxmlformats.org/presentationml/2006/main" xmlns:r="http://schemas.openxmlformats.org/officeDocument/2006/relationships" xmlns:p14="http://schemas.microsoft.com/office/powerpoint/2010/main" xmlns:p15="http://schemas.microsoft.com/office/powerpoint/2012/main" xmlns:mc="http://schemas.openxmlformats.org/markup-compatibility/2006" type="objAndTwoObj" preserve="1">
   <p:cSld name="Title Content and 2 Content">
     <p:spTree>
       <p:nvGrpSpPr>
@@ -2913,13 +2844,14 @@
           </a:prstGeom>
         </p:spPr>
         <p:txBody>
-          <a:bodyPr lIns="0" tIns="0" rIns="0" bIns="0" anchor="ctr">
+          <a:bodyPr lIns="0" rIns="0" tIns="0" bIns="0" anchor="ctr">
             <a:noAutofit/>
           </a:bodyPr>
-          <a:lstStyle/>
-          <a:p>
-            <a:pPr algn="ctr"/>
-            <a:endParaRPr lang="pt-PT" sz="4400" b="0" strike="noStrike" spc="-1">
+          <a:p>
+            <a:endParaRPr b="0" lang="pt-PT" sz="1800" spc="-1" strike="noStrike">
+              <a:solidFill>
+                <a:srgbClr val="000000"/>
+              </a:solidFill>
               <a:latin typeface="Arial"/>
             </a:endParaRPr>
           </a:p>
@@ -2945,12 +2877,14 @@
           </a:prstGeom>
         </p:spPr>
         <p:txBody>
-          <a:bodyPr lIns="0" tIns="0" rIns="0" bIns="0">
+          <a:bodyPr lIns="0" rIns="0" tIns="0" bIns="0">
             <a:normAutofit/>
           </a:bodyPr>
-          <a:lstStyle/>
-          <a:p>
-            <a:endParaRPr lang="pt-PT" sz="3200" b="0" strike="noStrike" spc="-1">
+          <a:p>
+            <a:endParaRPr b="0" lang="pt-PT" sz="2800" spc="-1" strike="noStrike">
+              <a:solidFill>
+                <a:srgbClr val="000000"/>
+              </a:solidFill>
               <a:latin typeface="Arial"/>
             </a:endParaRPr>
           </a:p>
@@ -2976,12 +2910,14 @@
           </a:prstGeom>
         </p:spPr>
         <p:txBody>
-          <a:bodyPr lIns="0" tIns="0" rIns="0" bIns="0">
+          <a:bodyPr lIns="0" rIns="0" tIns="0" bIns="0">
             <a:normAutofit/>
           </a:bodyPr>
-          <a:lstStyle/>
-          <a:p>
-            <a:endParaRPr lang="pt-PT" sz="3200" b="0" strike="noStrike" spc="-1">
+          <a:p>
+            <a:endParaRPr b="0" lang="pt-PT" sz="2800" spc="-1" strike="noStrike">
+              <a:solidFill>
+                <a:srgbClr val="000000"/>
+              </a:solidFill>
               <a:latin typeface="Arial"/>
             </a:endParaRPr>
           </a:p>
@@ -3007,12 +2943,14 @@
           </a:prstGeom>
         </p:spPr>
         <p:txBody>
-          <a:bodyPr lIns="0" tIns="0" rIns="0" bIns="0">
+          <a:bodyPr lIns="0" rIns="0" tIns="0" bIns="0">
             <a:normAutofit/>
           </a:bodyPr>
-          <a:lstStyle/>
-          <a:p>
-            <a:endParaRPr lang="pt-PT" sz="3200" b="0" strike="noStrike" spc="-1">
+          <a:p>
+            <a:endParaRPr b="0" lang="pt-PT" sz="2800" spc="-1" strike="noStrike">
+              <a:solidFill>
+                <a:srgbClr val="000000"/>
+              </a:solidFill>
               <a:latin typeface="Arial"/>
             </a:endParaRPr>
           </a:p>
@@ -3020,14 +2958,11 @@
       </p:sp>
     </p:spTree>
   </p:cSld>
-  <p:clrMapOvr>
-    <a:masterClrMapping/>
-  </p:clrMapOvr>
 </p:sldLayout>
 </file>
 
 <file path=ppt/slideLayouts/slideLayout33.xml><?xml version="1.0" encoding="utf-8"?>
-<p:sldLayout xmlns:a="http://schemas.openxmlformats.org/drawingml/2006/main" xmlns:r="http://schemas.openxmlformats.org/officeDocument/2006/relationships" xmlns:p="http://schemas.openxmlformats.org/presentationml/2006/main" type="twoObjOverTx" preserve="1">
+<p:sldLayout xmlns:a="http://schemas.openxmlformats.org/drawingml/2006/main" xmlns:p="http://schemas.openxmlformats.org/presentationml/2006/main" xmlns:r="http://schemas.openxmlformats.org/officeDocument/2006/relationships" xmlns:p14="http://schemas.microsoft.com/office/powerpoint/2010/main" xmlns:p15="http://schemas.microsoft.com/office/powerpoint/2012/main" xmlns:mc="http://schemas.openxmlformats.org/markup-compatibility/2006" type="twoObjOverTx" preserve="1">
   <p:cSld name="Title, 2 Content over Content">
     <p:spTree>
       <p:nvGrpSpPr>
@@ -3063,13 +2998,14 @@
           </a:prstGeom>
         </p:spPr>
         <p:txBody>
-          <a:bodyPr lIns="0" tIns="0" rIns="0" bIns="0" anchor="ctr">
+          <a:bodyPr lIns="0" rIns="0" tIns="0" bIns="0" anchor="ctr">
             <a:noAutofit/>
           </a:bodyPr>
-          <a:lstStyle/>
-          <a:p>
-            <a:pPr algn="ctr"/>
-            <a:endParaRPr lang="pt-PT" sz="4400" b="0" strike="noStrike" spc="-1">
+          <a:p>
+            <a:endParaRPr b="0" lang="pt-PT" sz="1800" spc="-1" strike="noStrike">
+              <a:solidFill>
+                <a:srgbClr val="000000"/>
+              </a:solidFill>
               <a:latin typeface="Arial"/>
             </a:endParaRPr>
           </a:p>
@@ -3095,12 +3031,14 @@
           </a:prstGeom>
         </p:spPr>
         <p:txBody>
-          <a:bodyPr lIns="0" tIns="0" rIns="0" bIns="0">
+          <a:bodyPr lIns="0" rIns="0" tIns="0" bIns="0">
             <a:normAutofit/>
           </a:bodyPr>
-          <a:lstStyle/>
-          <a:p>
-            <a:endParaRPr lang="pt-PT" sz="3200" b="0" strike="noStrike" spc="-1">
+          <a:p>
+            <a:endParaRPr b="0" lang="pt-PT" sz="2800" spc="-1" strike="noStrike">
+              <a:solidFill>
+                <a:srgbClr val="000000"/>
+              </a:solidFill>
               <a:latin typeface="Arial"/>
             </a:endParaRPr>
           </a:p>
@@ -3126,12 +3064,14 @@
           </a:prstGeom>
         </p:spPr>
         <p:txBody>
-          <a:bodyPr lIns="0" tIns="0" rIns="0" bIns="0">
+          <a:bodyPr lIns="0" rIns="0" tIns="0" bIns="0">
             <a:normAutofit/>
           </a:bodyPr>
-          <a:lstStyle/>
-          <a:p>
-            <a:endParaRPr lang="pt-PT" sz="3200" b="0" strike="noStrike" spc="-1">
+          <a:p>
+            <a:endParaRPr b="0" lang="pt-PT" sz="2800" spc="-1" strike="noStrike">
+              <a:solidFill>
+                <a:srgbClr val="000000"/>
+              </a:solidFill>
               <a:latin typeface="Arial"/>
             </a:endParaRPr>
           </a:p>
@@ -3157,12 +3097,14 @@
           </a:prstGeom>
         </p:spPr>
         <p:txBody>
-          <a:bodyPr lIns="0" tIns="0" rIns="0" bIns="0">
+          <a:bodyPr lIns="0" rIns="0" tIns="0" bIns="0">
             <a:normAutofit/>
           </a:bodyPr>
-          <a:lstStyle/>
-          <a:p>
-            <a:endParaRPr lang="pt-PT" sz="3200" b="0" strike="noStrike" spc="-1">
+          <a:p>
+            <a:endParaRPr b="0" lang="pt-PT" sz="2800" spc="-1" strike="noStrike">
+              <a:solidFill>
+                <a:srgbClr val="000000"/>
+              </a:solidFill>
               <a:latin typeface="Arial"/>
             </a:endParaRPr>
           </a:p>
@@ -3170,14 +3112,11 @@
       </p:sp>
     </p:spTree>
   </p:cSld>
-  <p:clrMapOvr>
-    <a:masterClrMapping/>
-  </p:clrMapOvr>
 </p:sldLayout>
 </file>
 
 <file path=ppt/slideLayouts/slideLayout34.xml><?xml version="1.0" encoding="utf-8"?>
-<p:sldLayout xmlns:a="http://schemas.openxmlformats.org/drawingml/2006/main" xmlns:r="http://schemas.openxmlformats.org/officeDocument/2006/relationships" xmlns:p="http://schemas.openxmlformats.org/presentationml/2006/main" type="objOverTx" preserve="1">
+<p:sldLayout xmlns:a="http://schemas.openxmlformats.org/drawingml/2006/main" xmlns:p="http://schemas.openxmlformats.org/presentationml/2006/main" xmlns:r="http://schemas.openxmlformats.org/officeDocument/2006/relationships" xmlns:p14="http://schemas.microsoft.com/office/powerpoint/2010/main" xmlns:p15="http://schemas.microsoft.com/office/powerpoint/2012/main" xmlns:mc="http://schemas.openxmlformats.org/markup-compatibility/2006" type="objOverTx" preserve="1">
   <p:cSld name="Title, Content over Content">
     <p:spTree>
       <p:nvGrpSpPr>
@@ -3213,13 +3152,14 @@
           </a:prstGeom>
         </p:spPr>
         <p:txBody>
-          <a:bodyPr lIns="0" tIns="0" rIns="0" bIns="0" anchor="ctr">
+          <a:bodyPr lIns="0" rIns="0" tIns="0" bIns="0" anchor="ctr">
             <a:noAutofit/>
           </a:bodyPr>
-          <a:lstStyle/>
-          <a:p>
-            <a:pPr algn="ctr"/>
-            <a:endParaRPr lang="pt-PT" sz="4400" b="0" strike="noStrike" spc="-1">
+          <a:p>
+            <a:endParaRPr b="0" lang="pt-PT" sz="1800" spc="-1" strike="noStrike">
+              <a:solidFill>
+                <a:srgbClr val="000000"/>
+              </a:solidFill>
               <a:latin typeface="Arial"/>
             </a:endParaRPr>
           </a:p>
@@ -3245,12 +3185,14 @@
           </a:prstGeom>
         </p:spPr>
         <p:txBody>
-          <a:bodyPr lIns="0" tIns="0" rIns="0" bIns="0">
+          <a:bodyPr lIns="0" rIns="0" tIns="0" bIns="0">
             <a:normAutofit/>
           </a:bodyPr>
-          <a:lstStyle/>
-          <a:p>
-            <a:endParaRPr lang="pt-PT" sz="3200" b="0" strike="noStrike" spc="-1">
+          <a:p>
+            <a:endParaRPr b="0" lang="pt-PT" sz="2800" spc="-1" strike="noStrike">
+              <a:solidFill>
+                <a:srgbClr val="000000"/>
+              </a:solidFill>
               <a:latin typeface="Arial"/>
             </a:endParaRPr>
           </a:p>
@@ -3276,12 +3218,14 @@
           </a:prstGeom>
         </p:spPr>
         <p:txBody>
-          <a:bodyPr lIns="0" tIns="0" rIns="0" bIns="0">
+          <a:bodyPr lIns="0" rIns="0" tIns="0" bIns="0">
             <a:normAutofit/>
           </a:bodyPr>
-          <a:lstStyle/>
-          <a:p>
-            <a:endParaRPr lang="pt-PT" sz="3200" b="0" strike="noStrike" spc="-1">
+          <a:p>
+            <a:endParaRPr b="0" lang="pt-PT" sz="2800" spc="-1" strike="noStrike">
+              <a:solidFill>
+                <a:srgbClr val="000000"/>
+              </a:solidFill>
               <a:latin typeface="Arial"/>
             </a:endParaRPr>
           </a:p>
@@ -3289,14 +3233,11 @@
       </p:sp>
     </p:spTree>
   </p:cSld>
-  <p:clrMapOvr>
-    <a:masterClrMapping/>
-  </p:clrMapOvr>
 </p:sldLayout>
 </file>
 
 <file path=ppt/slideLayouts/slideLayout35.xml><?xml version="1.0" encoding="utf-8"?>
-<p:sldLayout xmlns:a="http://schemas.openxmlformats.org/drawingml/2006/main" xmlns:r="http://schemas.openxmlformats.org/officeDocument/2006/relationships" xmlns:p="http://schemas.openxmlformats.org/presentationml/2006/main" type="fourObj" preserve="1">
+<p:sldLayout xmlns:a="http://schemas.openxmlformats.org/drawingml/2006/main" xmlns:p="http://schemas.openxmlformats.org/presentationml/2006/main" xmlns:r="http://schemas.openxmlformats.org/officeDocument/2006/relationships" xmlns:p14="http://schemas.microsoft.com/office/powerpoint/2010/main" xmlns:p15="http://schemas.microsoft.com/office/powerpoint/2012/main" xmlns:mc="http://schemas.openxmlformats.org/markup-compatibility/2006" type="fourObj" preserve="1">
   <p:cSld name="Title, 4 Content">
     <p:spTree>
       <p:nvGrpSpPr>
@@ -3332,13 +3273,14 @@
           </a:prstGeom>
         </p:spPr>
         <p:txBody>
-          <a:bodyPr lIns="0" tIns="0" rIns="0" bIns="0" anchor="ctr">
+          <a:bodyPr lIns="0" rIns="0" tIns="0" bIns="0" anchor="ctr">
             <a:noAutofit/>
           </a:bodyPr>
-          <a:lstStyle/>
-          <a:p>
-            <a:pPr algn="ctr"/>
-            <a:endParaRPr lang="pt-PT" sz="4400" b="0" strike="noStrike" spc="-1">
+          <a:p>
+            <a:endParaRPr b="0" lang="pt-PT" sz="1800" spc="-1" strike="noStrike">
+              <a:solidFill>
+                <a:srgbClr val="000000"/>
+              </a:solidFill>
               <a:latin typeface="Arial"/>
             </a:endParaRPr>
           </a:p>
@@ -3364,12 +3306,14 @@
           </a:prstGeom>
         </p:spPr>
         <p:txBody>
-          <a:bodyPr lIns="0" tIns="0" rIns="0" bIns="0">
+          <a:bodyPr lIns="0" rIns="0" tIns="0" bIns="0">
             <a:normAutofit/>
           </a:bodyPr>
-          <a:lstStyle/>
-          <a:p>
-            <a:endParaRPr lang="pt-PT" sz="3200" b="0" strike="noStrike" spc="-1">
+          <a:p>
+            <a:endParaRPr b="0" lang="pt-PT" sz="2800" spc="-1" strike="noStrike">
+              <a:solidFill>
+                <a:srgbClr val="000000"/>
+              </a:solidFill>
               <a:latin typeface="Arial"/>
             </a:endParaRPr>
           </a:p>
@@ -3395,12 +3339,14 @@
           </a:prstGeom>
         </p:spPr>
         <p:txBody>
-          <a:bodyPr lIns="0" tIns="0" rIns="0" bIns="0">
+          <a:bodyPr lIns="0" rIns="0" tIns="0" bIns="0">
             <a:normAutofit/>
           </a:bodyPr>
-          <a:lstStyle/>
-          <a:p>
-            <a:endParaRPr lang="pt-PT" sz="3200" b="0" strike="noStrike" spc="-1">
+          <a:p>
+            <a:endParaRPr b="0" lang="pt-PT" sz="2800" spc="-1" strike="noStrike">
+              <a:solidFill>
+                <a:srgbClr val="000000"/>
+              </a:solidFill>
               <a:latin typeface="Arial"/>
             </a:endParaRPr>
           </a:p>
@@ -3426,12 +3372,14 @@
           </a:prstGeom>
         </p:spPr>
         <p:txBody>
-          <a:bodyPr lIns="0" tIns="0" rIns="0" bIns="0">
+          <a:bodyPr lIns="0" rIns="0" tIns="0" bIns="0">
             <a:normAutofit/>
           </a:bodyPr>
-          <a:lstStyle/>
-          <a:p>
-            <a:endParaRPr lang="pt-PT" sz="3200" b="0" strike="noStrike" spc="-1">
+          <a:p>
+            <a:endParaRPr b="0" lang="pt-PT" sz="2800" spc="-1" strike="noStrike">
+              <a:solidFill>
+                <a:srgbClr val="000000"/>
+              </a:solidFill>
               <a:latin typeface="Arial"/>
             </a:endParaRPr>
           </a:p>
@@ -3457,12 +3405,14 @@
           </a:prstGeom>
         </p:spPr>
         <p:txBody>
-          <a:bodyPr lIns="0" tIns="0" rIns="0" bIns="0">
+          <a:bodyPr lIns="0" rIns="0" tIns="0" bIns="0">
             <a:normAutofit/>
           </a:bodyPr>
-          <a:lstStyle/>
-          <a:p>
-            <a:endParaRPr lang="pt-PT" sz="3200" b="0" strike="noStrike" spc="-1">
+          <a:p>
+            <a:endParaRPr b="0" lang="pt-PT" sz="2800" spc="-1" strike="noStrike">
+              <a:solidFill>
+                <a:srgbClr val="000000"/>
+              </a:solidFill>
               <a:latin typeface="Arial"/>
             </a:endParaRPr>
           </a:p>
@@ -3470,14 +3420,11 @@
       </p:sp>
     </p:spTree>
   </p:cSld>
-  <p:clrMapOvr>
-    <a:masterClrMapping/>
-  </p:clrMapOvr>
 </p:sldLayout>
 </file>
 
 <file path=ppt/slideLayouts/slideLayout36.xml><?xml version="1.0" encoding="utf-8"?>
-<p:sldLayout xmlns:a="http://schemas.openxmlformats.org/drawingml/2006/main" xmlns:r="http://schemas.openxmlformats.org/officeDocument/2006/relationships" xmlns:p="http://schemas.openxmlformats.org/presentationml/2006/main" type="blank" preserve="1">
+<p:sldLayout xmlns:a="http://schemas.openxmlformats.org/drawingml/2006/main" xmlns:p="http://schemas.openxmlformats.org/presentationml/2006/main" xmlns:r="http://schemas.openxmlformats.org/officeDocument/2006/relationships" xmlns:p14="http://schemas.microsoft.com/office/powerpoint/2010/main" xmlns:p15="http://schemas.microsoft.com/office/powerpoint/2012/main" xmlns:mc="http://schemas.openxmlformats.org/markup-compatibility/2006" type="blank" preserve="1">
   <p:cSld name="Title, 6 Content">
     <p:spTree>
       <p:nvGrpSpPr>
@@ -3513,13 +3460,14 @@
           </a:prstGeom>
         </p:spPr>
         <p:txBody>
-          <a:bodyPr lIns="0" tIns="0" rIns="0" bIns="0" anchor="ctr">
+          <a:bodyPr lIns="0" rIns="0" tIns="0" bIns="0" anchor="ctr">
             <a:noAutofit/>
           </a:bodyPr>
-          <a:lstStyle/>
-          <a:p>
-            <a:pPr algn="ctr"/>
-            <a:endParaRPr lang="pt-PT" sz="4400" b="0" strike="noStrike" spc="-1">
+          <a:p>
+            <a:endParaRPr b="0" lang="pt-PT" sz="1800" spc="-1" strike="noStrike">
+              <a:solidFill>
+                <a:srgbClr val="000000"/>
+              </a:solidFill>
               <a:latin typeface="Arial"/>
             </a:endParaRPr>
           </a:p>
@@ -3545,12 +3493,14 @@
           </a:prstGeom>
         </p:spPr>
         <p:txBody>
-          <a:bodyPr lIns="0" tIns="0" rIns="0" bIns="0">
+          <a:bodyPr lIns="0" rIns="0" tIns="0" bIns="0">
             <a:normAutofit/>
           </a:bodyPr>
-          <a:lstStyle/>
-          <a:p>
-            <a:endParaRPr lang="pt-PT" sz="3200" b="0" strike="noStrike" spc="-1">
+          <a:p>
+            <a:endParaRPr b="0" lang="pt-PT" sz="2800" spc="-1" strike="noStrike">
+              <a:solidFill>
+                <a:srgbClr val="000000"/>
+              </a:solidFill>
               <a:latin typeface="Arial"/>
             </a:endParaRPr>
           </a:p>
@@ -3576,12 +3526,14 @@
           </a:prstGeom>
         </p:spPr>
         <p:txBody>
-          <a:bodyPr lIns="0" tIns="0" rIns="0" bIns="0">
+          <a:bodyPr lIns="0" rIns="0" tIns="0" bIns="0">
             <a:normAutofit/>
           </a:bodyPr>
-          <a:lstStyle/>
-          <a:p>
-            <a:endParaRPr lang="pt-PT" sz="3200" b="0" strike="noStrike" spc="-1">
+          <a:p>
+            <a:endParaRPr b="0" lang="pt-PT" sz="2800" spc="-1" strike="noStrike">
+              <a:solidFill>
+                <a:srgbClr val="000000"/>
+              </a:solidFill>
               <a:latin typeface="Arial"/>
             </a:endParaRPr>
           </a:p>
@@ -3607,12 +3559,14 @@
           </a:prstGeom>
         </p:spPr>
         <p:txBody>
-          <a:bodyPr lIns="0" tIns="0" rIns="0" bIns="0">
+          <a:bodyPr lIns="0" rIns="0" tIns="0" bIns="0">
             <a:normAutofit/>
           </a:bodyPr>
-          <a:lstStyle/>
-          <a:p>
-            <a:endParaRPr lang="pt-PT" sz="3200" b="0" strike="noStrike" spc="-1">
+          <a:p>
+            <a:endParaRPr b="0" lang="pt-PT" sz="2800" spc="-1" strike="noStrike">
+              <a:solidFill>
+                <a:srgbClr val="000000"/>
+              </a:solidFill>
               <a:latin typeface="Arial"/>
             </a:endParaRPr>
           </a:p>
@@ -3638,12 +3592,14 @@
           </a:prstGeom>
         </p:spPr>
         <p:txBody>
-          <a:bodyPr lIns="0" tIns="0" rIns="0" bIns="0">
+          <a:bodyPr lIns="0" rIns="0" tIns="0" bIns="0">
             <a:normAutofit/>
           </a:bodyPr>
-          <a:lstStyle/>
-          <a:p>
-            <a:endParaRPr lang="pt-PT" sz="3200" b="0" strike="noStrike" spc="-1">
+          <a:p>
+            <a:endParaRPr b="0" lang="pt-PT" sz="2800" spc="-1" strike="noStrike">
+              <a:solidFill>
+                <a:srgbClr val="000000"/>
+              </a:solidFill>
               <a:latin typeface="Arial"/>
             </a:endParaRPr>
           </a:p>
@@ -3669,12 +3625,14 @@
           </a:prstGeom>
         </p:spPr>
         <p:txBody>
-          <a:bodyPr lIns="0" tIns="0" rIns="0" bIns="0">
+          <a:bodyPr lIns="0" rIns="0" tIns="0" bIns="0">
             <a:normAutofit/>
           </a:bodyPr>
-          <a:lstStyle/>
-          <a:p>
-            <a:endParaRPr lang="pt-PT" sz="3200" b="0" strike="noStrike" spc="-1">
+          <a:p>
+            <a:endParaRPr b="0" lang="pt-PT" sz="2800" spc="-1" strike="noStrike">
+              <a:solidFill>
+                <a:srgbClr val="000000"/>
+              </a:solidFill>
               <a:latin typeface="Arial"/>
             </a:endParaRPr>
           </a:p>
@@ -3700,12 +3658,14 @@
           </a:prstGeom>
         </p:spPr>
         <p:txBody>
-          <a:bodyPr lIns="0" tIns="0" rIns="0" bIns="0">
+          <a:bodyPr lIns="0" rIns="0" tIns="0" bIns="0">
             <a:normAutofit/>
           </a:bodyPr>
-          <a:lstStyle/>
-          <a:p>
-            <a:endParaRPr lang="pt-PT" sz="3200" b="0" strike="noStrike" spc="-1">
+          <a:p>
+            <a:endParaRPr b="0" lang="pt-PT" sz="2800" spc="-1" strike="noStrike">
+              <a:solidFill>
+                <a:srgbClr val="000000"/>
+              </a:solidFill>
               <a:latin typeface="Arial"/>
             </a:endParaRPr>
           </a:p>
@@ -3713,14 +3673,11 @@
       </p:sp>
     </p:spTree>
   </p:cSld>
-  <p:clrMapOvr>
-    <a:masterClrMapping/>
-  </p:clrMapOvr>
 </p:sldLayout>
 </file>
 
 <file path=ppt/slideLayouts/slideLayout4.xml><?xml version="1.0" encoding="utf-8"?>
-<p:sldLayout xmlns:a="http://schemas.openxmlformats.org/drawingml/2006/main" xmlns:r="http://schemas.openxmlformats.org/officeDocument/2006/relationships" xmlns:p="http://schemas.openxmlformats.org/presentationml/2006/main" type="twoObj" preserve="1">
+<p:sldLayout xmlns:a="http://schemas.openxmlformats.org/drawingml/2006/main" xmlns:p="http://schemas.openxmlformats.org/presentationml/2006/main" xmlns:r="http://schemas.openxmlformats.org/officeDocument/2006/relationships" xmlns:p14="http://schemas.microsoft.com/office/powerpoint/2010/main" xmlns:p15="http://schemas.microsoft.com/office/powerpoint/2012/main" xmlns:mc="http://schemas.openxmlformats.org/markup-compatibility/2006" type="twoObj" preserve="1">
   <p:cSld name="Title, 2 Content">
     <p:spTree>
       <p:nvGrpSpPr>
@@ -3756,13 +3713,14 @@
           </a:prstGeom>
         </p:spPr>
         <p:txBody>
-          <a:bodyPr lIns="0" tIns="0" rIns="0" bIns="0" anchor="ctr">
+          <a:bodyPr lIns="0" rIns="0" tIns="0" bIns="0" anchor="ctr">
             <a:noAutofit/>
           </a:bodyPr>
-          <a:lstStyle/>
-          <a:p>
-            <a:pPr algn="ctr"/>
-            <a:endParaRPr lang="pt-PT" sz="4400" b="0" strike="noStrike" spc="-1">
+          <a:p>
+            <a:endParaRPr b="0" lang="pt-PT" sz="1800" spc="-1" strike="noStrike">
+              <a:solidFill>
+                <a:srgbClr val="000000"/>
+              </a:solidFill>
               <a:latin typeface="Arial"/>
             </a:endParaRPr>
           </a:p>
@@ -3788,12 +3746,14 @@
           </a:prstGeom>
         </p:spPr>
         <p:txBody>
-          <a:bodyPr lIns="0" tIns="0" rIns="0" bIns="0">
+          <a:bodyPr lIns="0" rIns="0" tIns="0" bIns="0">
             <a:normAutofit/>
           </a:bodyPr>
-          <a:lstStyle/>
-          <a:p>
-            <a:endParaRPr lang="pt-PT" sz="3200" b="0" strike="noStrike" spc="-1">
+          <a:p>
+            <a:endParaRPr b="0" lang="pt-PT" sz="2800" spc="-1" strike="noStrike">
+              <a:solidFill>
+                <a:srgbClr val="000000"/>
+              </a:solidFill>
               <a:latin typeface="Arial"/>
             </a:endParaRPr>
           </a:p>
@@ -3819,12 +3779,14 @@
           </a:prstGeom>
         </p:spPr>
         <p:txBody>
-          <a:bodyPr lIns="0" tIns="0" rIns="0" bIns="0">
+          <a:bodyPr lIns="0" rIns="0" tIns="0" bIns="0">
             <a:normAutofit/>
           </a:bodyPr>
-          <a:lstStyle/>
-          <a:p>
-            <a:endParaRPr lang="pt-PT" sz="3200" b="0" strike="noStrike" spc="-1">
+          <a:p>
+            <a:endParaRPr b="0" lang="pt-PT" sz="2800" spc="-1" strike="noStrike">
+              <a:solidFill>
+                <a:srgbClr val="000000"/>
+              </a:solidFill>
               <a:latin typeface="Arial"/>
             </a:endParaRPr>
           </a:p>
@@ -3832,14 +3794,11 @@
       </p:sp>
     </p:spTree>
   </p:cSld>
-  <p:clrMapOvr>
-    <a:masterClrMapping/>
-  </p:clrMapOvr>
 </p:sldLayout>
 </file>
 
 <file path=ppt/slideLayouts/slideLayout5.xml><?xml version="1.0" encoding="utf-8"?>
-<p:sldLayout xmlns:a="http://schemas.openxmlformats.org/drawingml/2006/main" xmlns:r="http://schemas.openxmlformats.org/officeDocument/2006/relationships" xmlns:p="http://schemas.openxmlformats.org/presentationml/2006/main" type="titleOnly" preserve="1">
+<p:sldLayout xmlns:a="http://schemas.openxmlformats.org/drawingml/2006/main" xmlns:p="http://schemas.openxmlformats.org/presentationml/2006/main" xmlns:r="http://schemas.openxmlformats.org/officeDocument/2006/relationships" xmlns:p14="http://schemas.microsoft.com/office/powerpoint/2010/main" xmlns:p15="http://schemas.microsoft.com/office/powerpoint/2012/main" xmlns:mc="http://schemas.openxmlformats.org/markup-compatibility/2006" type="titleOnly" preserve="1">
   <p:cSld name="Title Only">
     <p:spTree>
       <p:nvGrpSpPr>
@@ -3875,13 +3834,14 @@
           </a:prstGeom>
         </p:spPr>
         <p:txBody>
-          <a:bodyPr lIns="0" tIns="0" rIns="0" bIns="0" anchor="ctr">
+          <a:bodyPr lIns="0" rIns="0" tIns="0" bIns="0" anchor="ctr">
             <a:noAutofit/>
           </a:bodyPr>
-          <a:lstStyle/>
-          <a:p>
-            <a:pPr algn="ctr"/>
-            <a:endParaRPr lang="pt-PT" sz="4400" b="0" strike="noStrike" spc="-1">
+          <a:p>
+            <a:endParaRPr b="0" lang="pt-PT" sz="1800" spc="-1" strike="noStrike">
+              <a:solidFill>
+                <a:srgbClr val="000000"/>
+              </a:solidFill>
               <a:latin typeface="Arial"/>
             </a:endParaRPr>
           </a:p>
@@ -3889,14 +3849,11 @@
       </p:sp>
     </p:spTree>
   </p:cSld>
-  <p:clrMapOvr>
-    <a:masterClrMapping/>
-  </p:clrMapOvr>
 </p:sldLayout>
 </file>
 
 <file path=ppt/slideLayouts/slideLayout6.xml><?xml version="1.0" encoding="utf-8"?>
-<p:sldLayout xmlns:a="http://schemas.openxmlformats.org/drawingml/2006/main" xmlns:r="http://schemas.openxmlformats.org/officeDocument/2006/relationships" xmlns:p="http://schemas.openxmlformats.org/presentationml/2006/main" type="objOnly" preserve="1">
+<p:sldLayout xmlns:a="http://schemas.openxmlformats.org/drawingml/2006/main" xmlns:p="http://schemas.openxmlformats.org/presentationml/2006/main" xmlns:r="http://schemas.openxmlformats.org/officeDocument/2006/relationships" xmlns:p14="http://schemas.microsoft.com/office/powerpoint/2010/main" xmlns:p15="http://schemas.microsoft.com/office/powerpoint/2012/main" xmlns:mc="http://schemas.openxmlformats.org/markup-compatibility/2006" type="objOnly" preserve="1">
   <p:cSld name="Centered Text">
     <p:spTree>
       <p:nvGrpSpPr>
@@ -3932,13 +3889,12 @@
           </a:prstGeom>
         </p:spPr>
         <p:txBody>
-          <a:bodyPr lIns="0" tIns="0" rIns="0" bIns="0" anchor="ctr">
+          <a:bodyPr lIns="0" rIns="0" tIns="0" bIns="0" anchor="ctr">
             <a:noAutofit/>
           </a:bodyPr>
-          <a:lstStyle/>
           <a:p>
             <a:pPr algn="ctr"/>
-            <a:endParaRPr lang="pt-PT" sz="3200" b="0" strike="noStrike" spc="-1">
+            <a:endParaRPr b="0" lang="pt-PT" sz="3200" spc="-1" strike="noStrike">
               <a:latin typeface="Arial"/>
             </a:endParaRPr>
           </a:p>
@@ -3946,14 +3902,11 @@
       </p:sp>
     </p:spTree>
   </p:cSld>
-  <p:clrMapOvr>
-    <a:masterClrMapping/>
-  </p:clrMapOvr>
 </p:sldLayout>
 </file>
 
 <file path=ppt/slideLayouts/slideLayout7.xml><?xml version="1.0" encoding="utf-8"?>
-<p:sldLayout xmlns:a="http://schemas.openxmlformats.org/drawingml/2006/main" xmlns:r="http://schemas.openxmlformats.org/officeDocument/2006/relationships" xmlns:p="http://schemas.openxmlformats.org/presentationml/2006/main" type="twoObjAndObj" preserve="1">
+<p:sldLayout xmlns:a="http://schemas.openxmlformats.org/drawingml/2006/main" xmlns:p="http://schemas.openxmlformats.org/presentationml/2006/main" xmlns:r="http://schemas.openxmlformats.org/officeDocument/2006/relationships" xmlns:p14="http://schemas.microsoft.com/office/powerpoint/2010/main" xmlns:p15="http://schemas.microsoft.com/office/powerpoint/2012/main" xmlns:mc="http://schemas.openxmlformats.org/markup-compatibility/2006" type="twoObjAndObj" preserve="1">
   <p:cSld name="Title, 2 Content and Content">
     <p:spTree>
       <p:nvGrpSpPr>
@@ -3989,13 +3942,14 @@
           </a:prstGeom>
         </p:spPr>
         <p:txBody>
-          <a:bodyPr lIns="0" tIns="0" rIns="0" bIns="0" anchor="ctr">
+          <a:bodyPr lIns="0" rIns="0" tIns="0" bIns="0" anchor="ctr">
             <a:noAutofit/>
           </a:bodyPr>
-          <a:lstStyle/>
-          <a:p>
-            <a:pPr algn="ctr"/>
-            <a:endParaRPr lang="pt-PT" sz="4400" b="0" strike="noStrike" spc="-1">
+          <a:p>
+            <a:endParaRPr b="0" lang="pt-PT" sz="1800" spc="-1" strike="noStrike">
+              <a:solidFill>
+                <a:srgbClr val="000000"/>
+              </a:solidFill>
               <a:latin typeface="Arial"/>
             </a:endParaRPr>
           </a:p>
@@ -4021,12 +3975,14 @@
           </a:prstGeom>
         </p:spPr>
         <p:txBody>
-          <a:bodyPr lIns="0" tIns="0" rIns="0" bIns="0">
+          <a:bodyPr lIns="0" rIns="0" tIns="0" bIns="0">
             <a:normAutofit/>
           </a:bodyPr>
-          <a:lstStyle/>
-          <a:p>
-            <a:endParaRPr lang="pt-PT" sz="3200" b="0" strike="noStrike" spc="-1">
+          <a:p>
+            <a:endParaRPr b="0" lang="pt-PT" sz="2800" spc="-1" strike="noStrike">
+              <a:solidFill>
+                <a:srgbClr val="000000"/>
+              </a:solidFill>
               <a:latin typeface="Arial"/>
             </a:endParaRPr>
           </a:p>
@@ -4052,12 +4008,14 @@
           </a:prstGeom>
         </p:spPr>
         <p:txBody>
-          <a:bodyPr lIns="0" tIns="0" rIns="0" bIns="0">
+          <a:bodyPr lIns="0" rIns="0" tIns="0" bIns="0">
             <a:normAutofit/>
           </a:bodyPr>
-          <a:lstStyle/>
-          <a:p>
-            <a:endParaRPr lang="pt-PT" sz="3200" b="0" strike="noStrike" spc="-1">
+          <a:p>
+            <a:endParaRPr b="0" lang="pt-PT" sz="2800" spc="-1" strike="noStrike">
+              <a:solidFill>
+                <a:srgbClr val="000000"/>
+              </a:solidFill>
               <a:latin typeface="Arial"/>
             </a:endParaRPr>
           </a:p>
@@ -4083,12 +4041,14 @@
           </a:prstGeom>
         </p:spPr>
         <p:txBody>
-          <a:bodyPr lIns="0" tIns="0" rIns="0" bIns="0">
+          <a:bodyPr lIns="0" rIns="0" tIns="0" bIns="0">
             <a:normAutofit/>
           </a:bodyPr>
-          <a:lstStyle/>
-          <a:p>
-            <a:endParaRPr lang="pt-PT" sz="3200" b="0" strike="noStrike" spc="-1">
+          <a:p>
+            <a:endParaRPr b="0" lang="pt-PT" sz="2800" spc="-1" strike="noStrike">
+              <a:solidFill>
+                <a:srgbClr val="000000"/>
+              </a:solidFill>
               <a:latin typeface="Arial"/>
             </a:endParaRPr>
           </a:p>
@@ -4096,14 +4056,11 @@
       </p:sp>
     </p:spTree>
   </p:cSld>
-  <p:clrMapOvr>
-    <a:masterClrMapping/>
-  </p:clrMapOvr>
 </p:sldLayout>
 </file>
 
 <file path=ppt/slideLayouts/slideLayout8.xml><?xml version="1.0" encoding="utf-8"?>
-<p:sldLayout xmlns:a="http://schemas.openxmlformats.org/drawingml/2006/main" xmlns:r="http://schemas.openxmlformats.org/officeDocument/2006/relationships" xmlns:p="http://schemas.openxmlformats.org/presentationml/2006/main" type="objAndTwoObj" preserve="1">
+<p:sldLayout xmlns:a="http://schemas.openxmlformats.org/drawingml/2006/main" xmlns:p="http://schemas.openxmlformats.org/presentationml/2006/main" xmlns:r="http://schemas.openxmlformats.org/officeDocument/2006/relationships" xmlns:p14="http://schemas.microsoft.com/office/powerpoint/2010/main" xmlns:p15="http://schemas.microsoft.com/office/powerpoint/2012/main" xmlns:mc="http://schemas.openxmlformats.org/markup-compatibility/2006" type="objAndTwoObj" preserve="1">
   <p:cSld name="Title Content and 2 Content">
     <p:spTree>
       <p:nvGrpSpPr>
@@ -4139,13 +4096,14 @@
           </a:prstGeom>
         </p:spPr>
         <p:txBody>
-          <a:bodyPr lIns="0" tIns="0" rIns="0" bIns="0" anchor="ctr">
+          <a:bodyPr lIns="0" rIns="0" tIns="0" bIns="0" anchor="ctr">
             <a:noAutofit/>
           </a:bodyPr>
-          <a:lstStyle/>
-          <a:p>
-            <a:pPr algn="ctr"/>
-            <a:endParaRPr lang="pt-PT" sz="4400" b="0" strike="noStrike" spc="-1">
+          <a:p>
+            <a:endParaRPr b="0" lang="pt-PT" sz="1800" spc="-1" strike="noStrike">
+              <a:solidFill>
+                <a:srgbClr val="000000"/>
+              </a:solidFill>
               <a:latin typeface="Arial"/>
             </a:endParaRPr>
           </a:p>
@@ -4171,12 +4129,14 @@
           </a:prstGeom>
         </p:spPr>
         <p:txBody>
-          <a:bodyPr lIns="0" tIns="0" rIns="0" bIns="0">
+          <a:bodyPr lIns="0" rIns="0" tIns="0" bIns="0">
             <a:normAutofit/>
           </a:bodyPr>
-          <a:lstStyle/>
-          <a:p>
-            <a:endParaRPr lang="pt-PT" sz="3200" b="0" strike="noStrike" spc="-1">
+          <a:p>
+            <a:endParaRPr b="0" lang="pt-PT" sz="2800" spc="-1" strike="noStrike">
+              <a:solidFill>
+                <a:srgbClr val="000000"/>
+              </a:solidFill>
               <a:latin typeface="Arial"/>
             </a:endParaRPr>
           </a:p>
@@ -4202,12 +4162,14 @@
           </a:prstGeom>
         </p:spPr>
         <p:txBody>
-          <a:bodyPr lIns="0" tIns="0" rIns="0" bIns="0">
+          <a:bodyPr lIns="0" rIns="0" tIns="0" bIns="0">
             <a:normAutofit/>
           </a:bodyPr>
-          <a:lstStyle/>
-          <a:p>
-            <a:endParaRPr lang="pt-PT" sz="3200" b="0" strike="noStrike" spc="-1">
+          <a:p>
+            <a:endParaRPr b="0" lang="pt-PT" sz="2800" spc="-1" strike="noStrike">
+              <a:solidFill>
+                <a:srgbClr val="000000"/>
+              </a:solidFill>
               <a:latin typeface="Arial"/>
             </a:endParaRPr>
           </a:p>
@@ -4233,12 +4195,14 @@
           </a:prstGeom>
         </p:spPr>
         <p:txBody>
-          <a:bodyPr lIns="0" tIns="0" rIns="0" bIns="0">
+          <a:bodyPr lIns="0" rIns="0" tIns="0" bIns="0">
             <a:normAutofit/>
           </a:bodyPr>
-          <a:lstStyle/>
-          <a:p>
-            <a:endParaRPr lang="pt-PT" sz="3200" b="0" strike="noStrike" spc="-1">
+          <a:p>
+            <a:endParaRPr b="0" lang="pt-PT" sz="2800" spc="-1" strike="noStrike">
+              <a:solidFill>
+                <a:srgbClr val="000000"/>
+              </a:solidFill>
               <a:latin typeface="Arial"/>
             </a:endParaRPr>
           </a:p>
@@ -4246,14 +4210,11 @@
       </p:sp>
     </p:spTree>
   </p:cSld>
-  <p:clrMapOvr>
-    <a:masterClrMapping/>
-  </p:clrMapOvr>
 </p:sldLayout>
 </file>
 
 <file path=ppt/slideLayouts/slideLayout9.xml><?xml version="1.0" encoding="utf-8"?>
-<p:sldLayout xmlns:a="http://schemas.openxmlformats.org/drawingml/2006/main" xmlns:r="http://schemas.openxmlformats.org/officeDocument/2006/relationships" xmlns:p="http://schemas.openxmlformats.org/presentationml/2006/main" type="twoObjOverTx" preserve="1">
+<p:sldLayout xmlns:a="http://schemas.openxmlformats.org/drawingml/2006/main" xmlns:p="http://schemas.openxmlformats.org/presentationml/2006/main" xmlns:r="http://schemas.openxmlformats.org/officeDocument/2006/relationships" xmlns:p14="http://schemas.microsoft.com/office/powerpoint/2010/main" xmlns:p15="http://schemas.microsoft.com/office/powerpoint/2012/main" xmlns:mc="http://schemas.openxmlformats.org/markup-compatibility/2006" type="twoObjOverTx" preserve="1">
   <p:cSld name="Title, 2 Content over Content">
     <p:spTree>
       <p:nvGrpSpPr>
@@ -4289,13 +4250,14 @@
           </a:prstGeom>
         </p:spPr>
         <p:txBody>
-          <a:bodyPr lIns="0" tIns="0" rIns="0" bIns="0" anchor="ctr">
+          <a:bodyPr lIns="0" rIns="0" tIns="0" bIns="0" anchor="ctr">
             <a:noAutofit/>
           </a:bodyPr>
-          <a:lstStyle/>
-          <a:p>
-            <a:pPr algn="ctr"/>
-            <a:endParaRPr lang="pt-PT" sz="4400" b="0" strike="noStrike" spc="-1">
+          <a:p>
+            <a:endParaRPr b="0" lang="pt-PT" sz="1800" spc="-1" strike="noStrike">
+              <a:solidFill>
+                <a:srgbClr val="000000"/>
+              </a:solidFill>
               <a:latin typeface="Arial"/>
             </a:endParaRPr>
           </a:p>
@@ -4321,12 +4283,14 @@
           </a:prstGeom>
         </p:spPr>
         <p:txBody>
-          <a:bodyPr lIns="0" tIns="0" rIns="0" bIns="0">
+          <a:bodyPr lIns="0" rIns="0" tIns="0" bIns="0">
             <a:normAutofit/>
           </a:bodyPr>
-          <a:lstStyle/>
-          <a:p>
-            <a:endParaRPr lang="pt-PT" sz="3200" b="0" strike="noStrike" spc="-1">
+          <a:p>
+            <a:endParaRPr b="0" lang="pt-PT" sz="2800" spc="-1" strike="noStrike">
+              <a:solidFill>
+                <a:srgbClr val="000000"/>
+              </a:solidFill>
               <a:latin typeface="Arial"/>
             </a:endParaRPr>
           </a:p>
@@ -4352,12 +4316,14 @@
           </a:prstGeom>
         </p:spPr>
         <p:txBody>
-          <a:bodyPr lIns="0" tIns="0" rIns="0" bIns="0">
+          <a:bodyPr lIns="0" rIns="0" tIns="0" bIns="0">
             <a:normAutofit/>
           </a:bodyPr>
-          <a:lstStyle/>
-          <a:p>
-            <a:endParaRPr lang="pt-PT" sz="3200" b="0" strike="noStrike" spc="-1">
+          <a:p>
+            <a:endParaRPr b="0" lang="pt-PT" sz="2800" spc="-1" strike="noStrike">
+              <a:solidFill>
+                <a:srgbClr val="000000"/>
+              </a:solidFill>
               <a:latin typeface="Arial"/>
             </a:endParaRPr>
           </a:p>
@@ -4383,12 +4349,14 @@
           </a:prstGeom>
         </p:spPr>
         <p:txBody>
-          <a:bodyPr lIns="0" tIns="0" rIns="0" bIns="0">
+          <a:bodyPr lIns="0" rIns="0" tIns="0" bIns="0">
             <a:normAutofit/>
           </a:bodyPr>
-          <a:lstStyle/>
-          <a:p>
-            <a:endParaRPr lang="pt-PT" sz="3200" b="0" strike="noStrike" spc="-1">
+          <a:p>
+            <a:endParaRPr b="0" lang="pt-PT" sz="2800" spc="-1" strike="noStrike">
+              <a:solidFill>
+                <a:srgbClr val="000000"/>
+              </a:solidFill>
               <a:latin typeface="Arial"/>
             </a:endParaRPr>
           </a:p>
@@ -4396,21 +4364,17 @@
       </p:sp>
     </p:spTree>
   </p:cSld>
-  <p:clrMapOvr>
-    <a:masterClrMapping/>
-  </p:clrMapOvr>
 </p:sldLayout>
 </file>
 
 <file path=ppt/slideMasters/slideMaster1.xml><?xml version="1.0" encoding="utf-8"?>
-<p:sldMaster xmlns:a="http://schemas.openxmlformats.org/drawingml/2006/main" xmlns:r="http://schemas.openxmlformats.org/officeDocument/2006/relationships" xmlns:p="http://schemas.openxmlformats.org/presentationml/2006/main">
+<p:sldMaster xmlns:a="http://schemas.openxmlformats.org/drawingml/2006/main" xmlns:p="http://schemas.openxmlformats.org/presentationml/2006/main" xmlns:r="http://schemas.openxmlformats.org/officeDocument/2006/relationships" xmlns:p14="http://schemas.microsoft.com/office/powerpoint/2010/main" xmlns:p15="http://schemas.microsoft.com/office/powerpoint/2012/main" xmlns:mc="http://schemas.openxmlformats.org/markup-compatibility/2006">
   <p:cSld>
     <p:bg>
       <p:bgPr>
         <a:solidFill>
-          <a:srgbClr val="FFFFFF"/>
+          <a:srgbClr val="ffffff"/>
         </a:solidFill>
-        <a:effectLst/>
       </p:bgPr>
     </p:bg>
     <p:spTree>
@@ -4429,7 +4393,7 @@
       </p:grpSpPr>
       <p:sp>
         <p:nvSpPr>
-          <p:cNvPr id="2" name="PlaceHolder 1"/>
+          <p:cNvPr id="0" name="PlaceHolder 1"/>
           <p:cNvSpPr>
             <a:spLocks noGrp="1"/>
           </p:cNvSpPr>
@@ -4440,30 +4404,38 @@
         <p:spPr>
           <a:xfrm>
             <a:off x="609480" y="273600"/>
-            <a:ext cx="10972080" cy="1144440"/>
-          </a:xfrm>
-          <a:prstGeom prst="rect">
-            <a:avLst/>
-          </a:prstGeom>
-        </p:spPr>
-        <p:txBody>
-          <a:bodyPr lIns="0" tIns="0" rIns="0" bIns="0" anchor="ctr">
+            <a:ext cx="10972440" cy="1144800"/>
+          </a:xfrm>
+          <a:prstGeom prst="rect">
+            <a:avLst/>
+          </a:prstGeom>
+        </p:spPr>
+        <p:txBody>
+          <a:bodyPr lIns="0" rIns="0" tIns="0" bIns="0" anchor="ctr">
             <a:noAutofit/>
           </a:bodyPr>
-          <a:lstStyle/>
           <a:p>
             <a:r>
-              <a:rPr lang="pt-PT" sz="1800" b="0" strike="noStrike" spc="-1">
+              <a:rPr b="0" lang="pt-PT" sz="1800" spc="-1" strike="noStrike">
+                <a:solidFill>
+                  <a:srgbClr val="000000"/>
+                </a:solidFill>
                 <a:latin typeface="Arial"/>
               </a:rPr>
               <a:t>Clique para editar o formato do título</a:t>
             </a:r>
-          </a:p>
-        </p:txBody>
-      </p:sp>
-      <p:sp>
-        <p:nvSpPr>
-          <p:cNvPr id="3" name="PlaceHolder 2"/>
+            <a:endParaRPr b="0" lang="pt-PT" sz="1800" spc="-1" strike="noStrike">
+              <a:solidFill>
+                <a:srgbClr val="000000"/>
+              </a:solidFill>
+              <a:latin typeface="Arial"/>
+            </a:endParaRPr>
+          </a:p>
+        </p:txBody>
+      </p:sp>
+      <p:sp>
+        <p:nvSpPr>
+          <p:cNvPr id="1" name="PlaceHolder 2"/>
           <p:cNvSpPr>
             <a:spLocks noGrp="1"/>
           </p:cNvSpPr>
@@ -4474,17 +4446,16 @@
         <p:spPr>
           <a:xfrm>
             <a:off x="609480" y="1604520"/>
-            <a:ext cx="10972080" cy="3976920"/>
-          </a:xfrm>
-          <a:prstGeom prst="rect">
-            <a:avLst/>
-          </a:prstGeom>
-        </p:spPr>
-        <p:txBody>
-          <a:bodyPr lIns="0" tIns="0" rIns="0" bIns="0">
+            <a:ext cx="10972440" cy="3977280"/>
+          </a:xfrm>
+          <a:prstGeom prst="rect">
+            <a:avLst/>
+          </a:prstGeom>
+        </p:spPr>
+        <p:txBody>
+          <a:bodyPr lIns="0" rIns="0" tIns="0" bIns="0">
             <a:normAutofit/>
           </a:bodyPr>
-          <a:lstStyle/>
           <a:p>
             <a:pPr marL="432000" indent="-324000">
               <a:spcBef>
@@ -4498,14 +4469,23 @@
               <a:buChar char=""/>
             </a:pPr>
             <a:r>
-              <a:rPr lang="pt-PT" sz="1800" b="0" strike="noStrike" spc="-1">
+              <a:rPr b="0" lang="pt-PT" sz="2800" spc="-1" strike="noStrike">
+                <a:solidFill>
+                  <a:srgbClr val="000000"/>
+                </a:solidFill>
                 <a:latin typeface="Arial"/>
               </a:rPr>
               <a:t>Clique para editar o formato de texto dos tópicos</a:t>
             </a:r>
-          </a:p>
-          <a:p>
-            <a:pPr marL="864000" lvl="1" indent="-324000">
+            <a:endParaRPr b="0" lang="pt-PT" sz="2800" spc="-1" strike="noStrike">
+              <a:solidFill>
+                <a:srgbClr val="000000"/>
+              </a:solidFill>
+              <a:latin typeface="Arial"/>
+            </a:endParaRPr>
+          </a:p>
+          <a:p>
+            <a:pPr lvl="1" marL="864000" indent="-324000">
               <a:spcBef>
                 <a:spcPts val="1134"/>
               </a:spcBef>
@@ -4517,14 +4497,23 @@
               <a:buChar char=""/>
             </a:pPr>
             <a:r>
-              <a:rPr lang="pt-PT" sz="1800" b="0" strike="noStrike" spc="-1">
+              <a:rPr b="0" lang="pt-PT" sz="2000" spc="-1" strike="noStrike">
+                <a:solidFill>
+                  <a:srgbClr val="000000"/>
+                </a:solidFill>
                 <a:latin typeface="Arial"/>
               </a:rPr>
               <a:t>Segundo nível de tópicos</a:t>
             </a:r>
-          </a:p>
-          <a:p>
-            <a:pPr marL="1296000" lvl="2" indent="-288000">
+            <a:endParaRPr b="0" lang="pt-PT" sz="2000" spc="-1" strike="noStrike">
+              <a:solidFill>
+                <a:srgbClr val="000000"/>
+              </a:solidFill>
+              <a:latin typeface="Arial"/>
+            </a:endParaRPr>
+          </a:p>
+          <a:p>
+            <a:pPr lvl="2" marL="1296000" indent="-288000">
               <a:spcBef>
                 <a:spcPts val="850"/>
               </a:spcBef>
@@ -4536,14 +4525,23 @@
               <a:buChar char=""/>
             </a:pPr>
             <a:r>
-              <a:rPr lang="pt-PT" sz="1800" b="0" strike="noStrike" spc="-1">
+              <a:rPr b="0" lang="pt-PT" sz="1800" spc="-1" strike="noStrike">
+                <a:solidFill>
+                  <a:srgbClr val="000000"/>
+                </a:solidFill>
                 <a:latin typeface="Arial"/>
               </a:rPr>
               <a:t>Terceiro nível de tópicos</a:t>
             </a:r>
-          </a:p>
-          <a:p>
-            <a:pPr marL="1728000" lvl="3" indent="-216000">
+            <a:endParaRPr b="0" lang="pt-PT" sz="1800" spc="-1" strike="noStrike">
+              <a:solidFill>
+                <a:srgbClr val="000000"/>
+              </a:solidFill>
+              <a:latin typeface="Arial"/>
+            </a:endParaRPr>
+          </a:p>
+          <a:p>
+            <a:pPr lvl="3" marL="1728000" indent="-216000">
               <a:spcBef>
                 <a:spcPts val="567"/>
               </a:spcBef>
@@ -4555,14 +4553,23 @@
               <a:buChar char=""/>
             </a:pPr>
             <a:r>
-              <a:rPr lang="pt-PT" sz="1800" b="0" strike="noStrike" spc="-1">
+              <a:rPr b="0" lang="pt-PT" sz="1800" spc="-1" strike="noStrike">
+                <a:solidFill>
+                  <a:srgbClr val="000000"/>
+                </a:solidFill>
                 <a:latin typeface="Arial"/>
               </a:rPr>
               <a:t>Quarto nível de tópicos</a:t>
             </a:r>
-          </a:p>
-          <a:p>
-            <a:pPr marL="2160000" lvl="4" indent="-216000">
+            <a:endParaRPr b="0" lang="pt-PT" sz="1800" spc="-1" strike="noStrike">
+              <a:solidFill>
+                <a:srgbClr val="000000"/>
+              </a:solidFill>
+              <a:latin typeface="Arial"/>
+            </a:endParaRPr>
+          </a:p>
+          <a:p>
+            <a:pPr lvl="4" marL="2160000" indent="-216000">
               <a:spcBef>
                 <a:spcPts val="283"/>
               </a:spcBef>
@@ -4574,14 +4581,23 @@
               <a:buChar char=""/>
             </a:pPr>
             <a:r>
-              <a:rPr lang="pt-PT" sz="1800" b="0" strike="noStrike" spc="-1">
+              <a:rPr b="0" lang="pt-PT" sz="2000" spc="-1" strike="noStrike">
+                <a:solidFill>
+                  <a:srgbClr val="000000"/>
+                </a:solidFill>
                 <a:latin typeface="Arial"/>
               </a:rPr>
               <a:t>Quinto nível de tópicos</a:t>
             </a:r>
-          </a:p>
-          <a:p>
-            <a:pPr marL="2592000" lvl="5" indent="-216000">
+            <a:endParaRPr b="0" lang="pt-PT" sz="2000" spc="-1" strike="noStrike">
+              <a:solidFill>
+                <a:srgbClr val="000000"/>
+              </a:solidFill>
+              <a:latin typeface="Arial"/>
+            </a:endParaRPr>
+          </a:p>
+          <a:p>
+            <a:pPr lvl="5" marL="2592000" indent="-216000">
               <a:spcBef>
                 <a:spcPts val="283"/>
               </a:spcBef>
@@ -4593,14 +4609,23 @@
               <a:buChar char=""/>
             </a:pPr>
             <a:r>
-              <a:rPr lang="pt-PT" sz="1800" b="0" strike="noStrike" spc="-1">
+              <a:rPr b="0" lang="pt-PT" sz="2000" spc="-1" strike="noStrike">
+                <a:solidFill>
+                  <a:srgbClr val="000000"/>
+                </a:solidFill>
                 <a:latin typeface="Arial"/>
               </a:rPr>
               <a:t>Sexto nível de tópicos</a:t>
             </a:r>
-          </a:p>
-          <a:p>
-            <a:pPr marL="3024000" lvl="6" indent="-216000">
+            <a:endParaRPr b="0" lang="pt-PT" sz="2000" spc="-1" strike="noStrike">
+              <a:solidFill>
+                <a:srgbClr val="000000"/>
+              </a:solidFill>
+              <a:latin typeface="Arial"/>
+            </a:endParaRPr>
+          </a:p>
+          <a:p>
+            <a:pPr lvl="6" marL="3024000" indent="-216000">
               <a:spcBef>
                 <a:spcPts val="283"/>
               </a:spcBef>
@@ -4612,323 +4637,51 @@
               <a:buChar char=""/>
             </a:pPr>
             <a:r>
-              <a:rPr lang="pt-PT" sz="1800" b="0" strike="noStrike" spc="-1">
+              <a:rPr b="0" lang="pt-PT" sz="2000" spc="-1" strike="noStrike">
+                <a:solidFill>
+                  <a:srgbClr val="000000"/>
+                </a:solidFill>
                 <a:latin typeface="Arial"/>
               </a:rPr>
               <a:t>Sétimo nível de tópicos</a:t>
             </a:r>
+            <a:endParaRPr b="0" lang="pt-PT" sz="2000" spc="-1" strike="noStrike">
+              <a:solidFill>
+                <a:srgbClr val="000000"/>
+              </a:solidFill>
+              <a:latin typeface="Arial"/>
+            </a:endParaRPr>
           </a:p>
         </p:txBody>
       </p:sp>
     </p:spTree>
   </p:cSld>
-  <p:clrMap bg1="lt1" tx1="dk1" bg2="lt2" tx2="dk2" accent1="accent1" accent2="accent2" accent3="accent3" accent4="accent4" accent5="accent5" accent6="accent6" hlink="hlink" folHlink="folHlink"/>
+  <p:clrMap bg1="lt1" bg2="lt2" tx1="dk1" tx2="dk2" accent1="accent1" accent2="accent2" accent3="accent3" accent4="accent4" accent5="accent5" accent6="accent6" hlink="hlink" folHlink="folHlink"/>
   <p:sldLayoutIdLst>
-    <p:sldLayoutId id="2147483649" r:id="rId1"/>
-    <p:sldLayoutId id="2147483650" r:id="rId2"/>
-    <p:sldLayoutId id="2147483651" r:id="rId3"/>
-    <p:sldLayoutId id="2147483652" r:id="rId4"/>
-    <p:sldLayoutId id="2147483653" r:id="rId5"/>
-    <p:sldLayoutId id="2147483654" r:id="rId6"/>
-    <p:sldLayoutId id="2147483655" r:id="rId7"/>
-    <p:sldLayoutId id="2147483656" r:id="rId8"/>
-    <p:sldLayoutId id="2147483657" r:id="rId9"/>
-    <p:sldLayoutId id="2147483658" r:id="rId10"/>
-    <p:sldLayoutId id="2147483659" r:id="rId11"/>
-    <p:sldLayoutId id="2147483660" r:id="rId12"/>
+    <p:sldLayoutId id="2147483649" r:id="rId2"/>
+    <p:sldLayoutId id="2147483650" r:id="rId3"/>
+    <p:sldLayoutId id="2147483651" r:id="rId4"/>
+    <p:sldLayoutId id="2147483652" r:id="rId5"/>
+    <p:sldLayoutId id="2147483653" r:id="rId6"/>
+    <p:sldLayoutId id="2147483654" r:id="rId7"/>
+    <p:sldLayoutId id="2147483655" r:id="rId8"/>
+    <p:sldLayoutId id="2147483656" r:id="rId9"/>
+    <p:sldLayoutId id="2147483657" r:id="rId10"/>
+    <p:sldLayoutId id="2147483658" r:id="rId11"/>
+    <p:sldLayoutId id="2147483659" r:id="rId12"/>
+    <p:sldLayoutId id="2147483660" r:id="rId13"/>
   </p:sldLayoutIdLst>
-  <p:txStyles>
-    <p:titleStyle>
-      <a:lvl1pPr algn="l" defTabSz="914400" rtl="0" eaLnBrk="1" latinLnBrk="0" hangingPunct="1">
-        <a:lnSpc>
-          <a:spcPct val="90000"/>
-        </a:lnSpc>
-        <a:spcBef>
-          <a:spcPct val="0"/>
-        </a:spcBef>
-        <a:buNone/>
-        <a:defRPr sz="4400" kern="1200">
-          <a:solidFill>
-            <a:schemeClr val="tx1"/>
-          </a:solidFill>
-          <a:latin typeface="+mj-lt"/>
-          <a:ea typeface="+mj-ea"/>
-          <a:cs typeface="+mj-cs"/>
-        </a:defRPr>
-      </a:lvl1pPr>
-    </p:titleStyle>
-    <p:bodyStyle>
-      <a:lvl1pPr marL="228600" indent="-228600" algn="l" defTabSz="914400" rtl="0" eaLnBrk="1" latinLnBrk="0" hangingPunct="1">
-        <a:lnSpc>
-          <a:spcPct val="90000"/>
-        </a:lnSpc>
-        <a:spcBef>
-          <a:spcPts val="1000"/>
-        </a:spcBef>
-        <a:buFont typeface="Arial" panose="020B0604020202020204" pitchFamily="34" charset="0"/>
-        <a:buChar char="•"/>
-        <a:defRPr sz="2800" kern="1200">
-          <a:solidFill>
-            <a:schemeClr val="tx1"/>
-          </a:solidFill>
-          <a:latin typeface="+mn-lt"/>
-          <a:ea typeface="+mn-ea"/>
-          <a:cs typeface="+mn-cs"/>
-        </a:defRPr>
-      </a:lvl1pPr>
-      <a:lvl2pPr marL="685800" indent="-228600" algn="l" defTabSz="914400" rtl="0" eaLnBrk="1" latinLnBrk="0" hangingPunct="1">
-        <a:lnSpc>
-          <a:spcPct val="90000"/>
-        </a:lnSpc>
-        <a:spcBef>
-          <a:spcPts val="500"/>
-        </a:spcBef>
-        <a:buFont typeface="Arial" panose="020B0604020202020204" pitchFamily="34" charset="0"/>
-        <a:buChar char="•"/>
-        <a:defRPr sz="2400" kern="1200">
-          <a:solidFill>
-            <a:schemeClr val="tx1"/>
-          </a:solidFill>
-          <a:latin typeface="+mn-lt"/>
-          <a:ea typeface="+mn-ea"/>
-          <a:cs typeface="+mn-cs"/>
-        </a:defRPr>
-      </a:lvl2pPr>
-      <a:lvl3pPr marL="1143000" indent="-228600" algn="l" defTabSz="914400" rtl="0" eaLnBrk="1" latinLnBrk="0" hangingPunct="1">
-        <a:lnSpc>
-          <a:spcPct val="90000"/>
-        </a:lnSpc>
-        <a:spcBef>
-          <a:spcPts val="500"/>
-        </a:spcBef>
-        <a:buFont typeface="Arial" panose="020B0604020202020204" pitchFamily="34" charset="0"/>
-        <a:buChar char="•"/>
-        <a:defRPr sz="2000" kern="1200">
-          <a:solidFill>
-            <a:schemeClr val="tx1"/>
-          </a:solidFill>
-          <a:latin typeface="+mn-lt"/>
-          <a:ea typeface="+mn-ea"/>
-          <a:cs typeface="+mn-cs"/>
-        </a:defRPr>
-      </a:lvl3pPr>
-      <a:lvl4pPr marL="1600200" indent="-228600" algn="l" defTabSz="914400" rtl="0" eaLnBrk="1" latinLnBrk="0" hangingPunct="1">
-        <a:lnSpc>
-          <a:spcPct val="90000"/>
-        </a:lnSpc>
-        <a:spcBef>
-          <a:spcPts val="500"/>
-        </a:spcBef>
-        <a:buFont typeface="Arial" panose="020B0604020202020204" pitchFamily="34" charset="0"/>
-        <a:buChar char="•"/>
-        <a:defRPr sz="1800" kern="1200">
-          <a:solidFill>
-            <a:schemeClr val="tx1"/>
-          </a:solidFill>
-          <a:latin typeface="+mn-lt"/>
-          <a:ea typeface="+mn-ea"/>
-          <a:cs typeface="+mn-cs"/>
-        </a:defRPr>
-      </a:lvl4pPr>
-      <a:lvl5pPr marL="2057400" indent="-228600" algn="l" defTabSz="914400" rtl="0" eaLnBrk="1" latinLnBrk="0" hangingPunct="1">
-        <a:lnSpc>
-          <a:spcPct val="90000"/>
-        </a:lnSpc>
-        <a:spcBef>
-          <a:spcPts val="500"/>
-        </a:spcBef>
-        <a:buFont typeface="Arial" panose="020B0604020202020204" pitchFamily="34" charset="0"/>
-        <a:buChar char="•"/>
-        <a:defRPr sz="1800" kern="1200">
-          <a:solidFill>
-            <a:schemeClr val="tx1"/>
-          </a:solidFill>
-          <a:latin typeface="+mn-lt"/>
-          <a:ea typeface="+mn-ea"/>
-          <a:cs typeface="+mn-cs"/>
-        </a:defRPr>
-      </a:lvl5pPr>
-      <a:lvl6pPr marL="2514600" indent="-228600" algn="l" defTabSz="914400" rtl="0" eaLnBrk="1" latinLnBrk="0" hangingPunct="1">
-        <a:lnSpc>
-          <a:spcPct val="90000"/>
-        </a:lnSpc>
-        <a:spcBef>
-          <a:spcPts val="500"/>
-        </a:spcBef>
-        <a:buFont typeface="Arial" panose="020B0604020202020204" pitchFamily="34" charset="0"/>
-        <a:buChar char="•"/>
-        <a:defRPr sz="1800" kern="1200">
-          <a:solidFill>
-            <a:schemeClr val="tx1"/>
-          </a:solidFill>
-          <a:latin typeface="+mn-lt"/>
-          <a:ea typeface="+mn-ea"/>
-          <a:cs typeface="+mn-cs"/>
-        </a:defRPr>
-      </a:lvl6pPr>
-      <a:lvl7pPr marL="2971800" indent="-228600" algn="l" defTabSz="914400" rtl="0" eaLnBrk="1" latinLnBrk="0" hangingPunct="1">
-        <a:lnSpc>
-          <a:spcPct val="90000"/>
-        </a:lnSpc>
-        <a:spcBef>
-          <a:spcPts val="500"/>
-        </a:spcBef>
-        <a:buFont typeface="Arial" panose="020B0604020202020204" pitchFamily="34" charset="0"/>
-        <a:buChar char="•"/>
-        <a:defRPr sz="1800" kern="1200">
-          <a:solidFill>
-            <a:schemeClr val="tx1"/>
-          </a:solidFill>
-          <a:latin typeface="+mn-lt"/>
-          <a:ea typeface="+mn-ea"/>
-          <a:cs typeface="+mn-cs"/>
-        </a:defRPr>
-      </a:lvl7pPr>
-      <a:lvl8pPr marL="3429000" indent="-228600" algn="l" defTabSz="914400" rtl="0" eaLnBrk="1" latinLnBrk="0" hangingPunct="1">
-        <a:lnSpc>
-          <a:spcPct val="90000"/>
-        </a:lnSpc>
-        <a:spcBef>
-          <a:spcPts val="500"/>
-        </a:spcBef>
-        <a:buFont typeface="Arial" panose="020B0604020202020204" pitchFamily="34" charset="0"/>
-        <a:buChar char="•"/>
-        <a:defRPr sz="1800" kern="1200">
-          <a:solidFill>
-            <a:schemeClr val="tx1"/>
-          </a:solidFill>
-          <a:latin typeface="+mn-lt"/>
-          <a:ea typeface="+mn-ea"/>
-          <a:cs typeface="+mn-cs"/>
-        </a:defRPr>
-      </a:lvl8pPr>
-      <a:lvl9pPr marL="3886200" indent="-228600" algn="l" defTabSz="914400" rtl="0" eaLnBrk="1" latinLnBrk="0" hangingPunct="1">
-        <a:lnSpc>
-          <a:spcPct val="90000"/>
-        </a:lnSpc>
-        <a:spcBef>
-          <a:spcPts val="500"/>
-        </a:spcBef>
-        <a:buFont typeface="Arial" panose="020B0604020202020204" pitchFamily="34" charset="0"/>
-        <a:buChar char="•"/>
-        <a:defRPr sz="1800" kern="1200">
-          <a:solidFill>
-            <a:schemeClr val="tx1"/>
-          </a:solidFill>
-          <a:latin typeface="+mn-lt"/>
-          <a:ea typeface="+mn-ea"/>
-          <a:cs typeface="+mn-cs"/>
-        </a:defRPr>
-      </a:lvl9pPr>
-    </p:bodyStyle>
-    <p:otherStyle>
-      <a:defPPr>
-        <a:defRPr lang="pt-PT"/>
-      </a:defPPr>
-      <a:lvl1pPr marL="0" algn="l" defTabSz="914400" rtl="0" eaLnBrk="1" latinLnBrk="0" hangingPunct="1">
-        <a:defRPr sz="1800" kern="1200">
-          <a:solidFill>
-            <a:schemeClr val="tx1"/>
-          </a:solidFill>
-          <a:latin typeface="+mn-lt"/>
-          <a:ea typeface="+mn-ea"/>
-          <a:cs typeface="+mn-cs"/>
-        </a:defRPr>
-      </a:lvl1pPr>
-      <a:lvl2pPr marL="457200" algn="l" defTabSz="914400" rtl="0" eaLnBrk="1" latinLnBrk="0" hangingPunct="1">
-        <a:defRPr sz="1800" kern="1200">
-          <a:solidFill>
-            <a:schemeClr val="tx1"/>
-          </a:solidFill>
-          <a:latin typeface="+mn-lt"/>
-          <a:ea typeface="+mn-ea"/>
-          <a:cs typeface="+mn-cs"/>
-        </a:defRPr>
-      </a:lvl2pPr>
-      <a:lvl3pPr marL="914400" algn="l" defTabSz="914400" rtl="0" eaLnBrk="1" latinLnBrk="0" hangingPunct="1">
-        <a:defRPr sz="1800" kern="1200">
-          <a:solidFill>
-            <a:schemeClr val="tx1"/>
-          </a:solidFill>
-          <a:latin typeface="+mn-lt"/>
-          <a:ea typeface="+mn-ea"/>
-          <a:cs typeface="+mn-cs"/>
-        </a:defRPr>
-      </a:lvl3pPr>
-      <a:lvl4pPr marL="1371600" algn="l" defTabSz="914400" rtl="0" eaLnBrk="1" latinLnBrk="0" hangingPunct="1">
-        <a:defRPr sz="1800" kern="1200">
-          <a:solidFill>
-            <a:schemeClr val="tx1"/>
-          </a:solidFill>
-          <a:latin typeface="+mn-lt"/>
-          <a:ea typeface="+mn-ea"/>
-          <a:cs typeface="+mn-cs"/>
-        </a:defRPr>
-      </a:lvl4pPr>
-      <a:lvl5pPr marL="1828800" algn="l" defTabSz="914400" rtl="0" eaLnBrk="1" latinLnBrk="0" hangingPunct="1">
-        <a:defRPr sz="1800" kern="1200">
-          <a:solidFill>
-            <a:schemeClr val="tx1"/>
-          </a:solidFill>
-          <a:latin typeface="+mn-lt"/>
-          <a:ea typeface="+mn-ea"/>
-          <a:cs typeface="+mn-cs"/>
-        </a:defRPr>
-      </a:lvl5pPr>
-      <a:lvl6pPr marL="2286000" algn="l" defTabSz="914400" rtl="0" eaLnBrk="1" latinLnBrk="0" hangingPunct="1">
-        <a:defRPr sz="1800" kern="1200">
-          <a:solidFill>
-            <a:schemeClr val="tx1"/>
-          </a:solidFill>
-          <a:latin typeface="+mn-lt"/>
-          <a:ea typeface="+mn-ea"/>
-          <a:cs typeface="+mn-cs"/>
-        </a:defRPr>
-      </a:lvl6pPr>
-      <a:lvl7pPr marL="2743200" algn="l" defTabSz="914400" rtl="0" eaLnBrk="1" latinLnBrk="0" hangingPunct="1">
-        <a:defRPr sz="1800" kern="1200">
-          <a:solidFill>
-            <a:schemeClr val="tx1"/>
-          </a:solidFill>
-          <a:latin typeface="+mn-lt"/>
-          <a:ea typeface="+mn-ea"/>
-          <a:cs typeface="+mn-cs"/>
-        </a:defRPr>
-      </a:lvl7pPr>
-      <a:lvl8pPr marL="3200400" algn="l" defTabSz="914400" rtl="0" eaLnBrk="1" latinLnBrk="0" hangingPunct="1">
-        <a:defRPr sz="1800" kern="1200">
-          <a:solidFill>
-            <a:schemeClr val="tx1"/>
-          </a:solidFill>
-          <a:latin typeface="+mn-lt"/>
-          <a:ea typeface="+mn-ea"/>
-          <a:cs typeface="+mn-cs"/>
-        </a:defRPr>
-      </a:lvl8pPr>
-      <a:lvl9pPr marL="3657600" algn="l" defTabSz="914400" rtl="0" eaLnBrk="1" latinLnBrk="0" hangingPunct="1">
-        <a:defRPr sz="1800" kern="1200">
-          <a:solidFill>
-            <a:schemeClr val="tx1"/>
-          </a:solidFill>
-          <a:latin typeface="+mn-lt"/>
-          <a:ea typeface="+mn-ea"/>
-          <a:cs typeface="+mn-cs"/>
-        </a:defRPr>
-      </a:lvl9pPr>
-    </p:otherStyle>
-  </p:txStyles>
 </p:sldMaster>
 </file>
 
 <file path=ppt/slideMasters/slideMaster2.xml><?xml version="1.0" encoding="utf-8"?>
-<p:sldMaster xmlns:a="http://schemas.openxmlformats.org/drawingml/2006/main" xmlns:r="http://schemas.openxmlformats.org/officeDocument/2006/relationships" xmlns:p="http://schemas.openxmlformats.org/presentationml/2006/main">
+<p:sldMaster xmlns:a="http://schemas.openxmlformats.org/drawingml/2006/main" xmlns:p="http://schemas.openxmlformats.org/presentationml/2006/main" xmlns:r="http://schemas.openxmlformats.org/officeDocument/2006/relationships" xmlns:p14="http://schemas.microsoft.com/office/powerpoint/2010/main" xmlns:p15="http://schemas.microsoft.com/office/powerpoint/2012/main" xmlns:mc="http://schemas.openxmlformats.org/markup-compatibility/2006">
   <p:cSld>
     <p:bg>
       <p:bgPr>
         <a:solidFill>
-          <a:srgbClr val="FFFFFF"/>
+          <a:srgbClr val="ffffff"/>
         </a:solidFill>
-        <a:effectLst/>
       </p:bgPr>
     </p:bg>
     <p:spTree>
@@ -4965,18 +4718,25 @@
           </a:prstGeom>
         </p:spPr>
         <p:txBody>
-          <a:bodyPr lIns="0" tIns="0" rIns="0" bIns="0" anchor="ctr">
+          <a:bodyPr lIns="0" rIns="0" tIns="0" bIns="0" anchor="ctr">
             <a:noAutofit/>
           </a:bodyPr>
-          <a:lstStyle/>
-          <a:p>
-            <a:pPr algn="ctr"/>
+          <a:p>
             <a:r>
-              <a:rPr lang="pt-PT" sz="4400" b="0" strike="noStrike" spc="-1">
+              <a:rPr b="0" lang="pt-PT" sz="1800" spc="-1" strike="noStrike">
+                <a:solidFill>
+                  <a:srgbClr val="000000"/>
+                </a:solidFill>
                 <a:latin typeface="Arial"/>
               </a:rPr>
               <a:t>Clique para editar o formato do título</a:t>
             </a:r>
+            <a:endParaRPr b="0" lang="pt-PT" sz="1800" spc="-1" strike="noStrike">
+              <a:solidFill>
+                <a:srgbClr val="000000"/>
+              </a:solidFill>
+              <a:latin typeface="Arial"/>
+            </a:endParaRPr>
           </a:p>
         </p:txBody>
       </p:sp>
@@ -5000,10 +4760,9 @@
           </a:prstGeom>
         </p:spPr>
         <p:txBody>
-          <a:bodyPr lIns="0" tIns="0" rIns="0" bIns="0">
+          <a:bodyPr lIns="0" rIns="0" tIns="0" bIns="0">
             <a:normAutofit/>
           </a:bodyPr>
-          <a:lstStyle/>
           <a:p>
             <a:pPr marL="432000" indent="-324000">
               <a:spcBef>
@@ -5017,14 +4776,23 @@
               <a:buChar char=""/>
             </a:pPr>
             <a:r>
-              <a:rPr lang="pt-PT" sz="3200" b="0" strike="noStrike" spc="-1">
+              <a:rPr b="0" lang="pt-PT" sz="2800" spc="-1" strike="noStrike">
+                <a:solidFill>
+                  <a:srgbClr val="000000"/>
+                </a:solidFill>
                 <a:latin typeface="Arial"/>
               </a:rPr>
               <a:t>Clique para editar o formato de texto dos tópicos</a:t>
             </a:r>
-          </a:p>
-          <a:p>
-            <a:pPr marL="864000" lvl="1" indent="-324000">
+            <a:endParaRPr b="0" lang="pt-PT" sz="2800" spc="-1" strike="noStrike">
+              <a:solidFill>
+                <a:srgbClr val="000000"/>
+              </a:solidFill>
+              <a:latin typeface="Arial"/>
+            </a:endParaRPr>
+          </a:p>
+          <a:p>
+            <a:pPr lvl="1" marL="864000" indent="-324000">
               <a:spcBef>
                 <a:spcPts val="1134"/>
               </a:spcBef>
@@ -5036,14 +4804,23 @@
               <a:buChar char=""/>
             </a:pPr>
             <a:r>
-              <a:rPr lang="pt-PT" sz="2800" b="0" strike="noStrike" spc="-1">
+              <a:rPr b="0" lang="pt-PT" sz="2000" spc="-1" strike="noStrike">
+                <a:solidFill>
+                  <a:srgbClr val="000000"/>
+                </a:solidFill>
                 <a:latin typeface="Arial"/>
               </a:rPr>
               <a:t>Segundo nível de tópicos</a:t>
             </a:r>
-          </a:p>
-          <a:p>
-            <a:pPr marL="1296000" lvl="2" indent="-288000">
+            <a:endParaRPr b="0" lang="pt-PT" sz="2000" spc="-1" strike="noStrike">
+              <a:solidFill>
+                <a:srgbClr val="000000"/>
+              </a:solidFill>
+              <a:latin typeface="Arial"/>
+            </a:endParaRPr>
+          </a:p>
+          <a:p>
+            <a:pPr lvl="2" marL="1296000" indent="-288000">
               <a:spcBef>
                 <a:spcPts val="850"/>
               </a:spcBef>
@@ -5055,14 +4832,23 @@
               <a:buChar char=""/>
             </a:pPr>
             <a:r>
-              <a:rPr lang="pt-PT" sz="2400" b="0" strike="noStrike" spc="-1">
+              <a:rPr b="0" lang="pt-PT" sz="1800" spc="-1" strike="noStrike">
+                <a:solidFill>
+                  <a:srgbClr val="000000"/>
+                </a:solidFill>
                 <a:latin typeface="Arial"/>
               </a:rPr>
               <a:t>Terceiro nível de tópicos</a:t>
             </a:r>
-          </a:p>
-          <a:p>
-            <a:pPr marL="1728000" lvl="3" indent="-216000">
+            <a:endParaRPr b="0" lang="pt-PT" sz="1800" spc="-1" strike="noStrike">
+              <a:solidFill>
+                <a:srgbClr val="000000"/>
+              </a:solidFill>
+              <a:latin typeface="Arial"/>
+            </a:endParaRPr>
+          </a:p>
+          <a:p>
+            <a:pPr lvl="3" marL="1728000" indent="-216000">
               <a:spcBef>
                 <a:spcPts val="567"/>
               </a:spcBef>
@@ -5074,14 +4860,23 @@
               <a:buChar char=""/>
             </a:pPr>
             <a:r>
-              <a:rPr lang="pt-PT" sz="2000" b="0" strike="noStrike" spc="-1">
+              <a:rPr b="0" lang="pt-PT" sz="1800" spc="-1" strike="noStrike">
+                <a:solidFill>
+                  <a:srgbClr val="000000"/>
+                </a:solidFill>
                 <a:latin typeface="Arial"/>
               </a:rPr>
               <a:t>Quarto nível de tópicos</a:t>
             </a:r>
-          </a:p>
-          <a:p>
-            <a:pPr marL="2160000" lvl="4" indent="-216000">
+            <a:endParaRPr b="0" lang="pt-PT" sz="1800" spc="-1" strike="noStrike">
+              <a:solidFill>
+                <a:srgbClr val="000000"/>
+              </a:solidFill>
+              <a:latin typeface="Arial"/>
+            </a:endParaRPr>
+          </a:p>
+          <a:p>
+            <a:pPr lvl="4" marL="2160000" indent="-216000">
               <a:spcBef>
                 <a:spcPts val="283"/>
               </a:spcBef>
@@ -5093,14 +4888,23 @@
               <a:buChar char=""/>
             </a:pPr>
             <a:r>
-              <a:rPr lang="pt-PT" sz="2000" b="0" strike="noStrike" spc="-1">
+              <a:rPr b="0" lang="pt-PT" sz="2000" spc="-1" strike="noStrike">
+                <a:solidFill>
+                  <a:srgbClr val="000000"/>
+                </a:solidFill>
                 <a:latin typeface="Arial"/>
               </a:rPr>
               <a:t>Quinto nível de tópicos</a:t>
             </a:r>
-          </a:p>
-          <a:p>
-            <a:pPr marL="2592000" lvl="5" indent="-216000">
+            <a:endParaRPr b="0" lang="pt-PT" sz="2000" spc="-1" strike="noStrike">
+              <a:solidFill>
+                <a:srgbClr val="000000"/>
+              </a:solidFill>
+              <a:latin typeface="Arial"/>
+            </a:endParaRPr>
+          </a:p>
+          <a:p>
+            <a:pPr lvl="5" marL="2592000" indent="-216000">
               <a:spcBef>
                 <a:spcPts val="283"/>
               </a:spcBef>
@@ -5112,14 +4916,23 @@
               <a:buChar char=""/>
             </a:pPr>
             <a:r>
-              <a:rPr lang="pt-PT" sz="2000" b="0" strike="noStrike" spc="-1">
+              <a:rPr b="0" lang="pt-PT" sz="2000" spc="-1" strike="noStrike">
+                <a:solidFill>
+                  <a:srgbClr val="000000"/>
+                </a:solidFill>
                 <a:latin typeface="Arial"/>
               </a:rPr>
               <a:t>Sexto nível de tópicos</a:t>
             </a:r>
-          </a:p>
-          <a:p>
-            <a:pPr marL="3024000" lvl="6" indent="-216000">
+            <a:endParaRPr b="0" lang="pt-PT" sz="2000" spc="-1" strike="noStrike">
+              <a:solidFill>
+                <a:srgbClr val="000000"/>
+              </a:solidFill>
+              <a:latin typeface="Arial"/>
+            </a:endParaRPr>
+          </a:p>
+          <a:p>
+            <a:pPr lvl="6" marL="3024000" indent="-216000">
               <a:spcBef>
                 <a:spcPts val="283"/>
               </a:spcBef>
@@ -5131,323 +4944,51 @@
               <a:buChar char=""/>
             </a:pPr>
             <a:r>
-              <a:rPr lang="pt-PT" sz="2000" b="0" strike="noStrike" spc="-1">
+              <a:rPr b="0" lang="pt-PT" sz="2000" spc="-1" strike="noStrike">
+                <a:solidFill>
+                  <a:srgbClr val="000000"/>
+                </a:solidFill>
                 <a:latin typeface="Arial"/>
               </a:rPr>
               <a:t>Sétimo nível de tópicos</a:t>
             </a:r>
+            <a:endParaRPr b="0" lang="pt-PT" sz="2000" spc="-1" strike="noStrike">
+              <a:solidFill>
+                <a:srgbClr val="000000"/>
+              </a:solidFill>
+              <a:latin typeface="Arial"/>
+            </a:endParaRPr>
           </a:p>
         </p:txBody>
       </p:sp>
     </p:spTree>
   </p:cSld>
-  <p:clrMap bg1="lt1" tx1="dk1" bg2="lt2" tx2="dk2" accent1="accent1" accent2="accent2" accent3="accent3" accent4="accent4" accent5="accent5" accent6="accent6" hlink="hlink" folHlink="folHlink"/>
+  <p:clrMap bg1="lt1" bg2="lt2" tx1="dk1" tx2="dk2" accent1="accent1" accent2="accent2" accent3="accent3" accent4="accent4" accent5="accent5" accent6="accent6" hlink="hlink" folHlink="folHlink"/>
   <p:sldLayoutIdLst>
-    <p:sldLayoutId id="2147483662" r:id="rId1"/>
-    <p:sldLayoutId id="2147483663" r:id="rId2"/>
-    <p:sldLayoutId id="2147483664" r:id="rId3"/>
-    <p:sldLayoutId id="2147483665" r:id="rId4"/>
-    <p:sldLayoutId id="2147483666" r:id="rId5"/>
-    <p:sldLayoutId id="2147483667" r:id="rId6"/>
-    <p:sldLayoutId id="2147483668" r:id="rId7"/>
-    <p:sldLayoutId id="2147483669" r:id="rId8"/>
-    <p:sldLayoutId id="2147483670" r:id="rId9"/>
-    <p:sldLayoutId id="2147483671" r:id="rId10"/>
-    <p:sldLayoutId id="2147483672" r:id="rId11"/>
-    <p:sldLayoutId id="2147483673" r:id="rId12"/>
+    <p:sldLayoutId id="2147483662" r:id="rId2"/>
+    <p:sldLayoutId id="2147483663" r:id="rId3"/>
+    <p:sldLayoutId id="2147483664" r:id="rId4"/>
+    <p:sldLayoutId id="2147483665" r:id="rId5"/>
+    <p:sldLayoutId id="2147483666" r:id="rId6"/>
+    <p:sldLayoutId id="2147483667" r:id="rId7"/>
+    <p:sldLayoutId id="2147483668" r:id="rId8"/>
+    <p:sldLayoutId id="2147483669" r:id="rId9"/>
+    <p:sldLayoutId id="2147483670" r:id="rId10"/>
+    <p:sldLayoutId id="2147483671" r:id="rId11"/>
+    <p:sldLayoutId id="2147483672" r:id="rId12"/>
+    <p:sldLayoutId id="2147483673" r:id="rId13"/>
   </p:sldLayoutIdLst>
-  <p:txStyles>
-    <p:titleStyle>
-      <a:lvl1pPr algn="l" defTabSz="914400" rtl="0" eaLnBrk="1" latinLnBrk="0" hangingPunct="1">
-        <a:lnSpc>
-          <a:spcPct val="90000"/>
-        </a:lnSpc>
-        <a:spcBef>
-          <a:spcPct val="0"/>
-        </a:spcBef>
-        <a:buNone/>
-        <a:defRPr sz="4400" kern="1200">
-          <a:solidFill>
-            <a:schemeClr val="tx1"/>
-          </a:solidFill>
-          <a:latin typeface="+mj-lt"/>
-          <a:ea typeface="+mj-ea"/>
-          <a:cs typeface="+mj-cs"/>
-        </a:defRPr>
-      </a:lvl1pPr>
-    </p:titleStyle>
-    <p:bodyStyle>
-      <a:lvl1pPr marL="228600" indent="-228600" algn="l" defTabSz="914400" rtl="0" eaLnBrk="1" latinLnBrk="0" hangingPunct="1">
-        <a:lnSpc>
-          <a:spcPct val="90000"/>
-        </a:lnSpc>
-        <a:spcBef>
-          <a:spcPts val="1000"/>
-        </a:spcBef>
-        <a:buFont typeface="Arial" panose="020B0604020202020204" pitchFamily="34" charset="0"/>
-        <a:buChar char="•"/>
-        <a:defRPr sz="2800" kern="1200">
-          <a:solidFill>
-            <a:schemeClr val="tx1"/>
-          </a:solidFill>
-          <a:latin typeface="+mn-lt"/>
-          <a:ea typeface="+mn-ea"/>
-          <a:cs typeface="+mn-cs"/>
-        </a:defRPr>
-      </a:lvl1pPr>
-      <a:lvl2pPr marL="685800" indent="-228600" algn="l" defTabSz="914400" rtl="0" eaLnBrk="1" latinLnBrk="0" hangingPunct="1">
-        <a:lnSpc>
-          <a:spcPct val="90000"/>
-        </a:lnSpc>
-        <a:spcBef>
-          <a:spcPts val="500"/>
-        </a:spcBef>
-        <a:buFont typeface="Arial" panose="020B0604020202020204" pitchFamily="34" charset="0"/>
-        <a:buChar char="•"/>
-        <a:defRPr sz="2400" kern="1200">
-          <a:solidFill>
-            <a:schemeClr val="tx1"/>
-          </a:solidFill>
-          <a:latin typeface="+mn-lt"/>
-          <a:ea typeface="+mn-ea"/>
-          <a:cs typeface="+mn-cs"/>
-        </a:defRPr>
-      </a:lvl2pPr>
-      <a:lvl3pPr marL="1143000" indent="-228600" algn="l" defTabSz="914400" rtl="0" eaLnBrk="1" latinLnBrk="0" hangingPunct="1">
-        <a:lnSpc>
-          <a:spcPct val="90000"/>
-        </a:lnSpc>
-        <a:spcBef>
-          <a:spcPts val="500"/>
-        </a:spcBef>
-        <a:buFont typeface="Arial" panose="020B0604020202020204" pitchFamily="34" charset="0"/>
-        <a:buChar char="•"/>
-        <a:defRPr sz="2000" kern="1200">
-          <a:solidFill>
-            <a:schemeClr val="tx1"/>
-          </a:solidFill>
-          <a:latin typeface="+mn-lt"/>
-          <a:ea typeface="+mn-ea"/>
-          <a:cs typeface="+mn-cs"/>
-        </a:defRPr>
-      </a:lvl3pPr>
-      <a:lvl4pPr marL="1600200" indent="-228600" algn="l" defTabSz="914400" rtl="0" eaLnBrk="1" latinLnBrk="0" hangingPunct="1">
-        <a:lnSpc>
-          <a:spcPct val="90000"/>
-        </a:lnSpc>
-        <a:spcBef>
-          <a:spcPts val="500"/>
-        </a:spcBef>
-        <a:buFont typeface="Arial" panose="020B0604020202020204" pitchFamily="34" charset="0"/>
-        <a:buChar char="•"/>
-        <a:defRPr sz="1800" kern="1200">
-          <a:solidFill>
-            <a:schemeClr val="tx1"/>
-          </a:solidFill>
-          <a:latin typeface="+mn-lt"/>
-          <a:ea typeface="+mn-ea"/>
-          <a:cs typeface="+mn-cs"/>
-        </a:defRPr>
-      </a:lvl4pPr>
-      <a:lvl5pPr marL="2057400" indent="-228600" algn="l" defTabSz="914400" rtl="0" eaLnBrk="1" latinLnBrk="0" hangingPunct="1">
-        <a:lnSpc>
-          <a:spcPct val="90000"/>
-        </a:lnSpc>
-        <a:spcBef>
-          <a:spcPts val="500"/>
-        </a:spcBef>
-        <a:buFont typeface="Arial" panose="020B0604020202020204" pitchFamily="34" charset="0"/>
-        <a:buChar char="•"/>
-        <a:defRPr sz="1800" kern="1200">
-          <a:solidFill>
-            <a:schemeClr val="tx1"/>
-          </a:solidFill>
-          <a:latin typeface="+mn-lt"/>
-          <a:ea typeface="+mn-ea"/>
-          <a:cs typeface="+mn-cs"/>
-        </a:defRPr>
-      </a:lvl5pPr>
-      <a:lvl6pPr marL="2514600" indent="-228600" algn="l" defTabSz="914400" rtl="0" eaLnBrk="1" latinLnBrk="0" hangingPunct="1">
-        <a:lnSpc>
-          <a:spcPct val="90000"/>
-        </a:lnSpc>
-        <a:spcBef>
-          <a:spcPts val="500"/>
-        </a:spcBef>
-        <a:buFont typeface="Arial" panose="020B0604020202020204" pitchFamily="34" charset="0"/>
-        <a:buChar char="•"/>
-        <a:defRPr sz="1800" kern="1200">
-          <a:solidFill>
-            <a:schemeClr val="tx1"/>
-          </a:solidFill>
-          <a:latin typeface="+mn-lt"/>
-          <a:ea typeface="+mn-ea"/>
-          <a:cs typeface="+mn-cs"/>
-        </a:defRPr>
-      </a:lvl6pPr>
-      <a:lvl7pPr marL="2971800" indent="-228600" algn="l" defTabSz="914400" rtl="0" eaLnBrk="1" latinLnBrk="0" hangingPunct="1">
-        <a:lnSpc>
-          <a:spcPct val="90000"/>
-        </a:lnSpc>
-        <a:spcBef>
-          <a:spcPts val="500"/>
-        </a:spcBef>
-        <a:buFont typeface="Arial" panose="020B0604020202020204" pitchFamily="34" charset="0"/>
-        <a:buChar char="•"/>
-        <a:defRPr sz="1800" kern="1200">
-          <a:solidFill>
-            <a:schemeClr val="tx1"/>
-          </a:solidFill>
-          <a:latin typeface="+mn-lt"/>
-          <a:ea typeface="+mn-ea"/>
-          <a:cs typeface="+mn-cs"/>
-        </a:defRPr>
-      </a:lvl7pPr>
-      <a:lvl8pPr marL="3429000" indent="-228600" algn="l" defTabSz="914400" rtl="0" eaLnBrk="1" latinLnBrk="0" hangingPunct="1">
-        <a:lnSpc>
-          <a:spcPct val="90000"/>
-        </a:lnSpc>
-        <a:spcBef>
-          <a:spcPts val="500"/>
-        </a:spcBef>
-        <a:buFont typeface="Arial" panose="020B0604020202020204" pitchFamily="34" charset="0"/>
-        <a:buChar char="•"/>
-        <a:defRPr sz="1800" kern="1200">
-          <a:solidFill>
-            <a:schemeClr val="tx1"/>
-          </a:solidFill>
-          <a:latin typeface="+mn-lt"/>
-          <a:ea typeface="+mn-ea"/>
-          <a:cs typeface="+mn-cs"/>
-        </a:defRPr>
-      </a:lvl8pPr>
-      <a:lvl9pPr marL="3886200" indent="-228600" algn="l" defTabSz="914400" rtl="0" eaLnBrk="1" latinLnBrk="0" hangingPunct="1">
-        <a:lnSpc>
-          <a:spcPct val="90000"/>
-        </a:lnSpc>
-        <a:spcBef>
-          <a:spcPts val="500"/>
-        </a:spcBef>
-        <a:buFont typeface="Arial" panose="020B0604020202020204" pitchFamily="34" charset="0"/>
-        <a:buChar char="•"/>
-        <a:defRPr sz="1800" kern="1200">
-          <a:solidFill>
-            <a:schemeClr val="tx1"/>
-          </a:solidFill>
-          <a:latin typeface="+mn-lt"/>
-          <a:ea typeface="+mn-ea"/>
-          <a:cs typeface="+mn-cs"/>
-        </a:defRPr>
-      </a:lvl9pPr>
-    </p:bodyStyle>
-    <p:otherStyle>
-      <a:defPPr>
-        <a:defRPr lang="pt-PT"/>
-      </a:defPPr>
-      <a:lvl1pPr marL="0" algn="l" defTabSz="914400" rtl="0" eaLnBrk="1" latinLnBrk="0" hangingPunct="1">
-        <a:defRPr sz="1800" kern="1200">
-          <a:solidFill>
-            <a:schemeClr val="tx1"/>
-          </a:solidFill>
-          <a:latin typeface="+mn-lt"/>
-          <a:ea typeface="+mn-ea"/>
-          <a:cs typeface="+mn-cs"/>
-        </a:defRPr>
-      </a:lvl1pPr>
-      <a:lvl2pPr marL="457200" algn="l" defTabSz="914400" rtl="0" eaLnBrk="1" latinLnBrk="0" hangingPunct="1">
-        <a:defRPr sz="1800" kern="1200">
-          <a:solidFill>
-            <a:schemeClr val="tx1"/>
-          </a:solidFill>
-          <a:latin typeface="+mn-lt"/>
-          <a:ea typeface="+mn-ea"/>
-          <a:cs typeface="+mn-cs"/>
-        </a:defRPr>
-      </a:lvl2pPr>
-      <a:lvl3pPr marL="914400" algn="l" defTabSz="914400" rtl="0" eaLnBrk="1" latinLnBrk="0" hangingPunct="1">
-        <a:defRPr sz="1800" kern="1200">
-          <a:solidFill>
-            <a:schemeClr val="tx1"/>
-          </a:solidFill>
-          <a:latin typeface="+mn-lt"/>
-          <a:ea typeface="+mn-ea"/>
-          <a:cs typeface="+mn-cs"/>
-        </a:defRPr>
-      </a:lvl3pPr>
-      <a:lvl4pPr marL="1371600" algn="l" defTabSz="914400" rtl="0" eaLnBrk="1" latinLnBrk="0" hangingPunct="1">
-        <a:defRPr sz="1800" kern="1200">
-          <a:solidFill>
-            <a:schemeClr val="tx1"/>
-          </a:solidFill>
-          <a:latin typeface="+mn-lt"/>
-          <a:ea typeface="+mn-ea"/>
-          <a:cs typeface="+mn-cs"/>
-        </a:defRPr>
-      </a:lvl4pPr>
-      <a:lvl5pPr marL="1828800" algn="l" defTabSz="914400" rtl="0" eaLnBrk="1" latinLnBrk="0" hangingPunct="1">
-        <a:defRPr sz="1800" kern="1200">
-          <a:solidFill>
-            <a:schemeClr val="tx1"/>
-          </a:solidFill>
-          <a:latin typeface="+mn-lt"/>
-          <a:ea typeface="+mn-ea"/>
-          <a:cs typeface="+mn-cs"/>
-        </a:defRPr>
-      </a:lvl5pPr>
-      <a:lvl6pPr marL="2286000" algn="l" defTabSz="914400" rtl="0" eaLnBrk="1" latinLnBrk="0" hangingPunct="1">
-        <a:defRPr sz="1800" kern="1200">
-          <a:solidFill>
-            <a:schemeClr val="tx1"/>
-          </a:solidFill>
-          <a:latin typeface="+mn-lt"/>
-          <a:ea typeface="+mn-ea"/>
-          <a:cs typeface="+mn-cs"/>
-        </a:defRPr>
-      </a:lvl6pPr>
-      <a:lvl7pPr marL="2743200" algn="l" defTabSz="914400" rtl="0" eaLnBrk="1" latinLnBrk="0" hangingPunct="1">
-        <a:defRPr sz="1800" kern="1200">
-          <a:solidFill>
-            <a:schemeClr val="tx1"/>
-          </a:solidFill>
-          <a:latin typeface="+mn-lt"/>
-          <a:ea typeface="+mn-ea"/>
-          <a:cs typeface="+mn-cs"/>
-        </a:defRPr>
-      </a:lvl7pPr>
-      <a:lvl8pPr marL="3200400" algn="l" defTabSz="914400" rtl="0" eaLnBrk="1" latinLnBrk="0" hangingPunct="1">
-        <a:defRPr sz="1800" kern="1200">
-          <a:solidFill>
-            <a:schemeClr val="tx1"/>
-          </a:solidFill>
-          <a:latin typeface="+mn-lt"/>
-          <a:ea typeface="+mn-ea"/>
-          <a:cs typeface="+mn-cs"/>
-        </a:defRPr>
-      </a:lvl8pPr>
-      <a:lvl9pPr marL="3657600" algn="l" defTabSz="914400" rtl="0" eaLnBrk="1" latinLnBrk="0" hangingPunct="1">
-        <a:defRPr sz="1800" kern="1200">
-          <a:solidFill>
-            <a:schemeClr val="tx1"/>
-          </a:solidFill>
-          <a:latin typeface="+mn-lt"/>
-          <a:ea typeface="+mn-ea"/>
-          <a:cs typeface="+mn-cs"/>
-        </a:defRPr>
-      </a:lvl9pPr>
-    </p:otherStyle>
-  </p:txStyles>
 </p:sldMaster>
 </file>
 
 <file path=ppt/slideMasters/slideMaster3.xml><?xml version="1.0" encoding="utf-8"?>
-<p:sldMaster xmlns:a="http://schemas.openxmlformats.org/drawingml/2006/main" xmlns:r="http://schemas.openxmlformats.org/officeDocument/2006/relationships" xmlns:p="http://schemas.openxmlformats.org/presentationml/2006/main">
+<p:sldMaster xmlns:a="http://schemas.openxmlformats.org/drawingml/2006/main" xmlns:p="http://schemas.openxmlformats.org/presentationml/2006/main" xmlns:r="http://schemas.openxmlformats.org/officeDocument/2006/relationships" xmlns:p14="http://schemas.microsoft.com/office/powerpoint/2010/main" xmlns:p15="http://schemas.microsoft.com/office/powerpoint/2012/main" xmlns:mc="http://schemas.openxmlformats.org/markup-compatibility/2006">
   <p:cSld>
     <p:bg>
       <p:bgPr>
         <a:solidFill>
-          <a:srgbClr val="FFFFFF"/>
+          <a:srgbClr val="ffffff"/>
         </a:solidFill>
-        <a:effectLst/>
       </p:bgPr>
     </p:bg>
     <p:spTree>
@@ -5477,24 +5018,32 @@
         <p:spPr>
           <a:xfrm>
             <a:off x="609480" y="273600"/>
-            <a:ext cx="10972080" cy="1144440"/>
-          </a:xfrm>
-          <a:prstGeom prst="rect">
-            <a:avLst/>
-          </a:prstGeom>
-        </p:spPr>
-        <p:txBody>
-          <a:bodyPr lIns="0" tIns="0" rIns="0" bIns="0" anchor="ctr">
+            <a:ext cx="10972440" cy="1144800"/>
+          </a:xfrm>
+          <a:prstGeom prst="rect">
+            <a:avLst/>
+          </a:prstGeom>
+        </p:spPr>
+        <p:txBody>
+          <a:bodyPr lIns="0" rIns="0" tIns="0" bIns="0" anchor="ctr">
             <a:noAutofit/>
           </a:bodyPr>
-          <a:lstStyle/>
           <a:p>
             <a:r>
-              <a:rPr lang="pt-PT" sz="1800" b="0" strike="noStrike" spc="-1">
+              <a:rPr b="0" lang="pt-PT" sz="1800" spc="-1" strike="noStrike">
+                <a:solidFill>
+                  <a:srgbClr val="000000"/>
+                </a:solidFill>
                 <a:latin typeface="Arial"/>
               </a:rPr>
               <a:t>Clique para editar o formato do título</a:t>
             </a:r>
+            <a:endParaRPr b="0" lang="pt-PT" sz="1800" spc="-1" strike="noStrike">
+              <a:solidFill>
+                <a:srgbClr val="000000"/>
+              </a:solidFill>
+              <a:latin typeface="Arial"/>
+            </a:endParaRPr>
           </a:p>
         </p:txBody>
       </p:sp>
@@ -5511,17 +5060,16 @@
         <p:spPr>
           <a:xfrm>
             <a:off x="609480" y="1604520"/>
-            <a:ext cx="10972080" cy="3976920"/>
-          </a:xfrm>
-          <a:prstGeom prst="rect">
-            <a:avLst/>
-          </a:prstGeom>
-        </p:spPr>
-        <p:txBody>
-          <a:bodyPr lIns="0" tIns="0" rIns="0" bIns="0">
+            <a:ext cx="10972440" cy="3977280"/>
+          </a:xfrm>
+          <a:prstGeom prst="rect">
+            <a:avLst/>
+          </a:prstGeom>
+        </p:spPr>
+        <p:txBody>
+          <a:bodyPr lIns="0" rIns="0" tIns="0" bIns="0">
             <a:normAutofit/>
           </a:bodyPr>
-          <a:lstStyle/>
           <a:p>
             <a:pPr marL="432000" indent="-324000">
               <a:spcBef>
@@ -5535,14 +5083,23 @@
               <a:buChar char=""/>
             </a:pPr>
             <a:r>
-              <a:rPr lang="pt-PT" sz="1800" b="0" strike="noStrike" spc="-1">
+              <a:rPr b="0" lang="pt-PT" sz="2800" spc="-1" strike="noStrike">
+                <a:solidFill>
+                  <a:srgbClr val="000000"/>
+                </a:solidFill>
                 <a:latin typeface="Arial"/>
               </a:rPr>
               <a:t>Clique para editar o formato de texto dos tópicos</a:t>
             </a:r>
-          </a:p>
-          <a:p>
-            <a:pPr marL="864000" lvl="1" indent="-324000">
+            <a:endParaRPr b="0" lang="pt-PT" sz="2800" spc="-1" strike="noStrike">
+              <a:solidFill>
+                <a:srgbClr val="000000"/>
+              </a:solidFill>
+              <a:latin typeface="Arial"/>
+            </a:endParaRPr>
+          </a:p>
+          <a:p>
+            <a:pPr lvl="1" marL="864000" indent="-324000">
               <a:spcBef>
                 <a:spcPts val="1134"/>
               </a:spcBef>
@@ -5554,14 +5111,23 @@
               <a:buChar char=""/>
             </a:pPr>
             <a:r>
-              <a:rPr lang="pt-PT" sz="1800" b="0" strike="noStrike" spc="-1">
+              <a:rPr b="0" lang="pt-PT" sz="2000" spc="-1" strike="noStrike">
+                <a:solidFill>
+                  <a:srgbClr val="000000"/>
+                </a:solidFill>
                 <a:latin typeface="Arial"/>
               </a:rPr>
               <a:t>Segundo nível de tópicos</a:t>
             </a:r>
-          </a:p>
-          <a:p>
-            <a:pPr marL="1296000" lvl="2" indent="-288000">
+            <a:endParaRPr b="0" lang="pt-PT" sz="2000" spc="-1" strike="noStrike">
+              <a:solidFill>
+                <a:srgbClr val="000000"/>
+              </a:solidFill>
+              <a:latin typeface="Arial"/>
+            </a:endParaRPr>
+          </a:p>
+          <a:p>
+            <a:pPr lvl="2" marL="1296000" indent="-288000">
               <a:spcBef>
                 <a:spcPts val="850"/>
               </a:spcBef>
@@ -5573,14 +5139,23 @@
               <a:buChar char=""/>
             </a:pPr>
             <a:r>
-              <a:rPr lang="pt-PT" sz="1800" b="0" strike="noStrike" spc="-1">
+              <a:rPr b="0" lang="pt-PT" sz="1800" spc="-1" strike="noStrike">
+                <a:solidFill>
+                  <a:srgbClr val="000000"/>
+                </a:solidFill>
                 <a:latin typeface="Arial"/>
               </a:rPr>
               <a:t>Terceiro nível de tópicos</a:t>
             </a:r>
-          </a:p>
-          <a:p>
-            <a:pPr marL="1728000" lvl="3" indent="-216000">
+            <a:endParaRPr b="0" lang="pt-PT" sz="1800" spc="-1" strike="noStrike">
+              <a:solidFill>
+                <a:srgbClr val="000000"/>
+              </a:solidFill>
+              <a:latin typeface="Arial"/>
+            </a:endParaRPr>
+          </a:p>
+          <a:p>
+            <a:pPr lvl="3" marL="1728000" indent="-216000">
               <a:spcBef>
                 <a:spcPts val="567"/>
               </a:spcBef>
@@ -5592,14 +5167,23 @@
               <a:buChar char=""/>
             </a:pPr>
             <a:r>
-              <a:rPr lang="pt-PT" sz="1800" b="0" strike="noStrike" spc="-1">
+              <a:rPr b="0" lang="pt-PT" sz="1800" spc="-1" strike="noStrike">
+                <a:solidFill>
+                  <a:srgbClr val="000000"/>
+                </a:solidFill>
                 <a:latin typeface="Arial"/>
               </a:rPr>
               <a:t>Quarto nível de tópicos</a:t>
             </a:r>
-          </a:p>
-          <a:p>
-            <a:pPr marL="2160000" lvl="4" indent="-216000">
+            <a:endParaRPr b="0" lang="pt-PT" sz="1800" spc="-1" strike="noStrike">
+              <a:solidFill>
+                <a:srgbClr val="000000"/>
+              </a:solidFill>
+              <a:latin typeface="Arial"/>
+            </a:endParaRPr>
+          </a:p>
+          <a:p>
+            <a:pPr lvl="4" marL="2160000" indent="-216000">
               <a:spcBef>
                 <a:spcPts val="283"/>
               </a:spcBef>
@@ -5611,14 +5195,23 @@
               <a:buChar char=""/>
             </a:pPr>
             <a:r>
-              <a:rPr lang="pt-PT" sz="1800" b="0" strike="noStrike" spc="-1">
+              <a:rPr b="0" lang="pt-PT" sz="2000" spc="-1" strike="noStrike">
+                <a:solidFill>
+                  <a:srgbClr val="000000"/>
+                </a:solidFill>
                 <a:latin typeface="Arial"/>
               </a:rPr>
               <a:t>Quinto nível de tópicos</a:t>
             </a:r>
-          </a:p>
-          <a:p>
-            <a:pPr marL="2592000" lvl="5" indent="-216000">
+            <a:endParaRPr b="0" lang="pt-PT" sz="2000" spc="-1" strike="noStrike">
+              <a:solidFill>
+                <a:srgbClr val="000000"/>
+              </a:solidFill>
+              <a:latin typeface="Arial"/>
+            </a:endParaRPr>
+          </a:p>
+          <a:p>
+            <a:pPr lvl="5" marL="2592000" indent="-216000">
               <a:spcBef>
                 <a:spcPts val="283"/>
               </a:spcBef>
@@ -5630,14 +5223,23 @@
               <a:buChar char=""/>
             </a:pPr>
             <a:r>
-              <a:rPr lang="pt-PT" sz="1800" b="0" strike="noStrike" spc="-1">
+              <a:rPr b="0" lang="pt-PT" sz="2000" spc="-1" strike="noStrike">
+                <a:solidFill>
+                  <a:srgbClr val="000000"/>
+                </a:solidFill>
                 <a:latin typeface="Arial"/>
               </a:rPr>
               <a:t>Sexto nível de tópicos</a:t>
             </a:r>
-          </a:p>
-          <a:p>
-            <a:pPr marL="3024000" lvl="6" indent="-216000">
+            <a:endParaRPr b="0" lang="pt-PT" sz="2000" spc="-1" strike="noStrike">
+              <a:solidFill>
+                <a:srgbClr val="000000"/>
+              </a:solidFill>
+              <a:latin typeface="Arial"/>
+            </a:endParaRPr>
+          </a:p>
+          <a:p>
+            <a:pPr lvl="6" marL="3024000" indent="-216000">
               <a:spcBef>
                 <a:spcPts val="283"/>
               </a:spcBef>
@@ -5649,316 +5251,45 @@
               <a:buChar char=""/>
             </a:pPr>
             <a:r>
-              <a:rPr lang="pt-PT" sz="1800" b="0" strike="noStrike" spc="-1">
+              <a:rPr b="0" lang="pt-PT" sz="2000" spc="-1" strike="noStrike">
+                <a:solidFill>
+                  <a:srgbClr val="000000"/>
+                </a:solidFill>
                 <a:latin typeface="Arial"/>
               </a:rPr>
               <a:t>Sétimo nível de tópicos</a:t>
             </a:r>
+            <a:endParaRPr b="0" lang="pt-PT" sz="2000" spc="-1" strike="noStrike">
+              <a:solidFill>
+                <a:srgbClr val="000000"/>
+              </a:solidFill>
+              <a:latin typeface="Arial"/>
+            </a:endParaRPr>
           </a:p>
         </p:txBody>
       </p:sp>
     </p:spTree>
   </p:cSld>
-  <p:clrMap bg1="lt1" tx1="dk1" bg2="lt2" tx2="dk2" accent1="accent1" accent2="accent2" accent3="accent3" accent4="accent4" accent5="accent5" accent6="accent6" hlink="hlink" folHlink="folHlink"/>
+  <p:clrMap bg1="lt1" bg2="lt2" tx1="dk1" tx2="dk2" accent1="accent1" accent2="accent2" accent3="accent3" accent4="accent4" accent5="accent5" accent6="accent6" hlink="hlink" folHlink="folHlink"/>
   <p:sldLayoutIdLst>
-    <p:sldLayoutId id="2147483675" r:id="rId1"/>
-    <p:sldLayoutId id="2147483676" r:id="rId2"/>
-    <p:sldLayoutId id="2147483677" r:id="rId3"/>
-    <p:sldLayoutId id="2147483678" r:id="rId4"/>
-    <p:sldLayoutId id="2147483679" r:id="rId5"/>
-    <p:sldLayoutId id="2147483680" r:id="rId6"/>
-    <p:sldLayoutId id="2147483681" r:id="rId7"/>
-    <p:sldLayoutId id="2147483682" r:id="rId8"/>
-    <p:sldLayoutId id="2147483683" r:id="rId9"/>
-    <p:sldLayoutId id="2147483684" r:id="rId10"/>
-    <p:sldLayoutId id="2147483685" r:id="rId11"/>
-    <p:sldLayoutId id="2147483686" r:id="rId12"/>
+    <p:sldLayoutId id="2147483675" r:id="rId2"/>
+    <p:sldLayoutId id="2147483676" r:id="rId3"/>
+    <p:sldLayoutId id="2147483677" r:id="rId4"/>
+    <p:sldLayoutId id="2147483678" r:id="rId5"/>
+    <p:sldLayoutId id="2147483679" r:id="rId6"/>
+    <p:sldLayoutId id="2147483680" r:id="rId7"/>
+    <p:sldLayoutId id="2147483681" r:id="rId8"/>
+    <p:sldLayoutId id="2147483682" r:id="rId9"/>
+    <p:sldLayoutId id="2147483683" r:id="rId10"/>
+    <p:sldLayoutId id="2147483684" r:id="rId11"/>
+    <p:sldLayoutId id="2147483685" r:id="rId12"/>
+    <p:sldLayoutId id="2147483686" r:id="rId13"/>
   </p:sldLayoutIdLst>
-  <p:txStyles>
-    <p:titleStyle>
-      <a:lvl1pPr algn="l" defTabSz="914400" rtl="0" eaLnBrk="1" latinLnBrk="0" hangingPunct="1">
-        <a:lnSpc>
-          <a:spcPct val="90000"/>
-        </a:lnSpc>
-        <a:spcBef>
-          <a:spcPct val="0"/>
-        </a:spcBef>
-        <a:buNone/>
-        <a:defRPr sz="4400" kern="1200">
-          <a:solidFill>
-            <a:schemeClr val="tx1"/>
-          </a:solidFill>
-          <a:latin typeface="+mj-lt"/>
-          <a:ea typeface="+mj-ea"/>
-          <a:cs typeface="+mj-cs"/>
-        </a:defRPr>
-      </a:lvl1pPr>
-    </p:titleStyle>
-    <p:bodyStyle>
-      <a:lvl1pPr marL="228600" indent="-228600" algn="l" defTabSz="914400" rtl="0" eaLnBrk="1" latinLnBrk="0" hangingPunct="1">
-        <a:lnSpc>
-          <a:spcPct val="90000"/>
-        </a:lnSpc>
-        <a:spcBef>
-          <a:spcPts val="1000"/>
-        </a:spcBef>
-        <a:buFont typeface="Arial" panose="020B0604020202020204" pitchFamily="34" charset="0"/>
-        <a:buChar char="•"/>
-        <a:defRPr sz="2800" kern="1200">
-          <a:solidFill>
-            <a:schemeClr val="tx1"/>
-          </a:solidFill>
-          <a:latin typeface="+mn-lt"/>
-          <a:ea typeface="+mn-ea"/>
-          <a:cs typeface="+mn-cs"/>
-        </a:defRPr>
-      </a:lvl1pPr>
-      <a:lvl2pPr marL="685800" indent="-228600" algn="l" defTabSz="914400" rtl="0" eaLnBrk="1" latinLnBrk="0" hangingPunct="1">
-        <a:lnSpc>
-          <a:spcPct val="90000"/>
-        </a:lnSpc>
-        <a:spcBef>
-          <a:spcPts val="500"/>
-        </a:spcBef>
-        <a:buFont typeface="Arial" panose="020B0604020202020204" pitchFamily="34" charset="0"/>
-        <a:buChar char="•"/>
-        <a:defRPr sz="2400" kern="1200">
-          <a:solidFill>
-            <a:schemeClr val="tx1"/>
-          </a:solidFill>
-          <a:latin typeface="+mn-lt"/>
-          <a:ea typeface="+mn-ea"/>
-          <a:cs typeface="+mn-cs"/>
-        </a:defRPr>
-      </a:lvl2pPr>
-      <a:lvl3pPr marL="1143000" indent="-228600" algn="l" defTabSz="914400" rtl="0" eaLnBrk="1" latinLnBrk="0" hangingPunct="1">
-        <a:lnSpc>
-          <a:spcPct val="90000"/>
-        </a:lnSpc>
-        <a:spcBef>
-          <a:spcPts val="500"/>
-        </a:spcBef>
-        <a:buFont typeface="Arial" panose="020B0604020202020204" pitchFamily="34" charset="0"/>
-        <a:buChar char="•"/>
-        <a:defRPr sz="2000" kern="1200">
-          <a:solidFill>
-            <a:schemeClr val="tx1"/>
-          </a:solidFill>
-          <a:latin typeface="+mn-lt"/>
-          <a:ea typeface="+mn-ea"/>
-          <a:cs typeface="+mn-cs"/>
-        </a:defRPr>
-      </a:lvl3pPr>
-      <a:lvl4pPr marL="1600200" indent="-228600" algn="l" defTabSz="914400" rtl="0" eaLnBrk="1" latinLnBrk="0" hangingPunct="1">
-        <a:lnSpc>
-          <a:spcPct val="90000"/>
-        </a:lnSpc>
-        <a:spcBef>
-          <a:spcPts val="500"/>
-        </a:spcBef>
-        <a:buFont typeface="Arial" panose="020B0604020202020204" pitchFamily="34" charset="0"/>
-        <a:buChar char="•"/>
-        <a:defRPr sz="1800" kern="1200">
-          <a:solidFill>
-            <a:schemeClr val="tx1"/>
-          </a:solidFill>
-          <a:latin typeface="+mn-lt"/>
-          <a:ea typeface="+mn-ea"/>
-          <a:cs typeface="+mn-cs"/>
-        </a:defRPr>
-      </a:lvl4pPr>
-      <a:lvl5pPr marL="2057400" indent="-228600" algn="l" defTabSz="914400" rtl="0" eaLnBrk="1" latinLnBrk="0" hangingPunct="1">
-        <a:lnSpc>
-          <a:spcPct val="90000"/>
-        </a:lnSpc>
-        <a:spcBef>
-          <a:spcPts val="500"/>
-        </a:spcBef>
-        <a:buFont typeface="Arial" panose="020B0604020202020204" pitchFamily="34" charset="0"/>
-        <a:buChar char="•"/>
-        <a:defRPr sz="1800" kern="1200">
-          <a:solidFill>
-            <a:schemeClr val="tx1"/>
-          </a:solidFill>
-          <a:latin typeface="+mn-lt"/>
-          <a:ea typeface="+mn-ea"/>
-          <a:cs typeface="+mn-cs"/>
-        </a:defRPr>
-      </a:lvl5pPr>
-      <a:lvl6pPr marL="2514600" indent="-228600" algn="l" defTabSz="914400" rtl="0" eaLnBrk="1" latinLnBrk="0" hangingPunct="1">
-        <a:lnSpc>
-          <a:spcPct val="90000"/>
-        </a:lnSpc>
-        <a:spcBef>
-          <a:spcPts val="500"/>
-        </a:spcBef>
-        <a:buFont typeface="Arial" panose="020B0604020202020204" pitchFamily="34" charset="0"/>
-        <a:buChar char="•"/>
-        <a:defRPr sz="1800" kern="1200">
-          <a:solidFill>
-            <a:schemeClr val="tx1"/>
-          </a:solidFill>
-          <a:latin typeface="+mn-lt"/>
-          <a:ea typeface="+mn-ea"/>
-          <a:cs typeface="+mn-cs"/>
-        </a:defRPr>
-      </a:lvl6pPr>
-      <a:lvl7pPr marL="2971800" indent="-228600" algn="l" defTabSz="914400" rtl="0" eaLnBrk="1" latinLnBrk="0" hangingPunct="1">
-        <a:lnSpc>
-          <a:spcPct val="90000"/>
-        </a:lnSpc>
-        <a:spcBef>
-          <a:spcPts val="500"/>
-        </a:spcBef>
-        <a:buFont typeface="Arial" panose="020B0604020202020204" pitchFamily="34" charset="0"/>
-        <a:buChar char="•"/>
-        <a:defRPr sz="1800" kern="1200">
-          <a:solidFill>
-            <a:schemeClr val="tx1"/>
-          </a:solidFill>
-          <a:latin typeface="+mn-lt"/>
-          <a:ea typeface="+mn-ea"/>
-          <a:cs typeface="+mn-cs"/>
-        </a:defRPr>
-      </a:lvl7pPr>
-      <a:lvl8pPr marL="3429000" indent="-228600" algn="l" defTabSz="914400" rtl="0" eaLnBrk="1" latinLnBrk="0" hangingPunct="1">
-        <a:lnSpc>
-          <a:spcPct val="90000"/>
-        </a:lnSpc>
-        <a:spcBef>
-          <a:spcPts val="500"/>
-        </a:spcBef>
-        <a:buFont typeface="Arial" panose="020B0604020202020204" pitchFamily="34" charset="0"/>
-        <a:buChar char="•"/>
-        <a:defRPr sz="1800" kern="1200">
-          <a:solidFill>
-            <a:schemeClr val="tx1"/>
-          </a:solidFill>
-          <a:latin typeface="+mn-lt"/>
-          <a:ea typeface="+mn-ea"/>
-          <a:cs typeface="+mn-cs"/>
-        </a:defRPr>
-      </a:lvl8pPr>
-      <a:lvl9pPr marL="3886200" indent="-228600" algn="l" defTabSz="914400" rtl="0" eaLnBrk="1" latinLnBrk="0" hangingPunct="1">
-        <a:lnSpc>
-          <a:spcPct val="90000"/>
-        </a:lnSpc>
-        <a:spcBef>
-          <a:spcPts val="500"/>
-        </a:spcBef>
-        <a:buFont typeface="Arial" panose="020B0604020202020204" pitchFamily="34" charset="0"/>
-        <a:buChar char="•"/>
-        <a:defRPr sz="1800" kern="1200">
-          <a:solidFill>
-            <a:schemeClr val="tx1"/>
-          </a:solidFill>
-          <a:latin typeface="+mn-lt"/>
-          <a:ea typeface="+mn-ea"/>
-          <a:cs typeface="+mn-cs"/>
-        </a:defRPr>
-      </a:lvl9pPr>
-    </p:bodyStyle>
-    <p:otherStyle>
-      <a:defPPr>
-        <a:defRPr lang="pt-PT"/>
-      </a:defPPr>
-      <a:lvl1pPr marL="0" algn="l" defTabSz="914400" rtl="0" eaLnBrk="1" latinLnBrk="0" hangingPunct="1">
-        <a:defRPr sz="1800" kern="1200">
-          <a:solidFill>
-            <a:schemeClr val="tx1"/>
-          </a:solidFill>
-          <a:latin typeface="+mn-lt"/>
-          <a:ea typeface="+mn-ea"/>
-          <a:cs typeface="+mn-cs"/>
-        </a:defRPr>
-      </a:lvl1pPr>
-      <a:lvl2pPr marL="457200" algn="l" defTabSz="914400" rtl="0" eaLnBrk="1" latinLnBrk="0" hangingPunct="1">
-        <a:defRPr sz="1800" kern="1200">
-          <a:solidFill>
-            <a:schemeClr val="tx1"/>
-          </a:solidFill>
-          <a:latin typeface="+mn-lt"/>
-          <a:ea typeface="+mn-ea"/>
-          <a:cs typeface="+mn-cs"/>
-        </a:defRPr>
-      </a:lvl2pPr>
-      <a:lvl3pPr marL="914400" algn="l" defTabSz="914400" rtl="0" eaLnBrk="1" latinLnBrk="0" hangingPunct="1">
-        <a:defRPr sz="1800" kern="1200">
-          <a:solidFill>
-            <a:schemeClr val="tx1"/>
-          </a:solidFill>
-          <a:latin typeface="+mn-lt"/>
-          <a:ea typeface="+mn-ea"/>
-          <a:cs typeface="+mn-cs"/>
-        </a:defRPr>
-      </a:lvl3pPr>
-      <a:lvl4pPr marL="1371600" algn="l" defTabSz="914400" rtl="0" eaLnBrk="1" latinLnBrk="0" hangingPunct="1">
-        <a:defRPr sz="1800" kern="1200">
-          <a:solidFill>
-            <a:schemeClr val="tx1"/>
-          </a:solidFill>
-          <a:latin typeface="+mn-lt"/>
-          <a:ea typeface="+mn-ea"/>
-          <a:cs typeface="+mn-cs"/>
-        </a:defRPr>
-      </a:lvl4pPr>
-      <a:lvl5pPr marL="1828800" algn="l" defTabSz="914400" rtl="0" eaLnBrk="1" latinLnBrk="0" hangingPunct="1">
-        <a:defRPr sz="1800" kern="1200">
-          <a:solidFill>
-            <a:schemeClr val="tx1"/>
-          </a:solidFill>
-          <a:latin typeface="+mn-lt"/>
-          <a:ea typeface="+mn-ea"/>
-          <a:cs typeface="+mn-cs"/>
-        </a:defRPr>
-      </a:lvl5pPr>
-      <a:lvl6pPr marL="2286000" algn="l" defTabSz="914400" rtl="0" eaLnBrk="1" latinLnBrk="0" hangingPunct="1">
-        <a:defRPr sz="1800" kern="1200">
-          <a:solidFill>
-            <a:schemeClr val="tx1"/>
-          </a:solidFill>
-          <a:latin typeface="+mn-lt"/>
-          <a:ea typeface="+mn-ea"/>
-          <a:cs typeface="+mn-cs"/>
-        </a:defRPr>
-      </a:lvl6pPr>
-      <a:lvl7pPr marL="2743200" algn="l" defTabSz="914400" rtl="0" eaLnBrk="1" latinLnBrk="0" hangingPunct="1">
-        <a:defRPr sz="1800" kern="1200">
-          <a:solidFill>
-            <a:schemeClr val="tx1"/>
-          </a:solidFill>
-          <a:latin typeface="+mn-lt"/>
-          <a:ea typeface="+mn-ea"/>
-          <a:cs typeface="+mn-cs"/>
-        </a:defRPr>
-      </a:lvl7pPr>
-      <a:lvl8pPr marL="3200400" algn="l" defTabSz="914400" rtl="0" eaLnBrk="1" latinLnBrk="0" hangingPunct="1">
-        <a:defRPr sz="1800" kern="1200">
-          <a:solidFill>
-            <a:schemeClr val="tx1"/>
-          </a:solidFill>
-          <a:latin typeface="+mn-lt"/>
-          <a:ea typeface="+mn-ea"/>
-          <a:cs typeface="+mn-cs"/>
-        </a:defRPr>
-      </a:lvl8pPr>
-      <a:lvl9pPr marL="3657600" algn="l" defTabSz="914400" rtl="0" eaLnBrk="1" latinLnBrk="0" hangingPunct="1">
-        <a:defRPr sz="1800" kern="1200">
-          <a:solidFill>
-            <a:schemeClr val="tx1"/>
-          </a:solidFill>
-          <a:latin typeface="+mn-lt"/>
-          <a:ea typeface="+mn-ea"/>
-          <a:cs typeface="+mn-cs"/>
-        </a:defRPr>
-      </a:lvl9pPr>
-    </p:otherStyle>
-  </p:txStyles>
 </p:sldMaster>
 </file>
 
 <file path=ppt/slides/slide1.xml><?xml version="1.0" encoding="utf-8"?>
-<p:sld xmlns:a="http://schemas.openxmlformats.org/drawingml/2006/main" xmlns:r="http://schemas.openxmlformats.org/officeDocument/2006/relationships" xmlns:p="http://schemas.openxmlformats.org/presentationml/2006/main">
+<p:sld xmlns:a="http://schemas.openxmlformats.org/drawingml/2006/main" xmlns:p="http://schemas.openxmlformats.org/presentationml/2006/main" xmlns:r="http://schemas.openxmlformats.org/officeDocument/2006/relationships" xmlns:p14="http://schemas.microsoft.com/office/powerpoint/2010/main" xmlns:p15="http://schemas.microsoft.com/office/powerpoint/2012/main" xmlns:mc="http://schemas.openxmlformats.org/markup-compatibility/2006">
   <p:cSld>
     <p:spTree>
       <p:nvGrpSpPr>
@@ -5983,7 +5314,7 @@
         <p:spPr>
           <a:xfrm>
             <a:off x="1523880" y="2601000"/>
-            <a:ext cx="9142920" cy="1654560"/>
+            <a:ext cx="9142560" cy="1654200"/>
           </a:xfrm>
           <a:prstGeom prst="rect">
             <a:avLst/>
@@ -5994,22 +5325,15 @@
           </a:ln>
         </p:spPr>
         <p:style>
-          <a:lnRef idx="0">
-            <a:scrgbClr r="0" g="0" b="0"/>
-          </a:lnRef>
-          <a:fillRef idx="0">
-            <a:scrgbClr r="0" g="0" b="0"/>
-          </a:fillRef>
-          <a:effectRef idx="0">
-            <a:scrgbClr r="0" g="0" b="0"/>
-          </a:effectRef>
+          <a:lnRef idx="0"/>
+          <a:fillRef idx="0"/>
+          <a:effectRef idx="0"/>
           <a:fontRef idx="minor"/>
         </p:style>
         <p:txBody>
-          <a:bodyPr lIns="90000" tIns="45000" rIns="90000" bIns="45000">
+          <a:bodyPr lIns="90000" rIns="90000" tIns="45000" bIns="45000">
             <a:normAutofit/>
           </a:bodyPr>
-          <a:lstStyle/>
           <a:p>
             <a:pPr algn="ctr">
               <a:lnSpc>
@@ -6019,11 +5343,11 @@
                 <a:spcPts val="1001"/>
               </a:spcBef>
               <a:tabLst>
-                <a:tab pos="0" algn="l"/>
+                <a:tab algn="l" pos="0"/>
               </a:tabLst>
             </a:pPr>
             <a:r>
-              <a:rPr lang="pt-PT" sz="2800" b="1" strike="noStrike" spc="-1">
+              <a:rPr b="1" lang="pt-PT" sz="2800" spc="-1" strike="noStrike">
                 <a:solidFill>
                   <a:srgbClr val="000000"/>
                 </a:solidFill>
@@ -6032,7 +5356,7 @@
               </a:rPr>
               <a:t>Algoritmos e Estruturas de Dados</a:t>
             </a:r>
-            <a:endParaRPr lang="pt-PT" sz="2800" b="0" strike="noStrike" spc="-1">
+            <a:endParaRPr b="0" lang="pt-PT" sz="2800" spc="-1" strike="noStrike">
               <a:latin typeface="Arial"/>
             </a:endParaRPr>
           </a:p>
@@ -6040,18 +5364,18 @@
       </p:sp>
       <p:pic>
         <p:nvPicPr>
-          <p:cNvPr id="115" name="Imagem 8"/>
+          <p:cNvPr id="115" name="Imagem 8" descr=""/>
           <p:cNvPicPr/>
           <p:nvPr/>
         </p:nvPicPr>
         <p:blipFill>
-          <a:blip r:embed="rId2"/>
+          <a:blip r:embed="rId1"/>
           <a:stretch/>
         </p:blipFill>
         <p:spPr>
           <a:xfrm>
             <a:off x="2723400" y="0"/>
-            <a:ext cx="6744240" cy="2339280"/>
+            <a:ext cx="6743880" cy="2338920"/>
           </a:xfrm>
           <a:prstGeom prst="rect">
             <a:avLst/>
@@ -6103,7 +5427,7 @@
         <p:spPr>
           <a:xfrm>
             <a:off x="2259000" y="3753360"/>
-            <a:ext cx="7673040" cy="1735560"/>
+            <a:ext cx="7672680" cy="1735560"/>
           </a:xfrm>
           <a:prstGeom prst="rect">
             <a:avLst/>
@@ -6114,22 +5438,15 @@
           </a:ln>
         </p:spPr>
         <p:style>
-          <a:lnRef idx="0">
-            <a:scrgbClr r="0" g="0" b="0"/>
-          </a:lnRef>
-          <a:fillRef idx="0">
-            <a:scrgbClr r="0" g="0" b="0"/>
-          </a:fillRef>
-          <a:effectRef idx="0">
-            <a:scrgbClr r="0" g="0" b="0"/>
-          </a:effectRef>
+          <a:lnRef idx="0"/>
+          <a:fillRef idx="0"/>
+          <a:effectRef idx="0"/>
           <a:fontRef idx="minor"/>
         </p:style>
         <p:txBody>
-          <a:bodyPr lIns="90000" tIns="45000" rIns="90000" bIns="45000">
+          <a:bodyPr lIns="90000" rIns="90000" tIns="45000" bIns="45000">
             <a:spAutoFit/>
           </a:bodyPr>
-          <a:lstStyle/>
           <a:p>
             <a:pPr algn="ctr">
               <a:lnSpc>
@@ -6137,7 +5454,7 @@
               </a:lnSpc>
             </a:pPr>
             <a:r>
-              <a:rPr lang="pt-PT" sz="1800" b="0" strike="noStrike" spc="-1">
+              <a:rPr b="0" lang="pt-PT" sz="1800" spc="-1" strike="noStrike">
                 <a:solidFill>
                   <a:srgbClr val="000000"/>
                 </a:solidFill>
@@ -6146,7 +5463,7 @@
               </a:rPr>
               <a:t>Trabalho realizado por:</a:t>
             </a:r>
-            <a:endParaRPr lang="pt-PT" sz="1800" b="0" strike="noStrike" spc="-1">
+            <a:endParaRPr b="0" lang="pt-PT" sz="1800" spc="-1" strike="noStrike">
               <a:latin typeface="Arial"/>
             </a:endParaRPr>
           </a:p>
@@ -6156,7 +5473,7 @@
                 <a:spcPct val="100000"/>
               </a:lnSpc>
             </a:pPr>
-            <a:endParaRPr lang="pt-PT" sz="1800" b="0" strike="noStrike" spc="-1">
+            <a:endParaRPr b="0" lang="pt-PT" sz="1800" spc="-1" strike="noStrike">
               <a:latin typeface="Arial"/>
             </a:endParaRPr>
           </a:p>
@@ -6167,7 +5484,7 @@
               </a:lnSpc>
             </a:pPr>
             <a:r>
-              <a:rPr lang="pt-PT" sz="1800" b="0" strike="noStrike" spc="-1">
+              <a:rPr b="0" lang="pt-PT" sz="1800" spc="-1" strike="noStrike">
                 <a:solidFill>
                   <a:srgbClr val="000000"/>
                 </a:solidFill>
@@ -6176,7 +5493,7 @@
               </a:rPr>
               <a:t>Nuno Afonso Anjos Pereira - up202007865</a:t>
             </a:r>
-            <a:endParaRPr lang="pt-PT" sz="1800" b="0" strike="noStrike" spc="-1">
+            <a:endParaRPr b="0" lang="pt-PT" sz="1800" spc="-1" strike="noStrike">
               <a:latin typeface="Arial"/>
             </a:endParaRPr>
           </a:p>
@@ -6187,7 +5504,7 @@
               </a:lnSpc>
             </a:pPr>
             <a:r>
-              <a:rPr lang="pt-PT" sz="1800" b="0" strike="noStrike" spc="-1">
+              <a:rPr b="0" lang="pt-PT" sz="1800" spc="-1" strike="noStrike">
                 <a:solidFill>
                   <a:srgbClr val="000000"/>
                 </a:solidFill>
@@ -6196,7 +5513,7 @@
               </a:rPr>
               <a:t>Pedro Miguel Magalhães Nunes – up202004714</a:t>
             </a:r>
-            <a:endParaRPr lang="pt-PT" sz="1800" b="0" strike="noStrike" spc="-1">
+            <a:endParaRPr b="0" lang="pt-PT" sz="1800" spc="-1" strike="noStrike">
               <a:latin typeface="Arial"/>
             </a:endParaRPr>
           </a:p>
@@ -6207,7 +5524,7 @@
               </a:lnSpc>
             </a:pPr>
             <a:r>
-              <a:rPr lang="pt-PT" sz="1800" b="0" strike="noStrike" spc="-1">
+              <a:rPr b="0" lang="pt-PT" sz="1800" spc="-1" strike="noStrike">
                 <a:solidFill>
                   <a:srgbClr val="000000"/>
                 </a:solidFill>
@@ -6216,7 +5533,7 @@
               </a:rPr>
               <a:t>Vítor Manuel da Silva Cavaleiro – up202004724</a:t>
             </a:r>
-            <a:endParaRPr lang="pt-PT" sz="1800" b="0" strike="noStrike" spc="-1">
+            <a:endParaRPr b="0" lang="pt-PT" sz="1800" spc="-1" strike="noStrike">
               <a:latin typeface="Arial"/>
             </a:endParaRPr>
           </a:p>
@@ -6227,7 +5544,7 @@
               </a:lnSpc>
             </a:pPr>
             <a:r>
-              <a:rPr lang="pt-PT" sz="1800" b="0" strike="noStrike" spc="-1">
+              <a:rPr b="0" lang="pt-PT" sz="1800" spc="-1" strike="noStrike">
                 <a:solidFill>
                   <a:srgbClr val="000000"/>
                 </a:solidFill>
@@ -6236,7 +5553,7 @@
               </a:rPr>
               <a:t>        </a:t>
             </a:r>
-            <a:endParaRPr lang="pt-PT" sz="1800" b="0" strike="noStrike" spc="-1">
+            <a:endParaRPr b="0" lang="pt-PT" sz="1800" spc="-1" strike="noStrike">
               <a:latin typeface="Arial"/>
             </a:endParaRPr>
           </a:p>
@@ -6244,14 +5561,19 @@
       </p:sp>
     </p:spTree>
   </p:cSld>
-  <p:clrMapOvr>
-    <a:masterClrMapping/>
-  </p:clrMapOvr>
+  <mc:AlternateContent>
+    <mc:Choice Requires="p14">
+      <p:transition spd="slow" p14:dur="2000"/>
+    </mc:Choice>
+    <mc:Fallback>
+      <p:transition spd="slow"/>
+    </mc:Fallback>
+  </mc:AlternateContent>
 </p:sld>
 </file>
 
 <file path=ppt/slides/slide10.xml><?xml version="1.0" encoding="utf-8"?>
-<p:sld xmlns:a="http://schemas.openxmlformats.org/drawingml/2006/main" xmlns:r="http://schemas.openxmlformats.org/officeDocument/2006/relationships" xmlns:p="http://schemas.openxmlformats.org/presentationml/2006/main">
+<p:sld xmlns:a="http://schemas.openxmlformats.org/drawingml/2006/main" xmlns:p="http://schemas.openxmlformats.org/presentationml/2006/main" xmlns:r="http://schemas.openxmlformats.org/officeDocument/2006/relationships" xmlns:p14="http://schemas.microsoft.com/office/powerpoint/2010/main" xmlns:p15="http://schemas.microsoft.com/office/powerpoint/2012/main" xmlns:mc="http://schemas.openxmlformats.org/markup-compatibility/2006">
   <p:cSld>
     <p:spTree>
       <p:nvGrpSpPr>
@@ -6269,14 +5591,14 @@
       </p:grpSpPr>
       <p:sp>
         <p:nvSpPr>
-          <p:cNvPr id="136" name="Título 1"/>
+          <p:cNvPr id="137" name="Título 1"/>
           <p:cNvSpPr/>
           <p:nvPr/>
         </p:nvSpPr>
         <p:spPr>
           <a:xfrm>
             <a:off x="838080" y="365040"/>
-            <a:ext cx="10514520" cy="1324440"/>
+            <a:ext cx="10514160" cy="1324080"/>
           </a:xfrm>
           <a:prstGeom prst="rect">
             <a:avLst/>
@@ -6287,22 +5609,15 @@
           </a:ln>
         </p:spPr>
         <p:style>
-          <a:lnRef idx="0">
-            <a:scrgbClr r="0" g="0" b="0"/>
-          </a:lnRef>
-          <a:fillRef idx="0">
-            <a:scrgbClr r="0" g="0" b="0"/>
-          </a:fillRef>
-          <a:effectRef idx="0">
-            <a:scrgbClr r="0" g="0" b="0"/>
-          </a:effectRef>
+          <a:lnRef idx="0"/>
+          <a:fillRef idx="0"/>
+          <a:effectRef idx="0"/>
           <a:fontRef idx="minor"/>
         </p:style>
         <p:txBody>
-          <a:bodyPr lIns="90000" tIns="45000" rIns="90000" bIns="45000" anchor="ctr">
+          <a:bodyPr lIns="90000" rIns="90000" tIns="45000" bIns="45000" anchor="ctr">
             <a:noAutofit/>
           </a:bodyPr>
-          <a:lstStyle/>
           <a:p>
             <a:pPr algn="ctr">
               <a:lnSpc>
@@ -6310,7 +5625,7 @@
               </a:lnSpc>
             </a:pPr>
             <a:r>
-              <a:rPr lang="pt-PT" sz="4400" b="1" strike="noStrike" spc="-1">
+              <a:rPr b="1" lang="pt-PT" sz="4400" spc="-1" strike="noStrike">
                 <a:solidFill>
                   <a:srgbClr val="000000"/>
                 </a:solidFill>
@@ -6319,22 +5634,22 @@
               </a:rPr>
               <a:t>Outras observações/Exemplos de Execução</a:t>
             </a:r>
-            <a:endParaRPr lang="pt-PT" sz="4400" b="0" strike="noStrike" spc="-1">
-              <a:latin typeface="Arial"/>
-            </a:endParaRPr>
-          </a:p>
-        </p:txBody>
-      </p:sp>
-      <p:sp>
-        <p:nvSpPr>
-          <p:cNvPr id="137" name="Marcador de Posição de Conteúdo 2"/>
+            <a:endParaRPr b="0" lang="pt-PT" sz="4400" spc="-1" strike="noStrike">
+              <a:latin typeface="Arial"/>
+            </a:endParaRPr>
+          </a:p>
+        </p:txBody>
+      </p:sp>
+      <p:sp>
+        <p:nvSpPr>
+          <p:cNvPr id="138" name="Marcador de Posição de Conteúdo 2"/>
           <p:cNvSpPr/>
           <p:nvPr/>
         </p:nvSpPr>
         <p:spPr>
           <a:xfrm>
             <a:off x="838080" y="1825560"/>
-            <a:ext cx="10514520" cy="4350240"/>
+            <a:ext cx="10514160" cy="4349880"/>
           </a:xfrm>
           <a:prstGeom prst="rect">
             <a:avLst/>
@@ -6345,22 +5660,15 @@
           </a:ln>
         </p:spPr>
         <p:style>
-          <a:lnRef idx="0">
-            <a:scrgbClr r="0" g="0" b="0"/>
-          </a:lnRef>
-          <a:fillRef idx="0">
-            <a:scrgbClr r="0" g="0" b="0"/>
-          </a:fillRef>
-          <a:effectRef idx="0">
-            <a:scrgbClr r="0" g="0" b="0"/>
-          </a:effectRef>
+          <a:lnRef idx="0"/>
+          <a:fillRef idx="0"/>
+          <a:effectRef idx="0"/>
           <a:fontRef idx="minor"/>
         </p:style>
         <p:txBody>
-          <a:bodyPr lIns="90000" tIns="45000" rIns="90000" bIns="45000">
+          <a:bodyPr lIns="90000" rIns="90000" tIns="45000" bIns="45000">
             <a:normAutofit/>
           </a:bodyPr>
-          <a:lstStyle/>
           <a:p>
             <a:pPr>
               <a:lnSpc>
@@ -6370,11 +5678,11 @@
                 <a:spcPts val="1001"/>
               </a:spcBef>
               <a:tabLst>
-                <a:tab pos="0" algn="l"/>
+                <a:tab algn="l" pos="0"/>
               </a:tabLst>
             </a:pPr>
             <a:r>
-              <a:rPr lang="pt-PT" sz="2400" b="0" strike="noStrike" spc="-1">
+              <a:rPr b="0" lang="pt-PT" sz="2400" spc="-1" strike="noStrike">
                 <a:solidFill>
                   <a:srgbClr val="000000"/>
                 </a:solidFill>
@@ -6383,7 +5691,7 @@
               </a:rPr>
               <a:t>Não é necessário, pode ser apagado depois</a:t>
             </a:r>
-            <a:endParaRPr lang="pt-PT" sz="2400" b="0" strike="noStrike" spc="-1">
+            <a:endParaRPr b="0" lang="pt-PT" sz="2400" spc="-1" strike="noStrike">
               <a:latin typeface="Arial"/>
             </a:endParaRPr>
           </a:p>
@@ -6396,11 +5704,11 @@
                 <a:spcPts val="1001"/>
               </a:spcBef>
               <a:tabLst>
-                <a:tab pos="0" algn="l"/>
+                <a:tab algn="l" pos="0"/>
               </a:tabLst>
             </a:pPr>
             <a:r>
-              <a:rPr lang="pt-PT" sz="2400" b="0" strike="noStrike" spc="-1">
+              <a:rPr b="0" lang="pt-PT" sz="2400" spc="-1" strike="noStrike">
                 <a:solidFill>
                   <a:srgbClr val="000000"/>
                 </a:solidFill>
@@ -6409,7 +5717,7 @@
               </a:rPr>
               <a:t>max 5 diapositivos</a:t>
             </a:r>
-            <a:endParaRPr lang="pt-PT" sz="2400" b="0" strike="noStrike" spc="-1">
+            <a:endParaRPr b="0" lang="pt-PT" sz="2400" spc="-1" strike="noStrike">
               <a:latin typeface="Arial"/>
             </a:endParaRPr>
           </a:p>
@@ -6417,14 +5725,19 @@
       </p:sp>
     </p:spTree>
   </p:cSld>
-  <p:clrMapOvr>
-    <a:masterClrMapping/>
-  </p:clrMapOvr>
+  <mc:AlternateContent>
+    <mc:Choice Requires="p14">
+      <p:transition spd="slow" p14:dur="2000"/>
+    </mc:Choice>
+    <mc:Fallback>
+      <p:transition spd="slow"/>
+    </mc:Fallback>
+  </mc:AlternateContent>
 </p:sld>
 </file>
 
 <file path=ppt/slides/slide2.xml><?xml version="1.0" encoding="utf-8"?>
-<p:sld xmlns:a="http://schemas.openxmlformats.org/drawingml/2006/main" xmlns:r="http://schemas.openxmlformats.org/officeDocument/2006/relationships" xmlns:p="http://schemas.openxmlformats.org/presentationml/2006/main">
+<p:sld xmlns:a="http://schemas.openxmlformats.org/drawingml/2006/main" xmlns:p="http://schemas.openxmlformats.org/presentationml/2006/main" xmlns:r="http://schemas.openxmlformats.org/officeDocument/2006/relationships" xmlns:p14="http://schemas.microsoft.com/office/powerpoint/2010/main" xmlns:p15="http://schemas.microsoft.com/office/powerpoint/2012/main" xmlns:mc="http://schemas.openxmlformats.org/markup-compatibility/2006">
   <p:cSld>
     <p:spTree>
       <p:nvGrpSpPr>
@@ -6449,7 +5762,7 @@
         <p:spPr>
           <a:xfrm>
             <a:off x="838080" y="365040"/>
-            <a:ext cx="10514520" cy="1324440"/>
+            <a:ext cx="10514160" cy="1324080"/>
           </a:xfrm>
           <a:prstGeom prst="rect">
             <a:avLst/>
@@ -6460,22 +5773,15 @@
           </a:ln>
         </p:spPr>
         <p:style>
-          <a:lnRef idx="0">
-            <a:scrgbClr r="0" g="0" b="0"/>
-          </a:lnRef>
-          <a:fillRef idx="0">
-            <a:scrgbClr r="0" g="0" b="0"/>
-          </a:fillRef>
-          <a:effectRef idx="0">
-            <a:scrgbClr r="0" g="0" b="0"/>
-          </a:effectRef>
+          <a:lnRef idx="0"/>
+          <a:fillRef idx="0"/>
+          <a:effectRef idx="0"/>
           <a:fontRef idx="minor"/>
         </p:style>
         <p:txBody>
-          <a:bodyPr lIns="90000" tIns="45000" rIns="90000" bIns="45000" anchor="ctr">
+          <a:bodyPr lIns="90000" rIns="90000" tIns="45000" bIns="45000" anchor="ctr">
             <a:noAutofit/>
           </a:bodyPr>
-          <a:lstStyle/>
           <a:p>
             <a:pPr algn="ctr">
               <a:lnSpc>
@@ -6483,7 +5789,7 @@
               </a:lnSpc>
             </a:pPr>
             <a:r>
-              <a:rPr lang="pt-PT" sz="4400" b="1" strike="noStrike" spc="-1">
+              <a:rPr b="1" lang="pt-PT" sz="4400" spc="-1" strike="noStrike">
                 <a:solidFill>
                   <a:srgbClr val="000000"/>
                 </a:solidFill>
@@ -6492,7 +5798,7 @@
               </a:rPr>
               <a:t>Descrição do Problema</a:t>
             </a:r>
-            <a:endParaRPr lang="pt-PT" sz="4400" b="0" strike="noStrike" spc="-1">
+            <a:endParaRPr b="0" lang="pt-PT" sz="4400" spc="-1" strike="noStrike">
               <a:latin typeface="Arial"/>
             </a:endParaRPr>
           </a:p>
@@ -6507,7 +5813,7 @@
         <p:spPr>
           <a:xfrm>
             <a:off x="838080" y="1825560"/>
-            <a:ext cx="10514520" cy="4350240"/>
+            <a:ext cx="10514160" cy="4349880"/>
           </a:xfrm>
           <a:prstGeom prst="rect">
             <a:avLst/>
@@ -6518,22 +5824,15 @@
           </a:ln>
         </p:spPr>
         <p:style>
-          <a:lnRef idx="0">
-            <a:scrgbClr r="0" g="0" b="0"/>
-          </a:lnRef>
-          <a:fillRef idx="0">
-            <a:scrgbClr r="0" g="0" b="0"/>
-          </a:fillRef>
-          <a:effectRef idx="0">
-            <a:scrgbClr r="0" g="0" b="0"/>
-          </a:effectRef>
+          <a:lnRef idx="0"/>
+          <a:fillRef idx="0"/>
+          <a:effectRef idx="0"/>
           <a:fontRef idx="minor"/>
         </p:style>
         <p:txBody>
-          <a:bodyPr lIns="90000" tIns="45000" rIns="90000" bIns="45000">
+          <a:bodyPr lIns="90000" rIns="90000" tIns="45000" bIns="45000">
             <a:normAutofit/>
           </a:bodyPr>
-          <a:lstStyle/>
           <a:p>
             <a:pPr>
               <a:lnSpc>
@@ -6543,11 +5842,11 @@
                 <a:spcPts val="1001"/>
               </a:spcBef>
               <a:tabLst>
-                <a:tab pos="0" algn="l"/>
+                <a:tab algn="l" pos="0"/>
               </a:tabLst>
             </a:pPr>
             <a:r>
-              <a:rPr lang="pt-PT" sz="2800" b="0" strike="noStrike" spc="-1">
+              <a:rPr b="0" lang="pt-PT" sz="2800" spc="-1" strike="noStrike">
                 <a:solidFill>
                   <a:srgbClr val="000000"/>
                 </a:solidFill>
@@ -6556,7 +5855,7 @@
               </a:rPr>
               <a:t>Implementar um sistema de gestão de informação para uma companhia aérea, capaz de guardar e gerir informação relativa a aviões, voos, passageiros, bagagens e aeroportos.</a:t>
             </a:r>
-            <a:endParaRPr lang="pt-PT" sz="2800" b="0" strike="noStrike" spc="-1">
+            <a:endParaRPr b="0" lang="pt-PT" sz="2800" spc="-1" strike="noStrike">
               <a:latin typeface="Arial"/>
             </a:endParaRPr>
           </a:p>
@@ -6569,11 +5868,11 @@
                 <a:spcPts val="1001"/>
               </a:spcBef>
               <a:tabLst>
-                <a:tab pos="0" algn="l"/>
+                <a:tab algn="l" pos="0"/>
               </a:tabLst>
             </a:pPr>
             <a:r>
-              <a:rPr lang="pt-PT" sz="2800" b="0" strike="noStrike" spc="-1">
+              <a:rPr b="0" lang="pt-PT" sz="2800" spc="-1" strike="noStrike">
                 <a:solidFill>
                   <a:srgbClr val="000000"/>
                 </a:solidFill>
@@ -6582,7 +5881,7 @@
               </a:rPr>
               <a:t>…</a:t>
             </a:r>
-            <a:endParaRPr lang="pt-PT" sz="2800" b="0" strike="noStrike" spc="-1">
+            <a:endParaRPr b="0" lang="pt-PT" sz="2800" spc="-1" strike="noStrike">
               <a:latin typeface="Arial"/>
             </a:endParaRPr>
           </a:p>
@@ -6595,10 +5894,10 @@
                 <a:spcPts val="1001"/>
               </a:spcBef>
               <a:tabLst>
-                <a:tab pos="0" algn="l"/>
+                <a:tab algn="l" pos="0"/>
               </a:tabLst>
             </a:pPr>
-            <a:endParaRPr lang="pt-PT" sz="2800" b="0" strike="noStrike" spc="-1">
+            <a:endParaRPr b="0" lang="pt-PT" sz="2800" spc="-1" strike="noStrike">
               <a:latin typeface="Arial"/>
             </a:endParaRPr>
           </a:p>
@@ -6606,14 +5905,19 @@
       </p:sp>
     </p:spTree>
   </p:cSld>
-  <p:clrMapOvr>
-    <a:masterClrMapping/>
-  </p:clrMapOvr>
+  <mc:AlternateContent>
+    <mc:Choice Requires="p14">
+      <p:transition spd="slow" p14:dur="2000"/>
+    </mc:Choice>
+    <mc:Fallback>
+      <p:transition spd="slow"/>
+    </mc:Fallback>
+  </mc:AlternateContent>
 </p:sld>
 </file>
 
 <file path=ppt/slides/slide3.xml><?xml version="1.0" encoding="utf-8"?>
-<p:sld xmlns:a="http://schemas.openxmlformats.org/drawingml/2006/main" xmlns:r="http://schemas.openxmlformats.org/officeDocument/2006/relationships" xmlns:p="http://schemas.openxmlformats.org/presentationml/2006/main">
+<p:sld xmlns:a="http://schemas.openxmlformats.org/drawingml/2006/main" xmlns:p="http://schemas.openxmlformats.org/presentationml/2006/main" xmlns:r="http://schemas.openxmlformats.org/officeDocument/2006/relationships" xmlns:p14="http://schemas.microsoft.com/office/powerpoint/2010/main" xmlns:p15="http://schemas.microsoft.com/office/powerpoint/2012/main" xmlns:mc="http://schemas.openxmlformats.org/markup-compatibility/2006">
   <p:cSld>
     <p:spTree>
       <p:nvGrpSpPr>
@@ -6638,7 +5942,7 @@
         <p:spPr>
           <a:xfrm>
             <a:off x="838080" y="365040"/>
-            <a:ext cx="10514520" cy="1324440"/>
+            <a:ext cx="10514160" cy="1324080"/>
           </a:xfrm>
           <a:prstGeom prst="rect">
             <a:avLst/>
@@ -6649,22 +5953,15 @@
           </a:ln>
         </p:spPr>
         <p:style>
-          <a:lnRef idx="0">
-            <a:scrgbClr r="0" g="0" b="0"/>
-          </a:lnRef>
-          <a:fillRef idx="0">
-            <a:scrgbClr r="0" g="0" b="0"/>
-          </a:fillRef>
-          <a:effectRef idx="0">
-            <a:scrgbClr r="0" g="0" b="0"/>
-          </a:effectRef>
+          <a:lnRef idx="0"/>
+          <a:fillRef idx="0"/>
+          <a:effectRef idx="0"/>
           <a:fontRef idx="minor"/>
         </p:style>
         <p:txBody>
-          <a:bodyPr lIns="90000" tIns="45000" rIns="90000" bIns="45000" anchor="ctr">
+          <a:bodyPr lIns="90000" rIns="90000" tIns="45000" bIns="45000" anchor="ctr">
             <a:noAutofit/>
           </a:bodyPr>
-          <a:lstStyle/>
           <a:p>
             <a:pPr algn="ctr">
               <a:lnSpc>
@@ -6672,7 +5969,7 @@
               </a:lnSpc>
             </a:pPr>
             <a:r>
-              <a:rPr lang="pt-PT" sz="4400" b="1" strike="noStrike" spc="-1">
+              <a:rPr b="1" lang="pt-PT" sz="4400" spc="-1" strike="noStrike">
                 <a:solidFill>
                   <a:srgbClr val="000000"/>
                 </a:solidFill>
@@ -6681,22 +5978,22 @@
               </a:rPr>
               <a:t>Solução</a:t>
             </a:r>
-            <a:endParaRPr lang="pt-PT" sz="4400" b="0" strike="noStrike" spc="-1">
-              <a:latin typeface="Arial"/>
-            </a:endParaRPr>
-          </a:p>
-        </p:txBody>
-      </p:sp>
-      <p:sp>
-        <p:nvSpPr>
-          <p:cNvPr id="122" name="Retângulo 121"/>
+            <a:endParaRPr b="0" lang="pt-PT" sz="4400" spc="-1" strike="noStrike">
+              <a:latin typeface="Arial"/>
+            </a:endParaRPr>
+          </a:p>
+        </p:txBody>
+      </p:sp>
+      <p:sp>
+        <p:nvSpPr>
+          <p:cNvPr id="121" name="Retângulo 121"/>
           <p:cNvSpPr/>
           <p:nvPr/>
         </p:nvSpPr>
         <p:spPr>
           <a:xfrm>
-            <a:off x="609300" y="1689480"/>
-            <a:ext cx="10972080" cy="4789800"/>
+            <a:off x="609480" y="1689480"/>
+            <a:ext cx="10971720" cy="4789440"/>
           </a:xfrm>
           <a:prstGeom prst="rect">
             <a:avLst/>
@@ -6707,24 +6004,17 @@
           </a:ln>
         </p:spPr>
         <p:style>
-          <a:lnRef idx="0">
-            <a:scrgbClr r="0" g="0" b="0"/>
-          </a:lnRef>
-          <a:fillRef idx="0">
-            <a:scrgbClr r="0" g="0" b="0"/>
-          </a:fillRef>
-          <a:effectRef idx="0">
-            <a:scrgbClr r="0" g="0" b="0"/>
-          </a:effectRef>
+          <a:lnRef idx="0"/>
+          <a:fillRef idx="0"/>
+          <a:effectRef idx="0"/>
           <a:fontRef idx="minor"/>
         </p:style>
         <p:txBody>
-          <a:bodyPr lIns="0" tIns="0" rIns="0" bIns="0">
-            <a:normAutofit fontScale="91000" lnSpcReduction="20000"/>
-          </a:bodyPr>
-          <a:lstStyle/>
-          <a:p>
-            <a:pPr marL="432000" indent="-323640">
+          <a:bodyPr lIns="0" rIns="0" tIns="0" bIns="0">
+            <a:normAutofit fontScale="76000"/>
+          </a:bodyPr>
+          <a:p>
+            <a:pPr marL="432000" indent="-323280">
               <a:lnSpc>
                 <a:spcPct val="100000"/>
               </a:lnSpc>
@@ -6739,17 +6029,21 @@
               <a:buChar char=""/>
             </a:pPr>
             <a:r>
-              <a:rPr lang="pt-PT" sz="2800" b="0" strike="noStrike" spc="-1" dirty="0">
+              <a:rPr b="0" lang="pt-PT" sz="2800" spc="-1" strike="noStrike">
+                <a:solidFill>
+                  <a:srgbClr val="000000"/>
+                </a:solidFill>
                 <a:latin typeface="Calibri"/>
+                <a:ea typeface="DejaVu Sans"/>
               </a:rPr>
               <a:t>Implementámos um menu de forma a facilitar a interação com o programa;</a:t>
             </a:r>
-            <a:endParaRPr lang="pt-PT" sz="2800" b="0" strike="noStrike" spc="-1" dirty="0">
-              <a:latin typeface="Arial"/>
-            </a:endParaRPr>
-          </a:p>
-          <a:p>
-            <a:pPr marL="432000" indent="-323640">
+            <a:endParaRPr b="0" lang="pt-PT" sz="2800" spc="-1" strike="noStrike">
+              <a:latin typeface="Arial"/>
+            </a:endParaRPr>
+          </a:p>
+          <a:p>
+            <a:pPr marL="432000" indent="-323280">
               <a:lnSpc>
                 <a:spcPct val="100000"/>
               </a:lnSpc>
@@ -6764,29 +6058,21 @@
               <a:buChar char=""/>
             </a:pPr>
             <a:r>
-              <a:rPr lang="pt-PT" sz="2800" b="0" strike="noStrike" spc="-1" dirty="0">
+              <a:rPr b="0" lang="pt-PT" sz="2800" spc="-1" strike="noStrike">
+                <a:solidFill>
+                  <a:srgbClr val="000000"/>
+                </a:solidFill>
                 <a:latin typeface="Calibri"/>
+                <a:ea typeface="DejaVu Sans"/>
               </a:rPr>
-              <a:t>O núcleo central do programa é a classe </a:t>
+              <a:t>O núcleo central do programa é a classe Airline, que gere as interações entre aviões, aeroportos, voos e passageiros;</a:t>
             </a:r>
-            <a:r>
-              <a:rPr lang="pt-PT" sz="2800" b="0" strike="noStrike" spc="-1" dirty="0" err="1">
-                <a:latin typeface="Calibri"/>
-              </a:rPr>
-              <a:t>Airline</a:t>
-            </a:r>
-            <a:r>
-              <a:rPr lang="pt-PT" sz="2800" b="0" strike="noStrike" spc="-1" dirty="0">
-                <a:latin typeface="Calibri"/>
-              </a:rPr>
-              <a:t>, que gere as interações entre aviões, aeroportos, voos e passageiros;</a:t>
-            </a:r>
-            <a:endParaRPr lang="pt-PT" sz="2800" b="0" strike="noStrike" spc="-1" dirty="0">
-              <a:latin typeface="Arial"/>
-            </a:endParaRPr>
-          </a:p>
-          <a:p>
-            <a:pPr marL="432000" indent="-323640">
+            <a:endParaRPr b="0" lang="pt-PT" sz="2800" spc="-1" strike="noStrike">
+              <a:latin typeface="Arial"/>
+            </a:endParaRPr>
+          </a:p>
+          <a:p>
+            <a:pPr marL="432000" indent="-323280">
               <a:lnSpc>
                 <a:spcPct val="100000"/>
               </a:lnSpc>
@@ -6801,29 +6087,21 @@
               <a:buChar char=""/>
             </a:pPr>
             <a:r>
-              <a:rPr lang="pt-PT" sz="2800" b="0" strike="noStrike" spc="-1" dirty="0">
+              <a:rPr b="0" lang="pt-PT" sz="2800" spc="-1" strike="noStrike">
+                <a:solidFill>
+                  <a:srgbClr val="000000"/>
+                </a:solidFill>
                 <a:latin typeface="Calibri"/>
+                <a:ea typeface="DejaVu Sans"/>
               </a:rPr>
-              <a:t>Dentro das soluções</a:t>
+              <a:t>Dentro das soluções aos problemas apresentados, que implementámos, eis dois exemplos:</a:t>
             </a:r>
-            <a:r>
-              <a:rPr lang="pt-PT" sz="2800" spc="-1" dirty="0">
-                <a:latin typeface="Calibri"/>
-              </a:rPr>
-              <a:t> </a:t>
-            </a:r>
-            <a:r>
-              <a:rPr lang="pt-PT" sz="2800" b="0" strike="noStrike" spc="-1" dirty="0">
-                <a:latin typeface="Calibri"/>
-              </a:rPr>
-              <a:t>aos problemas apresentados, que implementámos, eis dois exemplos:</a:t>
-            </a:r>
-            <a:endParaRPr lang="pt-PT" sz="2800" b="0" strike="noStrike" spc="-1" dirty="0">
-              <a:latin typeface="Arial"/>
-            </a:endParaRPr>
-          </a:p>
-          <a:p>
-            <a:pPr marL="432000" indent="-323640">
+            <a:endParaRPr b="0" lang="pt-PT" sz="2800" spc="-1" strike="noStrike">
+              <a:latin typeface="Arial"/>
+            </a:endParaRPr>
+          </a:p>
+          <a:p>
+            <a:pPr marL="432000" indent="-323280">
               <a:lnSpc>
                 <a:spcPct val="100000"/>
               </a:lnSpc>
@@ -6838,65 +6116,21 @@
               <a:buChar char=""/>
             </a:pPr>
             <a:r>
-              <a:rPr lang="pt-PT" sz="2800" b="0" strike="noStrike" spc="-1" dirty="0">
+              <a:rPr b="0" lang="pt-PT" sz="2800" spc="-1" strike="noStrike">
+                <a:solidFill>
+                  <a:srgbClr val="000000"/>
+                </a:solidFill>
                 <a:latin typeface="Calibri"/>
+                <a:ea typeface="DejaVu Sans"/>
               </a:rPr>
-              <a:t>No tratamento dos serviços criamos duas filas(</a:t>
+              <a:t>No tratamento dos serviços criamos duas filas(serviçosAcabados, serviçosMarcados), quando um novo serviço era criado, era colocado nos serviçosMarcados e depois de ser cumprido, era colocado nos serviçosAcabados.</a:t>
             </a:r>
-            <a:r>
-              <a:rPr lang="pt-PT" sz="2800" b="0" strike="noStrike" spc="-1" dirty="0" err="1">
-                <a:latin typeface="Calibri"/>
-              </a:rPr>
-              <a:t>serviçosAcabados</a:t>
-            </a:r>
-            <a:r>
-              <a:rPr lang="pt-PT" sz="2800" b="0" strike="noStrike" spc="-1" dirty="0">
-                <a:latin typeface="Calibri"/>
-              </a:rPr>
-              <a:t>, </a:t>
-            </a:r>
-            <a:r>
-              <a:rPr lang="pt-PT" sz="2800" b="0" strike="noStrike" spc="-1" dirty="0" err="1">
-                <a:latin typeface="Calibri"/>
-              </a:rPr>
-              <a:t>serviçosMarcados</a:t>
-            </a:r>
-            <a:r>
-              <a:rPr lang="pt-PT" sz="2800" b="0" strike="noStrike" spc="-1" dirty="0">
-                <a:latin typeface="Calibri"/>
-              </a:rPr>
-              <a:t>), quando um novo serviço era criado, era colocado nos </a:t>
-            </a:r>
-            <a:r>
-              <a:rPr lang="pt-PT" sz="2800" b="0" strike="noStrike" spc="-1" dirty="0" err="1">
-                <a:latin typeface="Calibri"/>
-              </a:rPr>
-              <a:t>serviçosMarcados</a:t>
-            </a:r>
-            <a:r>
-              <a:rPr lang="pt-PT" sz="2800" b="0" strike="noStrike" spc="-1" dirty="0">
-                <a:latin typeface="Calibri"/>
-              </a:rPr>
-              <a:t> e depois de ser cumprido, era colocado nos </a:t>
-            </a:r>
-            <a:r>
-              <a:rPr lang="pt-PT" sz="2800" b="0" strike="noStrike" spc="-1" dirty="0" err="1">
-                <a:latin typeface="Calibri"/>
-              </a:rPr>
-              <a:t>serviçosAcabados</a:t>
-            </a:r>
-            <a:r>
-              <a:rPr lang="pt-PT" sz="2800" b="0" strike="noStrike" spc="-1" dirty="0">
-                <a:latin typeface="Calibri"/>
-              </a:rPr>
-              <a:t>.</a:t>
-            </a:r>
-            <a:endParaRPr lang="pt-PT" sz="2800" b="0" strike="noStrike" spc="-1" dirty="0">
-              <a:latin typeface="Arial"/>
-            </a:endParaRPr>
-          </a:p>
-          <a:p>
-            <a:pPr marL="432000" indent="-323640">
+            <a:endParaRPr b="0" lang="pt-PT" sz="2800" spc="-1" strike="noStrike">
+              <a:latin typeface="Arial"/>
+            </a:endParaRPr>
+          </a:p>
+          <a:p>
+            <a:pPr marL="432000" indent="-323280">
               <a:lnSpc>
                 <a:spcPct val="100000"/>
               </a:lnSpc>
@@ -6911,36 +6145,16 @@
               <a:buChar char=""/>
             </a:pPr>
             <a:r>
-              <a:rPr lang="pt-PT" sz="2800" b="0" strike="noStrike" spc="-1" dirty="0">
+              <a:rPr b="0" lang="pt-PT" sz="2800" spc="-1" strike="noStrike">
+                <a:solidFill>
+                  <a:srgbClr val="000000"/>
+                </a:solidFill>
                 <a:latin typeface="Calibri"/>
+                <a:ea typeface="DejaVu Sans"/>
               </a:rPr>
-              <a:t>No tratamento das malas  criamos um sistema de transporte, composto por carruagens que, à medida que estas ficam cheias, adicionam novas carruagens. Cada carruagem possui 4 </a:t>
+              <a:t>No tratamento das malas  criamos um sistema de transporte, composto por carruagens que, à medida que estas ficam cheias, adicionam novas carruagens. Cada carruagem possui 4 stacks e cada stack tem a capacidade máxima de 5 malas.</a:t>
             </a:r>
-            <a:r>
-              <a:rPr lang="pt-PT" sz="2800" b="0" strike="noStrike" spc="-1" dirty="0" err="1">
-                <a:latin typeface="Calibri"/>
-              </a:rPr>
-              <a:t>stacks</a:t>
-            </a:r>
-            <a:r>
-              <a:rPr lang="pt-PT" sz="2800" b="0" strike="noStrike" spc="-1" dirty="0">
-                <a:latin typeface="Calibri"/>
-              </a:rPr>
-              <a:t> e cada </a:t>
-            </a:r>
-            <a:r>
-              <a:rPr lang="pt-PT" sz="2800" b="0" strike="noStrike" spc="-1" dirty="0" err="1">
-                <a:latin typeface="Calibri"/>
-              </a:rPr>
-              <a:t>stack</a:t>
-            </a:r>
-            <a:r>
-              <a:rPr lang="pt-PT" sz="2800" b="0" strike="noStrike" spc="-1" dirty="0">
-                <a:latin typeface="Calibri"/>
-              </a:rPr>
-              <a:t> tem a capacidade máxima de 5 malas.</a:t>
-            </a:r>
-            <a:endParaRPr lang="pt-PT" sz="2800" b="0" strike="noStrike" spc="-1" dirty="0">
+            <a:endParaRPr b="0" lang="pt-PT" sz="2800" spc="-1" strike="noStrike">
               <a:latin typeface="Arial"/>
             </a:endParaRPr>
           </a:p>
@@ -6948,14 +6162,19 @@
       </p:sp>
     </p:spTree>
   </p:cSld>
-  <p:clrMapOvr>
-    <a:masterClrMapping/>
-  </p:clrMapOvr>
+  <mc:AlternateContent>
+    <mc:Choice Requires="p14">
+      <p:transition spd="slow" p14:dur="2000"/>
+    </mc:Choice>
+    <mc:Fallback>
+      <p:transition spd="slow"/>
+    </mc:Fallback>
+  </mc:AlternateContent>
 </p:sld>
 </file>
 
 <file path=ppt/slides/slide4.xml><?xml version="1.0" encoding="utf-8"?>
-<p:sld xmlns:a="http://schemas.openxmlformats.org/drawingml/2006/main" xmlns:r="http://schemas.openxmlformats.org/officeDocument/2006/relationships" xmlns:p="http://schemas.openxmlformats.org/presentationml/2006/main">
+<p:sld xmlns:a="http://schemas.openxmlformats.org/drawingml/2006/main" xmlns:p="http://schemas.openxmlformats.org/presentationml/2006/main" xmlns:r="http://schemas.openxmlformats.org/officeDocument/2006/relationships" xmlns:p14="http://schemas.microsoft.com/office/powerpoint/2010/main" xmlns:p15="http://schemas.microsoft.com/office/powerpoint/2012/main" xmlns:mc="http://schemas.openxmlformats.org/markup-compatibility/2006">
   <p:cSld>
     <p:spTree>
       <p:nvGrpSpPr>
@@ -6973,14 +6192,14 @@
       </p:grpSpPr>
       <p:sp>
         <p:nvSpPr>
-          <p:cNvPr id="123" name="Título 1"/>
+          <p:cNvPr id="122" name="Título 1"/>
           <p:cNvSpPr/>
           <p:nvPr/>
         </p:nvSpPr>
         <p:spPr>
           <a:xfrm>
             <a:off x="838080" y="365040"/>
-            <a:ext cx="10514520" cy="1324440"/>
+            <a:ext cx="10514160" cy="1324080"/>
           </a:xfrm>
           <a:prstGeom prst="rect">
             <a:avLst/>
@@ -6991,22 +6210,15 @@
           </a:ln>
         </p:spPr>
         <p:style>
-          <a:lnRef idx="0">
-            <a:scrgbClr r="0" g="0" b="0"/>
-          </a:lnRef>
-          <a:fillRef idx="0">
-            <a:scrgbClr r="0" g="0" b="0"/>
-          </a:fillRef>
-          <a:effectRef idx="0">
-            <a:scrgbClr r="0" g="0" b="0"/>
-          </a:effectRef>
+          <a:lnRef idx="0"/>
+          <a:fillRef idx="0"/>
+          <a:effectRef idx="0"/>
           <a:fontRef idx="minor"/>
         </p:style>
         <p:txBody>
-          <a:bodyPr lIns="90000" tIns="45000" rIns="90000" bIns="45000" anchor="ctr">
+          <a:bodyPr lIns="90000" rIns="90000" tIns="45000" bIns="45000" anchor="ctr">
             <a:noAutofit/>
           </a:bodyPr>
-          <a:lstStyle/>
           <a:p>
             <a:pPr algn="ctr">
               <a:lnSpc>
@@ -7014,7 +6226,7 @@
               </a:lnSpc>
             </a:pPr>
             <a:r>
-              <a:rPr lang="pt-PT" sz="4400" b="1" strike="noStrike" spc="-1">
+              <a:rPr b="1" lang="pt-PT" sz="4400" spc="-1" strike="noStrike">
                 <a:solidFill>
                   <a:srgbClr val="000000"/>
                 </a:solidFill>
@@ -7023,22 +6235,22 @@
               </a:rPr>
               <a:t>Diagrama de Classes</a:t>
             </a:r>
-            <a:endParaRPr lang="pt-PT" sz="4400" b="0" strike="noStrike" spc="-1">
-              <a:latin typeface="Arial"/>
-            </a:endParaRPr>
-          </a:p>
-        </p:txBody>
-      </p:sp>
-      <p:sp>
-        <p:nvSpPr>
-          <p:cNvPr id="124" name="Marcador de Posição de Conteúdo 2"/>
+            <a:endParaRPr b="0" lang="pt-PT" sz="4400" spc="-1" strike="noStrike">
+              <a:latin typeface="Arial"/>
+            </a:endParaRPr>
+          </a:p>
+        </p:txBody>
+      </p:sp>
+      <p:sp>
+        <p:nvSpPr>
+          <p:cNvPr id="123" name="Marcador de Posição de Conteúdo 2"/>
           <p:cNvSpPr/>
           <p:nvPr/>
         </p:nvSpPr>
         <p:spPr>
           <a:xfrm>
             <a:off x="838080" y="1825560"/>
-            <a:ext cx="10514520" cy="4350240"/>
+            <a:ext cx="10514160" cy="4349880"/>
           </a:xfrm>
           <a:prstGeom prst="rect">
             <a:avLst/>
@@ -7049,28 +6261,50 @@
           </a:ln>
         </p:spPr>
         <p:style>
-          <a:lnRef idx="0">
-            <a:scrgbClr r="0" g="0" b="0"/>
-          </a:lnRef>
-          <a:fillRef idx="0">
-            <a:scrgbClr r="0" g="0" b="0"/>
-          </a:fillRef>
-          <a:effectRef idx="0">
-            <a:scrgbClr r="0" g="0" b="0"/>
-          </a:effectRef>
+          <a:lnRef idx="0"/>
+          <a:fillRef idx="0"/>
+          <a:effectRef idx="0"/>
           <a:fontRef idx="minor"/>
         </p:style>
       </p:sp>
+      <p:pic>
+        <p:nvPicPr>
+          <p:cNvPr id="124" name="" descr=""/>
+          <p:cNvPicPr/>
+          <p:nvPr/>
+        </p:nvPicPr>
+        <p:blipFill>
+          <a:blip r:embed="rId1"/>
+          <a:stretch/>
+        </p:blipFill>
+        <p:spPr>
+          <a:xfrm>
+            <a:off x="2353680" y="74520"/>
+            <a:ext cx="7546320" cy="6783480"/>
+          </a:xfrm>
+          <a:prstGeom prst="rect">
+            <a:avLst/>
+          </a:prstGeom>
+          <a:ln w="0">
+            <a:noFill/>
+          </a:ln>
+        </p:spPr>
+      </p:pic>
     </p:spTree>
   </p:cSld>
-  <p:clrMapOvr>
-    <a:masterClrMapping/>
-  </p:clrMapOvr>
+  <mc:AlternateContent>
+    <mc:Choice Requires="p14">
+      <p:transition spd="slow" p14:dur="2000"/>
+    </mc:Choice>
+    <mc:Fallback>
+      <p:transition spd="slow"/>
+    </mc:Fallback>
+  </mc:AlternateContent>
 </p:sld>
 </file>
 
 <file path=ppt/slides/slide5.xml><?xml version="1.0" encoding="utf-8"?>
-<p:sld xmlns:a="http://schemas.openxmlformats.org/drawingml/2006/main" xmlns:r="http://schemas.openxmlformats.org/officeDocument/2006/relationships" xmlns:p="http://schemas.openxmlformats.org/presentationml/2006/main">
+<p:sld xmlns:a="http://schemas.openxmlformats.org/drawingml/2006/main" xmlns:p="http://schemas.openxmlformats.org/presentationml/2006/main" xmlns:r="http://schemas.openxmlformats.org/officeDocument/2006/relationships" xmlns:p14="http://schemas.microsoft.com/office/powerpoint/2010/main" xmlns:p15="http://schemas.microsoft.com/office/powerpoint/2012/main" xmlns:mc="http://schemas.openxmlformats.org/markup-compatibility/2006">
   <p:cSld>
     <p:spTree>
       <p:nvGrpSpPr>
@@ -7095,7 +6329,7 @@
         <p:spPr>
           <a:xfrm>
             <a:off x="838080" y="365040"/>
-            <a:ext cx="10514520" cy="1324440"/>
+            <a:ext cx="10514160" cy="1324080"/>
           </a:xfrm>
           <a:prstGeom prst="rect">
             <a:avLst/>
@@ -7106,22 +6340,15 @@
           </a:ln>
         </p:spPr>
         <p:style>
-          <a:lnRef idx="0">
-            <a:scrgbClr r="0" g="0" b="0"/>
-          </a:lnRef>
-          <a:fillRef idx="0">
-            <a:scrgbClr r="0" g="0" b="0"/>
-          </a:fillRef>
-          <a:effectRef idx="0">
-            <a:scrgbClr r="0" g="0" b="0"/>
-          </a:effectRef>
+          <a:lnRef idx="0"/>
+          <a:fillRef idx="0"/>
+          <a:effectRef idx="0"/>
           <a:fontRef idx="minor"/>
         </p:style>
         <p:txBody>
-          <a:bodyPr lIns="90000" tIns="45000" rIns="90000" bIns="45000" anchor="ctr">
+          <a:bodyPr lIns="90000" rIns="90000" tIns="45000" bIns="45000" anchor="ctr">
             <a:noAutofit/>
           </a:bodyPr>
-          <a:lstStyle/>
           <a:p>
             <a:pPr algn="ctr">
               <a:lnSpc>
@@ -7129,7 +6356,7 @@
               </a:lnSpc>
             </a:pPr>
             <a:r>
-              <a:rPr lang="pt-PT" sz="4400" b="1" strike="noStrike" spc="-1">
+              <a:rPr b="1" lang="pt-PT" sz="4400" spc="-1" strike="noStrike">
                 <a:solidFill>
                   <a:srgbClr val="000000"/>
                 </a:solidFill>
@@ -7138,7 +6365,7 @@
               </a:rPr>
               <a:t>Estrutura de Ficheiros</a:t>
             </a:r>
-            <a:endParaRPr lang="pt-PT" sz="4400" b="0" strike="noStrike" spc="-1">
+            <a:endParaRPr b="0" lang="pt-PT" sz="4400" spc="-1" strike="noStrike">
               <a:latin typeface="Arial"/>
             </a:endParaRPr>
           </a:p>
@@ -7153,7 +6380,7 @@
         <p:spPr>
           <a:xfrm>
             <a:off x="838080" y="1825560"/>
-            <a:ext cx="10514520" cy="4350240"/>
+            <a:ext cx="10514160" cy="4349880"/>
           </a:xfrm>
           <a:prstGeom prst="rect">
             <a:avLst/>
@@ -7164,24 +6391,17 @@
           </a:ln>
         </p:spPr>
         <p:style>
-          <a:lnRef idx="0">
-            <a:scrgbClr r="0" g="0" b="0"/>
-          </a:lnRef>
-          <a:fillRef idx="0">
-            <a:scrgbClr r="0" g="0" b="0"/>
-          </a:fillRef>
-          <a:effectRef idx="0">
-            <a:scrgbClr r="0" g="0" b="0"/>
-          </a:effectRef>
+          <a:lnRef idx="0"/>
+          <a:fillRef idx="0"/>
+          <a:effectRef idx="0"/>
           <a:fontRef idx="minor"/>
         </p:style>
         <p:txBody>
-          <a:bodyPr lIns="90000" tIns="45000" rIns="90000" bIns="45000">
+          <a:bodyPr lIns="90000" rIns="90000" tIns="45000" bIns="45000">
             <a:noAutofit/>
           </a:bodyPr>
-          <a:lstStyle/>
-          <a:p>
-            <a:pPr marL="228600" indent="-227520">
+          <a:p>
+            <a:pPr marL="228600" indent="-227160">
               <a:lnSpc>
                 <a:spcPct val="90000"/>
               </a:lnSpc>
@@ -7195,7 +6415,7 @@
               <a:buChar char="•"/>
             </a:pPr>
             <a:r>
-              <a:rPr lang="pt-PT" sz="2800" b="0" strike="noStrike" spc="-1" dirty="0">
+              <a:rPr b="0" lang="pt-PT" sz="2800" spc="-1" strike="noStrike">
                 <a:solidFill>
                   <a:srgbClr val="000000"/>
                 </a:solidFill>
@@ -7204,12 +6424,12 @@
               </a:rPr>
               <a:t>Incluímos no  nosso projeto uma estrutura de ficheiros dos seguintes elementos:</a:t>
             </a:r>
-            <a:endParaRPr lang="pt-PT" sz="2800" b="0" strike="noStrike" spc="-1" dirty="0">
-              <a:latin typeface="Arial"/>
-            </a:endParaRPr>
-          </a:p>
-          <a:p>
-            <a:pPr marL="228600" indent="-227520">
+            <a:endParaRPr b="0" lang="pt-PT" sz="2800" spc="-1" strike="noStrike">
+              <a:latin typeface="Arial"/>
+            </a:endParaRPr>
+          </a:p>
+          <a:p>
+            <a:pPr marL="228600" indent="-227160">
               <a:lnSpc>
                 <a:spcPct val="90000"/>
               </a:lnSpc>
@@ -7223,61 +6443,21 @@
               <a:buChar char="•"/>
             </a:pPr>
             <a:r>
-              <a:rPr lang="pt-PT" sz="2800" b="0" strike="noStrike" spc="-1" dirty="0">
+              <a:rPr b="0" lang="pt-PT" sz="2800" spc="-1" strike="noStrike">
                 <a:solidFill>
                   <a:srgbClr val="000000"/>
                 </a:solidFill>
                 <a:latin typeface="Calibri"/>
                 <a:ea typeface="DejaVu Sans"/>
               </a:rPr>
-              <a:t>Aviões(</a:t>
+              <a:t>Aviões(tipoAvião, matrícula, capacidade, capacidadeCargo);</a:t>
             </a:r>
-            <a:r>
-              <a:rPr lang="pt-PT" sz="2800" b="0" strike="noStrike" spc="-1" dirty="0" err="1">
-                <a:solidFill>
-                  <a:srgbClr val="000000"/>
-                </a:solidFill>
-                <a:latin typeface="Calibri"/>
-                <a:ea typeface="DejaVu Sans"/>
-              </a:rPr>
-              <a:t>tipoAvião</a:t>
-            </a:r>
-            <a:r>
-              <a:rPr lang="pt-PT" sz="2800" b="0" strike="noStrike" spc="-1" dirty="0">
-                <a:solidFill>
-                  <a:srgbClr val="000000"/>
-                </a:solidFill>
-                <a:latin typeface="Calibri"/>
-                <a:ea typeface="DejaVu Sans"/>
-              </a:rPr>
-              <a:t>, matrícula, capacidade, </a:t>
-            </a:r>
-            <a:r>
-              <a:rPr lang="pt-PT" sz="2800" b="0" strike="noStrike" spc="-1" dirty="0" err="1">
-                <a:solidFill>
-                  <a:srgbClr val="000000"/>
-                </a:solidFill>
-                <a:latin typeface="Calibri"/>
-                <a:ea typeface="DejaVu Sans"/>
-              </a:rPr>
-              <a:t>capacidadeCargo</a:t>
-            </a:r>
-            <a:r>
-              <a:rPr lang="pt-PT" sz="2800" b="0" strike="noStrike" spc="-1" dirty="0">
-                <a:solidFill>
-                  <a:srgbClr val="000000"/>
-                </a:solidFill>
-                <a:latin typeface="Calibri"/>
-                <a:ea typeface="DejaVu Sans"/>
-              </a:rPr>
-              <a:t>);</a:t>
-            </a:r>
-            <a:endParaRPr lang="pt-PT" sz="2800" b="0" strike="noStrike" spc="-1" dirty="0">
-              <a:latin typeface="Arial"/>
-            </a:endParaRPr>
-          </a:p>
-          <a:p>
-            <a:pPr marL="228600" indent="-227520">
+            <a:endParaRPr b="0" lang="pt-PT" sz="2800" spc="-1" strike="noStrike">
+              <a:latin typeface="Arial"/>
+            </a:endParaRPr>
+          </a:p>
+          <a:p>
+            <a:pPr marL="228600" indent="-227160">
               <a:lnSpc>
                 <a:spcPct val="90000"/>
               </a:lnSpc>
@@ -7291,61 +6471,21 @@
               <a:buChar char="•"/>
             </a:pPr>
             <a:r>
-              <a:rPr lang="pt-PT" sz="2800" b="0" strike="noStrike" spc="-1" dirty="0">
+              <a:rPr b="0" lang="pt-PT" sz="2800" spc="-1" strike="noStrike">
                 <a:solidFill>
                   <a:srgbClr val="000000"/>
                 </a:solidFill>
                 <a:latin typeface="Calibri"/>
                 <a:ea typeface="DejaVu Sans"/>
               </a:rPr>
-              <a:t>Aeroportos(</a:t>
+              <a:t>Aeroportos(nomeAeroporto, aviõesAterrados);</a:t>
             </a:r>
-            <a:r>
-              <a:rPr lang="pt-PT" sz="2800" b="0" strike="noStrike" spc="-1" dirty="0" err="1">
-                <a:solidFill>
-                  <a:srgbClr val="000000"/>
-                </a:solidFill>
-                <a:latin typeface="Calibri"/>
-                <a:ea typeface="DejaVu Sans"/>
-              </a:rPr>
-              <a:t>nomeAeroporto</a:t>
-            </a:r>
-            <a:r>
-              <a:rPr lang="pt-PT" sz="2800" b="0" strike="noStrike" spc="-1" dirty="0">
-                <a:solidFill>
-                  <a:srgbClr val="000000"/>
-                </a:solidFill>
-                <a:latin typeface="Calibri"/>
-                <a:ea typeface="DejaVu Sans"/>
-              </a:rPr>
-              <a:t>, </a:t>
-            </a:r>
-            <a:r>
-              <a:rPr lang="pt-PT" sz="2800" b="0" strike="noStrike" spc="-1" dirty="0" err="1">
-                <a:solidFill>
-                  <a:srgbClr val="000000"/>
-                </a:solidFill>
-                <a:latin typeface="Calibri"/>
-                <a:ea typeface="DejaVu Sans"/>
-              </a:rPr>
-              <a:t>aviõesAterrados</a:t>
-            </a:r>
-            <a:r>
-              <a:rPr lang="pt-PT" sz="2800" b="0" strike="noStrike" spc="-1" dirty="0">
-                <a:solidFill>
-                  <a:srgbClr val="000000"/>
-                </a:solidFill>
-                <a:latin typeface="Calibri"/>
-                <a:ea typeface="DejaVu Sans"/>
-              </a:rPr>
-              <a:t>);</a:t>
-            </a:r>
-            <a:endParaRPr lang="pt-PT" sz="2800" b="0" strike="noStrike" spc="-1" dirty="0">
-              <a:latin typeface="Arial"/>
-            </a:endParaRPr>
-          </a:p>
-          <a:p>
-            <a:pPr marL="228600" indent="-227520">
+            <a:endParaRPr b="0" lang="pt-PT" sz="2800" spc="-1" strike="noStrike">
+              <a:latin typeface="Arial"/>
+            </a:endParaRPr>
+          </a:p>
+          <a:p>
+            <a:pPr marL="228600" indent="-227160">
               <a:lnSpc>
                 <a:spcPct val="90000"/>
               </a:lnSpc>
@@ -7359,7 +6499,7 @@
               <a:buChar char="•"/>
             </a:pPr>
             <a:r>
-              <a:rPr lang="pt-PT" sz="2800" b="0" strike="noStrike" spc="-1" dirty="0">
+              <a:rPr b="0" lang="pt-PT" sz="2800" spc="-1" strike="noStrike">
                 <a:solidFill>
                   <a:srgbClr val="000000"/>
                 </a:solidFill>
@@ -7368,12 +6508,12 @@
               </a:rPr>
               <a:t>Voos(número, data, duração, matrícula, origem, destino);</a:t>
             </a:r>
-            <a:endParaRPr lang="pt-PT" sz="2800" b="0" strike="noStrike" spc="-1" dirty="0">
-              <a:latin typeface="Arial"/>
-            </a:endParaRPr>
-          </a:p>
-          <a:p>
-            <a:pPr marL="228600" indent="-227520">
+            <a:endParaRPr b="0" lang="pt-PT" sz="2800" spc="-1" strike="noStrike">
+              <a:latin typeface="Arial"/>
+            </a:endParaRPr>
+          </a:p>
+          <a:p>
+            <a:pPr marL="228600" indent="-227160">
               <a:lnSpc>
                 <a:spcPct val="90000"/>
               </a:lnSpc>
@@ -7387,81 +6527,21 @@
               <a:buChar char="•"/>
             </a:pPr>
             <a:r>
-              <a:rPr lang="pt-PT" sz="2800" b="0" strike="noStrike" spc="-1" dirty="0">
+              <a:rPr b="0" lang="pt-PT" sz="2800" spc="-1" strike="noStrike">
                 <a:solidFill>
                   <a:srgbClr val="000000"/>
                 </a:solidFill>
                 <a:latin typeface="Calibri"/>
                 <a:ea typeface="DejaVu Sans"/>
               </a:rPr>
-              <a:t>Locais de transporte terrestre(Aeroporto, </a:t>
+              <a:t>Locais de transporte terrestre(Aeroporto, tipoTransporte, distância, horaAbertura, horaFecho);</a:t>
             </a:r>
-            <a:r>
-              <a:rPr lang="pt-PT" sz="2800" b="0" strike="noStrike" spc="-1" dirty="0" err="1">
-                <a:solidFill>
-                  <a:srgbClr val="000000"/>
-                </a:solidFill>
-                <a:latin typeface="Calibri"/>
-                <a:ea typeface="DejaVu Sans"/>
-              </a:rPr>
-              <a:t>tipoTransporte</a:t>
-            </a:r>
-            <a:r>
-              <a:rPr lang="pt-PT" sz="2800" b="0" strike="noStrike" spc="-1" dirty="0">
-                <a:solidFill>
-                  <a:srgbClr val="000000"/>
-                </a:solidFill>
-                <a:latin typeface="Calibri"/>
-                <a:ea typeface="DejaVu Sans"/>
-              </a:rPr>
-              <a:t>, distância, </a:t>
-            </a:r>
-            <a:r>
-              <a:rPr lang="pt-PT" sz="2800" b="0" strike="noStrike" spc="-1" dirty="0" err="1">
-                <a:solidFill>
-                  <a:srgbClr val="000000"/>
-                </a:solidFill>
-                <a:latin typeface="Calibri"/>
-                <a:ea typeface="DejaVu Sans"/>
-              </a:rPr>
-              <a:t>horaAbertura</a:t>
-            </a:r>
-            <a:r>
-              <a:rPr lang="pt-PT" sz="2800" b="0" strike="noStrike" spc="-1" dirty="0">
-                <a:solidFill>
-                  <a:srgbClr val="000000"/>
-                </a:solidFill>
-                <a:latin typeface="Calibri"/>
-                <a:ea typeface="DejaVu Sans"/>
-              </a:rPr>
-              <a:t>, </a:t>
-            </a:r>
-            <a:r>
-              <a:rPr lang="pt-PT" sz="2800" b="0" strike="noStrike" spc="-1" dirty="0" err="1">
-                <a:solidFill>
-                  <a:srgbClr val="000000"/>
-                </a:solidFill>
-                <a:latin typeface="Calibri"/>
-                <a:ea typeface="DejaVu Sans"/>
-              </a:rPr>
-              <a:t>horaFecho</a:t>
-            </a:r>
-            <a:r>
-              <a:rPr lang="pt-PT" sz="2800" b="0" strike="noStrike" spc="-1" dirty="0">
-                <a:solidFill>
-                  <a:srgbClr val="000000"/>
-                </a:solidFill>
-                <a:latin typeface="Calibri"/>
-                <a:ea typeface="DejaVu Sans"/>
-              </a:rPr>
-              <a:t>);</a:t>
-            </a:r>
-            <a:endParaRPr lang="pt-PT" sz="2800" b="0" strike="noStrike" spc="-1" dirty="0">
-              <a:latin typeface="Arial"/>
-            </a:endParaRPr>
-          </a:p>
-          <a:p>
-            <a:pPr marL="228600" indent="-227520">
+            <a:endParaRPr b="0" lang="pt-PT" sz="2800" spc="-1" strike="noStrike">
+              <a:latin typeface="Arial"/>
+            </a:endParaRPr>
+          </a:p>
+          <a:p>
+            <a:pPr marL="228600" indent="-227160">
               <a:lnSpc>
                 <a:spcPct val="90000"/>
               </a:lnSpc>
@@ -7475,41 +6555,21 @@
               <a:buChar char="•"/>
             </a:pPr>
             <a:r>
-              <a:rPr lang="pt-PT" sz="2800" b="0" strike="noStrike" spc="-1" dirty="0">
+              <a:rPr b="0" lang="pt-PT" sz="2800" spc="-1" strike="noStrike">
                 <a:solidFill>
                   <a:srgbClr val="000000"/>
                 </a:solidFill>
                 <a:latin typeface="Calibri"/>
                 <a:ea typeface="DejaVu Sans"/>
               </a:rPr>
-              <a:t>Serviços de limpezas(</a:t>
+              <a:t>Serviços de limpezas(matrículaAvião, tipo, data, empregado).</a:t>
             </a:r>
-            <a:r>
-              <a:rPr lang="pt-PT" sz="2800" b="0" strike="noStrike" spc="-1" dirty="0" err="1">
-                <a:solidFill>
-                  <a:srgbClr val="000000"/>
-                </a:solidFill>
-                <a:latin typeface="Calibri"/>
-                <a:ea typeface="DejaVu Sans"/>
-              </a:rPr>
-              <a:t>matrículaAvião</a:t>
-            </a:r>
-            <a:r>
-              <a:rPr lang="pt-PT" sz="2800" b="0" strike="noStrike" spc="-1" dirty="0">
-                <a:solidFill>
-                  <a:srgbClr val="000000"/>
-                </a:solidFill>
-                <a:latin typeface="Calibri"/>
-                <a:ea typeface="DejaVu Sans"/>
-              </a:rPr>
-              <a:t>, tipo, data, empregado).</a:t>
-            </a:r>
-            <a:endParaRPr lang="pt-PT" sz="2800" b="0" strike="noStrike" spc="-1" dirty="0">
-              <a:latin typeface="Arial"/>
-            </a:endParaRPr>
-          </a:p>
-          <a:p>
-            <a:pPr marL="228600" indent="-227520">
+            <a:endParaRPr b="0" lang="pt-PT" sz="2800" spc="-1" strike="noStrike">
+              <a:latin typeface="Arial"/>
+            </a:endParaRPr>
+          </a:p>
+          <a:p>
+            <a:pPr marL="228600" indent="-227160">
               <a:lnSpc>
                 <a:spcPct val="90000"/>
               </a:lnSpc>
@@ -7523,26 +6583,16 @@
               <a:buChar char="•"/>
             </a:pPr>
             <a:r>
-              <a:rPr lang="pt-PT" sz="2800" b="0" strike="noStrike" spc="-1" dirty="0" err="1">
+              <a:rPr b="0" lang="pt-PT" sz="2800" spc="-1" strike="noStrike">
                 <a:solidFill>
                   <a:srgbClr val="000000"/>
                 </a:solidFill>
                 <a:latin typeface="Calibri"/>
                 <a:ea typeface="DejaVu Sans"/>
               </a:rPr>
-              <a:t>Nota:Os</a:t>
+              <a:t>Nota:Os serviços de limpeza estão organizados por avião e por ordem cronológica.</a:t>
             </a:r>
-            <a:r>
-              <a:rPr lang="pt-PT" sz="2800" b="0" strike="noStrike" spc="-1" dirty="0">
-                <a:solidFill>
-                  <a:srgbClr val="000000"/>
-                </a:solidFill>
-                <a:latin typeface="Calibri"/>
-                <a:ea typeface="DejaVu Sans"/>
-              </a:rPr>
-              <a:t> serviços de limpeza estão organizados por avião e por ordem cronológica.</a:t>
-            </a:r>
-            <a:endParaRPr lang="pt-PT" sz="2800" b="0" strike="noStrike" spc="-1" dirty="0">
+            <a:endParaRPr b="0" lang="pt-PT" sz="2800" spc="-1" strike="noStrike">
               <a:latin typeface="Arial"/>
             </a:endParaRPr>
           </a:p>
@@ -7550,14 +6600,19 @@
       </p:sp>
     </p:spTree>
   </p:cSld>
-  <p:clrMapOvr>
-    <a:masterClrMapping/>
-  </p:clrMapOvr>
+  <mc:AlternateContent>
+    <mc:Choice Requires="p14">
+      <p:transition spd="slow" p14:dur="2000"/>
+    </mc:Choice>
+    <mc:Fallback>
+      <p:transition spd="slow"/>
+    </mc:Fallback>
+  </mc:AlternateContent>
 </p:sld>
 </file>
 
 <file path=ppt/slides/slide6.xml><?xml version="1.0" encoding="utf-8"?>
-<p:sld xmlns:a="http://schemas.openxmlformats.org/drawingml/2006/main" xmlns:r="http://schemas.openxmlformats.org/officeDocument/2006/relationships" xmlns:p="http://schemas.openxmlformats.org/presentationml/2006/main">
+<p:sld xmlns:a="http://schemas.openxmlformats.org/drawingml/2006/main" xmlns:p="http://schemas.openxmlformats.org/presentationml/2006/main" xmlns:r="http://schemas.openxmlformats.org/officeDocument/2006/relationships" xmlns:p14="http://schemas.microsoft.com/office/powerpoint/2010/main" xmlns:p15="http://schemas.microsoft.com/office/powerpoint/2012/main" xmlns:mc="http://schemas.openxmlformats.org/markup-compatibility/2006">
   <p:cSld>
     <p:spTree>
       <p:nvGrpSpPr>
@@ -7582,7 +6637,7 @@
         <p:spPr>
           <a:xfrm>
             <a:off x="838080" y="365040"/>
-            <a:ext cx="10514520" cy="1324440"/>
+            <a:ext cx="10514160" cy="1324080"/>
           </a:xfrm>
           <a:prstGeom prst="rect">
             <a:avLst/>
@@ -7593,22 +6648,15 @@
           </a:ln>
         </p:spPr>
         <p:style>
-          <a:lnRef idx="0">
-            <a:scrgbClr r="0" g="0" b="0"/>
-          </a:lnRef>
-          <a:fillRef idx="0">
-            <a:scrgbClr r="0" g="0" b="0"/>
-          </a:fillRef>
-          <a:effectRef idx="0">
-            <a:scrgbClr r="0" g="0" b="0"/>
-          </a:effectRef>
+          <a:lnRef idx="0"/>
+          <a:fillRef idx="0"/>
+          <a:effectRef idx="0"/>
           <a:fontRef idx="minor"/>
         </p:style>
         <p:txBody>
-          <a:bodyPr lIns="90000" tIns="45000" rIns="90000" bIns="45000" anchor="ctr">
+          <a:bodyPr lIns="90000" rIns="90000" tIns="45000" bIns="45000" anchor="ctr">
             <a:noAutofit/>
           </a:bodyPr>
-          <a:lstStyle/>
           <a:p>
             <a:pPr algn="ctr">
               <a:lnSpc>
@@ -7616,7 +6664,7 @@
               </a:lnSpc>
             </a:pPr>
             <a:r>
-              <a:rPr lang="pt-PT" sz="4400" b="1" strike="noStrike" spc="-1">
+              <a:rPr b="1" lang="pt-PT" sz="4400" spc="-1" strike="noStrike">
                 <a:solidFill>
                   <a:srgbClr val="000000"/>
                 </a:solidFill>
@@ -7625,7 +6673,7 @@
               </a:rPr>
               <a:t>Funcionalidades Implementadas</a:t>
             </a:r>
-            <a:endParaRPr lang="pt-PT" sz="4400" b="0" strike="noStrike" spc="-1">
+            <a:endParaRPr b="0" lang="pt-PT" sz="4400" spc="-1" strike="noStrike">
               <a:latin typeface="Arial"/>
             </a:endParaRPr>
           </a:p>
@@ -7640,7 +6688,7 @@
         <p:spPr>
           <a:xfrm>
             <a:off x="838080" y="1689480"/>
-            <a:ext cx="10514520" cy="4350240"/>
+            <a:ext cx="10514160" cy="4349880"/>
           </a:xfrm>
           <a:prstGeom prst="rect">
             <a:avLst/>
@@ -7651,22 +6699,15 @@
           </a:ln>
         </p:spPr>
         <p:style>
-          <a:lnRef idx="0">
-            <a:scrgbClr r="0" g="0" b="0"/>
-          </a:lnRef>
-          <a:fillRef idx="0">
-            <a:scrgbClr r="0" g="0" b="0"/>
-          </a:fillRef>
-          <a:effectRef idx="0">
-            <a:scrgbClr r="0" g="0" b="0"/>
-          </a:effectRef>
+          <a:lnRef idx="0"/>
+          <a:fillRef idx="0"/>
+          <a:effectRef idx="0"/>
           <a:fontRef idx="minor"/>
         </p:style>
         <p:txBody>
-          <a:bodyPr lIns="90000" tIns="45000" rIns="90000" bIns="45000">
+          <a:bodyPr lIns="90000" rIns="90000" tIns="45000" bIns="45000">
             <a:noAutofit/>
           </a:bodyPr>
-          <a:lstStyle/>
           <a:p>
             <a:pPr>
               <a:lnSpc>
@@ -7676,11 +6717,11 @@
                 <a:spcPts val="1001"/>
               </a:spcBef>
               <a:tabLst>
-                <a:tab pos="0" algn="l"/>
+                <a:tab algn="l" pos="0"/>
               </a:tabLst>
             </a:pPr>
             <a:r>
-              <a:rPr lang="pt-PT" sz="2800" b="0" strike="noStrike" spc="-1" dirty="0">
+              <a:rPr b="0" lang="pt-PT" sz="2800" spc="-1" strike="noStrike">
                 <a:solidFill>
                   <a:srgbClr val="000000"/>
                 </a:solidFill>
@@ -7689,12 +6730,12 @@
               </a:rPr>
               <a:t>No que toca nas operações CRUD:</a:t>
             </a:r>
-            <a:endParaRPr lang="pt-PT" sz="2800" b="0" strike="noStrike" spc="-1" dirty="0">
-              <a:latin typeface="Arial"/>
-            </a:endParaRPr>
-          </a:p>
-          <a:p>
-            <a:pPr marL="216000" indent="-215640">
+            <a:endParaRPr b="0" lang="pt-PT" sz="2800" spc="-1" strike="noStrike">
+              <a:latin typeface="Arial"/>
+            </a:endParaRPr>
+          </a:p>
+          <a:p>
+            <a:pPr marL="216000" indent="-215280">
               <a:lnSpc>
                 <a:spcPct val="90000"/>
               </a:lnSpc>
@@ -7707,55 +6748,25 @@
               <a:buFont typeface="Symbol"/>
               <a:buChar char=""/>
               <a:tabLst>
-                <a:tab pos="0" algn="l"/>
+                <a:tab algn="l" pos="0"/>
               </a:tabLst>
             </a:pPr>
             <a:r>
-              <a:rPr lang="pt-PT" sz="2800" b="0" strike="noStrike" spc="-1" dirty="0">
+              <a:rPr b="0" lang="pt-PT" sz="2800" spc="-1" strike="noStrike">
                 <a:solidFill>
                   <a:srgbClr val="000000"/>
                 </a:solidFill>
                 <a:latin typeface="Calibri"/>
                 <a:ea typeface="DejaVu Sans"/>
               </a:rPr>
-              <a:t>Na classe </a:t>
+              <a:t>Na classe Flight, implementámos todas as operações CRUD e a mesma possui listagem parcial;</a:t>
             </a:r>
-            <a:r>
-              <a:rPr lang="pt-PT" sz="2800" spc="-1" dirty="0" err="1">
-                <a:solidFill>
-                  <a:srgbClr val="000000"/>
-                </a:solidFill>
-                <a:latin typeface="Calibri"/>
-                <a:ea typeface="DejaVu Sans"/>
-              </a:rPr>
-              <a:t>F</a:t>
-            </a:r>
-            <a:r>
-              <a:rPr lang="pt-PT" sz="2800" b="0" strike="noStrike" spc="-1" dirty="0" err="1">
-                <a:solidFill>
-                  <a:srgbClr val="000000"/>
-                </a:solidFill>
-                <a:latin typeface="Calibri"/>
-                <a:ea typeface="DejaVu Sans"/>
-              </a:rPr>
-              <a:t>ligth</a:t>
-            </a:r>
-            <a:r>
-              <a:rPr lang="pt-PT" sz="2800" b="0" strike="noStrike" spc="-1" dirty="0">
-                <a:solidFill>
-                  <a:srgbClr val="000000"/>
-                </a:solidFill>
-                <a:latin typeface="Calibri"/>
-                <a:ea typeface="DejaVu Sans"/>
-              </a:rPr>
-              <a:t>, implementámos todas as operações CRUD e a mesma possui listagem parcial;</a:t>
-            </a:r>
-            <a:endParaRPr lang="pt-PT" sz="2800" b="0" strike="noStrike" spc="-1" dirty="0">
-              <a:latin typeface="Arial"/>
-            </a:endParaRPr>
-          </a:p>
-          <a:p>
-            <a:pPr marL="216000" indent="-215640">
+            <a:endParaRPr b="0" lang="pt-PT" sz="2800" spc="-1" strike="noStrike">
+              <a:latin typeface="Arial"/>
+            </a:endParaRPr>
+          </a:p>
+          <a:p>
+            <a:pPr marL="216000" indent="-215280">
               <a:lnSpc>
                 <a:spcPct val="90000"/>
               </a:lnSpc>
@@ -7768,95 +6779,25 @@
               <a:buFont typeface="Symbol"/>
               <a:buChar char=""/>
               <a:tabLst>
-                <a:tab pos="0" algn="l"/>
+                <a:tab algn="l" pos="0"/>
               </a:tabLst>
             </a:pPr>
             <a:r>
-              <a:rPr lang="pt-PT" sz="2800" b="0" strike="noStrike" spc="-1" dirty="0">
+              <a:rPr b="0" lang="pt-PT" sz="2800" spc="-1" strike="noStrike">
                 <a:solidFill>
                   <a:srgbClr val="000000"/>
                 </a:solidFill>
                 <a:latin typeface="Calibri"/>
                 <a:ea typeface="DejaVu Sans"/>
               </a:rPr>
-              <a:t>Na classe </a:t>
+              <a:t>Na classe LandTransportPlace,  implementámos as operações create e read, a mesma tem listagem parcial;</a:t>
             </a:r>
-            <a:r>
-              <a:rPr lang="pt-PT" sz="2800" spc="-1" dirty="0" err="1">
-                <a:solidFill>
-                  <a:srgbClr val="000000"/>
-                </a:solidFill>
-                <a:latin typeface="Calibri"/>
-                <a:ea typeface="DejaVu Sans"/>
-              </a:rPr>
-              <a:t>L</a:t>
-            </a:r>
-            <a:r>
-              <a:rPr lang="pt-PT" sz="2800" b="0" strike="noStrike" spc="-1" dirty="0" err="1">
-                <a:solidFill>
-                  <a:srgbClr val="000000"/>
-                </a:solidFill>
-                <a:latin typeface="Calibri"/>
-                <a:ea typeface="DejaVu Sans"/>
-              </a:rPr>
-              <a:t>andTransportPlace</a:t>
-            </a:r>
-            <a:r>
-              <a:rPr lang="pt-PT" sz="2800" b="0" strike="noStrike" spc="-1" dirty="0">
-                <a:solidFill>
-                  <a:srgbClr val="000000"/>
-                </a:solidFill>
-                <a:latin typeface="Calibri"/>
-                <a:ea typeface="DejaVu Sans"/>
-              </a:rPr>
-              <a:t>,  implementámos as operações </a:t>
-            </a:r>
-            <a:r>
-              <a:rPr lang="pt-PT" sz="2800" b="0" strike="noStrike" spc="-1" dirty="0" err="1">
-                <a:solidFill>
-                  <a:srgbClr val="000000"/>
-                </a:solidFill>
-                <a:latin typeface="Calibri"/>
-                <a:ea typeface="DejaVu Sans"/>
-              </a:rPr>
-              <a:t>create</a:t>
-            </a:r>
-            <a:r>
-              <a:rPr lang="pt-PT" sz="2800" b="0" strike="noStrike" spc="-1" dirty="0">
-                <a:solidFill>
-                  <a:srgbClr val="000000"/>
-                </a:solidFill>
-                <a:latin typeface="Calibri"/>
-                <a:ea typeface="DejaVu Sans"/>
-              </a:rPr>
-              <a:t> e </a:t>
-            </a:r>
-            <a:r>
-              <a:rPr lang="pt-PT" sz="2800" b="0" strike="noStrike" spc="-1" dirty="0" err="1">
-                <a:solidFill>
-                  <a:srgbClr val="000000"/>
-                </a:solidFill>
-                <a:latin typeface="Calibri"/>
-                <a:ea typeface="DejaVu Sans"/>
-              </a:rPr>
-              <a:t>read</a:t>
-            </a:r>
-            <a:r>
-              <a:rPr lang="pt-PT" sz="2800" b="0" strike="noStrike" spc="-1" dirty="0">
-                <a:solidFill>
-                  <a:srgbClr val="000000"/>
-                </a:solidFill>
-                <a:latin typeface="Calibri"/>
-                <a:ea typeface="DejaVu Sans"/>
-              </a:rPr>
-              <a:t>, a mesma tem listagem parcial;</a:t>
-            </a:r>
-            <a:endParaRPr lang="pt-PT" sz="2800" b="0" strike="noStrike" spc="-1" dirty="0">
-              <a:latin typeface="Arial"/>
-            </a:endParaRPr>
-          </a:p>
-          <a:p>
-            <a:pPr marL="216000" indent="-215640">
+            <a:endParaRPr b="0" lang="pt-PT" sz="2800" spc="-1" strike="noStrike">
+              <a:latin typeface="Arial"/>
+            </a:endParaRPr>
+          </a:p>
+          <a:p>
+            <a:pPr marL="216000" indent="-215280">
               <a:lnSpc>
                 <a:spcPct val="90000"/>
               </a:lnSpc>
@@ -7869,105 +6810,35 @@
               <a:buFont typeface="Symbol"/>
               <a:buChar char=""/>
               <a:tabLst>
-                <a:tab pos="0" algn="l"/>
+                <a:tab algn="l" pos="0"/>
               </a:tabLst>
             </a:pPr>
             <a:r>
-              <a:rPr lang="pt-PT" sz="2800" b="0" strike="noStrike" spc="-1" dirty="0">
+              <a:rPr b="0" lang="pt-PT" sz="2800" spc="-1" strike="noStrike">
                 <a:solidFill>
                   <a:srgbClr val="000000"/>
                 </a:solidFill>
                 <a:latin typeface="Calibri"/>
                 <a:ea typeface="Microsoft YaHei"/>
               </a:rPr>
-              <a:t>Na classe </a:t>
+              <a:t>Na classe CleaningService, </a:t>
             </a:r>
             <a:r>
-              <a:rPr lang="pt-PT" sz="2800" spc="-1" dirty="0" err="1">
-                <a:solidFill>
-                  <a:srgbClr val="000000"/>
-                </a:solidFill>
-                <a:latin typeface="Calibri"/>
-                <a:ea typeface="Microsoft YaHei"/>
-              </a:rPr>
-              <a:t>C</a:t>
-            </a:r>
-            <a:r>
-              <a:rPr lang="pt-PT" sz="2800" b="0" strike="noStrike" spc="-1" dirty="0" err="1">
-                <a:solidFill>
-                  <a:srgbClr val="000000"/>
-                </a:solidFill>
-                <a:latin typeface="Calibri"/>
-                <a:ea typeface="Microsoft YaHei"/>
-              </a:rPr>
-              <a:t>leaningService</a:t>
-            </a:r>
-            <a:r>
-              <a:rPr lang="pt-PT" sz="2800" b="0" strike="noStrike" spc="-1" dirty="0">
-                <a:solidFill>
-                  <a:srgbClr val="000000"/>
-                </a:solidFill>
-                <a:latin typeface="Calibri"/>
-                <a:ea typeface="Microsoft YaHei"/>
-              </a:rPr>
-              <a:t>, </a:t>
-            </a:r>
-            <a:r>
-              <a:rPr lang="pt-PT" sz="2800" b="0" strike="noStrike" spc="-1" dirty="0">
+              <a:rPr b="0" lang="pt-PT" sz="2800" spc="-1" strike="noStrike">
                 <a:solidFill>
                   <a:srgbClr val="000000"/>
                 </a:solidFill>
                 <a:latin typeface="Calibri"/>
                 <a:ea typeface="DejaVu Sans"/>
               </a:rPr>
-              <a:t>implementámos as operações </a:t>
+              <a:t>implementámos as operações create e read, a mesma tem listagem parcial;</a:t>
             </a:r>
-            <a:r>
-              <a:rPr lang="pt-PT" sz="2800" b="0" strike="noStrike" spc="-1" dirty="0" err="1">
-                <a:solidFill>
-                  <a:srgbClr val="000000"/>
-                </a:solidFill>
-                <a:latin typeface="Calibri"/>
-                <a:ea typeface="DejaVu Sans"/>
-              </a:rPr>
-              <a:t>create</a:t>
-            </a:r>
-            <a:r>
-              <a:rPr lang="pt-PT" sz="2800" b="0" strike="noStrike" spc="-1" dirty="0">
-                <a:solidFill>
-                  <a:srgbClr val="000000"/>
-                </a:solidFill>
-                <a:latin typeface="Calibri"/>
-                <a:ea typeface="DejaVu Sans"/>
-              </a:rPr>
-              <a:t> e </a:t>
-            </a:r>
-            <a:r>
-              <a:rPr lang="pt-PT" sz="2800" b="0" strike="noStrike" spc="-1" dirty="0" err="1">
-                <a:solidFill>
-                  <a:srgbClr val="000000"/>
-                </a:solidFill>
-                <a:latin typeface="Calibri"/>
-                <a:ea typeface="DejaVu Sans"/>
-              </a:rPr>
-              <a:t>read</a:t>
-            </a:r>
-            <a:r>
-              <a:rPr lang="pt-PT" sz="2800" b="0" strike="noStrike" spc="-1" dirty="0">
-                <a:solidFill>
-                  <a:srgbClr val="000000"/>
-                </a:solidFill>
-                <a:latin typeface="Calibri"/>
-                <a:ea typeface="DejaVu Sans"/>
-              </a:rPr>
-              <a:t>, a mesma tem listagem parcial;</a:t>
-            </a:r>
-            <a:endParaRPr lang="pt-PT" sz="2800" b="0" strike="noStrike" spc="-1" dirty="0">
-              <a:latin typeface="Arial"/>
-            </a:endParaRPr>
-          </a:p>
-          <a:p>
-            <a:pPr marL="216000" indent="-215640">
+            <a:endParaRPr b="0" lang="pt-PT" sz="2800" spc="-1" strike="noStrike">
+              <a:latin typeface="Arial"/>
+            </a:endParaRPr>
+          </a:p>
+          <a:p>
+            <a:pPr marL="216000" indent="-215280">
               <a:lnSpc>
                 <a:spcPct val="90000"/>
               </a:lnSpc>
@@ -7980,45 +6851,25 @@
               <a:buFont typeface="Symbol"/>
               <a:buChar char=""/>
               <a:tabLst>
-                <a:tab pos="0" algn="l"/>
+                <a:tab algn="l" pos="0"/>
               </a:tabLst>
             </a:pPr>
             <a:r>
-              <a:rPr lang="pt-PT" sz="2800" b="0" strike="noStrike" spc="-1" dirty="0">
+              <a:rPr b="0" lang="pt-PT" sz="2800" spc="-1" strike="noStrike">
                 <a:solidFill>
                   <a:srgbClr val="000000"/>
                 </a:solidFill>
                 <a:latin typeface="Calibri"/>
                 <a:ea typeface="DejaVu Sans"/>
               </a:rPr>
-              <a:t>Na classe </a:t>
+              <a:t>Na classe Plane, implementámos as operações CRUD, a mesma tem listagem total;</a:t>
             </a:r>
-            <a:r>
-              <a:rPr lang="pt-PT" sz="2800" spc="-1" dirty="0">
-                <a:solidFill>
-                  <a:srgbClr val="000000"/>
-                </a:solidFill>
-                <a:latin typeface="Calibri"/>
-                <a:ea typeface="DejaVu Sans"/>
-              </a:rPr>
-              <a:t>Plane</a:t>
-            </a:r>
-            <a:r>
-              <a:rPr lang="pt-PT" sz="2800" b="0" strike="noStrike" spc="-1" dirty="0">
-                <a:solidFill>
-                  <a:srgbClr val="000000"/>
-                </a:solidFill>
-                <a:latin typeface="Calibri"/>
-                <a:ea typeface="DejaVu Sans"/>
-              </a:rPr>
-              <a:t>, implementámos as operações CRUD, a mesma tem listagem total;</a:t>
-            </a:r>
-            <a:endParaRPr lang="pt-PT" sz="2800" b="0" strike="noStrike" spc="-1" dirty="0">
-              <a:latin typeface="Arial"/>
-            </a:endParaRPr>
-          </a:p>
-          <a:p>
-            <a:pPr marL="216000" indent="-215640">
+            <a:endParaRPr b="0" lang="pt-PT" sz="2800" spc="-1" strike="noStrike">
+              <a:latin typeface="Arial"/>
+            </a:endParaRPr>
+          </a:p>
+          <a:p>
+            <a:pPr marL="216000" indent="-215280">
               <a:lnSpc>
                 <a:spcPct val="90000"/>
               </a:lnSpc>
@@ -8031,110 +6882,20 @@
               <a:buFont typeface="Symbol"/>
               <a:buChar char=""/>
               <a:tabLst>
-                <a:tab pos="0" algn="l"/>
+                <a:tab algn="l" pos="0"/>
               </a:tabLst>
             </a:pPr>
             <a:r>
-              <a:rPr lang="pt-PT" sz="2800" b="0" strike="noStrike" spc="-1" dirty="0">
+              <a:rPr b="0" lang="pt-PT" sz="2800" spc="-1" strike="noStrike">
                 <a:solidFill>
                   <a:srgbClr val="000000"/>
                 </a:solidFill>
                 <a:latin typeface="Calibri"/>
                 <a:ea typeface="DejaVu Sans"/>
               </a:rPr>
-              <a:t>Na classe </a:t>
+              <a:t>Na classe Airport, implementámos as operações create, read e update, a mesma tem listagem total;  </a:t>
             </a:r>
-            <a:r>
-              <a:rPr lang="pt-PT" sz="2800" spc="-1" dirty="0" err="1">
-                <a:solidFill>
-                  <a:srgbClr val="000000"/>
-                </a:solidFill>
-                <a:latin typeface="Calibri"/>
-                <a:ea typeface="DejaVu Sans"/>
-              </a:rPr>
-              <a:t>A</a:t>
-            </a:r>
-            <a:r>
-              <a:rPr lang="pt-PT" sz="2800" b="0" strike="noStrike" spc="-1" dirty="0" err="1">
-                <a:solidFill>
-                  <a:srgbClr val="000000"/>
-                </a:solidFill>
-                <a:latin typeface="Calibri"/>
-                <a:ea typeface="DejaVu Sans"/>
-              </a:rPr>
-              <a:t>irport</a:t>
-            </a:r>
-            <a:r>
-              <a:rPr lang="pt-PT" sz="2800" b="0" strike="noStrike" spc="-1" dirty="0">
-                <a:solidFill>
-                  <a:srgbClr val="000000"/>
-                </a:solidFill>
-                <a:latin typeface="Calibri"/>
-                <a:ea typeface="DejaVu Sans"/>
-              </a:rPr>
-              <a:t>, implementámos as operações </a:t>
-            </a:r>
-            <a:r>
-              <a:rPr lang="pt-PT" sz="2800" b="0" strike="noStrike" spc="-1" dirty="0" err="1">
-                <a:solidFill>
-                  <a:srgbClr val="000000"/>
-                </a:solidFill>
-                <a:latin typeface="Calibri"/>
-                <a:ea typeface="DejaVu Sans"/>
-              </a:rPr>
-              <a:t>create</a:t>
-            </a:r>
-            <a:r>
-              <a:rPr lang="pt-PT" sz="2800" b="0" strike="noStrike" spc="-1" dirty="0">
-                <a:solidFill>
-                  <a:srgbClr val="000000"/>
-                </a:solidFill>
-                <a:latin typeface="Calibri"/>
-                <a:ea typeface="DejaVu Sans"/>
-              </a:rPr>
-              <a:t>, </a:t>
-            </a:r>
-            <a:r>
-              <a:rPr lang="pt-PT" sz="2800" b="0" strike="noStrike" spc="-1" dirty="0" err="1">
-                <a:solidFill>
-                  <a:srgbClr val="000000"/>
-                </a:solidFill>
-                <a:latin typeface="Calibri"/>
-                <a:ea typeface="DejaVu Sans"/>
-              </a:rPr>
-              <a:t>read</a:t>
-            </a:r>
-            <a:r>
-              <a:rPr lang="pt-PT" sz="2800" b="0" strike="noStrike" spc="-1" dirty="0">
-                <a:solidFill>
-                  <a:srgbClr val="000000"/>
-                </a:solidFill>
-                <a:latin typeface="Calibri"/>
-                <a:ea typeface="DejaVu Sans"/>
-              </a:rPr>
-              <a:t> e </a:t>
-            </a:r>
-            <a:r>
-              <a:rPr lang="pt-PT" sz="2800" b="0" strike="noStrike" spc="-1" dirty="0" err="1">
-                <a:solidFill>
-                  <a:srgbClr val="000000"/>
-                </a:solidFill>
-                <a:latin typeface="Calibri"/>
-                <a:ea typeface="DejaVu Sans"/>
-              </a:rPr>
-              <a:t>update</a:t>
-            </a:r>
-            <a:r>
-              <a:rPr lang="pt-PT" sz="2800" b="0" strike="noStrike" spc="-1" dirty="0">
-                <a:solidFill>
-                  <a:srgbClr val="000000"/>
-                </a:solidFill>
-                <a:latin typeface="Calibri"/>
-                <a:ea typeface="DejaVu Sans"/>
-              </a:rPr>
-              <a:t>, a mesma tem listagem total;  </a:t>
-            </a:r>
-            <a:endParaRPr lang="pt-PT" sz="2800" b="0" strike="noStrike" spc="-1" dirty="0">
+            <a:endParaRPr b="0" lang="pt-PT" sz="2800" spc="-1" strike="noStrike">
               <a:latin typeface="Arial"/>
             </a:endParaRPr>
           </a:p>
@@ -8142,14 +6903,19 @@
       </p:sp>
     </p:spTree>
   </p:cSld>
-  <p:clrMapOvr>
-    <a:masterClrMapping/>
-  </p:clrMapOvr>
+  <mc:AlternateContent>
+    <mc:Choice Requires="p14">
+      <p:transition spd="slow" p14:dur="2000"/>
+    </mc:Choice>
+    <mc:Fallback>
+      <p:transition spd="slow"/>
+    </mc:Fallback>
+  </mc:AlternateContent>
 </p:sld>
 </file>
 
 <file path=ppt/slides/slide7.xml><?xml version="1.0" encoding="utf-8"?>
-<p:sld xmlns:a="http://schemas.openxmlformats.org/drawingml/2006/main" xmlns:r="http://schemas.openxmlformats.org/officeDocument/2006/relationships" xmlns:p="http://schemas.openxmlformats.org/presentationml/2006/main">
+<p:sld xmlns:a="http://schemas.openxmlformats.org/drawingml/2006/main" xmlns:p="http://schemas.openxmlformats.org/presentationml/2006/main" xmlns:r="http://schemas.openxmlformats.org/officeDocument/2006/relationships" xmlns:p14="http://schemas.microsoft.com/office/powerpoint/2010/main" xmlns:p15="http://schemas.microsoft.com/office/powerpoint/2012/main" xmlns:mc="http://schemas.openxmlformats.org/markup-compatibility/2006">
   <p:cSld>
     <p:spTree>
       <p:nvGrpSpPr>
@@ -8174,7 +6940,7 @@
         <p:spPr>
           <a:xfrm>
             <a:off x="609480" y="273600"/>
-            <a:ext cx="10972080" cy="1144440"/>
+            <a:ext cx="10971720" cy="1144080"/>
           </a:xfrm>
           <a:prstGeom prst="rect">
             <a:avLst/>
@@ -8185,22 +6951,15 @@
           </a:ln>
         </p:spPr>
         <p:style>
-          <a:lnRef idx="0">
-            <a:scrgbClr r="0" g="0" b="0"/>
-          </a:lnRef>
-          <a:fillRef idx="0">
-            <a:scrgbClr r="0" g="0" b="0"/>
-          </a:fillRef>
-          <a:effectRef idx="0">
-            <a:scrgbClr r="0" g="0" b="0"/>
-          </a:effectRef>
+          <a:lnRef idx="0"/>
+          <a:fillRef idx="0"/>
+          <a:effectRef idx="0"/>
           <a:fontRef idx="minor"/>
         </p:style>
         <p:txBody>
-          <a:bodyPr lIns="0" tIns="0" rIns="0" bIns="0" anchor="ctr">
+          <a:bodyPr lIns="0" rIns="0" tIns="0" bIns="0" anchor="ctr">
             <a:noAutofit/>
           </a:bodyPr>
-          <a:lstStyle/>
           <a:p>
             <a:pPr algn="ctr">
               <a:lnSpc>
@@ -8208,15 +6967,16 @@
               </a:lnSpc>
             </a:pPr>
             <a:r>
-              <a:rPr lang="pt-PT" sz="4400" b="1" strike="noStrike" spc="-1">
+              <a:rPr b="1" lang="pt-PT" sz="4400" spc="-1" strike="noStrike">
                 <a:solidFill>
                   <a:srgbClr val="000000"/>
                 </a:solidFill>
                 <a:latin typeface="Calibri Light"/>
+                <a:ea typeface="DejaVu Sans"/>
               </a:rPr>
               <a:t>Funcionalidades Implementadas(cont)</a:t>
             </a:r>
-            <a:endParaRPr lang="pt-PT" sz="4400" b="0" strike="noStrike" spc="-1">
+            <a:endParaRPr b="0" lang="pt-PT" sz="4400" spc="-1" strike="noStrike">
               <a:latin typeface="Arial"/>
             </a:endParaRPr>
           </a:p>
@@ -8231,7 +6991,7 @@
         <p:spPr>
           <a:xfrm>
             <a:off x="609480" y="1604520"/>
-            <a:ext cx="10972080" cy="3976920"/>
+            <a:ext cx="10971720" cy="3976560"/>
           </a:xfrm>
           <a:prstGeom prst="rect">
             <a:avLst/>
@@ -8242,24 +7002,17 @@
           </a:ln>
         </p:spPr>
         <p:style>
-          <a:lnRef idx="0">
-            <a:scrgbClr r="0" g="0" b="0"/>
-          </a:lnRef>
-          <a:fillRef idx="0">
-            <a:scrgbClr r="0" g="0" b="0"/>
-          </a:fillRef>
-          <a:effectRef idx="0">
-            <a:scrgbClr r="0" g="0" b="0"/>
-          </a:effectRef>
+          <a:lnRef idx="0"/>
+          <a:fillRef idx="0"/>
+          <a:effectRef idx="0"/>
           <a:fontRef idx="minor"/>
         </p:style>
         <p:txBody>
-          <a:bodyPr lIns="0" tIns="0" rIns="0" bIns="0">
+          <a:bodyPr lIns="0" rIns="0" tIns="0" bIns="0">
             <a:normAutofit fontScale="76000"/>
           </a:bodyPr>
-          <a:lstStyle/>
-          <a:p>
-            <a:pPr marL="432000" indent="-323640">
+          <a:p>
+            <a:pPr marL="432000" indent="-323280">
               <a:lnSpc>
                 <a:spcPct val="100000"/>
               </a:lnSpc>
@@ -8274,14 +7027,21 @@
               <a:buChar char=""/>
             </a:pPr>
             <a:r>
-              <a:rPr lang="pt-PT" sz="3200" b="0" strike="noStrike" spc="-1">
+              <a:rPr b="0" lang="pt-PT" sz="3200" spc="-1" strike="noStrike">
+                <a:solidFill>
+                  <a:srgbClr val="000000"/>
+                </a:solidFill>
                 <a:latin typeface="Arial"/>
+                <a:ea typeface="DejaVu Sans"/>
               </a:rPr>
               <a:t>Algoritmos de pesquisa usados:</a:t>
             </a:r>
-          </a:p>
-          <a:p>
-            <a:pPr marL="432000" indent="-323640">
+            <a:endParaRPr b="0" lang="pt-PT" sz="3200" spc="-1" strike="noStrike">
+              <a:latin typeface="Arial"/>
+            </a:endParaRPr>
+          </a:p>
+          <a:p>
+            <a:pPr marL="432000" indent="-323280">
               <a:lnSpc>
                 <a:spcPct val="100000"/>
               </a:lnSpc>
@@ -8296,14 +7056,21 @@
               <a:buChar char=""/>
             </a:pPr>
             <a:r>
-              <a:rPr lang="pt-PT" sz="3200" b="0" strike="noStrike" spc="-1">
+              <a:rPr b="0" lang="pt-PT" sz="3200" spc="-1" strike="noStrike">
+                <a:solidFill>
+                  <a:srgbClr val="000000"/>
+                </a:solidFill>
                 <a:latin typeface="Arial"/>
+                <a:ea typeface="DejaVu Sans"/>
               </a:rPr>
               <a:t>std::find_if (STL);</a:t>
             </a:r>
-          </a:p>
-          <a:p>
-            <a:pPr marL="432000" indent="-323640">
+            <a:endParaRPr b="0" lang="pt-PT" sz="3200" spc="-1" strike="noStrike">
+              <a:latin typeface="Arial"/>
+            </a:endParaRPr>
+          </a:p>
+          <a:p>
+            <a:pPr marL="432000" indent="-323280">
               <a:lnSpc>
                 <a:spcPct val="100000"/>
               </a:lnSpc>
@@ -8318,14 +7085,21 @@
               <a:buChar char=""/>
             </a:pPr>
             <a:r>
-              <a:rPr lang="pt-PT" sz="3200" b="0" strike="noStrike" spc="-1">
+              <a:rPr b="0" lang="pt-PT" sz="3200" spc="-1" strike="noStrike">
+                <a:solidFill>
+                  <a:srgbClr val="000000"/>
+                </a:solidFill>
                 <a:latin typeface="Arial"/>
+                <a:ea typeface="DejaVu Sans"/>
               </a:rPr>
               <a:t>Recorremos também à pesquisa linear com recurso a iteradores.</a:t>
             </a:r>
-          </a:p>
-          <a:p>
-            <a:pPr marL="432000" indent="-323640">
+            <a:endParaRPr b="0" lang="pt-PT" sz="3200" spc="-1" strike="noStrike">
+              <a:latin typeface="Arial"/>
+            </a:endParaRPr>
+          </a:p>
+          <a:p>
+            <a:pPr marL="432000" indent="-323280">
               <a:lnSpc>
                 <a:spcPct val="100000"/>
               </a:lnSpc>
@@ -8340,14 +7114,21 @@
               <a:buChar char=""/>
             </a:pPr>
             <a:r>
-              <a:rPr lang="pt-PT" sz="3200" b="0" strike="noStrike" spc="-1">
+              <a:rPr b="0" lang="pt-PT" sz="3200" spc="-1" strike="noStrike">
+                <a:solidFill>
+                  <a:srgbClr val="000000"/>
+                </a:solidFill>
                 <a:latin typeface="Arial"/>
+                <a:ea typeface="DejaVu Sans"/>
               </a:rPr>
               <a:t>Algoritmos de ordenação usados:</a:t>
             </a:r>
-          </a:p>
-          <a:p>
-            <a:pPr marL="432000" indent="-323640">
+            <a:endParaRPr b="0" lang="pt-PT" sz="3200" spc="-1" strike="noStrike">
+              <a:latin typeface="Arial"/>
+            </a:endParaRPr>
+          </a:p>
+          <a:p>
+            <a:pPr marL="432000" indent="-323280">
               <a:lnSpc>
                 <a:spcPct val="100000"/>
               </a:lnSpc>
@@ -8362,14 +7143,21 @@
               <a:buChar char=""/>
             </a:pPr>
             <a:r>
-              <a:rPr lang="pt-PT" sz="3200" b="0" strike="noStrike" spc="-1">
+              <a:rPr b="0" lang="pt-PT" sz="3200" spc="-1" strike="noStrike">
+                <a:solidFill>
+                  <a:srgbClr val="000000"/>
+                </a:solidFill>
                 <a:latin typeface="Arial"/>
+                <a:ea typeface="DejaVu Sans"/>
               </a:rPr>
               <a:t>std::sort (STL);</a:t>
             </a:r>
-          </a:p>
-          <a:p>
-            <a:pPr marL="432000" indent="-323640">
+            <a:endParaRPr b="0" lang="pt-PT" sz="3200" spc="-1" strike="noStrike">
+              <a:latin typeface="Arial"/>
+            </a:endParaRPr>
+          </a:p>
+          <a:p>
+            <a:pPr marL="432000" indent="-323280">
               <a:lnSpc>
                 <a:spcPct val="100000"/>
               </a:lnSpc>
@@ -8384,14 +7172,21 @@
               <a:buChar char=""/>
             </a:pPr>
             <a:r>
-              <a:rPr lang="pt-PT" sz="3200" b="0" strike="noStrike" spc="-1">
+              <a:rPr b="0" lang="pt-PT" sz="3200" spc="-1" strike="noStrike">
+                <a:solidFill>
+                  <a:srgbClr val="000000"/>
+                </a:solidFill>
                 <a:latin typeface="Arial"/>
+                <a:ea typeface="DejaVu Sans"/>
               </a:rPr>
               <a:t>std::remove_if (STL;</a:t>
             </a:r>
-          </a:p>
-          <a:p>
-            <a:pPr marL="432000" indent="-323640">
+            <a:endParaRPr b="0" lang="pt-PT" sz="3200" spc="-1" strike="noStrike">
+              <a:latin typeface="Arial"/>
+            </a:endParaRPr>
+          </a:p>
+          <a:p>
+            <a:pPr marL="432000" indent="-323280">
               <a:lnSpc>
                 <a:spcPct val="100000"/>
               </a:lnSpc>
@@ -8406,24 +7201,36 @@
               <a:buChar char=""/>
             </a:pPr>
             <a:r>
-              <a:rPr lang="pt-PT" sz="3200" b="0" strike="noStrike" spc="-1">
+              <a:rPr b="0" lang="pt-PT" sz="3200" spc="-1" strike="noStrike">
+                <a:solidFill>
+                  <a:srgbClr val="000000"/>
+                </a:solidFill>
                 <a:latin typeface="Arial"/>
+                <a:ea typeface="DejaVu Sans"/>
               </a:rPr>
               <a:t>Std::list.sort (STL).</a:t>
             </a:r>
+            <a:endParaRPr b="0" lang="pt-PT" sz="3200" spc="-1" strike="noStrike">
+              <a:latin typeface="Arial"/>
+            </a:endParaRPr>
           </a:p>
         </p:txBody>
       </p:sp>
     </p:spTree>
   </p:cSld>
-  <p:clrMapOvr>
-    <a:masterClrMapping/>
-  </p:clrMapOvr>
+  <mc:AlternateContent>
+    <mc:Choice Requires="p14">
+      <p:transition spd="slow" p14:dur="2000"/>
+    </mc:Choice>
+    <mc:Fallback>
+      <p:transition spd="slow"/>
+    </mc:Fallback>
+  </mc:AlternateContent>
 </p:sld>
 </file>
 
 <file path=ppt/slides/slide8.xml><?xml version="1.0" encoding="utf-8"?>
-<p:sld xmlns:a="http://schemas.openxmlformats.org/drawingml/2006/main" xmlns:r="http://schemas.openxmlformats.org/officeDocument/2006/relationships" xmlns:p="http://schemas.openxmlformats.org/presentationml/2006/main">
+<p:sld xmlns:a="http://schemas.openxmlformats.org/drawingml/2006/main" xmlns:p="http://schemas.openxmlformats.org/presentationml/2006/main" xmlns:r="http://schemas.openxmlformats.org/officeDocument/2006/relationships" xmlns:p14="http://schemas.microsoft.com/office/powerpoint/2010/main" xmlns:p15="http://schemas.microsoft.com/office/powerpoint/2012/main" xmlns:mc="http://schemas.openxmlformats.org/markup-compatibility/2006">
   <p:cSld>
     <p:spTree>
       <p:nvGrpSpPr>
@@ -8448,7 +7255,7 @@
         <p:spPr>
           <a:xfrm>
             <a:off x="838080" y="365040"/>
-            <a:ext cx="10514520" cy="1324440"/>
+            <a:ext cx="10514160" cy="1324080"/>
           </a:xfrm>
           <a:prstGeom prst="rect">
             <a:avLst/>
@@ -8459,22 +7266,15 @@
           </a:ln>
         </p:spPr>
         <p:style>
-          <a:lnRef idx="0">
-            <a:scrgbClr r="0" g="0" b="0"/>
-          </a:lnRef>
-          <a:fillRef idx="0">
-            <a:scrgbClr r="0" g="0" b="0"/>
-          </a:fillRef>
-          <a:effectRef idx="0">
-            <a:scrgbClr r="0" g="0" b="0"/>
-          </a:effectRef>
+          <a:lnRef idx="0"/>
+          <a:fillRef idx="0"/>
+          <a:effectRef idx="0"/>
           <a:fontRef idx="minor"/>
         </p:style>
         <p:txBody>
-          <a:bodyPr lIns="90000" tIns="45000" rIns="90000" bIns="45000" anchor="ctr">
+          <a:bodyPr lIns="90000" rIns="90000" tIns="45000" bIns="45000" anchor="ctr">
             <a:noAutofit/>
           </a:bodyPr>
-          <a:lstStyle/>
           <a:p>
             <a:pPr algn="ctr">
               <a:lnSpc>
@@ -8482,7 +7282,7 @@
               </a:lnSpc>
             </a:pPr>
             <a:r>
-              <a:rPr lang="pt-PT" sz="4400" b="1" strike="noStrike" spc="-1">
+              <a:rPr b="1" lang="pt-PT" sz="4400" spc="-1" strike="noStrike">
                 <a:solidFill>
                   <a:srgbClr val="000000"/>
                 </a:solidFill>
@@ -8491,7 +7291,7 @@
               </a:rPr>
               <a:t>Destaque de Funcionalidade</a:t>
             </a:r>
-            <a:endParaRPr lang="pt-PT" sz="4400" b="0" strike="noStrike" spc="-1">
+            <a:endParaRPr b="0" lang="pt-PT" sz="4400" spc="-1" strike="noStrike">
               <a:latin typeface="Arial"/>
             </a:endParaRPr>
           </a:p>
@@ -8506,7 +7306,7 @@
         <p:spPr>
           <a:xfrm>
             <a:off x="838080" y="1825560"/>
-            <a:ext cx="10514520" cy="4350240"/>
+            <a:ext cx="10514160" cy="4349880"/>
           </a:xfrm>
           <a:prstGeom prst="rect">
             <a:avLst/>
@@ -8517,15 +7317,9 @@
           </a:ln>
         </p:spPr>
         <p:style>
-          <a:lnRef idx="0">
-            <a:scrgbClr r="0" g="0" b="0"/>
-          </a:lnRef>
-          <a:fillRef idx="0">
-            <a:scrgbClr r="0" g="0" b="0"/>
-          </a:fillRef>
-          <a:effectRef idx="0">
-            <a:scrgbClr r="0" g="0" b="0"/>
-          </a:effectRef>
+          <a:lnRef idx="0"/>
+          <a:fillRef idx="0"/>
+          <a:effectRef idx="0"/>
           <a:fontRef idx="minor"/>
         </p:style>
       </p:sp>
@@ -8538,7 +7332,7 @@
         <p:spPr>
           <a:xfrm>
             <a:off x="609480" y="1604520"/>
-            <a:ext cx="10972080" cy="3976920"/>
+            <a:ext cx="10971720" cy="3976560"/>
           </a:xfrm>
           <a:prstGeom prst="rect">
             <a:avLst/>
@@ -8549,24 +7343,17 @@
           </a:ln>
         </p:spPr>
         <p:style>
-          <a:lnRef idx="0">
-            <a:scrgbClr r="0" g="0" b="0"/>
-          </a:lnRef>
-          <a:fillRef idx="0">
-            <a:scrgbClr r="0" g="0" b="0"/>
-          </a:fillRef>
-          <a:effectRef idx="0">
-            <a:scrgbClr r="0" g="0" b="0"/>
-          </a:effectRef>
+          <a:lnRef idx="0"/>
+          <a:fillRef idx="0"/>
+          <a:effectRef idx="0"/>
           <a:fontRef idx="minor"/>
         </p:style>
         <p:txBody>
-          <a:bodyPr lIns="0" tIns="0" rIns="0" bIns="0">
+          <a:bodyPr lIns="0" rIns="0" tIns="0" bIns="0">
             <a:normAutofit/>
           </a:bodyPr>
-          <a:lstStyle/>
-          <a:p>
-            <a:pPr marL="432000" indent="-323640">
+          <a:p>
+            <a:pPr marL="432000" indent="-323280">
               <a:lnSpc>
                 <a:spcPct val="100000"/>
               </a:lnSpc>
@@ -8581,36 +7368,36 @@
               <a:buChar char=""/>
             </a:pPr>
             <a:r>
-              <a:rPr lang="pt-PT" sz="2800" b="0" strike="noStrike" spc="-1" dirty="0">
+              <a:rPr b="0" lang="pt-PT" sz="2800" spc="-1" strike="noStrike">
+                <a:solidFill>
+                  <a:srgbClr val="000000"/>
+                </a:solidFill>
                 <a:latin typeface="Arial"/>
+                <a:ea typeface="DejaVu Sans"/>
               </a:rPr>
-              <a:t>A funcionalidade que gostaríamos de realçar seria a que nos permite a </a:t>
+              <a:t>A funcionalidade que gostaríamos de realçar seria a que nos permite a realização de voos e também de serviços de limpeza/manutenção com base na data atual, o que dá uma sensação de "realismo" à aplicação em si.</a:t>
             </a:r>
-            <a:r>
-              <a:rPr lang="pt-PT" sz="2800" spc="-1" dirty="0">
-                <a:latin typeface="Arial"/>
-              </a:rPr>
-              <a:t>realização</a:t>
-            </a:r>
-            <a:r>
-              <a:rPr lang="pt-PT" sz="2800" b="0" strike="noStrike" spc="-1" dirty="0">
-                <a:latin typeface="Arial"/>
-              </a:rPr>
-              <a:t> de voos e também de serviços de limpeza/manutenção com base na data atual, o que dá uma sensação de "realismo" à aplicação em si.</a:t>
-            </a:r>
+            <a:endParaRPr b="0" lang="pt-PT" sz="2800" spc="-1" strike="noStrike">
+              <a:latin typeface="Arial"/>
+            </a:endParaRPr>
           </a:p>
         </p:txBody>
       </p:sp>
     </p:spTree>
   </p:cSld>
-  <p:clrMapOvr>
-    <a:masterClrMapping/>
-  </p:clrMapOvr>
+  <mc:AlternateContent>
+    <mc:Choice Requires="p14">
+      <p:transition spd="slow" p14:dur="2000"/>
+    </mc:Choice>
+    <mc:Fallback>
+      <p:transition spd="slow"/>
+    </mc:Fallback>
+  </mc:AlternateContent>
 </p:sld>
 </file>
 
 <file path=ppt/slides/slide9.xml><?xml version="1.0" encoding="utf-8"?>
-<p:sld xmlns:a="http://schemas.openxmlformats.org/drawingml/2006/main" xmlns:r="http://schemas.openxmlformats.org/officeDocument/2006/relationships" xmlns:p="http://schemas.openxmlformats.org/presentationml/2006/main">
+<p:sld xmlns:a="http://schemas.openxmlformats.org/drawingml/2006/main" xmlns:p="http://schemas.openxmlformats.org/presentationml/2006/main" xmlns:r="http://schemas.openxmlformats.org/officeDocument/2006/relationships" xmlns:p14="http://schemas.microsoft.com/office/powerpoint/2010/main" xmlns:p15="http://schemas.microsoft.com/office/powerpoint/2012/main" xmlns:mc="http://schemas.openxmlformats.org/markup-compatibility/2006">
   <p:cSld>
     <p:spTree>
       <p:nvGrpSpPr>
@@ -8635,7 +7422,7 @@
         <p:spPr>
           <a:xfrm>
             <a:off x="838080" y="365040"/>
-            <a:ext cx="10514520" cy="1324440"/>
+            <a:ext cx="10514160" cy="1324080"/>
           </a:xfrm>
           <a:prstGeom prst="rect">
             <a:avLst/>
@@ -8646,22 +7433,15 @@
           </a:ln>
         </p:spPr>
         <p:style>
-          <a:lnRef idx="0">
-            <a:scrgbClr r="0" g="0" b="0"/>
-          </a:lnRef>
-          <a:fillRef idx="0">
-            <a:scrgbClr r="0" g="0" b="0"/>
-          </a:fillRef>
-          <a:effectRef idx="0">
-            <a:scrgbClr r="0" g="0" b="0"/>
-          </a:effectRef>
+          <a:lnRef idx="0"/>
+          <a:fillRef idx="0"/>
+          <a:effectRef idx="0"/>
           <a:fontRef idx="minor"/>
         </p:style>
         <p:txBody>
-          <a:bodyPr lIns="90000" tIns="45000" rIns="90000" bIns="45000" anchor="ctr">
+          <a:bodyPr lIns="90000" rIns="90000" tIns="45000" bIns="45000" anchor="ctr">
             <a:noAutofit/>
           </a:bodyPr>
-          <a:lstStyle/>
           <a:p>
             <a:pPr algn="ctr">
               <a:lnSpc>
@@ -8669,7 +7449,7 @@
               </a:lnSpc>
             </a:pPr>
             <a:r>
-              <a:rPr lang="pt-PT" sz="4400" b="1" strike="noStrike" spc="-1">
+              <a:rPr b="1" lang="pt-PT" sz="4400" spc="-1" strike="noStrike">
                 <a:solidFill>
                   <a:srgbClr val="000000"/>
                 </a:solidFill>
@@ -8678,7 +7458,7 @@
               </a:rPr>
               <a:t>Principais dificuldades</a:t>
             </a:r>
-            <a:endParaRPr lang="pt-PT" sz="4400" b="0" strike="noStrike" spc="-1">
+            <a:endParaRPr b="0" lang="pt-PT" sz="4400" spc="-1" strike="noStrike">
               <a:latin typeface="Arial"/>
             </a:endParaRPr>
           </a:p>
@@ -8693,7 +7473,7 @@
         <p:spPr>
           <a:xfrm>
             <a:off x="838080" y="1825560"/>
-            <a:ext cx="10514520" cy="4350240"/>
+            <a:ext cx="10514160" cy="4349880"/>
           </a:xfrm>
           <a:prstGeom prst="rect">
             <a:avLst/>
@@ -8704,23 +7484,103 @@
           </a:ln>
         </p:spPr>
         <p:style>
-          <a:lnRef idx="0">
-            <a:scrgbClr r="0" g="0" b="0"/>
-          </a:lnRef>
-          <a:fillRef idx="0">
-            <a:scrgbClr r="0" g="0" b="0"/>
-          </a:fillRef>
-          <a:effectRef idx="0">
-            <a:scrgbClr r="0" g="0" b="0"/>
-          </a:effectRef>
+          <a:lnRef idx="0"/>
+          <a:fillRef idx="0"/>
+          <a:effectRef idx="0"/>
           <a:fontRef idx="minor"/>
         </p:style>
       </p:sp>
+      <p:sp>
+        <p:nvSpPr>
+          <p:cNvPr id="136" name=""/>
+          <p:cNvSpPr txBox="1"/>
+          <p:nvPr/>
+        </p:nvSpPr>
+        <p:spPr>
+          <a:xfrm>
+            <a:off x="609480" y="1604520"/>
+            <a:ext cx="10972440" cy="3977280"/>
+          </a:xfrm>
+          <a:prstGeom prst="rect">
+            <a:avLst/>
+          </a:prstGeom>
+          <a:noFill/>
+          <a:ln w="0">
+            <a:noFill/>
+          </a:ln>
+        </p:spPr>
+        <p:txBody>
+          <a:bodyPr lIns="0" rIns="0" tIns="0" bIns="0">
+            <a:normAutofit/>
+          </a:bodyPr>
+          <a:p>
+            <a:pPr marL="432000" indent="-324000">
+              <a:spcBef>
+                <a:spcPts val="1417"/>
+              </a:spcBef>
+              <a:buClr>
+                <a:srgbClr val="000000"/>
+              </a:buClr>
+              <a:buSzPct val="45000"/>
+              <a:buFont typeface="Wingdings" charset="2"/>
+              <a:buChar char=""/>
+            </a:pPr>
+            <a:r>
+              <a:rPr b="0" lang="pt-PT" sz="2800" spc="-1" strike="noStrike">
+                <a:solidFill>
+                  <a:srgbClr val="000000"/>
+                </a:solidFill>
+                <a:latin typeface="Arial"/>
+              </a:rPr>
+              <a:t>Ao longo do trabalho, tivemos dificuldades em relacionar as classes devido à maneira como estas estavam especificadas no enunciado, levando a dependencias circulares no início (Nomeadamente, Flights e Planes). A solução foi criar a classe FlightPlan.</a:t>
+            </a:r>
+            <a:endParaRPr b="0" lang="pt-PT" sz="2800" spc="-1" strike="noStrike">
+              <a:solidFill>
+                <a:srgbClr val="000000"/>
+              </a:solidFill>
+              <a:latin typeface="Arial"/>
+            </a:endParaRPr>
+          </a:p>
+          <a:p>
+            <a:pPr marL="432000" indent="-324000">
+              <a:spcBef>
+                <a:spcPts val="1417"/>
+              </a:spcBef>
+              <a:buClr>
+                <a:srgbClr val="000000"/>
+              </a:buClr>
+              <a:buSzPct val="45000"/>
+              <a:buFont typeface="Wingdings" charset="2"/>
+              <a:buChar char=""/>
+            </a:pPr>
+            <a:r>
+              <a:rPr b="0" lang="pt-PT" sz="2800" spc="-1" strike="noStrike">
+                <a:solidFill>
+                  <a:srgbClr val="000000"/>
+                </a:solidFill>
+                <a:latin typeface="Arial"/>
+              </a:rPr>
+              <a:t>Tivemos também problemas a gerir os objetos das classes. A solução foi usar pointers.</a:t>
+            </a:r>
+            <a:endParaRPr b="0" lang="pt-PT" sz="2800" spc="-1" strike="noStrike">
+              <a:solidFill>
+                <a:srgbClr val="000000"/>
+              </a:solidFill>
+              <a:latin typeface="Arial"/>
+            </a:endParaRPr>
+          </a:p>
+        </p:txBody>
+      </p:sp>
     </p:spTree>
   </p:cSld>
-  <p:clrMapOvr>
-    <a:masterClrMapping/>
-  </p:clrMapOvr>
+  <mc:AlternateContent>
+    <mc:Choice Requires="p14">
+      <p:transition spd="slow" p14:dur="2000"/>
+    </mc:Choice>
+    <mc:Fallback>
+      <p:transition spd="slow"/>
+    </mc:Fallback>
+  </mc:AlternateContent>
 </p:sld>
 </file>
 
@@ -8735,34 +7595,34 @@
         <a:sysClr val="window" lastClr="FFFFFF"/>
       </a:lt1>
       <a:dk2>
-        <a:srgbClr val="44546A"/>
+        <a:srgbClr val="44546a"/>
       </a:dk2>
       <a:lt2>
-        <a:srgbClr val="E7E6E6"/>
+        <a:srgbClr val="e7e6e6"/>
       </a:lt2>
       <a:accent1>
-        <a:srgbClr val="4472C4"/>
+        <a:srgbClr val="4472c4"/>
       </a:accent1>
       <a:accent2>
-        <a:srgbClr val="ED7D31"/>
+        <a:srgbClr val="ed7d31"/>
       </a:accent2>
       <a:accent3>
-        <a:srgbClr val="A5A5A5"/>
+        <a:srgbClr val="a5a5a5"/>
       </a:accent3>
       <a:accent4>
-        <a:srgbClr val="FFC000"/>
+        <a:srgbClr val="ffc000"/>
       </a:accent4>
       <a:accent5>
-        <a:srgbClr val="5B9BD5"/>
+        <a:srgbClr val="5b9bd5"/>
       </a:accent5>
       <a:accent6>
-        <a:srgbClr val="70AD47"/>
+        <a:srgbClr val="70ad47"/>
       </a:accent6>
       <a:hlink>
-        <a:srgbClr val="0563C1"/>
+        <a:srgbClr val="0563c1"/>
       </a:hlink>
       <a:folHlink>
-        <a:srgbClr val="954F72"/>
+        <a:srgbClr val="954f72"/>
       </a:folHlink>
     </a:clrScheme>
     <a:fontScheme name="Office">
@@ -8947,8 +7807,6 @@
       </a:bgFillStyleLst>
     </a:fmtScheme>
   </a:themeElements>
-  <a:objectDefaults/>
-  <a:extraClrSchemeLst/>
 </a:theme>
 </file>
 
@@ -8963,34 +7821,34 @@
         <a:sysClr val="window" lastClr="FFFFFF"/>
       </a:lt1>
       <a:dk2>
-        <a:srgbClr val="44546A"/>
+        <a:srgbClr val="44546a"/>
       </a:dk2>
       <a:lt2>
-        <a:srgbClr val="E7E6E6"/>
+        <a:srgbClr val="e7e6e6"/>
       </a:lt2>
       <a:accent1>
-        <a:srgbClr val="4472C4"/>
+        <a:srgbClr val="4472c4"/>
       </a:accent1>
       <a:accent2>
-        <a:srgbClr val="ED7D31"/>
+        <a:srgbClr val="ed7d31"/>
       </a:accent2>
       <a:accent3>
-        <a:srgbClr val="A5A5A5"/>
+        <a:srgbClr val="a5a5a5"/>
       </a:accent3>
       <a:accent4>
-        <a:srgbClr val="FFC000"/>
+        <a:srgbClr val="ffc000"/>
       </a:accent4>
       <a:accent5>
-        <a:srgbClr val="5B9BD5"/>
+        <a:srgbClr val="5b9bd5"/>
       </a:accent5>
       <a:accent6>
-        <a:srgbClr val="70AD47"/>
+        <a:srgbClr val="70ad47"/>
       </a:accent6>
       <a:hlink>
-        <a:srgbClr val="0563C1"/>
+        <a:srgbClr val="0563c1"/>
       </a:hlink>
       <a:folHlink>
-        <a:srgbClr val="954F72"/>
+        <a:srgbClr val="954f72"/>
       </a:folHlink>
     </a:clrScheme>
     <a:fontScheme name="Office">
@@ -9175,8 +8033,6 @@
       </a:bgFillStyleLst>
     </a:fmtScheme>
   </a:themeElements>
-  <a:objectDefaults/>
-  <a:extraClrSchemeLst/>
 </a:theme>
 </file>
 
@@ -9191,34 +8047,34 @@
         <a:sysClr val="window" lastClr="FFFFFF"/>
       </a:lt1>
       <a:dk2>
-        <a:srgbClr val="44546A"/>
+        <a:srgbClr val="44546a"/>
       </a:dk2>
       <a:lt2>
-        <a:srgbClr val="E7E6E6"/>
+        <a:srgbClr val="e7e6e6"/>
       </a:lt2>
       <a:accent1>
-        <a:srgbClr val="4472C4"/>
+        <a:srgbClr val="4472c4"/>
       </a:accent1>
       <a:accent2>
-        <a:srgbClr val="ED7D31"/>
+        <a:srgbClr val="ed7d31"/>
       </a:accent2>
       <a:accent3>
-        <a:srgbClr val="A5A5A5"/>
+        <a:srgbClr val="a5a5a5"/>
       </a:accent3>
       <a:accent4>
-        <a:srgbClr val="FFC000"/>
+        <a:srgbClr val="ffc000"/>
       </a:accent4>
       <a:accent5>
-        <a:srgbClr val="5B9BD5"/>
+        <a:srgbClr val="5b9bd5"/>
       </a:accent5>
       <a:accent6>
-        <a:srgbClr val="70AD47"/>
+        <a:srgbClr val="70ad47"/>
       </a:accent6>
       <a:hlink>
-        <a:srgbClr val="0563C1"/>
+        <a:srgbClr val="0563c1"/>
       </a:hlink>
       <a:folHlink>
-        <a:srgbClr val="954F72"/>
+        <a:srgbClr val="954f72"/>
       </a:folHlink>
     </a:clrScheme>
     <a:fontScheme name="Office">
@@ -9403,7 +8259,5 @@
       </a:bgFillStyleLst>
     </a:fmtScheme>
   </a:themeElements>
-  <a:objectDefaults/>
-  <a:extraClrSchemeLst/>
 </a:theme>
 </file>
--- a/Apresentação.pptx
+++ b/Apresentação.pptx
@@ -1,30 +1,125 @@
 
 <file path=ppt/presentation.xml><?xml version="1.0" encoding="utf-8"?>
-<p:presentation xmlns:a="http://schemas.openxmlformats.org/drawingml/2006/main" xmlns:p="http://schemas.openxmlformats.org/presentationml/2006/main" xmlns:r="http://schemas.openxmlformats.org/officeDocument/2006/relationships" xmlns:p14="http://schemas.microsoft.com/office/powerpoint/2010/main" xmlns:p15="http://schemas.microsoft.com/office/powerpoint/2012/main" xmlns:mc="http://schemas.openxmlformats.org/markup-compatibility/2006">
+<p:presentation xmlns:a="http://schemas.openxmlformats.org/drawingml/2006/main" xmlns:r="http://schemas.openxmlformats.org/officeDocument/2006/relationships" xmlns:p="http://schemas.openxmlformats.org/presentationml/2006/main">
   <p:sldMasterIdLst>
-    <p:sldMasterId id="2147483648" r:id="rId2"/>
-    <p:sldMasterId id="2147483661" r:id="rId3"/>
-    <p:sldMasterId id="2147483674" r:id="rId4"/>
+    <p:sldMasterId id="2147483648" r:id="rId1"/>
+    <p:sldMasterId id="2147483661" r:id="rId2"/>
+    <p:sldMasterId id="2147483674" r:id="rId3"/>
   </p:sldMasterIdLst>
   <p:sldIdLst>
-    <p:sldId id="256" r:id="rId5"/>
-    <p:sldId id="257" r:id="rId6"/>
-    <p:sldId id="258" r:id="rId7"/>
-    <p:sldId id="259" r:id="rId8"/>
-    <p:sldId id="260" r:id="rId9"/>
-    <p:sldId id="261" r:id="rId10"/>
-    <p:sldId id="262" r:id="rId11"/>
-    <p:sldId id="263" r:id="rId12"/>
-    <p:sldId id="264" r:id="rId13"/>
-    <p:sldId id="265" r:id="rId14"/>
+    <p:sldId id="256" r:id="rId4"/>
+    <p:sldId id="257" r:id="rId5"/>
+    <p:sldId id="258" r:id="rId6"/>
+    <p:sldId id="259" r:id="rId7"/>
+    <p:sldId id="260" r:id="rId8"/>
+    <p:sldId id="261" r:id="rId9"/>
+    <p:sldId id="262" r:id="rId10"/>
+    <p:sldId id="263" r:id="rId11"/>
+    <p:sldId id="264" r:id="rId12"/>
+    <p:sldId id="265" r:id="rId13"/>
   </p:sldIdLst>
   <p:sldSz cx="12192000" cy="6858000"/>
-  <p:notesSz cx="7559675" cy="10691812"/>
+  <p:notesSz cx="7559675" cy="10691813"/>
+  <p:defaultTextStyle>
+    <a:defPPr>
+      <a:defRPr lang="pt-PT"/>
+    </a:defPPr>
+    <a:lvl1pPr marL="0" algn="l" defTabSz="914400" rtl="0" eaLnBrk="1" latinLnBrk="0" hangingPunct="1">
+      <a:defRPr sz="1800" kern="1200">
+        <a:solidFill>
+          <a:schemeClr val="tx1"/>
+        </a:solidFill>
+        <a:latin typeface="+mn-lt"/>
+        <a:ea typeface="+mn-ea"/>
+        <a:cs typeface="+mn-cs"/>
+      </a:defRPr>
+    </a:lvl1pPr>
+    <a:lvl2pPr marL="457200" algn="l" defTabSz="914400" rtl="0" eaLnBrk="1" latinLnBrk="0" hangingPunct="1">
+      <a:defRPr sz="1800" kern="1200">
+        <a:solidFill>
+          <a:schemeClr val="tx1"/>
+        </a:solidFill>
+        <a:latin typeface="+mn-lt"/>
+        <a:ea typeface="+mn-ea"/>
+        <a:cs typeface="+mn-cs"/>
+      </a:defRPr>
+    </a:lvl2pPr>
+    <a:lvl3pPr marL="914400" algn="l" defTabSz="914400" rtl="0" eaLnBrk="1" latinLnBrk="0" hangingPunct="1">
+      <a:defRPr sz="1800" kern="1200">
+        <a:solidFill>
+          <a:schemeClr val="tx1"/>
+        </a:solidFill>
+        <a:latin typeface="+mn-lt"/>
+        <a:ea typeface="+mn-ea"/>
+        <a:cs typeface="+mn-cs"/>
+      </a:defRPr>
+    </a:lvl3pPr>
+    <a:lvl4pPr marL="1371600" algn="l" defTabSz="914400" rtl="0" eaLnBrk="1" latinLnBrk="0" hangingPunct="1">
+      <a:defRPr sz="1800" kern="1200">
+        <a:solidFill>
+          <a:schemeClr val="tx1"/>
+        </a:solidFill>
+        <a:latin typeface="+mn-lt"/>
+        <a:ea typeface="+mn-ea"/>
+        <a:cs typeface="+mn-cs"/>
+      </a:defRPr>
+    </a:lvl4pPr>
+    <a:lvl5pPr marL="1828800" algn="l" defTabSz="914400" rtl="0" eaLnBrk="1" latinLnBrk="0" hangingPunct="1">
+      <a:defRPr sz="1800" kern="1200">
+        <a:solidFill>
+          <a:schemeClr val="tx1"/>
+        </a:solidFill>
+        <a:latin typeface="+mn-lt"/>
+        <a:ea typeface="+mn-ea"/>
+        <a:cs typeface="+mn-cs"/>
+      </a:defRPr>
+    </a:lvl5pPr>
+    <a:lvl6pPr marL="2286000" algn="l" defTabSz="914400" rtl="0" eaLnBrk="1" latinLnBrk="0" hangingPunct="1">
+      <a:defRPr sz="1800" kern="1200">
+        <a:solidFill>
+          <a:schemeClr val="tx1"/>
+        </a:solidFill>
+        <a:latin typeface="+mn-lt"/>
+        <a:ea typeface="+mn-ea"/>
+        <a:cs typeface="+mn-cs"/>
+      </a:defRPr>
+    </a:lvl6pPr>
+    <a:lvl7pPr marL="2743200" algn="l" defTabSz="914400" rtl="0" eaLnBrk="1" latinLnBrk="0" hangingPunct="1">
+      <a:defRPr sz="1800" kern="1200">
+        <a:solidFill>
+          <a:schemeClr val="tx1"/>
+        </a:solidFill>
+        <a:latin typeface="+mn-lt"/>
+        <a:ea typeface="+mn-ea"/>
+        <a:cs typeface="+mn-cs"/>
+      </a:defRPr>
+    </a:lvl7pPr>
+    <a:lvl8pPr marL="3200400" algn="l" defTabSz="914400" rtl="0" eaLnBrk="1" latinLnBrk="0" hangingPunct="1">
+      <a:defRPr sz="1800" kern="1200">
+        <a:solidFill>
+          <a:schemeClr val="tx1"/>
+        </a:solidFill>
+        <a:latin typeface="+mn-lt"/>
+        <a:ea typeface="+mn-ea"/>
+        <a:cs typeface="+mn-cs"/>
+      </a:defRPr>
+    </a:lvl8pPr>
+    <a:lvl9pPr marL="3657600" algn="l" defTabSz="914400" rtl="0" eaLnBrk="1" latinLnBrk="0" hangingPunct="1">
+      <a:defRPr sz="1800" kern="1200">
+        <a:solidFill>
+          <a:schemeClr val="tx1"/>
+        </a:solidFill>
+        <a:latin typeface="+mn-lt"/>
+        <a:ea typeface="+mn-ea"/>
+        <a:cs typeface="+mn-cs"/>
+      </a:defRPr>
+    </a:lvl9pPr>
+  </p:defaultTextStyle>
 </p:presentation>
 </file>
 
 <file path=ppt/slideLayouts/slideLayout1.xml><?xml version="1.0" encoding="utf-8"?>
-<p:sldLayout xmlns:a="http://schemas.openxmlformats.org/drawingml/2006/main" xmlns:p="http://schemas.openxmlformats.org/presentationml/2006/main" xmlns:r="http://schemas.openxmlformats.org/officeDocument/2006/relationships" xmlns:p14="http://schemas.microsoft.com/office/powerpoint/2010/main" xmlns:p15="http://schemas.microsoft.com/office/powerpoint/2012/main" xmlns:mc="http://schemas.openxmlformats.org/markup-compatibility/2006" type="blank" preserve="1">
+<p:sldLayout xmlns:a="http://schemas.openxmlformats.org/drawingml/2006/main" xmlns:r="http://schemas.openxmlformats.org/officeDocument/2006/relationships" xmlns:p="http://schemas.openxmlformats.org/presentationml/2006/main" type="blank" preserve="1">
   <p:cSld name="Blank Slide">
     <p:spTree>
       <p:nvGrpSpPr>
@@ -42,11 +137,14 @@
       </p:grpSpPr>
     </p:spTree>
   </p:cSld>
+  <p:clrMapOvr>
+    <a:masterClrMapping/>
+  </p:clrMapOvr>
 </p:sldLayout>
 </file>
 
 <file path=ppt/slideLayouts/slideLayout10.xml><?xml version="1.0" encoding="utf-8"?>
-<p:sldLayout xmlns:a="http://schemas.openxmlformats.org/drawingml/2006/main" xmlns:p="http://schemas.openxmlformats.org/presentationml/2006/main" xmlns:r="http://schemas.openxmlformats.org/officeDocument/2006/relationships" xmlns:p14="http://schemas.microsoft.com/office/powerpoint/2010/main" xmlns:p15="http://schemas.microsoft.com/office/powerpoint/2012/main" xmlns:mc="http://schemas.openxmlformats.org/markup-compatibility/2006" type="objOverTx" preserve="1">
+<p:sldLayout xmlns:a="http://schemas.openxmlformats.org/drawingml/2006/main" xmlns:r="http://schemas.openxmlformats.org/officeDocument/2006/relationships" xmlns:p="http://schemas.openxmlformats.org/presentationml/2006/main" type="objOverTx" preserve="1">
   <p:cSld name="Title, Content over Content">
     <p:spTree>
       <p:nvGrpSpPr>
@@ -82,11 +180,12 @@
           </a:prstGeom>
         </p:spPr>
         <p:txBody>
-          <a:bodyPr lIns="0" rIns="0" tIns="0" bIns="0" anchor="ctr">
+          <a:bodyPr lIns="0" tIns="0" rIns="0" bIns="0" anchor="ctr">
             <a:noAutofit/>
           </a:bodyPr>
-          <a:p>
-            <a:endParaRPr b="0" lang="pt-PT" sz="1800" spc="-1" strike="noStrike">
+          <a:lstStyle/>
+          <a:p>
+            <a:endParaRPr lang="pt-PT" sz="1800" b="0" strike="noStrike" spc="-1">
               <a:solidFill>
                 <a:srgbClr val="000000"/>
               </a:solidFill>
@@ -115,11 +214,12 @@
           </a:prstGeom>
         </p:spPr>
         <p:txBody>
-          <a:bodyPr lIns="0" rIns="0" tIns="0" bIns="0">
+          <a:bodyPr lIns="0" tIns="0" rIns="0" bIns="0">
             <a:normAutofit/>
           </a:bodyPr>
-          <a:p>
-            <a:endParaRPr b="0" lang="pt-PT" sz="2800" spc="-1" strike="noStrike">
+          <a:lstStyle/>
+          <a:p>
+            <a:endParaRPr lang="pt-PT" sz="2800" b="0" strike="noStrike" spc="-1">
               <a:solidFill>
                 <a:srgbClr val="000000"/>
               </a:solidFill>
@@ -148,11 +248,12 @@
           </a:prstGeom>
         </p:spPr>
         <p:txBody>
-          <a:bodyPr lIns="0" rIns="0" tIns="0" bIns="0">
+          <a:bodyPr lIns="0" tIns="0" rIns="0" bIns="0">
             <a:normAutofit/>
           </a:bodyPr>
-          <a:p>
-            <a:endParaRPr b="0" lang="pt-PT" sz="2800" spc="-1" strike="noStrike">
+          <a:lstStyle/>
+          <a:p>
+            <a:endParaRPr lang="pt-PT" sz="2800" b="0" strike="noStrike" spc="-1">
               <a:solidFill>
                 <a:srgbClr val="000000"/>
               </a:solidFill>
@@ -163,11 +264,14 @@
       </p:sp>
     </p:spTree>
   </p:cSld>
+  <p:clrMapOvr>
+    <a:masterClrMapping/>
+  </p:clrMapOvr>
 </p:sldLayout>
 </file>
 
 <file path=ppt/slideLayouts/slideLayout11.xml><?xml version="1.0" encoding="utf-8"?>
-<p:sldLayout xmlns:a="http://schemas.openxmlformats.org/drawingml/2006/main" xmlns:p="http://schemas.openxmlformats.org/presentationml/2006/main" xmlns:r="http://schemas.openxmlformats.org/officeDocument/2006/relationships" xmlns:p14="http://schemas.microsoft.com/office/powerpoint/2010/main" xmlns:p15="http://schemas.microsoft.com/office/powerpoint/2012/main" xmlns:mc="http://schemas.openxmlformats.org/markup-compatibility/2006" type="fourObj" preserve="1">
+<p:sldLayout xmlns:a="http://schemas.openxmlformats.org/drawingml/2006/main" xmlns:r="http://schemas.openxmlformats.org/officeDocument/2006/relationships" xmlns:p="http://schemas.openxmlformats.org/presentationml/2006/main" type="fourObj" preserve="1">
   <p:cSld name="Title, 4 Content">
     <p:spTree>
       <p:nvGrpSpPr>
@@ -203,11 +307,12 @@
           </a:prstGeom>
         </p:spPr>
         <p:txBody>
-          <a:bodyPr lIns="0" rIns="0" tIns="0" bIns="0" anchor="ctr">
+          <a:bodyPr lIns="0" tIns="0" rIns="0" bIns="0" anchor="ctr">
             <a:noAutofit/>
           </a:bodyPr>
-          <a:p>
-            <a:endParaRPr b="0" lang="pt-PT" sz="1800" spc="-1" strike="noStrike">
+          <a:lstStyle/>
+          <a:p>
+            <a:endParaRPr lang="pt-PT" sz="1800" b="0" strike="noStrike" spc="-1">
               <a:solidFill>
                 <a:srgbClr val="000000"/>
               </a:solidFill>
@@ -236,11 +341,12 @@
           </a:prstGeom>
         </p:spPr>
         <p:txBody>
-          <a:bodyPr lIns="0" rIns="0" tIns="0" bIns="0">
+          <a:bodyPr lIns="0" tIns="0" rIns="0" bIns="0">
             <a:normAutofit/>
           </a:bodyPr>
-          <a:p>
-            <a:endParaRPr b="0" lang="pt-PT" sz="2800" spc="-1" strike="noStrike">
+          <a:lstStyle/>
+          <a:p>
+            <a:endParaRPr lang="pt-PT" sz="2800" b="0" strike="noStrike" spc="-1">
               <a:solidFill>
                 <a:srgbClr val="000000"/>
               </a:solidFill>
@@ -269,11 +375,12 @@
           </a:prstGeom>
         </p:spPr>
         <p:txBody>
-          <a:bodyPr lIns="0" rIns="0" tIns="0" bIns="0">
+          <a:bodyPr lIns="0" tIns="0" rIns="0" bIns="0">
             <a:normAutofit/>
           </a:bodyPr>
-          <a:p>
-            <a:endParaRPr b="0" lang="pt-PT" sz="2800" spc="-1" strike="noStrike">
+          <a:lstStyle/>
+          <a:p>
+            <a:endParaRPr lang="pt-PT" sz="2800" b="0" strike="noStrike" spc="-1">
               <a:solidFill>
                 <a:srgbClr val="000000"/>
               </a:solidFill>
@@ -302,11 +409,12 @@
           </a:prstGeom>
         </p:spPr>
         <p:txBody>
-          <a:bodyPr lIns="0" rIns="0" tIns="0" bIns="0">
+          <a:bodyPr lIns="0" tIns="0" rIns="0" bIns="0">
             <a:normAutofit/>
           </a:bodyPr>
-          <a:p>
-            <a:endParaRPr b="0" lang="pt-PT" sz="2800" spc="-1" strike="noStrike">
+          <a:lstStyle/>
+          <a:p>
+            <a:endParaRPr lang="pt-PT" sz="2800" b="0" strike="noStrike" spc="-1">
               <a:solidFill>
                 <a:srgbClr val="000000"/>
               </a:solidFill>
@@ -335,11 +443,12 @@
           </a:prstGeom>
         </p:spPr>
         <p:txBody>
-          <a:bodyPr lIns="0" rIns="0" tIns="0" bIns="0">
+          <a:bodyPr lIns="0" tIns="0" rIns="0" bIns="0">
             <a:normAutofit/>
           </a:bodyPr>
-          <a:p>
-            <a:endParaRPr b="0" lang="pt-PT" sz="2800" spc="-1" strike="noStrike">
+          <a:lstStyle/>
+          <a:p>
+            <a:endParaRPr lang="pt-PT" sz="2800" b="0" strike="noStrike" spc="-1">
               <a:solidFill>
                 <a:srgbClr val="000000"/>
               </a:solidFill>
@@ -350,11 +459,14 @@
       </p:sp>
     </p:spTree>
   </p:cSld>
+  <p:clrMapOvr>
+    <a:masterClrMapping/>
+  </p:clrMapOvr>
 </p:sldLayout>
 </file>
 
 <file path=ppt/slideLayouts/slideLayout12.xml><?xml version="1.0" encoding="utf-8"?>
-<p:sldLayout xmlns:a="http://schemas.openxmlformats.org/drawingml/2006/main" xmlns:p="http://schemas.openxmlformats.org/presentationml/2006/main" xmlns:r="http://schemas.openxmlformats.org/officeDocument/2006/relationships" xmlns:p14="http://schemas.microsoft.com/office/powerpoint/2010/main" xmlns:p15="http://schemas.microsoft.com/office/powerpoint/2012/main" xmlns:mc="http://schemas.openxmlformats.org/markup-compatibility/2006" type="blank" preserve="1">
+<p:sldLayout xmlns:a="http://schemas.openxmlformats.org/drawingml/2006/main" xmlns:r="http://schemas.openxmlformats.org/officeDocument/2006/relationships" xmlns:p="http://schemas.openxmlformats.org/presentationml/2006/main" type="blank" preserve="1">
   <p:cSld name="Title, 6 Content">
     <p:spTree>
       <p:nvGrpSpPr>
@@ -390,11 +502,12 @@
           </a:prstGeom>
         </p:spPr>
         <p:txBody>
-          <a:bodyPr lIns="0" rIns="0" tIns="0" bIns="0" anchor="ctr">
+          <a:bodyPr lIns="0" tIns="0" rIns="0" bIns="0" anchor="ctr">
             <a:noAutofit/>
           </a:bodyPr>
-          <a:p>
-            <a:endParaRPr b="0" lang="pt-PT" sz="1800" spc="-1" strike="noStrike">
+          <a:lstStyle/>
+          <a:p>
+            <a:endParaRPr lang="pt-PT" sz="1800" b="0" strike="noStrike" spc="-1">
               <a:solidFill>
                 <a:srgbClr val="000000"/>
               </a:solidFill>
@@ -423,11 +536,12 @@
           </a:prstGeom>
         </p:spPr>
         <p:txBody>
-          <a:bodyPr lIns="0" rIns="0" tIns="0" bIns="0">
+          <a:bodyPr lIns="0" tIns="0" rIns="0" bIns="0">
             <a:normAutofit/>
           </a:bodyPr>
-          <a:p>
-            <a:endParaRPr b="0" lang="pt-PT" sz="2800" spc="-1" strike="noStrike">
+          <a:lstStyle/>
+          <a:p>
+            <a:endParaRPr lang="pt-PT" sz="2800" b="0" strike="noStrike" spc="-1">
               <a:solidFill>
                 <a:srgbClr val="000000"/>
               </a:solidFill>
@@ -456,11 +570,12 @@
           </a:prstGeom>
         </p:spPr>
         <p:txBody>
-          <a:bodyPr lIns="0" rIns="0" tIns="0" bIns="0">
+          <a:bodyPr lIns="0" tIns="0" rIns="0" bIns="0">
             <a:normAutofit/>
           </a:bodyPr>
-          <a:p>
-            <a:endParaRPr b="0" lang="pt-PT" sz="2800" spc="-1" strike="noStrike">
+          <a:lstStyle/>
+          <a:p>
+            <a:endParaRPr lang="pt-PT" sz="2800" b="0" strike="noStrike" spc="-1">
               <a:solidFill>
                 <a:srgbClr val="000000"/>
               </a:solidFill>
@@ -489,11 +604,12 @@
           </a:prstGeom>
         </p:spPr>
         <p:txBody>
-          <a:bodyPr lIns="0" rIns="0" tIns="0" bIns="0">
+          <a:bodyPr lIns="0" tIns="0" rIns="0" bIns="0">
             <a:normAutofit/>
           </a:bodyPr>
-          <a:p>
-            <a:endParaRPr b="0" lang="pt-PT" sz="2800" spc="-1" strike="noStrike">
+          <a:lstStyle/>
+          <a:p>
+            <a:endParaRPr lang="pt-PT" sz="2800" b="0" strike="noStrike" spc="-1">
               <a:solidFill>
                 <a:srgbClr val="000000"/>
               </a:solidFill>
@@ -522,11 +638,12 @@
           </a:prstGeom>
         </p:spPr>
         <p:txBody>
-          <a:bodyPr lIns="0" rIns="0" tIns="0" bIns="0">
+          <a:bodyPr lIns="0" tIns="0" rIns="0" bIns="0">
             <a:normAutofit/>
           </a:bodyPr>
-          <a:p>
-            <a:endParaRPr b="0" lang="pt-PT" sz="2800" spc="-1" strike="noStrike">
+          <a:lstStyle/>
+          <a:p>
+            <a:endParaRPr lang="pt-PT" sz="2800" b="0" strike="noStrike" spc="-1">
               <a:solidFill>
                 <a:srgbClr val="000000"/>
               </a:solidFill>
@@ -555,11 +672,12 @@
           </a:prstGeom>
         </p:spPr>
         <p:txBody>
-          <a:bodyPr lIns="0" rIns="0" tIns="0" bIns="0">
+          <a:bodyPr lIns="0" tIns="0" rIns="0" bIns="0">
             <a:normAutofit/>
           </a:bodyPr>
-          <a:p>
-            <a:endParaRPr b="0" lang="pt-PT" sz="2800" spc="-1" strike="noStrike">
+          <a:lstStyle/>
+          <a:p>
+            <a:endParaRPr lang="pt-PT" sz="2800" b="0" strike="noStrike" spc="-1">
               <a:solidFill>
                 <a:srgbClr val="000000"/>
               </a:solidFill>
@@ -588,11 +706,12 @@
           </a:prstGeom>
         </p:spPr>
         <p:txBody>
-          <a:bodyPr lIns="0" rIns="0" tIns="0" bIns="0">
+          <a:bodyPr lIns="0" tIns="0" rIns="0" bIns="0">
             <a:normAutofit/>
           </a:bodyPr>
-          <a:p>
-            <a:endParaRPr b="0" lang="pt-PT" sz="2800" spc="-1" strike="noStrike">
+          <a:lstStyle/>
+          <a:p>
+            <a:endParaRPr lang="pt-PT" sz="2800" b="0" strike="noStrike" spc="-1">
               <a:solidFill>
                 <a:srgbClr val="000000"/>
               </a:solidFill>
@@ -603,11 +722,14 @@
       </p:sp>
     </p:spTree>
   </p:cSld>
+  <p:clrMapOvr>
+    <a:masterClrMapping/>
+  </p:clrMapOvr>
 </p:sldLayout>
 </file>
 
 <file path=ppt/slideLayouts/slideLayout13.xml><?xml version="1.0" encoding="utf-8"?>
-<p:sldLayout xmlns:a="http://schemas.openxmlformats.org/drawingml/2006/main" xmlns:p="http://schemas.openxmlformats.org/presentationml/2006/main" xmlns:r="http://schemas.openxmlformats.org/officeDocument/2006/relationships" xmlns:p14="http://schemas.microsoft.com/office/powerpoint/2010/main" xmlns:p15="http://schemas.microsoft.com/office/powerpoint/2012/main" xmlns:mc="http://schemas.openxmlformats.org/markup-compatibility/2006" type="blank" preserve="1">
+<p:sldLayout xmlns:a="http://schemas.openxmlformats.org/drawingml/2006/main" xmlns:r="http://schemas.openxmlformats.org/officeDocument/2006/relationships" xmlns:p="http://schemas.openxmlformats.org/presentationml/2006/main" type="blank" preserve="1">
   <p:cSld name="Blank Slide">
     <p:spTree>
       <p:nvGrpSpPr>
@@ -625,11 +747,14 @@
       </p:grpSpPr>
     </p:spTree>
   </p:cSld>
+  <p:clrMapOvr>
+    <a:masterClrMapping/>
+  </p:clrMapOvr>
 </p:sldLayout>
 </file>
 
 <file path=ppt/slideLayouts/slideLayout14.xml><?xml version="1.0" encoding="utf-8"?>
-<p:sldLayout xmlns:a="http://schemas.openxmlformats.org/drawingml/2006/main" xmlns:p="http://schemas.openxmlformats.org/presentationml/2006/main" xmlns:r="http://schemas.openxmlformats.org/officeDocument/2006/relationships" xmlns:p14="http://schemas.microsoft.com/office/powerpoint/2010/main" xmlns:p15="http://schemas.microsoft.com/office/powerpoint/2012/main" xmlns:mc="http://schemas.openxmlformats.org/markup-compatibility/2006" type="tx" preserve="1">
+<p:sldLayout xmlns:a="http://schemas.openxmlformats.org/drawingml/2006/main" xmlns:r="http://schemas.openxmlformats.org/officeDocument/2006/relationships" xmlns:p="http://schemas.openxmlformats.org/presentationml/2006/main" type="tx" preserve="1">
   <p:cSld name="Title Slide">
     <p:spTree>
       <p:nvGrpSpPr>
@@ -665,11 +790,12 @@
           </a:prstGeom>
         </p:spPr>
         <p:txBody>
-          <a:bodyPr lIns="0" rIns="0" tIns="0" bIns="0" anchor="ctr">
+          <a:bodyPr lIns="0" tIns="0" rIns="0" bIns="0" anchor="ctr">
             <a:noAutofit/>
           </a:bodyPr>
-          <a:p>
-            <a:endParaRPr b="0" lang="pt-PT" sz="1800" spc="-1" strike="noStrike">
+          <a:lstStyle/>
+          <a:p>
+            <a:endParaRPr lang="pt-PT" sz="1800" b="0" strike="noStrike" spc="-1">
               <a:solidFill>
                 <a:srgbClr val="000000"/>
               </a:solidFill>
@@ -698,12 +824,13 @@
           </a:prstGeom>
         </p:spPr>
         <p:txBody>
-          <a:bodyPr lIns="0" rIns="0" tIns="0" bIns="0" anchor="ctr">
+          <a:bodyPr lIns="0" tIns="0" rIns="0" bIns="0" anchor="ctr">
             <a:noAutofit/>
           </a:bodyPr>
+          <a:lstStyle/>
           <a:p>
             <a:pPr algn="ctr"/>
-            <a:endParaRPr b="0" lang="pt-PT" sz="3200" spc="-1" strike="noStrike">
+            <a:endParaRPr lang="pt-PT" sz="3200" b="0" strike="noStrike" spc="-1">
               <a:latin typeface="Arial"/>
             </a:endParaRPr>
           </a:p>
@@ -711,11 +838,14 @@
       </p:sp>
     </p:spTree>
   </p:cSld>
+  <p:clrMapOvr>
+    <a:masterClrMapping/>
+  </p:clrMapOvr>
 </p:sldLayout>
 </file>
 
 <file path=ppt/slideLayouts/slideLayout15.xml><?xml version="1.0" encoding="utf-8"?>
-<p:sldLayout xmlns:a="http://schemas.openxmlformats.org/drawingml/2006/main" xmlns:p="http://schemas.openxmlformats.org/presentationml/2006/main" xmlns:r="http://schemas.openxmlformats.org/officeDocument/2006/relationships" xmlns:p14="http://schemas.microsoft.com/office/powerpoint/2010/main" xmlns:p15="http://schemas.microsoft.com/office/powerpoint/2012/main" xmlns:mc="http://schemas.openxmlformats.org/markup-compatibility/2006" type="obj" preserve="1">
+<p:sldLayout xmlns:a="http://schemas.openxmlformats.org/drawingml/2006/main" xmlns:r="http://schemas.openxmlformats.org/officeDocument/2006/relationships" xmlns:p="http://schemas.openxmlformats.org/presentationml/2006/main" type="obj" preserve="1">
   <p:cSld name="Title, Content">
     <p:spTree>
       <p:nvGrpSpPr>
@@ -751,11 +881,12 @@
           </a:prstGeom>
         </p:spPr>
         <p:txBody>
-          <a:bodyPr lIns="0" rIns="0" tIns="0" bIns="0" anchor="ctr">
+          <a:bodyPr lIns="0" tIns="0" rIns="0" bIns="0" anchor="ctr">
             <a:noAutofit/>
           </a:bodyPr>
-          <a:p>
-            <a:endParaRPr b="0" lang="pt-PT" sz="1800" spc="-1" strike="noStrike">
+          <a:lstStyle/>
+          <a:p>
+            <a:endParaRPr lang="pt-PT" sz="1800" b="0" strike="noStrike" spc="-1">
               <a:solidFill>
                 <a:srgbClr val="000000"/>
               </a:solidFill>
@@ -784,11 +915,12 @@
           </a:prstGeom>
         </p:spPr>
         <p:txBody>
-          <a:bodyPr lIns="0" rIns="0" tIns="0" bIns="0">
+          <a:bodyPr lIns="0" tIns="0" rIns="0" bIns="0">
             <a:normAutofit/>
           </a:bodyPr>
-          <a:p>
-            <a:endParaRPr b="0" lang="pt-PT" sz="2800" spc="-1" strike="noStrike">
+          <a:lstStyle/>
+          <a:p>
+            <a:endParaRPr lang="pt-PT" sz="2800" b="0" strike="noStrike" spc="-1">
               <a:solidFill>
                 <a:srgbClr val="000000"/>
               </a:solidFill>
@@ -799,11 +931,14 @@
       </p:sp>
     </p:spTree>
   </p:cSld>
+  <p:clrMapOvr>
+    <a:masterClrMapping/>
+  </p:clrMapOvr>
 </p:sldLayout>
 </file>
 
 <file path=ppt/slideLayouts/slideLayout16.xml><?xml version="1.0" encoding="utf-8"?>
-<p:sldLayout xmlns:a="http://schemas.openxmlformats.org/drawingml/2006/main" xmlns:p="http://schemas.openxmlformats.org/presentationml/2006/main" xmlns:r="http://schemas.openxmlformats.org/officeDocument/2006/relationships" xmlns:p14="http://schemas.microsoft.com/office/powerpoint/2010/main" xmlns:p15="http://schemas.microsoft.com/office/powerpoint/2012/main" xmlns:mc="http://schemas.openxmlformats.org/markup-compatibility/2006" type="twoObj" preserve="1">
+<p:sldLayout xmlns:a="http://schemas.openxmlformats.org/drawingml/2006/main" xmlns:r="http://schemas.openxmlformats.org/officeDocument/2006/relationships" xmlns:p="http://schemas.openxmlformats.org/presentationml/2006/main" type="twoObj" preserve="1">
   <p:cSld name="Title, 2 Content">
     <p:spTree>
       <p:nvGrpSpPr>
@@ -839,11 +974,12 @@
           </a:prstGeom>
         </p:spPr>
         <p:txBody>
-          <a:bodyPr lIns="0" rIns="0" tIns="0" bIns="0" anchor="ctr">
+          <a:bodyPr lIns="0" tIns="0" rIns="0" bIns="0" anchor="ctr">
             <a:noAutofit/>
           </a:bodyPr>
-          <a:p>
-            <a:endParaRPr b="0" lang="pt-PT" sz="1800" spc="-1" strike="noStrike">
+          <a:lstStyle/>
+          <a:p>
+            <a:endParaRPr lang="pt-PT" sz="1800" b="0" strike="noStrike" spc="-1">
               <a:solidFill>
                 <a:srgbClr val="000000"/>
               </a:solidFill>
@@ -872,11 +1008,12 @@
           </a:prstGeom>
         </p:spPr>
         <p:txBody>
-          <a:bodyPr lIns="0" rIns="0" tIns="0" bIns="0">
+          <a:bodyPr lIns="0" tIns="0" rIns="0" bIns="0">
             <a:normAutofit/>
           </a:bodyPr>
-          <a:p>
-            <a:endParaRPr b="0" lang="pt-PT" sz="2800" spc="-1" strike="noStrike">
+          <a:lstStyle/>
+          <a:p>
+            <a:endParaRPr lang="pt-PT" sz="2800" b="0" strike="noStrike" spc="-1">
               <a:solidFill>
                 <a:srgbClr val="000000"/>
               </a:solidFill>
@@ -905,11 +1042,12 @@
           </a:prstGeom>
         </p:spPr>
         <p:txBody>
-          <a:bodyPr lIns="0" rIns="0" tIns="0" bIns="0">
+          <a:bodyPr lIns="0" tIns="0" rIns="0" bIns="0">
             <a:normAutofit/>
           </a:bodyPr>
-          <a:p>
-            <a:endParaRPr b="0" lang="pt-PT" sz="2800" spc="-1" strike="noStrike">
+          <a:lstStyle/>
+          <a:p>
+            <a:endParaRPr lang="pt-PT" sz="2800" b="0" strike="noStrike" spc="-1">
               <a:solidFill>
                 <a:srgbClr val="000000"/>
               </a:solidFill>
@@ -920,11 +1058,14 @@
       </p:sp>
     </p:spTree>
   </p:cSld>
+  <p:clrMapOvr>
+    <a:masterClrMapping/>
+  </p:clrMapOvr>
 </p:sldLayout>
 </file>
 
 <file path=ppt/slideLayouts/slideLayout17.xml><?xml version="1.0" encoding="utf-8"?>
-<p:sldLayout xmlns:a="http://schemas.openxmlformats.org/drawingml/2006/main" xmlns:p="http://schemas.openxmlformats.org/presentationml/2006/main" xmlns:r="http://schemas.openxmlformats.org/officeDocument/2006/relationships" xmlns:p14="http://schemas.microsoft.com/office/powerpoint/2010/main" xmlns:p15="http://schemas.microsoft.com/office/powerpoint/2012/main" xmlns:mc="http://schemas.openxmlformats.org/markup-compatibility/2006" type="titleOnly" preserve="1">
+<p:sldLayout xmlns:a="http://schemas.openxmlformats.org/drawingml/2006/main" xmlns:r="http://schemas.openxmlformats.org/officeDocument/2006/relationships" xmlns:p="http://schemas.openxmlformats.org/presentationml/2006/main" type="titleOnly" preserve="1">
   <p:cSld name="Title Only">
     <p:spTree>
       <p:nvGrpSpPr>
@@ -960,11 +1101,12 @@
           </a:prstGeom>
         </p:spPr>
         <p:txBody>
-          <a:bodyPr lIns="0" rIns="0" tIns="0" bIns="0" anchor="ctr">
+          <a:bodyPr lIns="0" tIns="0" rIns="0" bIns="0" anchor="ctr">
             <a:noAutofit/>
           </a:bodyPr>
-          <a:p>
-            <a:endParaRPr b="0" lang="pt-PT" sz="1800" spc="-1" strike="noStrike">
+          <a:lstStyle/>
+          <a:p>
+            <a:endParaRPr lang="pt-PT" sz="1800" b="0" strike="noStrike" spc="-1">
               <a:solidFill>
                 <a:srgbClr val="000000"/>
               </a:solidFill>
@@ -975,11 +1117,14 @@
       </p:sp>
     </p:spTree>
   </p:cSld>
+  <p:clrMapOvr>
+    <a:masterClrMapping/>
+  </p:clrMapOvr>
 </p:sldLayout>
 </file>
 
 <file path=ppt/slideLayouts/slideLayout18.xml><?xml version="1.0" encoding="utf-8"?>
-<p:sldLayout xmlns:a="http://schemas.openxmlformats.org/drawingml/2006/main" xmlns:p="http://schemas.openxmlformats.org/presentationml/2006/main" xmlns:r="http://schemas.openxmlformats.org/officeDocument/2006/relationships" xmlns:p14="http://schemas.microsoft.com/office/powerpoint/2010/main" xmlns:p15="http://schemas.microsoft.com/office/powerpoint/2012/main" xmlns:mc="http://schemas.openxmlformats.org/markup-compatibility/2006" type="objOnly" preserve="1">
+<p:sldLayout xmlns:a="http://schemas.openxmlformats.org/drawingml/2006/main" xmlns:r="http://schemas.openxmlformats.org/officeDocument/2006/relationships" xmlns:p="http://schemas.openxmlformats.org/presentationml/2006/main" type="objOnly" preserve="1">
   <p:cSld name="Centered Text">
     <p:spTree>
       <p:nvGrpSpPr>
@@ -1015,12 +1160,13 @@
           </a:prstGeom>
         </p:spPr>
         <p:txBody>
-          <a:bodyPr lIns="0" rIns="0" tIns="0" bIns="0" anchor="ctr">
+          <a:bodyPr lIns="0" tIns="0" rIns="0" bIns="0" anchor="ctr">
             <a:noAutofit/>
           </a:bodyPr>
+          <a:lstStyle/>
           <a:p>
             <a:pPr algn="ctr"/>
-            <a:endParaRPr b="0" lang="pt-PT" sz="3200" spc="-1" strike="noStrike">
+            <a:endParaRPr lang="pt-PT" sz="3200" b="0" strike="noStrike" spc="-1">
               <a:latin typeface="Arial"/>
             </a:endParaRPr>
           </a:p>
@@ -1028,11 +1174,14 @@
       </p:sp>
     </p:spTree>
   </p:cSld>
+  <p:clrMapOvr>
+    <a:masterClrMapping/>
+  </p:clrMapOvr>
 </p:sldLayout>
 </file>
 
 <file path=ppt/slideLayouts/slideLayout19.xml><?xml version="1.0" encoding="utf-8"?>
-<p:sldLayout xmlns:a="http://schemas.openxmlformats.org/drawingml/2006/main" xmlns:p="http://schemas.openxmlformats.org/presentationml/2006/main" xmlns:r="http://schemas.openxmlformats.org/officeDocument/2006/relationships" xmlns:p14="http://schemas.microsoft.com/office/powerpoint/2010/main" xmlns:p15="http://schemas.microsoft.com/office/powerpoint/2012/main" xmlns:mc="http://schemas.openxmlformats.org/markup-compatibility/2006" type="twoObjAndObj" preserve="1">
+<p:sldLayout xmlns:a="http://schemas.openxmlformats.org/drawingml/2006/main" xmlns:r="http://schemas.openxmlformats.org/officeDocument/2006/relationships" xmlns:p="http://schemas.openxmlformats.org/presentationml/2006/main" type="twoObjAndObj" preserve="1">
   <p:cSld name="Title, 2 Content and Content">
     <p:spTree>
       <p:nvGrpSpPr>
@@ -1068,11 +1217,12 @@
           </a:prstGeom>
         </p:spPr>
         <p:txBody>
-          <a:bodyPr lIns="0" rIns="0" tIns="0" bIns="0" anchor="ctr">
+          <a:bodyPr lIns="0" tIns="0" rIns="0" bIns="0" anchor="ctr">
             <a:noAutofit/>
           </a:bodyPr>
-          <a:p>
-            <a:endParaRPr b="0" lang="pt-PT" sz="1800" spc="-1" strike="noStrike">
+          <a:lstStyle/>
+          <a:p>
+            <a:endParaRPr lang="pt-PT" sz="1800" b="0" strike="noStrike" spc="-1">
               <a:solidFill>
                 <a:srgbClr val="000000"/>
               </a:solidFill>
@@ -1101,11 +1251,12 @@
           </a:prstGeom>
         </p:spPr>
         <p:txBody>
-          <a:bodyPr lIns="0" rIns="0" tIns="0" bIns="0">
+          <a:bodyPr lIns="0" tIns="0" rIns="0" bIns="0">
             <a:normAutofit/>
           </a:bodyPr>
-          <a:p>
-            <a:endParaRPr b="0" lang="pt-PT" sz="2800" spc="-1" strike="noStrike">
+          <a:lstStyle/>
+          <a:p>
+            <a:endParaRPr lang="pt-PT" sz="2800" b="0" strike="noStrike" spc="-1">
               <a:solidFill>
                 <a:srgbClr val="000000"/>
               </a:solidFill>
@@ -1134,11 +1285,12 @@
           </a:prstGeom>
         </p:spPr>
         <p:txBody>
-          <a:bodyPr lIns="0" rIns="0" tIns="0" bIns="0">
+          <a:bodyPr lIns="0" tIns="0" rIns="0" bIns="0">
             <a:normAutofit/>
           </a:bodyPr>
-          <a:p>
-            <a:endParaRPr b="0" lang="pt-PT" sz="2800" spc="-1" strike="noStrike">
+          <a:lstStyle/>
+          <a:p>
+            <a:endParaRPr lang="pt-PT" sz="2800" b="0" strike="noStrike" spc="-1">
               <a:solidFill>
                 <a:srgbClr val="000000"/>
               </a:solidFill>
@@ -1167,11 +1319,12 @@
           </a:prstGeom>
         </p:spPr>
         <p:txBody>
-          <a:bodyPr lIns="0" rIns="0" tIns="0" bIns="0">
+          <a:bodyPr lIns="0" tIns="0" rIns="0" bIns="0">
             <a:normAutofit/>
           </a:bodyPr>
-          <a:p>
-            <a:endParaRPr b="0" lang="pt-PT" sz="2800" spc="-1" strike="noStrike">
+          <a:lstStyle/>
+          <a:p>
+            <a:endParaRPr lang="pt-PT" sz="2800" b="0" strike="noStrike" spc="-1">
               <a:solidFill>
                 <a:srgbClr val="000000"/>
               </a:solidFill>
@@ -1182,11 +1335,14 @@
       </p:sp>
     </p:spTree>
   </p:cSld>
+  <p:clrMapOvr>
+    <a:masterClrMapping/>
+  </p:clrMapOvr>
 </p:sldLayout>
 </file>
 
 <file path=ppt/slideLayouts/slideLayout2.xml><?xml version="1.0" encoding="utf-8"?>
-<p:sldLayout xmlns:a="http://schemas.openxmlformats.org/drawingml/2006/main" xmlns:p="http://schemas.openxmlformats.org/presentationml/2006/main" xmlns:r="http://schemas.openxmlformats.org/officeDocument/2006/relationships" xmlns:p14="http://schemas.microsoft.com/office/powerpoint/2010/main" xmlns:p15="http://schemas.microsoft.com/office/powerpoint/2012/main" xmlns:mc="http://schemas.openxmlformats.org/markup-compatibility/2006" type="tx" preserve="1">
+<p:sldLayout xmlns:a="http://schemas.openxmlformats.org/drawingml/2006/main" xmlns:r="http://schemas.openxmlformats.org/officeDocument/2006/relationships" xmlns:p="http://schemas.openxmlformats.org/presentationml/2006/main" type="tx" preserve="1">
   <p:cSld name="Title Slide">
     <p:spTree>
       <p:nvGrpSpPr>
@@ -1222,11 +1378,12 @@
           </a:prstGeom>
         </p:spPr>
         <p:txBody>
-          <a:bodyPr lIns="0" rIns="0" tIns="0" bIns="0" anchor="ctr">
+          <a:bodyPr lIns="0" tIns="0" rIns="0" bIns="0" anchor="ctr">
             <a:noAutofit/>
           </a:bodyPr>
-          <a:p>
-            <a:endParaRPr b="0" lang="pt-PT" sz="1800" spc="-1" strike="noStrike">
+          <a:lstStyle/>
+          <a:p>
+            <a:endParaRPr lang="pt-PT" sz="1800" b="0" strike="noStrike" spc="-1">
               <a:solidFill>
                 <a:srgbClr val="000000"/>
               </a:solidFill>
@@ -1255,12 +1412,13 @@
           </a:prstGeom>
         </p:spPr>
         <p:txBody>
-          <a:bodyPr lIns="0" rIns="0" tIns="0" bIns="0" anchor="ctr">
+          <a:bodyPr lIns="0" tIns="0" rIns="0" bIns="0" anchor="ctr">
             <a:noAutofit/>
           </a:bodyPr>
+          <a:lstStyle/>
           <a:p>
             <a:pPr algn="ctr"/>
-            <a:endParaRPr b="0" lang="pt-PT" sz="3200" spc="-1" strike="noStrike">
+            <a:endParaRPr lang="pt-PT" sz="3200" b="0" strike="noStrike" spc="-1">
               <a:latin typeface="Arial"/>
             </a:endParaRPr>
           </a:p>
@@ -1268,11 +1426,14 @@
       </p:sp>
     </p:spTree>
   </p:cSld>
+  <p:clrMapOvr>
+    <a:masterClrMapping/>
+  </p:clrMapOvr>
 </p:sldLayout>
 </file>
 
 <file path=ppt/slideLayouts/slideLayout20.xml><?xml version="1.0" encoding="utf-8"?>
-<p:sldLayout xmlns:a="http://schemas.openxmlformats.org/drawingml/2006/main" xmlns:p="http://schemas.openxmlformats.org/presentationml/2006/main" xmlns:r="http://schemas.openxmlformats.org/officeDocument/2006/relationships" xmlns:p14="http://schemas.microsoft.com/office/powerpoint/2010/main" xmlns:p15="http://schemas.microsoft.com/office/powerpoint/2012/main" xmlns:mc="http://schemas.openxmlformats.org/markup-compatibility/2006" type="objAndTwoObj" preserve="1">
+<p:sldLayout xmlns:a="http://schemas.openxmlformats.org/drawingml/2006/main" xmlns:r="http://schemas.openxmlformats.org/officeDocument/2006/relationships" xmlns:p="http://schemas.openxmlformats.org/presentationml/2006/main" type="objAndTwoObj" preserve="1">
   <p:cSld name="Title Content and 2 Content">
     <p:spTree>
       <p:nvGrpSpPr>
@@ -1308,11 +1469,12 @@
           </a:prstGeom>
         </p:spPr>
         <p:txBody>
-          <a:bodyPr lIns="0" rIns="0" tIns="0" bIns="0" anchor="ctr">
+          <a:bodyPr lIns="0" tIns="0" rIns="0" bIns="0" anchor="ctr">
             <a:noAutofit/>
           </a:bodyPr>
-          <a:p>
-            <a:endParaRPr b="0" lang="pt-PT" sz="1800" spc="-1" strike="noStrike">
+          <a:lstStyle/>
+          <a:p>
+            <a:endParaRPr lang="pt-PT" sz="1800" b="0" strike="noStrike" spc="-1">
               <a:solidFill>
                 <a:srgbClr val="000000"/>
               </a:solidFill>
@@ -1341,11 +1503,12 @@
           </a:prstGeom>
         </p:spPr>
         <p:txBody>
-          <a:bodyPr lIns="0" rIns="0" tIns="0" bIns="0">
+          <a:bodyPr lIns="0" tIns="0" rIns="0" bIns="0">
             <a:normAutofit/>
           </a:bodyPr>
-          <a:p>
-            <a:endParaRPr b="0" lang="pt-PT" sz="2800" spc="-1" strike="noStrike">
+          <a:lstStyle/>
+          <a:p>
+            <a:endParaRPr lang="pt-PT" sz="2800" b="0" strike="noStrike" spc="-1">
               <a:solidFill>
                 <a:srgbClr val="000000"/>
               </a:solidFill>
@@ -1374,11 +1537,12 @@
           </a:prstGeom>
         </p:spPr>
         <p:txBody>
-          <a:bodyPr lIns="0" rIns="0" tIns="0" bIns="0">
+          <a:bodyPr lIns="0" tIns="0" rIns="0" bIns="0">
             <a:normAutofit/>
           </a:bodyPr>
-          <a:p>
-            <a:endParaRPr b="0" lang="pt-PT" sz="2800" spc="-1" strike="noStrike">
+          <a:lstStyle/>
+          <a:p>
+            <a:endParaRPr lang="pt-PT" sz="2800" b="0" strike="noStrike" spc="-1">
               <a:solidFill>
                 <a:srgbClr val="000000"/>
               </a:solidFill>
@@ -1407,11 +1571,12 @@
           </a:prstGeom>
         </p:spPr>
         <p:txBody>
-          <a:bodyPr lIns="0" rIns="0" tIns="0" bIns="0">
+          <a:bodyPr lIns="0" tIns="0" rIns="0" bIns="0">
             <a:normAutofit/>
           </a:bodyPr>
-          <a:p>
-            <a:endParaRPr b="0" lang="pt-PT" sz="2800" spc="-1" strike="noStrike">
+          <a:lstStyle/>
+          <a:p>
+            <a:endParaRPr lang="pt-PT" sz="2800" b="0" strike="noStrike" spc="-1">
               <a:solidFill>
                 <a:srgbClr val="000000"/>
               </a:solidFill>
@@ -1422,11 +1587,14 @@
       </p:sp>
     </p:spTree>
   </p:cSld>
+  <p:clrMapOvr>
+    <a:masterClrMapping/>
+  </p:clrMapOvr>
 </p:sldLayout>
 </file>
 
 <file path=ppt/slideLayouts/slideLayout21.xml><?xml version="1.0" encoding="utf-8"?>
-<p:sldLayout xmlns:a="http://schemas.openxmlformats.org/drawingml/2006/main" xmlns:p="http://schemas.openxmlformats.org/presentationml/2006/main" xmlns:r="http://schemas.openxmlformats.org/officeDocument/2006/relationships" xmlns:p14="http://schemas.microsoft.com/office/powerpoint/2010/main" xmlns:p15="http://schemas.microsoft.com/office/powerpoint/2012/main" xmlns:mc="http://schemas.openxmlformats.org/markup-compatibility/2006" type="twoObjOverTx" preserve="1">
+<p:sldLayout xmlns:a="http://schemas.openxmlformats.org/drawingml/2006/main" xmlns:r="http://schemas.openxmlformats.org/officeDocument/2006/relationships" xmlns:p="http://schemas.openxmlformats.org/presentationml/2006/main" type="twoObjOverTx" preserve="1">
   <p:cSld name="Title, 2 Content over Content">
     <p:spTree>
       <p:nvGrpSpPr>
@@ -1462,11 +1630,12 @@
           </a:prstGeom>
         </p:spPr>
         <p:txBody>
-          <a:bodyPr lIns="0" rIns="0" tIns="0" bIns="0" anchor="ctr">
+          <a:bodyPr lIns="0" tIns="0" rIns="0" bIns="0" anchor="ctr">
             <a:noAutofit/>
           </a:bodyPr>
-          <a:p>
-            <a:endParaRPr b="0" lang="pt-PT" sz="1800" spc="-1" strike="noStrike">
+          <a:lstStyle/>
+          <a:p>
+            <a:endParaRPr lang="pt-PT" sz="1800" b="0" strike="noStrike" spc="-1">
               <a:solidFill>
                 <a:srgbClr val="000000"/>
               </a:solidFill>
@@ -1495,11 +1664,12 @@
           </a:prstGeom>
         </p:spPr>
         <p:txBody>
-          <a:bodyPr lIns="0" rIns="0" tIns="0" bIns="0">
+          <a:bodyPr lIns="0" tIns="0" rIns="0" bIns="0">
             <a:normAutofit/>
           </a:bodyPr>
-          <a:p>
-            <a:endParaRPr b="0" lang="pt-PT" sz="2800" spc="-1" strike="noStrike">
+          <a:lstStyle/>
+          <a:p>
+            <a:endParaRPr lang="pt-PT" sz="2800" b="0" strike="noStrike" spc="-1">
               <a:solidFill>
                 <a:srgbClr val="000000"/>
               </a:solidFill>
@@ -1528,11 +1698,12 @@
           </a:prstGeom>
         </p:spPr>
         <p:txBody>
-          <a:bodyPr lIns="0" rIns="0" tIns="0" bIns="0">
+          <a:bodyPr lIns="0" tIns="0" rIns="0" bIns="0">
             <a:normAutofit/>
           </a:bodyPr>
-          <a:p>
-            <a:endParaRPr b="0" lang="pt-PT" sz="2800" spc="-1" strike="noStrike">
+          <a:lstStyle/>
+          <a:p>
+            <a:endParaRPr lang="pt-PT" sz="2800" b="0" strike="noStrike" spc="-1">
               <a:solidFill>
                 <a:srgbClr val="000000"/>
               </a:solidFill>
@@ -1561,11 +1732,12 @@
           </a:prstGeom>
         </p:spPr>
         <p:txBody>
-          <a:bodyPr lIns="0" rIns="0" tIns="0" bIns="0">
+          <a:bodyPr lIns="0" tIns="0" rIns="0" bIns="0">
             <a:normAutofit/>
           </a:bodyPr>
-          <a:p>
-            <a:endParaRPr b="0" lang="pt-PT" sz="2800" spc="-1" strike="noStrike">
+          <a:lstStyle/>
+          <a:p>
+            <a:endParaRPr lang="pt-PT" sz="2800" b="0" strike="noStrike" spc="-1">
               <a:solidFill>
                 <a:srgbClr val="000000"/>
               </a:solidFill>
@@ -1576,11 +1748,14 @@
       </p:sp>
     </p:spTree>
   </p:cSld>
+  <p:clrMapOvr>
+    <a:masterClrMapping/>
+  </p:clrMapOvr>
 </p:sldLayout>
 </file>
 
 <file path=ppt/slideLayouts/slideLayout22.xml><?xml version="1.0" encoding="utf-8"?>
-<p:sldLayout xmlns:a="http://schemas.openxmlformats.org/drawingml/2006/main" xmlns:p="http://schemas.openxmlformats.org/presentationml/2006/main" xmlns:r="http://schemas.openxmlformats.org/officeDocument/2006/relationships" xmlns:p14="http://schemas.microsoft.com/office/powerpoint/2010/main" xmlns:p15="http://schemas.microsoft.com/office/powerpoint/2012/main" xmlns:mc="http://schemas.openxmlformats.org/markup-compatibility/2006" type="objOverTx" preserve="1">
+<p:sldLayout xmlns:a="http://schemas.openxmlformats.org/drawingml/2006/main" xmlns:r="http://schemas.openxmlformats.org/officeDocument/2006/relationships" xmlns:p="http://schemas.openxmlformats.org/presentationml/2006/main" type="objOverTx" preserve="1">
   <p:cSld name="Title, Content over Content">
     <p:spTree>
       <p:nvGrpSpPr>
@@ -1616,11 +1791,12 @@
           </a:prstGeom>
         </p:spPr>
         <p:txBody>
-          <a:bodyPr lIns="0" rIns="0" tIns="0" bIns="0" anchor="ctr">
+          <a:bodyPr lIns="0" tIns="0" rIns="0" bIns="0" anchor="ctr">
             <a:noAutofit/>
           </a:bodyPr>
-          <a:p>
-            <a:endParaRPr b="0" lang="pt-PT" sz="1800" spc="-1" strike="noStrike">
+          <a:lstStyle/>
+          <a:p>
+            <a:endParaRPr lang="pt-PT" sz="1800" b="0" strike="noStrike" spc="-1">
               <a:solidFill>
                 <a:srgbClr val="000000"/>
               </a:solidFill>
@@ -1649,11 +1825,12 @@
           </a:prstGeom>
         </p:spPr>
         <p:txBody>
-          <a:bodyPr lIns="0" rIns="0" tIns="0" bIns="0">
+          <a:bodyPr lIns="0" tIns="0" rIns="0" bIns="0">
             <a:normAutofit/>
           </a:bodyPr>
-          <a:p>
-            <a:endParaRPr b="0" lang="pt-PT" sz="2800" spc="-1" strike="noStrike">
+          <a:lstStyle/>
+          <a:p>
+            <a:endParaRPr lang="pt-PT" sz="2800" b="0" strike="noStrike" spc="-1">
               <a:solidFill>
                 <a:srgbClr val="000000"/>
               </a:solidFill>
@@ -1682,11 +1859,12 @@
           </a:prstGeom>
         </p:spPr>
         <p:txBody>
-          <a:bodyPr lIns="0" rIns="0" tIns="0" bIns="0">
+          <a:bodyPr lIns="0" tIns="0" rIns="0" bIns="0">
             <a:normAutofit/>
           </a:bodyPr>
-          <a:p>
-            <a:endParaRPr b="0" lang="pt-PT" sz="2800" spc="-1" strike="noStrike">
+          <a:lstStyle/>
+          <a:p>
+            <a:endParaRPr lang="pt-PT" sz="2800" b="0" strike="noStrike" spc="-1">
               <a:solidFill>
                 <a:srgbClr val="000000"/>
               </a:solidFill>
@@ -1697,11 +1875,14 @@
       </p:sp>
     </p:spTree>
   </p:cSld>
+  <p:clrMapOvr>
+    <a:masterClrMapping/>
+  </p:clrMapOvr>
 </p:sldLayout>
 </file>
 
 <file path=ppt/slideLayouts/slideLayout23.xml><?xml version="1.0" encoding="utf-8"?>
-<p:sldLayout xmlns:a="http://schemas.openxmlformats.org/drawingml/2006/main" xmlns:p="http://schemas.openxmlformats.org/presentationml/2006/main" xmlns:r="http://schemas.openxmlformats.org/officeDocument/2006/relationships" xmlns:p14="http://schemas.microsoft.com/office/powerpoint/2010/main" xmlns:p15="http://schemas.microsoft.com/office/powerpoint/2012/main" xmlns:mc="http://schemas.openxmlformats.org/markup-compatibility/2006" type="fourObj" preserve="1">
+<p:sldLayout xmlns:a="http://schemas.openxmlformats.org/drawingml/2006/main" xmlns:r="http://schemas.openxmlformats.org/officeDocument/2006/relationships" xmlns:p="http://schemas.openxmlformats.org/presentationml/2006/main" type="fourObj" preserve="1">
   <p:cSld name="Title, 4 Content">
     <p:spTree>
       <p:nvGrpSpPr>
@@ -1737,11 +1918,12 @@
           </a:prstGeom>
         </p:spPr>
         <p:txBody>
-          <a:bodyPr lIns="0" rIns="0" tIns="0" bIns="0" anchor="ctr">
+          <a:bodyPr lIns="0" tIns="0" rIns="0" bIns="0" anchor="ctr">
             <a:noAutofit/>
           </a:bodyPr>
-          <a:p>
-            <a:endParaRPr b="0" lang="pt-PT" sz="1800" spc="-1" strike="noStrike">
+          <a:lstStyle/>
+          <a:p>
+            <a:endParaRPr lang="pt-PT" sz="1800" b="0" strike="noStrike" spc="-1">
               <a:solidFill>
                 <a:srgbClr val="000000"/>
               </a:solidFill>
@@ -1770,11 +1952,12 @@
           </a:prstGeom>
         </p:spPr>
         <p:txBody>
-          <a:bodyPr lIns="0" rIns="0" tIns="0" bIns="0">
+          <a:bodyPr lIns="0" tIns="0" rIns="0" bIns="0">
             <a:normAutofit/>
           </a:bodyPr>
-          <a:p>
-            <a:endParaRPr b="0" lang="pt-PT" sz="2800" spc="-1" strike="noStrike">
+          <a:lstStyle/>
+          <a:p>
+            <a:endParaRPr lang="pt-PT" sz="2800" b="0" strike="noStrike" spc="-1">
               <a:solidFill>
                 <a:srgbClr val="000000"/>
               </a:solidFill>
@@ -1803,11 +1986,12 @@
           </a:prstGeom>
         </p:spPr>
         <p:txBody>
-          <a:bodyPr lIns="0" rIns="0" tIns="0" bIns="0">
+          <a:bodyPr lIns="0" tIns="0" rIns="0" bIns="0">
             <a:normAutofit/>
           </a:bodyPr>
-          <a:p>
-            <a:endParaRPr b="0" lang="pt-PT" sz="2800" spc="-1" strike="noStrike">
+          <a:lstStyle/>
+          <a:p>
+            <a:endParaRPr lang="pt-PT" sz="2800" b="0" strike="noStrike" spc="-1">
               <a:solidFill>
                 <a:srgbClr val="000000"/>
               </a:solidFill>
@@ -1836,11 +2020,12 @@
           </a:prstGeom>
         </p:spPr>
         <p:txBody>
-          <a:bodyPr lIns="0" rIns="0" tIns="0" bIns="0">
+          <a:bodyPr lIns="0" tIns="0" rIns="0" bIns="0">
             <a:normAutofit/>
           </a:bodyPr>
-          <a:p>
-            <a:endParaRPr b="0" lang="pt-PT" sz="2800" spc="-1" strike="noStrike">
+          <a:lstStyle/>
+          <a:p>
+            <a:endParaRPr lang="pt-PT" sz="2800" b="0" strike="noStrike" spc="-1">
               <a:solidFill>
                 <a:srgbClr val="000000"/>
               </a:solidFill>
@@ -1869,11 +2054,12 @@
           </a:prstGeom>
         </p:spPr>
         <p:txBody>
-          <a:bodyPr lIns="0" rIns="0" tIns="0" bIns="0">
+          <a:bodyPr lIns="0" tIns="0" rIns="0" bIns="0">
             <a:normAutofit/>
           </a:bodyPr>
-          <a:p>
-            <a:endParaRPr b="0" lang="pt-PT" sz="2800" spc="-1" strike="noStrike">
+          <a:lstStyle/>
+          <a:p>
+            <a:endParaRPr lang="pt-PT" sz="2800" b="0" strike="noStrike" spc="-1">
               <a:solidFill>
                 <a:srgbClr val="000000"/>
               </a:solidFill>
@@ -1884,11 +2070,14 @@
       </p:sp>
     </p:spTree>
   </p:cSld>
+  <p:clrMapOvr>
+    <a:masterClrMapping/>
+  </p:clrMapOvr>
 </p:sldLayout>
 </file>
 
 <file path=ppt/slideLayouts/slideLayout24.xml><?xml version="1.0" encoding="utf-8"?>
-<p:sldLayout xmlns:a="http://schemas.openxmlformats.org/drawingml/2006/main" xmlns:p="http://schemas.openxmlformats.org/presentationml/2006/main" xmlns:r="http://schemas.openxmlformats.org/officeDocument/2006/relationships" xmlns:p14="http://schemas.microsoft.com/office/powerpoint/2010/main" xmlns:p15="http://schemas.microsoft.com/office/powerpoint/2012/main" xmlns:mc="http://schemas.openxmlformats.org/markup-compatibility/2006" type="blank" preserve="1">
+<p:sldLayout xmlns:a="http://schemas.openxmlformats.org/drawingml/2006/main" xmlns:r="http://schemas.openxmlformats.org/officeDocument/2006/relationships" xmlns:p="http://schemas.openxmlformats.org/presentationml/2006/main" type="blank" preserve="1">
   <p:cSld name="Title, 6 Content">
     <p:spTree>
       <p:nvGrpSpPr>
@@ -1924,11 +2113,12 @@
           </a:prstGeom>
         </p:spPr>
         <p:txBody>
-          <a:bodyPr lIns="0" rIns="0" tIns="0" bIns="0" anchor="ctr">
+          <a:bodyPr lIns="0" tIns="0" rIns="0" bIns="0" anchor="ctr">
             <a:noAutofit/>
           </a:bodyPr>
-          <a:p>
-            <a:endParaRPr b="0" lang="pt-PT" sz="1800" spc="-1" strike="noStrike">
+          <a:lstStyle/>
+          <a:p>
+            <a:endParaRPr lang="pt-PT" sz="1800" b="0" strike="noStrike" spc="-1">
               <a:solidFill>
                 <a:srgbClr val="000000"/>
               </a:solidFill>
@@ -1957,11 +2147,12 @@
           </a:prstGeom>
         </p:spPr>
         <p:txBody>
-          <a:bodyPr lIns="0" rIns="0" tIns="0" bIns="0">
+          <a:bodyPr lIns="0" tIns="0" rIns="0" bIns="0">
             <a:normAutofit/>
           </a:bodyPr>
-          <a:p>
-            <a:endParaRPr b="0" lang="pt-PT" sz="2800" spc="-1" strike="noStrike">
+          <a:lstStyle/>
+          <a:p>
+            <a:endParaRPr lang="pt-PT" sz="2800" b="0" strike="noStrike" spc="-1">
               <a:solidFill>
                 <a:srgbClr val="000000"/>
               </a:solidFill>
@@ -1990,11 +2181,12 @@
           </a:prstGeom>
         </p:spPr>
         <p:txBody>
-          <a:bodyPr lIns="0" rIns="0" tIns="0" bIns="0">
+          <a:bodyPr lIns="0" tIns="0" rIns="0" bIns="0">
             <a:normAutofit/>
           </a:bodyPr>
-          <a:p>
-            <a:endParaRPr b="0" lang="pt-PT" sz="2800" spc="-1" strike="noStrike">
+          <a:lstStyle/>
+          <a:p>
+            <a:endParaRPr lang="pt-PT" sz="2800" b="0" strike="noStrike" spc="-1">
               <a:solidFill>
                 <a:srgbClr val="000000"/>
               </a:solidFill>
@@ -2023,11 +2215,12 @@
           </a:prstGeom>
         </p:spPr>
         <p:txBody>
-          <a:bodyPr lIns="0" rIns="0" tIns="0" bIns="0">
+          <a:bodyPr lIns="0" tIns="0" rIns="0" bIns="0">
             <a:normAutofit/>
           </a:bodyPr>
-          <a:p>
-            <a:endParaRPr b="0" lang="pt-PT" sz="2800" spc="-1" strike="noStrike">
+          <a:lstStyle/>
+          <a:p>
+            <a:endParaRPr lang="pt-PT" sz="2800" b="0" strike="noStrike" spc="-1">
               <a:solidFill>
                 <a:srgbClr val="000000"/>
               </a:solidFill>
@@ -2056,11 +2249,12 @@
           </a:prstGeom>
         </p:spPr>
         <p:txBody>
-          <a:bodyPr lIns="0" rIns="0" tIns="0" bIns="0">
+          <a:bodyPr lIns="0" tIns="0" rIns="0" bIns="0">
             <a:normAutofit/>
           </a:bodyPr>
-          <a:p>
-            <a:endParaRPr b="0" lang="pt-PT" sz="2800" spc="-1" strike="noStrike">
+          <a:lstStyle/>
+          <a:p>
+            <a:endParaRPr lang="pt-PT" sz="2800" b="0" strike="noStrike" spc="-1">
               <a:solidFill>
                 <a:srgbClr val="000000"/>
               </a:solidFill>
@@ -2089,11 +2283,12 @@
           </a:prstGeom>
         </p:spPr>
         <p:txBody>
-          <a:bodyPr lIns="0" rIns="0" tIns="0" bIns="0">
+          <a:bodyPr lIns="0" tIns="0" rIns="0" bIns="0">
             <a:normAutofit/>
           </a:bodyPr>
-          <a:p>
-            <a:endParaRPr b="0" lang="pt-PT" sz="2800" spc="-1" strike="noStrike">
+          <a:lstStyle/>
+          <a:p>
+            <a:endParaRPr lang="pt-PT" sz="2800" b="0" strike="noStrike" spc="-1">
               <a:solidFill>
                 <a:srgbClr val="000000"/>
               </a:solidFill>
@@ -2122,11 +2317,12 @@
           </a:prstGeom>
         </p:spPr>
         <p:txBody>
-          <a:bodyPr lIns="0" rIns="0" tIns="0" bIns="0">
+          <a:bodyPr lIns="0" tIns="0" rIns="0" bIns="0">
             <a:normAutofit/>
           </a:bodyPr>
-          <a:p>
-            <a:endParaRPr b="0" lang="pt-PT" sz="2800" spc="-1" strike="noStrike">
+          <a:lstStyle/>
+          <a:p>
+            <a:endParaRPr lang="pt-PT" sz="2800" b="0" strike="noStrike" spc="-1">
               <a:solidFill>
                 <a:srgbClr val="000000"/>
               </a:solidFill>
@@ -2137,11 +2333,14 @@
       </p:sp>
     </p:spTree>
   </p:cSld>
+  <p:clrMapOvr>
+    <a:masterClrMapping/>
+  </p:clrMapOvr>
 </p:sldLayout>
 </file>
 
 <file path=ppt/slideLayouts/slideLayout25.xml><?xml version="1.0" encoding="utf-8"?>
-<p:sldLayout xmlns:a="http://schemas.openxmlformats.org/drawingml/2006/main" xmlns:p="http://schemas.openxmlformats.org/presentationml/2006/main" xmlns:r="http://schemas.openxmlformats.org/officeDocument/2006/relationships" xmlns:p14="http://schemas.microsoft.com/office/powerpoint/2010/main" xmlns:p15="http://schemas.microsoft.com/office/powerpoint/2012/main" xmlns:mc="http://schemas.openxmlformats.org/markup-compatibility/2006" type="blank" preserve="1">
+<p:sldLayout xmlns:a="http://schemas.openxmlformats.org/drawingml/2006/main" xmlns:r="http://schemas.openxmlformats.org/officeDocument/2006/relationships" xmlns:p="http://schemas.openxmlformats.org/presentationml/2006/main" type="blank" preserve="1">
   <p:cSld name="Blank Slide">
     <p:spTree>
       <p:nvGrpSpPr>
@@ -2159,11 +2358,14 @@
       </p:grpSpPr>
     </p:spTree>
   </p:cSld>
+  <p:clrMapOvr>
+    <a:masterClrMapping/>
+  </p:clrMapOvr>
 </p:sldLayout>
 </file>
 
 <file path=ppt/slideLayouts/slideLayout26.xml><?xml version="1.0" encoding="utf-8"?>
-<p:sldLayout xmlns:a="http://schemas.openxmlformats.org/drawingml/2006/main" xmlns:p="http://schemas.openxmlformats.org/presentationml/2006/main" xmlns:r="http://schemas.openxmlformats.org/officeDocument/2006/relationships" xmlns:p14="http://schemas.microsoft.com/office/powerpoint/2010/main" xmlns:p15="http://schemas.microsoft.com/office/powerpoint/2012/main" xmlns:mc="http://schemas.openxmlformats.org/markup-compatibility/2006" type="tx" preserve="1">
+<p:sldLayout xmlns:a="http://schemas.openxmlformats.org/drawingml/2006/main" xmlns:r="http://schemas.openxmlformats.org/officeDocument/2006/relationships" xmlns:p="http://schemas.openxmlformats.org/presentationml/2006/main" type="tx" preserve="1">
   <p:cSld name="Title Slide">
     <p:spTree>
       <p:nvGrpSpPr>
@@ -2199,11 +2401,12 @@
           </a:prstGeom>
         </p:spPr>
         <p:txBody>
-          <a:bodyPr lIns="0" rIns="0" tIns="0" bIns="0" anchor="ctr">
+          <a:bodyPr lIns="0" tIns="0" rIns="0" bIns="0" anchor="ctr">
             <a:noAutofit/>
           </a:bodyPr>
-          <a:p>
-            <a:endParaRPr b="0" lang="pt-PT" sz="1800" spc="-1" strike="noStrike">
+          <a:lstStyle/>
+          <a:p>
+            <a:endParaRPr lang="pt-PT" sz="1800" b="0" strike="noStrike" spc="-1">
               <a:solidFill>
                 <a:srgbClr val="000000"/>
               </a:solidFill>
@@ -2232,12 +2435,13 @@
           </a:prstGeom>
         </p:spPr>
         <p:txBody>
-          <a:bodyPr lIns="0" rIns="0" tIns="0" bIns="0" anchor="ctr">
+          <a:bodyPr lIns="0" tIns="0" rIns="0" bIns="0" anchor="ctr">
             <a:noAutofit/>
           </a:bodyPr>
+          <a:lstStyle/>
           <a:p>
             <a:pPr algn="ctr"/>
-            <a:endParaRPr b="0" lang="pt-PT" sz="3200" spc="-1" strike="noStrike">
+            <a:endParaRPr lang="pt-PT" sz="3200" b="0" strike="noStrike" spc="-1">
               <a:latin typeface="Arial"/>
             </a:endParaRPr>
           </a:p>
@@ -2245,11 +2449,14 @@
       </p:sp>
     </p:spTree>
   </p:cSld>
+  <p:clrMapOvr>
+    <a:masterClrMapping/>
+  </p:clrMapOvr>
 </p:sldLayout>
 </file>
 
 <file path=ppt/slideLayouts/slideLayout27.xml><?xml version="1.0" encoding="utf-8"?>
-<p:sldLayout xmlns:a="http://schemas.openxmlformats.org/drawingml/2006/main" xmlns:p="http://schemas.openxmlformats.org/presentationml/2006/main" xmlns:r="http://schemas.openxmlformats.org/officeDocument/2006/relationships" xmlns:p14="http://schemas.microsoft.com/office/powerpoint/2010/main" xmlns:p15="http://schemas.microsoft.com/office/powerpoint/2012/main" xmlns:mc="http://schemas.openxmlformats.org/markup-compatibility/2006" type="obj" preserve="1">
+<p:sldLayout xmlns:a="http://schemas.openxmlformats.org/drawingml/2006/main" xmlns:r="http://schemas.openxmlformats.org/officeDocument/2006/relationships" xmlns:p="http://schemas.openxmlformats.org/presentationml/2006/main" type="obj" preserve="1">
   <p:cSld name="Title, Content">
     <p:spTree>
       <p:nvGrpSpPr>
@@ -2285,11 +2492,12 @@
           </a:prstGeom>
         </p:spPr>
         <p:txBody>
-          <a:bodyPr lIns="0" rIns="0" tIns="0" bIns="0" anchor="ctr">
+          <a:bodyPr lIns="0" tIns="0" rIns="0" bIns="0" anchor="ctr">
             <a:noAutofit/>
           </a:bodyPr>
-          <a:p>
-            <a:endParaRPr b="0" lang="pt-PT" sz="1800" spc="-1" strike="noStrike">
+          <a:lstStyle/>
+          <a:p>
+            <a:endParaRPr lang="pt-PT" sz="1800" b="0" strike="noStrike" spc="-1">
               <a:solidFill>
                 <a:srgbClr val="000000"/>
               </a:solidFill>
@@ -2318,11 +2526,12 @@
           </a:prstGeom>
         </p:spPr>
         <p:txBody>
-          <a:bodyPr lIns="0" rIns="0" tIns="0" bIns="0">
+          <a:bodyPr lIns="0" tIns="0" rIns="0" bIns="0">
             <a:normAutofit/>
           </a:bodyPr>
-          <a:p>
-            <a:endParaRPr b="0" lang="pt-PT" sz="2800" spc="-1" strike="noStrike">
+          <a:lstStyle/>
+          <a:p>
+            <a:endParaRPr lang="pt-PT" sz="2800" b="0" strike="noStrike" spc="-1">
               <a:solidFill>
                 <a:srgbClr val="000000"/>
               </a:solidFill>
@@ -2333,11 +2542,14 @@
       </p:sp>
     </p:spTree>
   </p:cSld>
+  <p:clrMapOvr>
+    <a:masterClrMapping/>
+  </p:clrMapOvr>
 </p:sldLayout>
 </file>
 
 <file path=ppt/slideLayouts/slideLayout28.xml><?xml version="1.0" encoding="utf-8"?>
-<p:sldLayout xmlns:a="http://schemas.openxmlformats.org/drawingml/2006/main" xmlns:p="http://schemas.openxmlformats.org/presentationml/2006/main" xmlns:r="http://schemas.openxmlformats.org/officeDocument/2006/relationships" xmlns:p14="http://schemas.microsoft.com/office/powerpoint/2010/main" xmlns:p15="http://schemas.microsoft.com/office/powerpoint/2012/main" xmlns:mc="http://schemas.openxmlformats.org/markup-compatibility/2006" type="twoObj" preserve="1">
+<p:sldLayout xmlns:a="http://schemas.openxmlformats.org/drawingml/2006/main" xmlns:r="http://schemas.openxmlformats.org/officeDocument/2006/relationships" xmlns:p="http://schemas.openxmlformats.org/presentationml/2006/main" type="twoObj" preserve="1">
   <p:cSld name="Title, 2 Content">
     <p:spTree>
       <p:nvGrpSpPr>
@@ -2373,11 +2585,12 @@
           </a:prstGeom>
         </p:spPr>
         <p:txBody>
-          <a:bodyPr lIns="0" rIns="0" tIns="0" bIns="0" anchor="ctr">
+          <a:bodyPr lIns="0" tIns="0" rIns="0" bIns="0" anchor="ctr">
             <a:noAutofit/>
           </a:bodyPr>
-          <a:p>
-            <a:endParaRPr b="0" lang="pt-PT" sz="1800" spc="-1" strike="noStrike">
+          <a:lstStyle/>
+          <a:p>
+            <a:endParaRPr lang="pt-PT" sz="1800" b="0" strike="noStrike" spc="-1">
               <a:solidFill>
                 <a:srgbClr val="000000"/>
               </a:solidFill>
@@ -2406,11 +2619,12 @@
           </a:prstGeom>
         </p:spPr>
         <p:txBody>
-          <a:bodyPr lIns="0" rIns="0" tIns="0" bIns="0">
+          <a:bodyPr lIns="0" tIns="0" rIns="0" bIns="0">
             <a:normAutofit/>
           </a:bodyPr>
-          <a:p>
-            <a:endParaRPr b="0" lang="pt-PT" sz="2800" spc="-1" strike="noStrike">
+          <a:lstStyle/>
+          <a:p>
+            <a:endParaRPr lang="pt-PT" sz="2800" b="0" strike="noStrike" spc="-1">
               <a:solidFill>
                 <a:srgbClr val="000000"/>
               </a:solidFill>
@@ -2439,11 +2653,12 @@
           </a:prstGeom>
         </p:spPr>
         <p:txBody>
-          <a:bodyPr lIns="0" rIns="0" tIns="0" bIns="0">
+          <a:bodyPr lIns="0" tIns="0" rIns="0" bIns="0">
             <a:normAutofit/>
           </a:bodyPr>
-          <a:p>
-            <a:endParaRPr b="0" lang="pt-PT" sz="2800" spc="-1" strike="noStrike">
+          <a:lstStyle/>
+          <a:p>
+            <a:endParaRPr lang="pt-PT" sz="2800" b="0" strike="noStrike" spc="-1">
               <a:solidFill>
                 <a:srgbClr val="000000"/>
               </a:solidFill>
@@ -2454,11 +2669,14 @@
       </p:sp>
     </p:spTree>
   </p:cSld>
+  <p:clrMapOvr>
+    <a:masterClrMapping/>
+  </p:clrMapOvr>
 </p:sldLayout>
 </file>
 
 <file path=ppt/slideLayouts/slideLayout29.xml><?xml version="1.0" encoding="utf-8"?>
-<p:sldLayout xmlns:a="http://schemas.openxmlformats.org/drawingml/2006/main" xmlns:p="http://schemas.openxmlformats.org/presentationml/2006/main" xmlns:r="http://schemas.openxmlformats.org/officeDocument/2006/relationships" xmlns:p14="http://schemas.microsoft.com/office/powerpoint/2010/main" xmlns:p15="http://schemas.microsoft.com/office/powerpoint/2012/main" xmlns:mc="http://schemas.openxmlformats.org/markup-compatibility/2006" type="titleOnly" preserve="1">
+<p:sldLayout xmlns:a="http://schemas.openxmlformats.org/drawingml/2006/main" xmlns:r="http://schemas.openxmlformats.org/officeDocument/2006/relationships" xmlns:p="http://schemas.openxmlformats.org/presentationml/2006/main" type="titleOnly" preserve="1">
   <p:cSld name="Title Only">
     <p:spTree>
       <p:nvGrpSpPr>
@@ -2494,11 +2712,12 @@
           </a:prstGeom>
         </p:spPr>
         <p:txBody>
-          <a:bodyPr lIns="0" rIns="0" tIns="0" bIns="0" anchor="ctr">
+          <a:bodyPr lIns="0" tIns="0" rIns="0" bIns="0" anchor="ctr">
             <a:noAutofit/>
           </a:bodyPr>
-          <a:p>
-            <a:endParaRPr b="0" lang="pt-PT" sz="1800" spc="-1" strike="noStrike">
+          <a:lstStyle/>
+          <a:p>
+            <a:endParaRPr lang="pt-PT" sz="1800" b="0" strike="noStrike" spc="-1">
               <a:solidFill>
                 <a:srgbClr val="000000"/>
               </a:solidFill>
@@ -2509,11 +2728,14 @@
       </p:sp>
     </p:spTree>
   </p:cSld>
+  <p:clrMapOvr>
+    <a:masterClrMapping/>
+  </p:clrMapOvr>
 </p:sldLayout>
 </file>
 
 <file path=ppt/slideLayouts/slideLayout3.xml><?xml version="1.0" encoding="utf-8"?>
-<p:sldLayout xmlns:a="http://schemas.openxmlformats.org/drawingml/2006/main" xmlns:p="http://schemas.openxmlformats.org/presentationml/2006/main" xmlns:r="http://schemas.openxmlformats.org/officeDocument/2006/relationships" xmlns:p14="http://schemas.microsoft.com/office/powerpoint/2010/main" xmlns:p15="http://schemas.microsoft.com/office/powerpoint/2012/main" xmlns:mc="http://schemas.openxmlformats.org/markup-compatibility/2006" type="obj" preserve="1">
+<p:sldLayout xmlns:a="http://schemas.openxmlformats.org/drawingml/2006/main" xmlns:r="http://schemas.openxmlformats.org/officeDocument/2006/relationships" xmlns:p="http://schemas.openxmlformats.org/presentationml/2006/main" type="obj" preserve="1">
   <p:cSld name="Title, Content">
     <p:spTree>
       <p:nvGrpSpPr>
@@ -2549,11 +2771,12 @@
           </a:prstGeom>
         </p:spPr>
         <p:txBody>
-          <a:bodyPr lIns="0" rIns="0" tIns="0" bIns="0" anchor="ctr">
+          <a:bodyPr lIns="0" tIns="0" rIns="0" bIns="0" anchor="ctr">
             <a:noAutofit/>
           </a:bodyPr>
-          <a:p>
-            <a:endParaRPr b="0" lang="pt-PT" sz="1800" spc="-1" strike="noStrike">
+          <a:lstStyle/>
+          <a:p>
+            <a:endParaRPr lang="pt-PT" sz="1800" b="0" strike="noStrike" spc="-1">
               <a:solidFill>
                 <a:srgbClr val="000000"/>
               </a:solidFill>
@@ -2582,11 +2805,12 @@
           </a:prstGeom>
         </p:spPr>
         <p:txBody>
-          <a:bodyPr lIns="0" rIns="0" tIns="0" bIns="0">
+          <a:bodyPr lIns="0" tIns="0" rIns="0" bIns="0">
             <a:normAutofit/>
           </a:bodyPr>
-          <a:p>
-            <a:endParaRPr b="0" lang="pt-PT" sz="2800" spc="-1" strike="noStrike">
+          <a:lstStyle/>
+          <a:p>
+            <a:endParaRPr lang="pt-PT" sz="2800" b="0" strike="noStrike" spc="-1">
               <a:solidFill>
                 <a:srgbClr val="000000"/>
               </a:solidFill>
@@ -2597,11 +2821,14 @@
       </p:sp>
     </p:spTree>
   </p:cSld>
+  <p:clrMapOvr>
+    <a:masterClrMapping/>
+  </p:clrMapOvr>
 </p:sldLayout>
 </file>
 
 <file path=ppt/slideLayouts/slideLayout30.xml><?xml version="1.0" encoding="utf-8"?>
-<p:sldLayout xmlns:a="http://schemas.openxmlformats.org/drawingml/2006/main" xmlns:p="http://schemas.openxmlformats.org/presentationml/2006/main" xmlns:r="http://schemas.openxmlformats.org/officeDocument/2006/relationships" xmlns:p14="http://schemas.microsoft.com/office/powerpoint/2010/main" xmlns:p15="http://schemas.microsoft.com/office/powerpoint/2012/main" xmlns:mc="http://schemas.openxmlformats.org/markup-compatibility/2006" type="objOnly" preserve="1">
+<p:sldLayout xmlns:a="http://schemas.openxmlformats.org/drawingml/2006/main" xmlns:r="http://schemas.openxmlformats.org/officeDocument/2006/relationships" xmlns:p="http://schemas.openxmlformats.org/presentationml/2006/main" type="objOnly" preserve="1">
   <p:cSld name="Centered Text">
     <p:spTree>
       <p:nvGrpSpPr>
@@ -2637,12 +2864,13 @@
           </a:prstGeom>
         </p:spPr>
         <p:txBody>
-          <a:bodyPr lIns="0" rIns="0" tIns="0" bIns="0" anchor="ctr">
+          <a:bodyPr lIns="0" tIns="0" rIns="0" bIns="0" anchor="ctr">
             <a:noAutofit/>
           </a:bodyPr>
+          <a:lstStyle/>
           <a:p>
             <a:pPr algn="ctr"/>
-            <a:endParaRPr b="0" lang="pt-PT" sz="3200" spc="-1" strike="noStrike">
+            <a:endParaRPr lang="pt-PT" sz="3200" b="0" strike="noStrike" spc="-1">
               <a:latin typeface="Arial"/>
             </a:endParaRPr>
           </a:p>
@@ -2650,11 +2878,14 @@
       </p:sp>
     </p:spTree>
   </p:cSld>
+  <p:clrMapOvr>
+    <a:masterClrMapping/>
+  </p:clrMapOvr>
 </p:sldLayout>
 </file>
 
 <file path=ppt/slideLayouts/slideLayout31.xml><?xml version="1.0" encoding="utf-8"?>
-<p:sldLayout xmlns:a="http://schemas.openxmlformats.org/drawingml/2006/main" xmlns:p="http://schemas.openxmlformats.org/presentationml/2006/main" xmlns:r="http://schemas.openxmlformats.org/officeDocument/2006/relationships" xmlns:p14="http://schemas.microsoft.com/office/powerpoint/2010/main" xmlns:p15="http://schemas.microsoft.com/office/powerpoint/2012/main" xmlns:mc="http://schemas.openxmlformats.org/markup-compatibility/2006" type="twoObjAndObj" preserve="1">
+<p:sldLayout xmlns:a="http://schemas.openxmlformats.org/drawingml/2006/main" xmlns:r="http://schemas.openxmlformats.org/officeDocument/2006/relationships" xmlns:p="http://schemas.openxmlformats.org/presentationml/2006/main" type="twoObjAndObj" preserve="1">
   <p:cSld name="Title, 2 Content and Content">
     <p:spTree>
       <p:nvGrpSpPr>
@@ -2690,11 +2921,12 @@
           </a:prstGeom>
         </p:spPr>
         <p:txBody>
-          <a:bodyPr lIns="0" rIns="0" tIns="0" bIns="0" anchor="ctr">
+          <a:bodyPr lIns="0" tIns="0" rIns="0" bIns="0" anchor="ctr">
             <a:noAutofit/>
           </a:bodyPr>
-          <a:p>
-            <a:endParaRPr b="0" lang="pt-PT" sz="1800" spc="-1" strike="noStrike">
+          <a:lstStyle/>
+          <a:p>
+            <a:endParaRPr lang="pt-PT" sz="1800" b="0" strike="noStrike" spc="-1">
               <a:solidFill>
                 <a:srgbClr val="000000"/>
               </a:solidFill>
@@ -2723,11 +2955,12 @@
           </a:prstGeom>
         </p:spPr>
         <p:txBody>
-          <a:bodyPr lIns="0" rIns="0" tIns="0" bIns="0">
+          <a:bodyPr lIns="0" tIns="0" rIns="0" bIns="0">
             <a:normAutofit/>
           </a:bodyPr>
-          <a:p>
-            <a:endParaRPr b="0" lang="pt-PT" sz="2800" spc="-1" strike="noStrike">
+          <a:lstStyle/>
+          <a:p>
+            <a:endParaRPr lang="pt-PT" sz="2800" b="0" strike="noStrike" spc="-1">
               <a:solidFill>
                 <a:srgbClr val="000000"/>
               </a:solidFill>
@@ -2756,11 +2989,12 @@
           </a:prstGeom>
         </p:spPr>
         <p:txBody>
-          <a:bodyPr lIns="0" rIns="0" tIns="0" bIns="0">
+          <a:bodyPr lIns="0" tIns="0" rIns="0" bIns="0">
             <a:normAutofit/>
           </a:bodyPr>
-          <a:p>
-            <a:endParaRPr b="0" lang="pt-PT" sz="2800" spc="-1" strike="noStrike">
+          <a:lstStyle/>
+          <a:p>
+            <a:endParaRPr lang="pt-PT" sz="2800" b="0" strike="noStrike" spc="-1">
               <a:solidFill>
                 <a:srgbClr val="000000"/>
               </a:solidFill>
@@ -2789,11 +3023,12 @@
           </a:prstGeom>
         </p:spPr>
         <p:txBody>
-          <a:bodyPr lIns="0" rIns="0" tIns="0" bIns="0">
+          <a:bodyPr lIns="0" tIns="0" rIns="0" bIns="0">
             <a:normAutofit/>
           </a:bodyPr>
-          <a:p>
-            <a:endParaRPr b="0" lang="pt-PT" sz="2800" spc="-1" strike="noStrike">
+          <a:lstStyle/>
+          <a:p>
+            <a:endParaRPr lang="pt-PT" sz="2800" b="0" strike="noStrike" spc="-1">
               <a:solidFill>
                 <a:srgbClr val="000000"/>
               </a:solidFill>
@@ -2804,11 +3039,14 @@
       </p:sp>
     </p:spTree>
   </p:cSld>
+  <p:clrMapOvr>
+    <a:masterClrMapping/>
+  </p:clrMapOvr>
 </p:sldLayout>
 </file>
 
 <file path=ppt/slideLayouts/slideLayout32.xml><?xml version="1.0" encoding="utf-8"?>
-<p:sldLayout xmlns:a="http://schemas.openxmlformats.org/drawingml/2006/main" xmlns:p="http://schemas.openxmlformats.org/presentationml/2006/main" xmlns:r="http://schemas.openxmlformats.org/officeDocument/2006/relationships" xmlns:p14="http://schemas.microsoft.com/office/powerpoint/2010/main" xmlns:p15="http://schemas.microsoft.com/office/powerpoint/2012/main" xmlns:mc="http://schemas.openxmlformats.org/markup-compatibility/2006" type="objAndTwoObj" preserve="1">
+<p:sldLayout xmlns:a="http://schemas.openxmlformats.org/drawingml/2006/main" xmlns:r="http://schemas.openxmlformats.org/officeDocument/2006/relationships" xmlns:p="http://schemas.openxmlformats.org/presentationml/2006/main" type="objAndTwoObj" preserve="1">
   <p:cSld name="Title Content and 2 Content">
     <p:spTree>
       <p:nvGrpSpPr>
@@ -2844,11 +3082,12 @@
           </a:prstGeom>
         </p:spPr>
         <p:txBody>
-          <a:bodyPr lIns="0" rIns="0" tIns="0" bIns="0" anchor="ctr">
+          <a:bodyPr lIns="0" tIns="0" rIns="0" bIns="0" anchor="ctr">
             <a:noAutofit/>
           </a:bodyPr>
-          <a:p>
-            <a:endParaRPr b="0" lang="pt-PT" sz="1800" spc="-1" strike="noStrike">
+          <a:lstStyle/>
+          <a:p>
+            <a:endParaRPr lang="pt-PT" sz="1800" b="0" strike="noStrike" spc="-1">
               <a:solidFill>
                 <a:srgbClr val="000000"/>
               </a:solidFill>
@@ -2877,11 +3116,12 @@
           </a:prstGeom>
         </p:spPr>
         <p:txBody>
-          <a:bodyPr lIns="0" rIns="0" tIns="0" bIns="0">
+          <a:bodyPr lIns="0" tIns="0" rIns="0" bIns="0">
             <a:normAutofit/>
           </a:bodyPr>
-          <a:p>
-            <a:endParaRPr b="0" lang="pt-PT" sz="2800" spc="-1" strike="noStrike">
+          <a:lstStyle/>
+          <a:p>
+            <a:endParaRPr lang="pt-PT" sz="2800" b="0" strike="noStrike" spc="-1">
               <a:solidFill>
                 <a:srgbClr val="000000"/>
               </a:solidFill>
@@ -2910,11 +3150,12 @@
           </a:prstGeom>
         </p:spPr>
         <p:txBody>
-          <a:bodyPr lIns="0" rIns="0" tIns="0" bIns="0">
+          <a:bodyPr lIns="0" tIns="0" rIns="0" bIns="0">
             <a:normAutofit/>
           </a:bodyPr>
-          <a:p>
-            <a:endParaRPr b="0" lang="pt-PT" sz="2800" spc="-1" strike="noStrike">
+          <a:lstStyle/>
+          <a:p>
+            <a:endParaRPr lang="pt-PT" sz="2800" b="0" strike="noStrike" spc="-1">
               <a:solidFill>
                 <a:srgbClr val="000000"/>
               </a:solidFill>
@@ -2943,11 +3184,12 @@
           </a:prstGeom>
         </p:spPr>
         <p:txBody>
-          <a:bodyPr lIns="0" rIns="0" tIns="0" bIns="0">
+          <a:bodyPr lIns="0" tIns="0" rIns="0" bIns="0">
             <a:normAutofit/>
           </a:bodyPr>
-          <a:p>
-            <a:endParaRPr b="0" lang="pt-PT" sz="2800" spc="-1" strike="noStrike">
+          <a:lstStyle/>
+          <a:p>
+            <a:endParaRPr lang="pt-PT" sz="2800" b="0" strike="noStrike" spc="-1">
               <a:solidFill>
                 <a:srgbClr val="000000"/>
               </a:solidFill>
@@ -2958,11 +3200,14 @@
       </p:sp>
     </p:spTree>
   </p:cSld>
+  <p:clrMapOvr>
+    <a:masterClrMapping/>
+  </p:clrMapOvr>
 </p:sldLayout>
 </file>
 
 <file path=ppt/slideLayouts/slideLayout33.xml><?xml version="1.0" encoding="utf-8"?>
-<p:sldLayout xmlns:a="http://schemas.openxmlformats.org/drawingml/2006/main" xmlns:p="http://schemas.openxmlformats.org/presentationml/2006/main" xmlns:r="http://schemas.openxmlformats.org/officeDocument/2006/relationships" xmlns:p14="http://schemas.microsoft.com/office/powerpoint/2010/main" xmlns:p15="http://schemas.microsoft.com/office/powerpoint/2012/main" xmlns:mc="http://schemas.openxmlformats.org/markup-compatibility/2006" type="twoObjOverTx" preserve="1">
+<p:sldLayout xmlns:a="http://schemas.openxmlformats.org/drawingml/2006/main" xmlns:r="http://schemas.openxmlformats.org/officeDocument/2006/relationships" xmlns:p="http://schemas.openxmlformats.org/presentationml/2006/main" type="twoObjOverTx" preserve="1">
   <p:cSld name="Title, 2 Content over Content">
     <p:spTree>
       <p:nvGrpSpPr>
@@ -2998,11 +3243,12 @@
           </a:prstGeom>
         </p:spPr>
         <p:txBody>
-          <a:bodyPr lIns="0" rIns="0" tIns="0" bIns="0" anchor="ctr">
+          <a:bodyPr lIns="0" tIns="0" rIns="0" bIns="0" anchor="ctr">
             <a:noAutofit/>
           </a:bodyPr>
-          <a:p>
-            <a:endParaRPr b="0" lang="pt-PT" sz="1800" spc="-1" strike="noStrike">
+          <a:lstStyle/>
+          <a:p>
+            <a:endParaRPr lang="pt-PT" sz="1800" b="0" strike="noStrike" spc="-1">
               <a:solidFill>
                 <a:srgbClr val="000000"/>
               </a:solidFill>
@@ -3031,11 +3277,12 @@
           </a:prstGeom>
         </p:spPr>
         <p:txBody>
-          <a:bodyPr lIns="0" rIns="0" tIns="0" bIns="0">
+          <a:bodyPr lIns="0" tIns="0" rIns="0" bIns="0">
             <a:normAutofit/>
           </a:bodyPr>
-          <a:p>
-            <a:endParaRPr b="0" lang="pt-PT" sz="2800" spc="-1" strike="noStrike">
+          <a:lstStyle/>
+          <a:p>
+            <a:endParaRPr lang="pt-PT" sz="2800" b="0" strike="noStrike" spc="-1">
               <a:solidFill>
                 <a:srgbClr val="000000"/>
               </a:solidFill>
@@ -3064,11 +3311,12 @@
           </a:prstGeom>
         </p:spPr>
         <p:txBody>
-          <a:bodyPr lIns="0" rIns="0" tIns="0" bIns="0">
+          <a:bodyPr lIns="0" tIns="0" rIns="0" bIns="0">
             <a:normAutofit/>
           </a:bodyPr>
-          <a:p>
-            <a:endParaRPr b="0" lang="pt-PT" sz="2800" spc="-1" strike="noStrike">
+          <a:lstStyle/>
+          <a:p>
+            <a:endParaRPr lang="pt-PT" sz="2800" b="0" strike="noStrike" spc="-1">
               <a:solidFill>
                 <a:srgbClr val="000000"/>
               </a:solidFill>
@@ -3097,11 +3345,12 @@
           </a:prstGeom>
         </p:spPr>
         <p:txBody>
-          <a:bodyPr lIns="0" rIns="0" tIns="0" bIns="0">
+          <a:bodyPr lIns="0" tIns="0" rIns="0" bIns="0">
             <a:normAutofit/>
           </a:bodyPr>
-          <a:p>
-            <a:endParaRPr b="0" lang="pt-PT" sz="2800" spc="-1" strike="noStrike">
+          <a:lstStyle/>
+          <a:p>
+            <a:endParaRPr lang="pt-PT" sz="2800" b="0" strike="noStrike" spc="-1">
               <a:solidFill>
                 <a:srgbClr val="000000"/>
               </a:solidFill>
@@ -3112,11 +3361,14 @@
       </p:sp>
     </p:spTree>
   </p:cSld>
+  <p:clrMapOvr>
+    <a:masterClrMapping/>
+  </p:clrMapOvr>
 </p:sldLayout>
 </file>
 
 <file path=ppt/slideLayouts/slideLayout34.xml><?xml version="1.0" encoding="utf-8"?>
-<p:sldLayout xmlns:a="http://schemas.openxmlformats.org/drawingml/2006/main" xmlns:p="http://schemas.openxmlformats.org/presentationml/2006/main" xmlns:r="http://schemas.openxmlformats.org/officeDocument/2006/relationships" xmlns:p14="http://schemas.microsoft.com/office/powerpoint/2010/main" xmlns:p15="http://schemas.microsoft.com/office/powerpoint/2012/main" xmlns:mc="http://schemas.openxmlformats.org/markup-compatibility/2006" type="objOverTx" preserve="1">
+<p:sldLayout xmlns:a="http://schemas.openxmlformats.org/drawingml/2006/main" xmlns:r="http://schemas.openxmlformats.org/officeDocument/2006/relationships" xmlns:p="http://schemas.openxmlformats.org/presentationml/2006/main" type="objOverTx" preserve="1">
   <p:cSld name="Title, Content over Content">
     <p:spTree>
       <p:nvGrpSpPr>
@@ -3152,11 +3404,12 @@
           </a:prstGeom>
         </p:spPr>
         <p:txBody>
-          <a:bodyPr lIns="0" rIns="0" tIns="0" bIns="0" anchor="ctr">
+          <a:bodyPr lIns="0" tIns="0" rIns="0" bIns="0" anchor="ctr">
             <a:noAutofit/>
           </a:bodyPr>
-          <a:p>
-            <a:endParaRPr b="0" lang="pt-PT" sz="1800" spc="-1" strike="noStrike">
+          <a:lstStyle/>
+          <a:p>
+            <a:endParaRPr lang="pt-PT" sz="1800" b="0" strike="noStrike" spc="-1">
               <a:solidFill>
                 <a:srgbClr val="000000"/>
               </a:solidFill>
@@ -3185,11 +3438,12 @@
           </a:prstGeom>
         </p:spPr>
         <p:txBody>
-          <a:bodyPr lIns="0" rIns="0" tIns="0" bIns="0">
+          <a:bodyPr lIns="0" tIns="0" rIns="0" bIns="0">
             <a:normAutofit/>
           </a:bodyPr>
-          <a:p>
-            <a:endParaRPr b="0" lang="pt-PT" sz="2800" spc="-1" strike="noStrike">
+          <a:lstStyle/>
+          <a:p>
+            <a:endParaRPr lang="pt-PT" sz="2800" b="0" strike="noStrike" spc="-1">
               <a:solidFill>
                 <a:srgbClr val="000000"/>
               </a:solidFill>
@@ -3218,11 +3472,12 @@
           </a:prstGeom>
         </p:spPr>
         <p:txBody>
-          <a:bodyPr lIns="0" rIns="0" tIns="0" bIns="0">
+          <a:bodyPr lIns="0" tIns="0" rIns="0" bIns="0">
             <a:normAutofit/>
           </a:bodyPr>
-          <a:p>
-            <a:endParaRPr b="0" lang="pt-PT" sz="2800" spc="-1" strike="noStrike">
+          <a:lstStyle/>
+          <a:p>
+            <a:endParaRPr lang="pt-PT" sz="2800" b="0" strike="noStrike" spc="-1">
               <a:solidFill>
                 <a:srgbClr val="000000"/>
               </a:solidFill>
@@ -3233,11 +3488,14 @@
       </p:sp>
     </p:spTree>
   </p:cSld>
+  <p:clrMapOvr>
+    <a:masterClrMapping/>
+  </p:clrMapOvr>
 </p:sldLayout>
 </file>
 
 <file path=ppt/slideLayouts/slideLayout35.xml><?xml version="1.0" encoding="utf-8"?>
-<p:sldLayout xmlns:a="http://schemas.openxmlformats.org/drawingml/2006/main" xmlns:p="http://schemas.openxmlformats.org/presentationml/2006/main" xmlns:r="http://schemas.openxmlformats.org/officeDocument/2006/relationships" xmlns:p14="http://schemas.microsoft.com/office/powerpoint/2010/main" xmlns:p15="http://schemas.microsoft.com/office/powerpoint/2012/main" xmlns:mc="http://schemas.openxmlformats.org/markup-compatibility/2006" type="fourObj" preserve="1">
+<p:sldLayout xmlns:a="http://schemas.openxmlformats.org/drawingml/2006/main" xmlns:r="http://schemas.openxmlformats.org/officeDocument/2006/relationships" xmlns:p="http://schemas.openxmlformats.org/presentationml/2006/main" type="fourObj" preserve="1">
   <p:cSld name="Title, 4 Content">
     <p:spTree>
       <p:nvGrpSpPr>
@@ -3273,11 +3531,12 @@
           </a:prstGeom>
         </p:spPr>
         <p:txBody>
-          <a:bodyPr lIns="0" rIns="0" tIns="0" bIns="0" anchor="ctr">
+          <a:bodyPr lIns="0" tIns="0" rIns="0" bIns="0" anchor="ctr">
             <a:noAutofit/>
           </a:bodyPr>
-          <a:p>
-            <a:endParaRPr b="0" lang="pt-PT" sz="1800" spc="-1" strike="noStrike">
+          <a:lstStyle/>
+          <a:p>
+            <a:endParaRPr lang="pt-PT" sz="1800" b="0" strike="noStrike" spc="-1">
               <a:solidFill>
                 <a:srgbClr val="000000"/>
               </a:solidFill>
@@ -3306,11 +3565,12 @@
           </a:prstGeom>
         </p:spPr>
         <p:txBody>
-          <a:bodyPr lIns="0" rIns="0" tIns="0" bIns="0">
+          <a:bodyPr lIns="0" tIns="0" rIns="0" bIns="0">
             <a:normAutofit/>
           </a:bodyPr>
-          <a:p>
-            <a:endParaRPr b="0" lang="pt-PT" sz="2800" spc="-1" strike="noStrike">
+          <a:lstStyle/>
+          <a:p>
+            <a:endParaRPr lang="pt-PT" sz="2800" b="0" strike="noStrike" spc="-1">
               <a:solidFill>
                 <a:srgbClr val="000000"/>
               </a:solidFill>
@@ -3339,11 +3599,12 @@
           </a:prstGeom>
         </p:spPr>
         <p:txBody>
-          <a:bodyPr lIns="0" rIns="0" tIns="0" bIns="0">
+          <a:bodyPr lIns="0" tIns="0" rIns="0" bIns="0">
             <a:normAutofit/>
           </a:bodyPr>
-          <a:p>
-            <a:endParaRPr b="0" lang="pt-PT" sz="2800" spc="-1" strike="noStrike">
+          <a:lstStyle/>
+          <a:p>
+            <a:endParaRPr lang="pt-PT" sz="2800" b="0" strike="noStrike" spc="-1">
               <a:solidFill>
                 <a:srgbClr val="000000"/>
               </a:solidFill>
@@ -3372,11 +3633,12 @@
           </a:prstGeom>
         </p:spPr>
         <p:txBody>
-          <a:bodyPr lIns="0" rIns="0" tIns="0" bIns="0">
+          <a:bodyPr lIns="0" tIns="0" rIns="0" bIns="0">
             <a:normAutofit/>
           </a:bodyPr>
-          <a:p>
-            <a:endParaRPr b="0" lang="pt-PT" sz="2800" spc="-1" strike="noStrike">
+          <a:lstStyle/>
+          <a:p>
+            <a:endParaRPr lang="pt-PT" sz="2800" b="0" strike="noStrike" spc="-1">
               <a:solidFill>
                 <a:srgbClr val="000000"/>
               </a:solidFill>
@@ -3405,11 +3667,12 @@
           </a:prstGeom>
         </p:spPr>
         <p:txBody>
-          <a:bodyPr lIns="0" rIns="0" tIns="0" bIns="0">
+          <a:bodyPr lIns="0" tIns="0" rIns="0" bIns="0">
             <a:normAutofit/>
           </a:bodyPr>
-          <a:p>
-            <a:endParaRPr b="0" lang="pt-PT" sz="2800" spc="-1" strike="noStrike">
+          <a:lstStyle/>
+          <a:p>
+            <a:endParaRPr lang="pt-PT" sz="2800" b="0" strike="noStrike" spc="-1">
               <a:solidFill>
                 <a:srgbClr val="000000"/>
               </a:solidFill>
@@ -3420,11 +3683,14 @@
       </p:sp>
     </p:spTree>
   </p:cSld>
+  <p:clrMapOvr>
+    <a:masterClrMapping/>
+  </p:clrMapOvr>
 </p:sldLayout>
 </file>
 
 <file path=ppt/slideLayouts/slideLayout36.xml><?xml version="1.0" encoding="utf-8"?>
-<p:sldLayout xmlns:a="http://schemas.openxmlformats.org/drawingml/2006/main" xmlns:p="http://schemas.openxmlformats.org/presentationml/2006/main" xmlns:r="http://schemas.openxmlformats.org/officeDocument/2006/relationships" xmlns:p14="http://schemas.microsoft.com/office/powerpoint/2010/main" xmlns:p15="http://schemas.microsoft.com/office/powerpoint/2012/main" xmlns:mc="http://schemas.openxmlformats.org/markup-compatibility/2006" type="blank" preserve="1">
+<p:sldLayout xmlns:a="http://schemas.openxmlformats.org/drawingml/2006/main" xmlns:r="http://schemas.openxmlformats.org/officeDocument/2006/relationships" xmlns:p="http://schemas.openxmlformats.org/presentationml/2006/main" type="blank" preserve="1">
   <p:cSld name="Title, 6 Content">
     <p:spTree>
       <p:nvGrpSpPr>
@@ -3460,11 +3726,12 @@
           </a:prstGeom>
         </p:spPr>
         <p:txBody>
-          <a:bodyPr lIns="0" rIns="0" tIns="0" bIns="0" anchor="ctr">
+          <a:bodyPr lIns="0" tIns="0" rIns="0" bIns="0" anchor="ctr">
             <a:noAutofit/>
           </a:bodyPr>
-          <a:p>
-            <a:endParaRPr b="0" lang="pt-PT" sz="1800" spc="-1" strike="noStrike">
+          <a:lstStyle/>
+          <a:p>
+            <a:endParaRPr lang="pt-PT" sz="1800" b="0" strike="noStrike" spc="-1">
               <a:solidFill>
                 <a:srgbClr val="000000"/>
               </a:solidFill>
@@ -3493,11 +3760,12 @@
           </a:prstGeom>
         </p:spPr>
         <p:txBody>
-          <a:bodyPr lIns="0" rIns="0" tIns="0" bIns="0">
+          <a:bodyPr lIns="0" tIns="0" rIns="0" bIns="0">
             <a:normAutofit/>
           </a:bodyPr>
-          <a:p>
-            <a:endParaRPr b="0" lang="pt-PT" sz="2800" spc="-1" strike="noStrike">
+          <a:lstStyle/>
+          <a:p>
+            <a:endParaRPr lang="pt-PT" sz="2800" b="0" strike="noStrike" spc="-1">
               <a:solidFill>
                 <a:srgbClr val="000000"/>
               </a:solidFill>
@@ -3526,11 +3794,12 @@
           </a:prstGeom>
         </p:spPr>
         <p:txBody>
-          <a:bodyPr lIns="0" rIns="0" tIns="0" bIns="0">
+          <a:bodyPr lIns="0" tIns="0" rIns="0" bIns="0">
             <a:normAutofit/>
           </a:bodyPr>
-          <a:p>
-            <a:endParaRPr b="0" lang="pt-PT" sz="2800" spc="-1" strike="noStrike">
+          <a:lstStyle/>
+          <a:p>
+            <a:endParaRPr lang="pt-PT" sz="2800" b="0" strike="noStrike" spc="-1">
               <a:solidFill>
                 <a:srgbClr val="000000"/>
               </a:solidFill>
@@ -3559,11 +3828,12 @@
           </a:prstGeom>
         </p:spPr>
         <p:txBody>
-          <a:bodyPr lIns="0" rIns="0" tIns="0" bIns="0">
+          <a:bodyPr lIns="0" tIns="0" rIns="0" bIns="0">
             <a:normAutofit/>
           </a:bodyPr>
-          <a:p>
-            <a:endParaRPr b="0" lang="pt-PT" sz="2800" spc="-1" strike="noStrike">
+          <a:lstStyle/>
+          <a:p>
+            <a:endParaRPr lang="pt-PT" sz="2800" b="0" strike="noStrike" spc="-1">
               <a:solidFill>
                 <a:srgbClr val="000000"/>
               </a:solidFill>
@@ -3592,11 +3862,12 @@
           </a:prstGeom>
         </p:spPr>
         <p:txBody>
-          <a:bodyPr lIns="0" rIns="0" tIns="0" bIns="0">
+          <a:bodyPr lIns="0" tIns="0" rIns="0" bIns="0">
             <a:normAutofit/>
           </a:bodyPr>
-          <a:p>
-            <a:endParaRPr b="0" lang="pt-PT" sz="2800" spc="-1" strike="noStrike">
+          <a:lstStyle/>
+          <a:p>
+            <a:endParaRPr lang="pt-PT" sz="2800" b="0" strike="noStrike" spc="-1">
               <a:solidFill>
                 <a:srgbClr val="000000"/>
               </a:solidFill>
@@ -3625,11 +3896,12 @@
           </a:prstGeom>
         </p:spPr>
         <p:txBody>
-          <a:bodyPr lIns="0" rIns="0" tIns="0" bIns="0">
+          <a:bodyPr lIns="0" tIns="0" rIns="0" bIns="0">
             <a:normAutofit/>
           </a:bodyPr>
-          <a:p>
-            <a:endParaRPr b="0" lang="pt-PT" sz="2800" spc="-1" strike="noStrike">
+          <a:lstStyle/>
+          <a:p>
+            <a:endParaRPr lang="pt-PT" sz="2800" b="0" strike="noStrike" spc="-1">
               <a:solidFill>
                 <a:srgbClr val="000000"/>
               </a:solidFill>
@@ -3658,11 +3930,12 @@
           </a:prstGeom>
         </p:spPr>
         <p:txBody>
-          <a:bodyPr lIns="0" rIns="0" tIns="0" bIns="0">
+          <a:bodyPr lIns="0" tIns="0" rIns="0" bIns="0">
             <a:normAutofit/>
           </a:bodyPr>
-          <a:p>
-            <a:endParaRPr b="0" lang="pt-PT" sz="2800" spc="-1" strike="noStrike">
+          <a:lstStyle/>
+          <a:p>
+            <a:endParaRPr lang="pt-PT" sz="2800" b="0" strike="noStrike" spc="-1">
               <a:solidFill>
                 <a:srgbClr val="000000"/>
               </a:solidFill>
@@ -3673,11 +3946,14 @@
       </p:sp>
     </p:spTree>
   </p:cSld>
+  <p:clrMapOvr>
+    <a:masterClrMapping/>
+  </p:clrMapOvr>
 </p:sldLayout>
 </file>
 
 <file path=ppt/slideLayouts/slideLayout4.xml><?xml version="1.0" encoding="utf-8"?>
-<p:sldLayout xmlns:a="http://schemas.openxmlformats.org/drawingml/2006/main" xmlns:p="http://schemas.openxmlformats.org/presentationml/2006/main" xmlns:r="http://schemas.openxmlformats.org/officeDocument/2006/relationships" xmlns:p14="http://schemas.microsoft.com/office/powerpoint/2010/main" xmlns:p15="http://schemas.microsoft.com/office/powerpoint/2012/main" xmlns:mc="http://schemas.openxmlformats.org/markup-compatibility/2006" type="twoObj" preserve="1">
+<p:sldLayout xmlns:a="http://schemas.openxmlformats.org/drawingml/2006/main" xmlns:r="http://schemas.openxmlformats.org/officeDocument/2006/relationships" xmlns:p="http://schemas.openxmlformats.org/presentationml/2006/main" type="twoObj" preserve="1">
   <p:cSld name="Title, 2 Content">
     <p:spTree>
       <p:nvGrpSpPr>
@@ -3713,11 +3989,12 @@
           </a:prstGeom>
         </p:spPr>
         <p:txBody>
-          <a:bodyPr lIns="0" rIns="0" tIns="0" bIns="0" anchor="ctr">
+          <a:bodyPr lIns="0" tIns="0" rIns="0" bIns="0" anchor="ctr">
             <a:noAutofit/>
           </a:bodyPr>
-          <a:p>
-            <a:endParaRPr b="0" lang="pt-PT" sz="1800" spc="-1" strike="noStrike">
+          <a:lstStyle/>
+          <a:p>
+            <a:endParaRPr lang="pt-PT" sz="1800" b="0" strike="noStrike" spc="-1">
               <a:solidFill>
                 <a:srgbClr val="000000"/>
               </a:solidFill>
@@ -3746,11 +4023,12 @@
           </a:prstGeom>
         </p:spPr>
         <p:txBody>
-          <a:bodyPr lIns="0" rIns="0" tIns="0" bIns="0">
+          <a:bodyPr lIns="0" tIns="0" rIns="0" bIns="0">
             <a:normAutofit/>
           </a:bodyPr>
-          <a:p>
-            <a:endParaRPr b="0" lang="pt-PT" sz="2800" spc="-1" strike="noStrike">
+          <a:lstStyle/>
+          <a:p>
+            <a:endParaRPr lang="pt-PT" sz="2800" b="0" strike="noStrike" spc="-1">
               <a:solidFill>
                 <a:srgbClr val="000000"/>
               </a:solidFill>
@@ -3779,11 +4057,12 @@
           </a:prstGeom>
         </p:spPr>
         <p:txBody>
-          <a:bodyPr lIns="0" rIns="0" tIns="0" bIns="0">
+          <a:bodyPr lIns="0" tIns="0" rIns="0" bIns="0">
             <a:normAutofit/>
           </a:bodyPr>
-          <a:p>
-            <a:endParaRPr b="0" lang="pt-PT" sz="2800" spc="-1" strike="noStrike">
+          <a:lstStyle/>
+          <a:p>
+            <a:endParaRPr lang="pt-PT" sz="2800" b="0" strike="noStrike" spc="-1">
               <a:solidFill>
                 <a:srgbClr val="000000"/>
               </a:solidFill>
@@ -3794,11 +4073,14 @@
       </p:sp>
     </p:spTree>
   </p:cSld>
+  <p:clrMapOvr>
+    <a:masterClrMapping/>
+  </p:clrMapOvr>
 </p:sldLayout>
 </file>
 
 <file path=ppt/slideLayouts/slideLayout5.xml><?xml version="1.0" encoding="utf-8"?>
-<p:sldLayout xmlns:a="http://schemas.openxmlformats.org/drawingml/2006/main" xmlns:p="http://schemas.openxmlformats.org/presentationml/2006/main" xmlns:r="http://schemas.openxmlformats.org/officeDocument/2006/relationships" xmlns:p14="http://schemas.microsoft.com/office/powerpoint/2010/main" xmlns:p15="http://schemas.microsoft.com/office/powerpoint/2012/main" xmlns:mc="http://schemas.openxmlformats.org/markup-compatibility/2006" type="titleOnly" preserve="1">
+<p:sldLayout xmlns:a="http://schemas.openxmlformats.org/drawingml/2006/main" xmlns:r="http://schemas.openxmlformats.org/officeDocument/2006/relationships" xmlns:p="http://schemas.openxmlformats.org/presentationml/2006/main" type="titleOnly" preserve="1">
   <p:cSld name="Title Only">
     <p:spTree>
       <p:nvGrpSpPr>
@@ -3834,11 +4116,12 @@
           </a:prstGeom>
         </p:spPr>
         <p:txBody>
-          <a:bodyPr lIns="0" rIns="0" tIns="0" bIns="0" anchor="ctr">
+          <a:bodyPr lIns="0" tIns="0" rIns="0" bIns="0" anchor="ctr">
             <a:noAutofit/>
           </a:bodyPr>
-          <a:p>
-            <a:endParaRPr b="0" lang="pt-PT" sz="1800" spc="-1" strike="noStrike">
+          <a:lstStyle/>
+          <a:p>
+            <a:endParaRPr lang="pt-PT" sz="1800" b="0" strike="noStrike" spc="-1">
               <a:solidFill>
                 <a:srgbClr val="000000"/>
               </a:solidFill>
@@ -3849,11 +4132,14 @@
       </p:sp>
     </p:spTree>
   </p:cSld>
+  <p:clrMapOvr>
+    <a:masterClrMapping/>
+  </p:clrMapOvr>
 </p:sldLayout>
 </file>
 
 <file path=ppt/slideLayouts/slideLayout6.xml><?xml version="1.0" encoding="utf-8"?>
-<p:sldLayout xmlns:a="http://schemas.openxmlformats.org/drawingml/2006/main" xmlns:p="http://schemas.openxmlformats.org/presentationml/2006/main" xmlns:r="http://schemas.openxmlformats.org/officeDocument/2006/relationships" xmlns:p14="http://schemas.microsoft.com/office/powerpoint/2010/main" xmlns:p15="http://schemas.microsoft.com/office/powerpoint/2012/main" xmlns:mc="http://schemas.openxmlformats.org/markup-compatibility/2006" type="objOnly" preserve="1">
+<p:sldLayout xmlns:a="http://schemas.openxmlformats.org/drawingml/2006/main" xmlns:r="http://schemas.openxmlformats.org/officeDocument/2006/relationships" xmlns:p="http://schemas.openxmlformats.org/presentationml/2006/main" type="objOnly" preserve="1">
   <p:cSld name="Centered Text">
     <p:spTree>
       <p:nvGrpSpPr>
@@ -3889,12 +4175,13 @@
           </a:prstGeom>
         </p:spPr>
         <p:txBody>
-          <a:bodyPr lIns="0" rIns="0" tIns="0" bIns="0" anchor="ctr">
+          <a:bodyPr lIns="0" tIns="0" rIns="0" bIns="0" anchor="ctr">
             <a:noAutofit/>
           </a:bodyPr>
+          <a:lstStyle/>
           <a:p>
             <a:pPr algn="ctr"/>
-            <a:endParaRPr b="0" lang="pt-PT" sz="3200" spc="-1" strike="noStrike">
+            <a:endParaRPr lang="pt-PT" sz="3200" b="0" strike="noStrike" spc="-1">
               <a:latin typeface="Arial"/>
             </a:endParaRPr>
           </a:p>
@@ -3902,11 +4189,14 @@
       </p:sp>
     </p:spTree>
   </p:cSld>
+  <p:clrMapOvr>
+    <a:masterClrMapping/>
+  </p:clrMapOvr>
 </p:sldLayout>
 </file>
 
 <file path=ppt/slideLayouts/slideLayout7.xml><?xml version="1.0" encoding="utf-8"?>
-<p:sldLayout xmlns:a="http://schemas.openxmlformats.org/drawingml/2006/main" xmlns:p="http://schemas.openxmlformats.org/presentationml/2006/main" xmlns:r="http://schemas.openxmlformats.org/officeDocument/2006/relationships" xmlns:p14="http://schemas.microsoft.com/office/powerpoint/2010/main" xmlns:p15="http://schemas.microsoft.com/office/powerpoint/2012/main" xmlns:mc="http://schemas.openxmlformats.org/markup-compatibility/2006" type="twoObjAndObj" preserve="1">
+<p:sldLayout xmlns:a="http://schemas.openxmlformats.org/drawingml/2006/main" xmlns:r="http://schemas.openxmlformats.org/officeDocument/2006/relationships" xmlns:p="http://schemas.openxmlformats.org/presentationml/2006/main" type="twoObjAndObj" preserve="1">
   <p:cSld name="Title, 2 Content and Content">
     <p:spTree>
       <p:nvGrpSpPr>
@@ -3942,11 +4232,12 @@
           </a:prstGeom>
         </p:spPr>
         <p:txBody>
-          <a:bodyPr lIns="0" rIns="0" tIns="0" bIns="0" anchor="ctr">
+          <a:bodyPr lIns="0" tIns="0" rIns="0" bIns="0" anchor="ctr">
             <a:noAutofit/>
           </a:bodyPr>
-          <a:p>
-            <a:endParaRPr b="0" lang="pt-PT" sz="1800" spc="-1" strike="noStrike">
+          <a:lstStyle/>
+          <a:p>
+            <a:endParaRPr lang="pt-PT" sz="1800" b="0" strike="noStrike" spc="-1">
               <a:solidFill>
                 <a:srgbClr val="000000"/>
               </a:solidFill>
@@ -3975,11 +4266,12 @@
           </a:prstGeom>
         </p:spPr>
         <p:txBody>
-          <a:bodyPr lIns="0" rIns="0" tIns="0" bIns="0">
+          <a:bodyPr lIns="0" tIns="0" rIns="0" bIns="0">
             <a:normAutofit/>
           </a:bodyPr>
-          <a:p>
-            <a:endParaRPr b="0" lang="pt-PT" sz="2800" spc="-1" strike="noStrike">
+          <a:lstStyle/>
+          <a:p>
+            <a:endParaRPr lang="pt-PT" sz="2800" b="0" strike="noStrike" spc="-1">
               <a:solidFill>
                 <a:srgbClr val="000000"/>
               </a:solidFill>
@@ -4008,11 +4300,12 @@
           </a:prstGeom>
         </p:spPr>
         <p:txBody>
-          <a:bodyPr lIns="0" rIns="0" tIns="0" bIns="0">
+          <a:bodyPr lIns="0" tIns="0" rIns="0" bIns="0">
             <a:normAutofit/>
           </a:bodyPr>
-          <a:p>
-            <a:endParaRPr b="0" lang="pt-PT" sz="2800" spc="-1" strike="noStrike">
+          <a:lstStyle/>
+          <a:p>
+            <a:endParaRPr lang="pt-PT" sz="2800" b="0" strike="noStrike" spc="-1">
               <a:solidFill>
                 <a:srgbClr val="000000"/>
               </a:solidFill>
@@ -4041,11 +4334,12 @@
           </a:prstGeom>
         </p:spPr>
         <p:txBody>
-          <a:bodyPr lIns="0" rIns="0" tIns="0" bIns="0">
+          <a:bodyPr lIns="0" tIns="0" rIns="0" bIns="0">
             <a:normAutofit/>
           </a:bodyPr>
-          <a:p>
-            <a:endParaRPr b="0" lang="pt-PT" sz="2800" spc="-1" strike="noStrike">
+          <a:lstStyle/>
+          <a:p>
+            <a:endParaRPr lang="pt-PT" sz="2800" b="0" strike="noStrike" spc="-1">
               <a:solidFill>
                 <a:srgbClr val="000000"/>
               </a:solidFill>
@@ -4056,11 +4350,14 @@
       </p:sp>
     </p:spTree>
   </p:cSld>
+  <p:clrMapOvr>
+    <a:masterClrMapping/>
+  </p:clrMapOvr>
 </p:sldLayout>
 </file>
 
 <file path=ppt/slideLayouts/slideLayout8.xml><?xml version="1.0" encoding="utf-8"?>
-<p:sldLayout xmlns:a="http://schemas.openxmlformats.org/drawingml/2006/main" xmlns:p="http://schemas.openxmlformats.org/presentationml/2006/main" xmlns:r="http://schemas.openxmlformats.org/officeDocument/2006/relationships" xmlns:p14="http://schemas.microsoft.com/office/powerpoint/2010/main" xmlns:p15="http://schemas.microsoft.com/office/powerpoint/2012/main" xmlns:mc="http://schemas.openxmlformats.org/markup-compatibility/2006" type="objAndTwoObj" preserve="1">
+<p:sldLayout xmlns:a="http://schemas.openxmlformats.org/drawingml/2006/main" xmlns:r="http://schemas.openxmlformats.org/officeDocument/2006/relationships" xmlns:p="http://schemas.openxmlformats.org/presentationml/2006/main" type="objAndTwoObj" preserve="1">
   <p:cSld name="Title Content and 2 Content">
     <p:spTree>
       <p:nvGrpSpPr>
@@ -4096,11 +4393,12 @@
           </a:prstGeom>
         </p:spPr>
         <p:txBody>
-          <a:bodyPr lIns="0" rIns="0" tIns="0" bIns="0" anchor="ctr">
+          <a:bodyPr lIns="0" tIns="0" rIns="0" bIns="0" anchor="ctr">
             <a:noAutofit/>
           </a:bodyPr>
-          <a:p>
-            <a:endParaRPr b="0" lang="pt-PT" sz="1800" spc="-1" strike="noStrike">
+          <a:lstStyle/>
+          <a:p>
+            <a:endParaRPr lang="pt-PT" sz="1800" b="0" strike="noStrike" spc="-1">
               <a:solidFill>
                 <a:srgbClr val="000000"/>
               </a:solidFill>
@@ -4129,11 +4427,12 @@
           </a:prstGeom>
         </p:spPr>
         <p:txBody>
-          <a:bodyPr lIns="0" rIns="0" tIns="0" bIns="0">
+          <a:bodyPr lIns="0" tIns="0" rIns="0" bIns="0">
             <a:normAutofit/>
           </a:bodyPr>
-          <a:p>
-            <a:endParaRPr b="0" lang="pt-PT" sz="2800" spc="-1" strike="noStrike">
+          <a:lstStyle/>
+          <a:p>
+            <a:endParaRPr lang="pt-PT" sz="2800" b="0" strike="noStrike" spc="-1">
               <a:solidFill>
                 <a:srgbClr val="000000"/>
               </a:solidFill>
@@ -4162,11 +4461,12 @@
           </a:prstGeom>
         </p:spPr>
         <p:txBody>
-          <a:bodyPr lIns="0" rIns="0" tIns="0" bIns="0">
+          <a:bodyPr lIns="0" tIns="0" rIns="0" bIns="0">
             <a:normAutofit/>
           </a:bodyPr>
-          <a:p>
-            <a:endParaRPr b="0" lang="pt-PT" sz="2800" spc="-1" strike="noStrike">
+          <a:lstStyle/>
+          <a:p>
+            <a:endParaRPr lang="pt-PT" sz="2800" b="0" strike="noStrike" spc="-1">
               <a:solidFill>
                 <a:srgbClr val="000000"/>
               </a:solidFill>
@@ -4195,11 +4495,12 @@
           </a:prstGeom>
         </p:spPr>
         <p:txBody>
-          <a:bodyPr lIns="0" rIns="0" tIns="0" bIns="0">
+          <a:bodyPr lIns="0" tIns="0" rIns="0" bIns="0">
             <a:normAutofit/>
           </a:bodyPr>
-          <a:p>
-            <a:endParaRPr b="0" lang="pt-PT" sz="2800" spc="-1" strike="noStrike">
+          <a:lstStyle/>
+          <a:p>
+            <a:endParaRPr lang="pt-PT" sz="2800" b="0" strike="noStrike" spc="-1">
               <a:solidFill>
                 <a:srgbClr val="000000"/>
               </a:solidFill>
@@ -4210,11 +4511,14 @@
       </p:sp>
     </p:spTree>
   </p:cSld>
+  <p:clrMapOvr>
+    <a:masterClrMapping/>
+  </p:clrMapOvr>
 </p:sldLayout>
 </file>
 
 <file path=ppt/slideLayouts/slideLayout9.xml><?xml version="1.0" encoding="utf-8"?>
-<p:sldLayout xmlns:a="http://schemas.openxmlformats.org/drawingml/2006/main" xmlns:p="http://schemas.openxmlformats.org/presentationml/2006/main" xmlns:r="http://schemas.openxmlformats.org/officeDocument/2006/relationships" xmlns:p14="http://schemas.microsoft.com/office/powerpoint/2010/main" xmlns:p15="http://schemas.microsoft.com/office/powerpoint/2012/main" xmlns:mc="http://schemas.openxmlformats.org/markup-compatibility/2006" type="twoObjOverTx" preserve="1">
+<p:sldLayout xmlns:a="http://schemas.openxmlformats.org/drawingml/2006/main" xmlns:r="http://schemas.openxmlformats.org/officeDocument/2006/relationships" xmlns:p="http://schemas.openxmlformats.org/presentationml/2006/main" type="twoObjOverTx" preserve="1">
   <p:cSld name="Title, 2 Content over Content">
     <p:spTree>
       <p:nvGrpSpPr>
@@ -4250,11 +4554,12 @@
           </a:prstGeom>
         </p:spPr>
         <p:txBody>
-          <a:bodyPr lIns="0" rIns="0" tIns="0" bIns="0" anchor="ctr">
+          <a:bodyPr lIns="0" tIns="0" rIns="0" bIns="0" anchor="ctr">
             <a:noAutofit/>
           </a:bodyPr>
-          <a:p>
-            <a:endParaRPr b="0" lang="pt-PT" sz="1800" spc="-1" strike="noStrike">
+          <a:lstStyle/>
+          <a:p>
+            <a:endParaRPr lang="pt-PT" sz="1800" b="0" strike="noStrike" spc="-1">
               <a:solidFill>
                 <a:srgbClr val="000000"/>
               </a:solidFill>
@@ -4283,11 +4588,12 @@
           </a:prstGeom>
         </p:spPr>
         <p:txBody>
-          <a:bodyPr lIns="0" rIns="0" tIns="0" bIns="0">
+          <a:bodyPr lIns="0" tIns="0" rIns="0" bIns="0">
             <a:normAutofit/>
           </a:bodyPr>
-          <a:p>
-            <a:endParaRPr b="0" lang="pt-PT" sz="2800" spc="-1" strike="noStrike">
+          <a:lstStyle/>
+          <a:p>
+            <a:endParaRPr lang="pt-PT" sz="2800" b="0" strike="noStrike" spc="-1">
               <a:solidFill>
                 <a:srgbClr val="000000"/>
               </a:solidFill>
@@ -4316,11 +4622,12 @@
           </a:prstGeom>
         </p:spPr>
         <p:txBody>
-          <a:bodyPr lIns="0" rIns="0" tIns="0" bIns="0">
+          <a:bodyPr lIns="0" tIns="0" rIns="0" bIns="0">
             <a:normAutofit/>
           </a:bodyPr>
-          <a:p>
-            <a:endParaRPr b="0" lang="pt-PT" sz="2800" spc="-1" strike="noStrike">
+          <a:lstStyle/>
+          <a:p>
+            <a:endParaRPr lang="pt-PT" sz="2800" b="0" strike="noStrike" spc="-1">
               <a:solidFill>
                 <a:srgbClr val="000000"/>
               </a:solidFill>
@@ -4349,11 +4656,12 @@
           </a:prstGeom>
         </p:spPr>
         <p:txBody>
-          <a:bodyPr lIns="0" rIns="0" tIns="0" bIns="0">
+          <a:bodyPr lIns="0" tIns="0" rIns="0" bIns="0">
             <a:normAutofit/>
           </a:bodyPr>
-          <a:p>
-            <a:endParaRPr b="0" lang="pt-PT" sz="2800" spc="-1" strike="noStrike">
+          <a:lstStyle/>
+          <a:p>
+            <a:endParaRPr lang="pt-PT" sz="2800" b="0" strike="noStrike" spc="-1">
               <a:solidFill>
                 <a:srgbClr val="000000"/>
               </a:solidFill>
@@ -4364,17 +4672,21 @@
       </p:sp>
     </p:spTree>
   </p:cSld>
+  <p:clrMapOvr>
+    <a:masterClrMapping/>
+  </p:clrMapOvr>
 </p:sldLayout>
 </file>
 
 <file path=ppt/slideMasters/slideMaster1.xml><?xml version="1.0" encoding="utf-8"?>
-<p:sldMaster xmlns:a="http://schemas.openxmlformats.org/drawingml/2006/main" xmlns:p="http://schemas.openxmlformats.org/presentationml/2006/main" xmlns:r="http://schemas.openxmlformats.org/officeDocument/2006/relationships" xmlns:p14="http://schemas.microsoft.com/office/powerpoint/2010/main" xmlns:p15="http://schemas.microsoft.com/office/powerpoint/2012/main" xmlns:mc="http://schemas.openxmlformats.org/markup-compatibility/2006">
+<p:sldMaster xmlns:a="http://schemas.openxmlformats.org/drawingml/2006/main" xmlns:r="http://schemas.openxmlformats.org/officeDocument/2006/relationships" xmlns:p="http://schemas.openxmlformats.org/presentationml/2006/main">
   <p:cSld>
     <p:bg>
       <p:bgPr>
         <a:solidFill>
-          <a:srgbClr val="ffffff"/>
+          <a:srgbClr val="FFFFFF"/>
         </a:solidFill>
+        <a:effectLst/>
       </p:bgPr>
     </p:bg>
     <p:spTree>
@@ -4393,7 +4705,7 @@
       </p:grpSpPr>
       <p:sp>
         <p:nvSpPr>
-          <p:cNvPr id="0" name="PlaceHolder 1"/>
+          <p:cNvPr id="2" name="PlaceHolder 1"/>
           <p:cNvSpPr>
             <a:spLocks noGrp="1"/>
           </p:cNvSpPr>
@@ -4411,12 +4723,13 @@
           </a:prstGeom>
         </p:spPr>
         <p:txBody>
-          <a:bodyPr lIns="0" rIns="0" tIns="0" bIns="0" anchor="ctr">
+          <a:bodyPr lIns="0" tIns="0" rIns="0" bIns="0" anchor="ctr">
             <a:noAutofit/>
           </a:bodyPr>
-          <a:p>
-            <a:r>
-              <a:rPr b="0" lang="pt-PT" sz="1800" spc="-1" strike="noStrike">
+          <a:lstStyle/>
+          <a:p>
+            <a:r>
+              <a:rPr lang="pt-PT" sz="1800" b="0" strike="noStrike" spc="-1">
                 <a:solidFill>
                   <a:srgbClr val="000000"/>
                 </a:solidFill>
@@ -4424,18 +4737,12 @@
               </a:rPr>
               <a:t>Clique para editar o formato do título</a:t>
             </a:r>
-            <a:endParaRPr b="0" lang="pt-PT" sz="1800" spc="-1" strike="noStrike">
-              <a:solidFill>
-                <a:srgbClr val="000000"/>
-              </a:solidFill>
-              <a:latin typeface="Arial"/>
-            </a:endParaRPr>
-          </a:p>
-        </p:txBody>
-      </p:sp>
-      <p:sp>
-        <p:nvSpPr>
-          <p:cNvPr id="1" name="PlaceHolder 2"/>
+          </a:p>
+        </p:txBody>
+      </p:sp>
+      <p:sp>
+        <p:nvSpPr>
+          <p:cNvPr id="3" name="PlaceHolder 2"/>
           <p:cNvSpPr>
             <a:spLocks noGrp="1"/>
           </p:cNvSpPr>
@@ -4453,9 +4760,10 @@
           </a:prstGeom>
         </p:spPr>
         <p:txBody>
-          <a:bodyPr lIns="0" rIns="0" tIns="0" bIns="0">
+          <a:bodyPr lIns="0" tIns="0" rIns="0" bIns="0">
             <a:normAutofit/>
           </a:bodyPr>
+          <a:lstStyle/>
           <a:p>
             <a:pPr marL="432000" indent="-324000">
               <a:spcBef>
@@ -4469,7 +4777,7 @@
               <a:buChar char=""/>
             </a:pPr>
             <a:r>
-              <a:rPr b="0" lang="pt-PT" sz="2800" spc="-1" strike="noStrike">
+              <a:rPr lang="pt-PT" sz="2800" b="0" strike="noStrike" spc="-1">
                 <a:solidFill>
                   <a:srgbClr val="000000"/>
                 </a:solidFill>
@@ -4477,15 +4785,9 @@
               </a:rPr>
               <a:t>Clique para editar o formato de texto dos tópicos</a:t>
             </a:r>
-            <a:endParaRPr b="0" lang="pt-PT" sz="2800" spc="-1" strike="noStrike">
-              <a:solidFill>
-                <a:srgbClr val="000000"/>
-              </a:solidFill>
-              <a:latin typeface="Arial"/>
-            </a:endParaRPr>
-          </a:p>
-          <a:p>
-            <a:pPr lvl="1" marL="864000" indent="-324000">
+          </a:p>
+          <a:p>
+            <a:pPr marL="864000" lvl="1" indent="-324000">
               <a:spcBef>
                 <a:spcPts val="1134"/>
               </a:spcBef>
@@ -4497,7 +4799,7 @@
               <a:buChar char=""/>
             </a:pPr>
             <a:r>
-              <a:rPr b="0" lang="pt-PT" sz="2000" spc="-1" strike="noStrike">
+              <a:rPr lang="pt-PT" sz="2000" b="0" strike="noStrike" spc="-1">
                 <a:solidFill>
                   <a:srgbClr val="000000"/>
                 </a:solidFill>
@@ -4505,15 +4807,9 @@
               </a:rPr>
               <a:t>Segundo nível de tópicos</a:t>
             </a:r>
-            <a:endParaRPr b="0" lang="pt-PT" sz="2000" spc="-1" strike="noStrike">
-              <a:solidFill>
-                <a:srgbClr val="000000"/>
-              </a:solidFill>
-              <a:latin typeface="Arial"/>
-            </a:endParaRPr>
-          </a:p>
-          <a:p>
-            <a:pPr lvl="2" marL="1296000" indent="-288000">
+          </a:p>
+          <a:p>
+            <a:pPr marL="1296000" lvl="2" indent="-288000">
               <a:spcBef>
                 <a:spcPts val="850"/>
               </a:spcBef>
@@ -4525,7 +4821,7 @@
               <a:buChar char=""/>
             </a:pPr>
             <a:r>
-              <a:rPr b="0" lang="pt-PT" sz="1800" spc="-1" strike="noStrike">
+              <a:rPr lang="pt-PT" sz="1800" b="0" strike="noStrike" spc="-1">
                 <a:solidFill>
                   <a:srgbClr val="000000"/>
                 </a:solidFill>
@@ -4533,15 +4829,9 @@
               </a:rPr>
               <a:t>Terceiro nível de tópicos</a:t>
             </a:r>
-            <a:endParaRPr b="0" lang="pt-PT" sz="1800" spc="-1" strike="noStrike">
-              <a:solidFill>
-                <a:srgbClr val="000000"/>
-              </a:solidFill>
-              <a:latin typeface="Arial"/>
-            </a:endParaRPr>
-          </a:p>
-          <a:p>
-            <a:pPr lvl="3" marL="1728000" indent="-216000">
+          </a:p>
+          <a:p>
+            <a:pPr marL="1728000" lvl="3" indent="-216000">
               <a:spcBef>
                 <a:spcPts val="567"/>
               </a:spcBef>
@@ -4553,7 +4843,7 @@
               <a:buChar char=""/>
             </a:pPr>
             <a:r>
-              <a:rPr b="0" lang="pt-PT" sz="1800" spc="-1" strike="noStrike">
+              <a:rPr lang="pt-PT" sz="1800" b="0" strike="noStrike" spc="-1">
                 <a:solidFill>
                   <a:srgbClr val="000000"/>
                 </a:solidFill>
@@ -4561,15 +4851,9 @@
               </a:rPr>
               <a:t>Quarto nível de tópicos</a:t>
             </a:r>
-            <a:endParaRPr b="0" lang="pt-PT" sz="1800" spc="-1" strike="noStrike">
-              <a:solidFill>
-                <a:srgbClr val="000000"/>
-              </a:solidFill>
-              <a:latin typeface="Arial"/>
-            </a:endParaRPr>
-          </a:p>
-          <a:p>
-            <a:pPr lvl="4" marL="2160000" indent="-216000">
+          </a:p>
+          <a:p>
+            <a:pPr marL="2160000" lvl="4" indent="-216000">
               <a:spcBef>
                 <a:spcPts val="283"/>
               </a:spcBef>
@@ -4581,7 +4865,7 @@
               <a:buChar char=""/>
             </a:pPr>
             <a:r>
-              <a:rPr b="0" lang="pt-PT" sz="2000" spc="-1" strike="noStrike">
+              <a:rPr lang="pt-PT" sz="2000" b="0" strike="noStrike" spc="-1">
                 <a:solidFill>
                   <a:srgbClr val="000000"/>
                 </a:solidFill>
@@ -4589,15 +4873,9 @@
               </a:rPr>
               <a:t>Quinto nível de tópicos</a:t>
             </a:r>
-            <a:endParaRPr b="0" lang="pt-PT" sz="2000" spc="-1" strike="noStrike">
-              <a:solidFill>
-                <a:srgbClr val="000000"/>
-              </a:solidFill>
-              <a:latin typeface="Arial"/>
-            </a:endParaRPr>
-          </a:p>
-          <a:p>
-            <a:pPr lvl="5" marL="2592000" indent="-216000">
+          </a:p>
+          <a:p>
+            <a:pPr marL="2592000" lvl="5" indent="-216000">
               <a:spcBef>
                 <a:spcPts val="283"/>
               </a:spcBef>
@@ -4609,7 +4887,7 @@
               <a:buChar char=""/>
             </a:pPr>
             <a:r>
-              <a:rPr b="0" lang="pt-PT" sz="2000" spc="-1" strike="noStrike">
+              <a:rPr lang="pt-PT" sz="2000" b="0" strike="noStrike" spc="-1">
                 <a:solidFill>
                   <a:srgbClr val="000000"/>
                 </a:solidFill>
@@ -4617,15 +4895,9 @@
               </a:rPr>
               <a:t>Sexto nível de tópicos</a:t>
             </a:r>
-            <a:endParaRPr b="0" lang="pt-PT" sz="2000" spc="-1" strike="noStrike">
-              <a:solidFill>
-                <a:srgbClr val="000000"/>
-              </a:solidFill>
-              <a:latin typeface="Arial"/>
-            </a:endParaRPr>
-          </a:p>
-          <a:p>
-            <a:pPr lvl="6" marL="3024000" indent="-216000">
+          </a:p>
+          <a:p>
+            <a:pPr marL="3024000" lvl="6" indent="-216000">
               <a:spcBef>
                 <a:spcPts val="283"/>
               </a:spcBef>
@@ -4637,7 +4909,7 @@
               <a:buChar char=""/>
             </a:pPr>
             <a:r>
-              <a:rPr b="0" lang="pt-PT" sz="2000" spc="-1" strike="noStrike">
+              <a:rPr lang="pt-PT" sz="2000" b="0" strike="noStrike" spc="-1">
                 <a:solidFill>
                   <a:srgbClr val="000000"/>
                 </a:solidFill>
@@ -4645,43 +4917,318 @@
               </a:rPr>
               <a:t>Sétimo nível de tópicos</a:t>
             </a:r>
-            <a:endParaRPr b="0" lang="pt-PT" sz="2000" spc="-1" strike="noStrike">
-              <a:solidFill>
-                <a:srgbClr val="000000"/>
-              </a:solidFill>
-              <a:latin typeface="Arial"/>
-            </a:endParaRPr>
           </a:p>
         </p:txBody>
       </p:sp>
     </p:spTree>
   </p:cSld>
-  <p:clrMap bg1="lt1" bg2="lt2" tx1="dk1" tx2="dk2" accent1="accent1" accent2="accent2" accent3="accent3" accent4="accent4" accent5="accent5" accent6="accent6" hlink="hlink" folHlink="folHlink"/>
+  <p:clrMap bg1="lt1" tx1="dk1" bg2="lt2" tx2="dk2" accent1="accent1" accent2="accent2" accent3="accent3" accent4="accent4" accent5="accent5" accent6="accent6" hlink="hlink" folHlink="folHlink"/>
   <p:sldLayoutIdLst>
-    <p:sldLayoutId id="2147483649" r:id="rId2"/>
-    <p:sldLayoutId id="2147483650" r:id="rId3"/>
-    <p:sldLayoutId id="2147483651" r:id="rId4"/>
-    <p:sldLayoutId id="2147483652" r:id="rId5"/>
-    <p:sldLayoutId id="2147483653" r:id="rId6"/>
-    <p:sldLayoutId id="2147483654" r:id="rId7"/>
-    <p:sldLayoutId id="2147483655" r:id="rId8"/>
-    <p:sldLayoutId id="2147483656" r:id="rId9"/>
-    <p:sldLayoutId id="2147483657" r:id="rId10"/>
-    <p:sldLayoutId id="2147483658" r:id="rId11"/>
-    <p:sldLayoutId id="2147483659" r:id="rId12"/>
-    <p:sldLayoutId id="2147483660" r:id="rId13"/>
+    <p:sldLayoutId id="2147483649" r:id="rId1"/>
+    <p:sldLayoutId id="2147483650" r:id="rId2"/>
+    <p:sldLayoutId id="2147483651" r:id="rId3"/>
+    <p:sldLayoutId id="2147483652" r:id="rId4"/>
+    <p:sldLayoutId id="2147483653" r:id="rId5"/>
+    <p:sldLayoutId id="2147483654" r:id="rId6"/>
+    <p:sldLayoutId id="2147483655" r:id="rId7"/>
+    <p:sldLayoutId id="2147483656" r:id="rId8"/>
+    <p:sldLayoutId id="2147483657" r:id="rId9"/>
+    <p:sldLayoutId id="2147483658" r:id="rId10"/>
+    <p:sldLayoutId id="2147483659" r:id="rId11"/>
+    <p:sldLayoutId id="2147483660" r:id="rId12"/>
   </p:sldLayoutIdLst>
+  <p:txStyles>
+    <p:titleStyle>
+      <a:lvl1pPr algn="l" defTabSz="914400" rtl="0" eaLnBrk="1" latinLnBrk="0" hangingPunct="1">
+        <a:lnSpc>
+          <a:spcPct val="90000"/>
+        </a:lnSpc>
+        <a:spcBef>
+          <a:spcPct val="0"/>
+        </a:spcBef>
+        <a:buNone/>
+        <a:defRPr sz="4400" kern="1200">
+          <a:solidFill>
+            <a:schemeClr val="tx1"/>
+          </a:solidFill>
+          <a:latin typeface="+mj-lt"/>
+          <a:ea typeface="+mj-ea"/>
+          <a:cs typeface="+mj-cs"/>
+        </a:defRPr>
+      </a:lvl1pPr>
+    </p:titleStyle>
+    <p:bodyStyle>
+      <a:lvl1pPr marL="228600" indent="-228600" algn="l" defTabSz="914400" rtl="0" eaLnBrk="1" latinLnBrk="0" hangingPunct="1">
+        <a:lnSpc>
+          <a:spcPct val="90000"/>
+        </a:lnSpc>
+        <a:spcBef>
+          <a:spcPts val="1000"/>
+        </a:spcBef>
+        <a:buFont typeface="Arial" panose="020B0604020202020204" pitchFamily="34" charset="0"/>
+        <a:buChar char="•"/>
+        <a:defRPr sz="2800" kern="1200">
+          <a:solidFill>
+            <a:schemeClr val="tx1"/>
+          </a:solidFill>
+          <a:latin typeface="+mn-lt"/>
+          <a:ea typeface="+mn-ea"/>
+          <a:cs typeface="+mn-cs"/>
+        </a:defRPr>
+      </a:lvl1pPr>
+      <a:lvl2pPr marL="685800" indent="-228600" algn="l" defTabSz="914400" rtl="0" eaLnBrk="1" latinLnBrk="0" hangingPunct="1">
+        <a:lnSpc>
+          <a:spcPct val="90000"/>
+        </a:lnSpc>
+        <a:spcBef>
+          <a:spcPts val="500"/>
+        </a:spcBef>
+        <a:buFont typeface="Arial" panose="020B0604020202020204" pitchFamily="34" charset="0"/>
+        <a:buChar char="•"/>
+        <a:defRPr sz="2400" kern="1200">
+          <a:solidFill>
+            <a:schemeClr val="tx1"/>
+          </a:solidFill>
+          <a:latin typeface="+mn-lt"/>
+          <a:ea typeface="+mn-ea"/>
+          <a:cs typeface="+mn-cs"/>
+        </a:defRPr>
+      </a:lvl2pPr>
+      <a:lvl3pPr marL="1143000" indent="-228600" algn="l" defTabSz="914400" rtl="0" eaLnBrk="1" latinLnBrk="0" hangingPunct="1">
+        <a:lnSpc>
+          <a:spcPct val="90000"/>
+        </a:lnSpc>
+        <a:spcBef>
+          <a:spcPts val="500"/>
+        </a:spcBef>
+        <a:buFont typeface="Arial" panose="020B0604020202020204" pitchFamily="34" charset="0"/>
+        <a:buChar char="•"/>
+        <a:defRPr sz="2000" kern="1200">
+          <a:solidFill>
+            <a:schemeClr val="tx1"/>
+          </a:solidFill>
+          <a:latin typeface="+mn-lt"/>
+          <a:ea typeface="+mn-ea"/>
+          <a:cs typeface="+mn-cs"/>
+        </a:defRPr>
+      </a:lvl3pPr>
+      <a:lvl4pPr marL="1600200" indent="-228600" algn="l" defTabSz="914400" rtl="0" eaLnBrk="1" latinLnBrk="0" hangingPunct="1">
+        <a:lnSpc>
+          <a:spcPct val="90000"/>
+        </a:lnSpc>
+        <a:spcBef>
+          <a:spcPts val="500"/>
+        </a:spcBef>
+        <a:buFont typeface="Arial" panose="020B0604020202020204" pitchFamily="34" charset="0"/>
+        <a:buChar char="•"/>
+        <a:defRPr sz="1800" kern="1200">
+          <a:solidFill>
+            <a:schemeClr val="tx1"/>
+          </a:solidFill>
+          <a:latin typeface="+mn-lt"/>
+          <a:ea typeface="+mn-ea"/>
+          <a:cs typeface="+mn-cs"/>
+        </a:defRPr>
+      </a:lvl4pPr>
+      <a:lvl5pPr marL="2057400" indent="-228600" algn="l" defTabSz="914400" rtl="0" eaLnBrk="1" latinLnBrk="0" hangingPunct="1">
+        <a:lnSpc>
+          <a:spcPct val="90000"/>
+        </a:lnSpc>
+        <a:spcBef>
+          <a:spcPts val="500"/>
+        </a:spcBef>
+        <a:buFont typeface="Arial" panose="020B0604020202020204" pitchFamily="34" charset="0"/>
+        <a:buChar char="•"/>
+        <a:defRPr sz="1800" kern="1200">
+          <a:solidFill>
+            <a:schemeClr val="tx1"/>
+          </a:solidFill>
+          <a:latin typeface="+mn-lt"/>
+          <a:ea typeface="+mn-ea"/>
+          <a:cs typeface="+mn-cs"/>
+        </a:defRPr>
+      </a:lvl5pPr>
+      <a:lvl6pPr marL="2514600" indent="-228600" algn="l" defTabSz="914400" rtl="0" eaLnBrk="1" latinLnBrk="0" hangingPunct="1">
+        <a:lnSpc>
+          <a:spcPct val="90000"/>
+        </a:lnSpc>
+        <a:spcBef>
+          <a:spcPts val="500"/>
+        </a:spcBef>
+        <a:buFont typeface="Arial" panose="020B0604020202020204" pitchFamily="34" charset="0"/>
+        <a:buChar char="•"/>
+        <a:defRPr sz="1800" kern="1200">
+          <a:solidFill>
+            <a:schemeClr val="tx1"/>
+          </a:solidFill>
+          <a:latin typeface="+mn-lt"/>
+          <a:ea typeface="+mn-ea"/>
+          <a:cs typeface="+mn-cs"/>
+        </a:defRPr>
+      </a:lvl6pPr>
+      <a:lvl7pPr marL="2971800" indent="-228600" algn="l" defTabSz="914400" rtl="0" eaLnBrk="1" latinLnBrk="0" hangingPunct="1">
+        <a:lnSpc>
+          <a:spcPct val="90000"/>
+        </a:lnSpc>
+        <a:spcBef>
+          <a:spcPts val="500"/>
+        </a:spcBef>
+        <a:buFont typeface="Arial" panose="020B0604020202020204" pitchFamily="34" charset="0"/>
+        <a:buChar char="•"/>
+        <a:defRPr sz="1800" kern="1200">
+          <a:solidFill>
+            <a:schemeClr val="tx1"/>
+          </a:solidFill>
+          <a:latin typeface="+mn-lt"/>
+          <a:ea typeface="+mn-ea"/>
+          <a:cs typeface="+mn-cs"/>
+        </a:defRPr>
+      </a:lvl7pPr>
+      <a:lvl8pPr marL="3429000" indent="-228600" algn="l" defTabSz="914400" rtl="0" eaLnBrk="1" latinLnBrk="0" hangingPunct="1">
+        <a:lnSpc>
+          <a:spcPct val="90000"/>
+        </a:lnSpc>
+        <a:spcBef>
+          <a:spcPts val="500"/>
+        </a:spcBef>
+        <a:buFont typeface="Arial" panose="020B0604020202020204" pitchFamily="34" charset="0"/>
+        <a:buChar char="•"/>
+        <a:defRPr sz="1800" kern="1200">
+          <a:solidFill>
+            <a:schemeClr val="tx1"/>
+          </a:solidFill>
+          <a:latin typeface="+mn-lt"/>
+          <a:ea typeface="+mn-ea"/>
+          <a:cs typeface="+mn-cs"/>
+        </a:defRPr>
+      </a:lvl8pPr>
+      <a:lvl9pPr marL="3886200" indent="-228600" algn="l" defTabSz="914400" rtl="0" eaLnBrk="1" latinLnBrk="0" hangingPunct="1">
+        <a:lnSpc>
+          <a:spcPct val="90000"/>
+        </a:lnSpc>
+        <a:spcBef>
+          <a:spcPts val="500"/>
+        </a:spcBef>
+        <a:buFont typeface="Arial" panose="020B0604020202020204" pitchFamily="34" charset="0"/>
+        <a:buChar char="•"/>
+        <a:defRPr sz="1800" kern="1200">
+          <a:solidFill>
+            <a:schemeClr val="tx1"/>
+          </a:solidFill>
+          <a:latin typeface="+mn-lt"/>
+          <a:ea typeface="+mn-ea"/>
+          <a:cs typeface="+mn-cs"/>
+        </a:defRPr>
+      </a:lvl9pPr>
+    </p:bodyStyle>
+    <p:otherStyle>
+      <a:defPPr>
+        <a:defRPr lang="pt-PT"/>
+      </a:defPPr>
+      <a:lvl1pPr marL="0" algn="l" defTabSz="914400" rtl="0" eaLnBrk="1" latinLnBrk="0" hangingPunct="1">
+        <a:defRPr sz="1800" kern="1200">
+          <a:solidFill>
+            <a:schemeClr val="tx1"/>
+          </a:solidFill>
+          <a:latin typeface="+mn-lt"/>
+          <a:ea typeface="+mn-ea"/>
+          <a:cs typeface="+mn-cs"/>
+        </a:defRPr>
+      </a:lvl1pPr>
+      <a:lvl2pPr marL="457200" algn="l" defTabSz="914400" rtl="0" eaLnBrk="1" latinLnBrk="0" hangingPunct="1">
+        <a:defRPr sz="1800" kern="1200">
+          <a:solidFill>
+            <a:schemeClr val="tx1"/>
+          </a:solidFill>
+          <a:latin typeface="+mn-lt"/>
+          <a:ea typeface="+mn-ea"/>
+          <a:cs typeface="+mn-cs"/>
+        </a:defRPr>
+      </a:lvl2pPr>
+      <a:lvl3pPr marL="914400" algn="l" defTabSz="914400" rtl="0" eaLnBrk="1" latinLnBrk="0" hangingPunct="1">
+        <a:defRPr sz="1800" kern="1200">
+          <a:solidFill>
+            <a:schemeClr val="tx1"/>
+          </a:solidFill>
+          <a:latin typeface="+mn-lt"/>
+          <a:ea typeface="+mn-ea"/>
+          <a:cs typeface="+mn-cs"/>
+        </a:defRPr>
+      </a:lvl3pPr>
+      <a:lvl4pPr marL="1371600" algn="l" defTabSz="914400" rtl="0" eaLnBrk="1" latinLnBrk="0" hangingPunct="1">
+        <a:defRPr sz="1800" kern="1200">
+          <a:solidFill>
+            <a:schemeClr val="tx1"/>
+          </a:solidFill>
+          <a:latin typeface="+mn-lt"/>
+          <a:ea typeface="+mn-ea"/>
+          <a:cs typeface="+mn-cs"/>
+        </a:defRPr>
+      </a:lvl4pPr>
+      <a:lvl5pPr marL="1828800" algn="l" defTabSz="914400" rtl="0" eaLnBrk="1" latinLnBrk="0" hangingPunct="1">
+        <a:defRPr sz="1800" kern="1200">
+          <a:solidFill>
+            <a:schemeClr val="tx1"/>
+          </a:solidFill>
+          <a:latin typeface="+mn-lt"/>
+          <a:ea typeface="+mn-ea"/>
+          <a:cs typeface="+mn-cs"/>
+        </a:defRPr>
+      </a:lvl5pPr>
+      <a:lvl6pPr marL="2286000" algn="l" defTabSz="914400" rtl="0" eaLnBrk="1" latinLnBrk="0" hangingPunct="1">
+        <a:defRPr sz="1800" kern="1200">
+          <a:solidFill>
+            <a:schemeClr val="tx1"/>
+          </a:solidFill>
+          <a:latin typeface="+mn-lt"/>
+          <a:ea typeface="+mn-ea"/>
+          <a:cs typeface="+mn-cs"/>
+        </a:defRPr>
+      </a:lvl6pPr>
+      <a:lvl7pPr marL="2743200" algn="l" defTabSz="914400" rtl="0" eaLnBrk="1" latinLnBrk="0" hangingPunct="1">
+        <a:defRPr sz="1800" kern="1200">
+          <a:solidFill>
+            <a:schemeClr val="tx1"/>
+          </a:solidFill>
+          <a:latin typeface="+mn-lt"/>
+          <a:ea typeface="+mn-ea"/>
+          <a:cs typeface="+mn-cs"/>
+        </a:defRPr>
+      </a:lvl7pPr>
+      <a:lvl8pPr marL="3200400" algn="l" defTabSz="914400" rtl="0" eaLnBrk="1" latinLnBrk="0" hangingPunct="1">
+        <a:defRPr sz="1800" kern="1200">
+          <a:solidFill>
+            <a:schemeClr val="tx1"/>
+          </a:solidFill>
+          <a:latin typeface="+mn-lt"/>
+          <a:ea typeface="+mn-ea"/>
+          <a:cs typeface="+mn-cs"/>
+        </a:defRPr>
+      </a:lvl8pPr>
+      <a:lvl9pPr marL="3657600" algn="l" defTabSz="914400" rtl="0" eaLnBrk="1" latinLnBrk="0" hangingPunct="1">
+        <a:defRPr sz="1800" kern="1200">
+          <a:solidFill>
+            <a:schemeClr val="tx1"/>
+          </a:solidFill>
+          <a:latin typeface="+mn-lt"/>
+          <a:ea typeface="+mn-ea"/>
+          <a:cs typeface="+mn-cs"/>
+        </a:defRPr>
+      </a:lvl9pPr>
+    </p:otherStyle>
+  </p:txStyles>
 </p:sldMaster>
 </file>
 
 <file path=ppt/slideMasters/slideMaster2.xml><?xml version="1.0" encoding="utf-8"?>
-<p:sldMaster xmlns:a="http://schemas.openxmlformats.org/drawingml/2006/main" xmlns:p="http://schemas.openxmlformats.org/presentationml/2006/main" xmlns:r="http://schemas.openxmlformats.org/officeDocument/2006/relationships" xmlns:p14="http://schemas.microsoft.com/office/powerpoint/2010/main" xmlns:p15="http://schemas.microsoft.com/office/powerpoint/2012/main" xmlns:mc="http://schemas.openxmlformats.org/markup-compatibility/2006">
+<p:sldMaster xmlns:a="http://schemas.openxmlformats.org/drawingml/2006/main" xmlns:r="http://schemas.openxmlformats.org/officeDocument/2006/relationships" xmlns:p="http://schemas.openxmlformats.org/presentationml/2006/main">
   <p:cSld>
     <p:bg>
       <p:bgPr>
         <a:solidFill>
-          <a:srgbClr val="ffffff"/>
+          <a:srgbClr val="FFFFFF"/>
         </a:solidFill>
+        <a:effectLst/>
       </p:bgPr>
     </p:bg>
     <p:spTree>
@@ -4718,12 +5265,13 @@
           </a:prstGeom>
         </p:spPr>
         <p:txBody>
-          <a:bodyPr lIns="0" rIns="0" tIns="0" bIns="0" anchor="ctr">
+          <a:bodyPr lIns="0" tIns="0" rIns="0" bIns="0" anchor="ctr">
             <a:noAutofit/>
           </a:bodyPr>
-          <a:p>
-            <a:r>
-              <a:rPr b="0" lang="pt-PT" sz="1800" spc="-1" strike="noStrike">
+          <a:lstStyle/>
+          <a:p>
+            <a:r>
+              <a:rPr lang="pt-PT" sz="1800" b="0" strike="noStrike" spc="-1">
                 <a:solidFill>
                   <a:srgbClr val="000000"/>
                 </a:solidFill>
@@ -4731,12 +5279,6 @@
               </a:rPr>
               <a:t>Clique para editar o formato do título</a:t>
             </a:r>
-            <a:endParaRPr b="0" lang="pt-PT" sz="1800" spc="-1" strike="noStrike">
-              <a:solidFill>
-                <a:srgbClr val="000000"/>
-              </a:solidFill>
-              <a:latin typeface="Arial"/>
-            </a:endParaRPr>
           </a:p>
         </p:txBody>
       </p:sp>
@@ -4760,9 +5302,10 @@
           </a:prstGeom>
         </p:spPr>
         <p:txBody>
-          <a:bodyPr lIns="0" rIns="0" tIns="0" bIns="0">
+          <a:bodyPr lIns="0" tIns="0" rIns="0" bIns="0">
             <a:normAutofit/>
           </a:bodyPr>
+          <a:lstStyle/>
           <a:p>
             <a:pPr marL="432000" indent="-324000">
               <a:spcBef>
@@ -4776,7 +5319,7 @@
               <a:buChar char=""/>
             </a:pPr>
             <a:r>
-              <a:rPr b="0" lang="pt-PT" sz="2800" spc="-1" strike="noStrike">
+              <a:rPr lang="pt-PT" sz="2800" b="0" strike="noStrike" spc="-1">
                 <a:solidFill>
                   <a:srgbClr val="000000"/>
                 </a:solidFill>
@@ -4784,15 +5327,9 @@
               </a:rPr>
               <a:t>Clique para editar o formato de texto dos tópicos</a:t>
             </a:r>
-            <a:endParaRPr b="0" lang="pt-PT" sz="2800" spc="-1" strike="noStrike">
-              <a:solidFill>
-                <a:srgbClr val="000000"/>
-              </a:solidFill>
-              <a:latin typeface="Arial"/>
-            </a:endParaRPr>
-          </a:p>
-          <a:p>
-            <a:pPr lvl="1" marL="864000" indent="-324000">
+          </a:p>
+          <a:p>
+            <a:pPr marL="864000" lvl="1" indent="-324000">
               <a:spcBef>
                 <a:spcPts val="1134"/>
               </a:spcBef>
@@ -4804,7 +5341,7 @@
               <a:buChar char=""/>
             </a:pPr>
             <a:r>
-              <a:rPr b="0" lang="pt-PT" sz="2000" spc="-1" strike="noStrike">
+              <a:rPr lang="pt-PT" sz="2000" b="0" strike="noStrike" spc="-1">
                 <a:solidFill>
                   <a:srgbClr val="000000"/>
                 </a:solidFill>
@@ -4812,15 +5349,9 @@
               </a:rPr>
               <a:t>Segundo nível de tópicos</a:t>
             </a:r>
-            <a:endParaRPr b="0" lang="pt-PT" sz="2000" spc="-1" strike="noStrike">
-              <a:solidFill>
-                <a:srgbClr val="000000"/>
-              </a:solidFill>
-              <a:latin typeface="Arial"/>
-            </a:endParaRPr>
-          </a:p>
-          <a:p>
-            <a:pPr lvl="2" marL="1296000" indent="-288000">
+          </a:p>
+          <a:p>
+            <a:pPr marL="1296000" lvl="2" indent="-288000">
               <a:spcBef>
                 <a:spcPts val="850"/>
               </a:spcBef>
@@ -4832,7 +5363,7 @@
               <a:buChar char=""/>
             </a:pPr>
             <a:r>
-              <a:rPr b="0" lang="pt-PT" sz="1800" spc="-1" strike="noStrike">
+              <a:rPr lang="pt-PT" sz="1800" b="0" strike="noStrike" spc="-1">
                 <a:solidFill>
                   <a:srgbClr val="000000"/>
                 </a:solidFill>
@@ -4840,15 +5371,9 @@
               </a:rPr>
               <a:t>Terceiro nível de tópicos</a:t>
             </a:r>
-            <a:endParaRPr b="0" lang="pt-PT" sz="1800" spc="-1" strike="noStrike">
-              <a:solidFill>
-                <a:srgbClr val="000000"/>
-              </a:solidFill>
-              <a:latin typeface="Arial"/>
-            </a:endParaRPr>
-          </a:p>
-          <a:p>
-            <a:pPr lvl="3" marL="1728000" indent="-216000">
+          </a:p>
+          <a:p>
+            <a:pPr marL="1728000" lvl="3" indent="-216000">
               <a:spcBef>
                 <a:spcPts val="567"/>
               </a:spcBef>
@@ -4860,7 +5385,7 @@
               <a:buChar char=""/>
             </a:pPr>
             <a:r>
-              <a:rPr b="0" lang="pt-PT" sz="1800" spc="-1" strike="noStrike">
+              <a:rPr lang="pt-PT" sz="1800" b="0" strike="noStrike" spc="-1">
                 <a:solidFill>
                   <a:srgbClr val="000000"/>
                 </a:solidFill>
@@ -4868,15 +5393,9 @@
               </a:rPr>
               <a:t>Quarto nível de tópicos</a:t>
             </a:r>
-            <a:endParaRPr b="0" lang="pt-PT" sz="1800" spc="-1" strike="noStrike">
-              <a:solidFill>
-                <a:srgbClr val="000000"/>
-              </a:solidFill>
-              <a:latin typeface="Arial"/>
-            </a:endParaRPr>
-          </a:p>
-          <a:p>
-            <a:pPr lvl="4" marL="2160000" indent="-216000">
+          </a:p>
+          <a:p>
+            <a:pPr marL="2160000" lvl="4" indent="-216000">
               <a:spcBef>
                 <a:spcPts val="283"/>
               </a:spcBef>
@@ -4888,7 +5407,7 @@
               <a:buChar char=""/>
             </a:pPr>
             <a:r>
-              <a:rPr b="0" lang="pt-PT" sz="2000" spc="-1" strike="noStrike">
+              <a:rPr lang="pt-PT" sz="2000" b="0" strike="noStrike" spc="-1">
                 <a:solidFill>
                   <a:srgbClr val="000000"/>
                 </a:solidFill>
@@ -4896,15 +5415,9 @@
               </a:rPr>
               <a:t>Quinto nível de tópicos</a:t>
             </a:r>
-            <a:endParaRPr b="0" lang="pt-PT" sz="2000" spc="-1" strike="noStrike">
-              <a:solidFill>
-                <a:srgbClr val="000000"/>
-              </a:solidFill>
-              <a:latin typeface="Arial"/>
-            </a:endParaRPr>
-          </a:p>
-          <a:p>
-            <a:pPr lvl="5" marL="2592000" indent="-216000">
+          </a:p>
+          <a:p>
+            <a:pPr marL="2592000" lvl="5" indent="-216000">
               <a:spcBef>
                 <a:spcPts val="283"/>
               </a:spcBef>
@@ -4916,7 +5429,7 @@
               <a:buChar char=""/>
             </a:pPr>
             <a:r>
-              <a:rPr b="0" lang="pt-PT" sz="2000" spc="-1" strike="noStrike">
+              <a:rPr lang="pt-PT" sz="2000" b="0" strike="noStrike" spc="-1">
                 <a:solidFill>
                   <a:srgbClr val="000000"/>
                 </a:solidFill>
@@ -4924,15 +5437,9 @@
               </a:rPr>
               <a:t>Sexto nível de tópicos</a:t>
             </a:r>
-            <a:endParaRPr b="0" lang="pt-PT" sz="2000" spc="-1" strike="noStrike">
-              <a:solidFill>
-                <a:srgbClr val="000000"/>
-              </a:solidFill>
-              <a:latin typeface="Arial"/>
-            </a:endParaRPr>
-          </a:p>
-          <a:p>
-            <a:pPr lvl="6" marL="3024000" indent="-216000">
+          </a:p>
+          <a:p>
+            <a:pPr marL="3024000" lvl="6" indent="-216000">
               <a:spcBef>
                 <a:spcPts val="283"/>
               </a:spcBef>
@@ -4944,7 +5451,7 @@
               <a:buChar char=""/>
             </a:pPr>
             <a:r>
-              <a:rPr b="0" lang="pt-PT" sz="2000" spc="-1" strike="noStrike">
+              <a:rPr lang="pt-PT" sz="2000" b="0" strike="noStrike" spc="-1">
                 <a:solidFill>
                   <a:srgbClr val="000000"/>
                 </a:solidFill>
@@ -4952,43 +5459,318 @@
               </a:rPr>
               <a:t>Sétimo nível de tópicos</a:t>
             </a:r>
-            <a:endParaRPr b="0" lang="pt-PT" sz="2000" spc="-1" strike="noStrike">
-              <a:solidFill>
-                <a:srgbClr val="000000"/>
-              </a:solidFill>
-              <a:latin typeface="Arial"/>
-            </a:endParaRPr>
           </a:p>
         </p:txBody>
       </p:sp>
     </p:spTree>
   </p:cSld>
-  <p:clrMap bg1="lt1" bg2="lt2" tx1="dk1" tx2="dk2" accent1="accent1" accent2="accent2" accent3="accent3" accent4="accent4" accent5="accent5" accent6="accent6" hlink="hlink" folHlink="folHlink"/>
+  <p:clrMap bg1="lt1" tx1="dk1" bg2="lt2" tx2="dk2" accent1="accent1" accent2="accent2" accent3="accent3" accent4="accent4" accent5="accent5" accent6="accent6" hlink="hlink" folHlink="folHlink"/>
   <p:sldLayoutIdLst>
-    <p:sldLayoutId id="2147483662" r:id="rId2"/>
-    <p:sldLayoutId id="2147483663" r:id="rId3"/>
-    <p:sldLayoutId id="2147483664" r:id="rId4"/>
-    <p:sldLayoutId id="2147483665" r:id="rId5"/>
-    <p:sldLayoutId id="2147483666" r:id="rId6"/>
-    <p:sldLayoutId id="2147483667" r:id="rId7"/>
-    <p:sldLayoutId id="2147483668" r:id="rId8"/>
-    <p:sldLayoutId id="2147483669" r:id="rId9"/>
-    <p:sldLayoutId id="2147483670" r:id="rId10"/>
-    <p:sldLayoutId id="2147483671" r:id="rId11"/>
-    <p:sldLayoutId id="2147483672" r:id="rId12"/>
-    <p:sldLayoutId id="2147483673" r:id="rId13"/>
+    <p:sldLayoutId id="2147483662" r:id="rId1"/>
+    <p:sldLayoutId id="2147483663" r:id="rId2"/>
+    <p:sldLayoutId id="2147483664" r:id="rId3"/>
+    <p:sldLayoutId id="2147483665" r:id="rId4"/>
+    <p:sldLayoutId id="2147483666" r:id="rId5"/>
+    <p:sldLayoutId id="2147483667" r:id="rId6"/>
+    <p:sldLayoutId id="2147483668" r:id="rId7"/>
+    <p:sldLayoutId id="2147483669" r:id="rId8"/>
+    <p:sldLayoutId id="2147483670" r:id="rId9"/>
+    <p:sldLayoutId id="2147483671" r:id="rId10"/>
+    <p:sldLayoutId id="2147483672" r:id="rId11"/>
+    <p:sldLayoutId id="2147483673" r:id="rId12"/>
   </p:sldLayoutIdLst>
+  <p:txStyles>
+    <p:titleStyle>
+      <a:lvl1pPr algn="l" defTabSz="914400" rtl="0" eaLnBrk="1" latinLnBrk="0" hangingPunct="1">
+        <a:lnSpc>
+          <a:spcPct val="90000"/>
+        </a:lnSpc>
+        <a:spcBef>
+          <a:spcPct val="0"/>
+        </a:spcBef>
+        <a:buNone/>
+        <a:defRPr sz="4400" kern="1200">
+          <a:solidFill>
+            <a:schemeClr val="tx1"/>
+          </a:solidFill>
+          <a:latin typeface="+mj-lt"/>
+          <a:ea typeface="+mj-ea"/>
+          <a:cs typeface="+mj-cs"/>
+        </a:defRPr>
+      </a:lvl1pPr>
+    </p:titleStyle>
+    <p:bodyStyle>
+      <a:lvl1pPr marL="228600" indent="-228600" algn="l" defTabSz="914400" rtl="0" eaLnBrk="1" latinLnBrk="0" hangingPunct="1">
+        <a:lnSpc>
+          <a:spcPct val="90000"/>
+        </a:lnSpc>
+        <a:spcBef>
+          <a:spcPts val="1000"/>
+        </a:spcBef>
+        <a:buFont typeface="Arial" panose="020B0604020202020204" pitchFamily="34" charset="0"/>
+        <a:buChar char="•"/>
+        <a:defRPr sz="2800" kern="1200">
+          <a:solidFill>
+            <a:schemeClr val="tx1"/>
+          </a:solidFill>
+          <a:latin typeface="+mn-lt"/>
+          <a:ea typeface="+mn-ea"/>
+          <a:cs typeface="+mn-cs"/>
+        </a:defRPr>
+      </a:lvl1pPr>
+      <a:lvl2pPr marL="685800" indent="-228600" algn="l" defTabSz="914400" rtl="0" eaLnBrk="1" latinLnBrk="0" hangingPunct="1">
+        <a:lnSpc>
+          <a:spcPct val="90000"/>
+        </a:lnSpc>
+        <a:spcBef>
+          <a:spcPts val="500"/>
+        </a:spcBef>
+        <a:buFont typeface="Arial" panose="020B0604020202020204" pitchFamily="34" charset="0"/>
+        <a:buChar char="•"/>
+        <a:defRPr sz="2400" kern="1200">
+          <a:solidFill>
+            <a:schemeClr val="tx1"/>
+          </a:solidFill>
+          <a:latin typeface="+mn-lt"/>
+          <a:ea typeface="+mn-ea"/>
+          <a:cs typeface="+mn-cs"/>
+        </a:defRPr>
+      </a:lvl2pPr>
+      <a:lvl3pPr marL="1143000" indent="-228600" algn="l" defTabSz="914400" rtl="0" eaLnBrk="1" latinLnBrk="0" hangingPunct="1">
+        <a:lnSpc>
+          <a:spcPct val="90000"/>
+        </a:lnSpc>
+        <a:spcBef>
+          <a:spcPts val="500"/>
+        </a:spcBef>
+        <a:buFont typeface="Arial" panose="020B0604020202020204" pitchFamily="34" charset="0"/>
+        <a:buChar char="•"/>
+        <a:defRPr sz="2000" kern="1200">
+          <a:solidFill>
+            <a:schemeClr val="tx1"/>
+          </a:solidFill>
+          <a:latin typeface="+mn-lt"/>
+          <a:ea typeface="+mn-ea"/>
+          <a:cs typeface="+mn-cs"/>
+        </a:defRPr>
+      </a:lvl3pPr>
+      <a:lvl4pPr marL="1600200" indent="-228600" algn="l" defTabSz="914400" rtl="0" eaLnBrk="1" latinLnBrk="0" hangingPunct="1">
+        <a:lnSpc>
+          <a:spcPct val="90000"/>
+        </a:lnSpc>
+        <a:spcBef>
+          <a:spcPts val="500"/>
+        </a:spcBef>
+        <a:buFont typeface="Arial" panose="020B0604020202020204" pitchFamily="34" charset="0"/>
+        <a:buChar char="•"/>
+        <a:defRPr sz="1800" kern="1200">
+          <a:solidFill>
+            <a:schemeClr val="tx1"/>
+          </a:solidFill>
+          <a:latin typeface="+mn-lt"/>
+          <a:ea typeface="+mn-ea"/>
+          <a:cs typeface="+mn-cs"/>
+        </a:defRPr>
+      </a:lvl4pPr>
+      <a:lvl5pPr marL="2057400" indent="-228600" algn="l" defTabSz="914400" rtl="0" eaLnBrk="1" latinLnBrk="0" hangingPunct="1">
+        <a:lnSpc>
+          <a:spcPct val="90000"/>
+        </a:lnSpc>
+        <a:spcBef>
+          <a:spcPts val="500"/>
+        </a:spcBef>
+        <a:buFont typeface="Arial" panose="020B0604020202020204" pitchFamily="34" charset="0"/>
+        <a:buChar char="•"/>
+        <a:defRPr sz="1800" kern="1200">
+          <a:solidFill>
+            <a:schemeClr val="tx1"/>
+          </a:solidFill>
+          <a:latin typeface="+mn-lt"/>
+          <a:ea typeface="+mn-ea"/>
+          <a:cs typeface="+mn-cs"/>
+        </a:defRPr>
+      </a:lvl5pPr>
+      <a:lvl6pPr marL="2514600" indent="-228600" algn="l" defTabSz="914400" rtl="0" eaLnBrk="1" latinLnBrk="0" hangingPunct="1">
+        <a:lnSpc>
+          <a:spcPct val="90000"/>
+        </a:lnSpc>
+        <a:spcBef>
+          <a:spcPts val="500"/>
+        </a:spcBef>
+        <a:buFont typeface="Arial" panose="020B0604020202020204" pitchFamily="34" charset="0"/>
+        <a:buChar char="•"/>
+        <a:defRPr sz="1800" kern="1200">
+          <a:solidFill>
+            <a:schemeClr val="tx1"/>
+          </a:solidFill>
+          <a:latin typeface="+mn-lt"/>
+          <a:ea typeface="+mn-ea"/>
+          <a:cs typeface="+mn-cs"/>
+        </a:defRPr>
+      </a:lvl6pPr>
+      <a:lvl7pPr marL="2971800" indent="-228600" algn="l" defTabSz="914400" rtl="0" eaLnBrk="1" latinLnBrk="0" hangingPunct="1">
+        <a:lnSpc>
+          <a:spcPct val="90000"/>
+        </a:lnSpc>
+        <a:spcBef>
+          <a:spcPts val="500"/>
+        </a:spcBef>
+        <a:buFont typeface="Arial" panose="020B0604020202020204" pitchFamily="34" charset="0"/>
+        <a:buChar char="•"/>
+        <a:defRPr sz="1800" kern="1200">
+          <a:solidFill>
+            <a:schemeClr val="tx1"/>
+          </a:solidFill>
+          <a:latin typeface="+mn-lt"/>
+          <a:ea typeface="+mn-ea"/>
+          <a:cs typeface="+mn-cs"/>
+        </a:defRPr>
+      </a:lvl7pPr>
+      <a:lvl8pPr marL="3429000" indent="-228600" algn="l" defTabSz="914400" rtl="0" eaLnBrk="1" latinLnBrk="0" hangingPunct="1">
+        <a:lnSpc>
+          <a:spcPct val="90000"/>
+        </a:lnSpc>
+        <a:spcBef>
+          <a:spcPts val="500"/>
+        </a:spcBef>
+        <a:buFont typeface="Arial" panose="020B0604020202020204" pitchFamily="34" charset="0"/>
+        <a:buChar char="•"/>
+        <a:defRPr sz="1800" kern="1200">
+          <a:solidFill>
+            <a:schemeClr val="tx1"/>
+          </a:solidFill>
+          <a:latin typeface="+mn-lt"/>
+          <a:ea typeface="+mn-ea"/>
+          <a:cs typeface="+mn-cs"/>
+        </a:defRPr>
+      </a:lvl8pPr>
+      <a:lvl9pPr marL="3886200" indent="-228600" algn="l" defTabSz="914400" rtl="0" eaLnBrk="1" latinLnBrk="0" hangingPunct="1">
+        <a:lnSpc>
+          <a:spcPct val="90000"/>
+        </a:lnSpc>
+        <a:spcBef>
+          <a:spcPts val="500"/>
+        </a:spcBef>
+        <a:buFont typeface="Arial" panose="020B0604020202020204" pitchFamily="34" charset="0"/>
+        <a:buChar char="•"/>
+        <a:defRPr sz="1800" kern="1200">
+          <a:solidFill>
+            <a:schemeClr val="tx1"/>
+          </a:solidFill>
+          <a:latin typeface="+mn-lt"/>
+          <a:ea typeface="+mn-ea"/>
+          <a:cs typeface="+mn-cs"/>
+        </a:defRPr>
+      </a:lvl9pPr>
+    </p:bodyStyle>
+    <p:otherStyle>
+      <a:defPPr>
+        <a:defRPr lang="pt-PT"/>
+      </a:defPPr>
+      <a:lvl1pPr marL="0" algn="l" defTabSz="914400" rtl="0" eaLnBrk="1" latinLnBrk="0" hangingPunct="1">
+        <a:defRPr sz="1800" kern="1200">
+          <a:solidFill>
+            <a:schemeClr val="tx1"/>
+          </a:solidFill>
+          <a:latin typeface="+mn-lt"/>
+          <a:ea typeface="+mn-ea"/>
+          <a:cs typeface="+mn-cs"/>
+        </a:defRPr>
+      </a:lvl1pPr>
+      <a:lvl2pPr marL="457200" algn="l" defTabSz="914400" rtl="0" eaLnBrk="1" latinLnBrk="0" hangingPunct="1">
+        <a:defRPr sz="1800" kern="1200">
+          <a:solidFill>
+            <a:schemeClr val="tx1"/>
+          </a:solidFill>
+          <a:latin typeface="+mn-lt"/>
+          <a:ea typeface="+mn-ea"/>
+          <a:cs typeface="+mn-cs"/>
+        </a:defRPr>
+      </a:lvl2pPr>
+      <a:lvl3pPr marL="914400" algn="l" defTabSz="914400" rtl="0" eaLnBrk="1" latinLnBrk="0" hangingPunct="1">
+        <a:defRPr sz="1800" kern="1200">
+          <a:solidFill>
+            <a:schemeClr val="tx1"/>
+          </a:solidFill>
+          <a:latin typeface="+mn-lt"/>
+          <a:ea typeface="+mn-ea"/>
+          <a:cs typeface="+mn-cs"/>
+        </a:defRPr>
+      </a:lvl3pPr>
+      <a:lvl4pPr marL="1371600" algn="l" defTabSz="914400" rtl="0" eaLnBrk="1" latinLnBrk="0" hangingPunct="1">
+        <a:defRPr sz="1800" kern="1200">
+          <a:solidFill>
+            <a:schemeClr val="tx1"/>
+          </a:solidFill>
+          <a:latin typeface="+mn-lt"/>
+          <a:ea typeface="+mn-ea"/>
+          <a:cs typeface="+mn-cs"/>
+        </a:defRPr>
+      </a:lvl4pPr>
+      <a:lvl5pPr marL="1828800" algn="l" defTabSz="914400" rtl="0" eaLnBrk="1" latinLnBrk="0" hangingPunct="1">
+        <a:defRPr sz="1800" kern="1200">
+          <a:solidFill>
+            <a:schemeClr val="tx1"/>
+          </a:solidFill>
+          <a:latin typeface="+mn-lt"/>
+          <a:ea typeface="+mn-ea"/>
+          <a:cs typeface="+mn-cs"/>
+        </a:defRPr>
+      </a:lvl5pPr>
+      <a:lvl6pPr marL="2286000" algn="l" defTabSz="914400" rtl="0" eaLnBrk="1" latinLnBrk="0" hangingPunct="1">
+        <a:defRPr sz="1800" kern="1200">
+          <a:solidFill>
+            <a:schemeClr val="tx1"/>
+          </a:solidFill>
+          <a:latin typeface="+mn-lt"/>
+          <a:ea typeface="+mn-ea"/>
+          <a:cs typeface="+mn-cs"/>
+        </a:defRPr>
+      </a:lvl6pPr>
+      <a:lvl7pPr marL="2743200" algn="l" defTabSz="914400" rtl="0" eaLnBrk="1" latinLnBrk="0" hangingPunct="1">
+        <a:defRPr sz="1800" kern="1200">
+          <a:solidFill>
+            <a:schemeClr val="tx1"/>
+          </a:solidFill>
+          <a:latin typeface="+mn-lt"/>
+          <a:ea typeface="+mn-ea"/>
+          <a:cs typeface="+mn-cs"/>
+        </a:defRPr>
+      </a:lvl7pPr>
+      <a:lvl8pPr marL="3200400" algn="l" defTabSz="914400" rtl="0" eaLnBrk="1" latinLnBrk="0" hangingPunct="1">
+        <a:defRPr sz="1800" kern="1200">
+          <a:solidFill>
+            <a:schemeClr val="tx1"/>
+          </a:solidFill>
+          <a:latin typeface="+mn-lt"/>
+          <a:ea typeface="+mn-ea"/>
+          <a:cs typeface="+mn-cs"/>
+        </a:defRPr>
+      </a:lvl8pPr>
+      <a:lvl9pPr marL="3657600" algn="l" defTabSz="914400" rtl="0" eaLnBrk="1" latinLnBrk="0" hangingPunct="1">
+        <a:defRPr sz="1800" kern="1200">
+          <a:solidFill>
+            <a:schemeClr val="tx1"/>
+          </a:solidFill>
+          <a:latin typeface="+mn-lt"/>
+          <a:ea typeface="+mn-ea"/>
+          <a:cs typeface="+mn-cs"/>
+        </a:defRPr>
+      </a:lvl9pPr>
+    </p:otherStyle>
+  </p:txStyles>
 </p:sldMaster>
 </file>
 
 <file path=ppt/slideMasters/slideMaster3.xml><?xml version="1.0" encoding="utf-8"?>
-<p:sldMaster xmlns:a="http://schemas.openxmlformats.org/drawingml/2006/main" xmlns:p="http://schemas.openxmlformats.org/presentationml/2006/main" xmlns:r="http://schemas.openxmlformats.org/officeDocument/2006/relationships" xmlns:p14="http://schemas.microsoft.com/office/powerpoint/2010/main" xmlns:p15="http://schemas.microsoft.com/office/powerpoint/2012/main" xmlns:mc="http://schemas.openxmlformats.org/markup-compatibility/2006">
+<p:sldMaster xmlns:a="http://schemas.openxmlformats.org/drawingml/2006/main" xmlns:r="http://schemas.openxmlformats.org/officeDocument/2006/relationships" xmlns:p="http://schemas.openxmlformats.org/presentationml/2006/main">
   <p:cSld>
     <p:bg>
       <p:bgPr>
         <a:solidFill>
-          <a:srgbClr val="ffffff"/>
+          <a:srgbClr val="FFFFFF"/>
         </a:solidFill>
+        <a:effectLst/>
       </p:bgPr>
     </p:bg>
     <p:spTree>
@@ -5025,12 +5807,13 @@
           </a:prstGeom>
         </p:spPr>
         <p:txBody>
-          <a:bodyPr lIns="0" rIns="0" tIns="0" bIns="0" anchor="ctr">
+          <a:bodyPr lIns="0" tIns="0" rIns="0" bIns="0" anchor="ctr">
             <a:noAutofit/>
           </a:bodyPr>
-          <a:p>
-            <a:r>
-              <a:rPr b="0" lang="pt-PT" sz="1800" spc="-1" strike="noStrike">
+          <a:lstStyle/>
+          <a:p>
+            <a:r>
+              <a:rPr lang="pt-PT" sz="1800" b="0" strike="noStrike" spc="-1">
                 <a:solidFill>
                   <a:srgbClr val="000000"/>
                 </a:solidFill>
@@ -5038,12 +5821,6 @@
               </a:rPr>
               <a:t>Clique para editar o formato do título</a:t>
             </a:r>
-            <a:endParaRPr b="0" lang="pt-PT" sz="1800" spc="-1" strike="noStrike">
-              <a:solidFill>
-                <a:srgbClr val="000000"/>
-              </a:solidFill>
-              <a:latin typeface="Arial"/>
-            </a:endParaRPr>
           </a:p>
         </p:txBody>
       </p:sp>
@@ -5067,9 +5844,10 @@
           </a:prstGeom>
         </p:spPr>
         <p:txBody>
-          <a:bodyPr lIns="0" rIns="0" tIns="0" bIns="0">
+          <a:bodyPr lIns="0" tIns="0" rIns="0" bIns="0">
             <a:normAutofit/>
           </a:bodyPr>
+          <a:lstStyle/>
           <a:p>
             <a:pPr marL="432000" indent="-324000">
               <a:spcBef>
@@ -5083,7 +5861,7 @@
               <a:buChar char=""/>
             </a:pPr>
             <a:r>
-              <a:rPr b="0" lang="pt-PT" sz="2800" spc="-1" strike="noStrike">
+              <a:rPr lang="pt-PT" sz="2800" b="0" strike="noStrike" spc="-1">
                 <a:solidFill>
                   <a:srgbClr val="000000"/>
                 </a:solidFill>
@@ -5091,15 +5869,9 @@
               </a:rPr>
               <a:t>Clique para editar o formato de texto dos tópicos</a:t>
             </a:r>
-            <a:endParaRPr b="0" lang="pt-PT" sz="2800" spc="-1" strike="noStrike">
-              <a:solidFill>
-                <a:srgbClr val="000000"/>
-              </a:solidFill>
-              <a:latin typeface="Arial"/>
-            </a:endParaRPr>
-          </a:p>
-          <a:p>
-            <a:pPr lvl="1" marL="864000" indent="-324000">
+          </a:p>
+          <a:p>
+            <a:pPr marL="864000" lvl="1" indent="-324000">
               <a:spcBef>
                 <a:spcPts val="1134"/>
               </a:spcBef>
@@ -5111,7 +5883,7 @@
               <a:buChar char=""/>
             </a:pPr>
             <a:r>
-              <a:rPr b="0" lang="pt-PT" sz="2000" spc="-1" strike="noStrike">
+              <a:rPr lang="pt-PT" sz="2000" b="0" strike="noStrike" spc="-1">
                 <a:solidFill>
                   <a:srgbClr val="000000"/>
                 </a:solidFill>
@@ -5119,15 +5891,9 @@
               </a:rPr>
               <a:t>Segundo nível de tópicos</a:t>
             </a:r>
-            <a:endParaRPr b="0" lang="pt-PT" sz="2000" spc="-1" strike="noStrike">
-              <a:solidFill>
-                <a:srgbClr val="000000"/>
-              </a:solidFill>
-              <a:latin typeface="Arial"/>
-            </a:endParaRPr>
-          </a:p>
-          <a:p>
-            <a:pPr lvl="2" marL="1296000" indent="-288000">
+          </a:p>
+          <a:p>
+            <a:pPr marL="1296000" lvl="2" indent="-288000">
               <a:spcBef>
                 <a:spcPts val="850"/>
               </a:spcBef>
@@ -5139,7 +5905,7 @@
               <a:buChar char=""/>
             </a:pPr>
             <a:r>
-              <a:rPr b="0" lang="pt-PT" sz="1800" spc="-1" strike="noStrike">
+              <a:rPr lang="pt-PT" sz="1800" b="0" strike="noStrike" spc="-1">
                 <a:solidFill>
                   <a:srgbClr val="000000"/>
                 </a:solidFill>
@@ -5147,15 +5913,9 @@
               </a:rPr>
               <a:t>Terceiro nível de tópicos</a:t>
             </a:r>
-            <a:endParaRPr b="0" lang="pt-PT" sz="1800" spc="-1" strike="noStrike">
-              <a:solidFill>
-                <a:srgbClr val="000000"/>
-              </a:solidFill>
-              <a:latin typeface="Arial"/>
-            </a:endParaRPr>
-          </a:p>
-          <a:p>
-            <a:pPr lvl="3" marL="1728000" indent="-216000">
+          </a:p>
+          <a:p>
+            <a:pPr marL="1728000" lvl="3" indent="-216000">
               <a:spcBef>
                 <a:spcPts val="567"/>
               </a:spcBef>
@@ -5167,7 +5927,7 @@
               <a:buChar char=""/>
             </a:pPr>
             <a:r>
-              <a:rPr b="0" lang="pt-PT" sz="1800" spc="-1" strike="noStrike">
+              <a:rPr lang="pt-PT" sz="1800" b="0" strike="noStrike" spc="-1">
                 <a:solidFill>
                   <a:srgbClr val="000000"/>
                 </a:solidFill>
@@ -5175,15 +5935,9 @@
               </a:rPr>
               <a:t>Quarto nível de tópicos</a:t>
             </a:r>
-            <a:endParaRPr b="0" lang="pt-PT" sz="1800" spc="-1" strike="noStrike">
-              <a:solidFill>
-                <a:srgbClr val="000000"/>
-              </a:solidFill>
-              <a:latin typeface="Arial"/>
-            </a:endParaRPr>
-          </a:p>
-          <a:p>
-            <a:pPr lvl="4" marL="2160000" indent="-216000">
+          </a:p>
+          <a:p>
+            <a:pPr marL="2160000" lvl="4" indent="-216000">
               <a:spcBef>
                 <a:spcPts val="283"/>
               </a:spcBef>
@@ -5195,7 +5949,7 @@
               <a:buChar char=""/>
             </a:pPr>
             <a:r>
-              <a:rPr b="0" lang="pt-PT" sz="2000" spc="-1" strike="noStrike">
+              <a:rPr lang="pt-PT" sz="2000" b="0" strike="noStrike" spc="-1">
                 <a:solidFill>
                   <a:srgbClr val="000000"/>
                 </a:solidFill>
@@ -5203,15 +5957,9 @@
               </a:rPr>
               <a:t>Quinto nível de tópicos</a:t>
             </a:r>
-            <a:endParaRPr b="0" lang="pt-PT" sz="2000" spc="-1" strike="noStrike">
-              <a:solidFill>
-                <a:srgbClr val="000000"/>
-              </a:solidFill>
-              <a:latin typeface="Arial"/>
-            </a:endParaRPr>
-          </a:p>
-          <a:p>
-            <a:pPr lvl="5" marL="2592000" indent="-216000">
+          </a:p>
+          <a:p>
+            <a:pPr marL="2592000" lvl="5" indent="-216000">
               <a:spcBef>
                 <a:spcPts val="283"/>
               </a:spcBef>
@@ -5223,7 +5971,7 @@
               <a:buChar char=""/>
             </a:pPr>
             <a:r>
-              <a:rPr b="0" lang="pt-PT" sz="2000" spc="-1" strike="noStrike">
+              <a:rPr lang="pt-PT" sz="2000" b="0" strike="noStrike" spc="-1">
                 <a:solidFill>
                   <a:srgbClr val="000000"/>
                 </a:solidFill>
@@ -5231,15 +5979,9 @@
               </a:rPr>
               <a:t>Sexto nível de tópicos</a:t>
             </a:r>
-            <a:endParaRPr b="0" lang="pt-PT" sz="2000" spc="-1" strike="noStrike">
-              <a:solidFill>
-                <a:srgbClr val="000000"/>
-              </a:solidFill>
-              <a:latin typeface="Arial"/>
-            </a:endParaRPr>
-          </a:p>
-          <a:p>
-            <a:pPr lvl="6" marL="3024000" indent="-216000">
+          </a:p>
+          <a:p>
+            <a:pPr marL="3024000" lvl="6" indent="-216000">
               <a:spcBef>
                 <a:spcPts val="283"/>
               </a:spcBef>
@@ -5251,7 +5993,7 @@
               <a:buChar char=""/>
             </a:pPr>
             <a:r>
-              <a:rPr b="0" lang="pt-PT" sz="2000" spc="-1" strike="noStrike">
+              <a:rPr lang="pt-PT" sz="2000" b="0" strike="noStrike" spc="-1">
                 <a:solidFill>
                   <a:srgbClr val="000000"/>
                 </a:solidFill>
@@ -5259,37 +6001,311 @@
               </a:rPr>
               <a:t>Sétimo nível de tópicos</a:t>
             </a:r>
-            <a:endParaRPr b="0" lang="pt-PT" sz="2000" spc="-1" strike="noStrike">
-              <a:solidFill>
-                <a:srgbClr val="000000"/>
-              </a:solidFill>
-              <a:latin typeface="Arial"/>
-            </a:endParaRPr>
           </a:p>
         </p:txBody>
       </p:sp>
     </p:spTree>
   </p:cSld>
-  <p:clrMap bg1="lt1" bg2="lt2" tx1="dk1" tx2="dk2" accent1="accent1" accent2="accent2" accent3="accent3" accent4="accent4" accent5="accent5" accent6="accent6" hlink="hlink" folHlink="folHlink"/>
+  <p:clrMap bg1="lt1" tx1="dk1" bg2="lt2" tx2="dk2" accent1="accent1" accent2="accent2" accent3="accent3" accent4="accent4" accent5="accent5" accent6="accent6" hlink="hlink" folHlink="folHlink"/>
   <p:sldLayoutIdLst>
-    <p:sldLayoutId id="2147483675" r:id="rId2"/>
-    <p:sldLayoutId id="2147483676" r:id="rId3"/>
-    <p:sldLayoutId id="2147483677" r:id="rId4"/>
-    <p:sldLayoutId id="2147483678" r:id="rId5"/>
-    <p:sldLayoutId id="2147483679" r:id="rId6"/>
-    <p:sldLayoutId id="2147483680" r:id="rId7"/>
-    <p:sldLayoutId id="2147483681" r:id="rId8"/>
-    <p:sldLayoutId id="2147483682" r:id="rId9"/>
-    <p:sldLayoutId id="2147483683" r:id="rId10"/>
-    <p:sldLayoutId id="2147483684" r:id="rId11"/>
-    <p:sldLayoutId id="2147483685" r:id="rId12"/>
-    <p:sldLayoutId id="2147483686" r:id="rId13"/>
+    <p:sldLayoutId id="2147483675" r:id="rId1"/>
+    <p:sldLayoutId id="2147483676" r:id="rId2"/>
+    <p:sldLayoutId id="2147483677" r:id="rId3"/>
+    <p:sldLayoutId id="2147483678" r:id="rId4"/>
+    <p:sldLayoutId id="2147483679" r:id="rId5"/>
+    <p:sldLayoutId id="2147483680" r:id="rId6"/>
+    <p:sldLayoutId id="2147483681" r:id="rId7"/>
+    <p:sldLayoutId id="2147483682" r:id="rId8"/>
+    <p:sldLayoutId id="2147483683" r:id="rId9"/>
+    <p:sldLayoutId id="2147483684" r:id="rId10"/>
+    <p:sldLayoutId id="2147483685" r:id="rId11"/>
+    <p:sldLayoutId id="2147483686" r:id="rId12"/>
   </p:sldLayoutIdLst>
+  <p:txStyles>
+    <p:titleStyle>
+      <a:lvl1pPr algn="l" defTabSz="914400" rtl="0" eaLnBrk="1" latinLnBrk="0" hangingPunct="1">
+        <a:lnSpc>
+          <a:spcPct val="90000"/>
+        </a:lnSpc>
+        <a:spcBef>
+          <a:spcPct val="0"/>
+        </a:spcBef>
+        <a:buNone/>
+        <a:defRPr sz="4400" kern="1200">
+          <a:solidFill>
+            <a:schemeClr val="tx1"/>
+          </a:solidFill>
+          <a:latin typeface="+mj-lt"/>
+          <a:ea typeface="+mj-ea"/>
+          <a:cs typeface="+mj-cs"/>
+        </a:defRPr>
+      </a:lvl1pPr>
+    </p:titleStyle>
+    <p:bodyStyle>
+      <a:lvl1pPr marL="228600" indent="-228600" algn="l" defTabSz="914400" rtl="0" eaLnBrk="1" latinLnBrk="0" hangingPunct="1">
+        <a:lnSpc>
+          <a:spcPct val="90000"/>
+        </a:lnSpc>
+        <a:spcBef>
+          <a:spcPts val="1000"/>
+        </a:spcBef>
+        <a:buFont typeface="Arial" panose="020B0604020202020204" pitchFamily="34" charset="0"/>
+        <a:buChar char="•"/>
+        <a:defRPr sz="2800" kern="1200">
+          <a:solidFill>
+            <a:schemeClr val="tx1"/>
+          </a:solidFill>
+          <a:latin typeface="+mn-lt"/>
+          <a:ea typeface="+mn-ea"/>
+          <a:cs typeface="+mn-cs"/>
+        </a:defRPr>
+      </a:lvl1pPr>
+      <a:lvl2pPr marL="685800" indent="-228600" algn="l" defTabSz="914400" rtl="0" eaLnBrk="1" latinLnBrk="0" hangingPunct="1">
+        <a:lnSpc>
+          <a:spcPct val="90000"/>
+        </a:lnSpc>
+        <a:spcBef>
+          <a:spcPts val="500"/>
+        </a:spcBef>
+        <a:buFont typeface="Arial" panose="020B0604020202020204" pitchFamily="34" charset="0"/>
+        <a:buChar char="•"/>
+        <a:defRPr sz="2400" kern="1200">
+          <a:solidFill>
+            <a:schemeClr val="tx1"/>
+          </a:solidFill>
+          <a:latin typeface="+mn-lt"/>
+          <a:ea typeface="+mn-ea"/>
+          <a:cs typeface="+mn-cs"/>
+        </a:defRPr>
+      </a:lvl2pPr>
+      <a:lvl3pPr marL="1143000" indent="-228600" algn="l" defTabSz="914400" rtl="0" eaLnBrk="1" latinLnBrk="0" hangingPunct="1">
+        <a:lnSpc>
+          <a:spcPct val="90000"/>
+        </a:lnSpc>
+        <a:spcBef>
+          <a:spcPts val="500"/>
+        </a:spcBef>
+        <a:buFont typeface="Arial" panose="020B0604020202020204" pitchFamily="34" charset="0"/>
+        <a:buChar char="•"/>
+        <a:defRPr sz="2000" kern="1200">
+          <a:solidFill>
+            <a:schemeClr val="tx1"/>
+          </a:solidFill>
+          <a:latin typeface="+mn-lt"/>
+          <a:ea typeface="+mn-ea"/>
+          <a:cs typeface="+mn-cs"/>
+        </a:defRPr>
+      </a:lvl3pPr>
+      <a:lvl4pPr marL="1600200" indent="-228600" algn="l" defTabSz="914400" rtl="0" eaLnBrk="1" latinLnBrk="0" hangingPunct="1">
+        <a:lnSpc>
+          <a:spcPct val="90000"/>
+        </a:lnSpc>
+        <a:spcBef>
+          <a:spcPts val="500"/>
+        </a:spcBef>
+        <a:buFont typeface="Arial" panose="020B0604020202020204" pitchFamily="34" charset="0"/>
+        <a:buChar char="•"/>
+        <a:defRPr sz="1800" kern="1200">
+          <a:solidFill>
+            <a:schemeClr val="tx1"/>
+          </a:solidFill>
+          <a:latin typeface="+mn-lt"/>
+          <a:ea typeface="+mn-ea"/>
+          <a:cs typeface="+mn-cs"/>
+        </a:defRPr>
+      </a:lvl4pPr>
+      <a:lvl5pPr marL="2057400" indent="-228600" algn="l" defTabSz="914400" rtl="0" eaLnBrk="1" latinLnBrk="0" hangingPunct="1">
+        <a:lnSpc>
+          <a:spcPct val="90000"/>
+        </a:lnSpc>
+        <a:spcBef>
+          <a:spcPts val="500"/>
+        </a:spcBef>
+        <a:buFont typeface="Arial" panose="020B0604020202020204" pitchFamily="34" charset="0"/>
+        <a:buChar char="•"/>
+        <a:defRPr sz="1800" kern="1200">
+          <a:solidFill>
+            <a:schemeClr val="tx1"/>
+          </a:solidFill>
+          <a:latin typeface="+mn-lt"/>
+          <a:ea typeface="+mn-ea"/>
+          <a:cs typeface="+mn-cs"/>
+        </a:defRPr>
+      </a:lvl5pPr>
+      <a:lvl6pPr marL="2514600" indent="-228600" algn="l" defTabSz="914400" rtl="0" eaLnBrk="1" latinLnBrk="0" hangingPunct="1">
+        <a:lnSpc>
+          <a:spcPct val="90000"/>
+        </a:lnSpc>
+        <a:spcBef>
+          <a:spcPts val="500"/>
+        </a:spcBef>
+        <a:buFont typeface="Arial" panose="020B0604020202020204" pitchFamily="34" charset="0"/>
+        <a:buChar char="•"/>
+        <a:defRPr sz="1800" kern="1200">
+          <a:solidFill>
+            <a:schemeClr val="tx1"/>
+          </a:solidFill>
+          <a:latin typeface="+mn-lt"/>
+          <a:ea typeface="+mn-ea"/>
+          <a:cs typeface="+mn-cs"/>
+        </a:defRPr>
+      </a:lvl6pPr>
+      <a:lvl7pPr marL="2971800" indent="-228600" algn="l" defTabSz="914400" rtl="0" eaLnBrk="1" latinLnBrk="0" hangingPunct="1">
+        <a:lnSpc>
+          <a:spcPct val="90000"/>
+        </a:lnSpc>
+        <a:spcBef>
+          <a:spcPts val="500"/>
+        </a:spcBef>
+        <a:buFont typeface="Arial" panose="020B0604020202020204" pitchFamily="34" charset="0"/>
+        <a:buChar char="•"/>
+        <a:defRPr sz="1800" kern="1200">
+          <a:solidFill>
+            <a:schemeClr val="tx1"/>
+          </a:solidFill>
+          <a:latin typeface="+mn-lt"/>
+          <a:ea typeface="+mn-ea"/>
+          <a:cs typeface="+mn-cs"/>
+        </a:defRPr>
+      </a:lvl7pPr>
+      <a:lvl8pPr marL="3429000" indent="-228600" algn="l" defTabSz="914400" rtl="0" eaLnBrk="1" latinLnBrk="0" hangingPunct="1">
+        <a:lnSpc>
+          <a:spcPct val="90000"/>
+        </a:lnSpc>
+        <a:spcBef>
+          <a:spcPts val="500"/>
+        </a:spcBef>
+        <a:buFont typeface="Arial" panose="020B0604020202020204" pitchFamily="34" charset="0"/>
+        <a:buChar char="•"/>
+        <a:defRPr sz="1800" kern="1200">
+          <a:solidFill>
+            <a:schemeClr val="tx1"/>
+          </a:solidFill>
+          <a:latin typeface="+mn-lt"/>
+          <a:ea typeface="+mn-ea"/>
+          <a:cs typeface="+mn-cs"/>
+        </a:defRPr>
+      </a:lvl8pPr>
+      <a:lvl9pPr marL="3886200" indent="-228600" algn="l" defTabSz="914400" rtl="0" eaLnBrk="1" latinLnBrk="0" hangingPunct="1">
+        <a:lnSpc>
+          <a:spcPct val="90000"/>
+        </a:lnSpc>
+        <a:spcBef>
+          <a:spcPts val="500"/>
+        </a:spcBef>
+        <a:buFont typeface="Arial" panose="020B0604020202020204" pitchFamily="34" charset="0"/>
+        <a:buChar char="•"/>
+        <a:defRPr sz="1800" kern="1200">
+          <a:solidFill>
+            <a:schemeClr val="tx1"/>
+          </a:solidFill>
+          <a:latin typeface="+mn-lt"/>
+          <a:ea typeface="+mn-ea"/>
+          <a:cs typeface="+mn-cs"/>
+        </a:defRPr>
+      </a:lvl9pPr>
+    </p:bodyStyle>
+    <p:otherStyle>
+      <a:defPPr>
+        <a:defRPr lang="pt-PT"/>
+      </a:defPPr>
+      <a:lvl1pPr marL="0" algn="l" defTabSz="914400" rtl="0" eaLnBrk="1" latinLnBrk="0" hangingPunct="1">
+        <a:defRPr sz="1800" kern="1200">
+          <a:solidFill>
+            <a:schemeClr val="tx1"/>
+          </a:solidFill>
+          <a:latin typeface="+mn-lt"/>
+          <a:ea typeface="+mn-ea"/>
+          <a:cs typeface="+mn-cs"/>
+        </a:defRPr>
+      </a:lvl1pPr>
+      <a:lvl2pPr marL="457200" algn="l" defTabSz="914400" rtl="0" eaLnBrk="1" latinLnBrk="0" hangingPunct="1">
+        <a:defRPr sz="1800" kern="1200">
+          <a:solidFill>
+            <a:schemeClr val="tx1"/>
+          </a:solidFill>
+          <a:latin typeface="+mn-lt"/>
+          <a:ea typeface="+mn-ea"/>
+          <a:cs typeface="+mn-cs"/>
+        </a:defRPr>
+      </a:lvl2pPr>
+      <a:lvl3pPr marL="914400" algn="l" defTabSz="914400" rtl="0" eaLnBrk="1" latinLnBrk="0" hangingPunct="1">
+        <a:defRPr sz="1800" kern="1200">
+          <a:solidFill>
+            <a:schemeClr val="tx1"/>
+          </a:solidFill>
+          <a:latin typeface="+mn-lt"/>
+          <a:ea typeface="+mn-ea"/>
+          <a:cs typeface="+mn-cs"/>
+        </a:defRPr>
+      </a:lvl3pPr>
+      <a:lvl4pPr marL="1371600" algn="l" defTabSz="914400" rtl="0" eaLnBrk="1" latinLnBrk="0" hangingPunct="1">
+        <a:defRPr sz="1800" kern="1200">
+          <a:solidFill>
+            <a:schemeClr val="tx1"/>
+          </a:solidFill>
+          <a:latin typeface="+mn-lt"/>
+          <a:ea typeface="+mn-ea"/>
+          <a:cs typeface="+mn-cs"/>
+        </a:defRPr>
+      </a:lvl4pPr>
+      <a:lvl5pPr marL="1828800" algn="l" defTabSz="914400" rtl="0" eaLnBrk="1" latinLnBrk="0" hangingPunct="1">
+        <a:defRPr sz="1800" kern="1200">
+          <a:solidFill>
+            <a:schemeClr val="tx1"/>
+          </a:solidFill>
+          <a:latin typeface="+mn-lt"/>
+          <a:ea typeface="+mn-ea"/>
+          <a:cs typeface="+mn-cs"/>
+        </a:defRPr>
+      </a:lvl5pPr>
+      <a:lvl6pPr marL="2286000" algn="l" defTabSz="914400" rtl="0" eaLnBrk="1" latinLnBrk="0" hangingPunct="1">
+        <a:defRPr sz="1800" kern="1200">
+          <a:solidFill>
+            <a:schemeClr val="tx1"/>
+          </a:solidFill>
+          <a:latin typeface="+mn-lt"/>
+          <a:ea typeface="+mn-ea"/>
+          <a:cs typeface="+mn-cs"/>
+        </a:defRPr>
+      </a:lvl6pPr>
+      <a:lvl7pPr marL="2743200" algn="l" defTabSz="914400" rtl="0" eaLnBrk="1" latinLnBrk="0" hangingPunct="1">
+        <a:defRPr sz="1800" kern="1200">
+          <a:solidFill>
+            <a:schemeClr val="tx1"/>
+          </a:solidFill>
+          <a:latin typeface="+mn-lt"/>
+          <a:ea typeface="+mn-ea"/>
+          <a:cs typeface="+mn-cs"/>
+        </a:defRPr>
+      </a:lvl7pPr>
+      <a:lvl8pPr marL="3200400" algn="l" defTabSz="914400" rtl="0" eaLnBrk="1" latinLnBrk="0" hangingPunct="1">
+        <a:defRPr sz="1800" kern="1200">
+          <a:solidFill>
+            <a:schemeClr val="tx1"/>
+          </a:solidFill>
+          <a:latin typeface="+mn-lt"/>
+          <a:ea typeface="+mn-ea"/>
+          <a:cs typeface="+mn-cs"/>
+        </a:defRPr>
+      </a:lvl8pPr>
+      <a:lvl9pPr marL="3657600" algn="l" defTabSz="914400" rtl="0" eaLnBrk="1" latinLnBrk="0" hangingPunct="1">
+        <a:defRPr sz="1800" kern="1200">
+          <a:solidFill>
+            <a:schemeClr val="tx1"/>
+          </a:solidFill>
+          <a:latin typeface="+mn-lt"/>
+          <a:ea typeface="+mn-ea"/>
+          <a:cs typeface="+mn-cs"/>
+        </a:defRPr>
+      </a:lvl9pPr>
+    </p:otherStyle>
+  </p:txStyles>
 </p:sldMaster>
 </file>
 
 <file path=ppt/slides/slide1.xml><?xml version="1.0" encoding="utf-8"?>
-<p:sld xmlns:a="http://schemas.openxmlformats.org/drawingml/2006/main" xmlns:p="http://schemas.openxmlformats.org/presentationml/2006/main" xmlns:r="http://schemas.openxmlformats.org/officeDocument/2006/relationships" xmlns:p14="http://schemas.microsoft.com/office/powerpoint/2010/main" xmlns:p15="http://schemas.microsoft.com/office/powerpoint/2012/main" xmlns:mc="http://schemas.openxmlformats.org/markup-compatibility/2006">
+<p:sld xmlns:a="http://schemas.openxmlformats.org/drawingml/2006/main" xmlns:r="http://schemas.openxmlformats.org/officeDocument/2006/relationships" xmlns:p="http://schemas.openxmlformats.org/presentationml/2006/main">
   <p:cSld>
     <p:spTree>
       <p:nvGrpSpPr>
@@ -5325,15 +6341,22 @@
           </a:ln>
         </p:spPr>
         <p:style>
-          <a:lnRef idx="0"/>
-          <a:fillRef idx="0"/>
-          <a:effectRef idx="0"/>
+          <a:lnRef idx="0">
+            <a:scrgbClr r="0" g="0" b="0"/>
+          </a:lnRef>
+          <a:fillRef idx="0">
+            <a:scrgbClr r="0" g="0" b="0"/>
+          </a:fillRef>
+          <a:effectRef idx="0">
+            <a:scrgbClr r="0" g="0" b="0"/>
+          </a:effectRef>
           <a:fontRef idx="minor"/>
         </p:style>
         <p:txBody>
-          <a:bodyPr lIns="90000" rIns="90000" tIns="45000" bIns="45000">
+          <a:bodyPr lIns="90000" tIns="45000" rIns="90000" bIns="45000">
             <a:normAutofit/>
           </a:bodyPr>
+          <a:lstStyle/>
           <a:p>
             <a:pPr algn="ctr">
               <a:lnSpc>
@@ -5343,11 +6366,11 @@
                 <a:spcPts val="1001"/>
               </a:spcBef>
               <a:tabLst>
-                <a:tab algn="l" pos="0"/>
+                <a:tab pos="0" algn="l"/>
               </a:tabLst>
             </a:pPr>
             <a:r>
-              <a:rPr b="1" lang="pt-PT" sz="2800" spc="-1" strike="noStrike">
+              <a:rPr lang="pt-PT" sz="2800" b="1" strike="noStrike" spc="-1">
                 <a:solidFill>
                   <a:srgbClr val="000000"/>
                 </a:solidFill>
@@ -5356,7 +6379,7 @@
               </a:rPr>
               <a:t>Algoritmos e Estruturas de Dados</a:t>
             </a:r>
-            <a:endParaRPr b="0" lang="pt-PT" sz="2800" spc="-1" strike="noStrike">
+            <a:endParaRPr lang="pt-PT" sz="2800" b="0" strike="noStrike" spc="-1">
               <a:latin typeface="Arial"/>
             </a:endParaRPr>
           </a:p>
@@ -5364,12 +6387,12 @@
       </p:sp>
       <p:pic>
         <p:nvPicPr>
-          <p:cNvPr id="115" name="Imagem 8" descr=""/>
+          <p:cNvPr id="115" name="Imagem 8"/>
           <p:cNvPicPr/>
           <p:nvPr/>
         </p:nvPicPr>
         <p:blipFill>
-          <a:blip r:embed="rId1"/>
+          <a:blip r:embed="rId2"/>
           <a:stretch/>
         </p:blipFill>
         <p:spPr>
@@ -5438,15 +6461,22 @@
           </a:ln>
         </p:spPr>
         <p:style>
-          <a:lnRef idx="0"/>
-          <a:fillRef idx="0"/>
-          <a:effectRef idx="0"/>
+          <a:lnRef idx="0">
+            <a:scrgbClr r="0" g="0" b="0"/>
+          </a:lnRef>
+          <a:fillRef idx="0">
+            <a:scrgbClr r="0" g="0" b="0"/>
+          </a:fillRef>
+          <a:effectRef idx="0">
+            <a:scrgbClr r="0" g="0" b="0"/>
+          </a:effectRef>
           <a:fontRef idx="minor"/>
         </p:style>
         <p:txBody>
-          <a:bodyPr lIns="90000" rIns="90000" tIns="45000" bIns="45000">
+          <a:bodyPr lIns="90000" tIns="45000" rIns="90000" bIns="45000">
             <a:spAutoFit/>
           </a:bodyPr>
+          <a:lstStyle/>
           <a:p>
             <a:pPr algn="ctr">
               <a:lnSpc>
@@ -5454,7 +6484,7 @@
               </a:lnSpc>
             </a:pPr>
             <a:r>
-              <a:rPr b="0" lang="pt-PT" sz="1800" spc="-1" strike="noStrike">
+              <a:rPr lang="pt-PT" sz="1800" b="0" strike="noStrike" spc="-1">
                 <a:solidFill>
                   <a:srgbClr val="000000"/>
                 </a:solidFill>
@@ -5463,7 +6493,7 @@
               </a:rPr>
               <a:t>Trabalho realizado por:</a:t>
             </a:r>
-            <a:endParaRPr b="0" lang="pt-PT" sz="1800" spc="-1" strike="noStrike">
+            <a:endParaRPr lang="pt-PT" sz="1800" b="0" strike="noStrike" spc="-1">
               <a:latin typeface="Arial"/>
             </a:endParaRPr>
           </a:p>
@@ -5473,7 +6503,7 @@
                 <a:spcPct val="100000"/>
               </a:lnSpc>
             </a:pPr>
-            <a:endParaRPr b="0" lang="pt-PT" sz="1800" spc="-1" strike="noStrike">
+            <a:endParaRPr lang="pt-PT" sz="1800" b="0" strike="noStrike" spc="-1">
               <a:latin typeface="Arial"/>
             </a:endParaRPr>
           </a:p>
@@ -5484,7 +6514,7 @@
               </a:lnSpc>
             </a:pPr>
             <a:r>
-              <a:rPr b="0" lang="pt-PT" sz="1800" spc="-1" strike="noStrike">
+              <a:rPr lang="pt-PT" sz="1800" b="0" strike="noStrike" spc="-1">
                 <a:solidFill>
                   <a:srgbClr val="000000"/>
                 </a:solidFill>
@@ -5493,7 +6523,7 @@
               </a:rPr>
               <a:t>Nuno Afonso Anjos Pereira - up202007865</a:t>
             </a:r>
-            <a:endParaRPr b="0" lang="pt-PT" sz="1800" spc="-1" strike="noStrike">
+            <a:endParaRPr lang="pt-PT" sz="1800" b="0" strike="noStrike" spc="-1">
               <a:latin typeface="Arial"/>
             </a:endParaRPr>
           </a:p>
@@ -5504,7 +6534,7 @@
               </a:lnSpc>
             </a:pPr>
             <a:r>
-              <a:rPr b="0" lang="pt-PT" sz="1800" spc="-1" strike="noStrike">
+              <a:rPr lang="pt-PT" sz="1800" b="0" strike="noStrike" spc="-1">
                 <a:solidFill>
                   <a:srgbClr val="000000"/>
                 </a:solidFill>
@@ -5513,7 +6543,7 @@
               </a:rPr>
               <a:t>Pedro Miguel Magalhães Nunes – up202004714</a:t>
             </a:r>
-            <a:endParaRPr b="0" lang="pt-PT" sz="1800" spc="-1" strike="noStrike">
+            <a:endParaRPr lang="pt-PT" sz="1800" b="0" strike="noStrike" spc="-1">
               <a:latin typeface="Arial"/>
             </a:endParaRPr>
           </a:p>
@@ -5524,7 +6554,7 @@
               </a:lnSpc>
             </a:pPr>
             <a:r>
-              <a:rPr b="0" lang="pt-PT" sz="1800" spc="-1" strike="noStrike">
+              <a:rPr lang="pt-PT" sz="1800" b="0" strike="noStrike" spc="-1">
                 <a:solidFill>
                   <a:srgbClr val="000000"/>
                 </a:solidFill>
@@ -5533,7 +6563,7 @@
               </a:rPr>
               <a:t>Vítor Manuel da Silva Cavaleiro – up202004724</a:t>
             </a:r>
-            <a:endParaRPr b="0" lang="pt-PT" sz="1800" spc="-1" strike="noStrike">
+            <a:endParaRPr lang="pt-PT" sz="1800" b="0" strike="noStrike" spc="-1">
               <a:latin typeface="Arial"/>
             </a:endParaRPr>
           </a:p>
@@ -5544,7 +6574,7 @@
               </a:lnSpc>
             </a:pPr>
             <a:r>
-              <a:rPr b="0" lang="pt-PT" sz="1800" spc="-1" strike="noStrike">
+              <a:rPr lang="pt-PT" sz="1800" b="0" strike="noStrike" spc="-1">
                 <a:solidFill>
                   <a:srgbClr val="000000"/>
                 </a:solidFill>
@@ -5553,7 +6583,7 @@
               </a:rPr>
               <a:t>        </a:t>
             </a:r>
-            <a:endParaRPr b="0" lang="pt-PT" sz="1800" spc="-1" strike="noStrike">
+            <a:endParaRPr lang="pt-PT" sz="1800" b="0" strike="noStrike" spc="-1">
               <a:latin typeface="Arial"/>
             </a:endParaRPr>
           </a:p>
@@ -5561,19 +6591,14 @@
       </p:sp>
     </p:spTree>
   </p:cSld>
-  <mc:AlternateContent>
-    <mc:Choice Requires="p14">
-      <p:transition spd="slow" p14:dur="2000"/>
-    </mc:Choice>
-    <mc:Fallback>
-      <p:transition spd="slow"/>
-    </mc:Fallback>
-  </mc:AlternateContent>
+  <p:clrMapOvr>
+    <a:masterClrMapping/>
+  </p:clrMapOvr>
 </p:sld>
 </file>
 
 <file path=ppt/slides/slide10.xml><?xml version="1.0" encoding="utf-8"?>
-<p:sld xmlns:a="http://schemas.openxmlformats.org/drawingml/2006/main" xmlns:p="http://schemas.openxmlformats.org/presentationml/2006/main" xmlns:r="http://schemas.openxmlformats.org/officeDocument/2006/relationships" xmlns:p14="http://schemas.microsoft.com/office/powerpoint/2010/main" xmlns:p15="http://schemas.microsoft.com/office/powerpoint/2012/main" xmlns:mc="http://schemas.openxmlformats.org/markup-compatibility/2006">
+<p:sld xmlns:a="http://schemas.openxmlformats.org/drawingml/2006/main" xmlns:r="http://schemas.openxmlformats.org/officeDocument/2006/relationships" xmlns:p="http://schemas.openxmlformats.org/presentationml/2006/main">
   <p:cSld>
     <p:spTree>
       <p:nvGrpSpPr>
@@ -5609,15 +6634,22 @@
           </a:ln>
         </p:spPr>
         <p:style>
-          <a:lnRef idx="0"/>
-          <a:fillRef idx="0"/>
-          <a:effectRef idx="0"/>
+          <a:lnRef idx="0">
+            <a:scrgbClr r="0" g="0" b="0"/>
+          </a:lnRef>
+          <a:fillRef idx="0">
+            <a:scrgbClr r="0" g="0" b="0"/>
+          </a:fillRef>
+          <a:effectRef idx="0">
+            <a:scrgbClr r="0" g="0" b="0"/>
+          </a:effectRef>
           <a:fontRef idx="minor"/>
         </p:style>
         <p:txBody>
-          <a:bodyPr lIns="90000" rIns="90000" tIns="45000" bIns="45000" anchor="ctr">
+          <a:bodyPr lIns="90000" tIns="45000" rIns="90000" bIns="45000" anchor="ctr">
             <a:noAutofit/>
           </a:bodyPr>
+          <a:lstStyle/>
           <a:p>
             <a:pPr algn="ctr">
               <a:lnSpc>
@@ -5625,7 +6657,7 @@
               </a:lnSpc>
             </a:pPr>
             <a:r>
-              <a:rPr b="1" lang="pt-PT" sz="4400" spc="-1" strike="noStrike">
+              <a:rPr lang="pt-PT" sz="4400" b="1" strike="noStrike" spc="-1">
                 <a:solidFill>
                   <a:srgbClr val="000000"/>
                 </a:solidFill>
@@ -5634,7 +6666,7 @@
               </a:rPr>
               <a:t>Outras observações/Exemplos de Execução</a:t>
             </a:r>
-            <a:endParaRPr b="0" lang="pt-PT" sz="4400" spc="-1" strike="noStrike">
+            <a:endParaRPr lang="pt-PT" sz="4400" b="0" strike="noStrike" spc="-1">
               <a:latin typeface="Arial"/>
             </a:endParaRPr>
           </a:p>
@@ -5660,15 +6692,22 @@
           </a:ln>
         </p:spPr>
         <p:style>
-          <a:lnRef idx="0"/>
-          <a:fillRef idx="0"/>
-          <a:effectRef idx="0"/>
+          <a:lnRef idx="0">
+            <a:scrgbClr r="0" g="0" b="0"/>
+          </a:lnRef>
+          <a:fillRef idx="0">
+            <a:scrgbClr r="0" g="0" b="0"/>
+          </a:fillRef>
+          <a:effectRef idx="0">
+            <a:scrgbClr r="0" g="0" b="0"/>
+          </a:effectRef>
           <a:fontRef idx="minor"/>
         </p:style>
         <p:txBody>
-          <a:bodyPr lIns="90000" rIns="90000" tIns="45000" bIns="45000">
+          <a:bodyPr lIns="90000" tIns="45000" rIns="90000" bIns="45000">
             <a:normAutofit/>
           </a:bodyPr>
+          <a:lstStyle/>
           <a:p>
             <a:pPr>
               <a:lnSpc>
@@ -5678,11 +6717,11 @@
                 <a:spcPts val="1001"/>
               </a:spcBef>
               <a:tabLst>
-                <a:tab algn="l" pos="0"/>
+                <a:tab pos="0" algn="l"/>
               </a:tabLst>
             </a:pPr>
             <a:r>
-              <a:rPr b="0" lang="pt-PT" sz="2400" spc="-1" strike="noStrike">
+              <a:rPr lang="pt-PT" sz="2400" b="0" strike="noStrike" spc="-1">
                 <a:solidFill>
                   <a:srgbClr val="000000"/>
                 </a:solidFill>
@@ -5691,7 +6730,7 @@
               </a:rPr>
               <a:t>Não é necessário, pode ser apagado depois</a:t>
             </a:r>
-            <a:endParaRPr b="0" lang="pt-PT" sz="2400" spc="-1" strike="noStrike">
+            <a:endParaRPr lang="pt-PT" sz="2400" b="0" strike="noStrike" spc="-1">
               <a:latin typeface="Arial"/>
             </a:endParaRPr>
           </a:p>
@@ -5704,11 +6743,11 @@
                 <a:spcPts val="1001"/>
               </a:spcBef>
               <a:tabLst>
-                <a:tab algn="l" pos="0"/>
+                <a:tab pos="0" algn="l"/>
               </a:tabLst>
             </a:pPr>
             <a:r>
-              <a:rPr b="0" lang="pt-PT" sz="2400" spc="-1" strike="noStrike">
+              <a:rPr lang="pt-PT" sz="2400" b="0" strike="noStrike" spc="-1">
                 <a:solidFill>
                   <a:srgbClr val="000000"/>
                 </a:solidFill>
@@ -5717,7 +6756,7 @@
               </a:rPr>
               <a:t>max 5 diapositivos</a:t>
             </a:r>
-            <a:endParaRPr b="0" lang="pt-PT" sz="2400" spc="-1" strike="noStrike">
+            <a:endParaRPr lang="pt-PT" sz="2400" b="0" strike="noStrike" spc="-1">
               <a:latin typeface="Arial"/>
             </a:endParaRPr>
           </a:p>
@@ -5725,19 +6764,14 @@
       </p:sp>
     </p:spTree>
   </p:cSld>
-  <mc:AlternateContent>
-    <mc:Choice Requires="p14">
-      <p:transition spd="slow" p14:dur="2000"/>
-    </mc:Choice>
-    <mc:Fallback>
-      <p:transition spd="slow"/>
-    </mc:Fallback>
-  </mc:AlternateContent>
+  <p:clrMapOvr>
+    <a:masterClrMapping/>
+  </p:clrMapOvr>
 </p:sld>
 </file>
 
 <file path=ppt/slides/slide2.xml><?xml version="1.0" encoding="utf-8"?>
-<p:sld xmlns:a="http://schemas.openxmlformats.org/drawingml/2006/main" xmlns:p="http://schemas.openxmlformats.org/presentationml/2006/main" xmlns:r="http://schemas.openxmlformats.org/officeDocument/2006/relationships" xmlns:p14="http://schemas.microsoft.com/office/powerpoint/2010/main" xmlns:p15="http://schemas.microsoft.com/office/powerpoint/2012/main" xmlns:mc="http://schemas.openxmlformats.org/markup-compatibility/2006">
+<p:sld xmlns:a="http://schemas.openxmlformats.org/drawingml/2006/main" xmlns:r="http://schemas.openxmlformats.org/officeDocument/2006/relationships" xmlns:p="http://schemas.openxmlformats.org/presentationml/2006/main">
   <p:cSld>
     <p:spTree>
       <p:nvGrpSpPr>
@@ -5773,15 +6807,22 @@
           </a:ln>
         </p:spPr>
         <p:style>
-          <a:lnRef idx="0"/>
-          <a:fillRef idx="0"/>
-          <a:effectRef idx="0"/>
+          <a:lnRef idx="0">
+            <a:scrgbClr r="0" g="0" b="0"/>
+          </a:lnRef>
+          <a:fillRef idx="0">
+            <a:scrgbClr r="0" g="0" b="0"/>
+          </a:fillRef>
+          <a:effectRef idx="0">
+            <a:scrgbClr r="0" g="0" b="0"/>
+          </a:effectRef>
           <a:fontRef idx="minor"/>
         </p:style>
         <p:txBody>
-          <a:bodyPr lIns="90000" rIns="90000" tIns="45000" bIns="45000" anchor="ctr">
+          <a:bodyPr lIns="90000" tIns="45000" rIns="90000" bIns="45000" anchor="ctr">
             <a:noAutofit/>
           </a:bodyPr>
+          <a:lstStyle/>
           <a:p>
             <a:pPr algn="ctr">
               <a:lnSpc>
@@ -5789,7 +6830,7 @@
               </a:lnSpc>
             </a:pPr>
             <a:r>
-              <a:rPr b="1" lang="pt-PT" sz="4400" spc="-1" strike="noStrike">
+              <a:rPr lang="pt-PT" sz="4400" b="1" strike="noStrike" spc="-1">
                 <a:solidFill>
                   <a:srgbClr val="000000"/>
                 </a:solidFill>
@@ -5798,7 +6839,7 @@
               </a:rPr>
               <a:t>Descrição do Problema</a:t>
             </a:r>
-            <a:endParaRPr b="0" lang="pt-PT" sz="4400" spc="-1" strike="noStrike">
+            <a:endParaRPr lang="pt-PT" sz="4400" b="0" strike="noStrike" spc="-1">
               <a:latin typeface="Arial"/>
             </a:endParaRPr>
           </a:p>
@@ -5824,15 +6865,22 @@
           </a:ln>
         </p:spPr>
         <p:style>
-          <a:lnRef idx="0"/>
-          <a:fillRef idx="0"/>
-          <a:effectRef idx="0"/>
+          <a:lnRef idx="0">
+            <a:scrgbClr r="0" g="0" b="0"/>
+          </a:lnRef>
+          <a:fillRef idx="0">
+            <a:scrgbClr r="0" g="0" b="0"/>
+          </a:fillRef>
+          <a:effectRef idx="0">
+            <a:scrgbClr r="0" g="0" b="0"/>
+          </a:effectRef>
           <a:fontRef idx="minor"/>
         </p:style>
         <p:txBody>
-          <a:bodyPr lIns="90000" rIns="90000" tIns="45000" bIns="45000">
+          <a:bodyPr lIns="90000" tIns="45000" rIns="90000" bIns="45000">
             <a:normAutofit/>
           </a:bodyPr>
+          <a:lstStyle/>
           <a:p>
             <a:pPr>
               <a:lnSpc>
@@ -5842,11 +6890,11 @@
                 <a:spcPts val="1001"/>
               </a:spcBef>
               <a:tabLst>
-                <a:tab algn="l" pos="0"/>
+                <a:tab pos="0" algn="l"/>
               </a:tabLst>
             </a:pPr>
             <a:r>
-              <a:rPr b="0" lang="pt-PT" sz="2800" spc="-1" strike="noStrike">
+              <a:rPr lang="pt-PT" sz="2800" b="0" strike="noStrike" spc="-1">
                 <a:solidFill>
                   <a:srgbClr val="000000"/>
                 </a:solidFill>
@@ -5855,7 +6903,7 @@
               </a:rPr>
               <a:t>Implementar um sistema de gestão de informação para uma companhia aérea, capaz de guardar e gerir informação relativa a aviões, voos, passageiros, bagagens e aeroportos.</a:t>
             </a:r>
-            <a:endParaRPr b="0" lang="pt-PT" sz="2800" spc="-1" strike="noStrike">
+            <a:endParaRPr lang="pt-PT" sz="2800" b="0" strike="noStrike" spc="-1">
               <a:latin typeface="Arial"/>
             </a:endParaRPr>
           </a:p>
@@ -5868,11 +6916,11 @@
                 <a:spcPts val="1001"/>
               </a:spcBef>
               <a:tabLst>
-                <a:tab algn="l" pos="0"/>
+                <a:tab pos="0" algn="l"/>
               </a:tabLst>
             </a:pPr>
             <a:r>
-              <a:rPr b="0" lang="pt-PT" sz="2800" spc="-1" strike="noStrike">
+              <a:rPr lang="pt-PT" sz="2800" b="0" strike="noStrike" spc="-1">
                 <a:solidFill>
                   <a:srgbClr val="000000"/>
                 </a:solidFill>
@@ -5881,7 +6929,7 @@
               </a:rPr>
               <a:t>…</a:t>
             </a:r>
-            <a:endParaRPr b="0" lang="pt-PT" sz="2800" spc="-1" strike="noStrike">
+            <a:endParaRPr lang="pt-PT" sz="2800" b="0" strike="noStrike" spc="-1">
               <a:latin typeface="Arial"/>
             </a:endParaRPr>
           </a:p>
@@ -5894,10 +6942,10 @@
                 <a:spcPts val="1001"/>
               </a:spcBef>
               <a:tabLst>
-                <a:tab algn="l" pos="0"/>
+                <a:tab pos="0" algn="l"/>
               </a:tabLst>
             </a:pPr>
-            <a:endParaRPr b="0" lang="pt-PT" sz="2800" spc="-1" strike="noStrike">
+            <a:endParaRPr lang="pt-PT" sz="2800" b="0" strike="noStrike" spc="-1">
               <a:latin typeface="Arial"/>
             </a:endParaRPr>
           </a:p>
@@ -5905,19 +6953,14 @@
       </p:sp>
     </p:spTree>
   </p:cSld>
-  <mc:AlternateContent>
-    <mc:Choice Requires="p14">
-      <p:transition spd="slow" p14:dur="2000"/>
-    </mc:Choice>
-    <mc:Fallback>
-      <p:transition spd="slow"/>
-    </mc:Fallback>
-  </mc:AlternateContent>
+  <p:clrMapOvr>
+    <a:masterClrMapping/>
+  </p:clrMapOvr>
 </p:sld>
 </file>
 
 <file path=ppt/slides/slide3.xml><?xml version="1.0" encoding="utf-8"?>
-<p:sld xmlns:a="http://schemas.openxmlformats.org/drawingml/2006/main" xmlns:p="http://schemas.openxmlformats.org/presentationml/2006/main" xmlns:r="http://schemas.openxmlformats.org/officeDocument/2006/relationships" xmlns:p14="http://schemas.microsoft.com/office/powerpoint/2010/main" xmlns:p15="http://schemas.microsoft.com/office/powerpoint/2012/main" xmlns:mc="http://schemas.openxmlformats.org/markup-compatibility/2006">
+<p:sld xmlns:a="http://schemas.openxmlformats.org/drawingml/2006/main" xmlns:r="http://schemas.openxmlformats.org/officeDocument/2006/relationships" xmlns:p="http://schemas.openxmlformats.org/presentationml/2006/main">
   <p:cSld>
     <p:spTree>
       <p:nvGrpSpPr>
@@ -5953,15 +6996,22 @@
           </a:ln>
         </p:spPr>
         <p:style>
-          <a:lnRef idx="0"/>
-          <a:fillRef idx="0"/>
-          <a:effectRef idx="0"/>
+          <a:lnRef idx="0">
+            <a:scrgbClr r="0" g="0" b="0"/>
+          </a:lnRef>
+          <a:fillRef idx="0">
+            <a:scrgbClr r="0" g="0" b="0"/>
+          </a:fillRef>
+          <a:effectRef idx="0">
+            <a:scrgbClr r="0" g="0" b="0"/>
+          </a:effectRef>
           <a:fontRef idx="minor"/>
         </p:style>
         <p:txBody>
-          <a:bodyPr lIns="90000" rIns="90000" tIns="45000" bIns="45000" anchor="ctr">
+          <a:bodyPr lIns="90000" tIns="45000" rIns="90000" bIns="45000" anchor="ctr">
             <a:noAutofit/>
           </a:bodyPr>
+          <a:lstStyle/>
           <a:p>
             <a:pPr algn="ctr">
               <a:lnSpc>
@@ -5969,7 +7019,7 @@
               </a:lnSpc>
             </a:pPr>
             <a:r>
-              <a:rPr b="1" lang="pt-PT" sz="4400" spc="-1" strike="noStrike">
+              <a:rPr lang="pt-PT" sz="4400" b="1" strike="noStrike" spc="-1">
                 <a:solidFill>
                   <a:srgbClr val="000000"/>
                 </a:solidFill>
@@ -5978,7 +7028,7 @@
               </a:rPr>
               <a:t>Solução</a:t>
             </a:r>
-            <a:endParaRPr b="0" lang="pt-PT" sz="4400" spc="-1" strike="noStrike">
+            <a:endParaRPr lang="pt-PT" sz="4400" b="0" strike="noStrike" spc="-1">
               <a:latin typeface="Arial"/>
             </a:endParaRPr>
           </a:p>
@@ -6004,15 +7054,22 @@
           </a:ln>
         </p:spPr>
         <p:style>
-          <a:lnRef idx="0"/>
-          <a:fillRef idx="0"/>
-          <a:effectRef idx="0"/>
+          <a:lnRef idx="0">
+            <a:scrgbClr r="0" g="0" b="0"/>
+          </a:lnRef>
+          <a:fillRef idx="0">
+            <a:scrgbClr r="0" g="0" b="0"/>
+          </a:fillRef>
+          <a:effectRef idx="0">
+            <a:scrgbClr r="0" g="0" b="0"/>
+          </a:effectRef>
           <a:fontRef idx="minor"/>
         </p:style>
         <p:txBody>
-          <a:bodyPr lIns="0" rIns="0" tIns="0" bIns="0">
+          <a:bodyPr lIns="0" tIns="0" rIns="0" bIns="0">
             <a:normAutofit fontScale="76000"/>
           </a:bodyPr>
+          <a:lstStyle/>
           <a:p>
             <a:pPr marL="432000" indent="-323280">
               <a:lnSpc>
@@ -6029,7 +7086,7 @@
               <a:buChar char=""/>
             </a:pPr>
             <a:r>
-              <a:rPr b="0" lang="pt-PT" sz="2800" spc="-1" strike="noStrike">
+              <a:rPr lang="pt-PT" sz="2800" b="0" strike="noStrike" spc="-1">
                 <a:solidFill>
                   <a:srgbClr val="000000"/>
                 </a:solidFill>
@@ -6038,7 +7095,7 @@
               </a:rPr>
               <a:t>Implementámos um menu de forma a facilitar a interação com o programa;</a:t>
             </a:r>
-            <a:endParaRPr b="0" lang="pt-PT" sz="2800" spc="-1" strike="noStrike">
+            <a:endParaRPr lang="pt-PT" sz="2800" b="0" strike="noStrike" spc="-1">
               <a:latin typeface="Arial"/>
             </a:endParaRPr>
           </a:p>
@@ -6058,7 +7115,7 @@
               <a:buChar char=""/>
             </a:pPr>
             <a:r>
-              <a:rPr b="0" lang="pt-PT" sz="2800" spc="-1" strike="noStrike">
+              <a:rPr lang="pt-PT" sz="2800" b="0" strike="noStrike" spc="-1">
                 <a:solidFill>
                   <a:srgbClr val="000000"/>
                 </a:solidFill>
@@ -6067,7 +7124,7 @@
               </a:rPr>
               <a:t>O núcleo central do programa é a classe Airline, que gere as interações entre aviões, aeroportos, voos e passageiros;</a:t>
             </a:r>
-            <a:endParaRPr b="0" lang="pt-PT" sz="2800" spc="-1" strike="noStrike">
+            <a:endParaRPr lang="pt-PT" sz="2800" b="0" strike="noStrike" spc="-1">
               <a:latin typeface="Arial"/>
             </a:endParaRPr>
           </a:p>
@@ -6087,7 +7144,7 @@
               <a:buChar char=""/>
             </a:pPr>
             <a:r>
-              <a:rPr b="0" lang="pt-PT" sz="2800" spc="-1" strike="noStrike">
+              <a:rPr lang="pt-PT" sz="2800" b="0" strike="noStrike" spc="-1">
                 <a:solidFill>
                   <a:srgbClr val="000000"/>
                 </a:solidFill>
@@ -6096,7 +7153,7 @@
               </a:rPr>
               <a:t>Dentro das soluções aos problemas apresentados, que implementámos, eis dois exemplos:</a:t>
             </a:r>
-            <a:endParaRPr b="0" lang="pt-PT" sz="2800" spc="-1" strike="noStrike">
+            <a:endParaRPr lang="pt-PT" sz="2800" b="0" strike="noStrike" spc="-1">
               <a:latin typeface="Arial"/>
             </a:endParaRPr>
           </a:p>
@@ -6116,7 +7173,7 @@
               <a:buChar char=""/>
             </a:pPr>
             <a:r>
-              <a:rPr b="0" lang="pt-PT" sz="2800" spc="-1" strike="noStrike">
+              <a:rPr lang="pt-PT" sz="2800" b="0" strike="noStrike" spc="-1">
                 <a:solidFill>
                   <a:srgbClr val="000000"/>
                 </a:solidFill>
@@ -6125,7 +7182,7 @@
               </a:rPr>
               <a:t>No tratamento dos serviços criamos duas filas(serviçosAcabados, serviçosMarcados), quando um novo serviço era criado, era colocado nos serviçosMarcados e depois de ser cumprido, era colocado nos serviçosAcabados.</a:t>
             </a:r>
-            <a:endParaRPr b="0" lang="pt-PT" sz="2800" spc="-1" strike="noStrike">
+            <a:endParaRPr lang="pt-PT" sz="2800" b="0" strike="noStrike" spc="-1">
               <a:latin typeface="Arial"/>
             </a:endParaRPr>
           </a:p>
@@ -6145,7 +7202,7 @@
               <a:buChar char=""/>
             </a:pPr>
             <a:r>
-              <a:rPr b="0" lang="pt-PT" sz="2800" spc="-1" strike="noStrike">
+              <a:rPr lang="pt-PT" sz="2800" b="0" strike="noStrike" spc="-1">
                 <a:solidFill>
                   <a:srgbClr val="000000"/>
                 </a:solidFill>
@@ -6154,7 +7211,7 @@
               </a:rPr>
               <a:t>No tratamento das malas  criamos um sistema de transporte, composto por carruagens que, à medida que estas ficam cheias, adicionam novas carruagens. Cada carruagem possui 4 stacks e cada stack tem a capacidade máxima de 5 malas.</a:t>
             </a:r>
-            <a:endParaRPr b="0" lang="pt-PT" sz="2800" spc="-1" strike="noStrike">
+            <a:endParaRPr lang="pt-PT" sz="2800" b="0" strike="noStrike" spc="-1">
               <a:latin typeface="Arial"/>
             </a:endParaRPr>
           </a:p>
@@ -6162,19 +7219,14 @@
       </p:sp>
     </p:spTree>
   </p:cSld>
-  <mc:AlternateContent>
-    <mc:Choice Requires="p14">
-      <p:transition spd="slow" p14:dur="2000"/>
-    </mc:Choice>
-    <mc:Fallback>
-      <p:transition spd="slow"/>
-    </mc:Fallback>
-  </mc:AlternateContent>
+  <p:clrMapOvr>
+    <a:masterClrMapping/>
+  </p:clrMapOvr>
 </p:sld>
 </file>
 
 <file path=ppt/slides/slide4.xml><?xml version="1.0" encoding="utf-8"?>
-<p:sld xmlns:a="http://schemas.openxmlformats.org/drawingml/2006/main" xmlns:p="http://schemas.openxmlformats.org/presentationml/2006/main" xmlns:r="http://schemas.openxmlformats.org/officeDocument/2006/relationships" xmlns:p14="http://schemas.microsoft.com/office/powerpoint/2010/main" xmlns:p15="http://schemas.microsoft.com/office/powerpoint/2012/main" xmlns:mc="http://schemas.openxmlformats.org/markup-compatibility/2006">
+<p:sld xmlns:a="http://schemas.openxmlformats.org/drawingml/2006/main" xmlns:r="http://schemas.openxmlformats.org/officeDocument/2006/relationships" xmlns:p="http://schemas.openxmlformats.org/presentationml/2006/main">
   <p:cSld>
     <p:spTree>
       <p:nvGrpSpPr>
@@ -6210,15 +7262,22 @@
           </a:ln>
         </p:spPr>
         <p:style>
-          <a:lnRef idx="0"/>
-          <a:fillRef idx="0"/>
-          <a:effectRef idx="0"/>
+          <a:lnRef idx="0">
+            <a:scrgbClr r="0" g="0" b="0"/>
+          </a:lnRef>
+          <a:fillRef idx="0">
+            <a:scrgbClr r="0" g="0" b="0"/>
+          </a:fillRef>
+          <a:effectRef idx="0">
+            <a:scrgbClr r="0" g="0" b="0"/>
+          </a:effectRef>
           <a:fontRef idx="minor"/>
         </p:style>
         <p:txBody>
-          <a:bodyPr lIns="90000" rIns="90000" tIns="45000" bIns="45000" anchor="ctr">
+          <a:bodyPr lIns="90000" tIns="45000" rIns="90000" bIns="45000" anchor="ctr">
             <a:noAutofit/>
           </a:bodyPr>
+          <a:lstStyle/>
           <a:p>
             <a:pPr algn="ctr">
               <a:lnSpc>
@@ -6226,7 +7285,7 @@
               </a:lnSpc>
             </a:pPr>
             <a:r>
-              <a:rPr b="1" lang="pt-PT" sz="4400" spc="-1" strike="noStrike">
+              <a:rPr lang="pt-PT" sz="4400" b="1" strike="noStrike" spc="-1">
                 <a:solidFill>
                   <a:srgbClr val="000000"/>
                 </a:solidFill>
@@ -6235,7 +7294,7 @@
               </a:rPr>
               <a:t>Diagrama de Classes</a:t>
             </a:r>
-            <a:endParaRPr b="0" lang="pt-PT" sz="4400" spc="-1" strike="noStrike">
+            <a:endParaRPr lang="pt-PT" sz="4400" b="0" strike="noStrike" spc="-1">
               <a:latin typeface="Arial"/>
             </a:endParaRPr>
           </a:p>
@@ -6261,20 +7320,26 @@
           </a:ln>
         </p:spPr>
         <p:style>
-          <a:lnRef idx="0"/>
-          <a:fillRef idx="0"/>
-          <a:effectRef idx="0"/>
+          <a:lnRef idx="0">
+            <a:scrgbClr r="0" g="0" b="0"/>
+          </a:lnRef>
+          <a:fillRef idx="0">
+            <a:scrgbClr r="0" g="0" b="0"/>
+          </a:fillRef>
+          <a:effectRef idx="0">
+            <a:scrgbClr r="0" g="0" b="0"/>
+          </a:effectRef>
           <a:fontRef idx="minor"/>
         </p:style>
       </p:sp>
       <p:pic>
         <p:nvPicPr>
-          <p:cNvPr id="124" name="" descr=""/>
+          <p:cNvPr id="124" name="Imagem 123"/>
           <p:cNvPicPr/>
           <p:nvPr/>
         </p:nvPicPr>
         <p:blipFill>
-          <a:blip r:embed="rId1"/>
+          <a:blip r:embed="rId2"/>
           <a:stretch/>
         </p:blipFill>
         <p:spPr>
@@ -6292,19 +7357,14 @@
       </p:pic>
     </p:spTree>
   </p:cSld>
-  <mc:AlternateContent>
-    <mc:Choice Requires="p14">
-      <p:transition spd="slow" p14:dur="2000"/>
-    </mc:Choice>
-    <mc:Fallback>
-      <p:transition spd="slow"/>
-    </mc:Fallback>
-  </mc:AlternateContent>
+  <p:clrMapOvr>
+    <a:masterClrMapping/>
+  </p:clrMapOvr>
 </p:sld>
 </file>
 
 <file path=ppt/slides/slide5.xml><?xml version="1.0" encoding="utf-8"?>
-<p:sld xmlns:a="http://schemas.openxmlformats.org/drawingml/2006/main" xmlns:p="http://schemas.openxmlformats.org/presentationml/2006/main" xmlns:r="http://schemas.openxmlformats.org/officeDocument/2006/relationships" xmlns:p14="http://schemas.microsoft.com/office/powerpoint/2010/main" xmlns:p15="http://schemas.microsoft.com/office/powerpoint/2012/main" xmlns:mc="http://schemas.openxmlformats.org/markup-compatibility/2006">
+<p:sld xmlns:a="http://schemas.openxmlformats.org/drawingml/2006/main" xmlns:r="http://schemas.openxmlformats.org/officeDocument/2006/relationships" xmlns:p="http://schemas.openxmlformats.org/presentationml/2006/main">
   <p:cSld>
     <p:spTree>
       <p:nvGrpSpPr>
@@ -6340,15 +7400,22 @@
           </a:ln>
         </p:spPr>
         <p:style>
-          <a:lnRef idx="0"/>
-          <a:fillRef idx="0"/>
-          <a:effectRef idx="0"/>
+          <a:lnRef idx="0">
+            <a:scrgbClr r="0" g="0" b="0"/>
+          </a:lnRef>
+          <a:fillRef idx="0">
+            <a:scrgbClr r="0" g="0" b="0"/>
+          </a:fillRef>
+          <a:effectRef idx="0">
+            <a:scrgbClr r="0" g="0" b="0"/>
+          </a:effectRef>
           <a:fontRef idx="minor"/>
         </p:style>
         <p:txBody>
-          <a:bodyPr lIns="90000" rIns="90000" tIns="45000" bIns="45000" anchor="ctr">
+          <a:bodyPr lIns="90000" tIns="45000" rIns="90000" bIns="45000" anchor="ctr">
             <a:noAutofit/>
           </a:bodyPr>
+          <a:lstStyle/>
           <a:p>
             <a:pPr algn="ctr">
               <a:lnSpc>
@@ -6356,7 +7423,7 @@
               </a:lnSpc>
             </a:pPr>
             <a:r>
-              <a:rPr b="1" lang="pt-PT" sz="4400" spc="-1" strike="noStrike">
+              <a:rPr lang="pt-PT" sz="4400" b="1" strike="noStrike" spc="-1">
                 <a:solidFill>
                   <a:srgbClr val="000000"/>
                 </a:solidFill>
@@ -6365,7 +7432,7 @@
               </a:rPr>
               <a:t>Estrutura de Ficheiros</a:t>
             </a:r>
-            <a:endParaRPr b="0" lang="pt-PT" sz="4400" spc="-1" strike="noStrike">
+            <a:endParaRPr lang="pt-PT" sz="4400" b="0" strike="noStrike" spc="-1">
               <a:latin typeface="Arial"/>
             </a:endParaRPr>
           </a:p>
@@ -6391,15 +7458,22 @@
           </a:ln>
         </p:spPr>
         <p:style>
-          <a:lnRef idx="0"/>
-          <a:fillRef idx="0"/>
-          <a:effectRef idx="0"/>
+          <a:lnRef idx="0">
+            <a:scrgbClr r="0" g="0" b="0"/>
+          </a:lnRef>
+          <a:fillRef idx="0">
+            <a:scrgbClr r="0" g="0" b="0"/>
+          </a:fillRef>
+          <a:effectRef idx="0">
+            <a:scrgbClr r="0" g="0" b="0"/>
+          </a:effectRef>
           <a:fontRef idx="minor"/>
         </p:style>
         <p:txBody>
-          <a:bodyPr lIns="90000" rIns="90000" tIns="45000" bIns="45000">
+          <a:bodyPr lIns="90000" tIns="45000" rIns="90000" bIns="45000">
             <a:noAutofit/>
           </a:bodyPr>
+          <a:lstStyle/>
           <a:p>
             <a:pPr marL="228600" indent="-227160">
               <a:lnSpc>
@@ -6415,7 +7489,7 @@
               <a:buChar char="•"/>
             </a:pPr>
             <a:r>
-              <a:rPr b="0" lang="pt-PT" sz="2800" spc="-1" strike="noStrike">
+              <a:rPr lang="pt-PT" sz="2800" b="0" strike="noStrike" spc="-1">
                 <a:solidFill>
                   <a:srgbClr val="000000"/>
                 </a:solidFill>
@@ -6424,7 +7498,7 @@
               </a:rPr>
               <a:t>Incluímos no  nosso projeto uma estrutura de ficheiros dos seguintes elementos:</a:t>
             </a:r>
-            <a:endParaRPr b="0" lang="pt-PT" sz="2800" spc="-1" strike="noStrike">
+            <a:endParaRPr lang="pt-PT" sz="2800" b="0" strike="noStrike" spc="-1">
               <a:latin typeface="Arial"/>
             </a:endParaRPr>
           </a:p>
@@ -6443,7 +7517,7 @@
               <a:buChar char="•"/>
             </a:pPr>
             <a:r>
-              <a:rPr b="0" lang="pt-PT" sz="2800" spc="-1" strike="noStrike">
+              <a:rPr lang="pt-PT" sz="2800" b="0" strike="noStrike" spc="-1">
                 <a:solidFill>
                   <a:srgbClr val="000000"/>
                 </a:solidFill>
@@ -6452,7 +7526,7 @@
               </a:rPr>
               <a:t>Aviões(tipoAvião, matrícula, capacidade, capacidadeCargo);</a:t>
             </a:r>
-            <a:endParaRPr b="0" lang="pt-PT" sz="2800" spc="-1" strike="noStrike">
+            <a:endParaRPr lang="pt-PT" sz="2800" b="0" strike="noStrike" spc="-1">
               <a:latin typeface="Arial"/>
             </a:endParaRPr>
           </a:p>
@@ -6471,7 +7545,7 @@
               <a:buChar char="•"/>
             </a:pPr>
             <a:r>
-              <a:rPr b="0" lang="pt-PT" sz="2800" spc="-1" strike="noStrike">
+              <a:rPr lang="pt-PT" sz="2800" b="0" strike="noStrike" spc="-1">
                 <a:solidFill>
                   <a:srgbClr val="000000"/>
                 </a:solidFill>
@@ -6480,7 +7554,7 @@
               </a:rPr>
               <a:t>Aeroportos(nomeAeroporto, aviõesAterrados);</a:t>
             </a:r>
-            <a:endParaRPr b="0" lang="pt-PT" sz="2800" spc="-1" strike="noStrike">
+            <a:endParaRPr lang="pt-PT" sz="2800" b="0" strike="noStrike" spc="-1">
               <a:latin typeface="Arial"/>
             </a:endParaRPr>
           </a:p>
@@ -6499,7 +7573,7 @@
               <a:buChar char="•"/>
             </a:pPr>
             <a:r>
-              <a:rPr b="0" lang="pt-PT" sz="2800" spc="-1" strike="noStrike">
+              <a:rPr lang="pt-PT" sz="2800" b="0" strike="noStrike" spc="-1">
                 <a:solidFill>
                   <a:srgbClr val="000000"/>
                 </a:solidFill>
@@ -6508,7 +7582,7 @@
               </a:rPr>
               <a:t>Voos(número, data, duração, matrícula, origem, destino);</a:t>
             </a:r>
-            <a:endParaRPr b="0" lang="pt-PT" sz="2800" spc="-1" strike="noStrike">
+            <a:endParaRPr lang="pt-PT" sz="2800" b="0" strike="noStrike" spc="-1">
               <a:latin typeface="Arial"/>
             </a:endParaRPr>
           </a:p>
@@ -6527,7 +7601,7 @@
               <a:buChar char="•"/>
             </a:pPr>
             <a:r>
-              <a:rPr b="0" lang="pt-PT" sz="2800" spc="-1" strike="noStrike">
+              <a:rPr lang="pt-PT" sz="2800" b="0" strike="noStrike" spc="-1">
                 <a:solidFill>
                   <a:srgbClr val="000000"/>
                 </a:solidFill>
@@ -6536,7 +7610,7 @@
               </a:rPr>
               <a:t>Locais de transporte terrestre(Aeroporto, tipoTransporte, distância, horaAbertura, horaFecho);</a:t>
             </a:r>
-            <a:endParaRPr b="0" lang="pt-PT" sz="2800" spc="-1" strike="noStrike">
+            <a:endParaRPr lang="pt-PT" sz="2800" b="0" strike="noStrike" spc="-1">
               <a:latin typeface="Arial"/>
             </a:endParaRPr>
           </a:p>
@@ -6555,7 +7629,7 @@
               <a:buChar char="•"/>
             </a:pPr>
             <a:r>
-              <a:rPr b="0" lang="pt-PT" sz="2800" spc="-1" strike="noStrike">
+              <a:rPr lang="pt-PT" sz="2800" b="0" strike="noStrike" spc="-1">
                 <a:solidFill>
                   <a:srgbClr val="000000"/>
                 </a:solidFill>
@@ -6564,7 +7638,7 @@
               </a:rPr>
               <a:t>Serviços de limpezas(matrículaAvião, tipo, data, empregado).</a:t>
             </a:r>
-            <a:endParaRPr b="0" lang="pt-PT" sz="2800" spc="-1" strike="noStrike">
+            <a:endParaRPr lang="pt-PT" sz="2800" b="0" strike="noStrike" spc="-1">
               <a:latin typeface="Arial"/>
             </a:endParaRPr>
           </a:p>
@@ -6583,7 +7657,7 @@
               <a:buChar char="•"/>
             </a:pPr>
             <a:r>
-              <a:rPr b="0" lang="pt-PT" sz="2800" spc="-1" strike="noStrike">
+              <a:rPr lang="pt-PT" sz="2800" b="0" strike="noStrike" spc="-1">
                 <a:solidFill>
                   <a:srgbClr val="000000"/>
                 </a:solidFill>
@@ -6592,7 +7666,7 @@
               </a:rPr>
               <a:t>Nota:Os serviços de limpeza estão organizados por avião e por ordem cronológica.</a:t>
             </a:r>
-            <a:endParaRPr b="0" lang="pt-PT" sz="2800" spc="-1" strike="noStrike">
+            <a:endParaRPr lang="pt-PT" sz="2800" b="0" strike="noStrike" spc="-1">
               <a:latin typeface="Arial"/>
             </a:endParaRPr>
           </a:p>
@@ -6600,19 +7674,14 @@
       </p:sp>
     </p:spTree>
   </p:cSld>
-  <mc:AlternateContent>
-    <mc:Choice Requires="p14">
-      <p:transition spd="slow" p14:dur="2000"/>
-    </mc:Choice>
-    <mc:Fallback>
-      <p:transition spd="slow"/>
-    </mc:Fallback>
-  </mc:AlternateContent>
+  <p:clrMapOvr>
+    <a:masterClrMapping/>
+  </p:clrMapOvr>
 </p:sld>
 </file>
 
 <file path=ppt/slides/slide6.xml><?xml version="1.0" encoding="utf-8"?>
-<p:sld xmlns:a="http://schemas.openxmlformats.org/drawingml/2006/main" xmlns:p="http://schemas.openxmlformats.org/presentationml/2006/main" xmlns:r="http://schemas.openxmlformats.org/officeDocument/2006/relationships" xmlns:p14="http://schemas.microsoft.com/office/powerpoint/2010/main" xmlns:p15="http://schemas.microsoft.com/office/powerpoint/2012/main" xmlns:mc="http://schemas.openxmlformats.org/markup-compatibility/2006">
+<p:sld xmlns:a="http://schemas.openxmlformats.org/drawingml/2006/main" xmlns:r="http://schemas.openxmlformats.org/officeDocument/2006/relationships" xmlns:p="http://schemas.openxmlformats.org/presentationml/2006/main">
   <p:cSld>
     <p:spTree>
       <p:nvGrpSpPr>
@@ -6648,15 +7717,22 @@
           </a:ln>
         </p:spPr>
         <p:style>
-          <a:lnRef idx="0"/>
-          <a:fillRef idx="0"/>
-          <a:effectRef idx="0"/>
+          <a:lnRef idx="0">
+            <a:scrgbClr r="0" g="0" b="0"/>
+          </a:lnRef>
+          <a:fillRef idx="0">
+            <a:scrgbClr r="0" g="0" b="0"/>
+          </a:fillRef>
+          <a:effectRef idx="0">
+            <a:scrgbClr r="0" g="0" b="0"/>
+          </a:effectRef>
           <a:fontRef idx="minor"/>
         </p:style>
         <p:txBody>
-          <a:bodyPr lIns="90000" rIns="90000" tIns="45000" bIns="45000" anchor="ctr">
+          <a:bodyPr lIns="90000" tIns="45000" rIns="90000" bIns="45000" anchor="ctr">
             <a:noAutofit/>
           </a:bodyPr>
+          <a:lstStyle/>
           <a:p>
             <a:pPr algn="ctr">
               <a:lnSpc>
@@ -6664,7 +7740,7 @@
               </a:lnSpc>
             </a:pPr>
             <a:r>
-              <a:rPr b="1" lang="pt-PT" sz="4400" spc="-1" strike="noStrike">
+              <a:rPr lang="pt-PT" sz="4400" b="1" strike="noStrike" spc="-1">
                 <a:solidFill>
                   <a:srgbClr val="000000"/>
                 </a:solidFill>
@@ -6673,7 +7749,7 @@
               </a:rPr>
               <a:t>Funcionalidades Implementadas</a:t>
             </a:r>
-            <a:endParaRPr b="0" lang="pt-PT" sz="4400" spc="-1" strike="noStrike">
+            <a:endParaRPr lang="pt-PT" sz="4400" b="0" strike="noStrike" spc="-1">
               <a:latin typeface="Arial"/>
             </a:endParaRPr>
           </a:p>
@@ -6699,15 +7775,22 @@
           </a:ln>
         </p:spPr>
         <p:style>
-          <a:lnRef idx="0"/>
-          <a:fillRef idx="0"/>
-          <a:effectRef idx="0"/>
+          <a:lnRef idx="0">
+            <a:scrgbClr r="0" g="0" b="0"/>
+          </a:lnRef>
+          <a:fillRef idx="0">
+            <a:scrgbClr r="0" g="0" b="0"/>
+          </a:fillRef>
+          <a:effectRef idx="0">
+            <a:scrgbClr r="0" g="0" b="0"/>
+          </a:effectRef>
           <a:fontRef idx="minor"/>
         </p:style>
         <p:txBody>
-          <a:bodyPr lIns="90000" rIns="90000" tIns="45000" bIns="45000">
+          <a:bodyPr lIns="90000" tIns="45000" rIns="90000" bIns="45000">
             <a:noAutofit/>
           </a:bodyPr>
+          <a:lstStyle/>
           <a:p>
             <a:pPr>
               <a:lnSpc>
@@ -6717,11 +7800,11 @@
                 <a:spcPts val="1001"/>
               </a:spcBef>
               <a:tabLst>
-                <a:tab algn="l" pos="0"/>
+                <a:tab pos="0" algn="l"/>
               </a:tabLst>
             </a:pPr>
             <a:r>
-              <a:rPr b="0" lang="pt-PT" sz="2800" spc="-1" strike="noStrike">
+              <a:rPr lang="pt-PT" sz="2800" b="0" strike="noStrike" spc="-1" dirty="0">
                 <a:solidFill>
                   <a:srgbClr val="000000"/>
                 </a:solidFill>
@@ -6730,7 +7813,7 @@
               </a:rPr>
               <a:t>No que toca nas operações CRUD:</a:t>
             </a:r>
-            <a:endParaRPr b="0" lang="pt-PT" sz="2800" spc="-1" strike="noStrike">
+            <a:endParaRPr lang="pt-PT" sz="2800" b="0" strike="noStrike" spc="-1" dirty="0">
               <a:latin typeface="Arial"/>
             </a:endParaRPr>
           </a:p>
@@ -6748,20 +7831,40 @@
               <a:buFont typeface="Symbol"/>
               <a:buChar char=""/>
               <a:tabLst>
-                <a:tab algn="l" pos="0"/>
+                <a:tab pos="0" algn="l"/>
               </a:tabLst>
             </a:pPr>
             <a:r>
-              <a:rPr b="0" lang="pt-PT" sz="2800" spc="-1" strike="noStrike">
+              <a:rPr lang="pt-PT" sz="2800" b="0" strike="noStrike" spc="-1" dirty="0">
                 <a:solidFill>
                   <a:srgbClr val="000000"/>
                 </a:solidFill>
                 <a:latin typeface="Calibri"/>
                 <a:ea typeface="DejaVu Sans"/>
               </a:rPr>
-              <a:t>Na classe Flight, implementámos todas as operações CRUD e a mesma possui listagem parcial;</a:t>
-            </a:r>
-            <a:endParaRPr b="0" lang="pt-PT" sz="2800" spc="-1" strike="noStrike">
+              <a:t>Na classe </a:t>
+            </a:r>
+            <a:r>
+              <a:rPr lang="pt-PT" sz="2800" b="0" strike="noStrike" spc="-1" dirty="0" err="1">
+                <a:solidFill>
+                  <a:srgbClr val="000000"/>
+                </a:solidFill>
+                <a:latin typeface="Calibri"/>
+                <a:ea typeface="DejaVu Sans"/>
+              </a:rPr>
+              <a:t>Flight</a:t>
+            </a:r>
+            <a:r>
+              <a:rPr lang="pt-PT" sz="2800" b="0" strike="noStrike" spc="-1" dirty="0">
+                <a:solidFill>
+                  <a:srgbClr val="000000"/>
+                </a:solidFill>
+                <a:latin typeface="Calibri"/>
+                <a:ea typeface="DejaVu Sans"/>
+              </a:rPr>
+              <a:t>, implementámos todas as operações CRUD e a mesma possui listagem parcial;</a:t>
+            </a:r>
+            <a:endParaRPr lang="pt-PT" sz="2800" b="0" strike="noStrike" spc="-1" dirty="0">
               <a:latin typeface="Arial"/>
             </a:endParaRPr>
           </a:p>
@@ -6779,20 +7882,120 @@
               <a:buFont typeface="Symbol"/>
               <a:buChar char=""/>
               <a:tabLst>
-                <a:tab algn="l" pos="0"/>
+                <a:tab pos="0" algn="l"/>
               </a:tabLst>
             </a:pPr>
             <a:r>
-              <a:rPr b="0" lang="pt-PT" sz="2800" spc="-1" strike="noStrike">
+              <a:rPr lang="pt-PT" sz="2800" b="0" strike="noStrike" spc="-1" dirty="0">
                 <a:solidFill>
                   <a:srgbClr val="000000"/>
                 </a:solidFill>
                 <a:latin typeface="Calibri"/>
                 <a:ea typeface="DejaVu Sans"/>
               </a:rPr>
-              <a:t>Na classe LandTransportPlace,  implementámos as operações create e read, a mesma tem listagem parcial;</a:t>
-            </a:r>
-            <a:endParaRPr b="0" lang="pt-PT" sz="2800" spc="-1" strike="noStrike">
+              <a:t>Na classe </a:t>
+            </a:r>
+            <a:r>
+              <a:rPr lang="pt-PT" sz="2800" b="0" strike="noStrike" spc="-1" dirty="0" err="1">
+                <a:solidFill>
+                  <a:srgbClr val="000000"/>
+                </a:solidFill>
+                <a:latin typeface="Calibri"/>
+                <a:ea typeface="DejaVu Sans"/>
+              </a:rPr>
+              <a:t>LandTransportPlace</a:t>
+            </a:r>
+            <a:r>
+              <a:rPr lang="pt-PT" sz="2800" b="0" strike="noStrike" spc="-1" dirty="0">
+                <a:solidFill>
+                  <a:srgbClr val="000000"/>
+                </a:solidFill>
+                <a:latin typeface="Calibri"/>
+                <a:ea typeface="DejaVu Sans"/>
+              </a:rPr>
+              <a:t>,  implementámos as operações </a:t>
+            </a:r>
+            <a:r>
+              <a:rPr lang="pt-PT" sz="2800" b="0" strike="noStrike" spc="-1" dirty="0" err="1">
+                <a:solidFill>
+                  <a:srgbClr val="000000"/>
+                </a:solidFill>
+                <a:latin typeface="Calibri"/>
+                <a:ea typeface="DejaVu Sans"/>
+              </a:rPr>
+              <a:t>create</a:t>
+            </a:r>
+            <a:r>
+              <a:rPr lang="pt-PT" sz="2800" spc="-1" dirty="0">
+                <a:solidFill>
+                  <a:srgbClr val="000000"/>
+                </a:solidFill>
+                <a:latin typeface="Calibri"/>
+                <a:ea typeface="DejaVu Sans"/>
+              </a:rPr>
+              <a:t>, </a:t>
+            </a:r>
+            <a:r>
+              <a:rPr lang="pt-PT" sz="2800" b="0" strike="noStrike" spc="-1" dirty="0" err="1">
+                <a:solidFill>
+                  <a:srgbClr val="000000"/>
+                </a:solidFill>
+                <a:latin typeface="Calibri"/>
+                <a:ea typeface="DejaVu Sans"/>
+              </a:rPr>
+              <a:t>read</a:t>
+            </a:r>
+            <a:r>
+              <a:rPr lang="pt-PT" sz="2800" spc="-1" dirty="0">
+                <a:solidFill>
+                  <a:srgbClr val="000000"/>
+                </a:solidFill>
+                <a:latin typeface="Calibri"/>
+                <a:ea typeface="DejaVu Sans"/>
+              </a:rPr>
+              <a:t> e </a:t>
+            </a:r>
+            <a:r>
+              <a:rPr lang="pt-PT" sz="2800" spc="-1" dirty="0" err="1">
+                <a:solidFill>
+                  <a:srgbClr val="000000"/>
+                </a:solidFill>
+                <a:latin typeface="Calibri"/>
+                <a:ea typeface="DejaVu Sans"/>
+              </a:rPr>
+              <a:t>update</a:t>
+            </a:r>
+            <a:r>
+              <a:rPr lang="pt-PT" sz="2800" spc="-1" dirty="0">
+                <a:solidFill>
+                  <a:srgbClr val="000000"/>
+                </a:solidFill>
+                <a:latin typeface="Calibri"/>
+                <a:ea typeface="DejaVu Sans"/>
+              </a:rPr>
+              <a:t>,</a:t>
+            </a:r>
+            <a:r>
+              <a:rPr lang="pt-PT" sz="2800" b="0" strike="noStrike" spc="-1">
+                <a:solidFill>
+                  <a:srgbClr val="000000"/>
+                </a:solidFill>
+                <a:latin typeface="Calibri"/>
+                <a:ea typeface="DejaVu Sans"/>
+              </a:rPr>
+              <a:t> </a:t>
+            </a:r>
+            <a:r>
+              <a:rPr lang="pt-PT" sz="2800" b="0" strike="noStrike" spc="-1" dirty="0">
+                <a:solidFill>
+                  <a:srgbClr val="000000"/>
+                </a:solidFill>
+                <a:latin typeface="Calibri"/>
+                <a:ea typeface="DejaVu Sans"/>
+              </a:rPr>
+              <a:t>a mesma tem listagem parcial;</a:t>
+            </a:r>
+            <a:endParaRPr lang="pt-PT" sz="2800" b="0" strike="noStrike" spc="-1" dirty="0">
               <a:latin typeface="Arial"/>
             </a:endParaRPr>
           </a:p>
@@ -6810,30 +8013,90 @@
               <a:buFont typeface="Symbol"/>
               <a:buChar char=""/>
               <a:tabLst>
-                <a:tab algn="l" pos="0"/>
+                <a:tab pos="0" algn="l"/>
               </a:tabLst>
             </a:pPr>
             <a:r>
-              <a:rPr b="0" lang="pt-PT" sz="2800" spc="-1" strike="noStrike">
+              <a:rPr lang="pt-PT" sz="2800" b="0" strike="noStrike" spc="-1" dirty="0">
                 <a:solidFill>
                   <a:srgbClr val="000000"/>
                 </a:solidFill>
                 <a:latin typeface="Calibri"/>
                 <a:ea typeface="Microsoft YaHei"/>
               </a:rPr>
-              <a:t>Na classe CleaningService, </a:t>
-            </a:r>
-            <a:r>
-              <a:rPr b="0" lang="pt-PT" sz="2800" spc="-1" strike="noStrike">
+              <a:t>Na classe </a:t>
+            </a:r>
+            <a:r>
+              <a:rPr lang="pt-PT" sz="2800" b="0" strike="noStrike" spc="-1" dirty="0" err="1">
+                <a:solidFill>
+                  <a:srgbClr val="000000"/>
+                </a:solidFill>
+                <a:latin typeface="Calibri"/>
+                <a:ea typeface="Microsoft YaHei"/>
+              </a:rPr>
+              <a:t>CleaningService</a:t>
+            </a:r>
+            <a:r>
+              <a:rPr lang="pt-PT" sz="2800" b="0" strike="noStrike" spc="-1" dirty="0">
+                <a:solidFill>
+                  <a:srgbClr val="000000"/>
+                </a:solidFill>
+                <a:latin typeface="Calibri"/>
+                <a:ea typeface="Microsoft YaHei"/>
+              </a:rPr>
+              <a:t>, </a:t>
+            </a:r>
+            <a:r>
+              <a:rPr lang="pt-PT" sz="2800" b="0" strike="noStrike" spc="-1" dirty="0">
                 <a:solidFill>
                   <a:srgbClr val="000000"/>
                 </a:solidFill>
                 <a:latin typeface="Calibri"/>
                 <a:ea typeface="DejaVu Sans"/>
               </a:rPr>
-              <a:t>implementámos as operações create e read, a mesma tem listagem parcial;</a:t>
-            </a:r>
-            <a:endParaRPr b="0" lang="pt-PT" sz="2800" spc="-1" strike="noStrike">
+              <a:t>implementámos as operações </a:t>
+            </a:r>
+            <a:r>
+              <a:rPr lang="pt-PT" sz="2800" b="0" strike="noStrike" spc="-1" dirty="0" err="1">
+                <a:solidFill>
+                  <a:srgbClr val="000000"/>
+                </a:solidFill>
+                <a:latin typeface="Calibri"/>
+                <a:ea typeface="DejaVu Sans"/>
+              </a:rPr>
+              <a:t>create</a:t>
+            </a:r>
+            <a:r>
+              <a:rPr lang="pt-PT" sz="2800" b="0" strike="noStrike" spc="-1" dirty="0">
+                <a:solidFill>
+                  <a:srgbClr val="000000"/>
+                </a:solidFill>
+                <a:latin typeface="Calibri"/>
+                <a:ea typeface="DejaVu Sans"/>
+              </a:rPr>
+              <a:t> e </a:t>
+            </a:r>
+            <a:r>
+              <a:rPr lang="pt-PT" sz="2800" b="0" strike="noStrike" spc="-1" dirty="0" err="1">
+                <a:solidFill>
+                  <a:srgbClr val="000000"/>
+                </a:solidFill>
+                <a:latin typeface="Calibri"/>
+                <a:ea typeface="DejaVu Sans"/>
+              </a:rPr>
+              <a:t>read</a:t>
+            </a:r>
+            <a:r>
+              <a:rPr lang="pt-PT" sz="2800" b="0" strike="noStrike" spc="-1" dirty="0">
+                <a:solidFill>
+                  <a:srgbClr val="000000"/>
+                </a:solidFill>
+                <a:latin typeface="Calibri"/>
+                <a:ea typeface="DejaVu Sans"/>
+              </a:rPr>
+              <a:t>, a mesma tem listagem parcial;</a:t>
+            </a:r>
+            <a:endParaRPr lang="pt-PT" sz="2800" b="0" strike="noStrike" spc="-1" dirty="0">
               <a:latin typeface="Arial"/>
             </a:endParaRPr>
           </a:p>
@@ -6851,11 +8114,11 @@
               <a:buFont typeface="Symbol"/>
               <a:buChar char=""/>
               <a:tabLst>
-                <a:tab algn="l" pos="0"/>
+                <a:tab pos="0" algn="l"/>
               </a:tabLst>
             </a:pPr>
             <a:r>
-              <a:rPr b="0" lang="pt-PT" sz="2800" spc="-1" strike="noStrike">
+              <a:rPr lang="pt-PT" sz="2800" b="0" strike="noStrike" spc="-1" dirty="0">
                 <a:solidFill>
                   <a:srgbClr val="000000"/>
                 </a:solidFill>
@@ -6864,7 +8127,7 @@
               </a:rPr>
               <a:t>Na classe Plane, implementámos as operações CRUD, a mesma tem listagem total;</a:t>
             </a:r>
-            <a:endParaRPr b="0" lang="pt-PT" sz="2800" spc="-1" strike="noStrike">
+            <a:endParaRPr lang="pt-PT" sz="2800" b="0" strike="noStrike" spc="-1" dirty="0">
               <a:latin typeface="Arial"/>
             </a:endParaRPr>
           </a:p>
@@ -6882,20 +8145,100 @@
               <a:buFont typeface="Symbol"/>
               <a:buChar char=""/>
               <a:tabLst>
-                <a:tab algn="l" pos="0"/>
+                <a:tab pos="0" algn="l"/>
               </a:tabLst>
             </a:pPr>
             <a:r>
-              <a:rPr b="0" lang="pt-PT" sz="2800" spc="-1" strike="noStrike">
+              <a:rPr lang="pt-PT" sz="2800" b="0" strike="noStrike" spc="-1" dirty="0">
                 <a:solidFill>
                   <a:srgbClr val="000000"/>
                 </a:solidFill>
                 <a:latin typeface="Calibri"/>
                 <a:ea typeface="DejaVu Sans"/>
               </a:rPr>
-              <a:t>Na classe Airport, implementámos as operações create, read e update, a mesma tem listagem total;  </a:t>
-            </a:r>
-            <a:endParaRPr b="0" lang="pt-PT" sz="2800" spc="-1" strike="noStrike">
+              <a:t>Na classe </a:t>
+            </a:r>
+            <a:r>
+              <a:rPr lang="pt-PT" sz="2800" b="0" strike="noStrike" spc="-1" dirty="0" err="1">
+                <a:solidFill>
+                  <a:srgbClr val="000000"/>
+                </a:solidFill>
+                <a:latin typeface="Calibri"/>
+                <a:ea typeface="DejaVu Sans"/>
+              </a:rPr>
+              <a:t>Airport</a:t>
+            </a:r>
+            <a:r>
+              <a:rPr lang="pt-PT" sz="2800" b="0" strike="noStrike" spc="-1" dirty="0">
+                <a:solidFill>
+                  <a:srgbClr val="000000"/>
+                </a:solidFill>
+                <a:latin typeface="Calibri"/>
+                <a:ea typeface="DejaVu Sans"/>
+              </a:rPr>
+              <a:t>, implementámos as operações </a:t>
+            </a:r>
+            <a:r>
+              <a:rPr lang="pt-PT" sz="2800" b="0" strike="noStrike" spc="-1" dirty="0" err="1">
+                <a:solidFill>
+                  <a:srgbClr val="000000"/>
+                </a:solidFill>
+                <a:latin typeface="Calibri"/>
+                <a:ea typeface="DejaVu Sans"/>
+              </a:rPr>
+              <a:t>create</a:t>
+            </a:r>
+            <a:r>
+              <a:rPr lang="pt-PT" sz="2800" b="0" strike="noStrike" spc="-1" dirty="0">
+                <a:solidFill>
+                  <a:srgbClr val="000000"/>
+                </a:solidFill>
+                <a:latin typeface="Calibri"/>
+                <a:ea typeface="DejaVu Sans"/>
+              </a:rPr>
+              <a:t>, </a:t>
+            </a:r>
+            <a:r>
+              <a:rPr lang="pt-PT" sz="2800" b="0" strike="noStrike" spc="-1" dirty="0" err="1">
+                <a:solidFill>
+                  <a:srgbClr val="000000"/>
+                </a:solidFill>
+                <a:latin typeface="Calibri"/>
+                <a:ea typeface="DejaVu Sans"/>
+              </a:rPr>
+              <a:t>read</a:t>
+            </a:r>
+            <a:r>
+              <a:rPr lang="pt-PT" sz="2800" b="0" strike="noStrike" spc="-1" dirty="0">
+                <a:solidFill>
+                  <a:srgbClr val="000000"/>
+                </a:solidFill>
+                <a:latin typeface="Calibri"/>
+                <a:ea typeface="DejaVu Sans"/>
+              </a:rPr>
+              <a:t> e </a:t>
+            </a:r>
+            <a:r>
+              <a:rPr lang="pt-PT" sz="2800" b="0" strike="noStrike" spc="-1" dirty="0" err="1">
+                <a:solidFill>
+                  <a:srgbClr val="000000"/>
+                </a:solidFill>
+                <a:latin typeface="Calibri"/>
+                <a:ea typeface="DejaVu Sans"/>
+              </a:rPr>
+              <a:t>update</a:t>
+            </a:r>
+            <a:r>
+              <a:rPr lang="pt-PT" sz="2800" b="0" strike="noStrike" spc="-1" dirty="0">
+                <a:solidFill>
+                  <a:srgbClr val="000000"/>
+                </a:solidFill>
+                <a:latin typeface="Calibri"/>
+                <a:ea typeface="DejaVu Sans"/>
+              </a:rPr>
+              <a:t>, a mesma tem listagem total;  </a:t>
+            </a:r>
+            <a:endParaRPr lang="pt-PT" sz="2800" b="0" strike="noStrike" spc="-1" dirty="0">
               <a:latin typeface="Arial"/>
             </a:endParaRPr>
           </a:p>
@@ -6903,19 +8246,14 @@
       </p:sp>
     </p:spTree>
   </p:cSld>
-  <mc:AlternateContent>
-    <mc:Choice Requires="p14">
-      <p:transition spd="slow" p14:dur="2000"/>
-    </mc:Choice>
-    <mc:Fallback>
-      <p:transition spd="slow"/>
-    </mc:Fallback>
-  </mc:AlternateContent>
+  <p:clrMapOvr>
+    <a:masterClrMapping/>
+  </p:clrMapOvr>
 </p:sld>
 </file>
 
 <file path=ppt/slides/slide7.xml><?xml version="1.0" encoding="utf-8"?>
-<p:sld xmlns:a="http://schemas.openxmlformats.org/drawingml/2006/main" xmlns:p="http://schemas.openxmlformats.org/presentationml/2006/main" xmlns:r="http://schemas.openxmlformats.org/officeDocument/2006/relationships" xmlns:p14="http://schemas.microsoft.com/office/powerpoint/2010/main" xmlns:p15="http://schemas.microsoft.com/office/powerpoint/2012/main" xmlns:mc="http://schemas.openxmlformats.org/markup-compatibility/2006">
+<p:sld xmlns:a="http://schemas.openxmlformats.org/drawingml/2006/main" xmlns:r="http://schemas.openxmlformats.org/officeDocument/2006/relationships" xmlns:p="http://schemas.openxmlformats.org/presentationml/2006/main">
   <p:cSld>
     <p:spTree>
       <p:nvGrpSpPr>
@@ -6951,15 +8289,22 @@
           </a:ln>
         </p:spPr>
         <p:style>
-          <a:lnRef idx="0"/>
-          <a:fillRef idx="0"/>
-          <a:effectRef idx="0"/>
+          <a:lnRef idx="0">
+            <a:scrgbClr r="0" g="0" b="0"/>
+          </a:lnRef>
+          <a:fillRef idx="0">
+            <a:scrgbClr r="0" g="0" b="0"/>
+          </a:fillRef>
+          <a:effectRef idx="0">
+            <a:scrgbClr r="0" g="0" b="0"/>
+          </a:effectRef>
           <a:fontRef idx="minor"/>
         </p:style>
         <p:txBody>
-          <a:bodyPr lIns="0" rIns="0" tIns="0" bIns="0" anchor="ctr">
+          <a:bodyPr lIns="0" tIns="0" rIns="0" bIns="0" anchor="ctr">
             <a:noAutofit/>
           </a:bodyPr>
+          <a:lstStyle/>
           <a:p>
             <a:pPr algn="ctr">
               <a:lnSpc>
@@ -6967,7 +8312,7 @@
               </a:lnSpc>
             </a:pPr>
             <a:r>
-              <a:rPr b="1" lang="pt-PT" sz="4400" spc="-1" strike="noStrike">
+              <a:rPr lang="pt-PT" sz="4400" b="1" strike="noStrike" spc="-1">
                 <a:solidFill>
                   <a:srgbClr val="000000"/>
                 </a:solidFill>
@@ -6976,7 +8321,7 @@
               </a:rPr>
               <a:t>Funcionalidades Implementadas(cont)</a:t>
             </a:r>
-            <a:endParaRPr b="0" lang="pt-PT" sz="4400" spc="-1" strike="noStrike">
+            <a:endParaRPr lang="pt-PT" sz="4400" b="0" strike="noStrike" spc="-1">
               <a:latin typeface="Arial"/>
             </a:endParaRPr>
           </a:p>
@@ -7002,15 +8347,22 @@
           </a:ln>
         </p:spPr>
         <p:style>
-          <a:lnRef idx="0"/>
-          <a:fillRef idx="0"/>
-          <a:effectRef idx="0"/>
+          <a:lnRef idx="0">
+            <a:scrgbClr r="0" g="0" b="0"/>
+          </a:lnRef>
+          <a:fillRef idx="0">
+            <a:scrgbClr r="0" g="0" b="0"/>
+          </a:fillRef>
+          <a:effectRef idx="0">
+            <a:scrgbClr r="0" g="0" b="0"/>
+          </a:effectRef>
           <a:fontRef idx="minor"/>
         </p:style>
         <p:txBody>
-          <a:bodyPr lIns="0" rIns="0" tIns="0" bIns="0">
+          <a:bodyPr lIns="0" tIns="0" rIns="0" bIns="0">
             <a:normAutofit fontScale="76000"/>
           </a:bodyPr>
+          <a:lstStyle/>
           <a:p>
             <a:pPr marL="432000" indent="-323280">
               <a:lnSpc>
@@ -7027,7 +8379,7 @@
               <a:buChar char=""/>
             </a:pPr>
             <a:r>
-              <a:rPr b="0" lang="pt-PT" sz="3200" spc="-1" strike="noStrike">
+              <a:rPr lang="pt-PT" sz="3200" b="0" strike="noStrike" spc="-1">
                 <a:solidFill>
                   <a:srgbClr val="000000"/>
                 </a:solidFill>
@@ -7036,7 +8388,7 @@
               </a:rPr>
               <a:t>Algoritmos de pesquisa usados:</a:t>
             </a:r>
-            <a:endParaRPr b="0" lang="pt-PT" sz="3200" spc="-1" strike="noStrike">
+            <a:endParaRPr lang="pt-PT" sz="3200" b="0" strike="noStrike" spc="-1">
               <a:latin typeface="Arial"/>
             </a:endParaRPr>
           </a:p>
@@ -7056,7 +8408,7 @@
               <a:buChar char=""/>
             </a:pPr>
             <a:r>
-              <a:rPr b="0" lang="pt-PT" sz="3200" spc="-1" strike="noStrike">
+              <a:rPr lang="pt-PT" sz="3200" b="0" strike="noStrike" spc="-1">
                 <a:solidFill>
                   <a:srgbClr val="000000"/>
                 </a:solidFill>
@@ -7065,7 +8417,7 @@
               </a:rPr>
               <a:t>std::find_if (STL);</a:t>
             </a:r>
-            <a:endParaRPr b="0" lang="pt-PT" sz="3200" spc="-1" strike="noStrike">
+            <a:endParaRPr lang="pt-PT" sz="3200" b="0" strike="noStrike" spc="-1">
               <a:latin typeface="Arial"/>
             </a:endParaRPr>
           </a:p>
@@ -7085,7 +8437,7 @@
               <a:buChar char=""/>
             </a:pPr>
             <a:r>
-              <a:rPr b="0" lang="pt-PT" sz="3200" spc="-1" strike="noStrike">
+              <a:rPr lang="pt-PT" sz="3200" b="0" strike="noStrike" spc="-1">
                 <a:solidFill>
                   <a:srgbClr val="000000"/>
                 </a:solidFill>
@@ -7094,7 +8446,7 @@
               </a:rPr>
               <a:t>Recorremos também à pesquisa linear com recurso a iteradores.</a:t>
             </a:r>
-            <a:endParaRPr b="0" lang="pt-PT" sz="3200" spc="-1" strike="noStrike">
+            <a:endParaRPr lang="pt-PT" sz="3200" b="0" strike="noStrike" spc="-1">
               <a:latin typeface="Arial"/>
             </a:endParaRPr>
           </a:p>
@@ -7114,7 +8466,7 @@
               <a:buChar char=""/>
             </a:pPr>
             <a:r>
-              <a:rPr b="0" lang="pt-PT" sz="3200" spc="-1" strike="noStrike">
+              <a:rPr lang="pt-PT" sz="3200" b="0" strike="noStrike" spc="-1">
                 <a:solidFill>
                   <a:srgbClr val="000000"/>
                 </a:solidFill>
@@ -7123,7 +8475,7 @@
               </a:rPr>
               <a:t>Algoritmos de ordenação usados:</a:t>
             </a:r>
-            <a:endParaRPr b="0" lang="pt-PT" sz="3200" spc="-1" strike="noStrike">
+            <a:endParaRPr lang="pt-PT" sz="3200" b="0" strike="noStrike" spc="-1">
               <a:latin typeface="Arial"/>
             </a:endParaRPr>
           </a:p>
@@ -7143,7 +8495,7 @@
               <a:buChar char=""/>
             </a:pPr>
             <a:r>
-              <a:rPr b="0" lang="pt-PT" sz="3200" spc="-1" strike="noStrike">
+              <a:rPr lang="pt-PT" sz="3200" b="0" strike="noStrike" spc="-1">
                 <a:solidFill>
                   <a:srgbClr val="000000"/>
                 </a:solidFill>
@@ -7152,7 +8504,7 @@
               </a:rPr>
               <a:t>std::sort (STL);</a:t>
             </a:r>
-            <a:endParaRPr b="0" lang="pt-PT" sz="3200" spc="-1" strike="noStrike">
+            <a:endParaRPr lang="pt-PT" sz="3200" b="0" strike="noStrike" spc="-1">
               <a:latin typeface="Arial"/>
             </a:endParaRPr>
           </a:p>
@@ -7172,7 +8524,7 @@
               <a:buChar char=""/>
             </a:pPr>
             <a:r>
-              <a:rPr b="0" lang="pt-PT" sz="3200" spc="-1" strike="noStrike">
+              <a:rPr lang="pt-PT" sz="3200" b="0" strike="noStrike" spc="-1">
                 <a:solidFill>
                   <a:srgbClr val="000000"/>
                 </a:solidFill>
@@ -7181,7 +8533,7 @@
               </a:rPr>
               <a:t>std::remove_if (STL;</a:t>
             </a:r>
-            <a:endParaRPr b="0" lang="pt-PT" sz="3200" spc="-1" strike="noStrike">
+            <a:endParaRPr lang="pt-PT" sz="3200" b="0" strike="noStrike" spc="-1">
               <a:latin typeface="Arial"/>
             </a:endParaRPr>
           </a:p>
@@ -7201,7 +8553,7 @@
               <a:buChar char=""/>
             </a:pPr>
             <a:r>
-              <a:rPr b="0" lang="pt-PT" sz="3200" spc="-1" strike="noStrike">
+              <a:rPr lang="pt-PT" sz="3200" b="0" strike="noStrike" spc="-1">
                 <a:solidFill>
                   <a:srgbClr val="000000"/>
                 </a:solidFill>
@@ -7210,7 +8562,7 @@
               </a:rPr>
               <a:t>Std::list.sort (STL).</a:t>
             </a:r>
-            <a:endParaRPr b="0" lang="pt-PT" sz="3200" spc="-1" strike="noStrike">
+            <a:endParaRPr lang="pt-PT" sz="3200" b="0" strike="noStrike" spc="-1">
               <a:latin typeface="Arial"/>
             </a:endParaRPr>
           </a:p>
@@ -7218,19 +8570,14 @@
       </p:sp>
     </p:spTree>
   </p:cSld>
-  <mc:AlternateContent>
-    <mc:Choice Requires="p14">
-      <p:transition spd="slow" p14:dur="2000"/>
-    </mc:Choice>
-    <mc:Fallback>
-      <p:transition spd="slow"/>
-    </mc:Fallback>
-  </mc:AlternateContent>
+  <p:clrMapOvr>
+    <a:masterClrMapping/>
+  </p:clrMapOvr>
 </p:sld>
 </file>
 
 <file path=ppt/slides/slide8.xml><?xml version="1.0" encoding="utf-8"?>
-<p:sld xmlns:a="http://schemas.openxmlformats.org/drawingml/2006/main" xmlns:p="http://schemas.openxmlformats.org/presentationml/2006/main" xmlns:r="http://schemas.openxmlformats.org/officeDocument/2006/relationships" xmlns:p14="http://schemas.microsoft.com/office/powerpoint/2010/main" xmlns:p15="http://schemas.microsoft.com/office/powerpoint/2012/main" xmlns:mc="http://schemas.openxmlformats.org/markup-compatibility/2006">
+<p:sld xmlns:a="http://schemas.openxmlformats.org/drawingml/2006/main" xmlns:r="http://schemas.openxmlformats.org/officeDocument/2006/relationships" xmlns:p="http://schemas.openxmlformats.org/presentationml/2006/main">
   <p:cSld>
     <p:spTree>
       <p:nvGrpSpPr>
@@ -7266,15 +8613,22 @@
           </a:ln>
         </p:spPr>
         <p:style>
-          <a:lnRef idx="0"/>
-          <a:fillRef idx="0"/>
-          <a:effectRef idx="0"/>
+          <a:lnRef idx="0">
+            <a:scrgbClr r="0" g="0" b="0"/>
+          </a:lnRef>
+          <a:fillRef idx="0">
+            <a:scrgbClr r="0" g="0" b="0"/>
+          </a:fillRef>
+          <a:effectRef idx="0">
+            <a:scrgbClr r="0" g="0" b="0"/>
+          </a:effectRef>
           <a:fontRef idx="minor"/>
         </p:style>
         <p:txBody>
-          <a:bodyPr lIns="90000" rIns="90000" tIns="45000" bIns="45000" anchor="ctr">
+          <a:bodyPr lIns="90000" tIns="45000" rIns="90000" bIns="45000" anchor="ctr">
             <a:noAutofit/>
           </a:bodyPr>
+          <a:lstStyle/>
           <a:p>
             <a:pPr algn="ctr">
               <a:lnSpc>
@@ -7282,7 +8636,7 @@
               </a:lnSpc>
             </a:pPr>
             <a:r>
-              <a:rPr b="1" lang="pt-PT" sz="4400" spc="-1" strike="noStrike">
+              <a:rPr lang="pt-PT" sz="4400" b="1" strike="noStrike" spc="-1">
                 <a:solidFill>
                   <a:srgbClr val="000000"/>
                 </a:solidFill>
@@ -7291,7 +8645,7 @@
               </a:rPr>
               <a:t>Destaque de Funcionalidade</a:t>
             </a:r>
-            <a:endParaRPr b="0" lang="pt-PT" sz="4400" spc="-1" strike="noStrike">
+            <a:endParaRPr lang="pt-PT" sz="4400" b="0" strike="noStrike" spc="-1">
               <a:latin typeface="Arial"/>
             </a:endParaRPr>
           </a:p>
@@ -7317,9 +8671,15 @@
           </a:ln>
         </p:spPr>
         <p:style>
-          <a:lnRef idx="0"/>
-          <a:fillRef idx="0"/>
-          <a:effectRef idx="0"/>
+          <a:lnRef idx="0">
+            <a:scrgbClr r="0" g="0" b="0"/>
+          </a:lnRef>
+          <a:fillRef idx="0">
+            <a:scrgbClr r="0" g="0" b="0"/>
+          </a:fillRef>
+          <a:effectRef idx="0">
+            <a:scrgbClr r="0" g="0" b="0"/>
+          </a:effectRef>
           <a:fontRef idx="minor"/>
         </p:style>
       </p:sp>
@@ -7343,15 +8703,22 @@
           </a:ln>
         </p:spPr>
         <p:style>
-          <a:lnRef idx="0"/>
-          <a:fillRef idx="0"/>
-          <a:effectRef idx="0"/>
+          <a:lnRef idx="0">
+            <a:scrgbClr r="0" g="0" b="0"/>
+          </a:lnRef>
+          <a:fillRef idx="0">
+            <a:scrgbClr r="0" g="0" b="0"/>
+          </a:fillRef>
+          <a:effectRef idx="0">
+            <a:scrgbClr r="0" g="0" b="0"/>
+          </a:effectRef>
           <a:fontRef idx="minor"/>
         </p:style>
         <p:txBody>
-          <a:bodyPr lIns="0" rIns="0" tIns="0" bIns="0">
+          <a:bodyPr lIns="0" tIns="0" rIns="0" bIns="0">
             <a:normAutofit/>
           </a:bodyPr>
+          <a:lstStyle/>
           <a:p>
             <a:pPr marL="432000" indent="-323280">
               <a:lnSpc>
@@ -7368,7 +8735,7 @@
               <a:buChar char=""/>
             </a:pPr>
             <a:r>
-              <a:rPr b="0" lang="pt-PT" sz="2800" spc="-1" strike="noStrike">
+              <a:rPr lang="pt-PT" sz="2800" b="0" strike="noStrike" spc="-1">
                 <a:solidFill>
                   <a:srgbClr val="000000"/>
                 </a:solidFill>
@@ -7377,7 +8744,7 @@
               </a:rPr>
               <a:t>A funcionalidade que gostaríamos de realçar seria a que nos permite a realização de voos e também de serviços de limpeza/manutenção com base na data atual, o que dá uma sensação de "realismo" à aplicação em si.</a:t>
             </a:r>
-            <a:endParaRPr b="0" lang="pt-PT" sz="2800" spc="-1" strike="noStrike">
+            <a:endParaRPr lang="pt-PT" sz="2800" b="0" strike="noStrike" spc="-1">
               <a:latin typeface="Arial"/>
             </a:endParaRPr>
           </a:p>
@@ -7385,19 +8752,14 @@
       </p:sp>
     </p:spTree>
   </p:cSld>
-  <mc:AlternateContent>
-    <mc:Choice Requires="p14">
-      <p:transition spd="slow" p14:dur="2000"/>
-    </mc:Choice>
-    <mc:Fallback>
-      <p:transition spd="slow"/>
-    </mc:Fallback>
-  </mc:AlternateContent>
+  <p:clrMapOvr>
+    <a:masterClrMapping/>
+  </p:clrMapOvr>
 </p:sld>
 </file>
 
 <file path=ppt/slides/slide9.xml><?xml version="1.0" encoding="utf-8"?>
-<p:sld xmlns:a="http://schemas.openxmlformats.org/drawingml/2006/main" xmlns:p="http://schemas.openxmlformats.org/presentationml/2006/main" xmlns:r="http://schemas.openxmlformats.org/officeDocument/2006/relationships" xmlns:p14="http://schemas.microsoft.com/office/powerpoint/2010/main" xmlns:p15="http://schemas.microsoft.com/office/powerpoint/2012/main" xmlns:mc="http://schemas.openxmlformats.org/markup-compatibility/2006">
+<p:sld xmlns:a="http://schemas.openxmlformats.org/drawingml/2006/main" xmlns:r="http://schemas.openxmlformats.org/officeDocument/2006/relationships" xmlns:p="http://schemas.openxmlformats.org/presentationml/2006/main">
   <p:cSld>
     <p:spTree>
       <p:nvGrpSpPr>
@@ -7433,15 +8795,22 @@
           </a:ln>
         </p:spPr>
         <p:style>
-          <a:lnRef idx="0"/>
-          <a:fillRef idx="0"/>
-          <a:effectRef idx="0"/>
+          <a:lnRef idx="0">
+            <a:scrgbClr r="0" g="0" b="0"/>
+          </a:lnRef>
+          <a:fillRef idx="0">
+            <a:scrgbClr r="0" g="0" b="0"/>
+          </a:fillRef>
+          <a:effectRef idx="0">
+            <a:scrgbClr r="0" g="0" b="0"/>
+          </a:effectRef>
           <a:fontRef idx="minor"/>
         </p:style>
         <p:txBody>
-          <a:bodyPr lIns="90000" rIns="90000" tIns="45000" bIns="45000" anchor="ctr">
+          <a:bodyPr lIns="90000" tIns="45000" rIns="90000" bIns="45000" anchor="ctr">
             <a:noAutofit/>
           </a:bodyPr>
+          <a:lstStyle/>
           <a:p>
             <a:pPr algn="ctr">
               <a:lnSpc>
@@ -7449,7 +8818,7 @@
               </a:lnSpc>
             </a:pPr>
             <a:r>
-              <a:rPr b="1" lang="pt-PT" sz="4400" spc="-1" strike="noStrike">
+              <a:rPr lang="pt-PT" sz="4400" b="1" strike="noStrike" spc="-1">
                 <a:solidFill>
                   <a:srgbClr val="000000"/>
                 </a:solidFill>
@@ -7458,7 +8827,7 @@
               </a:rPr>
               <a:t>Principais dificuldades</a:t>
             </a:r>
-            <a:endParaRPr b="0" lang="pt-PT" sz="4400" spc="-1" strike="noStrike">
+            <a:endParaRPr lang="pt-PT" sz="4400" b="0" strike="noStrike" spc="-1">
               <a:latin typeface="Arial"/>
             </a:endParaRPr>
           </a:p>
@@ -7484,15 +8853,21 @@
           </a:ln>
         </p:spPr>
         <p:style>
-          <a:lnRef idx="0"/>
-          <a:fillRef idx="0"/>
-          <a:effectRef idx="0"/>
+          <a:lnRef idx="0">
+            <a:scrgbClr r="0" g="0" b="0"/>
+          </a:lnRef>
+          <a:fillRef idx="0">
+            <a:scrgbClr r="0" g="0" b="0"/>
+          </a:fillRef>
+          <a:effectRef idx="0">
+            <a:scrgbClr r="0" g="0" b="0"/>
+          </a:effectRef>
           <a:fontRef idx="minor"/>
         </p:style>
       </p:sp>
       <p:sp>
         <p:nvSpPr>
-          <p:cNvPr id="136" name=""/>
+          <p:cNvPr id="136" name="CaixaDeTexto 135"/>
           <p:cNvSpPr txBox="1"/>
           <p:nvPr/>
         </p:nvSpPr>
@@ -7510,9 +8885,10 @@
           </a:ln>
         </p:spPr>
         <p:txBody>
-          <a:bodyPr lIns="0" rIns="0" tIns="0" bIns="0">
+          <a:bodyPr lIns="0" tIns="0" rIns="0" bIns="0">
             <a:normAutofit/>
           </a:bodyPr>
+          <a:lstStyle/>
           <a:p>
             <a:pPr marL="432000" indent="-324000">
               <a:spcBef>
@@ -7526,7 +8902,7 @@
               <a:buChar char=""/>
             </a:pPr>
             <a:r>
-              <a:rPr b="0" lang="pt-PT" sz="2800" spc="-1" strike="noStrike">
+              <a:rPr lang="pt-PT" sz="2800" b="0" strike="noStrike" spc="-1">
                 <a:solidFill>
                   <a:srgbClr val="000000"/>
                 </a:solidFill>
@@ -7534,12 +8910,6 @@
               </a:rPr>
               <a:t>Ao longo do trabalho, tivemos dificuldades em relacionar as classes devido à maneira como estas estavam especificadas no enunciado, levando a dependencias circulares no início (Nomeadamente, Flights e Planes). A solução foi criar a classe FlightPlan.</a:t>
             </a:r>
-            <a:endParaRPr b="0" lang="pt-PT" sz="2800" spc="-1" strike="noStrike">
-              <a:solidFill>
-                <a:srgbClr val="000000"/>
-              </a:solidFill>
-              <a:latin typeface="Arial"/>
-            </a:endParaRPr>
           </a:p>
           <a:p>
             <a:pPr marL="432000" indent="-324000">
@@ -7554,7 +8924,7 @@
               <a:buChar char=""/>
             </a:pPr>
             <a:r>
-              <a:rPr b="0" lang="pt-PT" sz="2800" spc="-1" strike="noStrike">
+              <a:rPr lang="pt-PT" sz="2800" b="0" strike="noStrike" spc="-1">
                 <a:solidFill>
                   <a:srgbClr val="000000"/>
                 </a:solidFill>
@@ -7562,25 +8932,14 @@
               </a:rPr>
               <a:t>Tivemos também problemas a gerir os objetos das classes. A solução foi usar pointers.</a:t>
             </a:r>
-            <a:endParaRPr b="0" lang="pt-PT" sz="2800" spc="-1" strike="noStrike">
-              <a:solidFill>
-                <a:srgbClr val="000000"/>
-              </a:solidFill>
-              <a:latin typeface="Arial"/>
-            </a:endParaRPr>
           </a:p>
         </p:txBody>
       </p:sp>
     </p:spTree>
   </p:cSld>
-  <mc:AlternateContent>
-    <mc:Choice Requires="p14">
-      <p:transition spd="slow" p14:dur="2000"/>
-    </mc:Choice>
-    <mc:Fallback>
-      <p:transition spd="slow"/>
-    </mc:Fallback>
-  </mc:AlternateContent>
+  <p:clrMapOvr>
+    <a:masterClrMapping/>
+  </p:clrMapOvr>
 </p:sld>
 </file>
 
@@ -7595,34 +8954,34 @@
         <a:sysClr val="window" lastClr="FFFFFF"/>
       </a:lt1>
       <a:dk2>
-        <a:srgbClr val="44546a"/>
+        <a:srgbClr val="44546A"/>
       </a:dk2>
       <a:lt2>
-        <a:srgbClr val="e7e6e6"/>
+        <a:srgbClr val="E7E6E6"/>
       </a:lt2>
       <a:accent1>
-        <a:srgbClr val="4472c4"/>
+        <a:srgbClr val="4472C4"/>
       </a:accent1>
       <a:accent2>
-        <a:srgbClr val="ed7d31"/>
+        <a:srgbClr val="ED7D31"/>
       </a:accent2>
       <a:accent3>
-        <a:srgbClr val="a5a5a5"/>
+        <a:srgbClr val="A5A5A5"/>
       </a:accent3>
       <a:accent4>
-        <a:srgbClr val="ffc000"/>
+        <a:srgbClr val="FFC000"/>
       </a:accent4>
       <a:accent5>
-        <a:srgbClr val="5b9bd5"/>
+        <a:srgbClr val="5B9BD5"/>
       </a:accent5>
       <a:accent6>
-        <a:srgbClr val="70ad47"/>
+        <a:srgbClr val="70AD47"/>
       </a:accent6>
       <a:hlink>
-        <a:srgbClr val="0563c1"/>
+        <a:srgbClr val="0563C1"/>
       </a:hlink>
       <a:folHlink>
-        <a:srgbClr val="954f72"/>
+        <a:srgbClr val="954F72"/>
       </a:folHlink>
     </a:clrScheme>
     <a:fontScheme name="Office">
@@ -7807,6 +9166,8 @@
       </a:bgFillStyleLst>
     </a:fmtScheme>
   </a:themeElements>
+  <a:objectDefaults/>
+  <a:extraClrSchemeLst/>
 </a:theme>
 </file>
 
@@ -7821,34 +9182,34 @@
         <a:sysClr val="window" lastClr="FFFFFF"/>
       </a:lt1>
       <a:dk2>
-        <a:srgbClr val="44546a"/>
+        <a:srgbClr val="44546A"/>
       </a:dk2>
       <a:lt2>
-        <a:srgbClr val="e7e6e6"/>
+        <a:srgbClr val="E7E6E6"/>
       </a:lt2>
       <a:accent1>
-        <a:srgbClr val="4472c4"/>
+        <a:srgbClr val="4472C4"/>
       </a:accent1>
       <a:accent2>
-        <a:srgbClr val="ed7d31"/>
+        <a:srgbClr val="ED7D31"/>
       </a:accent2>
       <a:accent3>
-        <a:srgbClr val="a5a5a5"/>
+        <a:srgbClr val="A5A5A5"/>
       </a:accent3>
       <a:accent4>
-        <a:srgbClr val="ffc000"/>
+        <a:srgbClr val="FFC000"/>
       </a:accent4>
       <a:accent5>
-        <a:srgbClr val="5b9bd5"/>
+        <a:srgbClr val="5B9BD5"/>
       </a:accent5>
       <a:accent6>
-        <a:srgbClr val="70ad47"/>
+        <a:srgbClr val="70AD47"/>
       </a:accent6>
       <a:hlink>
-        <a:srgbClr val="0563c1"/>
+        <a:srgbClr val="0563C1"/>
       </a:hlink>
       <a:folHlink>
-        <a:srgbClr val="954f72"/>
+        <a:srgbClr val="954F72"/>
       </a:folHlink>
     </a:clrScheme>
     <a:fontScheme name="Office">
@@ -8033,6 +9394,8 @@
       </a:bgFillStyleLst>
     </a:fmtScheme>
   </a:themeElements>
+  <a:objectDefaults/>
+  <a:extraClrSchemeLst/>
 </a:theme>
 </file>
 
@@ -8047,34 +9410,34 @@
         <a:sysClr val="window" lastClr="FFFFFF"/>
       </a:lt1>
       <a:dk2>
-        <a:srgbClr val="44546a"/>
+        <a:srgbClr val="44546A"/>
       </a:dk2>
       <a:lt2>
-        <a:srgbClr val="e7e6e6"/>
+        <a:srgbClr val="E7E6E6"/>
       </a:lt2>
       <a:accent1>
-        <a:srgbClr val="4472c4"/>
+        <a:srgbClr val="4472C4"/>
       </a:accent1>
       <a:accent2>
-        <a:srgbClr val="ed7d31"/>
+        <a:srgbClr val="ED7D31"/>
       </a:accent2>
       <a:accent3>
-        <a:srgbClr val="a5a5a5"/>
+        <a:srgbClr val="A5A5A5"/>
       </a:accent3>
       <a:accent4>
-        <a:srgbClr val="ffc000"/>
+        <a:srgbClr val="FFC000"/>
       </a:accent4>
       <a:accent5>
-        <a:srgbClr val="5b9bd5"/>
+        <a:srgbClr val="5B9BD5"/>
       </a:accent5>
       <a:accent6>
-        <a:srgbClr val="70ad47"/>
+        <a:srgbClr val="70AD47"/>
       </a:accent6>
       <a:hlink>
-        <a:srgbClr val="0563c1"/>
+        <a:srgbClr val="0563C1"/>
       </a:hlink>
       <a:folHlink>
-        <a:srgbClr val="954f72"/>
+        <a:srgbClr val="954F72"/>
       </a:folHlink>
     </a:clrScheme>
     <a:fontScheme name="Office">
@@ -8259,5 +9622,7 @@
       </a:bgFillStyleLst>
     </a:fmtScheme>
   </a:themeElements>
+  <a:objectDefaults/>
+  <a:extraClrSchemeLst/>
 </a:theme>
 </file>